--- a/docs/project_poster.pptx
+++ b/docs/project_poster.pptx
@@ -4279,7 +4279,7 @@
               <a:rPr lang="en-IE" sz="2000" dirty="0">
                 <a:latin typeface="Congenial" panose="020F0502020204030204" pitchFamily="2" charset="0"/>
               </a:rPr>
-              <a:t>GitHub: github.com/HDLGen-ChatGPT/PYNQ-SoC-Builder</a:t>
+              <a:t>GitHub.com/HDLGen-ChatGPT/PYNQ-SoC-Builder</a:t>
             </a:r>
           </a:p>
           <a:p>
@@ -4688,13 +4688,13 @@
         </p:spPr>
         <p:style>
           <a:lnRef idx="1">
-            <a:schemeClr val="accent2"/>
+            <a:schemeClr val="accent3"/>
           </a:lnRef>
           <a:fillRef idx="2">
-            <a:schemeClr val="accent2"/>
+            <a:schemeClr val="accent3"/>
           </a:fillRef>
           <a:effectRef idx="1">
-            <a:schemeClr val="accent2"/>
+            <a:schemeClr val="accent3"/>
           </a:effectRef>
           <a:fontRef idx="minor">
             <a:schemeClr val="dk1"/>
@@ -4738,7 +4738,7 @@
           </a:prstGeom>
           <a:ln>
             <a:solidFill>
-              <a:schemeClr val="accent2"/>
+              <a:schemeClr val="accent3"/>
             </a:solidFill>
           </a:ln>
         </p:spPr>
@@ -5117,6 +5117,158 @@
             </a:r>
           </a:p>
           <a:p>
+            <a:pPr marL="285750" indent="-285750">
+              <a:buFont typeface="Arial" panose="020B0604020202020204" pitchFamily="34" charset="0"/>
+              <a:buChar char="•"/>
+            </a:pPr>
+            <a:endParaRPr lang="en-IE" dirty="0">
+              <a:solidFill>
+                <a:schemeClr val="tx1"/>
+              </a:solidFill>
+              <a:latin typeface="Congenial" panose="02000503040000020004" pitchFamily="2" charset="0"/>
+            </a:endParaRPr>
+          </a:p>
+          <a:p>
+            <a:pPr marL="285750" indent="-285750">
+              <a:buFont typeface="Arial" panose="020B0604020202020204" pitchFamily="34" charset="0"/>
+              <a:buChar char="•"/>
+            </a:pPr>
+            <a:endParaRPr lang="en-IE" dirty="0">
+              <a:solidFill>
+                <a:schemeClr val="tx1"/>
+              </a:solidFill>
+              <a:latin typeface="Congenial" panose="02000503040000020004" pitchFamily="2" charset="0"/>
+            </a:endParaRPr>
+          </a:p>
+          <a:p>
+            <a:pPr marL="285750" indent="-285750">
+              <a:buFont typeface="Arial" panose="020B0604020202020204" pitchFamily="34" charset="0"/>
+              <a:buChar char="•"/>
+            </a:pPr>
+            <a:endParaRPr lang="en-IE" dirty="0">
+              <a:solidFill>
+                <a:schemeClr val="tx1"/>
+              </a:solidFill>
+              <a:latin typeface="Congenial" panose="02000503040000020004" pitchFamily="2" charset="0"/>
+            </a:endParaRPr>
+          </a:p>
+          <a:p>
+            <a:pPr marL="285750" indent="-285750">
+              <a:buFont typeface="Arial" panose="020B0604020202020204" pitchFamily="34" charset="0"/>
+              <a:buChar char="•"/>
+            </a:pPr>
+            <a:endParaRPr lang="en-IE" dirty="0">
+              <a:solidFill>
+                <a:schemeClr val="tx1"/>
+              </a:solidFill>
+              <a:latin typeface="Congenial" panose="02000503040000020004" pitchFamily="2" charset="0"/>
+            </a:endParaRPr>
+          </a:p>
+          <a:p>
+            <a:pPr marL="285750" indent="-285750">
+              <a:buFont typeface="Arial" panose="020B0604020202020204" pitchFamily="34" charset="0"/>
+              <a:buChar char="•"/>
+            </a:pPr>
+            <a:endParaRPr lang="en-IE" dirty="0">
+              <a:solidFill>
+                <a:schemeClr val="tx1"/>
+              </a:solidFill>
+              <a:latin typeface="Congenial" panose="02000503040000020004" pitchFamily="2" charset="0"/>
+            </a:endParaRPr>
+          </a:p>
+          <a:p>
+            <a:pPr marL="285750" indent="-285750">
+              <a:buFont typeface="Arial" panose="020B0604020202020204" pitchFamily="34" charset="0"/>
+              <a:buChar char="•"/>
+            </a:pPr>
+            <a:endParaRPr lang="en-IE" dirty="0">
+              <a:solidFill>
+                <a:schemeClr val="tx1"/>
+              </a:solidFill>
+              <a:latin typeface="Congenial" panose="02000503040000020004" pitchFamily="2" charset="0"/>
+            </a:endParaRPr>
+          </a:p>
+          <a:p>
+            <a:pPr marL="285750" indent="-285750">
+              <a:buFont typeface="Arial" panose="020B0604020202020204" pitchFamily="34" charset="0"/>
+              <a:buChar char="•"/>
+            </a:pPr>
+            <a:endParaRPr lang="en-IE" dirty="0">
+              <a:solidFill>
+                <a:schemeClr val="tx1"/>
+              </a:solidFill>
+              <a:latin typeface="Congenial" panose="02000503040000020004" pitchFamily="2" charset="0"/>
+            </a:endParaRPr>
+          </a:p>
+          <a:p>
+            <a:pPr marL="285750" indent="-285750">
+              <a:buFont typeface="Arial" panose="020B0604020202020204" pitchFamily="34" charset="0"/>
+              <a:buChar char="•"/>
+            </a:pPr>
+            <a:endParaRPr lang="en-IE" dirty="0">
+              <a:solidFill>
+                <a:schemeClr val="tx1"/>
+              </a:solidFill>
+              <a:latin typeface="Congenial" panose="02000503040000020004" pitchFamily="2" charset="0"/>
+            </a:endParaRPr>
+          </a:p>
+          <a:p>
+            <a:pPr marL="285750" indent="-285750">
+              <a:buFont typeface="Arial" panose="020B0604020202020204" pitchFamily="34" charset="0"/>
+              <a:buChar char="•"/>
+            </a:pPr>
+            <a:endParaRPr lang="en-IE" dirty="0">
+              <a:solidFill>
+                <a:schemeClr val="tx1"/>
+              </a:solidFill>
+              <a:latin typeface="Congenial" panose="02000503040000020004" pitchFamily="2" charset="0"/>
+            </a:endParaRPr>
+          </a:p>
+          <a:p>
+            <a:pPr marL="285750" indent="-285750">
+              <a:buFont typeface="Arial" panose="020B0604020202020204" pitchFamily="34" charset="0"/>
+              <a:buChar char="•"/>
+            </a:pPr>
+            <a:endParaRPr lang="en-IE" dirty="0">
+              <a:solidFill>
+                <a:schemeClr val="tx1"/>
+              </a:solidFill>
+              <a:latin typeface="Congenial" panose="02000503040000020004" pitchFamily="2" charset="0"/>
+            </a:endParaRPr>
+          </a:p>
+          <a:p>
+            <a:pPr marL="285750" indent="-285750">
+              <a:buFont typeface="Arial" panose="020B0604020202020204" pitchFamily="34" charset="0"/>
+              <a:buChar char="•"/>
+            </a:pPr>
+            <a:endParaRPr lang="en-IE" dirty="0">
+              <a:solidFill>
+                <a:schemeClr val="tx1"/>
+              </a:solidFill>
+              <a:latin typeface="Congenial" panose="02000503040000020004" pitchFamily="2" charset="0"/>
+            </a:endParaRPr>
+          </a:p>
+          <a:p>
+            <a:pPr marL="285750" indent="-285750">
+              <a:buFont typeface="Arial" panose="020B0604020202020204" pitchFamily="34" charset="0"/>
+              <a:buChar char="•"/>
+            </a:pPr>
+            <a:endParaRPr lang="en-IE" dirty="0">
+              <a:solidFill>
+                <a:schemeClr val="tx1"/>
+              </a:solidFill>
+              <a:latin typeface="Congenial" panose="02000503040000020004" pitchFamily="2" charset="0"/>
+            </a:endParaRPr>
+          </a:p>
+          <a:p>
+            <a:endParaRPr lang="en-IE" dirty="0">
+              <a:solidFill>
+                <a:schemeClr val="tx1"/>
+              </a:solidFill>
+              <a:latin typeface="Congenial" panose="02000503040000020004" pitchFamily="2" charset="0"/>
+            </a:endParaRPr>
+          </a:p>
+          <a:p>
             <a:endParaRPr lang="en-IE" dirty="0">
               <a:solidFill>
                 <a:schemeClr val="tx1"/>
@@ -5240,6 +5392,11 @@
           <a:bodyPr rtlCol="0" anchor="t"/>
           <a:lstStyle/>
           <a:p>
+            <a:pPr>
+              <a:spcAft>
+                <a:spcPts val="600"/>
+              </a:spcAft>
+            </a:pPr>
             <a:r>
               <a:rPr lang="en-IE" dirty="0">
                 <a:solidFill>
@@ -5247,7 +5404,18 @@
                 </a:solidFill>
                 <a:latin typeface="Congenial" panose="02000503040000020004" pitchFamily="2" charset="0"/>
               </a:rPr>
-              <a:t>Remote PYNQ FPGA Laboratory</a:t>
+              <a:t>The purpose of the remote FPGA laboratory is to make real PYNQ Z2 hardware available to students and enthusiasts.</a:t>
+            </a:r>
+          </a:p>
+          <a:p>
+            <a:r>
+              <a:rPr lang="en-IE" dirty="0">
+                <a:solidFill>
+                  <a:schemeClr val="tx1"/>
+                </a:solidFill>
+                <a:latin typeface="Congenial" panose="02000503040000020004" pitchFamily="2" charset="0"/>
+              </a:rPr>
+              <a:t>This is achieved by using a tunnelling service. This service runs as a background daemon on the PYNQ’s ARM processor.</a:t>
             </a:r>
           </a:p>
         </p:txBody>
@@ -5390,8 +5558,8 @@
         </p:blipFill>
         <p:spPr>
           <a:xfrm>
-            <a:off x="1988456" y="11258928"/>
-            <a:ext cx="3284801" cy="2083720"/>
+            <a:off x="988219" y="9617825"/>
+            <a:ext cx="1642401" cy="1041860"/>
           </a:xfrm>
           <a:prstGeom prst="rect">
             <a:avLst/>
@@ -5412,8 +5580,8 @@
         </p:nvSpPr>
         <p:spPr>
           <a:xfrm>
-            <a:off x="8008249" y="5239260"/>
-            <a:ext cx="6659325" cy="2909657"/>
+            <a:off x="8000011" y="5239260"/>
+            <a:ext cx="6707580" cy="4368278"/>
           </a:xfrm>
           <a:prstGeom prst="rect">
             <a:avLst/>
@@ -5443,6 +5611,296 @@
             <a:r>
               <a:rPr lang="en-IE" dirty="0"/>
               <a:t>Flow Diagram</a:t>
+            </a:r>
+          </a:p>
+        </p:txBody>
+      </p:sp>
+      <p:pic>
+        <p:nvPicPr>
+          <p:cNvPr id="17" name="Picture 16" descr="A screenshot of a computer program&#10;&#10;Description automatically generated">
+            <a:extLst>
+              <a:ext uri="{FF2B5EF4-FFF2-40B4-BE49-F238E27FC236}">
+                <a16:creationId xmlns:a16="http://schemas.microsoft.com/office/drawing/2014/main" id="{0A2B0D16-0822-08FF-062D-19B4753343EB}"/>
+              </a:ext>
+            </a:extLst>
+          </p:cNvPr>
+          <p:cNvPicPr>
+            <a:picLocks noChangeAspect="1"/>
+          </p:cNvPicPr>
+          <p:nvPr/>
+        </p:nvPicPr>
+        <p:blipFill>
+          <a:blip r:embed="rId4">
+            <a:extLst>
+              <a:ext uri="{28A0092B-C50C-407E-A947-70E740481C1C}">
+                <a14:useLocalDpi xmlns:a14="http://schemas.microsoft.com/office/drawing/2010/main" val="0"/>
+              </a:ext>
+            </a:extLst>
+          </a:blip>
+          <a:stretch>
+            <a:fillRect/>
+          </a:stretch>
+        </p:blipFill>
+        <p:spPr>
+          <a:xfrm>
+            <a:off x="7968234" y="9950285"/>
+            <a:ext cx="3369678" cy="1825802"/>
+          </a:xfrm>
+          <a:prstGeom prst="rect">
+            <a:avLst/>
+          </a:prstGeom>
+        </p:spPr>
+      </p:pic>
+      <p:pic>
+        <p:nvPicPr>
+          <p:cNvPr id="21" name="Picture 20" descr="A screenshot of a computer program&#10;&#10;Description automatically generated">
+            <a:extLst>
+              <a:ext uri="{FF2B5EF4-FFF2-40B4-BE49-F238E27FC236}">
+                <a16:creationId xmlns:a16="http://schemas.microsoft.com/office/drawing/2014/main" id="{8008977C-37C3-5B36-0FE3-00CBDE6A5075}"/>
+              </a:ext>
+            </a:extLst>
+          </p:cNvPr>
+          <p:cNvPicPr>
+            <a:picLocks noChangeAspect="1"/>
+          </p:cNvPicPr>
+          <p:nvPr/>
+        </p:nvPicPr>
+        <p:blipFill>
+          <a:blip r:embed="rId5">
+            <a:extLst>
+              <a:ext uri="{28A0092B-C50C-407E-A947-70E740481C1C}">
+                <a14:useLocalDpi xmlns:a14="http://schemas.microsoft.com/office/drawing/2010/main" val="0"/>
+              </a:ext>
+            </a:extLst>
+          </a:blip>
+          <a:stretch>
+            <a:fillRect/>
+          </a:stretch>
+        </p:blipFill>
+        <p:spPr>
+          <a:xfrm>
+            <a:off x="11401385" y="9950284"/>
+            <a:ext cx="3369678" cy="1825802"/>
+          </a:xfrm>
+          <a:prstGeom prst="rect">
+            <a:avLst/>
+          </a:prstGeom>
+        </p:spPr>
+      </p:pic>
+      <p:pic>
+        <p:nvPicPr>
+          <p:cNvPr id="19" name="Picture 18" descr="A screenshot of a computer&#10;&#10;Description automatically generated">
+            <a:extLst>
+              <a:ext uri="{FF2B5EF4-FFF2-40B4-BE49-F238E27FC236}">
+                <a16:creationId xmlns:a16="http://schemas.microsoft.com/office/drawing/2014/main" id="{2198E336-5B10-4172-16BB-4772FD167BAD}"/>
+              </a:ext>
+            </a:extLst>
+          </p:cNvPr>
+          <p:cNvPicPr>
+            <a:picLocks noChangeAspect="1"/>
+          </p:cNvPicPr>
+          <p:nvPr/>
+        </p:nvPicPr>
+        <p:blipFill>
+          <a:blip r:embed="rId6">
+            <a:extLst>
+              <a:ext uri="{28A0092B-C50C-407E-A947-70E740481C1C}">
+                <a14:useLocalDpi xmlns:a14="http://schemas.microsoft.com/office/drawing/2010/main" val="0"/>
+              </a:ext>
+            </a:extLst>
+          </a:blip>
+          <a:stretch>
+            <a:fillRect/>
+          </a:stretch>
+        </p:blipFill>
+        <p:spPr>
+          <a:xfrm>
+            <a:off x="7974585" y="12049552"/>
+            <a:ext cx="3356977" cy="1825802"/>
+          </a:xfrm>
+          <a:prstGeom prst="rect">
+            <a:avLst/>
+          </a:prstGeom>
+        </p:spPr>
+      </p:pic>
+      <p:pic>
+        <p:nvPicPr>
+          <p:cNvPr id="23" name="Picture 22">
+            <a:extLst>
+              <a:ext uri="{FF2B5EF4-FFF2-40B4-BE49-F238E27FC236}">
+                <a16:creationId xmlns:a16="http://schemas.microsoft.com/office/drawing/2014/main" id="{53212D3A-A479-9EC8-FAA0-51D7A5C3A859}"/>
+              </a:ext>
+            </a:extLst>
+          </p:cNvPr>
+          <p:cNvPicPr>
+            <a:picLocks noChangeAspect="1"/>
+          </p:cNvPicPr>
+          <p:nvPr/>
+        </p:nvPicPr>
+        <p:blipFill>
+          <a:blip r:embed="rId7"/>
+          <a:stretch>
+            <a:fillRect/>
+          </a:stretch>
+        </p:blipFill>
+        <p:spPr>
+          <a:xfrm>
+            <a:off x="11390284" y="12053084"/>
+            <a:ext cx="3376029" cy="1822269"/>
+          </a:xfrm>
+          <a:prstGeom prst="rect">
+            <a:avLst/>
+          </a:prstGeom>
+        </p:spPr>
+      </p:pic>
+      <p:sp>
+        <p:nvSpPr>
+          <p:cNvPr id="24" name="TextBox 23">
+            <a:extLst>
+              <a:ext uri="{FF2B5EF4-FFF2-40B4-BE49-F238E27FC236}">
+                <a16:creationId xmlns:a16="http://schemas.microsoft.com/office/drawing/2014/main" id="{B11CA88F-E5D5-2979-1A19-BFE94B22928A}"/>
+              </a:ext>
+            </a:extLst>
+          </p:cNvPr>
+          <p:cNvSpPr txBox="1"/>
+          <p:nvPr/>
+        </p:nvSpPr>
+        <p:spPr>
+          <a:xfrm>
+            <a:off x="7969834" y="11776086"/>
+            <a:ext cx="3363328" cy="276999"/>
+          </a:xfrm>
+          <a:prstGeom prst="rect">
+            <a:avLst/>
+          </a:prstGeom>
+          <a:noFill/>
+        </p:spPr>
+        <p:txBody>
+          <a:bodyPr wrap="square" rtlCol="0">
+            <a:spAutoFit/>
+          </a:bodyPr>
+          <a:lstStyle/>
+          <a:p>
+            <a:pPr algn="ctr"/>
+            <a:r>
+              <a:rPr lang="en-IE" sz="1200" dirty="0">
+                <a:latin typeface="Congenial" panose="02000503040000020004" pitchFamily="2" charset="0"/>
+              </a:rPr>
+              <a:t>PYNQ SoC Builder Main Menu</a:t>
+            </a:r>
+          </a:p>
+        </p:txBody>
+      </p:sp>
+      <p:sp>
+        <p:nvSpPr>
+          <p:cNvPr id="25" name="TextBox 24">
+            <a:extLst>
+              <a:ext uri="{FF2B5EF4-FFF2-40B4-BE49-F238E27FC236}">
+                <a16:creationId xmlns:a16="http://schemas.microsoft.com/office/drawing/2014/main" id="{10A86835-3D95-76B8-ED7A-AB8CDF2768B6}"/>
+              </a:ext>
+            </a:extLst>
+          </p:cNvPr>
+          <p:cNvSpPr txBox="1"/>
+          <p:nvPr/>
+        </p:nvSpPr>
+        <p:spPr>
+          <a:xfrm>
+            <a:off x="11396635" y="11769839"/>
+            <a:ext cx="3369678" cy="276999"/>
+          </a:xfrm>
+          <a:prstGeom prst="rect">
+            <a:avLst/>
+          </a:prstGeom>
+          <a:noFill/>
+        </p:spPr>
+        <p:txBody>
+          <a:bodyPr wrap="square" rtlCol="0">
+            <a:spAutoFit/>
+          </a:bodyPr>
+          <a:lstStyle/>
+          <a:p>
+            <a:pPr algn="ctr"/>
+            <a:r>
+              <a:rPr lang="en-IE" sz="1200" dirty="0">
+                <a:latin typeface="Congenial" panose="02000503040000020004" pitchFamily="2" charset="0"/>
+              </a:rPr>
+              <a:t>In Progress Screen</a:t>
+            </a:r>
+          </a:p>
+        </p:txBody>
+      </p:sp>
+      <p:sp>
+        <p:nvSpPr>
+          <p:cNvPr id="35" name="TextBox 34">
+            <a:extLst>
+              <a:ext uri="{FF2B5EF4-FFF2-40B4-BE49-F238E27FC236}">
+                <a16:creationId xmlns:a16="http://schemas.microsoft.com/office/drawing/2014/main" id="{7E5EB8F9-624F-5575-9A3E-6480AFA3F82E}"/>
+              </a:ext>
+            </a:extLst>
+          </p:cNvPr>
+          <p:cNvSpPr txBox="1"/>
+          <p:nvPr/>
+        </p:nvSpPr>
+        <p:spPr>
+          <a:xfrm>
+            <a:off x="7968234" y="13885134"/>
+            <a:ext cx="3363328" cy="276999"/>
+          </a:xfrm>
+          <a:prstGeom prst="rect">
+            <a:avLst/>
+          </a:prstGeom>
+          <a:noFill/>
+        </p:spPr>
+        <p:txBody>
+          <a:bodyPr wrap="square" rtlCol="0">
+            <a:spAutoFit/>
+          </a:bodyPr>
+          <a:lstStyle/>
+          <a:p>
+            <a:pPr algn="ctr"/>
+            <a:r>
+              <a:rPr lang="en-IE" sz="1200" dirty="0">
+                <a:latin typeface="Congenial" panose="02000503040000020004" pitchFamily="2" charset="0"/>
+              </a:rPr>
+              <a:t>I/O Connections Menu</a:t>
+            </a:r>
+          </a:p>
+        </p:txBody>
+      </p:sp>
+      <p:sp>
+        <p:nvSpPr>
+          <p:cNvPr id="36" name="TextBox 35">
+            <a:extLst>
+              <a:ext uri="{FF2B5EF4-FFF2-40B4-BE49-F238E27FC236}">
+                <a16:creationId xmlns:a16="http://schemas.microsoft.com/office/drawing/2014/main" id="{6F835EBF-10F9-3A2F-EDA8-FDF484A8FAA8}"/>
+              </a:ext>
+            </a:extLst>
+          </p:cNvPr>
+          <p:cNvSpPr txBox="1"/>
+          <p:nvPr/>
+        </p:nvSpPr>
+        <p:spPr>
+          <a:xfrm>
+            <a:off x="11395035" y="13878887"/>
+            <a:ext cx="3369678" cy="276999"/>
+          </a:xfrm>
+          <a:prstGeom prst="rect">
+            <a:avLst/>
+          </a:prstGeom>
+          <a:noFill/>
+        </p:spPr>
+        <p:txBody>
+          <a:bodyPr wrap="square" rtlCol="0">
+            <a:spAutoFit/>
+          </a:bodyPr>
+          <a:lstStyle/>
+          <a:p>
+            <a:pPr algn="ctr"/>
+            <a:r>
+              <a:rPr lang="en-IE" sz="1200" dirty="0">
+                <a:latin typeface="Congenial" panose="02000503040000020004" pitchFamily="2" charset="0"/>
+              </a:rPr>
+              <a:t>Sample LED Signal Configuration</a:t>
             </a:r>
           </a:p>
         </p:txBody>

--- a/docs/project_poster.pptx
+++ b/docs/project_poster.pptx
@@ -4463,25 +4463,7 @@
                 </a:solidFill>
                 <a:latin typeface="Congenial" panose="02000503040000020004" pitchFamily="2" charset="0"/>
               </a:rPr>
-              <a:t>Extend the functionality of </a:t>
-            </a:r>
-            <a:r>
-              <a:rPr lang="en-IE" dirty="0" err="1">
-                <a:solidFill>
-                  <a:schemeClr val="tx1"/>
-                </a:solidFill>
-                <a:latin typeface="Congenial" panose="02000503040000020004" pitchFamily="2" charset="0"/>
-              </a:rPr>
-              <a:t>HDLGen</a:t>
-            </a:r>
-            <a:r>
-              <a:rPr lang="en-IE" dirty="0">
-                <a:solidFill>
-                  <a:schemeClr val="tx1"/>
-                </a:solidFill>
-                <a:latin typeface="Congenial" panose="02000503040000020004" pitchFamily="2" charset="0"/>
-              </a:rPr>
-              <a:t>-ChatGPT to automatically deploy projects to PYNQ-Z2 FPGAs</a:t>
+              <a:t>Extend the functionality of HDLGen-ChatGPT to automatically deploy projects to PYNQ-Z2 FPGAs</a:t>
             </a:r>
           </a:p>
           <a:p>
@@ -4773,7 +4755,7 @@
                 </a:solidFill>
                 <a:latin typeface="Congenial" panose="02000503040000020004" pitchFamily="2" charset="0"/>
               </a:rPr>
-              <a:t>Develop more RISC-V challenges of varying difficulty</a:t>
+              <a:t>Automate RISC-V Core Bitstream Creation</a:t>
             </a:r>
           </a:p>
           <a:p>
@@ -4788,7 +4770,7 @@
                 </a:solidFill>
                 <a:latin typeface="Congenial" panose="02000503040000020004" pitchFamily="2" charset="0"/>
               </a:rPr>
-              <a:t>Develop an online platform to allow user-sessions</a:t>
+              <a:t>Develop a range of RISC-V challenges of varying difficulty</a:t>
             </a:r>
           </a:p>
           <a:p>
@@ -4803,7 +4785,7 @@
                 </a:solidFill>
                 <a:latin typeface="Congenial" panose="02000503040000020004" pitchFamily="2" charset="0"/>
               </a:rPr>
-              <a:t>Future Work #3</a:t>
+              <a:t>Gather feedback from potential users of RV learning platform</a:t>
             </a:r>
           </a:p>
         </p:txBody>
@@ -5016,6 +4998,11 @@
           <a:bodyPr rtlCol="0" anchor="t"/>
           <a:lstStyle/>
           <a:p>
+            <a:pPr>
+              <a:spcAft>
+                <a:spcPts val="600"/>
+              </a:spcAft>
+            </a:pPr>
             <a:r>
               <a:rPr lang="en-IE" dirty="0">
                 <a:solidFill>
@@ -5526,6 +5513,25 @@
                 <a:latin typeface="Congenial" panose="02000503040000020004" pitchFamily="2" charset="0"/>
               </a:rPr>
               <a:t>This section will either be connected to the objectives section above or added more information :&gt;</a:t>
+            </a:r>
+          </a:p>
+          <a:p>
+            <a:endParaRPr lang="en-IE" dirty="0">
+              <a:solidFill>
+                <a:schemeClr val="tx1"/>
+              </a:solidFill>
+              <a:latin typeface="Congenial" panose="02000503040000020004" pitchFamily="2" charset="0"/>
+            </a:endParaRPr>
+          </a:p>
+          <a:p>
+            <a:r>
+              <a:rPr lang="en-IE" dirty="0">
+                <a:solidFill>
+                  <a:schemeClr val="tx1"/>
+                </a:solidFill>
+                <a:latin typeface="Congenial" panose="02000503040000020004" pitchFamily="2" charset="0"/>
+              </a:rPr>
+              <a:t>This section is going to be difficult to produce. We will try our best B)</a:t>
             </a:r>
           </a:p>
         </p:txBody>
@@ -5580,24 +5586,30 @@
         </p:nvSpPr>
         <p:spPr>
           <a:xfrm>
-            <a:off x="8000011" y="5239260"/>
-            <a:ext cx="6707580" cy="4368278"/>
+            <a:off x="7939219" y="5169505"/>
+            <a:ext cx="6802829" cy="4482064"/>
           </a:xfrm>
           <a:prstGeom prst="rect">
             <a:avLst/>
           </a:prstGeom>
+          <a:solidFill>
+            <a:schemeClr val="accent4">
+              <a:alpha val="50000"/>
+            </a:schemeClr>
+          </a:solidFill>
+          <a:ln>
+            <a:noFill/>
+          </a:ln>
         </p:spPr>
         <p:style>
-          <a:lnRef idx="2">
-            <a:schemeClr val="accent1">
-              <a:shade val="15000"/>
-            </a:schemeClr>
+          <a:lnRef idx="0">
+            <a:scrgbClr r="0" g="0" b="0"/>
           </a:lnRef>
-          <a:fillRef idx="1">
-            <a:schemeClr val="accent1"/>
+          <a:fillRef idx="0">
+            <a:scrgbClr r="0" g="0" b="0"/>
           </a:fillRef>
           <a:effectRef idx="0">
-            <a:schemeClr val="accent1"/>
+            <a:scrgbClr r="0" g="0" b="0"/>
           </a:effectRef>
           <a:fontRef idx="minor">
             <a:schemeClr val="lt1"/>
@@ -5608,10 +5620,7 @@
           <a:lstStyle/>
           <a:p>
             <a:pPr algn="ctr"/>
-            <a:r>
-              <a:rPr lang="en-IE" dirty="0"/>
-              <a:t>Flow Diagram</a:t>
-            </a:r>
+            <a:endParaRPr lang="en-IE" dirty="0"/>
           </a:p>
         </p:txBody>
       </p:sp>
@@ -5643,7 +5652,7 @@
         </p:blipFill>
         <p:spPr>
           <a:xfrm>
-            <a:off x="7968234" y="9950285"/>
+            <a:off x="7939206" y="9950285"/>
             <a:ext cx="3369678" cy="1825802"/>
           </a:xfrm>
           <a:prstGeom prst="rect">
@@ -5679,7 +5688,7 @@
         </p:blipFill>
         <p:spPr>
           <a:xfrm>
-            <a:off x="11401385" y="9950284"/>
+            <a:off x="11372357" y="9950284"/>
             <a:ext cx="3369678" cy="1825802"/>
           </a:xfrm>
           <a:prstGeom prst="rect">
@@ -5715,7 +5724,7 @@
         </p:blipFill>
         <p:spPr>
           <a:xfrm>
-            <a:off x="7974585" y="12049552"/>
+            <a:off x="7945557" y="12049552"/>
             <a:ext cx="3356977" cy="1825802"/>
           </a:xfrm>
           <a:prstGeom prst="rect">
@@ -5745,7 +5754,7 @@
         </p:blipFill>
         <p:spPr>
           <a:xfrm>
-            <a:off x="11390284" y="12053084"/>
+            <a:off x="11361256" y="12053084"/>
             <a:ext cx="3376029" cy="1822269"/>
           </a:xfrm>
           <a:prstGeom prst="rect">
@@ -5767,7 +5776,7 @@
         </p:nvSpPr>
         <p:spPr>
           <a:xfrm>
-            <a:off x="7969834" y="11776086"/>
+            <a:off x="7940806" y="11776086"/>
             <a:ext cx="3363328" cy="276999"/>
           </a:xfrm>
           <a:prstGeom prst="rect">
@@ -5805,7 +5814,7 @@
         </p:nvSpPr>
         <p:spPr>
           <a:xfrm>
-            <a:off x="11396635" y="11769839"/>
+            <a:off x="11367607" y="11769839"/>
             <a:ext cx="3369678" cy="276999"/>
           </a:xfrm>
           <a:prstGeom prst="rect">
@@ -5843,7 +5852,7 @@
         </p:nvSpPr>
         <p:spPr>
           <a:xfrm>
-            <a:off x="7968234" y="13885134"/>
+            <a:off x="7939206" y="13885134"/>
             <a:ext cx="3363328" cy="276999"/>
           </a:xfrm>
           <a:prstGeom prst="rect">
@@ -5881,7 +5890,7 @@
         </p:nvSpPr>
         <p:spPr>
           <a:xfrm>
-            <a:off x="11395035" y="13878887"/>
+            <a:off x="11366007" y="13878887"/>
             <a:ext cx="3369678" cy="276999"/>
           </a:xfrm>
           <a:prstGeom prst="rect">
@@ -5901,6 +5910,844 @@
                 <a:latin typeface="Congenial" panose="02000503040000020004" pitchFamily="2" charset="0"/>
               </a:rPr>
               <a:t>Sample LED Signal Configuration</a:t>
+            </a:r>
+          </a:p>
+        </p:txBody>
+      </p:sp>
+      <p:sp>
+        <p:nvSpPr>
+          <p:cNvPr id="37" name="Rectangle: Rounded Corners 36">
+            <a:extLst>
+              <a:ext uri="{FF2B5EF4-FFF2-40B4-BE49-F238E27FC236}">
+                <a16:creationId xmlns:a16="http://schemas.microsoft.com/office/drawing/2014/main" id="{EF7716DF-0001-78BF-0D54-CDA3FCAE3A30}"/>
+              </a:ext>
+            </a:extLst>
+          </p:cNvPr>
+          <p:cNvSpPr/>
+          <p:nvPr/>
+        </p:nvSpPr>
+        <p:spPr>
+          <a:xfrm>
+            <a:off x="10922826" y="5463312"/>
+            <a:ext cx="1351720" cy="2483565"/>
+          </a:xfrm>
+          <a:prstGeom prst="roundRect">
+            <a:avLst/>
+          </a:prstGeom>
+          <a:solidFill>
+            <a:schemeClr val="accent5">
+              <a:lumMod val="60000"/>
+              <a:lumOff val="40000"/>
+            </a:schemeClr>
+          </a:solidFill>
+        </p:spPr>
+        <p:style>
+          <a:lnRef idx="2">
+            <a:schemeClr val="accent5">
+              <a:shade val="15000"/>
+            </a:schemeClr>
+          </a:lnRef>
+          <a:fillRef idx="1">
+            <a:schemeClr val="accent5"/>
+          </a:fillRef>
+          <a:effectRef idx="0">
+            <a:schemeClr val="accent5"/>
+          </a:effectRef>
+          <a:fontRef idx="minor">
+            <a:schemeClr val="lt1"/>
+          </a:fontRef>
+        </p:style>
+        <p:txBody>
+          <a:bodyPr rtlCol="0" anchor="t"/>
+          <a:lstStyle/>
+          <a:p>
+            <a:pPr algn="ctr"/>
+            <a:r>
+              <a:rPr lang="en-IE" dirty="0">
+                <a:solidFill>
+                  <a:sysClr val="windowText" lastClr="000000"/>
+                </a:solidFill>
+                <a:latin typeface="Congenial Black" panose="02000503040000020004" pitchFamily="2" charset="0"/>
+              </a:rPr>
+              <a:t>PYNQ</a:t>
+            </a:r>
+          </a:p>
+          <a:p>
+            <a:pPr algn="ctr"/>
+            <a:r>
+              <a:rPr lang="en-IE" dirty="0">
+                <a:solidFill>
+                  <a:sysClr val="windowText" lastClr="000000"/>
+                </a:solidFill>
+                <a:latin typeface="Congenial Black" panose="02000503040000020004" pitchFamily="2" charset="0"/>
+              </a:rPr>
+              <a:t>SoC</a:t>
+            </a:r>
+          </a:p>
+          <a:p>
+            <a:pPr algn="ctr"/>
+            <a:r>
+              <a:rPr lang="en-IE" dirty="0">
+                <a:solidFill>
+                  <a:sysClr val="windowText" lastClr="000000"/>
+                </a:solidFill>
+                <a:latin typeface="Congenial Black" panose="02000503040000020004" pitchFamily="2" charset="0"/>
+              </a:rPr>
+              <a:t>Builder</a:t>
+            </a:r>
+          </a:p>
+        </p:txBody>
+      </p:sp>
+      <p:sp>
+        <p:nvSpPr>
+          <p:cNvPr id="38" name="Rectangle 37">
+            <a:extLst>
+              <a:ext uri="{FF2B5EF4-FFF2-40B4-BE49-F238E27FC236}">
+                <a16:creationId xmlns:a16="http://schemas.microsoft.com/office/drawing/2014/main" id="{879B4ED4-2660-6102-5423-1B8A096211DA}"/>
+              </a:ext>
+            </a:extLst>
+          </p:cNvPr>
+          <p:cNvSpPr/>
+          <p:nvPr/>
+        </p:nvSpPr>
+        <p:spPr>
+          <a:xfrm>
+            <a:off x="8115300" y="5491876"/>
+            <a:ext cx="1860748" cy="664601"/>
+          </a:xfrm>
+          <a:prstGeom prst="rect">
+            <a:avLst/>
+          </a:prstGeom>
+          <a:solidFill>
+            <a:schemeClr val="tx2"/>
+          </a:solidFill>
+        </p:spPr>
+        <p:style>
+          <a:lnRef idx="2">
+            <a:schemeClr val="accent1">
+              <a:shade val="15000"/>
+            </a:schemeClr>
+          </a:lnRef>
+          <a:fillRef idx="1">
+            <a:schemeClr val="accent1"/>
+          </a:fillRef>
+          <a:effectRef idx="0">
+            <a:schemeClr val="accent1"/>
+          </a:effectRef>
+          <a:fontRef idx="minor">
+            <a:schemeClr val="lt1"/>
+          </a:fontRef>
+        </p:style>
+        <p:txBody>
+          <a:bodyPr rtlCol="0" anchor="ctr"/>
+          <a:lstStyle/>
+          <a:p>
+            <a:pPr algn="ctr"/>
+            <a:r>
+              <a:rPr lang="en-IE" dirty="0">
+                <a:latin typeface="Congenial" panose="02000503040000020004" pitchFamily="2" charset="0"/>
+              </a:rPr>
+              <a:t>HDLGen Project XML Data</a:t>
+            </a:r>
+          </a:p>
+        </p:txBody>
+      </p:sp>
+      <p:sp>
+        <p:nvSpPr>
+          <p:cNvPr id="39" name="Rectangle 38">
+            <a:extLst>
+              <a:ext uri="{FF2B5EF4-FFF2-40B4-BE49-F238E27FC236}">
+                <a16:creationId xmlns:a16="http://schemas.microsoft.com/office/drawing/2014/main" id="{34C4F8FA-C828-5AB3-1DC5-8DD453564E52}"/>
+              </a:ext>
+            </a:extLst>
+          </p:cNvPr>
+          <p:cNvSpPr/>
+          <p:nvPr/>
+        </p:nvSpPr>
+        <p:spPr>
+          <a:xfrm>
+            <a:off x="8115299" y="6171627"/>
+            <a:ext cx="1859783" cy="1903468"/>
+          </a:xfrm>
+          <a:prstGeom prst="rect">
+            <a:avLst/>
+          </a:prstGeom>
+          <a:solidFill>
+            <a:schemeClr val="dk1">
+              <a:alpha val="50000"/>
+            </a:schemeClr>
+          </a:solidFill>
+          <a:ln>
+            <a:noFill/>
+          </a:ln>
+        </p:spPr>
+        <p:style>
+          <a:lnRef idx="0">
+            <a:scrgbClr r="0" g="0" b="0"/>
+          </a:lnRef>
+          <a:fillRef idx="0">
+            <a:scrgbClr r="0" g="0" b="0"/>
+          </a:fillRef>
+          <a:effectRef idx="0">
+            <a:scrgbClr r="0" g="0" b="0"/>
+          </a:effectRef>
+          <a:fontRef idx="minor">
+            <a:schemeClr val="lt1"/>
+          </a:fontRef>
+        </p:style>
+        <p:txBody>
+          <a:bodyPr rtlCol="0" anchor="t"/>
+          <a:lstStyle/>
+          <a:p>
+            <a:pPr marL="36000" algn="ctr"/>
+            <a:r>
+              <a:rPr lang="en-IE" sz="1200" dirty="0">
+                <a:latin typeface="Congenial" panose="02000503040000020004" pitchFamily="2" charset="0"/>
+              </a:rPr>
+              <a:t>Name, Description,</a:t>
+            </a:r>
+          </a:p>
+          <a:p>
+            <a:pPr marL="36000" algn="ctr"/>
+            <a:r>
+              <a:rPr lang="en-IE" sz="1200" dirty="0">
+                <a:latin typeface="Congenial" panose="02000503040000020004" pitchFamily="2" charset="0"/>
+              </a:rPr>
+              <a:t> Date, Author, Email, Company</a:t>
+            </a:r>
+          </a:p>
+          <a:p>
+            <a:pPr marL="36000" algn="ctr"/>
+            <a:r>
+              <a:rPr lang="en-IE" sz="1200" dirty="0">
+                <a:latin typeface="Congenial" panose="02000503040000020004" pitchFamily="2" charset="0"/>
+              </a:rPr>
+              <a:t>Component</a:t>
+            </a:r>
+          </a:p>
+          <a:p>
+            <a:pPr marL="36000" algn="ctr"/>
+            <a:r>
+              <a:rPr lang="en-IE" sz="1200" dirty="0">
+                <a:latin typeface="Congenial" panose="02000503040000020004" pitchFamily="2" charset="0"/>
+              </a:rPr>
+              <a:t>Signal Type</a:t>
+            </a:r>
+          </a:p>
+          <a:p>
+            <a:pPr marL="36000" algn="ctr"/>
+            <a:r>
+              <a:rPr lang="en-IE" sz="1200" dirty="0">
+                <a:latin typeface="Congenial" panose="02000503040000020004" pitchFamily="2" charset="0"/>
+              </a:rPr>
+              <a:t>Sub-components</a:t>
+            </a:r>
+          </a:p>
+          <a:p>
+            <a:pPr marL="36000" algn="ctr"/>
+            <a:r>
+              <a:rPr lang="en-IE" sz="1200" dirty="0">
+                <a:latin typeface="Congenial" panose="02000503040000020004" pitchFamily="2" charset="0"/>
+              </a:rPr>
+              <a:t>Ports</a:t>
+            </a:r>
+          </a:p>
+          <a:p>
+            <a:pPr marL="36000" algn="ctr"/>
+            <a:r>
+              <a:rPr lang="en-IE" sz="1200" dirty="0">
+                <a:latin typeface="Congenial" panose="02000503040000020004" pitchFamily="2" charset="0"/>
+              </a:rPr>
+              <a:t>Internal Signals</a:t>
+            </a:r>
+          </a:p>
+          <a:p>
+            <a:pPr marL="36000" algn="ctr"/>
+            <a:r>
+              <a:rPr lang="en-IE" sz="1200" dirty="0">
+                <a:latin typeface="Congenial" panose="02000503040000020004" pitchFamily="2" charset="0"/>
+              </a:rPr>
+              <a:t>Architecture</a:t>
+            </a:r>
+          </a:p>
+          <a:p>
+            <a:pPr marL="36000" algn="ctr"/>
+            <a:r>
+              <a:rPr lang="en-IE" sz="1200" dirty="0">
+                <a:latin typeface="Congenial" panose="02000503040000020004" pitchFamily="2" charset="0"/>
+              </a:rPr>
+              <a:t>Test Plan</a:t>
+            </a:r>
+          </a:p>
+        </p:txBody>
+      </p:sp>
+      <p:sp>
+        <p:nvSpPr>
+          <p:cNvPr id="44" name="TextBox 43">
+            <a:extLst>
+              <a:ext uri="{FF2B5EF4-FFF2-40B4-BE49-F238E27FC236}">
+                <a16:creationId xmlns:a16="http://schemas.microsoft.com/office/drawing/2014/main" id="{DDA796BF-78E2-907D-F6A3-F2932450BAA0}"/>
+              </a:ext>
+            </a:extLst>
+          </p:cNvPr>
+          <p:cNvSpPr txBox="1"/>
+          <p:nvPr/>
+        </p:nvSpPr>
+        <p:spPr>
+          <a:xfrm>
+            <a:off x="10107909" y="6096397"/>
+            <a:ext cx="692260" cy="461665"/>
+          </a:xfrm>
+          <a:prstGeom prst="rect">
+            <a:avLst/>
+          </a:prstGeom>
+          <a:noFill/>
+        </p:spPr>
+        <p:txBody>
+          <a:bodyPr wrap="square" rtlCol="0">
+            <a:spAutoFit/>
+          </a:bodyPr>
+          <a:lstStyle/>
+          <a:p>
+            <a:pPr algn="ctr"/>
+            <a:r>
+              <a:rPr lang="en-IE" sz="1200" b="1" dirty="0">
+                <a:latin typeface="Congenial" panose="02000503040000020004" pitchFamily="2" charset="0"/>
+              </a:rPr>
+              <a:t>1</a:t>
+            </a:r>
+            <a:r>
+              <a:rPr lang="en-IE" sz="1200" dirty="0">
+                <a:latin typeface="Congenial" panose="02000503040000020004" pitchFamily="2" charset="0"/>
+              </a:rPr>
+              <a:t>. Read</a:t>
+            </a:r>
+          </a:p>
+          <a:p>
+            <a:pPr algn="ctr"/>
+            <a:r>
+              <a:rPr lang="en-IE" sz="1200" dirty="0">
+                <a:latin typeface="Congenial" panose="02000503040000020004" pitchFamily="2" charset="0"/>
+              </a:rPr>
+              <a:t>Data</a:t>
+            </a:r>
+          </a:p>
+        </p:txBody>
+      </p:sp>
+      <p:sp>
+        <p:nvSpPr>
+          <p:cNvPr id="45" name="TextBox 44">
+            <a:extLst>
+              <a:ext uri="{FF2B5EF4-FFF2-40B4-BE49-F238E27FC236}">
+                <a16:creationId xmlns:a16="http://schemas.microsoft.com/office/drawing/2014/main" id="{30D294A8-6B78-B0B5-B3BC-17B43E8C705A}"/>
+              </a:ext>
+            </a:extLst>
+          </p:cNvPr>
+          <p:cNvSpPr txBox="1"/>
+          <p:nvPr/>
+        </p:nvSpPr>
+        <p:spPr>
+          <a:xfrm>
+            <a:off x="10563639" y="7998541"/>
+            <a:ext cx="993671" cy="646331"/>
+          </a:xfrm>
+          <a:prstGeom prst="rect">
+            <a:avLst/>
+          </a:prstGeom>
+          <a:noFill/>
+        </p:spPr>
+        <p:txBody>
+          <a:bodyPr wrap="square" rtlCol="0">
+            <a:spAutoFit/>
+          </a:bodyPr>
+          <a:lstStyle/>
+          <a:p>
+            <a:pPr algn="ctr"/>
+            <a:r>
+              <a:rPr lang="en-IE" sz="1200" b="1" dirty="0">
+                <a:latin typeface="Congenial" panose="02000503040000020004" pitchFamily="2" charset="0"/>
+              </a:rPr>
+              <a:t>3</a:t>
+            </a:r>
+            <a:r>
+              <a:rPr lang="en-IE" sz="1200" dirty="0">
+                <a:latin typeface="Congenial" panose="02000503040000020004" pitchFamily="2" charset="0"/>
+              </a:rPr>
+              <a:t>. Invoke script in Vivado </a:t>
+            </a:r>
+          </a:p>
+        </p:txBody>
+      </p:sp>
+      <p:cxnSp>
+        <p:nvCxnSpPr>
+          <p:cNvPr id="46" name="Straight Arrow Connector 45">
+            <a:extLst>
+              <a:ext uri="{FF2B5EF4-FFF2-40B4-BE49-F238E27FC236}">
+                <a16:creationId xmlns:a16="http://schemas.microsoft.com/office/drawing/2014/main" id="{98DA1B83-3416-6975-B4D8-AFAD4D6F2E02}"/>
+              </a:ext>
+            </a:extLst>
+          </p:cNvPr>
+          <p:cNvCxnSpPr>
+            <a:cxnSpLocks/>
+          </p:cNvCxnSpPr>
+          <p:nvPr/>
+        </p:nvCxnSpPr>
+        <p:spPr>
+          <a:xfrm flipH="1">
+            <a:off x="11454881" y="7960858"/>
+            <a:ext cx="15790" cy="686450"/>
+          </a:xfrm>
+          <a:prstGeom prst="straightConnector1">
+            <a:avLst/>
+          </a:prstGeom>
+          <a:ln w="76200">
+            <a:solidFill>
+              <a:srgbClr val="C00000"/>
+            </a:solidFill>
+            <a:tailEnd type="triangle"/>
+          </a:ln>
+        </p:spPr>
+        <p:style>
+          <a:lnRef idx="2">
+            <a:schemeClr val="accent1"/>
+          </a:lnRef>
+          <a:fillRef idx="0">
+            <a:schemeClr val="accent1"/>
+          </a:fillRef>
+          <a:effectRef idx="1">
+            <a:schemeClr val="accent1"/>
+          </a:effectRef>
+          <a:fontRef idx="minor">
+            <a:schemeClr val="tx1"/>
+          </a:fontRef>
+        </p:style>
+      </p:cxnSp>
+      <p:cxnSp>
+        <p:nvCxnSpPr>
+          <p:cNvPr id="54" name="Straight Arrow Connector 53">
+            <a:extLst>
+              <a:ext uri="{FF2B5EF4-FFF2-40B4-BE49-F238E27FC236}">
+                <a16:creationId xmlns:a16="http://schemas.microsoft.com/office/drawing/2014/main" id="{39DE577A-5127-F0D6-79CB-0DEC9B3336FA}"/>
+              </a:ext>
+            </a:extLst>
+          </p:cNvPr>
+          <p:cNvCxnSpPr>
+            <a:cxnSpLocks/>
+          </p:cNvCxnSpPr>
+          <p:nvPr/>
+        </p:nvCxnSpPr>
+        <p:spPr>
+          <a:xfrm>
+            <a:off x="9985252" y="6015624"/>
+            <a:ext cx="937574" cy="0"/>
+          </a:xfrm>
+          <a:prstGeom prst="straightConnector1">
+            <a:avLst/>
+          </a:prstGeom>
+          <a:ln w="76200">
+            <a:solidFill>
+              <a:srgbClr val="C00000"/>
+            </a:solidFill>
+            <a:tailEnd type="triangle"/>
+          </a:ln>
+        </p:spPr>
+        <p:style>
+          <a:lnRef idx="2">
+            <a:schemeClr val="accent1"/>
+          </a:lnRef>
+          <a:fillRef idx="0">
+            <a:schemeClr val="accent1"/>
+          </a:fillRef>
+          <a:effectRef idx="1">
+            <a:schemeClr val="accent1"/>
+          </a:effectRef>
+          <a:fontRef idx="minor">
+            <a:schemeClr val="tx1"/>
+          </a:fontRef>
+        </p:style>
+      </p:cxnSp>
+      <p:cxnSp>
+        <p:nvCxnSpPr>
+          <p:cNvPr id="58" name="Straight Arrow Connector 57">
+            <a:extLst>
+              <a:ext uri="{FF2B5EF4-FFF2-40B4-BE49-F238E27FC236}">
+                <a16:creationId xmlns:a16="http://schemas.microsoft.com/office/drawing/2014/main" id="{9E5B057B-0C52-5E91-2C0E-3F12E1881562}"/>
+              </a:ext>
+            </a:extLst>
+          </p:cNvPr>
+          <p:cNvCxnSpPr>
+            <a:cxnSpLocks/>
+          </p:cNvCxnSpPr>
+          <p:nvPr/>
+        </p:nvCxnSpPr>
+        <p:spPr>
+          <a:xfrm flipV="1">
+            <a:off x="11752689" y="7960858"/>
+            <a:ext cx="0" cy="684014"/>
+          </a:xfrm>
+          <a:prstGeom prst="straightConnector1">
+            <a:avLst/>
+          </a:prstGeom>
+          <a:ln w="76200">
+            <a:solidFill>
+              <a:srgbClr val="C00000"/>
+            </a:solidFill>
+            <a:tailEnd type="triangle"/>
+          </a:ln>
+        </p:spPr>
+        <p:style>
+          <a:lnRef idx="2">
+            <a:schemeClr val="accent1"/>
+          </a:lnRef>
+          <a:fillRef idx="0">
+            <a:schemeClr val="accent1"/>
+          </a:fillRef>
+          <a:effectRef idx="1">
+            <a:schemeClr val="accent1"/>
+          </a:effectRef>
+          <a:fontRef idx="minor">
+            <a:schemeClr val="tx1"/>
+          </a:fontRef>
+        </p:style>
+      </p:cxnSp>
+      <p:sp>
+        <p:nvSpPr>
+          <p:cNvPr id="69" name="Rectangle: Rounded Corners 68">
+            <a:extLst>
+              <a:ext uri="{FF2B5EF4-FFF2-40B4-BE49-F238E27FC236}">
+                <a16:creationId xmlns:a16="http://schemas.microsoft.com/office/drawing/2014/main" id="{207B75FB-E85C-298D-0A4C-1D5C95F3F1DF}"/>
+              </a:ext>
+            </a:extLst>
+          </p:cNvPr>
+          <p:cNvSpPr/>
+          <p:nvPr/>
+        </p:nvSpPr>
+        <p:spPr>
+          <a:xfrm>
+            <a:off x="13208822" y="5491877"/>
+            <a:ext cx="1351721" cy="2468982"/>
+          </a:xfrm>
+          <a:prstGeom prst="roundRect">
+            <a:avLst/>
+          </a:prstGeom>
+          <a:solidFill>
+            <a:schemeClr val="accent2">
+              <a:lumMod val="60000"/>
+              <a:lumOff val="40000"/>
+            </a:schemeClr>
+          </a:solidFill>
+        </p:spPr>
+        <p:style>
+          <a:lnRef idx="2">
+            <a:schemeClr val="accent5">
+              <a:shade val="15000"/>
+            </a:schemeClr>
+          </a:lnRef>
+          <a:fillRef idx="1">
+            <a:schemeClr val="accent5"/>
+          </a:fillRef>
+          <a:effectRef idx="0">
+            <a:schemeClr val="accent5"/>
+          </a:effectRef>
+          <a:fontRef idx="minor">
+            <a:schemeClr val="lt1"/>
+          </a:fontRef>
+        </p:style>
+        <p:txBody>
+          <a:bodyPr rtlCol="0" anchor="t"/>
+          <a:lstStyle/>
+          <a:p>
+            <a:pPr algn="ctr"/>
+            <a:r>
+              <a:rPr lang="en-IE" dirty="0">
+                <a:solidFill>
+                  <a:sysClr val="windowText" lastClr="000000"/>
+                </a:solidFill>
+                <a:latin typeface="Congenial Black" panose="02000503040000020004" pitchFamily="2" charset="0"/>
+              </a:rPr>
+              <a:t>Output Binaries</a:t>
+            </a:r>
+          </a:p>
+          <a:p>
+            <a:pPr algn="ctr"/>
+            <a:endParaRPr lang="en-IE" dirty="0">
+              <a:solidFill>
+                <a:sysClr val="windowText" lastClr="000000"/>
+              </a:solidFill>
+              <a:latin typeface="Congenial" panose="02000503040000020004" pitchFamily="2" charset="0"/>
+            </a:endParaRPr>
+          </a:p>
+          <a:p>
+            <a:pPr algn="ctr"/>
+            <a:r>
+              <a:rPr lang="en-IE" dirty="0">
+                <a:solidFill>
+                  <a:sysClr val="windowText" lastClr="000000"/>
+                </a:solidFill>
+                <a:latin typeface="Congenial" panose="02000503040000020004" pitchFamily="2" charset="0"/>
+              </a:rPr>
+              <a:t>.hwh, .tcl, .bit, .ipynb</a:t>
+            </a:r>
+          </a:p>
+        </p:txBody>
+      </p:sp>
+      <p:pic>
+        <p:nvPicPr>
+          <p:cNvPr id="72" name="Picture 71" descr="A close-up of a logo&#10;&#10;Description automatically generated">
+            <a:extLst>
+              <a:ext uri="{FF2B5EF4-FFF2-40B4-BE49-F238E27FC236}">
+                <a16:creationId xmlns:a16="http://schemas.microsoft.com/office/drawing/2014/main" id="{C1BD3A44-B696-6B54-8EFB-E341224DB1AB}"/>
+              </a:ext>
+            </a:extLst>
+          </p:cNvPr>
+          <p:cNvPicPr>
+            <a:picLocks noChangeAspect="1"/>
+          </p:cNvPicPr>
+          <p:nvPr/>
+        </p:nvPicPr>
+        <p:blipFill>
+          <a:blip r:embed="rId8">
+            <a:extLst>
+              <a:ext uri="{28A0092B-C50C-407E-A947-70E740481C1C}">
+                <a14:useLocalDpi xmlns:a14="http://schemas.microsoft.com/office/drawing/2010/main" val="0"/>
+              </a:ext>
+            </a:extLst>
+          </a:blip>
+          <a:stretch>
+            <a:fillRect/>
+          </a:stretch>
+        </p:blipFill>
+        <p:spPr>
+          <a:xfrm>
+            <a:off x="10517779" y="8644873"/>
+            <a:ext cx="2161813" cy="705563"/>
+          </a:xfrm>
+          <a:prstGeom prst="roundRect">
+            <a:avLst/>
+          </a:prstGeom>
+          <a:ln w="19050">
+            <a:solidFill>
+              <a:schemeClr val="tx1"/>
+            </a:solidFill>
+          </a:ln>
+        </p:spPr>
+      </p:pic>
+      <p:sp>
+        <p:nvSpPr>
+          <p:cNvPr id="76" name="TextBox 75">
+            <a:extLst>
+              <a:ext uri="{FF2B5EF4-FFF2-40B4-BE49-F238E27FC236}">
+                <a16:creationId xmlns:a16="http://schemas.microsoft.com/office/drawing/2014/main" id="{EB5A9E15-4160-7EA3-E8E4-148D8E7ADE59}"/>
+              </a:ext>
+            </a:extLst>
+          </p:cNvPr>
+          <p:cNvSpPr txBox="1"/>
+          <p:nvPr/>
+        </p:nvSpPr>
+        <p:spPr>
+          <a:xfrm>
+            <a:off x="10935547" y="6348866"/>
+            <a:ext cx="1326276" cy="830997"/>
+          </a:xfrm>
+          <a:prstGeom prst="rect">
+            <a:avLst/>
+          </a:prstGeom>
+          <a:noFill/>
+        </p:spPr>
+        <p:txBody>
+          <a:bodyPr wrap="square" rtlCol="0">
+            <a:spAutoFit/>
+          </a:bodyPr>
+          <a:lstStyle/>
+          <a:p>
+            <a:pPr algn="ctr"/>
+            <a:r>
+              <a:rPr lang="en-IE" sz="1200" b="1" dirty="0">
+                <a:latin typeface="Congenial" panose="02000503040000020004" pitchFamily="2" charset="0"/>
+              </a:rPr>
+              <a:t>2</a:t>
+            </a:r>
+            <a:r>
+              <a:rPr lang="en-IE" sz="1200" dirty="0">
+                <a:latin typeface="Congenial" panose="02000503040000020004" pitchFamily="2" charset="0"/>
+              </a:rPr>
+              <a:t>. Prepare a Tcl script which applies build steps in Vivado</a:t>
+            </a:r>
+          </a:p>
+        </p:txBody>
+      </p:sp>
+      <p:sp>
+        <p:nvSpPr>
+          <p:cNvPr id="79" name="TextBox 78">
+            <a:extLst>
+              <a:ext uri="{FF2B5EF4-FFF2-40B4-BE49-F238E27FC236}">
+                <a16:creationId xmlns:a16="http://schemas.microsoft.com/office/drawing/2014/main" id="{2AD9A5F7-10AF-239C-AD56-60E7EA99DC32}"/>
+              </a:ext>
+            </a:extLst>
+          </p:cNvPr>
+          <p:cNvSpPr txBox="1"/>
+          <p:nvPr/>
+        </p:nvSpPr>
+        <p:spPr>
+          <a:xfrm>
+            <a:off x="11700665" y="7986980"/>
+            <a:ext cx="993671" cy="646331"/>
+          </a:xfrm>
+          <a:prstGeom prst="rect">
+            <a:avLst/>
+          </a:prstGeom>
+          <a:noFill/>
+        </p:spPr>
+        <p:txBody>
+          <a:bodyPr wrap="square" rtlCol="0">
+            <a:spAutoFit/>
+          </a:bodyPr>
+          <a:lstStyle/>
+          <a:p>
+            <a:pPr algn="ctr"/>
+            <a:r>
+              <a:rPr lang="en-IE" sz="1200" b="1" dirty="0">
+                <a:latin typeface="Congenial" panose="02000503040000020004" pitchFamily="2" charset="0"/>
+              </a:rPr>
+              <a:t>4</a:t>
+            </a:r>
+            <a:r>
+              <a:rPr lang="en-IE" sz="1200" dirty="0">
+                <a:latin typeface="Congenial" panose="02000503040000020004" pitchFamily="2" charset="0"/>
+              </a:rPr>
+              <a:t>. Vivado exports binaries</a:t>
+            </a:r>
+          </a:p>
+        </p:txBody>
+      </p:sp>
+      <p:sp>
+        <p:nvSpPr>
+          <p:cNvPr id="80" name="TextBox 79">
+            <a:extLst>
+              <a:ext uri="{FF2B5EF4-FFF2-40B4-BE49-F238E27FC236}">
+                <a16:creationId xmlns:a16="http://schemas.microsoft.com/office/drawing/2014/main" id="{C8CCB684-A75C-E3CB-C773-8B4E152488A7}"/>
+              </a:ext>
+            </a:extLst>
+          </p:cNvPr>
+          <p:cNvSpPr txBox="1"/>
+          <p:nvPr/>
+        </p:nvSpPr>
+        <p:spPr>
+          <a:xfrm>
+            <a:off x="10938745" y="7111019"/>
+            <a:ext cx="1326276" cy="830997"/>
+          </a:xfrm>
+          <a:prstGeom prst="rect">
+            <a:avLst/>
+          </a:prstGeom>
+          <a:noFill/>
+        </p:spPr>
+        <p:txBody>
+          <a:bodyPr wrap="square" rtlCol="0">
+            <a:spAutoFit/>
+          </a:bodyPr>
+          <a:lstStyle/>
+          <a:p>
+            <a:pPr algn="ctr"/>
+            <a:r>
+              <a:rPr lang="en-IE" sz="1200" b="1" dirty="0">
+                <a:latin typeface="Congenial" panose="02000503040000020004" pitchFamily="2" charset="0"/>
+              </a:rPr>
+              <a:t>5</a:t>
+            </a:r>
+            <a:r>
+              <a:rPr lang="en-IE" sz="1200" dirty="0">
+                <a:latin typeface="Congenial" panose="02000503040000020004" pitchFamily="2" charset="0"/>
+              </a:rPr>
+              <a:t>. Generate Jupyter NB based on Test plan</a:t>
+            </a:r>
+          </a:p>
+        </p:txBody>
+      </p:sp>
+      <p:cxnSp>
+        <p:nvCxnSpPr>
+          <p:cNvPr id="83" name="Straight Arrow Connector 82">
+            <a:extLst>
+              <a:ext uri="{FF2B5EF4-FFF2-40B4-BE49-F238E27FC236}">
+                <a16:creationId xmlns:a16="http://schemas.microsoft.com/office/drawing/2014/main" id="{D0291A89-7D42-E984-0E8A-3972483F9A57}"/>
+              </a:ext>
+            </a:extLst>
+          </p:cNvPr>
+          <p:cNvCxnSpPr>
+            <a:cxnSpLocks/>
+          </p:cNvCxnSpPr>
+          <p:nvPr/>
+        </p:nvCxnSpPr>
+        <p:spPr>
+          <a:xfrm>
+            <a:off x="12274546" y="6015624"/>
+            <a:ext cx="937574" cy="0"/>
+          </a:xfrm>
+          <a:prstGeom prst="straightConnector1">
+            <a:avLst/>
+          </a:prstGeom>
+          <a:ln w="76200">
+            <a:solidFill>
+              <a:srgbClr val="C00000"/>
+            </a:solidFill>
+            <a:tailEnd type="triangle"/>
+          </a:ln>
+        </p:spPr>
+        <p:style>
+          <a:lnRef idx="2">
+            <a:schemeClr val="accent1"/>
+          </a:lnRef>
+          <a:fillRef idx="0">
+            <a:schemeClr val="accent1"/>
+          </a:fillRef>
+          <a:effectRef idx="1">
+            <a:schemeClr val="accent1"/>
+          </a:effectRef>
+          <a:fontRef idx="minor">
+            <a:schemeClr val="tx1"/>
+          </a:fontRef>
+        </p:style>
+      </p:cxnSp>
+      <p:sp>
+        <p:nvSpPr>
+          <p:cNvPr id="84" name="TextBox 83">
+            <a:extLst>
+              <a:ext uri="{FF2B5EF4-FFF2-40B4-BE49-F238E27FC236}">
+                <a16:creationId xmlns:a16="http://schemas.microsoft.com/office/drawing/2014/main" id="{FFB6BD3A-89D0-0489-193D-D77E4857EDB4}"/>
+              </a:ext>
+            </a:extLst>
+          </p:cNvPr>
+          <p:cNvSpPr txBox="1"/>
+          <p:nvPr/>
+        </p:nvSpPr>
+        <p:spPr>
+          <a:xfrm>
+            <a:off x="12246497" y="6069115"/>
+            <a:ext cx="993671" cy="1015663"/>
+          </a:xfrm>
+          <a:prstGeom prst="rect">
+            <a:avLst/>
+          </a:prstGeom>
+          <a:noFill/>
+        </p:spPr>
+        <p:txBody>
+          <a:bodyPr wrap="square" rtlCol="0">
+            <a:spAutoFit/>
+          </a:bodyPr>
+          <a:lstStyle/>
+          <a:p>
+            <a:pPr algn="ctr"/>
+            <a:r>
+              <a:rPr lang="en-IE" sz="1200" b="1" dirty="0">
+                <a:latin typeface="Congenial" panose="02000503040000020004" pitchFamily="2" charset="0"/>
+              </a:rPr>
+              <a:t>6</a:t>
+            </a:r>
+            <a:r>
+              <a:rPr lang="en-IE" sz="1200" dirty="0">
+                <a:latin typeface="Congenial" panose="02000503040000020004" pitchFamily="2" charset="0"/>
+              </a:rPr>
+              <a:t>. Export Binaries and JNB to output folder</a:t>
             </a:r>
           </a:p>
         </p:txBody>

--- a/docs/project_poster.pptx
+++ b/docs/project_poster.pptx
@@ -7,6 +7,7 @@
   <p:sldIdLst>
     <p:sldId id="256" r:id="rId2"/>
     <p:sldId id="257" r:id="rId3"/>
+    <p:sldId id="258" r:id="rId4"/>
   </p:sldIdLst>
   <p:sldSz cx="15119350" cy="21383625"/>
   <p:notesSz cx="6858000" cy="9144000"/>
@@ -6425,7 +6426,7 @@
         <p:spPr>
           <a:xfrm>
             <a:off x="13208822" y="5491877"/>
-            <a:ext cx="1351721" cy="2468982"/>
+            <a:ext cx="1351721" cy="2034855"/>
           </a:xfrm>
           <a:prstGeom prst="roundRect">
             <a:avLst/>
@@ -6519,7 +6520,7 @@
         </p:blipFill>
         <p:spPr>
           <a:xfrm>
-            <a:off x="10517779" y="8644873"/>
+            <a:off x="9869154" y="8661212"/>
             <a:ext cx="2161813" cy="705563"/>
           </a:xfrm>
           <a:prstGeom prst="roundRect">
@@ -6752,10 +6753,3423 @@
           </a:p>
         </p:txBody>
       </p:sp>
+      <p:pic>
+        <p:nvPicPr>
+          <p:cNvPr id="89" name="Picture 88" descr="A black and grey logo&#10;&#10;Description automatically generated">
+            <a:extLst>
+              <a:ext uri="{FF2B5EF4-FFF2-40B4-BE49-F238E27FC236}">
+                <a16:creationId xmlns:a16="http://schemas.microsoft.com/office/drawing/2014/main" id="{5140692D-0E6E-9CF9-1EEA-E70EA47DFDAD}"/>
+              </a:ext>
+            </a:extLst>
+          </p:cNvPr>
+          <p:cNvPicPr>
+            <a:picLocks noChangeAspect="1"/>
+          </p:cNvPicPr>
+          <p:nvPr/>
+        </p:nvPicPr>
+        <p:blipFill>
+          <a:blip r:embed="rId9">
+            <a:extLst>
+              <a:ext uri="{28A0092B-C50C-407E-A947-70E740481C1C}">
+                <a14:useLocalDpi xmlns:a14="http://schemas.microsoft.com/office/drawing/2010/main" val="0"/>
+              </a:ext>
+            </a:extLst>
+          </a:blip>
+          <a:stretch>
+            <a:fillRect/>
+          </a:stretch>
+        </p:blipFill>
+        <p:spPr>
+          <a:xfrm>
+            <a:off x="12619524" y="8676224"/>
+            <a:ext cx="1941019" cy="693005"/>
+          </a:xfrm>
+          <a:prstGeom prst="roundRect">
+            <a:avLst/>
+          </a:prstGeom>
+          <a:solidFill>
+            <a:schemeClr val="bg1"/>
+          </a:solidFill>
+          <a:ln w="19050">
+            <a:solidFill>
+              <a:schemeClr val="accent5">
+                <a:shade val="15000"/>
+              </a:schemeClr>
+            </a:solidFill>
+          </a:ln>
+        </p:spPr>
+      </p:pic>
+      <p:cxnSp>
+        <p:nvCxnSpPr>
+          <p:cNvPr id="90" name="Straight Arrow Connector 89">
+            <a:extLst>
+              <a:ext uri="{FF2B5EF4-FFF2-40B4-BE49-F238E27FC236}">
+                <a16:creationId xmlns:a16="http://schemas.microsoft.com/office/drawing/2014/main" id="{F6083726-4BCA-9130-E5BE-CFD43774B0C5}"/>
+              </a:ext>
+            </a:extLst>
+          </p:cNvPr>
+          <p:cNvCxnSpPr>
+            <a:cxnSpLocks/>
+            <a:stCxn id="69" idx="2"/>
+          </p:cNvCxnSpPr>
+          <p:nvPr/>
+        </p:nvCxnSpPr>
+        <p:spPr>
+          <a:xfrm>
+            <a:off x="13884683" y="7526732"/>
+            <a:ext cx="0" cy="1118140"/>
+          </a:xfrm>
+          <a:prstGeom prst="straightConnector1">
+            <a:avLst/>
+          </a:prstGeom>
+          <a:ln w="76200">
+            <a:solidFill>
+              <a:srgbClr val="C00000"/>
+            </a:solidFill>
+            <a:tailEnd type="triangle"/>
+          </a:ln>
+        </p:spPr>
+        <p:style>
+          <a:lnRef idx="2">
+            <a:schemeClr val="accent1"/>
+          </a:lnRef>
+          <a:fillRef idx="0">
+            <a:schemeClr val="accent1"/>
+          </a:fillRef>
+          <a:effectRef idx="1">
+            <a:schemeClr val="accent1"/>
+          </a:effectRef>
+          <a:fontRef idx="minor">
+            <a:schemeClr val="tx1"/>
+          </a:fontRef>
+        </p:style>
+      </p:cxnSp>
+      <p:sp>
+        <p:nvSpPr>
+          <p:cNvPr id="93" name="TextBox 92">
+            <a:extLst>
+              <a:ext uri="{FF2B5EF4-FFF2-40B4-BE49-F238E27FC236}">
+                <a16:creationId xmlns:a16="http://schemas.microsoft.com/office/drawing/2014/main" id="{88273B5C-2161-EC8A-4BF9-70E59F782870}"/>
+              </a:ext>
+            </a:extLst>
+          </p:cNvPr>
+          <p:cNvSpPr txBox="1"/>
+          <p:nvPr/>
+        </p:nvSpPr>
+        <p:spPr>
+          <a:xfrm>
+            <a:off x="13776100" y="7581459"/>
+            <a:ext cx="993671" cy="1015663"/>
+          </a:xfrm>
+          <a:prstGeom prst="rect">
+            <a:avLst/>
+          </a:prstGeom>
+          <a:noFill/>
+        </p:spPr>
+        <p:txBody>
+          <a:bodyPr wrap="square" rtlCol="0">
+            <a:spAutoFit/>
+          </a:bodyPr>
+          <a:lstStyle/>
+          <a:p>
+            <a:pPr algn="ctr"/>
+            <a:r>
+              <a:rPr lang="en-IE" sz="1200" b="1" dirty="0">
+                <a:latin typeface="Congenial" panose="02000503040000020004" pitchFamily="2" charset="0"/>
+              </a:rPr>
+              <a:t>7</a:t>
+            </a:r>
+            <a:r>
+              <a:rPr lang="en-IE" sz="1200" dirty="0">
+                <a:latin typeface="Congenial" panose="02000503040000020004" pitchFamily="2" charset="0"/>
+              </a:rPr>
+              <a:t>. User</a:t>
+            </a:r>
+          </a:p>
+          <a:p>
+            <a:pPr algn="ctr"/>
+            <a:r>
+              <a:rPr lang="en-IE" sz="1200" dirty="0">
+                <a:latin typeface="Congenial" panose="02000503040000020004" pitchFamily="2" charset="0"/>
+              </a:rPr>
+              <a:t>uploads</a:t>
+            </a:r>
+          </a:p>
+          <a:p>
+            <a:pPr algn="ctr"/>
+            <a:r>
+              <a:rPr lang="en-IE" sz="1200" dirty="0">
+                <a:latin typeface="Congenial" panose="02000503040000020004" pitchFamily="2" charset="0"/>
+              </a:rPr>
+              <a:t>output to</a:t>
+            </a:r>
+          </a:p>
+          <a:p>
+            <a:pPr algn="ctr"/>
+            <a:r>
+              <a:rPr lang="en-IE" sz="1200" dirty="0">
+                <a:latin typeface="Congenial" panose="02000503040000020004" pitchFamily="2" charset="0"/>
+              </a:rPr>
+              <a:t>PYNQ</a:t>
+            </a:r>
+          </a:p>
+          <a:p>
+            <a:pPr algn="ctr"/>
+            <a:r>
+              <a:rPr lang="en-IE" sz="1200" dirty="0">
+                <a:latin typeface="Congenial" panose="02000503040000020004" pitchFamily="2" charset="0"/>
+              </a:rPr>
+              <a:t>FPGA</a:t>
+            </a:r>
+          </a:p>
+        </p:txBody>
+      </p:sp>
     </p:spTree>
     <p:extLst>
       <p:ext uri="{BB962C8B-B14F-4D97-AF65-F5344CB8AC3E}">
         <p14:creationId xmlns:p14="http://schemas.microsoft.com/office/powerpoint/2010/main" val="440191457"/>
+      </p:ext>
+    </p:extLst>
+  </p:cSld>
+  <p:clrMapOvr>
+    <a:masterClrMapping/>
+  </p:clrMapOvr>
+</p:sld>
+</file>
+
+<file path=ppt/slides/slide3.xml><?xml version="1.0" encoding="utf-8"?>
+<p:sld xmlns:a="http://schemas.openxmlformats.org/drawingml/2006/main" xmlns:r="http://schemas.openxmlformats.org/officeDocument/2006/relationships" xmlns:p="http://schemas.openxmlformats.org/presentationml/2006/main">
+  <p:cSld>
+    <p:spTree>
+      <p:nvGrpSpPr>
+        <p:cNvPr id="1" name="">
+          <a:extLst>
+            <a:ext uri="{FF2B5EF4-FFF2-40B4-BE49-F238E27FC236}">
+              <a16:creationId xmlns:a16="http://schemas.microsoft.com/office/drawing/2014/main" id="{13ED2D58-D70F-B5FF-D2AD-3281FD2C7092}"/>
+            </a:ext>
+          </a:extLst>
+        </p:cNvPr>
+        <p:cNvGrpSpPr/>
+        <p:nvPr/>
+      </p:nvGrpSpPr>
+      <p:grpSpPr>
+        <a:xfrm>
+          <a:off x="0" y="0"/>
+          <a:ext cx="0" cy="0"/>
+          <a:chOff x="0" y="0"/>
+          <a:chExt cx="0" cy="0"/>
+        </a:xfrm>
+      </p:grpSpPr>
+      <p:sp>
+        <p:nvSpPr>
+          <p:cNvPr id="9" name="Rectangle 8">
+            <a:extLst>
+              <a:ext uri="{FF2B5EF4-FFF2-40B4-BE49-F238E27FC236}">
+                <a16:creationId xmlns:a16="http://schemas.microsoft.com/office/drawing/2014/main" id="{C8BBECEC-7ED5-0FF3-4317-F85933D351EA}"/>
+              </a:ext>
+            </a:extLst>
+          </p:cNvPr>
+          <p:cNvSpPr/>
+          <p:nvPr/>
+        </p:nvSpPr>
+        <p:spPr>
+          <a:xfrm rot="10800000">
+            <a:off x="0" y="0"/>
+            <a:ext cx="15131367" cy="21383625"/>
+          </a:xfrm>
+          <a:prstGeom prst="rect">
+            <a:avLst/>
+          </a:prstGeom>
+          <a:ln>
+            <a:noFill/>
+          </a:ln>
+        </p:spPr>
+        <p:style>
+          <a:lnRef idx="1">
+            <a:schemeClr val="dk1"/>
+          </a:lnRef>
+          <a:fillRef idx="2">
+            <a:schemeClr val="dk1"/>
+          </a:fillRef>
+          <a:effectRef idx="1">
+            <a:schemeClr val="dk1"/>
+          </a:effectRef>
+          <a:fontRef idx="minor">
+            <a:schemeClr val="dk1"/>
+          </a:fontRef>
+        </p:style>
+        <p:txBody>
+          <a:bodyPr rtlCol="0" anchor="ctr"/>
+          <a:lstStyle/>
+          <a:p>
+            <a:pPr algn="ctr"/>
+            <a:endParaRPr lang="en-IE"/>
+          </a:p>
+        </p:txBody>
+      </p:sp>
+      <p:sp>
+        <p:nvSpPr>
+          <p:cNvPr id="4" name="Rectangle 3">
+            <a:extLst>
+              <a:ext uri="{FF2B5EF4-FFF2-40B4-BE49-F238E27FC236}">
+                <a16:creationId xmlns:a16="http://schemas.microsoft.com/office/drawing/2014/main" id="{709DC0D3-0478-751A-8501-91511D7A5603}"/>
+              </a:ext>
+            </a:extLst>
+          </p:cNvPr>
+          <p:cNvSpPr/>
+          <p:nvPr/>
+        </p:nvSpPr>
+        <p:spPr>
+          <a:xfrm>
+            <a:off x="-1" y="1"/>
+            <a:ext cx="15131363" cy="2303998"/>
+          </a:xfrm>
+          <a:prstGeom prst="rect">
+            <a:avLst/>
+          </a:prstGeom>
+        </p:spPr>
+        <p:style>
+          <a:lnRef idx="1">
+            <a:schemeClr val="accent6"/>
+          </a:lnRef>
+          <a:fillRef idx="2">
+            <a:schemeClr val="accent6"/>
+          </a:fillRef>
+          <a:effectRef idx="1">
+            <a:schemeClr val="accent6"/>
+          </a:effectRef>
+          <a:fontRef idx="minor">
+            <a:schemeClr val="dk1"/>
+          </a:fontRef>
+        </p:style>
+        <p:txBody>
+          <a:bodyPr rtlCol="0" anchor="ctr"/>
+          <a:lstStyle/>
+          <a:p>
+            <a:pPr algn="ctr"/>
+            <a:endParaRPr lang="en-IE"/>
+          </a:p>
+        </p:txBody>
+      </p:sp>
+      <p:pic>
+        <p:nvPicPr>
+          <p:cNvPr id="6" name="Picture 5" descr="A purple circle with white text&#10;&#10;Description automatically generated">
+            <a:extLst>
+              <a:ext uri="{FF2B5EF4-FFF2-40B4-BE49-F238E27FC236}">
+                <a16:creationId xmlns:a16="http://schemas.microsoft.com/office/drawing/2014/main" id="{8A946061-D0A7-B88F-8A3E-8913CA10701D}"/>
+              </a:ext>
+            </a:extLst>
+          </p:cNvPr>
+          <p:cNvPicPr>
+            <a:picLocks noChangeAspect="1"/>
+          </p:cNvPicPr>
+          <p:nvPr/>
+        </p:nvPicPr>
+        <p:blipFill>
+          <a:blip r:embed="rId2">
+            <a:extLst>
+              <a:ext uri="{28A0092B-C50C-407E-A947-70E740481C1C}">
+                <a14:useLocalDpi xmlns:a14="http://schemas.microsoft.com/office/drawing/2010/main" val="0"/>
+              </a:ext>
+            </a:extLst>
+          </a:blip>
+          <a:stretch>
+            <a:fillRect/>
+          </a:stretch>
+        </p:blipFill>
+        <p:spPr>
+          <a:xfrm>
+            <a:off x="278718" y="413621"/>
+            <a:ext cx="3061405" cy="1476756"/>
+          </a:xfrm>
+          <a:prstGeom prst="rect">
+            <a:avLst/>
+          </a:prstGeom>
+        </p:spPr>
+      </p:pic>
+      <p:sp>
+        <p:nvSpPr>
+          <p:cNvPr id="7" name="TextBox 6">
+            <a:extLst>
+              <a:ext uri="{FF2B5EF4-FFF2-40B4-BE49-F238E27FC236}">
+                <a16:creationId xmlns:a16="http://schemas.microsoft.com/office/drawing/2014/main" id="{77C79E47-06DA-0FAD-B583-908A0E0E9B1E}"/>
+              </a:ext>
+            </a:extLst>
+          </p:cNvPr>
+          <p:cNvSpPr txBox="1"/>
+          <p:nvPr/>
+        </p:nvSpPr>
+        <p:spPr>
+          <a:xfrm>
+            <a:off x="3630857" y="1158685"/>
+            <a:ext cx="11500509" cy="1031051"/>
+          </a:xfrm>
+          <a:prstGeom prst="rect">
+            <a:avLst/>
+          </a:prstGeom>
+          <a:noFill/>
+        </p:spPr>
+        <p:txBody>
+          <a:bodyPr wrap="square" rtlCol="0" anchor="ctr">
+            <a:spAutoFit/>
+          </a:bodyPr>
+          <a:lstStyle/>
+          <a:p>
+            <a:r>
+              <a:rPr lang="en-IE" sz="2000" dirty="0">
+                <a:latin typeface="Congenial" panose="020F0502020204030204" pitchFamily="2" charset="0"/>
+              </a:rPr>
+              <a:t>Luke Canny	19339166								Supervisor: Dr. Fearghal Morgan</a:t>
+            </a:r>
+          </a:p>
+          <a:p>
+            <a:r>
+              <a:rPr lang="en-IE" sz="2000" dirty="0">
+                <a:latin typeface="Congenial" panose="020F0502020204030204" pitchFamily="2" charset="0"/>
+              </a:rPr>
+              <a:t>Masters Electronic and Computer Engineering			Co-assessor: Mr Liam Kilmartin</a:t>
+            </a:r>
+          </a:p>
+          <a:p>
+            <a:r>
+              <a:rPr lang="en-IE" sz="2000" dirty="0">
+                <a:latin typeface="Congenial" panose="020F0502020204030204" pitchFamily="2" charset="0"/>
+              </a:rPr>
+              <a:t>GitHub.com/HDLGen-ChatGPT/PYNQ-SoC-Builder</a:t>
+            </a:r>
+          </a:p>
+          <a:p>
+            <a:r>
+              <a:rPr lang="en-IE" sz="100" dirty="0">
+                <a:latin typeface="Congenial" panose="020F0502020204030204" pitchFamily="2" charset="0"/>
+              </a:rPr>
+              <a:t>6</a:t>
+            </a:r>
+          </a:p>
+        </p:txBody>
+      </p:sp>
+      <p:sp>
+        <p:nvSpPr>
+          <p:cNvPr id="8" name="TextBox 7">
+            <a:extLst>
+              <a:ext uri="{FF2B5EF4-FFF2-40B4-BE49-F238E27FC236}">
+                <a16:creationId xmlns:a16="http://schemas.microsoft.com/office/drawing/2014/main" id="{CFD2F81A-74EE-699F-A6EE-E2CEE6F01C5B}"/>
+              </a:ext>
+            </a:extLst>
+          </p:cNvPr>
+          <p:cNvSpPr txBox="1"/>
+          <p:nvPr/>
+        </p:nvSpPr>
+        <p:spPr>
+          <a:xfrm>
+            <a:off x="3630857" y="444113"/>
+            <a:ext cx="11500509" cy="707886"/>
+          </a:xfrm>
+          <a:prstGeom prst="rect">
+            <a:avLst/>
+          </a:prstGeom>
+          <a:noFill/>
+        </p:spPr>
+        <p:txBody>
+          <a:bodyPr wrap="square" rtlCol="0" anchor="ctr">
+            <a:spAutoFit/>
+          </a:bodyPr>
+          <a:lstStyle/>
+          <a:p>
+            <a:r>
+              <a:rPr lang="en-IE" sz="4000" b="1" dirty="0">
+                <a:latin typeface="Congenial Black" panose="02000503040000020004" pitchFamily="2" charset="0"/>
+              </a:rPr>
+              <a:t>PYNQ Automated System-on-Chip Builder</a:t>
+            </a:r>
+          </a:p>
+        </p:txBody>
+      </p:sp>
+      <p:sp>
+        <p:nvSpPr>
+          <p:cNvPr id="11" name="TextBox 10">
+            <a:extLst>
+              <a:ext uri="{FF2B5EF4-FFF2-40B4-BE49-F238E27FC236}">
+                <a16:creationId xmlns:a16="http://schemas.microsoft.com/office/drawing/2014/main" id="{D8EB19CF-2555-B5D4-12CA-4664573807BF}"/>
+              </a:ext>
+            </a:extLst>
+          </p:cNvPr>
+          <p:cNvSpPr txBox="1"/>
+          <p:nvPr/>
+        </p:nvSpPr>
+        <p:spPr>
+          <a:xfrm>
+            <a:off x="193759" y="2550219"/>
+            <a:ext cx="7184172" cy="461665"/>
+          </a:xfrm>
+          <a:prstGeom prst="rect">
+            <a:avLst/>
+          </a:prstGeom>
+        </p:spPr>
+        <p:style>
+          <a:lnRef idx="1">
+            <a:schemeClr val="accent5"/>
+          </a:lnRef>
+          <a:fillRef idx="2">
+            <a:schemeClr val="accent5"/>
+          </a:fillRef>
+          <a:effectRef idx="1">
+            <a:schemeClr val="accent5"/>
+          </a:effectRef>
+          <a:fontRef idx="minor">
+            <a:schemeClr val="dk1"/>
+          </a:fontRef>
+        </p:style>
+        <p:txBody>
+          <a:bodyPr wrap="square" rtlCol="0">
+            <a:spAutoFit/>
+          </a:bodyPr>
+          <a:lstStyle/>
+          <a:p>
+            <a:pPr algn="ctr"/>
+            <a:r>
+              <a:rPr lang="en-IE" sz="2400" dirty="0">
+                <a:latin typeface="Congenial Black" panose="020F0502020204030204" pitchFamily="2" charset="0"/>
+              </a:rPr>
+              <a:t>Project Overview and Objectives </a:t>
+            </a:r>
+          </a:p>
+        </p:txBody>
+      </p:sp>
+      <p:sp>
+        <p:nvSpPr>
+          <p:cNvPr id="12" name="Rectangle 11">
+            <a:extLst>
+              <a:ext uri="{FF2B5EF4-FFF2-40B4-BE49-F238E27FC236}">
+                <a16:creationId xmlns:a16="http://schemas.microsoft.com/office/drawing/2014/main" id="{34ADFAB5-14C8-7203-23D6-466F494FEC0D}"/>
+              </a:ext>
+            </a:extLst>
+          </p:cNvPr>
+          <p:cNvSpPr/>
+          <p:nvPr/>
+        </p:nvSpPr>
+        <p:spPr>
+          <a:xfrm>
+            <a:off x="181745" y="3011884"/>
+            <a:ext cx="7196186" cy="3640603"/>
+          </a:xfrm>
+          <a:prstGeom prst="rect">
+            <a:avLst/>
+          </a:prstGeom>
+          <a:ln>
+            <a:solidFill>
+              <a:schemeClr val="accent5"/>
+            </a:solidFill>
+          </a:ln>
+        </p:spPr>
+        <p:style>
+          <a:lnRef idx="2">
+            <a:schemeClr val="accent1">
+              <a:shade val="15000"/>
+            </a:schemeClr>
+          </a:lnRef>
+          <a:fillRef idx="1003">
+            <a:schemeClr val="lt2"/>
+          </a:fillRef>
+          <a:effectRef idx="0">
+            <a:schemeClr val="accent1"/>
+          </a:effectRef>
+          <a:fontRef idx="minor">
+            <a:schemeClr val="lt1"/>
+          </a:fontRef>
+        </p:style>
+        <p:txBody>
+          <a:bodyPr rtlCol="0" anchor="t"/>
+          <a:lstStyle/>
+          <a:p>
+            <a:endParaRPr lang="en-IE" dirty="0">
+              <a:solidFill>
+                <a:schemeClr val="tx1"/>
+              </a:solidFill>
+              <a:latin typeface="Congenial" panose="02000503040000020004" pitchFamily="2" charset="0"/>
+            </a:endParaRPr>
+          </a:p>
+          <a:p>
+            <a:endParaRPr lang="en-IE" dirty="0">
+              <a:solidFill>
+                <a:schemeClr val="tx1"/>
+              </a:solidFill>
+              <a:latin typeface="Congenial" panose="02000503040000020004" pitchFamily="2" charset="0"/>
+            </a:endParaRPr>
+          </a:p>
+          <a:p>
+            <a:endParaRPr lang="en-IE" dirty="0">
+              <a:solidFill>
+                <a:schemeClr val="tx1"/>
+              </a:solidFill>
+              <a:latin typeface="Congenial" panose="02000503040000020004" pitchFamily="2" charset="0"/>
+            </a:endParaRPr>
+          </a:p>
+          <a:p>
+            <a:endParaRPr lang="en-IE" dirty="0">
+              <a:solidFill>
+                <a:schemeClr val="tx1"/>
+              </a:solidFill>
+              <a:latin typeface="Congenial" panose="02000503040000020004" pitchFamily="2" charset="0"/>
+            </a:endParaRPr>
+          </a:p>
+          <a:p>
+            <a:endParaRPr lang="en-IE" dirty="0">
+              <a:solidFill>
+                <a:schemeClr val="tx1"/>
+              </a:solidFill>
+              <a:latin typeface="Congenial" panose="02000503040000020004" pitchFamily="2" charset="0"/>
+            </a:endParaRPr>
+          </a:p>
+          <a:p>
+            <a:endParaRPr lang="en-IE" dirty="0">
+              <a:solidFill>
+                <a:schemeClr val="tx1"/>
+              </a:solidFill>
+              <a:latin typeface="Congenial" panose="02000503040000020004" pitchFamily="2" charset="0"/>
+            </a:endParaRPr>
+          </a:p>
+          <a:p>
+            <a:r>
+              <a:rPr lang="en-IE" dirty="0">
+                <a:solidFill>
+                  <a:schemeClr val="tx1"/>
+                </a:solidFill>
+                <a:latin typeface="Congenial" panose="02000503040000020004" pitchFamily="2" charset="0"/>
+              </a:rPr>
+              <a:t>The aim of this project is to:</a:t>
+            </a:r>
+          </a:p>
+          <a:p>
+            <a:pPr marL="285750" indent="-285750">
+              <a:buFont typeface="Arial" panose="020B0604020202020204" pitchFamily="34" charset="0"/>
+              <a:buChar char="•"/>
+            </a:pPr>
+            <a:r>
+              <a:rPr lang="en-IE" dirty="0">
+                <a:solidFill>
+                  <a:schemeClr val="tx1"/>
+                </a:solidFill>
+                <a:latin typeface="Congenial" panose="02000503040000020004" pitchFamily="2" charset="0"/>
+              </a:rPr>
+              <a:t>Create a remote PYNQ laboratory for students</a:t>
+            </a:r>
+          </a:p>
+          <a:p>
+            <a:pPr marL="285750" indent="-285750">
+              <a:buFont typeface="Arial" panose="020B0604020202020204" pitchFamily="34" charset="0"/>
+              <a:buChar char="•"/>
+            </a:pPr>
+            <a:r>
+              <a:rPr lang="en-IE" dirty="0">
+                <a:solidFill>
+                  <a:schemeClr val="tx1"/>
+                </a:solidFill>
+                <a:latin typeface="Congenial" panose="02000503040000020004" pitchFamily="2" charset="0"/>
+              </a:rPr>
+              <a:t>Extend the functionality of HDLGen-ChatGPT to automatically deploy projects to PYNQ-Z2 FPGAs</a:t>
+            </a:r>
+          </a:p>
+          <a:p>
+            <a:pPr marL="285750" indent="-285750">
+              <a:buFont typeface="Arial" panose="020B0604020202020204" pitchFamily="34" charset="0"/>
+              <a:buChar char="•"/>
+            </a:pPr>
+            <a:r>
+              <a:rPr lang="en-IE" dirty="0">
+                <a:solidFill>
+                  <a:schemeClr val="tx1"/>
+                </a:solidFill>
+                <a:latin typeface="Congenial" panose="02000503040000020004" pitchFamily="2" charset="0"/>
+              </a:rPr>
+              <a:t>Develop an interactive challenge-based RISC-V learning platform</a:t>
+            </a:r>
+          </a:p>
+        </p:txBody>
+      </p:sp>
+      <p:sp>
+        <p:nvSpPr>
+          <p:cNvPr id="13" name="TextBox 12">
+            <a:extLst>
+              <a:ext uri="{FF2B5EF4-FFF2-40B4-BE49-F238E27FC236}">
+                <a16:creationId xmlns:a16="http://schemas.microsoft.com/office/drawing/2014/main" id="{85429DD5-556E-8F9A-7428-5A06A6D646E8}"/>
+              </a:ext>
+            </a:extLst>
+          </p:cNvPr>
+          <p:cNvSpPr txBox="1"/>
+          <p:nvPr/>
+        </p:nvSpPr>
+        <p:spPr>
+          <a:xfrm>
+            <a:off x="7741419" y="19669979"/>
+            <a:ext cx="7192987" cy="461665"/>
+          </a:xfrm>
+          <a:prstGeom prst="rect">
+            <a:avLst/>
+          </a:prstGeom>
+          <a:ln/>
+        </p:spPr>
+        <p:style>
+          <a:lnRef idx="1">
+            <a:schemeClr val="accent2"/>
+          </a:lnRef>
+          <a:fillRef idx="2">
+            <a:schemeClr val="accent2"/>
+          </a:fillRef>
+          <a:effectRef idx="1">
+            <a:schemeClr val="accent2"/>
+          </a:effectRef>
+          <a:fontRef idx="minor">
+            <a:schemeClr val="dk1"/>
+          </a:fontRef>
+        </p:style>
+        <p:txBody>
+          <a:bodyPr wrap="square" rtlCol="0">
+            <a:spAutoFit/>
+          </a:bodyPr>
+          <a:lstStyle/>
+          <a:p>
+            <a:pPr algn="ctr"/>
+            <a:r>
+              <a:rPr lang="en-IE" sz="2400" dirty="0">
+                <a:latin typeface="Congenial Black" panose="020F0502020204030204" pitchFamily="2" charset="0"/>
+              </a:rPr>
+              <a:t>Acknowledgements</a:t>
+            </a:r>
+          </a:p>
+        </p:txBody>
+      </p:sp>
+      <p:sp>
+        <p:nvSpPr>
+          <p:cNvPr id="14" name="Rectangle 13">
+            <a:extLst>
+              <a:ext uri="{FF2B5EF4-FFF2-40B4-BE49-F238E27FC236}">
+                <a16:creationId xmlns:a16="http://schemas.microsoft.com/office/drawing/2014/main" id="{6E05FC48-540D-DAE9-1B5C-4154119E63BF}"/>
+              </a:ext>
+            </a:extLst>
+          </p:cNvPr>
+          <p:cNvSpPr/>
+          <p:nvPr/>
+        </p:nvSpPr>
+        <p:spPr>
+          <a:xfrm>
+            <a:off x="7741419" y="20131645"/>
+            <a:ext cx="7192987" cy="1023020"/>
+          </a:xfrm>
+          <a:prstGeom prst="rect">
+            <a:avLst/>
+          </a:prstGeom>
+          <a:ln>
+            <a:solidFill>
+              <a:schemeClr val="accent2"/>
+            </a:solidFill>
+          </a:ln>
+        </p:spPr>
+        <p:style>
+          <a:lnRef idx="2">
+            <a:schemeClr val="accent1">
+              <a:shade val="15000"/>
+            </a:schemeClr>
+          </a:lnRef>
+          <a:fillRef idx="1003">
+            <a:schemeClr val="lt2"/>
+          </a:fillRef>
+          <a:effectRef idx="0">
+            <a:schemeClr val="accent1"/>
+          </a:effectRef>
+          <a:fontRef idx="minor">
+            <a:schemeClr val="lt1"/>
+          </a:fontRef>
+        </p:style>
+        <p:txBody>
+          <a:bodyPr rtlCol="0" anchor="t"/>
+          <a:lstStyle/>
+          <a:p>
+            <a:r>
+              <a:rPr lang="en-IE" dirty="0">
+                <a:solidFill>
+                  <a:schemeClr val="tx1"/>
+                </a:solidFill>
+                <a:latin typeface="Congenial" panose="02000503040000020004" pitchFamily="2" charset="0"/>
+              </a:rPr>
+              <a:t>I would like to thank Dr. Fearghal Morgan for his support and guidance, and Roshan George, JP Byrne and </a:t>
+            </a:r>
+            <a:r>
+              <a:rPr lang="en-IE" dirty="0" err="1">
+                <a:solidFill>
+                  <a:schemeClr val="tx1"/>
+                </a:solidFill>
+                <a:latin typeface="Congenial" panose="02000503040000020004" pitchFamily="2" charset="0"/>
+              </a:rPr>
+              <a:t>Abishek</a:t>
+            </a:r>
+            <a:r>
+              <a:rPr lang="en-IE" dirty="0">
+                <a:solidFill>
+                  <a:schemeClr val="tx1"/>
+                </a:solidFill>
+                <a:latin typeface="Congenial" panose="02000503040000020004" pitchFamily="2" charset="0"/>
+              </a:rPr>
+              <a:t> </a:t>
+            </a:r>
+            <a:r>
+              <a:rPr lang="en-IE" dirty="0" err="1">
+                <a:solidFill>
+                  <a:schemeClr val="tx1"/>
+                </a:solidFill>
+                <a:latin typeface="Congenial" panose="02000503040000020004" pitchFamily="2" charset="0"/>
+              </a:rPr>
+              <a:t>Bupathi</a:t>
+            </a:r>
+            <a:r>
+              <a:rPr lang="en-IE" dirty="0">
+                <a:solidFill>
+                  <a:schemeClr val="tx1"/>
+                </a:solidFill>
+                <a:latin typeface="Congenial" panose="02000503040000020004" pitchFamily="2" charset="0"/>
+              </a:rPr>
+              <a:t> for their previous work on </a:t>
+            </a:r>
+            <a:r>
+              <a:rPr lang="en-IE" dirty="0" err="1">
+                <a:solidFill>
+                  <a:schemeClr val="tx1"/>
+                </a:solidFill>
+                <a:latin typeface="Congenial" panose="02000503040000020004" pitchFamily="2" charset="0"/>
+              </a:rPr>
+              <a:t>HDLGen</a:t>
+            </a:r>
+            <a:r>
+              <a:rPr lang="en-IE" dirty="0">
+                <a:solidFill>
+                  <a:schemeClr val="tx1"/>
+                </a:solidFill>
+                <a:latin typeface="Congenial" panose="02000503040000020004" pitchFamily="2" charset="0"/>
+              </a:rPr>
+              <a:t>-ChatGPT, PYNQ and RISC-V.</a:t>
+            </a:r>
+          </a:p>
+        </p:txBody>
+      </p:sp>
+      <p:sp>
+        <p:nvSpPr>
+          <p:cNvPr id="15" name="TextBox 14">
+            <a:extLst>
+              <a:ext uri="{FF2B5EF4-FFF2-40B4-BE49-F238E27FC236}">
+                <a16:creationId xmlns:a16="http://schemas.microsoft.com/office/drawing/2014/main" id="{34B9B207-34E8-3501-AFAE-E45C4204A68D}"/>
+              </a:ext>
+            </a:extLst>
+          </p:cNvPr>
+          <p:cNvSpPr txBox="1"/>
+          <p:nvPr/>
+        </p:nvSpPr>
+        <p:spPr>
+          <a:xfrm>
+            <a:off x="176995" y="19669979"/>
+            <a:ext cx="7196186" cy="461665"/>
+          </a:xfrm>
+          <a:prstGeom prst="rect">
+            <a:avLst/>
+          </a:prstGeom>
+        </p:spPr>
+        <p:style>
+          <a:lnRef idx="1">
+            <a:schemeClr val="accent3"/>
+          </a:lnRef>
+          <a:fillRef idx="2">
+            <a:schemeClr val="accent3"/>
+          </a:fillRef>
+          <a:effectRef idx="1">
+            <a:schemeClr val="accent3"/>
+          </a:effectRef>
+          <a:fontRef idx="minor">
+            <a:schemeClr val="dk1"/>
+          </a:fontRef>
+        </p:style>
+        <p:txBody>
+          <a:bodyPr wrap="square" rtlCol="0">
+            <a:spAutoFit/>
+          </a:bodyPr>
+          <a:lstStyle/>
+          <a:p>
+            <a:pPr algn="ctr"/>
+            <a:r>
+              <a:rPr lang="en-IE" sz="2400" dirty="0">
+                <a:latin typeface="Congenial Black" panose="020F0502020204030204" pitchFamily="2" charset="0"/>
+              </a:rPr>
+              <a:t>Future Work</a:t>
+            </a:r>
+          </a:p>
+        </p:txBody>
+      </p:sp>
+      <p:sp>
+        <p:nvSpPr>
+          <p:cNvPr id="16" name="Rectangle 15">
+            <a:extLst>
+              <a:ext uri="{FF2B5EF4-FFF2-40B4-BE49-F238E27FC236}">
+                <a16:creationId xmlns:a16="http://schemas.microsoft.com/office/drawing/2014/main" id="{6B646F13-642D-A8C3-ACA3-229549A0776E}"/>
+              </a:ext>
+            </a:extLst>
+          </p:cNvPr>
+          <p:cNvSpPr/>
+          <p:nvPr/>
+        </p:nvSpPr>
+        <p:spPr>
+          <a:xfrm>
+            <a:off x="176995" y="20131644"/>
+            <a:ext cx="7196186" cy="1023021"/>
+          </a:xfrm>
+          <a:prstGeom prst="rect">
+            <a:avLst/>
+          </a:prstGeom>
+          <a:ln>
+            <a:solidFill>
+              <a:schemeClr val="accent3"/>
+            </a:solidFill>
+          </a:ln>
+        </p:spPr>
+        <p:style>
+          <a:lnRef idx="2">
+            <a:schemeClr val="accent1">
+              <a:shade val="15000"/>
+            </a:schemeClr>
+          </a:lnRef>
+          <a:fillRef idx="1003">
+            <a:schemeClr val="lt2"/>
+          </a:fillRef>
+          <a:effectRef idx="0">
+            <a:schemeClr val="accent1"/>
+          </a:effectRef>
+          <a:fontRef idx="minor">
+            <a:schemeClr val="lt1"/>
+          </a:fontRef>
+        </p:style>
+        <p:txBody>
+          <a:bodyPr rtlCol="0" anchor="t"/>
+          <a:lstStyle/>
+          <a:p>
+            <a:pPr marL="285750" indent="-285750">
+              <a:buFont typeface="Arial" panose="020B0604020202020204" pitchFamily="34" charset="0"/>
+              <a:buChar char="•"/>
+            </a:pPr>
+            <a:r>
+              <a:rPr lang="en-IE" dirty="0">
+                <a:solidFill>
+                  <a:schemeClr val="tx1"/>
+                </a:solidFill>
+                <a:latin typeface="Congenial" panose="02000503040000020004" pitchFamily="2" charset="0"/>
+              </a:rPr>
+              <a:t>Automate RISC-V Core Bitstream Creation</a:t>
+            </a:r>
+          </a:p>
+          <a:p>
+            <a:pPr marL="285750" indent="-285750">
+              <a:buFont typeface="Arial" panose="020B0604020202020204" pitchFamily="34" charset="0"/>
+              <a:buChar char="•"/>
+            </a:pPr>
+            <a:r>
+              <a:rPr lang="en-IE" dirty="0">
+                <a:solidFill>
+                  <a:schemeClr val="tx1"/>
+                </a:solidFill>
+                <a:latin typeface="Congenial" panose="02000503040000020004" pitchFamily="2" charset="0"/>
+              </a:rPr>
+              <a:t>Develop a range of RISC-V challenges of varying difficulty</a:t>
+            </a:r>
+          </a:p>
+          <a:p>
+            <a:pPr marL="285750" indent="-285750">
+              <a:buFont typeface="Arial" panose="020B0604020202020204" pitchFamily="34" charset="0"/>
+              <a:buChar char="•"/>
+            </a:pPr>
+            <a:r>
+              <a:rPr lang="en-IE" dirty="0">
+                <a:solidFill>
+                  <a:schemeClr val="tx1"/>
+                </a:solidFill>
+                <a:latin typeface="Congenial" panose="02000503040000020004" pitchFamily="2" charset="0"/>
+              </a:rPr>
+              <a:t>Gather feedback from potential users of RV learning platform</a:t>
+            </a:r>
+          </a:p>
+        </p:txBody>
+      </p:sp>
+      <p:sp>
+        <p:nvSpPr>
+          <p:cNvPr id="29" name="TextBox 28">
+            <a:extLst>
+              <a:ext uri="{FF2B5EF4-FFF2-40B4-BE49-F238E27FC236}">
+                <a16:creationId xmlns:a16="http://schemas.microsoft.com/office/drawing/2014/main" id="{7AD70052-369C-D00C-77CF-8ADAAB604FCE}"/>
+              </a:ext>
+            </a:extLst>
+          </p:cNvPr>
+          <p:cNvSpPr txBox="1"/>
+          <p:nvPr/>
+        </p:nvSpPr>
+        <p:spPr>
+          <a:xfrm>
+            <a:off x="7731894" y="2565606"/>
+            <a:ext cx="7215213" cy="461665"/>
+          </a:xfrm>
+          <a:prstGeom prst="rect">
+            <a:avLst/>
+          </a:prstGeom>
+          <a:ln/>
+        </p:spPr>
+        <p:style>
+          <a:lnRef idx="1">
+            <a:schemeClr val="accent4"/>
+          </a:lnRef>
+          <a:fillRef idx="2">
+            <a:schemeClr val="accent4"/>
+          </a:fillRef>
+          <a:effectRef idx="1">
+            <a:schemeClr val="accent4"/>
+          </a:effectRef>
+          <a:fontRef idx="minor">
+            <a:schemeClr val="dk1"/>
+          </a:fontRef>
+        </p:style>
+        <p:txBody>
+          <a:bodyPr wrap="square" rtlCol="0">
+            <a:spAutoFit/>
+          </a:bodyPr>
+          <a:lstStyle/>
+          <a:p>
+            <a:pPr algn="ctr"/>
+            <a:r>
+              <a:rPr lang="en-IE" sz="2400" dirty="0">
+                <a:latin typeface="Congenial Black" panose="020F0502020204030204" pitchFamily="2" charset="0"/>
+              </a:rPr>
+              <a:t>PYNQ SoC Builder</a:t>
+            </a:r>
+          </a:p>
+        </p:txBody>
+      </p:sp>
+      <p:sp>
+        <p:nvSpPr>
+          <p:cNvPr id="30" name="Rectangle 29">
+            <a:extLst>
+              <a:ext uri="{FF2B5EF4-FFF2-40B4-BE49-F238E27FC236}">
+                <a16:creationId xmlns:a16="http://schemas.microsoft.com/office/drawing/2014/main" id="{9400F1CE-464A-4DA4-AA6A-3D0CB3A846AE}"/>
+              </a:ext>
+            </a:extLst>
+          </p:cNvPr>
+          <p:cNvSpPr/>
+          <p:nvPr/>
+        </p:nvSpPr>
+        <p:spPr>
+          <a:xfrm>
+            <a:off x="7746170" y="3027270"/>
+            <a:ext cx="7196186" cy="12532071"/>
+          </a:xfrm>
+          <a:prstGeom prst="rect">
+            <a:avLst/>
+          </a:prstGeom>
+          <a:ln>
+            <a:solidFill>
+              <a:schemeClr val="accent4"/>
+            </a:solidFill>
+          </a:ln>
+        </p:spPr>
+        <p:style>
+          <a:lnRef idx="2">
+            <a:schemeClr val="accent1">
+              <a:shade val="15000"/>
+            </a:schemeClr>
+          </a:lnRef>
+          <a:fillRef idx="1003">
+            <a:schemeClr val="lt2"/>
+          </a:fillRef>
+          <a:effectRef idx="0">
+            <a:schemeClr val="accent1"/>
+          </a:effectRef>
+          <a:fontRef idx="minor">
+            <a:schemeClr val="lt1"/>
+          </a:fontRef>
+        </p:style>
+        <p:txBody>
+          <a:bodyPr rtlCol="0" anchor="t"/>
+          <a:lstStyle/>
+          <a:p>
+            <a:pPr>
+              <a:spcAft>
+                <a:spcPts val="600"/>
+              </a:spcAft>
+            </a:pPr>
+            <a:r>
+              <a:rPr lang="en-IE" b="1" dirty="0">
+                <a:solidFill>
+                  <a:schemeClr val="tx1"/>
+                </a:solidFill>
+                <a:latin typeface="Congenial" panose="02000503040000020004" pitchFamily="2" charset="0"/>
+              </a:rPr>
+              <a:t>PYNQ SoC Builder </a:t>
+            </a:r>
+            <a:r>
+              <a:rPr lang="en-IE" dirty="0">
+                <a:solidFill>
+                  <a:schemeClr val="tx1"/>
+                </a:solidFill>
+                <a:latin typeface="Congenial" panose="02000503040000020004" pitchFamily="2" charset="0"/>
+              </a:rPr>
+              <a:t>is a standalone Python application which builds HDLGen-ChatGPT projects. </a:t>
+            </a:r>
+          </a:p>
+          <a:p>
+            <a:pPr>
+              <a:spcAft>
+                <a:spcPts val="600"/>
+              </a:spcAft>
+            </a:pPr>
+            <a:r>
+              <a:rPr lang="en-IE" b="1" dirty="0">
+                <a:solidFill>
+                  <a:schemeClr val="tx1"/>
+                </a:solidFill>
+                <a:latin typeface="Congenial" panose="02000503040000020004" pitchFamily="2" charset="0"/>
+              </a:rPr>
+              <a:t>HDLGen-ChatGPT</a:t>
+            </a:r>
+            <a:r>
+              <a:rPr lang="en-IE" dirty="0">
+                <a:solidFill>
+                  <a:schemeClr val="tx1"/>
+                </a:solidFill>
+                <a:latin typeface="Congenial" panose="02000503040000020004" pitchFamily="2" charset="0"/>
+              </a:rPr>
+              <a:t> is an open-source Python tool developed in the University of Galway to enable fast capture of HDL-based SoC capture and implementation, by automated VHDL/Verilog, testbench and waveform generation.</a:t>
+            </a:r>
+            <a:endParaRPr lang="en-IE" sz="1100" b="1" dirty="0">
+              <a:solidFill>
+                <a:schemeClr val="tx1"/>
+              </a:solidFill>
+              <a:latin typeface="Congenial" panose="02000503040000020004" pitchFamily="2" charset="0"/>
+            </a:endParaRPr>
+          </a:p>
+          <a:p>
+            <a:pPr>
+              <a:spcAft>
+                <a:spcPts val="600"/>
+              </a:spcAft>
+            </a:pPr>
+            <a:r>
+              <a:rPr lang="en-IE" dirty="0">
+                <a:solidFill>
+                  <a:schemeClr val="tx1"/>
+                </a:solidFill>
+                <a:latin typeface="Congenial" panose="02000503040000020004" pitchFamily="2" charset="0"/>
+              </a:rPr>
+              <a:t>PYNQ SoC Builder completes the following:</a:t>
+            </a:r>
+          </a:p>
+          <a:p>
+            <a:pPr marL="285750" indent="-285750">
+              <a:buFont typeface="Arial" panose="020B0604020202020204" pitchFamily="34" charset="0"/>
+              <a:buChar char="•"/>
+            </a:pPr>
+            <a:r>
+              <a:rPr lang="en-IE" dirty="0">
+                <a:solidFill>
+                  <a:schemeClr val="tx1"/>
+                </a:solidFill>
+                <a:latin typeface="Congenial" panose="02000503040000020004" pitchFamily="2" charset="0"/>
+              </a:rPr>
+              <a:t>Configures Vivado project for PYNQ-Z2 board</a:t>
+            </a:r>
+          </a:p>
+          <a:p>
+            <a:pPr marL="285750" indent="-285750">
+              <a:buFont typeface="Arial" panose="020B0604020202020204" pitchFamily="34" charset="0"/>
+              <a:buChar char="•"/>
+            </a:pPr>
+            <a:r>
+              <a:rPr lang="en-IE" dirty="0">
+                <a:solidFill>
+                  <a:schemeClr val="tx1"/>
+                </a:solidFill>
+                <a:latin typeface="Congenial" panose="02000503040000020004" pitchFamily="2" charset="0"/>
+              </a:rPr>
+              <a:t>Generates and imports PYNQ-Z2 physical constraints</a:t>
+            </a:r>
+          </a:p>
+          <a:p>
+            <a:pPr marL="285750" indent="-285750">
+              <a:buFont typeface="Arial" panose="020B0604020202020204" pitchFamily="34" charset="0"/>
+              <a:buChar char="•"/>
+            </a:pPr>
+            <a:r>
+              <a:rPr lang="en-IE" dirty="0">
+                <a:solidFill>
+                  <a:schemeClr val="tx1"/>
+                </a:solidFill>
+                <a:latin typeface="Congenial" panose="02000503040000020004" pitchFamily="2" charset="0"/>
+              </a:rPr>
+              <a:t>Creates and populates a Vivado Block Design</a:t>
+            </a:r>
+          </a:p>
+          <a:p>
+            <a:pPr marL="285750" indent="-285750">
+              <a:buFont typeface="Arial" panose="020B0604020202020204" pitchFamily="34" charset="0"/>
+              <a:buChar char="•"/>
+            </a:pPr>
+            <a:r>
+              <a:rPr lang="en-IE" dirty="0">
+                <a:solidFill>
+                  <a:schemeClr val="tx1"/>
+                </a:solidFill>
+                <a:latin typeface="Congenial" panose="02000503040000020004" pitchFamily="2" charset="0"/>
+              </a:rPr>
+              <a:t>Configures PYNQ board I/O Connections</a:t>
+            </a:r>
+          </a:p>
+          <a:p>
+            <a:pPr marL="285750" indent="-285750">
+              <a:buFont typeface="Arial" panose="020B0604020202020204" pitchFamily="34" charset="0"/>
+              <a:buChar char="•"/>
+            </a:pPr>
+            <a:r>
+              <a:rPr lang="en-IE" dirty="0">
+                <a:solidFill>
+                  <a:schemeClr val="tx1"/>
+                </a:solidFill>
+                <a:latin typeface="Congenial" panose="02000503040000020004" pitchFamily="2" charset="0"/>
+              </a:rPr>
+              <a:t>Performs synthesis, implementation and bitstream generation</a:t>
+            </a:r>
+          </a:p>
+          <a:p>
+            <a:pPr marL="285750" indent="-285750">
+              <a:buFont typeface="Arial" panose="020B0604020202020204" pitchFamily="34" charset="0"/>
+              <a:buChar char="•"/>
+            </a:pPr>
+            <a:r>
+              <a:rPr lang="en-IE" dirty="0">
+                <a:solidFill>
+                  <a:schemeClr val="tx1"/>
+                </a:solidFill>
+                <a:latin typeface="Congenial" panose="02000503040000020004" pitchFamily="2" charset="0"/>
+              </a:rPr>
+              <a:t>Generates a Jupyter Notebook project based on test plan</a:t>
+            </a:r>
+          </a:p>
+          <a:p>
+            <a:pPr>
+              <a:spcBef>
+                <a:spcPts val="600"/>
+              </a:spcBef>
+            </a:pPr>
+            <a:endParaRPr lang="en-IE" dirty="0">
+              <a:solidFill>
+                <a:schemeClr val="tx1"/>
+              </a:solidFill>
+              <a:latin typeface="Congenial" panose="02000503040000020004" pitchFamily="2" charset="0"/>
+            </a:endParaRPr>
+          </a:p>
+          <a:p>
+            <a:pPr marL="285750" indent="-285750">
+              <a:buFont typeface="Arial" panose="020B0604020202020204" pitchFamily="34" charset="0"/>
+              <a:buChar char="•"/>
+            </a:pPr>
+            <a:endParaRPr lang="en-IE" dirty="0">
+              <a:solidFill>
+                <a:schemeClr val="tx1"/>
+              </a:solidFill>
+              <a:latin typeface="Congenial" panose="02000503040000020004" pitchFamily="2" charset="0"/>
+            </a:endParaRPr>
+          </a:p>
+          <a:p>
+            <a:pPr marL="285750" indent="-285750">
+              <a:buFont typeface="Arial" panose="020B0604020202020204" pitchFamily="34" charset="0"/>
+              <a:buChar char="•"/>
+            </a:pPr>
+            <a:endParaRPr lang="en-IE" dirty="0">
+              <a:solidFill>
+                <a:schemeClr val="tx1"/>
+              </a:solidFill>
+              <a:latin typeface="Congenial" panose="02000503040000020004" pitchFamily="2" charset="0"/>
+            </a:endParaRPr>
+          </a:p>
+          <a:p>
+            <a:pPr marL="285750" indent="-285750">
+              <a:buFont typeface="Arial" panose="020B0604020202020204" pitchFamily="34" charset="0"/>
+              <a:buChar char="•"/>
+            </a:pPr>
+            <a:endParaRPr lang="en-IE" dirty="0">
+              <a:solidFill>
+                <a:schemeClr val="tx1"/>
+              </a:solidFill>
+              <a:latin typeface="Congenial" panose="02000503040000020004" pitchFamily="2" charset="0"/>
+            </a:endParaRPr>
+          </a:p>
+          <a:p>
+            <a:pPr marL="285750" indent="-285750">
+              <a:buFont typeface="Arial" panose="020B0604020202020204" pitchFamily="34" charset="0"/>
+              <a:buChar char="•"/>
+            </a:pPr>
+            <a:endParaRPr lang="en-IE" dirty="0">
+              <a:solidFill>
+                <a:schemeClr val="tx1"/>
+              </a:solidFill>
+              <a:latin typeface="Congenial" panose="02000503040000020004" pitchFamily="2" charset="0"/>
+            </a:endParaRPr>
+          </a:p>
+          <a:p>
+            <a:pPr marL="285750" indent="-285750">
+              <a:buFont typeface="Arial" panose="020B0604020202020204" pitchFamily="34" charset="0"/>
+              <a:buChar char="•"/>
+            </a:pPr>
+            <a:endParaRPr lang="en-IE" dirty="0">
+              <a:solidFill>
+                <a:schemeClr val="tx1"/>
+              </a:solidFill>
+              <a:latin typeface="Congenial" panose="02000503040000020004" pitchFamily="2" charset="0"/>
+            </a:endParaRPr>
+          </a:p>
+          <a:p>
+            <a:pPr marL="285750" indent="-285750">
+              <a:buFont typeface="Arial" panose="020B0604020202020204" pitchFamily="34" charset="0"/>
+              <a:buChar char="•"/>
+            </a:pPr>
+            <a:endParaRPr lang="en-IE" dirty="0">
+              <a:solidFill>
+                <a:schemeClr val="tx1"/>
+              </a:solidFill>
+              <a:latin typeface="Congenial" panose="02000503040000020004" pitchFamily="2" charset="0"/>
+            </a:endParaRPr>
+          </a:p>
+          <a:p>
+            <a:pPr marL="285750" indent="-285750">
+              <a:buFont typeface="Arial" panose="020B0604020202020204" pitchFamily="34" charset="0"/>
+              <a:buChar char="•"/>
+            </a:pPr>
+            <a:endParaRPr lang="en-IE" dirty="0">
+              <a:solidFill>
+                <a:schemeClr val="tx1"/>
+              </a:solidFill>
+              <a:latin typeface="Congenial" panose="02000503040000020004" pitchFamily="2" charset="0"/>
+            </a:endParaRPr>
+          </a:p>
+          <a:p>
+            <a:pPr marL="285750" indent="-285750">
+              <a:buFont typeface="Arial" panose="020B0604020202020204" pitchFamily="34" charset="0"/>
+              <a:buChar char="•"/>
+            </a:pPr>
+            <a:endParaRPr lang="en-IE" dirty="0">
+              <a:solidFill>
+                <a:schemeClr val="tx1"/>
+              </a:solidFill>
+              <a:latin typeface="Congenial" panose="02000503040000020004" pitchFamily="2" charset="0"/>
+            </a:endParaRPr>
+          </a:p>
+          <a:p>
+            <a:pPr marL="285750" indent="-285750">
+              <a:buFont typeface="Arial" panose="020B0604020202020204" pitchFamily="34" charset="0"/>
+              <a:buChar char="•"/>
+            </a:pPr>
+            <a:endParaRPr lang="en-IE" dirty="0">
+              <a:solidFill>
+                <a:schemeClr val="tx1"/>
+              </a:solidFill>
+              <a:latin typeface="Congenial" panose="02000503040000020004" pitchFamily="2" charset="0"/>
+            </a:endParaRPr>
+          </a:p>
+          <a:p>
+            <a:pPr marL="285750" indent="-285750">
+              <a:buFont typeface="Arial" panose="020B0604020202020204" pitchFamily="34" charset="0"/>
+              <a:buChar char="•"/>
+            </a:pPr>
+            <a:endParaRPr lang="en-IE" dirty="0">
+              <a:solidFill>
+                <a:schemeClr val="tx1"/>
+              </a:solidFill>
+              <a:latin typeface="Congenial" panose="02000503040000020004" pitchFamily="2" charset="0"/>
+            </a:endParaRPr>
+          </a:p>
+          <a:p>
+            <a:pPr marL="285750" indent="-285750">
+              <a:buFont typeface="Arial" panose="020B0604020202020204" pitchFamily="34" charset="0"/>
+              <a:buChar char="•"/>
+            </a:pPr>
+            <a:endParaRPr lang="en-IE" dirty="0">
+              <a:solidFill>
+                <a:schemeClr val="tx1"/>
+              </a:solidFill>
+              <a:latin typeface="Congenial" panose="02000503040000020004" pitchFamily="2" charset="0"/>
+            </a:endParaRPr>
+          </a:p>
+          <a:p>
+            <a:endParaRPr lang="en-IE" dirty="0">
+              <a:solidFill>
+                <a:schemeClr val="tx1"/>
+              </a:solidFill>
+              <a:latin typeface="Congenial" panose="02000503040000020004" pitchFamily="2" charset="0"/>
+            </a:endParaRPr>
+          </a:p>
+          <a:p>
+            <a:endParaRPr lang="en-IE" dirty="0">
+              <a:solidFill>
+                <a:schemeClr val="tx1"/>
+              </a:solidFill>
+              <a:latin typeface="Congenial" panose="02000503040000020004" pitchFamily="2" charset="0"/>
+            </a:endParaRPr>
+          </a:p>
+          <a:p>
+            <a:endParaRPr lang="en-IE" dirty="0">
+              <a:solidFill>
+                <a:schemeClr val="tx1"/>
+              </a:solidFill>
+              <a:latin typeface="Congenial" panose="02000503040000020004" pitchFamily="2" charset="0"/>
+            </a:endParaRPr>
+          </a:p>
+          <a:p>
+            <a:endParaRPr lang="en-IE" dirty="0">
+              <a:solidFill>
+                <a:schemeClr val="tx1"/>
+              </a:solidFill>
+              <a:latin typeface="Congenial" panose="02000503040000020004" pitchFamily="2" charset="0"/>
+            </a:endParaRPr>
+          </a:p>
+        </p:txBody>
+      </p:sp>
+      <p:sp>
+        <p:nvSpPr>
+          <p:cNvPr id="31" name="TextBox 30">
+            <a:extLst>
+              <a:ext uri="{FF2B5EF4-FFF2-40B4-BE49-F238E27FC236}">
+                <a16:creationId xmlns:a16="http://schemas.microsoft.com/office/drawing/2014/main" id="{AE1C9BBF-0A51-9DA6-B96D-A3EE170DEBE7}"/>
+              </a:ext>
+            </a:extLst>
+          </p:cNvPr>
+          <p:cNvSpPr txBox="1"/>
+          <p:nvPr/>
+        </p:nvSpPr>
+        <p:spPr>
+          <a:xfrm>
+            <a:off x="190252" y="6913980"/>
+            <a:ext cx="7215213" cy="461665"/>
+          </a:xfrm>
+          <a:prstGeom prst="rect">
+            <a:avLst/>
+          </a:prstGeom>
+          <a:ln/>
+        </p:spPr>
+        <p:style>
+          <a:lnRef idx="1">
+            <a:schemeClr val="accent4"/>
+          </a:lnRef>
+          <a:fillRef idx="2">
+            <a:schemeClr val="accent4"/>
+          </a:fillRef>
+          <a:effectRef idx="1">
+            <a:schemeClr val="accent4"/>
+          </a:effectRef>
+          <a:fontRef idx="minor">
+            <a:schemeClr val="dk1"/>
+          </a:fontRef>
+        </p:style>
+        <p:txBody>
+          <a:bodyPr wrap="square" rtlCol="0">
+            <a:spAutoFit/>
+          </a:bodyPr>
+          <a:lstStyle/>
+          <a:p>
+            <a:pPr algn="ctr"/>
+            <a:r>
+              <a:rPr lang="en-IE" sz="2400" dirty="0">
+                <a:latin typeface="Congenial Black" panose="020F0502020204030204" pitchFamily="2" charset="0"/>
+              </a:rPr>
+              <a:t>Remote PYNQ FPGA Laboratory</a:t>
+            </a:r>
+          </a:p>
+        </p:txBody>
+      </p:sp>
+      <p:sp>
+        <p:nvSpPr>
+          <p:cNvPr id="32" name="Rectangle 31">
+            <a:extLst>
+              <a:ext uri="{FF2B5EF4-FFF2-40B4-BE49-F238E27FC236}">
+                <a16:creationId xmlns:a16="http://schemas.microsoft.com/office/drawing/2014/main" id="{2D90431A-C538-E780-943E-250161A2C4A0}"/>
+              </a:ext>
+            </a:extLst>
+          </p:cNvPr>
+          <p:cNvSpPr/>
+          <p:nvPr/>
+        </p:nvSpPr>
+        <p:spPr>
+          <a:xfrm>
+            <a:off x="205773" y="7396535"/>
+            <a:ext cx="7196186" cy="8162806"/>
+          </a:xfrm>
+          <a:prstGeom prst="rect">
+            <a:avLst/>
+          </a:prstGeom>
+          <a:ln>
+            <a:solidFill>
+              <a:schemeClr val="accent4"/>
+            </a:solidFill>
+          </a:ln>
+        </p:spPr>
+        <p:style>
+          <a:lnRef idx="2">
+            <a:schemeClr val="accent1">
+              <a:shade val="15000"/>
+            </a:schemeClr>
+          </a:lnRef>
+          <a:fillRef idx="1003">
+            <a:schemeClr val="lt2"/>
+          </a:fillRef>
+          <a:effectRef idx="0">
+            <a:schemeClr val="accent1"/>
+          </a:effectRef>
+          <a:fontRef idx="minor">
+            <a:schemeClr val="lt1"/>
+          </a:fontRef>
+        </p:style>
+        <p:txBody>
+          <a:bodyPr rtlCol="0" anchor="t"/>
+          <a:lstStyle/>
+          <a:p>
+            <a:pPr>
+              <a:spcAft>
+                <a:spcPts val="600"/>
+              </a:spcAft>
+            </a:pPr>
+            <a:r>
+              <a:rPr lang="en-IE" dirty="0">
+                <a:solidFill>
+                  <a:schemeClr val="tx1"/>
+                </a:solidFill>
+                <a:latin typeface="Congenial" panose="02000503040000020004" pitchFamily="2" charset="0"/>
+              </a:rPr>
+              <a:t>The purpose of the remote FPGA laboratory is to make real PYNQ Z2 hardware available to students and enthusiasts.</a:t>
+            </a:r>
+          </a:p>
+          <a:p>
+            <a:r>
+              <a:rPr lang="en-IE" dirty="0">
+                <a:solidFill>
+                  <a:schemeClr val="tx1"/>
+                </a:solidFill>
+                <a:latin typeface="Congenial" panose="02000503040000020004" pitchFamily="2" charset="0"/>
+              </a:rPr>
+              <a:t>This is achieved by using a tunnelling service called </a:t>
+            </a:r>
+            <a:r>
+              <a:rPr lang="en-IE" b="1" dirty="0">
+                <a:solidFill>
+                  <a:schemeClr val="tx1"/>
+                </a:solidFill>
+                <a:latin typeface="Congenial" panose="02000503040000020004" pitchFamily="2" charset="0"/>
+              </a:rPr>
+              <a:t>ngrok</a:t>
+            </a:r>
+            <a:r>
+              <a:rPr lang="en-IE" dirty="0">
+                <a:solidFill>
+                  <a:schemeClr val="tx1"/>
+                </a:solidFill>
+                <a:latin typeface="Congenial" panose="02000503040000020004" pitchFamily="2" charset="0"/>
+              </a:rPr>
+              <a:t>. This service runs as a background daemon on the PYNQ’s ARM processor.</a:t>
+            </a:r>
+          </a:p>
+          <a:p>
+            <a:endParaRPr lang="en-IE" dirty="0">
+              <a:solidFill>
+                <a:schemeClr val="tx1"/>
+              </a:solidFill>
+              <a:latin typeface="Congenial" panose="02000503040000020004" pitchFamily="2" charset="0"/>
+            </a:endParaRPr>
+          </a:p>
+          <a:p>
+            <a:endParaRPr lang="en-IE" dirty="0">
+              <a:solidFill>
+                <a:schemeClr val="tx1"/>
+              </a:solidFill>
+              <a:latin typeface="Congenial" panose="02000503040000020004" pitchFamily="2" charset="0"/>
+            </a:endParaRPr>
+          </a:p>
+          <a:p>
+            <a:endParaRPr lang="en-IE" dirty="0">
+              <a:solidFill>
+                <a:schemeClr val="tx1"/>
+              </a:solidFill>
+              <a:latin typeface="Congenial" panose="02000503040000020004" pitchFamily="2" charset="0"/>
+            </a:endParaRPr>
+          </a:p>
+          <a:p>
+            <a:endParaRPr lang="en-IE" dirty="0">
+              <a:solidFill>
+                <a:schemeClr val="tx1"/>
+              </a:solidFill>
+              <a:latin typeface="Congenial" panose="02000503040000020004" pitchFamily="2" charset="0"/>
+            </a:endParaRPr>
+          </a:p>
+          <a:p>
+            <a:endParaRPr lang="en-IE" dirty="0">
+              <a:solidFill>
+                <a:schemeClr val="tx1"/>
+              </a:solidFill>
+              <a:latin typeface="Congenial" panose="02000503040000020004" pitchFamily="2" charset="0"/>
+            </a:endParaRPr>
+          </a:p>
+          <a:p>
+            <a:endParaRPr lang="en-IE" dirty="0">
+              <a:solidFill>
+                <a:schemeClr val="tx1"/>
+              </a:solidFill>
+              <a:latin typeface="Congenial" panose="02000503040000020004" pitchFamily="2" charset="0"/>
+            </a:endParaRPr>
+          </a:p>
+          <a:p>
+            <a:r>
+              <a:rPr lang="en-IE" dirty="0">
+                <a:solidFill>
+                  <a:schemeClr val="tx1"/>
+                </a:solidFill>
+                <a:latin typeface="Congenial" panose="02000503040000020004" pitchFamily="2" charset="0"/>
+              </a:rPr>
+              <a:t>Ngrok secures tunnels over HTTPS by default, encrypting all data transferred over the network. For authentication, ngrok supports OAuth 2.0, which allows users to login using third party platforms. For the duration of this project, users are authenticated by logging in using their @universityofgalway.ie Microsoft accounts.</a:t>
+            </a:r>
+          </a:p>
+        </p:txBody>
+      </p:sp>
+      <p:sp>
+        <p:nvSpPr>
+          <p:cNvPr id="33" name="TextBox 32">
+            <a:extLst>
+              <a:ext uri="{FF2B5EF4-FFF2-40B4-BE49-F238E27FC236}">
+                <a16:creationId xmlns:a16="http://schemas.microsoft.com/office/drawing/2014/main" id="{F3D4F1F2-EB13-2061-ADD6-6BF700222D0A}"/>
+              </a:ext>
+            </a:extLst>
+          </p:cNvPr>
+          <p:cNvSpPr txBox="1"/>
+          <p:nvPr/>
+        </p:nvSpPr>
+        <p:spPr>
+          <a:xfrm>
+            <a:off x="176994" y="15720888"/>
+            <a:ext cx="14757411" cy="461665"/>
+          </a:xfrm>
+          <a:prstGeom prst="rect">
+            <a:avLst/>
+          </a:prstGeom>
+          <a:ln/>
+        </p:spPr>
+        <p:style>
+          <a:lnRef idx="1">
+            <a:schemeClr val="accent4"/>
+          </a:lnRef>
+          <a:fillRef idx="2">
+            <a:schemeClr val="accent4"/>
+          </a:fillRef>
+          <a:effectRef idx="1">
+            <a:schemeClr val="accent4"/>
+          </a:effectRef>
+          <a:fontRef idx="minor">
+            <a:schemeClr val="dk1"/>
+          </a:fontRef>
+        </p:style>
+        <p:txBody>
+          <a:bodyPr wrap="square" rtlCol="0">
+            <a:spAutoFit/>
+          </a:bodyPr>
+          <a:lstStyle/>
+          <a:p>
+            <a:pPr algn="ctr"/>
+            <a:r>
+              <a:rPr lang="en-IE" sz="2400" dirty="0">
+                <a:latin typeface="Congenial Black" panose="020F0502020204030204" pitchFamily="2" charset="0"/>
+              </a:rPr>
+              <a:t>RISC-V Challenge-Based Learning Platform</a:t>
+            </a:r>
+          </a:p>
+        </p:txBody>
+      </p:sp>
+      <p:sp>
+        <p:nvSpPr>
+          <p:cNvPr id="34" name="Rectangle 33">
+            <a:extLst>
+              <a:ext uri="{FF2B5EF4-FFF2-40B4-BE49-F238E27FC236}">
+                <a16:creationId xmlns:a16="http://schemas.microsoft.com/office/drawing/2014/main" id="{408438C2-B553-FC62-E6A8-398BC1BD373F}"/>
+              </a:ext>
+            </a:extLst>
+          </p:cNvPr>
+          <p:cNvSpPr/>
+          <p:nvPr/>
+        </p:nvSpPr>
+        <p:spPr>
+          <a:xfrm>
+            <a:off x="176994" y="16182553"/>
+            <a:ext cx="14757412" cy="3325881"/>
+          </a:xfrm>
+          <a:prstGeom prst="rect">
+            <a:avLst/>
+          </a:prstGeom>
+          <a:ln>
+            <a:solidFill>
+              <a:schemeClr val="accent4"/>
+            </a:solidFill>
+          </a:ln>
+        </p:spPr>
+        <p:style>
+          <a:lnRef idx="2">
+            <a:schemeClr val="accent1">
+              <a:shade val="15000"/>
+            </a:schemeClr>
+          </a:lnRef>
+          <a:fillRef idx="1003">
+            <a:schemeClr val="lt2"/>
+          </a:fillRef>
+          <a:effectRef idx="0">
+            <a:schemeClr val="accent1"/>
+          </a:effectRef>
+          <a:fontRef idx="minor">
+            <a:schemeClr val="lt1"/>
+          </a:fontRef>
+        </p:style>
+        <p:txBody>
+          <a:bodyPr rtlCol="0" anchor="t"/>
+          <a:lstStyle/>
+          <a:p>
+            <a:r>
+              <a:rPr lang="en-IE" dirty="0">
+                <a:solidFill>
+                  <a:schemeClr val="tx1"/>
+                </a:solidFill>
+                <a:latin typeface="Congenial" panose="02000503040000020004" pitchFamily="2" charset="0"/>
+              </a:rPr>
+              <a:t>This section will either be connected to the objectives section above or added more information :&gt;</a:t>
+            </a:r>
+          </a:p>
+          <a:p>
+            <a:endParaRPr lang="en-IE" dirty="0">
+              <a:solidFill>
+                <a:schemeClr val="tx1"/>
+              </a:solidFill>
+              <a:latin typeface="Congenial" panose="02000503040000020004" pitchFamily="2" charset="0"/>
+            </a:endParaRPr>
+          </a:p>
+          <a:p>
+            <a:r>
+              <a:rPr lang="en-IE" dirty="0">
+                <a:solidFill>
+                  <a:schemeClr val="tx1"/>
+                </a:solidFill>
+                <a:latin typeface="Congenial" panose="02000503040000020004" pitchFamily="2" charset="0"/>
+              </a:rPr>
+              <a:t>This section is going to be difficult to produce. We will try our best B)</a:t>
+            </a:r>
+          </a:p>
+        </p:txBody>
+      </p:sp>
+      <p:pic>
+        <p:nvPicPr>
+          <p:cNvPr id="3" name="Picture 2" descr="A close-up of a red circuit board&#10;&#10;Description automatically generated">
+            <a:extLst>
+              <a:ext uri="{FF2B5EF4-FFF2-40B4-BE49-F238E27FC236}">
+                <a16:creationId xmlns:a16="http://schemas.microsoft.com/office/drawing/2014/main" id="{14D85344-7C6A-F70D-3983-C9EFB1FEA0FE}"/>
+              </a:ext>
+            </a:extLst>
+          </p:cNvPr>
+          <p:cNvPicPr>
+            <a:picLocks noChangeAspect="1"/>
+          </p:cNvPicPr>
+          <p:nvPr/>
+        </p:nvPicPr>
+        <p:blipFill>
+          <a:blip r:embed="rId3">
+            <a:extLst>
+              <a:ext uri="{28A0092B-C50C-407E-A947-70E740481C1C}">
+                <a14:useLocalDpi xmlns:a14="http://schemas.microsoft.com/office/drawing/2010/main" val="0"/>
+              </a:ext>
+            </a:extLst>
+          </a:blip>
+          <a:stretch>
+            <a:fillRect/>
+          </a:stretch>
+        </p:blipFill>
+        <p:spPr>
+          <a:xfrm>
+            <a:off x="426016" y="9092674"/>
+            <a:ext cx="2146296" cy="1361507"/>
+          </a:xfrm>
+          <a:prstGeom prst="rect">
+            <a:avLst/>
+          </a:prstGeom>
+        </p:spPr>
+      </p:pic>
+      <p:grpSp>
+        <p:nvGrpSpPr>
+          <p:cNvPr id="10" name="Group 9">
+            <a:extLst>
+              <a:ext uri="{FF2B5EF4-FFF2-40B4-BE49-F238E27FC236}">
+                <a16:creationId xmlns:a16="http://schemas.microsoft.com/office/drawing/2014/main" id="{556DD27D-40D4-5D9C-8BCE-B83349B351A5}"/>
+              </a:ext>
+            </a:extLst>
+          </p:cNvPr>
+          <p:cNvGrpSpPr/>
+          <p:nvPr/>
+        </p:nvGrpSpPr>
+        <p:grpSpPr>
+          <a:xfrm>
+            <a:off x="7939206" y="11314623"/>
+            <a:ext cx="6802829" cy="4211849"/>
+            <a:chOff x="7939206" y="10966282"/>
+            <a:chExt cx="6802829" cy="4211849"/>
+          </a:xfrm>
+        </p:grpSpPr>
+        <p:pic>
+          <p:nvPicPr>
+            <p:cNvPr id="17" name="Picture 16" descr="A screenshot of a computer program&#10;&#10;Description automatically generated">
+              <a:extLst>
+                <a:ext uri="{FF2B5EF4-FFF2-40B4-BE49-F238E27FC236}">
+                  <a16:creationId xmlns:a16="http://schemas.microsoft.com/office/drawing/2014/main" id="{83D2BD84-2323-D56F-5EB4-983A296FABAE}"/>
+                </a:ext>
+              </a:extLst>
+            </p:cNvPr>
+            <p:cNvPicPr>
+              <a:picLocks noChangeAspect="1"/>
+            </p:cNvPicPr>
+            <p:nvPr/>
+          </p:nvPicPr>
+          <p:blipFill>
+            <a:blip r:embed="rId4">
+              <a:extLst>
+                <a:ext uri="{28A0092B-C50C-407E-A947-70E740481C1C}">
+                  <a14:useLocalDpi xmlns:a14="http://schemas.microsoft.com/office/drawing/2010/main" val="0"/>
+                </a:ext>
+              </a:extLst>
+            </a:blip>
+            <a:stretch>
+              <a:fillRect/>
+            </a:stretch>
+          </p:blipFill>
+          <p:spPr>
+            <a:xfrm>
+              <a:off x="7939206" y="10966283"/>
+              <a:ext cx="3369678" cy="1825802"/>
+            </a:xfrm>
+            <a:prstGeom prst="rect">
+              <a:avLst/>
+            </a:prstGeom>
+          </p:spPr>
+        </p:pic>
+        <p:pic>
+          <p:nvPicPr>
+            <p:cNvPr id="21" name="Picture 20" descr="A screenshot of a computer program&#10;&#10;Description automatically generated">
+              <a:extLst>
+                <a:ext uri="{FF2B5EF4-FFF2-40B4-BE49-F238E27FC236}">
+                  <a16:creationId xmlns:a16="http://schemas.microsoft.com/office/drawing/2014/main" id="{53A1C88E-832D-046F-C2F9-219381444CD0}"/>
+                </a:ext>
+              </a:extLst>
+            </p:cNvPr>
+            <p:cNvPicPr>
+              <a:picLocks noChangeAspect="1"/>
+            </p:cNvPicPr>
+            <p:nvPr/>
+          </p:nvPicPr>
+          <p:blipFill>
+            <a:blip r:embed="rId5">
+              <a:extLst>
+                <a:ext uri="{28A0092B-C50C-407E-A947-70E740481C1C}">
+                  <a14:useLocalDpi xmlns:a14="http://schemas.microsoft.com/office/drawing/2010/main" val="0"/>
+                </a:ext>
+              </a:extLst>
+            </a:blip>
+            <a:stretch>
+              <a:fillRect/>
+            </a:stretch>
+          </p:blipFill>
+          <p:spPr>
+            <a:xfrm>
+              <a:off x="11372357" y="10966282"/>
+              <a:ext cx="3369678" cy="1825802"/>
+            </a:xfrm>
+            <a:prstGeom prst="rect">
+              <a:avLst/>
+            </a:prstGeom>
+          </p:spPr>
+        </p:pic>
+        <p:pic>
+          <p:nvPicPr>
+            <p:cNvPr id="19" name="Picture 18" descr="A screenshot of a computer&#10;&#10;Description automatically generated">
+              <a:extLst>
+                <a:ext uri="{FF2B5EF4-FFF2-40B4-BE49-F238E27FC236}">
+                  <a16:creationId xmlns:a16="http://schemas.microsoft.com/office/drawing/2014/main" id="{BAA7806B-99C5-262D-6FB3-3576C62EA744}"/>
+                </a:ext>
+              </a:extLst>
+            </p:cNvPr>
+            <p:cNvPicPr>
+              <a:picLocks noChangeAspect="1"/>
+            </p:cNvPicPr>
+            <p:nvPr/>
+          </p:nvPicPr>
+          <p:blipFill>
+            <a:blip r:embed="rId6">
+              <a:extLst>
+                <a:ext uri="{28A0092B-C50C-407E-A947-70E740481C1C}">
+                  <a14:useLocalDpi xmlns:a14="http://schemas.microsoft.com/office/drawing/2010/main" val="0"/>
+                </a:ext>
+              </a:extLst>
+            </a:blip>
+            <a:stretch>
+              <a:fillRect/>
+            </a:stretch>
+          </p:blipFill>
+          <p:spPr>
+            <a:xfrm>
+              <a:off x="7945557" y="13065550"/>
+              <a:ext cx="3356977" cy="1825802"/>
+            </a:xfrm>
+            <a:prstGeom prst="rect">
+              <a:avLst/>
+            </a:prstGeom>
+          </p:spPr>
+        </p:pic>
+        <p:pic>
+          <p:nvPicPr>
+            <p:cNvPr id="23" name="Picture 22">
+              <a:extLst>
+                <a:ext uri="{FF2B5EF4-FFF2-40B4-BE49-F238E27FC236}">
+                  <a16:creationId xmlns:a16="http://schemas.microsoft.com/office/drawing/2014/main" id="{AF45975D-2457-4B05-11E0-C782E8592FE0}"/>
+                </a:ext>
+              </a:extLst>
+            </p:cNvPr>
+            <p:cNvPicPr>
+              <a:picLocks noChangeAspect="1"/>
+            </p:cNvPicPr>
+            <p:nvPr/>
+          </p:nvPicPr>
+          <p:blipFill>
+            <a:blip r:embed="rId7"/>
+            <a:stretch>
+              <a:fillRect/>
+            </a:stretch>
+          </p:blipFill>
+          <p:spPr>
+            <a:xfrm>
+              <a:off x="11361256" y="13069082"/>
+              <a:ext cx="3376029" cy="1822269"/>
+            </a:xfrm>
+            <a:prstGeom prst="rect">
+              <a:avLst/>
+            </a:prstGeom>
+          </p:spPr>
+        </p:pic>
+        <p:sp>
+          <p:nvSpPr>
+            <p:cNvPr id="24" name="TextBox 23">
+              <a:extLst>
+                <a:ext uri="{FF2B5EF4-FFF2-40B4-BE49-F238E27FC236}">
+                  <a16:creationId xmlns:a16="http://schemas.microsoft.com/office/drawing/2014/main" id="{D5F833B6-5C93-605D-58BA-F8C786950974}"/>
+                </a:ext>
+              </a:extLst>
+            </p:cNvPr>
+            <p:cNvSpPr txBox="1"/>
+            <p:nvPr/>
+          </p:nvSpPr>
+          <p:spPr>
+            <a:xfrm>
+              <a:off x="7940806" y="12792084"/>
+              <a:ext cx="3363328" cy="276999"/>
+            </a:xfrm>
+            <a:prstGeom prst="rect">
+              <a:avLst/>
+            </a:prstGeom>
+            <a:noFill/>
+          </p:spPr>
+          <p:txBody>
+            <a:bodyPr wrap="square" rtlCol="0">
+              <a:spAutoFit/>
+            </a:bodyPr>
+            <a:lstStyle/>
+            <a:p>
+              <a:pPr algn="ctr"/>
+              <a:r>
+                <a:rPr lang="en-IE" sz="1200" dirty="0">
+                  <a:latin typeface="Congenial" panose="02000503040000020004" pitchFamily="2" charset="0"/>
+                </a:rPr>
+                <a:t>PYNQ SoC Builder Main Menu</a:t>
+              </a:r>
+            </a:p>
+          </p:txBody>
+        </p:sp>
+        <p:sp>
+          <p:nvSpPr>
+            <p:cNvPr id="25" name="TextBox 24">
+              <a:extLst>
+                <a:ext uri="{FF2B5EF4-FFF2-40B4-BE49-F238E27FC236}">
+                  <a16:creationId xmlns:a16="http://schemas.microsoft.com/office/drawing/2014/main" id="{D2DB3D7A-387B-6F05-8907-429371DAC75B}"/>
+                </a:ext>
+              </a:extLst>
+            </p:cNvPr>
+            <p:cNvSpPr txBox="1"/>
+            <p:nvPr/>
+          </p:nvSpPr>
+          <p:spPr>
+            <a:xfrm>
+              <a:off x="11367607" y="12785837"/>
+              <a:ext cx="3369678" cy="276999"/>
+            </a:xfrm>
+            <a:prstGeom prst="rect">
+              <a:avLst/>
+            </a:prstGeom>
+            <a:noFill/>
+          </p:spPr>
+          <p:txBody>
+            <a:bodyPr wrap="square" rtlCol="0">
+              <a:spAutoFit/>
+            </a:bodyPr>
+            <a:lstStyle/>
+            <a:p>
+              <a:pPr algn="ctr"/>
+              <a:r>
+                <a:rPr lang="en-IE" sz="1200" dirty="0">
+                  <a:latin typeface="Congenial" panose="02000503040000020004" pitchFamily="2" charset="0"/>
+                </a:rPr>
+                <a:t>In Progress Screen</a:t>
+              </a:r>
+            </a:p>
+          </p:txBody>
+        </p:sp>
+        <p:sp>
+          <p:nvSpPr>
+            <p:cNvPr id="35" name="TextBox 34">
+              <a:extLst>
+                <a:ext uri="{FF2B5EF4-FFF2-40B4-BE49-F238E27FC236}">
+                  <a16:creationId xmlns:a16="http://schemas.microsoft.com/office/drawing/2014/main" id="{1FE8FDE3-94BC-A772-52CA-44632768D53E}"/>
+                </a:ext>
+              </a:extLst>
+            </p:cNvPr>
+            <p:cNvSpPr txBox="1"/>
+            <p:nvPr/>
+          </p:nvSpPr>
+          <p:spPr>
+            <a:xfrm>
+              <a:off x="7939206" y="14901132"/>
+              <a:ext cx="3363328" cy="276999"/>
+            </a:xfrm>
+            <a:prstGeom prst="rect">
+              <a:avLst/>
+            </a:prstGeom>
+            <a:noFill/>
+          </p:spPr>
+          <p:txBody>
+            <a:bodyPr wrap="square" rtlCol="0">
+              <a:spAutoFit/>
+            </a:bodyPr>
+            <a:lstStyle/>
+            <a:p>
+              <a:pPr algn="ctr"/>
+              <a:r>
+                <a:rPr lang="en-IE" sz="1200" dirty="0">
+                  <a:latin typeface="Congenial" panose="02000503040000020004" pitchFamily="2" charset="0"/>
+                </a:rPr>
+                <a:t>I/O Connections Menu</a:t>
+              </a:r>
+            </a:p>
+          </p:txBody>
+        </p:sp>
+        <p:sp>
+          <p:nvSpPr>
+            <p:cNvPr id="36" name="TextBox 35">
+              <a:extLst>
+                <a:ext uri="{FF2B5EF4-FFF2-40B4-BE49-F238E27FC236}">
+                  <a16:creationId xmlns:a16="http://schemas.microsoft.com/office/drawing/2014/main" id="{9962113A-4CF9-70BC-0097-758E5F40384B}"/>
+                </a:ext>
+              </a:extLst>
+            </p:cNvPr>
+            <p:cNvSpPr txBox="1"/>
+            <p:nvPr/>
+          </p:nvSpPr>
+          <p:spPr>
+            <a:xfrm>
+              <a:off x="11366007" y="14894885"/>
+              <a:ext cx="3369678" cy="276999"/>
+            </a:xfrm>
+            <a:prstGeom prst="rect">
+              <a:avLst/>
+            </a:prstGeom>
+            <a:noFill/>
+          </p:spPr>
+          <p:txBody>
+            <a:bodyPr wrap="square" rtlCol="0">
+              <a:spAutoFit/>
+            </a:bodyPr>
+            <a:lstStyle/>
+            <a:p>
+              <a:pPr algn="ctr"/>
+              <a:r>
+                <a:rPr lang="en-IE" sz="1200" dirty="0">
+                  <a:latin typeface="Congenial" panose="02000503040000020004" pitchFamily="2" charset="0"/>
+                </a:rPr>
+                <a:t>Sample LED Signal Configuration</a:t>
+              </a:r>
+            </a:p>
+          </p:txBody>
+        </p:sp>
+      </p:grpSp>
+      <p:grpSp>
+        <p:nvGrpSpPr>
+          <p:cNvPr id="2" name="Group 1">
+            <a:extLst>
+              <a:ext uri="{FF2B5EF4-FFF2-40B4-BE49-F238E27FC236}">
+                <a16:creationId xmlns:a16="http://schemas.microsoft.com/office/drawing/2014/main" id="{CEFE44F7-35C4-7E73-1725-C8ED6C5F2D79}"/>
+              </a:ext>
+            </a:extLst>
+          </p:cNvPr>
+          <p:cNvGrpSpPr/>
+          <p:nvPr/>
+        </p:nvGrpSpPr>
+        <p:grpSpPr>
+          <a:xfrm>
+            <a:off x="7939219" y="6961464"/>
+            <a:ext cx="6830552" cy="4177194"/>
+            <a:chOff x="7939219" y="5292322"/>
+            <a:chExt cx="6830552" cy="4177194"/>
+          </a:xfrm>
+        </p:grpSpPr>
+        <p:sp>
+          <p:nvSpPr>
+            <p:cNvPr id="5" name="Rectangle 4">
+              <a:extLst>
+                <a:ext uri="{FF2B5EF4-FFF2-40B4-BE49-F238E27FC236}">
+                  <a16:creationId xmlns:a16="http://schemas.microsoft.com/office/drawing/2014/main" id="{66D5E288-9B49-503E-79CA-82B14FEE78FB}"/>
+                </a:ext>
+              </a:extLst>
+            </p:cNvPr>
+            <p:cNvSpPr/>
+            <p:nvPr/>
+          </p:nvSpPr>
+          <p:spPr>
+            <a:xfrm>
+              <a:off x="7939219" y="5292322"/>
+              <a:ext cx="6802829" cy="4177194"/>
+            </a:xfrm>
+            <a:prstGeom prst="rect">
+              <a:avLst/>
+            </a:prstGeom>
+            <a:solidFill>
+              <a:schemeClr val="accent4">
+                <a:alpha val="50000"/>
+              </a:schemeClr>
+            </a:solidFill>
+            <a:ln>
+              <a:noFill/>
+            </a:ln>
+          </p:spPr>
+          <p:style>
+            <a:lnRef idx="0">
+              <a:scrgbClr r="0" g="0" b="0"/>
+            </a:lnRef>
+            <a:fillRef idx="0">
+              <a:scrgbClr r="0" g="0" b="0"/>
+            </a:fillRef>
+            <a:effectRef idx="0">
+              <a:scrgbClr r="0" g="0" b="0"/>
+            </a:effectRef>
+            <a:fontRef idx="minor">
+              <a:schemeClr val="lt1"/>
+            </a:fontRef>
+          </p:style>
+          <p:txBody>
+            <a:bodyPr rtlCol="0" anchor="ctr"/>
+            <a:lstStyle/>
+            <a:p>
+              <a:pPr algn="ctr"/>
+              <a:endParaRPr lang="en-IE" dirty="0"/>
+            </a:p>
+          </p:txBody>
+        </p:sp>
+        <p:sp>
+          <p:nvSpPr>
+            <p:cNvPr id="37" name="Rectangle: Rounded Corners 36">
+              <a:extLst>
+                <a:ext uri="{FF2B5EF4-FFF2-40B4-BE49-F238E27FC236}">
+                  <a16:creationId xmlns:a16="http://schemas.microsoft.com/office/drawing/2014/main" id="{660BF589-9EEE-91D6-57E8-D30DEFDECA02}"/>
+                </a:ext>
+              </a:extLst>
+            </p:cNvPr>
+            <p:cNvSpPr/>
+            <p:nvPr/>
+          </p:nvSpPr>
+          <p:spPr>
+            <a:xfrm>
+              <a:off x="10922826" y="5463312"/>
+              <a:ext cx="1351720" cy="2483565"/>
+            </a:xfrm>
+            <a:prstGeom prst="roundRect">
+              <a:avLst/>
+            </a:prstGeom>
+            <a:solidFill>
+              <a:schemeClr val="accent5">
+                <a:lumMod val="60000"/>
+                <a:lumOff val="40000"/>
+              </a:schemeClr>
+            </a:solidFill>
+          </p:spPr>
+          <p:style>
+            <a:lnRef idx="2">
+              <a:schemeClr val="accent5">
+                <a:shade val="15000"/>
+              </a:schemeClr>
+            </a:lnRef>
+            <a:fillRef idx="1">
+              <a:schemeClr val="accent5"/>
+            </a:fillRef>
+            <a:effectRef idx="0">
+              <a:schemeClr val="accent5"/>
+            </a:effectRef>
+            <a:fontRef idx="minor">
+              <a:schemeClr val="lt1"/>
+            </a:fontRef>
+          </p:style>
+          <p:txBody>
+            <a:bodyPr rtlCol="0" anchor="t"/>
+            <a:lstStyle/>
+            <a:p>
+              <a:pPr algn="ctr"/>
+              <a:r>
+                <a:rPr lang="en-IE" dirty="0">
+                  <a:solidFill>
+                    <a:sysClr val="windowText" lastClr="000000"/>
+                  </a:solidFill>
+                  <a:latin typeface="Congenial Black" panose="02000503040000020004" pitchFamily="2" charset="0"/>
+                </a:rPr>
+                <a:t>PYNQ</a:t>
+              </a:r>
+            </a:p>
+            <a:p>
+              <a:pPr algn="ctr"/>
+              <a:r>
+                <a:rPr lang="en-IE" dirty="0">
+                  <a:solidFill>
+                    <a:sysClr val="windowText" lastClr="000000"/>
+                  </a:solidFill>
+                  <a:latin typeface="Congenial Black" panose="02000503040000020004" pitchFamily="2" charset="0"/>
+                </a:rPr>
+                <a:t>SoC</a:t>
+              </a:r>
+            </a:p>
+            <a:p>
+              <a:pPr algn="ctr"/>
+              <a:r>
+                <a:rPr lang="en-IE" dirty="0">
+                  <a:solidFill>
+                    <a:sysClr val="windowText" lastClr="000000"/>
+                  </a:solidFill>
+                  <a:latin typeface="Congenial Black" panose="02000503040000020004" pitchFamily="2" charset="0"/>
+                </a:rPr>
+                <a:t>Builder</a:t>
+              </a:r>
+            </a:p>
+          </p:txBody>
+        </p:sp>
+        <p:sp>
+          <p:nvSpPr>
+            <p:cNvPr id="39" name="Rectangle 38">
+              <a:extLst>
+                <a:ext uri="{FF2B5EF4-FFF2-40B4-BE49-F238E27FC236}">
+                  <a16:creationId xmlns:a16="http://schemas.microsoft.com/office/drawing/2014/main" id="{E791007F-168B-CD81-586C-CE93BEAED7EB}"/>
+                </a:ext>
+              </a:extLst>
+            </p:cNvPr>
+            <p:cNvSpPr/>
+            <p:nvPr/>
+          </p:nvSpPr>
+          <p:spPr>
+            <a:xfrm>
+              <a:off x="8115299" y="6171627"/>
+              <a:ext cx="1859783" cy="2088000"/>
+            </a:xfrm>
+            <a:prstGeom prst="rect">
+              <a:avLst/>
+            </a:prstGeom>
+            <a:solidFill>
+              <a:schemeClr val="dk1">
+                <a:alpha val="50000"/>
+              </a:schemeClr>
+            </a:solidFill>
+            <a:ln>
+              <a:noFill/>
+            </a:ln>
+          </p:spPr>
+          <p:style>
+            <a:lnRef idx="0">
+              <a:scrgbClr r="0" g="0" b="0"/>
+            </a:lnRef>
+            <a:fillRef idx="0">
+              <a:scrgbClr r="0" g="0" b="0"/>
+            </a:fillRef>
+            <a:effectRef idx="0">
+              <a:scrgbClr r="0" g="0" b="0"/>
+            </a:effectRef>
+            <a:fontRef idx="minor">
+              <a:schemeClr val="lt1"/>
+            </a:fontRef>
+          </p:style>
+          <p:txBody>
+            <a:bodyPr rtlCol="0" anchor="t"/>
+            <a:lstStyle/>
+            <a:p>
+              <a:pPr marL="36000" algn="ctr"/>
+              <a:r>
+                <a:rPr lang="en-IE" sz="1200" dirty="0">
+                  <a:latin typeface="Congenial" panose="02000503040000020004" pitchFamily="2" charset="0"/>
+                </a:rPr>
+                <a:t>Component Name, Description,</a:t>
+              </a:r>
+            </a:p>
+            <a:p>
+              <a:pPr marL="36000" algn="ctr"/>
+              <a:r>
+                <a:rPr lang="en-IE" sz="1200" dirty="0">
+                  <a:latin typeface="Congenial" panose="02000503040000020004" pitchFamily="2" charset="0"/>
+                </a:rPr>
+                <a:t> Date, Author, </a:t>
+              </a:r>
+            </a:p>
+            <a:p>
+              <a:pPr marL="36000" algn="ctr"/>
+              <a:r>
+                <a:rPr lang="en-IE" sz="1200" dirty="0">
+                  <a:latin typeface="Congenial" panose="02000503040000020004" pitchFamily="2" charset="0"/>
+                </a:rPr>
+                <a:t>Email, Company</a:t>
+              </a:r>
+            </a:p>
+            <a:p>
+              <a:pPr marL="36000" algn="ctr"/>
+              <a:r>
+                <a:rPr lang="en-IE" sz="1200" dirty="0">
+                  <a:latin typeface="Congenial" panose="02000503040000020004" pitchFamily="2" charset="0"/>
+                </a:rPr>
+                <a:t>Sub-Components</a:t>
+              </a:r>
+            </a:p>
+            <a:p>
+              <a:pPr marL="36000" algn="ctr"/>
+              <a:r>
+                <a:rPr lang="en-IE" sz="1200" dirty="0">
+                  <a:latin typeface="Congenial" panose="02000503040000020004" pitchFamily="2" charset="0"/>
+                </a:rPr>
+                <a:t>Signal Type</a:t>
+              </a:r>
+            </a:p>
+            <a:p>
+              <a:pPr marL="36000" algn="ctr"/>
+              <a:r>
+                <a:rPr lang="en-IE" sz="1200" dirty="0">
+                  <a:latin typeface="Congenial" panose="02000503040000020004" pitchFamily="2" charset="0"/>
+                </a:rPr>
+                <a:t>Sub-components</a:t>
+              </a:r>
+            </a:p>
+            <a:p>
+              <a:pPr marL="36000" algn="ctr"/>
+              <a:r>
+                <a:rPr lang="en-IE" sz="1200" dirty="0">
+                  <a:latin typeface="Congenial" panose="02000503040000020004" pitchFamily="2" charset="0"/>
+                </a:rPr>
+                <a:t>Ports</a:t>
+              </a:r>
+            </a:p>
+            <a:p>
+              <a:pPr marL="36000" algn="ctr"/>
+              <a:r>
+                <a:rPr lang="en-IE" sz="1200" dirty="0">
+                  <a:latin typeface="Congenial" panose="02000503040000020004" pitchFamily="2" charset="0"/>
+                </a:rPr>
+                <a:t>Internal Signals</a:t>
+              </a:r>
+            </a:p>
+            <a:p>
+              <a:pPr marL="36000" algn="ctr"/>
+              <a:r>
+                <a:rPr lang="en-IE" sz="1200" dirty="0">
+                  <a:latin typeface="Congenial" panose="02000503040000020004" pitchFamily="2" charset="0"/>
+                </a:rPr>
+                <a:t>Architecture</a:t>
+              </a:r>
+            </a:p>
+            <a:p>
+              <a:pPr marL="36000" algn="ctr"/>
+              <a:r>
+                <a:rPr lang="en-IE" sz="1200" dirty="0">
+                  <a:latin typeface="Congenial" panose="02000503040000020004" pitchFamily="2" charset="0"/>
+                </a:rPr>
+                <a:t>Test Plan</a:t>
+              </a:r>
+            </a:p>
+          </p:txBody>
+        </p:sp>
+        <p:sp>
+          <p:nvSpPr>
+            <p:cNvPr id="44" name="TextBox 43">
+              <a:extLst>
+                <a:ext uri="{FF2B5EF4-FFF2-40B4-BE49-F238E27FC236}">
+                  <a16:creationId xmlns:a16="http://schemas.microsoft.com/office/drawing/2014/main" id="{8195EB84-39AA-80EF-94BA-2709C449EC57}"/>
+                </a:ext>
+              </a:extLst>
+            </p:cNvPr>
+            <p:cNvSpPr txBox="1"/>
+            <p:nvPr/>
+          </p:nvSpPr>
+          <p:spPr>
+            <a:xfrm>
+              <a:off x="10107909" y="6096397"/>
+              <a:ext cx="692260" cy="461665"/>
+            </a:xfrm>
+            <a:prstGeom prst="rect">
+              <a:avLst/>
+            </a:prstGeom>
+            <a:noFill/>
+          </p:spPr>
+          <p:txBody>
+            <a:bodyPr wrap="square" rtlCol="0">
+              <a:spAutoFit/>
+            </a:bodyPr>
+            <a:lstStyle/>
+            <a:p>
+              <a:pPr algn="ctr"/>
+              <a:r>
+                <a:rPr lang="en-IE" sz="1200" b="1" dirty="0">
+                  <a:latin typeface="Congenial" panose="02000503040000020004" pitchFamily="2" charset="0"/>
+                </a:rPr>
+                <a:t>1</a:t>
+              </a:r>
+              <a:r>
+                <a:rPr lang="en-IE" sz="1200" dirty="0">
+                  <a:latin typeface="Congenial" panose="02000503040000020004" pitchFamily="2" charset="0"/>
+                </a:rPr>
+                <a:t>. Read</a:t>
+              </a:r>
+            </a:p>
+            <a:p>
+              <a:pPr algn="ctr"/>
+              <a:r>
+                <a:rPr lang="en-IE" sz="1200" dirty="0">
+                  <a:latin typeface="Congenial" panose="02000503040000020004" pitchFamily="2" charset="0"/>
+                </a:rPr>
+                <a:t>Data</a:t>
+              </a:r>
+            </a:p>
+          </p:txBody>
+        </p:sp>
+        <p:sp>
+          <p:nvSpPr>
+            <p:cNvPr id="45" name="TextBox 44">
+              <a:extLst>
+                <a:ext uri="{FF2B5EF4-FFF2-40B4-BE49-F238E27FC236}">
+                  <a16:creationId xmlns:a16="http://schemas.microsoft.com/office/drawing/2014/main" id="{9893D855-14C0-53F3-75C8-477336322B19}"/>
+                </a:ext>
+              </a:extLst>
+            </p:cNvPr>
+            <p:cNvSpPr txBox="1"/>
+            <p:nvPr/>
+          </p:nvSpPr>
+          <p:spPr>
+            <a:xfrm>
+              <a:off x="10563639" y="7998541"/>
+              <a:ext cx="993671" cy="646331"/>
+            </a:xfrm>
+            <a:prstGeom prst="rect">
+              <a:avLst/>
+            </a:prstGeom>
+            <a:noFill/>
+          </p:spPr>
+          <p:txBody>
+            <a:bodyPr wrap="square" rtlCol="0">
+              <a:spAutoFit/>
+            </a:bodyPr>
+            <a:lstStyle/>
+            <a:p>
+              <a:pPr algn="ctr"/>
+              <a:r>
+                <a:rPr lang="en-IE" sz="1200" b="1" dirty="0">
+                  <a:latin typeface="Congenial" panose="02000503040000020004" pitchFamily="2" charset="0"/>
+                </a:rPr>
+                <a:t>3</a:t>
+              </a:r>
+              <a:r>
+                <a:rPr lang="en-IE" sz="1200" dirty="0">
+                  <a:latin typeface="Congenial" panose="02000503040000020004" pitchFamily="2" charset="0"/>
+                </a:rPr>
+                <a:t>. Invoke script in Vivado </a:t>
+              </a:r>
+            </a:p>
+          </p:txBody>
+        </p:sp>
+        <p:cxnSp>
+          <p:nvCxnSpPr>
+            <p:cNvPr id="54" name="Straight Arrow Connector 53">
+              <a:extLst>
+                <a:ext uri="{FF2B5EF4-FFF2-40B4-BE49-F238E27FC236}">
+                  <a16:creationId xmlns:a16="http://schemas.microsoft.com/office/drawing/2014/main" id="{612A2C6C-3203-D0F8-FCB2-17AA10C53325}"/>
+                </a:ext>
+              </a:extLst>
+            </p:cNvPr>
+            <p:cNvCxnSpPr>
+              <a:cxnSpLocks/>
+            </p:cNvCxnSpPr>
+            <p:nvPr/>
+          </p:nvCxnSpPr>
+          <p:spPr>
+            <a:xfrm>
+              <a:off x="9985252" y="6015624"/>
+              <a:ext cx="937574" cy="0"/>
+            </a:xfrm>
+            <a:prstGeom prst="straightConnector1">
+              <a:avLst/>
+            </a:prstGeom>
+            <a:ln w="76200">
+              <a:solidFill>
+                <a:srgbClr val="C00000"/>
+              </a:solidFill>
+              <a:tailEnd type="triangle"/>
+            </a:ln>
+          </p:spPr>
+          <p:style>
+            <a:lnRef idx="2">
+              <a:schemeClr val="accent1"/>
+            </a:lnRef>
+            <a:fillRef idx="0">
+              <a:schemeClr val="accent1"/>
+            </a:fillRef>
+            <a:effectRef idx="1">
+              <a:schemeClr val="accent1"/>
+            </a:effectRef>
+            <a:fontRef idx="minor">
+              <a:schemeClr val="tx1"/>
+            </a:fontRef>
+          </p:style>
+        </p:cxnSp>
+        <p:cxnSp>
+          <p:nvCxnSpPr>
+            <p:cNvPr id="46" name="Straight Arrow Connector 45">
+              <a:extLst>
+                <a:ext uri="{FF2B5EF4-FFF2-40B4-BE49-F238E27FC236}">
+                  <a16:creationId xmlns:a16="http://schemas.microsoft.com/office/drawing/2014/main" id="{8D27DB09-BC95-652D-2B1A-5CDDC7EC6B90}"/>
+                </a:ext>
+              </a:extLst>
+            </p:cNvPr>
+            <p:cNvCxnSpPr>
+              <a:cxnSpLocks/>
+            </p:cNvCxnSpPr>
+            <p:nvPr/>
+          </p:nvCxnSpPr>
+          <p:spPr>
+            <a:xfrm flipH="1">
+              <a:off x="11454881" y="7960858"/>
+              <a:ext cx="15790" cy="686450"/>
+            </a:xfrm>
+            <a:prstGeom prst="straightConnector1">
+              <a:avLst/>
+            </a:prstGeom>
+            <a:ln w="76200">
+              <a:solidFill>
+                <a:srgbClr val="C00000"/>
+              </a:solidFill>
+              <a:tailEnd type="triangle"/>
+            </a:ln>
+          </p:spPr>
+          <p:style>
+            <a:lnRef idx="2">
+              <a:schemeClr val="accent1"/>
+            </a:lnRef>
+            <a:fillRef idx="0">
+              <a:schemeClr val="accent1"/>
+            </a:fillRef>
+            <a:effectRef idx="1">
+              <a:schemeClr val="accent1"/>
+            </a:effectRef>
+            <a:fontRef idx="minor">
+              <a:schemeClr val="tx1"/>
+            </a:fontRef>
+          </p:style>
+        </p:cxnSp>
+        <p:cxnSp>
+          <p:nvCxnSpPr>
+            <p:cNvPr id="58" name="Straight Arrow Connector 57">
+              <a:extLst>
+                <a:ext uri="{FF2B5EF4-FFF2-40B4-BE49-F238E27FC236}">
+                  <a16:creationId xmlns:a16="http://schemas.microsoft.com/office/drawing/2014/main" id="{1BDB40A8-05F3-9894-37DD-EEA26FA3EC00}"/>
+                </a:ext>
+              </a:extLst>
+            </p:cNvPr>
+            <p:cNvCxnSpPr>
+              <a:cxnSpLocks/>
+            </p:cNvCxnSpPr>
+            <p:nvPr/>
+          </p:nvCxnSpPr>
+          <p:spPr>
+            <a:xfrm flipV="1">
+              <a:off x="11752689" y="7960858"/>
+              <a:ext cx="0" cy="684014"/>
+            </a:xfrm>
+            <a:prstGeom prst="straightConnector1">
+              <a:avLst/>
+            </a:prstGeom>
+            <a:ln w="76200">
+              <a:solidFill>
+                <a:srgbClr val="C00000"/>
+              </a:solidFill>
+              <a:tailEnd type="triangle"/>
+            </a:ln>
+          </p:spPr>
+          <p:style>
+            <a:lnRef idx="2">
+              <a:schemeClr val="accent1"/>
+            </a:lnRef>
+            <a:fillRef idx="0">
+              <a:schemeClr val="accent1"/>
+            </a:fillRef>
+            <a:effectRef idx="1">
+              <a:schemeClr val="accent1"/>
+            </a:effectRef>
+            <a:fontRef idx="minor">
+              <a:schemeClr val="tx1"/>
+            </a:fontRef>
+          </p:style>
+        </p:cxnSp>
+        <p:sp>
+          <p:nvSpPr>
+            <p:cNvPr id="69" name="Rectangle: Rounded Corners 68">
+              <a:extLst>
+                <a:ext uri="{FF2B5EF4-FFF2-40B4-BE49-F238E27FC236}">
+                  <a16:creationId xmlns:a16="http://schemas.microsoft.com/office/drawing/2014/main" id="{9E569580-50AB-DA0C-A380-CB7D324FF99F}"/>
+                </a:ext>
+              </a:extLst>
+            </p:cNvPr>
+            <p:cNvSpPr/>
+            <p:nvPr/>
+          </p:nvSpPr>
+          <p:spPr>
+            <a:xfrm>
+              <a:off x="13208822" y="5491877"/>
+              <a:ext cx="1351721" cy="2034855"/>
+            </a:xfrm>
+            <a:prstGeom prst="roundRect">
+              <a:avLst/>
+            </a:prstGeom>
+            <a:solidFill>
+              <a:schemeClr val="accent2">
+                <a:lumMod val="60000"/>
+                <a:lumOff val="40000"/>
+              </a:schemeClr>
+            </a:solidFill>
+          </p:spPr>
+          <p:style>
+            <a:lnRef idx="2">
+              <a:schemeClr val="accent5">
+                <a:shade val="15000"/>
+              </a:schemeClr>
+            </a:lnRef>
+            <a:fillRef idx="1">
+              <a:schemeClr val="accent5"/>
+            </a:fillRef>
+            <a:effectRef idx="0">
+              <a:schemeClr val="accent5"/>
+            </a:effectRef>
+            <a:fontRef idx="minor">
+              <a:schemeClr val="lt1"/>
+            </a:fontRef>
+          </p:style>
+          <p:txBody>
+            <a:bodyPr rtlCol="0" anchor="t"/>
+            <a:lstStyle/>
+            <a:p>
+              <a:pPr algn="ctr"/>
+              <a:r>
+                <a:rPr lang="en-IE" dirty="0">
+                  <a:solidFill>
+                    <a:sysClr val="windowText" lastClr="000000"/>
+                  </a:solidFill>
+                  <a:latin typeface="Congenial Black" panose="02000503040000020004" pitchFamily="2" charset="0"/>
+                </a:rPr>
+                <a:t>Output Binaries</a:t>
+              </a:r>
+            </a:p>
+            <a:p>
+              <a:pPr algn="ctr"/>
+              <a:endParaRPr lang="en-IE" dirty="0">
+                <a:solidFill>
+                  <a:sysClr val="windowText" lastClr="000000"/>
+                </a:solidFill>
+                <a:latin typeface="Congenial" panose="02000503040000020004" pitchFamily="2" charset="0"/>
+              </a:endParaRPr>
+            </a:p>
+            <a:p>
+              <a:pPr algn="ctr"/>
+              <a:r>
+                <a:rPr lang="en-IE" dirty="0">
+                  <a:solidFill>
+                    <a:sysClr val="windowText" lastClr="000000"/>
+                  </a:solidFill>
+                  <a:latin typeface="Congenial" panose="02000503040000020004" pitchFamily="2" charset="0"/>
+                </a:rPr>
+                <a:t>.hwh, .tcl, .bit, .ipynb</a:t>
+              </a:r>
+            </a:p>
+          </p:txBody>
+        </p:sp>
+        <p:pic>
+          <p:nvPicPr>
+            <p:cNvPr id="72" name="Picture 71" descr="A close-up of a logo&#10;&#10;Description automatically generated">
+              <a:extLst>
+                <a:ext uri="{FF2B5EF4-FFF2-40B4-BE49-F238E27FC236}">
+                  <a16:creationId xmlns:a16="http://schemas.microsoft.com/office/drawing/2014/main" id="{13AFEE02-B204-63A8-E4B3-6DAA8C086334}"/>
+                </a:ext>
+              </a:extLst>
+            </p:cNvPr>
+            <p:cNvPicPr>
+              <a:picLocks noChangeAspect="1"/>
+            </p:cNvPicPr>
+            <p:nvPr/>
+          </p:nvPicPr>
+          <p:blipFill>
+            <a:blip r:embed="rId8">
+              <a:extLst>
+                <a:ext uri="{28A0092B-C50C-407E-A947-70E740481C1C}">
+                  <a14:useLocalDpi xmlns:a14="http://schemas.microsoft.com/office/drawing/2010/main" val="0"/>
+                </a:ext>
+              </a:extLst>
+            </a:blip>
+            <a:stretch>
+              <a:fillRect/>
+            </a:stretch>
+          </p:blipFill>
+          <p:spPr>
+            <a:xfrm>
+              <a:off x="9869154" y="8661212"/>
+              <a:ext cx="2161813" cy="705563"/>
+            </a:xfrm>
+            <a:prstGeom prst="roundRect">
+              <a:avLst/>
+            </a:prstGeom>
+            <a:ln w="19050">
+              <a:solidFill>
+                <a:schemeClr val="tx1"/>
+              </a:solidFill>
+            </a:ln>
+          </p:spPr>
+        </p:pic>
+        <p:sp>
+          <p:nvSpPr>
+            <p:cNvPr id="76" name="TextBox 75">
+              <a:extLst>
+                <a:ext uri="{FF2B5EF4-FFF2-40B4-BE49-F238E27FC236}">
+                  <a16:creationId xmlns:a16="http://schemas.microsoft.com/office/drawing/2014/main" id="{A9A97611-1B8A-9FBA-1919-B6D56CFFBF89}"/>
+                </a:ext>
+              </a:extLst>
+            </p:cNvPr>
+            <p:cNvSpPr txBox="1"/>
+            <p:nvPr/>
+          </p:nvSpPr>
+          <p:spPr>
+            <a:xfrm>
+              <a:off x="10935547" y="6348866"/>
+              <a:ext cx="1326276" cy="830997"/>
+            </a:xfrm>
+            <a:prstGeom prst="rect">
+              <a:avLst/>
+            </a:prstGeom>
+            <a:noFill/>
+          </p:spPr>
+          <p:txBody>
+            <a:bodyPr wrap="square" rtlCol="0">
+              <a:spAutoFit/>
+            </a:bodyPr>
+            <a:lstStyle/>
+            <a:p>
+              <a:pPr algn="ctr"/>
+              <a:r>
+                <a:rPr lang="en-IE" sz="1200" b="1" dirty="0">
+                  <a:latin typeface="Congenial" panose="02000503040000020004" pitchFamily="2" charset="0"/>
+                </a:rPr>
+                <a:t>2</a:t>
+              </a:r>
+              <a:r>
+                <a:rPr lang="en-IE" sz="1200" dirty="0">
+                  <a:latin typeface="Congenial" panose="02000503040000020004" pitchFamily="2" charset="0"/>
+                </a:rPr>
+                <a:t>. Prepare a Tcl script which applies build steps in Vivado</a:t>
+              </a:r>
+            </a:p>
+          </p:txBody>
+        </p:sp>
+        <p:sp>
+          <p:nvSpPr>
+            <p:cNvPr id="79" name="TextBox 78">
+              <a:extLst>
+                <a:ext uri="{FF2B5EF4-FFF2-40B4-BE49-F238E27FC236}">
+                  <a16:creationId xmlns:a16="http://schemas.microsoft.com/office/drawing/2014/main" id="{926D1F19-7AD9-DE38-6820-1DFEE3AC7600}"/>
+                </a:ext>
+              </a:extLst>
+            </p:cNvPr>
+            <p:cNvSpPr txBox="1"/>
+            <p:nvPr/>
+          </p:nvSpPr>
+          <p:spPr>
+            <a:xfrm>
+              <a:off x="11700665" y="7986980"/>
+              <a:ext cx="993671" cy="646331"/>
+            </a:xfrm>
+            <a:prstGeom prst="rect">
+              <a:avLst/>
+            </a:prstGeom>
+            <a:noFill/>
+          </p:spPr>
+          <p:txBody>
+            <a:bodyPr wrap="square" rtlCol="0">
+              <a:spAutoFit/>
+            </a:bodyPr>
+            <a:lstStyle/>
+            <a:p>
+              <a:pPr algn="ctr"/>
+              <a:r>
+                <a:rPr lang="en-IE" sz="1200" b="1" dirty="0">
+                  <a:latin typeface="Congenial" panose="02000503040000020004" pitchFamily="2" charset="0"/>
+                </a:rPr>
+                <a:t>4</a:t>
+              </a:r>
+              <a:r>
+                <a:rPr lang="en-IE" sz="1200" dirty="0">
+                  <a:latin typeface="Congenial" panose="02000503040000020004" pitchFamily="2" charset="0"/>
+                </a:rPr>
+                <a:t>. Vivado exports binaries</a:t>
+              </a:r>
+            </a:p>
+          </p:txBody>
+        </p:sp>
+        <p:sp>
+          <p:nvSpPr>
+            <p:cNvPr id="80" name="TextBox 79">
+              <a:extLst>
+                <a:ext uri="{FF2B5EF4-FFF2-40B4-BE49-F238E27FC236}">
+                  <a16:creationId xmlns:a16="http://schemas.microsoft.com/office/drawing/2014/main" id="{F0688DE1-E3C9-878A-11E2-EC9AA26BBF8C}"/>
+                </a:ext>
+              </a:extLst>
+            </p:cNvPr>
+            <p:cNvSpPr txBox="1"/>
+            <p:nvPr/>
+          </p:nvSpPr>
+          <p:spPr>
+            <a:xfrm>
+              <a:off x="10938745" y="7111019"/>
+              <a:ext cx="1326276" cy="830997"/>
+            </a:xfrm>
+            <a:prstGeom prst="rect">
+              <a:avLst/>
+            </a:prstGeom>
+            <a:noFill/>
+          </p:spPr>
+          <p:txBody>
+            <a:bodyPr wrap="square" rtlCol="0">
+              <a:spAutoFit/>
+            </a:bodyPr>
+            <a:lstStyle/>
+            <a:p>
+              <a:pPr algn="ctr"/>
+              <a:r>
+                <a:rPr lang="en-IE" sz="1200" b="1" dirty="0">
+                  <a:latin typeface="Congenial" panose="02000503040000020004" pitchFamily="2" charset="0"/>
+                </a:rPr>
+                <a:t>5</a:t>
+              </a:r>
+              <a:r>
+                <a:rPr lang="en-IE" sz="1200" dirty="0">
+                  <a:latin typeface="Congenial" panose="02000503040000020004" pitchFamily="2" charset="0"/>
+                </a:rPr>
+                <a:t>. Generate Jupyter NB based on Test plan</a:t>
+              </a:r>
+            </a:p>
+          </p:txBody>
+        </p:sp>
+        <p:cxnSp>
+          <p:nvCxnSpPr>
+            <p:cNvPr id="83" name="Straight Arrow Connector 82">
+              <a:extLst>
+                <a:ext uri="{FF2B5EF4-FFF2-40B4-BE49-F238E27FC236}">
+                  <a16:creationId xmlns:a16="http://schemas.microsoft.com/office/drawing/2014/main" id="{000E52C9-DE92-3290-3BD1-2DA14FCAEA2C}"/>
+                </a:ext>
+              </a:extLst>
+            </p:cNvPr>
+            <p:cNvCxnSpPr>
+              <a:cxnSpLocks/>
+            </p:cNvCxnSpPr>
+            <p:nvPr/>
+          </p:nvCxnSpPr>
+          <p:spPr>
+            <a:xfrm>
+              <a:off x="12274546" y="6015624"/>
+              <a:ext cx="937574" cy="0"/>
+            </a:xfrm>
+            <a:prstGeom prst="straightConnector1">
+              <a:avLst/>
+            </a:prstGeom>
+            <a:ln w="76200">
+              <a:solidFill>
+                <a:srgbClr val="C00000"/>
+              </a:solidFill>
+              <a:tailEnd type="triangle"/>
+            </a:ln>
+          </p:spPr>
+          <p:style>
+            <a:lnRef idx="2">
+              <a:schemeClr val="accent1"/>
+            </a:lnRef>
+            <a:fillRef idx="0">
+              <a:schemeClr val="accent1"/>
+            </a:fillRef>
+            <a:effectRef idx="1">
+              <a:schemeClr val="accent1"/>
+            </a:effectRef>
+            <a:fontRef idx="minor">
+              <a:schemeClr val="tx1"/>
+            </a:fontRef>
+          </p:style>
+        </p:cxnSp>
+        <p:sp>
+          <p:nvSpPr>
+            <p:cNvPr id="84" name="TextBox 83">
+              <a:extLst>
+                <a:ext uri="{FF2B5EF4-FFF2-40B4-BE49-F238E27FC236}">
+                  <a16:creationId xmlns:a16="http://schemas.microsoft.com/office/drawing/2014/main" id="{1F7976FD-312E-60B2-E276-9132EE2BDFDC}"/>
+                </a:ext>
+              </a:extLst>
+            </p:cNvPr>
+            <p:cNvSpPr txBox="1"/>
+            <p:nvPr/>
+          </p:nvSpPr>
+          <p:spPr>
+            <a:xfrm>
+              <a:off x="12246497" y="6069115"/>
+              <a:ext cx="993671" cy="1015663"/>
+            </a:xfrm>
+            <a:prstGeom prst="rect">
+              <a:avLst/>
+            </a:prstGeom>
+            <a:noFill/>
+          </p:spPr>
+          <p:txBody>
+            <a:bodyPr wrap="square" rtlCol="0">
+              <a:spAutoFit/>
+            </a:bodyPr>
+            <a:lstStyle/>
+            <a:p>
+              <a:pPr algn="ctr"/>
+              <a:r>
+                <a:rPr lang="en-IE" sz="1200" b="1" dirty="0">
+                  <a:latin typeface="Congenial" panose="02000503040000020004" pitchFamily="2" charset="0"/>
+                </a:rPr>
+                <a:t>6</a:t>
+              </a:r>
+              <a:r>
+                <a:rPr lang="en-IE" sz="1200" dirty="0">
+                  <a:latin typeface="Congenial" panose="02000503040000020004" pitchFamily="2" charset="0"/>
+                </a:rPr>
+                <a:t>. Export Binaries and JNB to output folder</a:t>
+              </a:r>
+            </a:p>
+          </p:txBody>
+        </p:sp>
+        <p:pic>
+          <p:nvPicPr>
+            <p:cNvPr id="89" name="Picture 88" descr="A black and grey logo&#10;&#10;Description automatically generated">
+              <a:extLst>
+                <a:ext uri="{FF2B5EF4-FFF2-40B4-BE49-F238E27FC236}">
+                  <a16:creationId xmlns:a16="http://schemas.microsoft.com/office/drawing/2014/main" id="{98FF07A6-AB67-A918-FD04-1A5B7E14FB86}"/>
+                </a:ext>
+              </a:extLst>
+            </p:cNvPr>
+            <p:cNvPicPr>
+              <a:picLocks noChangeAspect="1"/>
+            </p:cNvPicPr>
+            <p:nvPr/>
+          </p:nvPicPr>
+          <p:blipFill>
+            <a:blip r:embed="rId9">
+              <a:extLst>
+                <a:ext uri="{28A0092B-C50C-407E-A947-70E740481C1C}">
+                  <a14:useLocalDpi xmlns:a14="http://schemas.microsoft.com/office/drawing/2010/main" val="0"/>
+                </a:ext>
+              </a:extLst>
+            </a:blip>
+            <a:stretch>
+              <a:fillRect/>
+            </a:stretch>
+          </p:blipFill>
+          <p:spPr>
+            <a:xfrm>
+              <a:off x="12619524" y="8676224"/>
+              <a:ext cx="1941019" cy="693005"/>
+            </a:xfrm>
+            <a:prstGeom prst="roundRect">
+              <a:avLst/>
+            </a:prstGeom>
+            <a:solidFill>
+              <a:schemeClr val="bg1"/>
+            </a:solidFill>
+            <a:ln w="19050">
+              <a:solidFill>
+                <a:schemeClr val="accent5">
+                  <a:shade val="15000"/>
+                </a:schemeClr>
+              </a:solidFill>
+            </a:ln>
+          </p:spPr>
+        </p:pic>
+        <p:cxnSp>
+          <p:nvCxnSpPr>
+            <p:cNvPr id="90" name="Straight Arrow Connector 89">
+              <a:extLst>
+                <a:ext uri="{FF2B5EF4-FFF2-40B4-BE49-F238E27FC236}">
+                  <a16:creationId xmlns:a16="http://schemas.microsoft.com/office/drawing/2014/main" id="{0F541283-38BB-B8F8-2C3E-1E393994F285}"/>
+                </a:ext>
+              </a:extLst>
+            </p:cNvPr>
+            <p:cNvCxnSpPr>
+              <a:cxnSpLocks/>
+              <a:stCxn id="69" idx="2"/>
+            </p:cNvCxnSpPr>
+            <p:nvPr/>
+          </p:nvCxnSpPr>
+          <p:spPr>
+            <a:xfrm>
+              <a:off x="13884683" y="7526732"/>
+              <a:ext cx="0" cy="1118140"/>
+            </a:xfrm>
+            <a:prstGeom prst="straightConnector1">
+              <a:avLst/>
+            </a:prstGeom>
+            <a:ln w="76200">
+              <a:solidFill>
+                <a:srgbClr val="C00000"/>
+              </a:solidFill>
+              <a:tailEnd type="triangle"/>
+            </a:ln>
+          </p:spPr>
+          <p:style>
+            <a:lnRef idx="2">
+              <a:schemeClr val="accent1"/>
+            </a:lnRef>
+            <a:fillRef idx="0">
+              <a:schemeClr val="accent1"/>
+            </a:fillRef>
+            <a:effectRef idx="1">
+              <a:schemeClr val="accent1"/>
+            </a:effectRef>
+            <a:fontRef idx="minor">
+              <a:schemeClr val="tx1"/>
+            </a:fontRef>
+          </p:style>
+        </p:cxnSp>
+        <p:sp>
+          <p:nvSpPr>
+            <p:cNvPr id="93" name="TextBox 92">
+              <a:extLst>
+                <a:ext uri="{FF2B5EF4-FFF2-40B4-BE49-F238E27FC236}">
+                  <a16:creationId xmlns:a16="http://schemas.microsoft.com/office/drawing/2014/main" id="{290557FA-BFD1-7E0C-CC3F-5A941AC82102}"/>
+                </a:ext>
+              </a:extLst>
+            </p:cNvPr>
+            <p:cNvSpPr txBox="1"/>
+            <p:nvPr/>
+          </p:nvSpPr>
+          <p:spPr>
+            <a:xfrm>
+              <a:off x="13776100" y="7581459"/>
+              <a:ext cx="993671" cy="1015663"/>
+            </a:xfrm>
+            <a:prstGeom prst="rect">
+              <a:avLst/>
+            </a:prstGeom>
+            <a:noFill/>
+          </p:spPr>
+          <p:txBody>
+            <a:bodyPr wrap="square" rtlCol="0">
+              <a:spAutoFit/>
+            </a:bodyPr>
+            <a:lstStyle/>
+            <a:p>
+              <a:pPr algn="ctr"/>
+              <a:r>
+                <a:rPr lang="en-IE" sz="1200" b="1" dirty="0">
+                  <a:latin typeface="Congenial" panose="02000503040000020004" pitchFamily="2" charset="0"/>
+                </a:rPr>
+                <a:t>7</a:t>
+              </a:r>
+              <a:r>
+                <a:rPr lang="en-IE" sz="1200" dirty="0">
+                  <a:latin typeface="Congenial" panose="02000503040000020004" pitchFamily="2" charset="0"/>
+                </a:rPr>
+                <a:t>. User</a:t>
+              </a:r>
+            </a:p>
+            <a:p>
+              <a:pPr algn="ctr"/>
+              <a:r>
+                <a:rPr lang="en-IE" sz="1200" dirty="0">
+                  <a:latin typeface="Congenial" panose="02000503040000020004" pitchFamily="2" charset="0"/>
+                </a:rPr>
+                <a:t>uploads</a:t>
+              </a:r>
+            </a:p>
+            <a:p>
+              <a:pPr algn="ctr"/>
+              <a:r>
+                <a:rPr lang="en-IE" sz="1200" dirty="0">
+                  <a:latin typeface="Congenial" panose="02000503040000020004" pitchFamily="2" charset="0"/>
+                </a:rPr>
+                <a:t>output to</a:t>
+              </a:r>
+            </a:p>
+            <a:p>
+              <a:pPr algn="ctr"/>
+              <a:r>
+                <a:rPr lang="en-IE" sz="1200" dirty="0">
+                  <a:latin typeface="Congenial" panose="02000503040000020004" pitchFamily="2" charset="0"/>
+                </a:rPr>
+                <a:t>PYNQ</a:t>
+              </a:r>
+            </a:p>
+            <a:p>
+              <a:pPr algn="ctr"/>
+              <a:r>
+                <a:rPr lang="en-IE" sz="1200" dirty="0">
+                  <a:latin typeface="Congenial" panose="02000503040000020004" pitchFamily="2" charset="0"/>
+                </a:rPr>
+                <a:t>FPGA</a:t>
+              </a:r>
+            </a:p>
+          </p:txBody>
+        </p:sp>
+        <p:sp>
+          <p:nvSpPr>
+            <p:cNvPr id="38" name="Rectangle 37">
+              <a:extLst>
+                <a:ext uri="{FF2B5EF4-FFF2-40B4-BE49-F238E27FC236}">
+                  <a16:creationId xmlns:a16="http://schemas.microsoft.com/office/drawing/2014/main" id="{57A47213-2692-909E-A4F2-841E3FF275A5}"/>
+                </a:ext>
+              </a:extLst>
+            </p:cNvPr>
+            <p:cNvSpPr/>
+            <p:nvPr/>
+          </p:nvSpPr>
+          <p:spPr>
+            <a:xfrm>
+              <a:off x="8115300" y="5491876"/>
+              <a:ext cx="1859782" cy="664601"/>
+            </a:xfrm>
+            <a:prstGeom prst="rect">
+              <a:avLst/>
+            </a:prstGeom>
+            <a:solidFill>
+              <a:schemeClr val="tx2"/>
+            </a:solidFill>
+          </p:spPr>
+          <p:style>
+            <a:lnRef idx="2">
+              <a:schemeClr val="accent1">
+                <a:shade val="15000"/>
+              </a:schemeClr>
+            </a:lnRef>
+            <a:fillRef idx="1">
+              <a:schemeClr val="accent1"/>
+            </a:fillRef>
+            <a:effectRef idx="0">
+              <a:schemeClr val="accent1"/>
+            </a:effectRef>
+            <a:fontRef idx="minor">
+              <a:schemeClr val="lt1"/>
+            </a:fontRef>
+          </p:style>
+          <p:txBody>
+            <a:bodyPr rtlCol="0" anchor="ctr"/>
+            <a:lstStyle/>
+            <a:p>
+              <a:pPr algn="ctr"/>
+              <a:r>
+                <a:rPr lang="en-IE" dirty="0">
+                  <a:latin typeface="Congenial" panose="02000503040000020004" pitchFamily="2" charset="0"/>
+                </a:rPr>
+                <a:t>HDLGen Project XML Data</a:t>
+              </a:r>
+            </a:p>
+          </p:txBody>
+        </p:sp>
+      </p:grpSp>
+      <p:pic>
+        <p:nvPicPr>
+          <p:cNvPr id="20" name="Picture 19" descr="A blue and black logo&#10;&#10;Description automatically generated">
+            <a:extLst>
+              <a:ext uri="{FF2B5EF4-FFF2-40B4-BE49-F238E27FC236}">
+                <a16:creationId xmlns:a16="http://schemas.microsoft.com/office/drawing/2014/main" id="{0352DE73-1B56-05B8-2FA6-692CB1394681}"/>
+              </a:ext>
+            </a:extLst>
+          </p:cNvPr>
+          <p:cNvPicPr>
+            <a:picLocks noChangeAspect="1"/>
+          </p:cNvPicPr>
+          <p:nvPr/>
+        </p:nvPicPr>
+        <p:blipFill>
+          <a:blip r:embed="rId10">
+            <a:extLst>
+              <a:ext uri="{28A0092B-C50C-407E-A947-70E740481C1C}">
+                <a14:useLocalDpi xmlns:a14="http://schemas.microsoft.com/office/drawing/2010/main" val="0"/>
+              </a:ext>
+            </a:extLst>
+          </a:blip>
+          <a:stretch>
+            <a:fillRect/>
+          </a:stretch>
+        </p:blipFill>
+        <p:spPr>
+          <a:xfrm>
+            <a:off x="3171670" y="8527679"/>
+            <a:ext cx="1640199" cy="757166"/>
+          </a:xfrm>
+          <a:prstGeom prst="rect">
+            <a:avLst/>
+          </a:prstGeom>
+        </p:spPr>
+      </p:pic>
+      <p:pic>
+        <p:nvPicPr>
+          <p:cNvPr id="26" name="Picture 25" descr="A logo of a google chrome&#10;&#10;Description automatically generated">
+            <a:extLst>
+              <a:ext uri="{FF2B5EF4-FFF2-40B4-BE49-F238E27FC236}">
+                <a16:creationId xmlns:a16="http://schemas.microsoft.com/office/drawing/2014/main" id="{6BD39CDE-FB5E-07D4-34A3-4B81EC571B34}"/>
+              </a:ext>
+            </a:extLst>
+          </p:cNvPr>
+          <p:cNvPicPr>
+            <a:picLocks noChangeAspect="1"/>
+          </p:cNvPicPr>
+          <p:nvPr/>
+        </p:nvPicPr>
+        <p:blipFill>
+          <a:blip r:embed="rId11">
+            <a:extLst>
+              <a:ext uri="{28A0092B-C50C-407E-A947-70E740481C1C}">
+                <a14:useLocalDpi xmlns:a14="http://schemas.microsoft.com/office/drawing/2010/main" val="0"/>
+              </a:ext>
+            </a:extLst>
+          </a:blip>
+          <a:stretch>
+            <a:fillRect/>
+          </a:stretch>
+        </p:blipFill>
+        <p:spPr>
+          <a:xfrm>
+            <a:off x="5443017" y="9029639"/>
+            <a:ext cx="1361507" cy="1361507"/>
+          </a:xfrm>
+          <a:prstGeom prst="rect">
+            <a:avLst/>
+          </a:prstGeom>
+        </p:spPr>
+      </p:pic>
+      <p:sp>
+        <p:nvSpPr>
+          <p:cNvPr id="49" name="Arc 48">
+            <a:extLst>
+              <a:ext uri="{FF2B5EF4-FFF2-40B4-BE49-F238E27FC236}">
+                <a16:creationId xmlns:a16="http://schemas.microsoft.com/office/drawing/2014/main" id="{14AC649F-0818-2316-EA8A-E4F53DB925C9}"/>
+              </a:ext>
+            </a:extLst>
+          </p:cNvPr>
+          <p:cNvSpPr/>
+          <p:nvPr/>
+        </p:nvSpPr>
+        <p:spPr>
+          <a:xfrm rot="19123379">
+            <a:off x="2395022" y="9288534"/>
+            <a:ext cx="3114155" cy="3073348"/>
+          </a:xfrm>
+          <a:prstGeom prst="arc">
+            <a:avLst>
+              <a:gd name="adj1" fmla="val 16040921"/>
+              <a:gd name="adj2" fmla="val 110593"/>
+            </a:avLst>
+          </a:prstGeom>
+          <a:ln w="76200">
+            <a:headEnd type="none"/>
+            <a:tailEnd type="triangle"/>
+          </a:ln>
+        </p:spPr>
+        <p:style>
+          <a:lnRef idx="2">
+            <a:schemeClr val="accent1"/>
+          </a:lnRef>
+          <a:fillRef idx="0">
+            <a:schemeClr val="accent1"/>
+          </a:fillRef>
+          <a:effectRef idx="1">
+            <a:schemeClr val="accent1"/>
+          </a:effectRef>
+          <a:fontRef idx="minor">
+            <a:schemeClr val="tx1"/>
+          </a:fontRef>
+        </p:style>
+        <p:txBody>
+          <a:bodyPr rtlCol="0" anchor="ctr"/>
+          <a:lstStyle/>
+          <a:p>
+            <a:pPr algn="ctr"/>
+            <a:endParaRPr lang="en-IE"/>
+          </a:p>
+        </p:txBody>
+      </p:sp>
+      <p:sp>
+        <p:nvSpPr>
+          <p:cNvPr id="50" name="TextBox 49">
+            <a:extLst>
+              <a:ext uri="{FF2B5EF4-FFF2-40B4-BE49-F238E27FC236}">
+                <a16:creationId xmlns:a16="http://schemas.microsoft.com/office/drawing/2014/main" id="{C346CEA4-F9CB-E238-FD11-061DD870F97D}"/>
+              </a:ext>
+            </a:extLst>
+          </p:cNvPr>
+          <p:cNvSpPr txBox="1"/>
+          <p:nvPr/>
+        </p:nvSpPr>
+        <p:spPr>
+          <a:xfrm>
+            <a:off x="2637186" y="9889141"/>
+            <a:ext cx="2624326" cy="584775"/>
+          </a:xfrm>
+          <a:prstGeom prst="rect">
+            <a:avLst/>
+          </a:prstGeom>
+          <a:noFill/>
+        </p:spPr>
+        <p:txBody>
+          <a:bodyPr wrap="square" rtlCol="0">
+            <a:spAutoFit/>
+          </a:bodyPr>
+          <a:lstStyle/>
+          <a:p>
+            <a:pPr algn="ctr"/>
+            <a:r>
+              <a:rPr lang="en-IE" sz="1600" b="1" dirty="0">
+                <a:latin typeface="Congenial" panose="02000503040000020004" pitchFamily="2" charset="0"/>
+              </a:rPr>
+              <a:t>Connection is tunnelled through ngrok servers</a:t>
+            </a:r>
+            <a:endParaRPr lang="en-IE" sz="1600" dirty="0">
+              <a:latin typeface="Congenial" panose="02000503040000020004" pitchFamily="2" charset="0"/>
+            </a:endParaRPr>
+          </a:p>
+        </p:txBody>
+      </p:sp>
+      <p:pic>
+        <p:nvPicPr>
+          <p:cNvPr id="52" name="Picture 51">
+            <a:extLst>
+              <a:ext uri="{FF2B5EF4-FFF2-40B4-BE49-F238E27FC236}">
+                <a16:creationId xmlns:a16="http://schemas.microsoft.com/office/drawing/2014/main" id="{369B9185-298D-3EB3-77C5-E0286BF734DC}"/>
+              </a:ext>
+            </a:extLst>
+          </p:cNvPr>
+          <p:cNvPicPr>
+            <a:picLocks noChangeAspect="1"/>
+          </p:cNvPicPr>
+          <p:nvPr/>
+        </p:nvPicPr>
+        <p:blipFill rotWithShape="1">
+          <a:blip r:embed="rId12"/>
+          <a:srcRect l="5768" t="2893" r="2238"/>
+          <a:stretch/>
+        </p:blipFill>
+        <p:spPr>
+          <a:xfrm>
+            <a:off x="995637" y="12023726"/>
+            <a:ext cx="2953278" cy="3173907"/>
+          </a:xfrm>
+          <a:prstGeom prst="rect">
+            <a:avLst/>
+          </a:prstGeom>
+        </p:spPr>
+      </p:pic>
+      <p:pic>
+        <p:nvPicPr>
+          <p:cNvPr id="55" name="Picture 54">
+            <a:extLst>
+              <a:ext uri="{FF2B5EF4-FFF2-40B4-BE49-F238E27FC236}">
+                <a16:creationId xmlns:a16="http://schemas.microsoft.com/office/drawing/2014/main" id="{8232C213-E203-4F68-F84C-EF98DD648AA6}"/>
+              </a:ext>
+            </a:extLst>
+          </p:cNvPr>
+          <p:cNvPicPr>
+            <a:picLocks noChangeAspect="1"/>
+          </p:cNvPicPr>
+          <p:nvPr/>
+        </p:nvPicPr>
+        <p:blipFill>
+          <a:blip r:embed="rId13"/>
+          <a:stretch>
+            <a:fillRect/>
+          </a:stretch>
+        </p:blipFill>
+        <p:spPr>
+          <a:xfrm>
+            <a:off x="4024288" y="12030054"/>
+            <a:ext cx="2742136" cy="3167578"/>
+          </a:xfrm>
+          <a:prstGeom prst="rect">
+            <a:avLst/>
+          </a:prstGeom>
+        </p:spPr>
+      </p:pic>
+      <p:sp>
+        <p:nvSpPr>
+          <p:cNvPr id="59" name="TextBox 58">
+            <a:extLst>
+              <a:ext uri="{FF2B5EF4-FFF2-40B4-BE49-F238E27FC236}">
+                <a16:creationId xmlns:a16="http://schemas.microsoft.com/office/drawing/2014/main" id="{711FBA33-C9B3-4648-2281-61E8F5968352}"/>
+              </a:ext>
+            </a:extLst>
+          </p:cNvPr>
+          <p:cNvSpPr txBox="1"/>
+          <p:nvPr/>
+        </p:nvSpPr>
+        <p:spPr>
+          <a:xfrm>
+            <a:off x="376217" y="15219132"/>
+            <a:ext cx="6797742" cy="276999"/>
+          </a:xfrm>
+          <a:prstGeom prst="rect">
+            <a:avLst/>
+          </a:prstGeom>
+          <a:noFill/>
+        </p:spPr>
+        <p:txBody>
+          <a:bodyPr wrap="square" rtlCol="0">
+            <a:spAutoFit/>
+          </a:bodyPr>
+          <a:lstStyle/>
+          <a:p>
+            <a:pPr algn="ctr"/>
+            <a:r>
+              <a:rPr lang="en-IE" sz="1200" b="1" dirty="0">
+                <a:latin typeface="Congenial" panose="02000503040000020004" pitchFamily="2" charset="0"/>
+              </a:rPr>
+              <a:t>Jupyter Notebook Generated by SoC Builder opened on remote PYNQ accessed over Ngrok Tunnel</a:t>
+            </a:r>
+            <a:endParaRPr lang="en-IE" sz="1200" dirty="0">
+              <a:latin typeface="Congenial" panose="02000503040000020004" pitchFamily="2" charset="0"/>
+            </a:endParaRPr>
+          </a:p>
+        </p:txBody>
+      </p:sp>
+    </p:spTree>
+    <p:extLst>
+      <p:ext uri="{BB962C8B-B14F-4D97-AF65-F5344CB8AC3E}">
+        <p14:creationId xmlns:p14="http://schemas.microsoft.com/office/powerpoint/2010/main" val="2169741476"/>
       </p:ext>
     </p:extLst>
   </p:cSld>

--- a/docs/project_poster.pptx
+++ b/docs/project_poster.pptx
@@ -3464,61 +3464,7 @@
                 </a:solidFill>
                 <a:latin typeface="Congenial" panose="02000503040000020004" pitchFamily="2" charset="0"/>
               </a:rPr>
-              <a:t>I would like to thank Dr. Fearghal Morgan for his support and guidance, and Roshan George, JP Byrne and </a:t>
-            </a:r>
-            <a:r>
-              <a:rPr lang="en-IE" dirty="0" err="1">
-                <a:solidFill>
-                  <a:schemeClr val="tx1"/>
-                </a:solidFill>
-                <a:latin typeface="Congenial" panose="02000503040000020004" pitchFamily="2" charset="0"/>
-              </a:rPr>
-              <a:t>Abishek</a:t>
-            </a:r>
-            <a:r>
-              <a:rPr lang="en-IE" dirty="0">
-                <a:solidFill>
-                  <a:schemeClr val="tx1"/>
-                </a:solidFill>
-                <a:latin typeface="Congenial" panose="02000503040000020004" pitchFamily="2" charset="0"/>
-              </a:rPr>
-              <a:t> </a:t>
-            </a:r>
-            <a:r>
-              <a:rPr lang="en-IE" dirty="0" err="1">
-                <a:solidFill>
-                  <a:schemeClr val="tx1"/>
-                </a:solidFill>
-                <a:latin typeface="Congenial" panose="02000503040000020004" pitchFamily="2" charset="0"/>
-              </a:rPr>
-              <a:t>Bupathi</a:t>
-            </a:r>
-            <a:r>
-              <a:rPr lang="en-IE" dirty="0">
-                <a:solidFill>
-                  <a:schemeClr val="tx1"/>
-                </a:solidFill>
-                <a:latin typeface="Congenial" panose="02000503040000020004" pitchFamily="2" charset="0"/>
-              </a:rPr>
-              <a:t> for their previous work on </a:t>
-            </a:r>
-            <a:r>
-              <a:rPr lang="en-IE" dirty="0" err="1">
-                <a:solidFill>
-                  <a:schemeClr val="tx1"/>
-                </a:solidFill>
-                <a:latin typeface="Congenial" panose="02000503040000020004" pitchFamily="2" charset="0"/>
-              </a:rPr>
-              <a:t>HDLGen</a:t>
-            </a:r>
-            <a:r>
-              <a:rPr lang="en-IE" dirty="0">
-                <a:solidFill>
-                  <a:schemeClr val="tx1"/>
-                </a:solidFill>
-                <a:latin typeface="Congenial" panose="02000503040000020004" pitchFamily="2" charset="0"/>
-              </a:rPr>
-              <a:t>-ChatGPT, PYNQ and RISC-V.</a:t>
+              <a:t>I would like to thank Dr. Fearghal Morgan for his support and guidance, and Roshan George, JP Byrne and Abishek Bupathi for their previous work on HDLGen-ChatGPT, PYNQ and RISC-V.</a:t>
             </a:r>
           </a:p>
         </p:txBody>
@@ -4589,61 +4535,7 @@
                 </a:solidFill>
                 <a:latin typeface="Congenial" panose="02000503040000020004" pitchFamily="2" charset="0"/>
               </a:rPr>
-              <a:t>I would like to thank Dr. Fearghal Morgan for his support and guidance, and Roshan George, JP Byrne and </a:t>
-            </a:r>
-            <a:r>
-              <a:rPr lang="en-IE" dirty="0" err="1">
-                <a:solidFill>
-                  <a:schemeClr val="tx1"/>
-                </a:solidFill>
-                <a:latin typeface="Congenial" panose="02000503040000020004" pitchFamily="2" charset="0"/>
-              </a:rPr>
-              <a:t>Abishek</a:t>
-            </a:r>
-            <a:r>
-              <a:rPr lang="en-IE" dirty="0">
-                <a:solidFill>
-                  <a:schemeClr val="tx1"/>
-                </a:solidFill>
-                <a:latin typeface="Congenial" panose="02000503040000020004" pitchFamily="2" charset="0"/>
-              </a:rPr>
-              <a:t> </a:t>
-            </a:r>
-            <a:r>
-              <a:rPr lang="en-IE" dirty="0" err="1">
-                <a:solidFill>
-                  <a:schemeClr val="tx1"/>
-                </a:solidFill>
-                <a:latin typeface="Congenial" panose="02000503040000020004" pitchFamily="2" charset="0"/>
-              </a:rPr>
-              <a:t>Bupathi</a:t>
-            </a:r>
-            <a:r>
-              <a:rPr lang="en-IE" dirty="0">
-                <a:solidFill>
-                  <a:schemeClr val="tx1"/>
-                </a:solidFill>
-                <a:latin typeface="Congenial" panose="02000503040000020004" pitchFamily="2" charset="0"/>
-              </a:rPr>
-              <a:t> for their previous work on </a:t>
-            </a:r>
-            <a:r>
-              <a:rPr lang="en-IE" dirty="0" err="1">
-                <a:solidFill>
-                  <a:schemeClr val="tx1"/>
-                </a:solidFill>
-                <a:latin typeface="Congenial" panose="02000503040000020004" pitchFamily="2" charset="0"/>
-              </a:rPr>
-              <a:t>HDLGen</a:t>
-            </a:r>
-            <a:r>
-              <a:rPr lang="en-IE" dirty="0">
-                <a:solidFill>
-                  <a:schemeClr val="tx1"/>
-                </a:solidFill>
-                <a:latin typeface="Congenial" panose="02000503040000020004" pitchFamily="2" charset="0"/>
-              </a:rPr>
-              <a:t>-ChatGPT, PYNQ and RISC-V.</a:t>
+              <a:t>I would like to thank Dr. Fearghal Morgan for his support and guidance, and Roshan George, JP Byrne and Abishek Bupathi for their previous work on HDLGen-ChatGPT, PYNQ and RISC-V.</a:t>
             </a:r>
           </a:p>
         </p:txBody>
@@ -7251,7 +7143,7 @@
         <p:spPr>
           <a:xfrm>
             <a:off x="181745" y="3011884"/>
-            <a:ext cx="7196186" cy="3640603"/>
+            <a:ext cx="7196186" cy="3194211"/>
           </a:xfrm>
           <a:prstGeom prst="rect">
             <a:avLst/>
@@ -7282,44 +7174,15 @@
           <a:bodyPr rtlCol="0" anchor="t"/>
           <a:lstStyle/>
           <a:p>
-            <a:endParaRPr lang="en-IE" dirty="0">
-              <a:solidFill>
-                <a:schemeClr val="tx1"/>
-              </a:solidFill>
-              <a:latin typeface="Congenial" panose="02000503040000020004" pitchFamily="2" charset="0"/>
-            </a:endParaRPr>
-          </a:p>
-          <a:p>
-            <a:endParaRPr lang="en-IE" dirty="0">
-              <a:solidFill>
-                <a:schemeClr val="tx1"/>
-              </a:solidFill>
-              <a:latin typeface="Congenial" panose="02000503040000020004" pitchFamily="2" charset="0"/>
-            </a:endParaRPr>
-          </a:p>
-          <a:p>
-            <a:endParaRPr lang="en-IE" dirty="0">
-              <a:solidFill>
-                <a:schemeClr val="tx1"/>
-              </a:solidFill>
-              <a:latin typeface="Congenial" panose="02000503040000020004" pitchFamily="2" charset="0"/>
-            </a:endParaRPr>
-          </a:p>
-          <a:p>
-            <a:endParaRPr lang="en-IE" dirty="0">
-              <a:solidFill>
-                <a:schemeClr val="tx1"/>
-              </a:solidFill>
-              <a:latin typeface="Congenial" panose="02000503040000020004" pitchFamily="2" charset="0"/>
-            </a:endParaRPr>
-          </a:p>
-          <a:p>
-            <a:endParaRPr lang="en-IE" dirty="0">
-              <a:solidFill>
-                <a:schemeClr val="tx1"/>
-              </a:solidFill>
-              <a:latin typeface="Congenial" panose="02000503040000020004" pitchFamily="2" charset="0"/>
-            </a:endParaRPr>
+            <a:r>
+              <a:rPr lang="en-IE" dirty="0">
+                <a:solidFill>
+                  <a:schemeClr val="tx1"/>
+                </a:solidFill>
+                <a:latin typeface="Congenial" panose="02000503040000020004" pitchFamily="2" charset="0"/>
+              </a:rPr>
+              <a:t>This project is an implementation of three key components required to enable faster SoC project deployment and increase accessibility and interaction between PYNQ FPGA hardware, RISC-V Core implementations and students, enthusiasts and educators.</a:t>
+            </a:r>
           </a:p>
           <a:p>
             <a:endParaRPr lang="en-IE" dirty="0">
@@ -7492,61 +7355,7 @@
                 </a:solidFill>
                 <a:latin typeface="Congenial" panose="02000503040000020004" pitchFamily="2" charset="0"/>
               </a:rPr>
-              <a:t>I would like to thank Dr. Fearghal Morgan for his support and guidance, and Roshan George, JP Byrne and </a:t>
-            </a:r>
-            <a:r>
-              <a:rPr lang="en-IE" dirty="0" err="1">
-                <a:solidFill>
-                  <a:schemeClr val="tx1"/>
-                </a:solidFill>
-                <a:latin typeface="Congenial" panose="02000503040000020004" pitchFamily="2" charset="0"/>
-              </a:rPr>
-              <a:t>Abishek</a:t>
-            </a:r>
-            <a:r>
-              <a:rPr lang="en-IE" dirty="0">
-                <a:solidFill>
-                  <a:schemeClr val="tx1"/>
-                </a:solidFill>
-                <a:latin typeface="Congenial" panose="02000503040000020004" pitchFamily="2" charset="0"/>
-              </a:rPr>
-              <a:t> </a:t>
-            </a:r>
-            <a:r>
-              <a:rPr lang="en-IE" dirty="0" err="1">
-                <a:solidFill>
-                  <a:schemeClr val="tx1"/>
-                </a:solidFill>
-                <a:latin typeface="Congenial" panose="02000503040000020004" pitchFamily="2" charset="0"/>
-              </a:rPr>
-              <a:t>Bupathi</a:t>
-            </a:r>
-            <a:r>
-              <a:rPr lang="en-IE" dirty="0">
-                <a:solidFill>
-                  <a:schemeClr val="tx1"/>
-                </a:solidFill>
-                <a:latin typeface="Congenial" panose="02000503040000020004" pitchFamily="2" charset="0"/>
-              </a:rPr>
-              <a:t> for their previous work on </a:t>
-            </a:r>
-            <a:r>
-              <a:rPr lang="en-IE" dirty="0" err="1">
-                <a:solidFill>
-                  <a:schemeClr val="tx1"/>
-                </a:solidFill>
-                <a:latin typeface="Congenial" panose="02000503040000020004" pitchFamily="2" charset="0"/>
-              </a:rPr>
-              <a:t>HDLGen</a:t>
-            </a:r>
-            <a:r>
-              <a:rPr lang="en-IE" dirty="0">
-                <a:solidFill>
-                  <a:schemeClr val="tx1"/>
-                </a:solidFill>
-                <a:latin typeface="Congenial" panose="02000503040000020004" pitchFamily="2" charset="0"/>
-              </a:rPr>
-              <a:t>-ChatGPT, PYNQ and RISC-V.</a:t>
+              <a:t>I would like to thank Dr. Fearghal Morgan for his support and guidance, and Roshan George, JP Byrne and Abishek Bupathi for their previous work on HDLGen-ChatGPT, PYNQ and RISC-V.</a:t>
             </a:r>
           </a:p>
         </p:txBody>
@@ -8146,7 +7955,7 @@
         </p:nvSpPr>
         <p:spPr>
           <a:xfrm>
-            <a:off x="190252" y="6913980"/>
+            <a:off x="186746" y="6509876"/>
             <a:ext cx="7215213" cy="461665"/>
           </a:xfrm>
           <a:prstGeom prst="rect">
@@ -8198,8 +8007,8 @@
         </p:nvSpPr>
         <p:spPr>
           <a:xfrm>
-            <a:off x="205773" y="7396535"/>
-            <a:ext cx="7196186" cy="8162806"/>
+            <a:off x="205773" y="6971541"/>
+            <a:ext cx="7196186" cy="8587800"/>
           </a:xfrm>
           <a:prstGeom prst="rect">
             <a:avLst/>
@@ -8323,6 +8132,14 @@
             </a:endParaRPr>
           </a:p>
           <a:p>
+            <a:endParaRPr lang="en-IE" dirty="0">
+              <a:solidFill>
+                <a:schemeClr val="tx1"/>
+              </a:solidFill>
+              <a:latin typeface="Congenial" panose="02000503040000020004" pitchFamily="2" charset="0"/>
+            </a:endParaRPr>
+          </a:p>
+          <a:p>
             <a:r>
               <a:rPr lang="en-IE" dirty="0">
                 <a:solidFill>
@@ -8433,17 +8250,6 @@
           <a:bodyPr rtlCol="0" anchor="t"/>
           <a:lstStyle/>
           <a:p>
-            <a:r>
-              <a:rPr lang="en-IE" dirty="0">
-                <a:solidFill>
-                  <a:schemeClr val="tx1"/>
-                </a:solidFill>
-                <a:latin typeface="Congenial" panose="02000503040000020004" pitchFamily="2" charset="0"/>
-              </a:rPr>
-              <a:t>This section will either be connected to the objectives section above or added more information :&gt;</a:t>
-            </a:r>
-          </a:p>
-          <a:p>
             <a:endParaRPr lang="en-IE" dirty="0">
               <a:solidFill>
                 <a:schemeClr val="tx1"/>
@@ -8451,55 +8257,8 @@
               <a:latin typeface="Congenial" panose="02000503040000020004" pitchFamily="2" charset="0"/>
             </a:endParaRPr>
           </a:p>
-          <a:p>
-            <a:r>
-              <a:rPr lang="en-IE" dirty="0">
-                <a:solidFill>
-                  <a:schemeClr val="tx1"/>
-                </a:solidFill>
-                <a:latin typeface="Congenial" panose="02000503040000020004" pitchFamily="2" charset="0"/>
-              </a:rPr>
-              <a:t>This section is going to be difficult to produce. We will try our best B)</a:t>
-            </a:r>
-          </a:p>
-        </p:txBody>
-      </p:sp>
-      <p:pic>
-        <p:nvPicPr>
-          <p:cNvPr id="3" name="Picture 2" descr="A close-up of a red circuit board&#10;&#10;Description automatically generated">
-            <a:extLst>
-              <a:ext uri="{FF2B5EF4-FFF2-40B4-BE49-F238E27FC236}">
-                <a16:creationId xmlns:a16="http://schemas.microsoft.com/office/drawing/2014/main" id="{14D85344-7C6A-F70D-3983-C9EFB1FEA0FE}"/>
-              </a:ext>
-            </a:extLst>
-          </p:cNvPr>
-          <p:cNvPicPr>
-            <a:picLocks noChangeAspect="1"/>
-          </p:cNvPicPr>
-          <p:nvPr/>
-        </p:nvPicPr>
-        <p:blipFill>
-          <a:blip r:embed="rId3">
-            <a:extLst>
-              <a:ext uri="{28A0092B-C50C-407E-A947-70E740481C1C}">
-                <a14:useLocalDpi xmlns:a14="http://schemas.microsoft.com/office/drawing/2010/main" val="0"/>
-              </a:ext>
-            </a:extLst>
-          </a:blip>
-          <a:stretch>
-            <a:fillRect/>
-          </a:stretch>
-        </p:blipFill>
-        <p:spPr>
-          <a:xfrm>
-            <a:off x="426016" y="9092674"/>
-            <a:ext cx="2146296" cy="1361507"/>
-          </a:xfrm>
-          <a:prstGeom prst="rect">
-            <a:avLst/>
-          </a:prstGeom>
-        </p:spPr>
-      </p:pic>
+        </p:txBody>
+      </p:sp>
       <p:grpSp>
         <p:nvGrpSpPr>
           <p:cNvPr id="10" name="Group 9">
@@ -8535,7 +8294,7 @@
             <p:nvPr/>
           </p:nvPicPr>
           <p:blipFill>
-            <a:blip r:embed="rId4">
+            <a:blip r:embed="rId3">
               <a:extLst>
                 <a:ext uri="{28A0092B-C50C-407E-A947-70E740481C1C}">
                   <a14:useLocalDpi xmlns:a14="http://schemas.microsoft.com/office/drawing/2010/main" val="0"/>
@@ -8571,7 +8330,7 @@
             <p:nvPr/>
           </p:nvPicPr>
           <p:blipFill>
-            <a:blip r:embed="rId5">
+            <a:blip r:embed="rId4">
               <a:extLst>
                 <a:ext uri="{28A0092B-C50C-407E-A947-70E740481C1C}">
                   <a14:useLocalDpi xmlns:a14="http://schemas.microsoft.com/office/drawing/2010/main" val="0"/>
@@ -8607,7 +8366,7 @@
             <p:nvPr/>
           </p:nvPicPr>
           <p:blipFill>
-            <a:blip r:embed="rId6">
+            <a:blip r:embed="rId5">
               <a:extLst>
                 <a:ext uri="{28A0092B-C50C-407E-A947-70E740481C1C}">
                   <a14:useLocalDpi xmlns:a14="http://schemas.microsoft.com/office/drawing/2010/main" val="0"/>
@@ -8643,7 +8402,7 @@
             <p:nvPr/>
           </p:nvPicPr>
           <p:blipFill>
-            <a:blip r:embed="rId7"/>
+            <a:blip r:embed="rId6"/>
             <a:stretch>
               <a:fillRect/>
             </a:stretch>
@@ -8852,7 +8611,9 @@
               <a:avLst/>
             </a:prstGeom>
             <a:solidFill>
-              <a:schemeClr val="accent4">
+              <a:schemeClr val="accent1">
+                <a:lumMod val="40000"/>
+                <a:lumOff val="60000"/>
                 <a:alpha val="50000"/>
               </a:schemeClr>
             </a:solidFill>
@@ -9430,7 +9191,7 @@
             <p:nvPr/>
           </p:nvPicPr>
           <p:blipFill>
-            <a:blip r:embed="rId8">
+            <a:blip r:embed="rId7">
               <a:extLst>
                 <a:ext uri="{28A0092B-C50C-407E-A947-70E740481C1C}">
                   <a14:useLocalDpi xmlns:a14="http://schemas.microsoft.com/office/drawing/2010/main" val="0"/>
@@ -9691,7 +9452,7 @@
             <p:nvPr/>
           </p:nvPicPr>
           <p:blipFill>
-            <a:blip r:embed="rId9">
+            <a:blip r:embed="rId8">
               <a:extLst>
                 <a:ext uri="{28A0092B-C50C-407E-A947-70E740481C1C}">
                   <a14:useLocalDpi xmlns:a14="http://schemas.microsoft.com/office/drawing/2010/main" val="0"/>
@@ -9902,12 +9663,102 @@
           </p:txBody>
         </p:sp>
       </p:grpSp>
+      <p:sp>
+        <p:nvSpPr>
+          <p:cNvPr id="60" name="Rectangle 59">
+            <a:extLst>
+              <a:ext uri="{FF2B5EF4-FFF2-40B4-BE49-F238E27FC236}">
+                <a16:creationId xmlns:a16="http://schemas.microsoft.com/office/drawing/2014/main" id="{F59B4EBD-0390-5255-B4D5-F1ECD8DDA2D8}"/>
+              </a:ext>
+            </a:extLst>
+          </p:cNvPr>
+          <p:cNvSpPr/>
+          <p:nvPr/>
+        </p:nvSpPr>
+        <p:spPr>
+          <a:xfrm>
+            <a:off x="359898" y="8427996"/>
+            <a:ext cx="6848979" cy="1886018"/>
+          </a:xfrm>
+          <a:prstGeom prst="rect">
+            <a:avLst/>
+          </a:prstGeom>
+          <a:solidFill>
+            <a:schemeClr val="accent1">
+              <a:lumMod val="40000"/>
+              <a:lumOff val="60000"/>
+              <a:alpha val="50000"/>
+            </a:schemeClr>
+          </a:solidFill>
+          <a:ln>
+            <a:noFill/>
+          </a:ln>
+        </p:spPr>
+        <p:style>
+          <a:lnRef idx="0">
+            <a:scrgbClr r="0" g="0" b="0"/>
+          </a:lnRef>
+          <a:fillRef idx="0">
+            <a:scrgbClr r="0" g="0" b="0"/>
+          </a:fillRef>
+          <a:effectRef idx="0">
+            <a:scrgbClr r="0" g="0" b="0"/>
+          </a:effectRef>
+          <a:fontRef idx="minor">
+            <a:schemeClr val="lt1"/>
+          </a:fontRef>
+        </p:style>
+        <p:txBody>
+          <a:bodyPr rtlCol="0" anchor="ctr"/>
+          <a:lstStyle/>
+          <a:p>
+            <a:pPr algn="ctr"/>
+            <a:endParaRPr lang="en-IE" dirty="0"/>
+          </a:p>
+        </p:txBody>
+      </p:sp>
       <p:pic>
         <p:nvPicPr>
           <p:cNvPr id="20" name="Picture 19" descr="A blue and black logo&#10;&#10;Description automatically generated">
             <a:extLst>
               <a:ext uri="{FF2B5EF4-FFF2-40B4-BE49-F238E27FC236}">
                 <a16:creationId xmlns:a16="http://schemas.microsoft.com/office/drawing/2014/main" id="{0352DE73-1B56-05B8-2FA6-692CB1394681}"/>
+              </a:ext>
+            </a:extLst>
+          </p:cNvPr>
+          <p:cNvPicPr>
+            <a:picLocks noChangeAspect="1"/>
+          </p:cNvPicPr>
+          <p:nvPr/>
+        </p:nvPicPr>
+        <p:blipFill>
+          <a:blip r:embed="rId9">
+            <a:extLst>
+              <a:ext uri="{28A0092B-C50C-407E-A947-70E740481C1C}">
+                <a14:useLocalDpi xmlns:a14="http://schemas.microsoft.com/office/drawing/2010/main" val="0"/>
+              </a:ext>
+            </a:extLst>
+          </a:blip>
+          <a:stretch>
+            <a:fillRect/>
+          </a:stretch>
+        </p:blipFill>
+        <p:spPr>
+          <a:xfrm>
+            <a:off x="3171670" y="8366315"/>
+            <a:ext cx="1640199" cy="757166"/>
+          </a:xfrm>
+          <a:prstGeom prst="rect">
+            <a:avLst/>
+          </a:prstGeom>
+        </p:spPr>
+      </p:pic>
+      <p:pic>
+        <p:nvPicPr>
+          <p:cNvPr id="26" name="Picture 25" descr="A logo of a google chrome&#10;&#10;Description automatically generated">
+            <a:extLst>
+              <a:ext uri="{FF2B5EF4-FFF2-40B4-BE49-F238E27FC236}">
+                <a16:creationId xmlns:a16="http://schemas.microsoft.com/office/drawing/2014/main" id="{6BD39CDE-FB5E-07D4-34A3-4B81EC571B34}"/>
               </a:ext>
             </a:extLst>
           </p:cNvPr>
@@ -9930,50 +9781,14 @@
         </p:blipFill>
         <p:spPr>
           <a:xfrm>
-            <a:off x="3171670" y="8527679"/>
-            <a:ext cx="1640199" cy="757166"/>
+            <a:off x="5443017" y="8814487"/>
+            <a:ext cx="1361507" cy="1361507"/>
           </a:xfrm>
           <a:prstGeom prst="rect">
             <a:avLst/>
           </a:prstGeom>
         </p:spPr>
       </p:pic>
-      <p:pic>
-        <p:nvPicPr>
-          <p:cNvPr id="26" name="Picture 25" descr="A logo of a google chrome&#10;&#10;Description automatically generated">
-            <a:extLst>
-              <a:ext uri="{FF2B5EF4-FFF2-40B4-BE49-F238E27FC236}">
-                <a16:creationId xmlns:a16="http://schemas.microsoft.com/office/drawing/2014/main" id="{6BD39CDE-FB5E-07D4-34A3-4B81EC571B34}"/>
-              </a:ext>
-            </a:extLst>
-          </p:cNvPr>
-          <p:cNvPicPr>
-            <a:picLocks noChangeAspect="1"/>
-          </p:cNvPicPr>
-          <p:nvPr/>
-        </p:nvPicPr>
-        <p:blipFill>
-          <a:blip r:embed="rId11">
-            <a:extLst>
-              <a:ext uri="{28A0092B-C50C-407E-A947-70E740481C1C}">
-                <a14:useLocalDpi xmlns:a14="http://schemas.microsoft.com/office/drawing/2010/main" val="0"/>
-              </a:ext>
-            </a:extLst>
-          </a:blip>
-          <a:stretch>
-            <a:fillRect/>
-          </a:stretch>
-        </p:blipFill>
-        <p:spPr>
-          <a:xfrm>
-            <a:off x="5443017" y="9029639"/>
-            <a:ext cx="1361507" cy="1361507"/>
-          </a:xfrm>
-          <a:prstGeom prst="rect">
-            <a:avLst/>
-          </a:prstGeom>
-        </p:spPr>
-      </p:pic>
       <p:sp>
         <p:nvSpPr>
           <p:cNvPr id="49" name="Arc 48">
@@ -9988,7 +9803,7 @@
         </p:nvSpPr>
         <p:spPr>
           <a:xfrm rot="19123379">
-            <a:off x="2395022" y="9288534"/>
+            <a:off x="2395022" y="9073382"/>
             <a:ext cx="3114155" cy="3073348"/>
           </a:xfrm>
           <a:prstGeom prst="arc">
@@ -10039,7 +9854,7 @@
         </p:nvSpPr>
         <p:spPr>
           <a:xfrm>
-            <a:off x="2637186" y="9889141"/>
+            <a:off x="2637186" y="9673989"/>
             <a:ext cx="2624326" cy="584775"/>
           </a:xfrm>
           <a:prstGeom prst="rect">
@@ -10081,13 +9896,13 @@
           <p:nvPr/>
         </p:nvPicPr>
         <p:blipFill rotWithShape="1">
-          <a:blip r:embed="rId12"/>
+          <a:blip r:embed="rId11"/>
           <a:srcRect l="5768" t="2893" r="2238"/>
           <a:stretch/>
         </p:blipFill>
         <p:spPr>
           <a:xfrm>
-            <a:off x="995637" y="12023726"/>
+            <a:off x="995637" y="11791497"/>
             <a:ext cx="2953278" cy="3173907"/>
           </a:xfrm>
           <a:prstGeom prst="rect">
@@ -10110,14 +9925,14 @@
           <p:nvPr/>
         </p:nvPicPr>
         <p:blipFill>
-          <a:blip r:embed="rId13"/>
+          <a:blip r:embed="rId12"/>
           <a:stretch>
             <a:fillRect/>
           </a:stretch>
         </p:blipFill>
         <p:spPr>
           <a:xfrm>
-            <a:off x="4024288" y="12030054"/>
+            <a:off x="4024288" y="11797825"/>
             <a:ext cx="2742136" cy="3167578"/>
           </a:xfrm>
           <a:prstGeom prst="rect">
@@ -10139,8 +9954,8 @@
         </p:nvSpPr>
         <p:spPr>
           <a:xfrm>
-            <a:off x="376217" y="15219132"/>
-            <a:ext cx="6797742" cy="276999"/>
+            <a:off x="186746" y="14960294"/>
+            <a:ext cx="7172159" cy="646331"/>
           </a:xfrm>
           <a:prstGeom prst="rect">
             <a:avLst/>
@@ -10155,14 +9970,220 @@
           <a:p>
             <a:pPr algn="ctr"/>
             <a:r>
-              <a:rPr lang="en-IE" sz="1200" b="1" dirty="0">
+              <a:rPr lang="en-IE" dirty="0">
                 <a:latin typeface="Congenial" panose="02000503040000020004" pitchFamily="2" charset="0"/>
               </a:rPr>
-              <a:t>Jupyter Notebook Generated by SoC Builder opened on remote PYNQ accessed over Ngrok Tunnel</a:t>
-            </a:r>
-            <a:endParaRPr lang="en-IE" sz="1200" dirty="0">
+              <a:t>Jupyter Notebook generated by SoC Builder opened on remote PYNQ accessed over Ngrok Tunnel</a:t>
+            </a:r>
+          </a:p>
+        </p:txBody>
+      </p:sp>
+      <p:pic>
+        <p:nvPicPr>
+          <p:cNvPr id="3" name="Picture 2" descr="A close-up of a red circuit board&#10;&#10;Description automatically generated">
+            <a:extLst>
+              <a:ext uri="{FF2B5EF4-FFF2-40B4-BE49-F238E27FC236}">
+                <a16:creationId xmlns:a16="http://schemas.microsoft.com/office/drawing/2014/main" id="{14D85344-7C6A-F70D-3983-C9EFB1FEA0FE}"/>
+              </a:ext>
+            </a:extLst>
+          </p:cNvPr>
+          <p:cNvPicPr>
+            <a:picLocks noChangeAspect="1"/>
+          </p:cNvPicPr>
+          <p:nvPr/>
+        </p:nvPicPr>
+        <p:blipFill>
+          <a:blip r:embed="rId13">
+            <a:extLst>
+              <a:ext uri="{28A0092B-C50C-407E-A947-70E740481C1C}">
+                <a14:useLocalDpi xmlns:a14="http://schemas.microsoft.com/office/drawing/2010/main" val="0"/>
+              </a:ext>
+            </a:extLst>
+          </a:blip>
+          <a:stretch>
+            <a:fillRect/>
+          </a:stretch>
+        </p:blipFill>
+        <p:spPr>
+          <a:xfrm>
+            <a:off x="426016" y="8877522"/>
+            <a:ext cx="2146296" cy="1361507"/>
+          </a:xfrm>
+          <a:prstGeom prst="rect">
+            <a:avLst/>
+          </a:prstGeom>
+        </p:spPr>
+      </p:pic>
+      <p:sp>
+        <p:nvSpPr>
+          <p:cNvPr id="61" name="Rectangle 60">
+            <a:extLst>
+              <a:ext uri="{FF2B5EF4-FFF2-40B4-BE49-F238E27FC236}">
+                <a16:creationId xmlns:a16="http://schemas.microsoft.com/office/drawing/2014/main" id="{35FB26B1-8ABB-05E5-40BC-2EEF43C7DCB0}"/>
+              </a:ext>
+            </a:extLst>
+          </p:cNvPr>
+          <p:cNvSpPr/>
+          <p:nvPr/>
+        </p:nvSpPr>
+        <p:spPr>
+          <a:xfrm>
+            <a:off x="7913422" y="16323499"/>
+            <a:ext cx="6848979" cy="3102511"/>
+          </a:xfrm>
+          <a:prstGeom prst="rect">
+            <a:avLst/>
+          </a:prstGeom>
+          <a:solidFill>
+            <a:schemeClr val="accent1">
+              <a:lumMod val="40000"/>
+              <a:lumOff val="60000"/>
+              <a:alpha val="50000"/>
+            </a:schemeClr>
+          </a:solidFill>
+          <a:ln>
+            <a:noFill/>
+          </a:ln>
+        </p:spPr>
+        <p:style>
+          <a:lnRef idx="0">
+            <a:scrgbClr r="0" g="0" b="0"/>
+          </a:lnRef>
+          <a:fillRef idx="0">
+            <a:scrgbClr r="0" g="0" b="0"/>
+          </a:fillRef>
+          <a:effectRef idx="0">
+            <a:scrgbClr r="0" g="0" b="0"/>
+          </a:effectRef>
+          <a:fontRef idx="minor">
+            <a:schemeClr val="lt1"/>
+          </a:fontRef>
+        </p:style>
+        <p:txBody>
+          <a:bodyPr rtlCol="0" anchor="ctr"/>
+          <a:lstStyle/>
+          <a:p>
+            <a:pPr algn="ctr"/>
+            <a:endParaRPr lang="en-IE" dirty="0"/>
+          </a:p>
+        </p:txBody>
+      </p:sp>
+      <p:sp>
+        <p:nvSpPr>
+          <p:cNvPr id="62" name="TextBox 61">
+            <a:extLst>
+              <a:ext uri="{FF2B5EF4-FFF2-40B4-BE49-F238E27FC236}">
+                <a16:creationId xmlns:a16="http://schemas.microsoft.com/office/drawing/2014/main" id="{4B259C54-158C-306B-5D8C-C23FA627ADDC}"/>
+              </a:ext>
+            </a:extLst>
+          </p:cNvPr>
+          <p:cNvSpPr txBox="1"/>
+          <p:nvPr/>
+        </p:nvSpPr>
+        <p:spPr>
+          <a:xfrm>
+            <a:off x="256466" y="16319465"/>
+            <a:ext cx="7535644" cy="3016210"/>
+          </a:xfrm>
+          <a:prstGeom prst="rect">
+            <a:avLst/>
+          </a:prstGeom>
+          <a:noFill/>
+        </p:spPr>
+        <p:txBody>
+          <a:bodyPr wrap="square" rtlCol="0">
+            <a:spAutoFit/>
+          </a:bodyPr>
+          <a:lstStyle/>
+          <a:p>
+            <a:pPr marL="285750" indent="-285750">
+              <a:spcBef>
+                <a:spcPts val="600"/>
+              </a:spcBef>
+              <a:buFont typeface="Arial" panose="020B0604020202020204" pitchFamily="34" charset="0"/>
+              <a:buChar char="•"/>
+            </a:pPr>
+            <a:r>
+              <a:rPr lang="en-IE" dirty="0">
+                <a:solidFill>
+                  <a:schemeClr val="tx1"/>
+                </a:solidFill>
+                <a:latin typeface="Congenial" panose="02000503040000020004" pitchFamily="2" charset="0"/>
+              </a:rPr>
+              <a:t>The purpose of the RISC-V learning platform through the remote laboratory is to encourage interaction and exploration of RISC-V ISA on real hardware, rather than simulation</a:t>
+            </a:r>
+            <a:endParaRPr lang="en-IE" dirty="0">
               <a:latin typeface="Congenial" panose="02000503040000020004" pitchFamily="2" charset="0"/>
             </a:endParaRPr>
+          </a:p>
+          <a:p>
+            <a:pPr marL="285750" indent="-285750">
+              <a:spcBef>
+                <a:spcPts val="600"/>
+              </a:spcBef>
+              <a:buFont typeface="Arial" panose="020B0604020202020204" pitchFamily="34" charset="0"/>
+              <a:buChar char="•"/>
+            </a:pPr>
+            <a:r>
+              <a:rPr lang="en-IE" dirty="0">
+                <a:solidFill>
+                  <a:schemeClr val="tx1"/>
+                </a:solidFill>
+                <a:latin typeface="Congenial" panose="02000503040000020004" pitchFamily="2" charset="0"/>
+              </a:rPr>
+              <a:t>The learning platform will consist of two RISC-V cores. One of which the user will program using RISC-V assembly, </a:t>
+            </a:r>
+            <a:r>
+              <a:rPr lang="en-IE" dirty="0">
+                <a:latin typeface="Congenial" panose="02000503040000020004" pitchFamily="2" charset="0"/>
+              </a:rPr>
+              <a:t>T</a:t>
+            </a:r>
+            <a:r>
+              <a:rPr lang="en-IE" dirty="0">
+                <a:solidFill>
+                  <a:schemeClr val="tx1"/>
+                </a:solidFill>
+                <a:latin typeface="Congenial" panose="02000503040000020004" pitchFamily="2" charset="0"/>
+              </a:rPr>
+              <a:t>he other will remain hidden, only visible to the core #1 by I/O ports. Core #2 will imitate a peripheral device.</a:t>
+            </a:r>
+          </a:p>
+          <a:p>
+            <a:pPr marL="285750" indent="-285750">
+              <a:spcBef>
+                <a:spcPts val="600"/>
+              </a:spcBef>
+              <a:buFont typeface="Arial" panose="020B0604020202020204" pitchFamily="34" charset="0"/>
+              <a:buChar char="•"/>
+            </a:pPr>
+            <a:r>
+              <a:rPr lang="en-IE" dirty="0">
+                <a:solidFill>
+                  <a:schemeClr val="tx1"/>
+                </a:solidFill>
+                <a:latin typeface="Congenial" panose="02000503040000020004" pitchFamily="2" charset="0"/>
+              </a:rPr>
+              <a:t>The goal of the user is to interface with the hidden peripheral. The hidden peripheral changes depending on the difficulty level. For example, an interrupt controller or I</a:t>
+            </a:r>
+            <a:r>
+              <a:rPr lang="en-IE" baseline="30000" dirty="0">
+                <a:solidFill>
+                  <a:schemeClr val="tx1"/>
+                </a:solidFill>
+                <a:latin typeface="Congenial" panose="02000503040000020004" pitchFamily="2" charset="0"/>
+              </a:rPr>
+              <a:t>2</a:t>
+            </a:r>
+            <a:r>
+              <a:rPr lang="en-IE" dirty="0">
+                <a:solidFill>
+                  <a:schemeClr val="tx1"/>
+                </a:solidFill>
+                <a:latin typeface="Congenial" panose="02000503040000020004" pitchFamily="2" charset="0"/>
+              </a:rPr>
+              <a:t>C device.</a:t>
+            </a:r>
           </a:p>
         </p:txBody>
       </p:sp>

--- a/docs/project_poster.pptx
+++ b/docs/project_poster.pptx
@@ -10187,6 +10187,625 @@
           </a:p>
         </p:txBody>
       </p:sp>
+      <p:sp>
+        <p:nvSpPr>
+          <p:cNvPr id="63" name="Rectangle: Rounded Corners 62">
+            <a:extLst>
+              <a:ext uri="{FF2B5EF4-FFF2-40B4-BE49-F238E27FC236}">
+                <a16:creationId xmlns:a16="http://schemas.microsoft.com/office/drawing/2014/main" id="{614C9CC0-91B3-5C2B-31E2-B3F4B95DE55B}"/>
+              </a:ext>
+            </a:extLst>
+          </p:cNvPr>
+          <p:cNvSpPr/>
+          <p:nvPr/>
+        </p:nvSpPr>
+        <p:spPr>
+          <a:xfrm>
+            <a:off x="8029390" y="16452482"/>
+            <a:ext cx="1437339" cy="2883193"/>
+          </a:xfrm>
+          <a:prstGeom prst="roundRect">
+            <a:avLst/>
+          </a:prstGeom>
+          <a:solidFill>
+            <a:schemeClr val="accent5">
+              <a:lumMod val="60000"/>
+              <a:lumOff val="40000"/>
+            </a:schemeClr>
+          </a:solidFill>
+        </p:spPr>
+        <p:style>
+          <a:lnRef idx="2">
+            <a:schemeClr val="accent5">
+              <a:shade val="15000"/>
+            </a:schemeClr>
+          </a:lnRef>
+          <a:fillRef idx="1">
+            <a:schemeClr val="accent5"/>
+          </a:fillRef>
+          <a:effectRef idx="0">
+            <a:schemeClr val="accent5"/>
+          </a:effectRef>
+          <a:fontRef idx="minor">
+            <a:schemeClr val="lt1"/>
+          </a:fontRef>
+        </p:style>
+        <p:txBody>
+          <a:bodyPr rtlCol="0" anchor="t"/>
+          <a:lstStyle/>
+          <a:p>
+            <a:pPr algn="ctr"/>
+            <a:r>
+              <a:rPr lang="en-IE" dirty="0">
+                <a:solidFill>
+                  <a:sysClr val="windowText" lastClr="000000"/>
+                </a:solidFill>
+                <a:latin typeface="Congenial Black" panose="02000503040000020004" pitchFamily="2" charset="0"/>
+              </a:rPr>
+              <a:t>PYNQ Jupyter Notebook Interface</a:t>
+            </a:r>
+          </a:p>
+        </p:txBody>
+      </p:sp>
+      <p:pic>
+        <p:nvPicPr>
+          <p:cNvPr id="64" name="Picture 63" descr="A black and grey logo&#10;&#10;Description automatically generated">
+            <a:extLst>
+              <a:ext uri="{FF2B5EF4-FFF2-40B4-BE49-F238E27FC236}">
+                <a16:creationId xmlns:a16="http://schemas.microsoft.com/office/drawing/2014/main" id="{5E4DCD52-DAEB-C3EE-D135-DD0C8A5195EC}"/>
+              </a:ext>
+            </a:extLst>
+          </p:cNvPr>
+          <p:cNvPicPr>
+            <a:picLocks noChangeAspect="1"/>
+          </p:cNvPicPr>
+          <p:nvPr/>
+        </p:nvPicPr>
+        <p:blipFill>
+          <a:blip r:embed="rId8">
+            <a:extLst>
+              <a:ext uri="{28A0092B-C50C-407E-A947-70E740481C1C}">
+                <a14:useLocalDpi xmlns:a14="http://schemas.microsoft.com/office/drawing/2010/main" val="0"/>
+              </a:ext>
+            </a:extLst>
+          </a:blip>
+          <a:stretch>
+            <a:fillRect/>
+          </a:stretch>
+        </p:blipFill>
+        <p:spPr>
+          <a:xfrm>
+            <a:off x="8115299" y="18785781"/>
+            <a:ext cx="1272420" cy="454294"/>
+          </a:xfrm>
+          <a:prstGeom prst="roundRect">
+            <a:avLst>
+              <a:gd name="adj" fmla="val 25053"/>
+            </a:avLst>
+          </a:prstGeom>
+          <a:solidFill>
+            <a:schemeClr val="bg1"/>
+          </a:solidFill>
+          <a:ln w="19050">
+            <a:solidFill>
+              <a:schemeClr val="accent5">
+                <a:shade val="15000"/>
+              </a:schemeClr>
+            </a:solidFill>
+          </a:ln>
+        </p:spPr>
+      </p:pic>
+      <p:pic>
+        <p:nvPicPr>
+          <p:cNvPr id="66" name="Picture 65" descr="A logo with orange and grey circles&#10;&#10;Description automatically generated">
+            <a:extLst>
+              <a:ext uri="{FF2B5EF4-FFF2-40B4-BE49-F238E27FC236}">
+                <a16:creationId xmlns:a16="http://schemas.microsoft.com/office/drawing/2014/main" id="{8CA8B793-5F78-218B-2C53-7218BB4B51DA}"/>
+              </a:ext>
+            </a:extLst>
+          </p:cNvPr>
+          <p:cNvPicPr>
+            <a:picLocks noChangeAspect="1"/>
+          </p:cNvPicPr>
+          <p:nvPr/>
+        </p:nvPicPr>
+        <p:blipFill>
+          <a:blip r:embed="rId14">
+            <a:extLst>
+              <a:ext uri="{28A0092B-C50C-407E-A947-70E740481C1C}">
+                <a14:useLocalDpi xmlns:a14="http://schemas.microsoft.com/office/drawing/2010/main" val="0"/>
+              </a:ext>
+            </a:extLst>
+          </a:blip>
+          <a:stretch>
+            <a:fillRect/>
+          </a:stretch>
+        </p:blipFill>
+        <p:spPr>
+          <a:xfrm>
+            <a:off x="8374085" y="17806944"/>
+            <a:ext cx="747947" cy="866995"/>
+          </a:xfrm>
+          <a:prstGeom prst="roundRect">
+            <a:avLst/>
+          </a:prstGeom>
+          <a:solidFill>
+            <a:schemeClr val="bg1"/>
+          </a:solidFill>
+          <a:ln w="19050">
+            <a:solidFill>
+              <a:schemeClr val="tx1"/>
+            </a:solidFill>
+          </a:ln>
+        </p:spPr>
+      </p:pic>
+      <p:sp>
+        <p:nvSpPr>
+          <p:cNvPr id="70" name="Rectangle: Rounded Corners 69">
+            <a:extLst>
+              <a:ext uri="{FF2B5EF4-FFF2-40B4-BE49-F238E27FC236}">
+                <a16:creationId xmlns:a16="http://schemas.microsoft.com/office/drawing/2014/main" id="{3246562F-8D29-DDE8-AD92-8E3C9C9D9862}"/>
+              </a:ext>
+            </a:extLst>
+          </p:cNvPr>
+          <p:cNvSpPr/>
+          <p:nvPr/>
+        </p:nvSpPr>
+        <p:spPr>
+          <a:xfrm>
+            <a:off x="10415029" y="16990539"/>
+            <a:ext cx="1775009" cy="1802356"/>
+          </a:xfrm>
+          <a:prstGeom prst="roundRect">
+            <a:avLst/>
+          </a:prstGeom>
+          <a:solidFill>
+            <a:schemeClr val="bg1"/>
+          </a:solidFill>
+        </p:spPr>
+        <p:style>
+          <a:lnRef idx="2">
+            <a:schemeClr val="accent1">
+              <a:shade val="15000"/>
+            </a:schemeClr>
+          </a:lnRef>
+          <a:fillRef idx="1">
+            <a:schemeClr val="accent1"/>
+          </a:fillRef>
+          <a:effectRef idx="0">
+            <a:schemeClr val="accent1"/>
+          </a:effectRef>
+          <a:fontRef idx="minor">
+            <a:schemeClr val="lt1"/>
+          </a:fontRef>
+        </p:style>
+        <p:txBody>
+          <a:bodyPr rtlCol="0" anchor="ctr"/>
+          <a:lstStyle/>
+          <a:p>
+            <a:pPr algn="ctr"/>
+            <a:endParaRPr lang="en-IE"/>
+          </a:p>
+        </p:txBody>
+      </p:sp>
+      <p:pic>
+        <p:nvPicPr>
+          <p:cNvPr id="68" name="Graphic 67">
+            <a:extLst>
+              <a:ext uri="{FF2B5EF4-FFF2-40B4-BE49-F238E27FC236}">
+                <a16:creationId xmlns:a16="http://schemas.microsoft.com/office/drawing/2014/main" id="{79778BA5-071C-E578-14A4-26DE3DDFF345}"/>
+              </a:ext>
+            </a:extLst>
+          </p:cNvPr>
+          <p:cNvPicPr>
+            <a:picLocks noChangeAspect="1"/>
+          </p:cNvPicPr>
+          <p:nvPr/>
+        </p:nvPicPr>
+        <p:blipFill rotWithShape="1">
+          <a:blip r:embed="rId15">
+            <a:extLst>
+              <a:ext uri="{28A0092B-C50C-407E-A947-70E740481C1C}">
+                <a14:useLocalDpi xmlns:a14="http://schemas.microsoft.com/office/drawing/2010/main" val="0"/>
+              </a:ext>
+              <a:ext uri="{96DAC541-7B7A-43D3-8B79-37D633B846F1}">
+                <asvg:svgBlip xmlns:asvg="http://schemas.microsoft.com/office/drawing/2016/SVG/main" r:embed="rId16"/>
+              </a:ext>
+            </a:extLst>
+          </a:blip>
+          <a:srcRect r="4697"/>
+          <a:stretch/>
+        </p:blipFill>
+        <p:spPr>
+          <a:xfrm>
+            <a:off x="10530525" y="16915996"/>
+            <a:ext cx="1534466" cy="1911974"/>
+          </a:xfrm>
+          <a:prstGeom prst="rect">
+            <a:avLst/>
+          </a:prstGeom>
+        </p:spPr>
+      </p:pic>
+      <p:cxnSp>
+        <p:nvCxnSpPr>
+          <p:cNvPr id="71" name="Straight Arrow Connector 70">
+            <a:extLst>
+              <a:ext uri="{FF2B5EF4-FFF2-40B4-BE49-F238E27FC236}">
+                <a16:creationId xmlns:a16="http://schemas.microsoft.com/office/drawing/2014/main" id="{D3D7109C-6FA0-C19E-E3E2-69D4B63E3B89}"/>
+              </a:ext>
+            </a:extLst>
+          </p:cNvPr>
+          <p:cNvCxnSpPr>
+            <a:cxnSpLocks/>
+            <a:stCxn id="70" idx="1"/>
+            <a:endCxn id="63" idx="3"/>
+          </p:cNvCxnSpPr>
+          <p:nvPr/>
+        </p:nvCxnSpPr>
+        <p:spPr>
+          <a:xfrm flipH="1">
+            <a:off x="9466729" y="17891717"/>
+            <a:ext cx="948300" cy="2362"/>
+          </a:xfrm>
+          <a:prstGeom prst="straightConnector1">
+            <a:avLst/>
+          </a:prstGeom>
+          <a:ln w="76200">
+            <a:solidFill>
+              <a:srgbClr val="C00000"/>
+            </a:solidFill>
+            <a:headEnd type="triangle"/>
+            <a:tailEnd type="triangle"/>
+          </a:ln>
+        </p:spPr>
+        <p:style>
+          <a:lnRef idx="2">
+            <a:schemeClr val="accent1"/>
+          </a:lnRef>
+          <a:fillRef idx="0">
+            <a:schemeClr val="accent1"/>
+          </a:fillRef>
+          <a:effectRef idx="1">
+            <a:schemeClr val="accent1"/>
+          </a:effectRef>
+          <a:fontRef idx="minor">
+            <a:schemeClr val="tx1"/>
+          </a:fontRef>
+        </p:style>
+      </p:cxnSp>
+      <p:sp>
+        <p:nvSpPr>
+          <p:cNvPr id="78" name="Rectangle: Rounded Corners 77">
+            <a:extLst>
+              <a:ext uri="{FF2B5EF4-FFF2-40B4-BE49-F238E27FC236}">
+                <a16:creationId xmlns:a16="http://schemas.microsoft.com/office/drawing/2014/main" id="{241B78F1-0936-CEF2-03B8-72A60F497A8E}"/>
+              </a:ext>
+            </a:extLst>
+          </p:cNvPr>
+          <p:cNvSpPr/>
+          <p:nvPr/>
+        </p:nvSpPr>
+        <p:spPr>
+          <a:xfrm>
+            <a:off x="12888595" y="16979272"/>
+            <a:ext cx="1775009" cy="1802356"/>
+          </a:xfrm>
+          <a:prstGeom prst="roundRect">
+            <a:avLst/>
+          </a:prstGeom>
+          <a:solidFill>
+            <a:schemeClr val="bg1"/>
+          </a:solidFill>
+        </p:spPr>
+        <p:style>
+          <a:lnRef idx="2">
+            <a:schemeClr val="accent1">
+              <a:shade val="15000"/>
+            </a:schemeClr>
+          </a:lnRef>
+          <a:fillRef idx="1">
+            <a:schemeClr val="accent1"/>
+          </a:fillRef>
+          <a:effectRef idx="0">
+            <a:schemeClr val="accent1"/>
+          </a:effectRef>
+          <a:fontRef idx="minor">
+            <a:schemeClr val="lt1"/>
+          </a:fontRef>
+        </p:style>
+        <p:txBody>
+          <a:bodyPr rtlCol="0" anchor="ctr"/>
+          <a:lstStyle/>
+          <a:p>
+            <a:pPr algn="ctr"/>
+            <a:endParaRPr lang="en-IE"/>
+          </a:p>
+        </p:txBody>
+      </p:sp>
+      <p:pic>
+        <p:nvPicPr>
+          <p:cNvPr id="81" name="Graphic 80">
+            <a:extLst>
+              <a:ext uri="{FF2B5EF4-FFF2-40B4-BE49-F238E27FC236}">
+                <a16:creationId xmlns:a16="http://schemas.microsoft.com/office/drawing/2014/main" id="{751AB44B-7E3C-6D08-DA08-38DF84040F6C}"/>
+              </a:ext>
+            </a:extLst>
+          </p:cNvPr>
+          <p:cNvPicPr>
+            <a:picLocks noChangeAspect="1"/>
+          </p:cNvPicPr>
+          <p:nvPr/>
+        </p:nvPicPr>
+        <p:blipFill rotWithShape="1">
+          <a:blip r:embed="rId15">
+            <a:extLst>
+              <a:ext uri="{28A0092B-C50C-407E-A947-70E740481C1C}">
+                <a14:useLocalDpi xmlns:a14="http://schemas.microsoft.com/office/drawing/2010/main" val="0"/>
+              </a:ext>
+              <a:ext uri="{96DAC541-7B7A-43D3-8B79-37D633B846F1}">
+                <asvg:svgBlip xmlns:asvg="http://schemas.microsoft.com/office/drawing/2016/SVG/main" r:embed="rId16"/>
+              </a:ext>
+            </a:extLst>
+          </a:blip>
+          <a:srcRect r="4697"/>
+          <a:stretch/>
+        </p:blipFill>
+        <p:spPr>
+          <a:xfrm>
+            <a:off x="13008866" y="16916656"/>
+            <a:ext cx="1534466" cy="1911974"/>
+          </a:xfrm>
+          <a:prstGeom prst="rect">
+            <a:avLst/>
+          </a:prstGeom>
+        </p:spPr>
+      </p:pic>
+      <p:cxnSp>
+        <p:nvCxnSpPr>
+          <p:cNvPr id="86" name="Straight Arrow Connector 85">
+            <a:extLst>
+              <a:ext uri="{FF2B5EF4-FFF2-40B4-BE49-F238E27FC236}">
+                <a16:creationId xmlns:a16="http://schemas.microsoft.com/office/drawing/2014/main" id="{772A0477-4F67-BB9F-F9B7-9746A5A740AD}"/>
+              </a:ext>
+            </a:extLst>
+          </p:cNvPr>
+          <p:cNvCxnSpPr>
+            <a:cxnSpLocks/>
+            <a:stCxn id="78" idx="1"/>
+            <a:endCxn id="70" idx="3"/>
+          </p:cNvCxnSpPr>
+          <p:nvPr/>
+        </p:nvCxnSpPr>
+        <p:spPr>
+          <a:xfrm flipH="1">
+            <a:off x="12190038" y="17880450"/>
+            <a:ext cx="698557" cy="11267"/>
+          </a:xfrm>
+          <a:prstGeom prst="straightConnector1">
+            <a:avLst/>
+          </a:prstGeom>
+          <a:ln w="76200">
+            <a:solidFill>
+              <a:srgbClr val="C00000"/>
+            </a:solidFill>
+            <a:headEnd type="triangle"/>
+            <a:tailEnd type="triangle"/>
+          </a:ln>
+        </p:spPr>
+        <p:style>
+          <a:lnRef idx="2">
+            <a:schemeClr val="accent1"/>
+          </a:lnRef>
+          <a:fillRef idx="0">
+            <a:schemeClr val="accent1"/>
+          </a:fillRef>
+          <a:effectRef idx="1">
+            <a:schemeClr val="accent1"/>
+          </a:effectRef>
+          <a:fontRef idx="minor">
+            <a:schemeClr val="tx1"/>
+          </a:fontRef>
+        </p:style>
+      </p:cxnSp>
+      <p:sp>
+        <p:nvSpPr>
+          <p:cNvPr id="95" name="TextBox 94">
+            <a:extLst>
+              <a:ext uri="{FF2B5EF4-FFF2-40B4-BE49-F238E27FC236}">
+                <a16:creationId xmlns:a16="http://schemas.microsoft.com/office/drawing/2014/main" id="{5180DFD4-66B9-79D2-34FE-72D003FA3CAE}"/>
+              </a:ext>
+            </a:extLst>
+          </p:cNvPr>
+          <p:cNvSpPr txBox="1"/>
+          <p:nvPr/>
+        </p:nvSpPr>
+        <p:spPr>
+          <a:xfrm>
+            <a:off x="9501198" y="16990538"/>
+            <a:ext cx="938748" cy="830997"/>
+          </a:xfrm>
+          <a:prstGeom prst="rect">
+            <a:avLst/>
+          </a:prstGeom>
+          <a:noFill/>
+        </p:spPr>
+        <p:txBody>
+          <a:bodyPr wrap="square" rtlCol="0">
+            <a:spAutoFit/>
+          </a:bodyPr>
+          <a:lstStyle/>
+          <a:p>
+            <a:pPr algn="ctr"/>
+            <a:r>
+              <a:rPr lang="en-IE" sz="1200" b="1" dirty="0">
+                <a:latin typeface="Congenial" panose="02000503040000020004" pitchFamily="2" charset="0"/>
+              </a:rPr>
+              <a:t>User uploads assembly to Core #1</a:t>
+            </a:r>
+            <a:endParaRPr lang="en-IE" sz="1200" dirty="0">
+              <a:latin typeface="Congenial" panose="02000503040000020004" pitchFamily="2" charset="0"/>
+            </a:endParaRPr>
+          </a:p>
+        </p:txBody>
+      </p:sp>
+      <p:sp>
+        <p:nvSpPr>
+          <p:cNvPr id="96" name="TextBox 95">
+            <a:extLst>
+              <a:ext uri="{FF2B5EF4-FFF2-40B4-BE49-F238E27FC236}">
+                <a16:creationId xmlns:a16="http://schemas.microsoft.com/office/drawing/2014/main" id="{E4B31120-EBFC-605D-1ACF-53E401CE799E}"/>
+              </a:ext>
+            </a:extLst>
+          </p:cNvPr>
+          <p:cNvSpPr txBox="1"/>
+          <p:nvPr/>
+        </p:nvSpPr>
+        <p:spPr>
+          <a:xfrm>
+            <a:off x="10807298" y="18499147"/>
+            <a:ext cx="993671" cy="276999"/>
+          </a:xfrm>
+          <a:prstGeom prst="rect">
+            <a:avLst/>
+          </a:prstGeom>
+          <a:noFill/>
+        </p:spPr>
+        <p:txBody>
+          <a:bodyPr wrap="square" rtlCol="0">
+            <a:spAutoFit/>
+          </a:bodyPr>
+          <a:lstStyle/>
+          <a:p>
+            <a:pPr algn="ctr"/>
+            <a:r>
+              <a:rPr lang="en-IE" sz="1200" dirty="0">
+                <a:latin typeface="Congenial Black" panose="02000503040000020004" pitchFamily="2" charset="0"/>
+              </a:rPr>
+              <a:t>Core #1</a:t>
+            </a:r>
+          </a:p>
+        </p:txBody>
+      </p:sp>
+      <p:sp>
+        <p:nvSpPr>
+          <p:cNvPr id="98" name="TextBox 97">
+            <a:extLst>
+              <a:ext uri="{FF2B5EF4-FFF2-40B4-BE49-F238E27FC236}">
+                <a16:creationId xmlns:a16="http://schemas.microsoft.com/office/drawing/2014/main" id="{6B0470F1-48CC-1318-A45C-D2B842B4ACF2}"/>
+              </a:ext>
+            </a:extLst>
+          </p:cNvPr>
+          <p:cNvSpPr txBox="1"/>
+          <p:nvPr/>
+        </p:nvSpPr>
+        <p:spPr>
+          <a:xfrm>
+            <a:off x="13285981" y="18499147"/>
+            <a:ext cx="993671" cy="276999"/>
+          </a:xfrm>
+          <a:prstGeom prst="rect">
+            <a:avLst/>
+          </a:prstGeom>
+          <a:noFill/>
+        </p:spPr>
+        <p:txBody>
+          <a:bodyPr wrap="square" rtlCol="0">
+            <a:spAutoFit/>
+          </a:bodyPr>
+          <a:lstStyle/>
+          <a:p>
+            <a:pPr algn="ctr"/>
+            <a:r>
+              <a:rPr lang="en-IE" sz="1200" dirty="0">
+                <a:latin typeface="Congenial Black" panose="02000503040000020004" pitchFamily="2" charset="0"/>
+              </a:rPr>
+              <a:t>Core #2</a:t>
+            </a:r>
+          </a:p>
+        </p:txBody>
+      </p:sp>
+      <p:sp>
+        <p:nvSpPr>
+          <p:cNvPr id="99" name="TextBox 98">
+            <a:extLst>
+              <a:ext uri="{FF2B5EF4-FFF2-40B4-BE49-F238E27FC236}">
+                <a16:creationId xmlns:a16="http://schemas.microsoft.com/office/drawing/2014/main" id="{1148AB63-10CE-A12D-C10C-80C7E6A33439}"/>
+              </a:ext>
+            </a:extLst>
+          </p:cNvPr>
+          <p:cNvSpPr txBox="1"/>
+          <p:nvPr/>
+        </p:nvSpPr>
+        <p:spPr>
+          <a:xfrm>
+            <a:off x="12982354" y="18792895"/>
+            <a:ext cx="1600924" cy="461665"/>
+          </a:xfrm>
+          <a:prstGeom prst="rect">
+            <a:avLst/>
+          </a:prstGeom>
+          <a:noFill/>
+        </p:spPr>
+        <p:txBody>
+          <a:bodyPr wrap="square" rtlCol="0">
+            <a:spAutoFit/>
+          </a:bodyPr>
+          <a:lstStyle/>
+          <a:p>
+            <a:pPr algn="ctr"/>
+            <a:r>
+              <a:rPr lang="en-IE" sz="1200" b="1" dirty="0">
+                <a:latin typeface="Congenial" panose="02000503040000020004" pitchFamily="2" charset="0"/>
+              </a:rPr>
+              <a:t>Core #2 runs hidden program</a:t>
+            </a:r>
+            <a:endParaRPr lang="en-IE" sz="1200" dirty="0">
+              <a:latin typeface="Congenial" panose="02000503040000020004" pitchFamily="2" charset="0"/>
+            </a:endParaRPr>
+          </a:p>
+        </p:txBody>
+      </p:sp>
+      <p:sp>
+        <p:nvSpPr>
+          <p:cNvPr id="102" name="TextBox 101">
+            <a:extLst>
+              <a:ext uri="{FF2B5EF4-FFF2-40B4-BE49-F238E27FC236}">
+                <a16:creationId xmlns:a16="http://schemas.microsoft.com/office/drawing/2014/main" id="{726428DB-54FB-CA8F-8DDF-C1FE0E3C7D4B}"/>
+              </a:ext>
+            </a:extLst>
+          </p:cNvPr>
+          <p:cNvSpPr txBox="1"/>
+          <p:nvPr/>
+        </p:nvSpPr>
+        <p:spPr>
+          <a:xfrm>
+            <a:off x="9483549" y="17979435"/>
+            <a:ext cx="938748" cy="1015663"/>
+          </a:xfrm>
+          <a:prstGeom prst="rect">
+            <a:avLst/>
+          </a:prstGeom>
+          <a:noFill/>
+        </p:spPr>
+        <p:txBody>
+          <a:bodyPr wrap="square" rtlCol="0">
+            <a:spAutoFit/>
+          </a:bodyPr>
+          <a:lstStyle/>
+          <a:p>
+            <a:pPr algn="ctr"/>
+            <a:r>
+              <a:rPr lang="en-IE" sz="1200" b="1" dirty="0">
+                <a:latin typeface="Congenial" panose="02000503040000020004" pitchFamily="2" charset="0"/>
+              </a:rPr>
+              <a:t>User may read memory to view results</a:t>
+            </a:r>
+            <a:endParaRPr lang="en-IE" sz="1200" dirty="0">
+              <a:latin typeface="Congenial" panose="02000503040000020004" pitchFamily="2" charset="0"/>
+            </a:endParaRPr>
+          </a:p>
+        </p:txBody>
+      </p:sp>
     </p:spTree>
     <p:extLst>
       <p:ext uri="{BB962C8B-B14F-4D97-AF65-F5344CB8AC3E}">

--- a/docs/project_poster.pptx
+++ b/docs/project_poster.pptx
@@ -5,9 +5,7 @@
     <p:sldMasterId id="2147483660" r:id="rId1"/>
   </p:sldMasterIdLst>
   <p:sldIdLst>
-    <p:sldId id="256" r:id="rId2"/>
-    <p:sldId id="257" r:id="rId3"/>
-    <p:sldId id="258" r:id="rId4"/>
+    <p:sldId id="258" r:id="rId2"/>
   </p:sldIdLst>
   <p:sldSz cx="15119350" cy="21383625"/>
   <p:notesSz cx="6858000" cy="9144000"/>
@@ -2958,3882 +2956,6 @@
   <p:cSld>
     <p:spTree>
       <p:nvGrpSpPr>
-        <p:cNvPr id="1" name=""/>
-        <p:cNvGrpSpPr/>
-        <p:nvPr/>
-      </p:nvGrpSpPr>
-      <p:grpSpPr>
-        <a:xfrm>
-          <a:off x="0" y="0"/>
-          <a:ext cx="0" cy="0"/>
-          <a:chOff x="0" y="0"/>
-          <a:chExt cx="0" cy="0"/>
-        </a:xfrm>
-      </p:grpSpPr>
-      <p:sp>
-        <p:nvSpPr>
-          <p:cNvPr id="9" name="Rectangle 8">
-            <a:extLst>
-              <a:ext uri="{FF2B5EF4-FFF2-40B4-BE49-F238E27FC236}">
-                <a16:creationId xmlns:a16="http://schemas.microsoft.com/office/drawing/2014/main" id="{6542445C-BFDD-D5CD-778E-83C4965472CE}"/>
-              </a:ext>
-            </a:extLst>
-          </p:cNvPr>
-          <p:cNvSpPr/>
-          <p:nvPr/>
-        </p:nvSpPr>
-        <p:spPr>
-          <a:xfrm rot="10800000">
-            <a:off x="0" y="0"/>
-            <a:ext cx="15131367" cy="21383625"/>
-          </a:xfrm>
-          <a:prstGeom prst="rect">
-            <a:avLst/>
-          </a:prstGeom>
-          <a:ln>
-            <a:noFill/>
-          </a:ln>
-        </p:spPr>
-        <p:style>
-          <a:lnRef idx="1">
-            <a:schemeClr val="dk1"/>
-          </a:lnRef>
-          <a:fillRef idx="2">
-            <a:schemeClr val="dk1"/>
-          </a:fillRef>
-          <a:effectRef idx="1">
-            <a:schemeClr val="dk1"/>
-          </a:effectRef>
-          <a:fontRef idx="minor">
-            <a:schemeClr val="dk1"/>
-          </a:fontRef>
-        </p:style>
-        <p:txBody>
-          <a:bodyPr rtlCol="0" anchor="ctr"/>
-          <a:lstStyle/>
-          <a:p>
-            <a:pPr algn="ctr"/>
-            <a:endParaRPr lang="en-IE"/>
-          </a:p>
-        </p:txBody>
-      </p:sp>
-      <p:sp>
-        <p:nvSpPr>
-          <p:cNvPr id="4" name="Rectangle 3">
-            <a:extLst>
-              <a:ext uri="{FF2B5EF4-FFF2-40B4-BE49-F238E27FC236}">
-                <a16:creationId xmlns:a16="http://schemas.microsoft.com/office/drawing/2014/main" id="{B9664E6F-8F92-235A-3B07-0E17051CDE4B}"/>
-              </a:ext>
-            </a:extLst>
-          </p:cNvPr>
-          <p:cNvSpPr/>
-          <p:nvPr/>
-        </p:nvSpPr>
-        <p:spPr>
-          <a:xfrm>
-            <a:off x="-1" y="1"/>
-            <a:ext cx="15131363" cy="2303998"/>
-          </a:xfrm>
-          <a:prstGeom prst="rect">
-            <a:avLst/>
-          </a:prstGeom>
-        </p:spPr>
-        <p:style>
-          <a:lnRef idx="1">
-            <a:schemeClr val="accent6"/>
-          </a:lnRef>
-          <a:fillRef idx="2">
-            <a:schemeClr val="accent6"/>
-          </a:fillRef>
-          <a:effectRef idx="1">
-            <a:schemeClr val="accent6"/>
-          </a:effectRef>
-          <a:fontRef idx="minor">
-            <a:schemeClr val="dk1"/>
-          </a:fontRef>
-        </p:style>
-        <p:txBody>
-          <a:bodyPr rtlCol="0" anchor="ctr"/>
-          <a:lstStyle/>
-          <a:p>
-            <a:pPr algn="ctr"/>
-            <a:endParaRPr lang="en-IE"/>
-          </a:p>
-        </p:txBody>
-      </p:sp>
-      <p:pic>
-        <p:nvPicPr>
-          <p:cNvPr id="6" name="Picture 5" descr="A purple circle with white text&#10;&#10;Description automatically generated">
-            <a:extLst>
-              <a:ext uri="{FF2B5EF4-FFF2-40B4-BE49-F238E27FC236}">
-                <a16:creationId xmlns:a16="http://schemas.microsoft.com/office/drawing/2014/main" id="{5D5DCB37-C4ED-71C7-311B-A2D599880C60}"/>
-              </a:ext>
-            </a:extLst>
-          </p:cNvPr>
-          <p:cNvPicPr>
-            <a:picLocks noChangeAspect="1"/>
-          </p:cNvPicPr>
-          <p:nvPr/>
-        </p:nvPicPr>
-        <p:blipFill>
-          <a:blip r:embed="rId2">
-            <a:extLst>
-              <a:ext uri="{28A0092B-C50C-407E-A947-70E740481C1C}">
-                <a14:useLocalDpi xmlns:a14="http://schemas.microsoft.com/office/drawing/2010/main" val="0"/>
-              </a:ext>
-            </a:extLst>
-          </a:blip>
-          <a:stretch>
-            <a:fillRect/>
-          </a:stretch>
-        </p:blipFill>
-        <p:spPr>
-          <a:xfrm>
-            <a:off x="278718" y="413621"/>
-            <a:ext cx="3061405" cy="1476756"/>
-          </a:xfrm>
-          <a:prstGeom prst="rect">
-            <a:avLst/>
-          </a:prstGeom>
-        </p:spPr>
-      </p:pic>
-      <p:sp>
-        <p:nvSpPr>
-          <p:cNvPr id="7" name="TextBox 6">
-            <a:extLst>
-              <a:ext uri="{FF2B5EF4-FFF2-40B4-BE49-F238E27FC236}">
-                <a16:creationId xmlns:a16="http://schemas.microsoft.com/office/drawing/2014/main" id="{B2A3D847-6E17-D8D2-A07D-5F24F802CFE2}"/>
-              </a:ext>
-            </a:extLst>
-          </p:cNvPr>
-          <p:cNvSpPr txBox="1"/>
-          <p:nvPr/>
-        </p:nvSpPr>
-        <p:spPr>
-          <a:xfrm>
-            <a:off x="3630858" y="1151999"/>
-            <a:ext cx="11500509" cy="723275"/>
-          </a:xfrm>
-          <a:prstGeom prst="rect">
-            <a:avLst/>
-          </a:prstGeom>
-          <a:noFill/>
-        </p:spPr>
-        <p:txBody>
-          <a:bodyPr wrap="square" rtlCol="0" anchor="ctr">
-            <a:spAutoFit/>
-          </a:bodyPr>
-          <a:lstStyle/>
-          <a:p>
-            <a:r>
-              <a:rPr lang="en-IE" sz="2000" dirty="0">
-                <a:latin typeface="Congenial" panose="020F0502020204030204" pitchFamily="2" charset="0"/>
-              </a:rPr>
-              <a:t>Luke Canny	19339166								Supervisor: Dr. Fearghal Morgan</a:t>
-            </a:r>
-          </a:p>
-          <a:p>
-            <a:r>
-              <a:rPr lang="en-IE" sz="2000" dirty="0">
-                <a:latin typeface="Congenial" panose="020F0502020204030204" pitchFamily="2" charset="0"/>
-              </a:rPr>
-              <a:t>Masters Electronic and Computer Engineering			Co-assessor: Mr Liam Kilmartin</a:t>
-            </a:r>
-          </a:p>
-          <a:p>
-            <a:r>
-              <a:rPr lang="en-IE" sz="100" dirty="0">
-                <a:latin typeface="Congenial" panose="020F0502020204030204" pitchFamily="2" charset="0"/>
-              </a:rPr>
-              <a:t>6</a:t>
-            </a:r>
-          </a:p>
-        </p:txBody>
-      </p:sp>
-      <p:sp>
-        <p:nvSpPr>
-          <p:cNvPr id="8" name="TextBox 7">
-            <a:extLst>
-              <a:ext uri="{FF2B5EF4-FFF2-40B4-BE49-F238E27FC236}">
-                <a16:creationId xmlns:a16="http://schemas.microsoft.com/office/drawing/2014/main" id="{160F479A-3599-FA10-0CBA-A4FDBDA8424B}"/>
-              </a:ext>
-            </a:extLst>
-          </p:cNvPr>
-          <p:cNvSpPr txBox="1"/>
-          <p:nvPr/>
-        </p:nvSpPr>
-        <p:spPr>
-          <a:xfrm>
-            <a:off x="3630857" y="444113"/>
-            <a:ext cx="11500509" cy="707886"/>
-          </a:xfrm>
-          <a:prstGeom prst="rect">
-            <a:avLst/>
-          </a:prstGeom>
-          <a:noFill/>
-        </p:spPr>
-        <p:txBody>
-          <a:bodyPr wrap="square" rtlCol="0" anchor="ctr">
-            <a:spAutoFit/>
-          </a:bodyPr>
-          <a:lstStyle/>
-          <a:p>
-            <a:r>
-              <a:rPr lang="en-IE" sz="4000" b="1" dirty="0">
-                <a:latin typeface="Congenial Black" panose="02000503040000020004" pitchFamily="2" charset="0"/>
-              </a:rPr>
-              <a:t>PYNQ Automated System-on-Chip Builder</a:t>
-            </a:r>
-          </a:p>
-        </p:txBody>
-      </p:sp>
-      <p:sp>
-        <p:nvSpPr>
-          <p:cNvPr id="11" name="TextBox 10">
-            <a:extLst>
-              <a:ext uri="{FF2B5EF4-FFF2-40B4-BE49-F238E27FC236}">
-                <a16:creationId xmlns:a16="http://schemas.microsoft.com/office/drawing/2014/main" id="{A6776DC2-54A3-2F25-A655-421FDFB00AAB}"/>
-              </a:ext>
-            </a:extLst>
-          </p:cNvPr>
-          <p:cNvSpPr txBox="1"/>
-          <p:nvPr/>
-        </p:nvSpPr>
-        <p:spPr>
-          <a:xfrm>
-            <a:off x="193759" y="2550219"/>
-            <a:ext cx="7184172" cy="461665"/>
-          </a:xfrm>
-          <a:prstGeom prst="rect">
-            <a:avLst/>
-          </a:prstGeom>
-        </p:spPr>
-        <p:style>
-          <a:lnRef idx="1">
-            <a:schemeClr val="accent5"/>
-          </a:lnRef>
-          <a:fillRef idx="2">
-            <a:schemeClr val="accent5"/>
-          </a:fillRef>
-          <a:effectRef idx="1">
-            <a:schemeClr val="accent5"/>
-          </a:effectRef>
-          <a:fontRef idx="minor">
-            <a:schemeClr val="dk1"/>
-          </a:fontRef>
-        </p:style>
-        <p:txBody>
-          <a:bodyPr wrap="square" rtlCol="0">
-            <a:spAutoFit/>
-          </a:bodyPr>
-          <a:lstStyle/>
-          <a:p>
-            <a:pPr algn="ctr"/>
-            <a:r>
-              <a:rPr lang="en-IE" sz="2400" dirty="0">
-                <a:latin typeface="Congenial Black" panose="020F0502020204030204" pitchFamily="2" charset="0"/>
-              </a:rPr>
-              <a:t>Project Objectives </a:t>
-            </a:r>
-          </a:p>
-        </p:txBody>
-      </p:sp>
-      <p:sp>
-        <p:nvSpPr>
-          <p:cNvPr id="12" name="Rectangle 11">
-            <a:extLst>
-              <a:ext uri="{FF2B5EF4-FFF2-40B4-BE49-F238E27FC236}">
-                <a16:creationId xmlns:a16="http://schemas.microsoft.com/office/drawing/2014/main" id="{407B07B2-DF35-93CD-6C6A-734BA50D432C}"/>
-              </a:ext>
-            </a:extLst>
-          </p:cNvPr>
-          <p:cNvSpPr/>
-          <p:nvPr/>
-        </p:nvSpPr>
-        <p:spPr>
-          <a:xfrm>
-            <a:off x="181745" y="3011885"/>
-            <a:ext cx="7196186" cy="1715272"/>
-          </a:xfrm>
-          <a:prstGeom prst="rect">
-            <a:avLst/>
-          </a:prstGeom>
-          <a:ln>
-            <a:solidFill>
-              <a:schemeClr val="accent5"/>
-            </a:solidFill>
-          </a:ln>
-        </p:spPr>
-        <p:style>
-          <a:lnRef idx="2">
-            <a:schemeClr val="accent1">
-              <a:shade val="15000"/>
-            </a:schemeClr>
-          </a:lnRef>
-          <a:fillRef idx="1003">
-            <a:schemeClr val="lt2"/>
-          </a:fillRef>
-          <a:effectRef idx="0">
-            <a:schemeClr val="accent1"/>
-          </a:effectRef>
-          <a:fontRef idx="minor">
-            <a:schemeClr val="lt1"/>
-          </a:fontRef>
-        </p:style>
-        <p:txBody>
-          <a:bodyPr rtlCol="0" anchor="t"/>
-          <a:lstStyle/>
-          <a:p>
-            <a:r>
-              <a:rPr lang="en-IE" dirty="0">
-                <a:solidFill>
-                  <a:schemeClr val="tx1"/>
-                </a:solidFill>
-                <a:latin typeface="Congenial" panose="02000503040000020004" pitchFamily="2" charset="0"/>
-              </a:rPr>
-              <a:t>The aim of this project is to:</a:t>
-            </a:r>
-          </a:p>
-          <a:p>
-            <a:pPr marL="285750" indent="-285750">
-              <a:buFont typeface="Arial" panose="020B0604020202020204" pitchFamily="34" charset="0"/>
-              <a:buChar char="•"/>
-            </a:pPr>
-            <a:r>
-              <a:rPr lang="en-IE" dirty="0">
-                <a:solidFill>
-                  <a:schemeClr val="tx1"/>
-                </a:solidFill>
-                <a:latin typeface="Congenial" panose="02000503040000020004" pitchFamily="2" charset="0"/>
-              </a:rPr>
-              <a:t>Create a remote PYNQ laboratory for students</a:t>
-            </a:r>
-          </a:p>
-          <a:p>
-            <a:pPr marL="285750" indent="-285750">
-              <a:buFont typeface="Arial" panose="020B0604020202020204" pitchFamily="34" charset="0"/>
-              <a:buChar char="•"/>
-            </a:pPr>
-            <a:r>
-              <a:rPr lang="en-IE" dirty="0">
-                <a:solidFill>
-                  <a:schemeClr val="tx1"/>
-                </a:solidFill>
-                <a:latin typeface="Congenial" panose="02000503040000020004" pitchFamily="2" charset="0"/>
-              </a:rPr>
-              <a:t>Extend the functionality of </a:t>
-            </a:r>
-            <a:r>
-              <a:rPr lang="en-IE" dirty="0" err="1">
-                <a:solidFill>
-                  <a:schemeClr val="tx1"/>
-                </a:solidFill>
-                <a:latin typeface="Congenial" panose="02000503040000020004" pitchFamily="2" charset="0"/>
-              </a:rPr>
-              <a:t>HDLGen</a:t>
-            </a:r>
-            <a:r>
-              <a:rPr lang="en-IE" dirty="0">
-                <a:solidFill>
-                  <a:schemeClr val="tx1"/>
-                </a:solidFill>
-                <a:latin typeface="Congenial" panose="02000503040000020004" pitchFamily="2" charset="0"/>
-              </a:rPr>
-              <a:t>-ChatGPT to automatically deploy projects to PYNQ-Z2 FPGAs</a:t>
-            </a:r>
-          </a:p>
-          <a:p>
-            <a:pPr marL="285750" indent="-285750">
-              <a:buFont typeface="Arial" panose="020B0604020202020204" pitchFamily="34" charset="0"/>
-              <a:buChar char="•"/>
-            </a:pPr>
-            <a:r>
-              <a:rPr lang="en-IE" dirty="0">
-                <a:solidFill>
-                  <a:schemeClr val="tx1"/>
-                </a:solidFill>
-                <a:latin typeface="Congenial" panose="02000503040000020004" pitchFamily="2" charset="0"/>
-              </a:rPr>
-              <a:t>Develop an interactive challenge-based RISC-V learning platform</a:t>
-            </a:r>
-          </a:p>
-        </p:txBody>
-      </p:sp>
-      <p:sp>
-        <p:nvSpPr>
-          <p:cNvPr id="13" name="TextBox 12">
-            <a:extLst>
-              <a:ext uri="{FF2B5EF4-FFF2-40B4-BE49-F238E27FC236}">
-                <a16:creationId xmlns:a16="http://schemas.microsoft.com/office/drawing/2014/main" id="{50D22305-1519-6D45-F4D9-4C0441D385F8}"/>
-              </a:ext>
-            </a:extLst>
-          </p:cNvPr>
-          <p:cNvSpPr txBox="1"/>
-          <p:nvPr/>
-        </p:nvSpPr>
-        <p:spPr>
-          <a:xfrm>
-            <a:off x="7741419" y="19669979"/>
-            <a:ext cx="7192987" cy="461665"/>
-          </a:xfrm>
-          <a:prstGeom prst="rect">
-            <a:avLst/>
-          </a:prstGeom>
-          <a:ln/>
-        </p:spPr>
-        <p:style>
-          <a:lnRef idx="1">
-            <a:schemeClr val="accent2"/>
-          </a:lnRef>
-          <a:fillRef idx="2">
-            <a:schemeClr val="accent2"/>
-          </a:fillRef>
-          <a:effectRef idx="1">
-            <a:schemeClr val="accent2"/>
-          </a:effectRef>
-          <a:fontRef idx="minor">
-            <a:schemeClr val="dk1"/>
-          </a:fontRef>
-        </p:style>
-        <p:txBody>
-          <a:bodyPr wrap="square" rtlCol="0">
-            <a:spAutoFit/>
-          </a:bodyPr>
-          <a:lstStyle/>
-          <a:p>
-            <a:pPr algn="ctr"/>
-            <a:r>
-              <a:rPr lang="en-IE" sz="2400" dirty="0">
-                <a:latin typeface="Congenial Black" panose="020F0502020204030204" pitchFamily="2" charset="0"/>
-              </a:rPr>
-              <a:t>Acknowledgements</a:t>
-            </a:r>
-          </a:p>
-        </p:txBody>
-      </p:sp>
-      <p:sp>
-        <p:nvSpPr>
-          <p:cNvPr id="14" name="Rectangle 13">
-            <a:extLst>
-              <a:ext uri="{FF2B5EF4-FFF2-40B4-BE49-F238E27FC236}">
-                <a16:creationId xmlns:a16="http://schemas.microsoft.com/office/drawing/2014/main" id="{0AC2AF1D-D453-AAA4-2555-4741774AAAD6}"/>
-              </a:ext>
-            </a:extLst>
-          </p:cNvPr>
-          <p:cNvSpPr/>
-          <p:nvPr/>
-        </p:nvSpPr>
-        <p:spPr>
-          <a:xfrm>
-            <a:off x="7741419" y="20131645"/>
-            <a:ext cx="7192987" cy="1023020"/>
-          </a:xfrm>
-          <a:prstGeom prst="rect">
-            <a:avLst/>
-          </a:prstGeom>
-          <a:ln>
-            <a:solidFill>
-              <a:schemeClr val="accent2"/>
-            </a:solidFill>
-          </a:ln>
-        </p:spPr>
-        <p:style>
-          <a:lnRef idx="2">
-            <a:schemeClr val="accent1">
-              <a:shade val="15000"/>
-            </a:schemeClr>
-          </a:lnRef>
-          <a:fillRef idx="1003">
-            <a:schemeClr val="lt2"/>
-          </a:fillRef>
-          <a:effectRef idx="0">
-            <a:schemeClr val="accent1"/>
-          </a:effectRef>
-          <a:fontRef idx="minor">
-            <a:schemeClr val="lt1"/>
-          </a:fontRef>
-        </p:style>
-        <p:txBody>
-          <a:bodyPr rtlCol="0" anchor="t"/>
-          <a:lstStyle/>
-          <a:p>
-            <a:r>
-              <a:rPr lang="en-IE" dirty="0">
-                <a:solidFill>
-                  <a:schemeClr val="tx1"/>
-                </a:solidFill>
-                <a:latin typeface="Congenial" panose="02000503040000020004" pitchFamily="2" charset="0"/>
-              </a:rPr>
-              <a:t>I would like to thank Dr. Fearghal Morgan for his support and guidance, and Roshan George, JP Byrne and Abishek Bupathi for their previous work on HDLGen-ChatGPT, PYNQ and RISC-V.</a:t>
-            </a:r>
-          </a:p>
-        </p:txBody>
-      </p:sp>
-      <p:sp>
-        <p:nvSpPr>
-          <p:cNvPr id="15" name="TextBox 14">
-            <a:extLst>
-              <a:ext uri="{FF2B5EF4-FFF2-40B4-BE49-F238E27FC236}">
-                <a16:creationId xmlns:a16="http://schemas.microsoft.com/office/drawing/2014/main" id="{16668C79-2DD9-05D9-9506-32EE14716C53}"/>
-              </a:ext>
-            </a:extLst>
-          </p:cNvPr>
-          <p:cNvSpPr txBox="1"/>
-          <p:nvPr/>
-        </p:nvSpPr>
-        <p:spPr>
-          <a:xfrm>
-            <a:off x="7741419" y="17262210"/>
-            <a:ext cx="7196186" cy="461665"/>
-          </a:xfrm>
-          <a:prstGeom prst="rect">
-            <a:avLst/>
-          </a:prstGeom>
-        </p:spPr>
-        <p:style>
-          <a:lnRef idx="1">
-            <a:schemeClr val="accent2"/>
-          </a:lnRef>
-          <a:fillRef idx="2">
-            <a:schemeClr val="accent2"/>
-          </a:fillRef>
-          <a:effectRef idx="1">
-            <a:schemeClr val="accent2"/>
-          </a:effectRef>
-          <a:fontRef idx="minor">
-            <a:schemeClr val="dk1"/>
-          </a:fontRef>
-        </p:style>
-        <p:txBody>
-          <a:bodyPr wrap="square" rtlCol="0">
-            <a:spAutoFit/>
-          </a:bodyPr>
-          <a:lstStyle/>
-          <a:p>
-            <a:pPr algn="ctr"/>
-            <a:r>
-              <a:rPr lang="en-IE" sz="2400" dirty="0">
-                <a:latin typeface="Congenial Black" panose="020F0502020204030204" pitchFamily="2" charset="0"/>
-              </a:rPr>
-              <a:t>Future Work</a:t>
-            </a:r>
-          </a:p>
-        </p:txBody>
-      </p:sp>
-      <p:sp>
-        <p:nvSpPr>
-          <p:cNvPr id="16" name="Rectangle 15">
-            <a:extLst>
-              <a:ext uri="{FF2B5EF4-FFF2-40B4-BE49-F238E27FC236}">
-                <a16:creationId xmlns:a16="http://schemas.microsoft.com/office/drawing/2014/main" id="{80E8FACA-4F2B-CE1A-C5F0-F555B01E9C58}"/>
-              </a:ext>
-            </a:extLst>
-          </p:cNvPr>
-          <p:cNvSpPr/>
-          <p:nvPr/>
-        </p:nvSpPr>
-        <p:spPr>
-          <a:xfrm>
-            <a:off x="7741419" y="17723875"/>
-            <a:ext cx="7196186" cy="1715272"/>
-          </a:xfrm>
-          <a:prstGeom prst="rect">
-            <a:avLst/>
-          </a:prstGeom>
-          <a:ln>
-            <a:solidFill>
-              <a:schemeClr val="accent2"/>
-            </a:solidFill>
-          </a:ln>
-        </p:spPr>
-        <p:style>
-          <a:lnRef idx="2">
-            <a:schemeClr val="accent1">
-              <a:shade val="15000"/>
-            </a:schemeClr>
-          </a:lnRef>
-          <a:fillRef idx="1003">
-            <a:schemeClr val="lt2"/>
-          </a:fillRef>
-          <a:effectRef idx="0">
-            <a:schemeClr val="accent1"/>
-          </a:effectRef>
-          <a:fontRef idx="minor">
-            <a:schemeClr val="lt1"/>
-          </a:fontRef>
-        </p:style>
-        <p:txBody>
-          <a:bodyPr rtlCol="0" anchor="t"/>
-          <a:lstStyle/>
-          <a:p>
-            <a:endParaRPr lang="en-IE" dirty="0">
-              <a:solidFill>
-                <a:schemeClr val="tx1"/>
-              </a:solidFill>
-              <a:latin typeface="Congenial" panose="02000503040000020004" pitchFamily="2" charset="0"/>
-            </a:endParaRPr>
-          </a:p>
-        </p:txBody>
-      </p:sp>
-      <p:sp>
-        <p:nvSpPr>
-          <p:cNvPr id="27" name="TextBox 26">
-            <a:extLst>
-              <a:ext uri="{FF2B5EF4-FFF2-40B4-BE49-F238E27FC236}">
-                <a16:creationId xmlns:a16="http://schemas.microsoft.com/office/drawing/2014/main" id="{AE872863-BDF0-F666-696A-A0347D5CC4DA}"/>
-              </a:ext>
-            </a:extLst>
-          </p:cNvPr>
-          <p:cNvSpPr txBox="1"/>
-          <p:nvPr/>
-        </p:nvSpPr>
-        <p:spPr>
-          <a:xfrm>
-            <a:off x="205773" y="4973377"/>
-            <a:ext cx="7184172" cy="461665"/>
-          </a:xfrm>
-          <a:prstGeom prst="rect">
-            <a:avLst/>
-          </a:prstGeom>
-          <a:ln/>
-        </p:spPr>
-        <p:style>
-          <a:lnRef idx="1">
-            <a:schemeClr val="accent5"/>
-          </a:lnRef>
-          <a:fillRef idx="2">
-            <a:schemeClr val="accent5"/>
-          </a:fillRef>
-          <a:effectRef idx="1">
-            <a:schemeClr val="accent5"/>
-          </a:effectRef>
-          <a:fontRef idx="minor">
-            <a:schemeClr val="dk1"/>
-          </a:fontRef>
-        </p:style>
-        <p:txBody>
-          <a:bodyPr wrap="square" rtlCol="0">
-            <a:spAutoFit/>
-          </a:bodyPr>
-          <a:lstStyle/>
-          <a:p>
-            <a:pPr algn="ctr"/>
-            <a:r>
-              <a:rPr lang="en-IE" sz="2400" dirty="0">
-                <a:latin typeface="Congenial Black" panose="020F0502020204030204" pitchFamily="2" charset="0"/>
-              </a:rPr>
-              <a:t>Project Overview</a:t>
-            </a:r>
-          </a:p>
-        </p:txBody>
-      </p:sp>
-      <p:sp>
-        <p:nvSpPr>
-          <p:cNvPr id="28" name="Rectangle 27">
-            <a:extLst>
-              <a:ext uri="{FF2B5EF4-FFF2-40B4-BE49-F238E27FC236}">
-                <a16:creationId xmlns:a16="http://schemas.microsoft.com/office/drawing/2014/main" id="{1ECCAA71-903E-0B00-EB76-A2AE59E13326}"/>
-              </a:ext>
-            </a:extLst>
-          </p:cNvPr>
-          <p:cNvSpPr/>
-          <p:nvPr/>
-        </p:nvSpPr>
-        <p:spPr>
-          <a:xfrm>
-            <a:off x="193759" y="5435043"/>
-            <a:ext cx="7196186" cy="1715272"/>
-          </a:xfrm>
-          <a:prstGeom prst="rect">
-            <a:avLst/>
-          </a:prstGeom>
-          <a:ln>
-            <a:solidFill>
-              <a:schemeClr val="accent5"/>
-            </a:solidFill>
-          </a:ln>
-        </p:spPr>
-        <p:style>
-          <a:lnRef idx="2">
-            <a:schemeClr val="accent1">
-              <a:shade val="15000"/>
-            </a:schemeClr>
-          </a:lnRef>
-          <a:fillRef idx="1003">
-            <a:schemeClr val="lt2"/>
-          </a:fillRef>
-          <a:effectRef idx="0">
-            <a:schemeClr val="accent1"/>
-          </a:effectRef>
-          <a:fontRef idx="minor">
-            <a:schemeClr val="lt1"/>
-          </a:fontRef>
-        </p:style>
-        <p:txBody>
-          <a:bodyPr rtlCol="0" anchor="t"/>
-          <a:lstStyle/>
-          <a:p>
-            <a:r>
-              <a:rPr lang="en-IE" dirty="0">
-                <a:solidFill>
-                  <a:schemeClr val="tx1"/>
-                </a:solidFill>
-                <a:latin typeface="Congenial" panose="02000503040000020004" pitchFamily="2" charset="0"/>
-              </a:rPr>
-              <a:t>This section will either be connected to the objectives section above or added more information :&gt;</a:t>
-            </a:r>
-          </a:p>
-        </p:txBody>
-      </p:sp>
-      <p:sp>
-        <p:nvSpPr>
-          <p:cNvPr id="29" name="TextBox 28">
-            <a:extLst>
-              <a:ext uri="{FF2B5EF4-FFF2-40B4-BE49-F238E27FC236}">
-                <a16:creationId xmlns:a16="http://schemas.microsoft.com/office/drawing/2014/main" id="{CE0B945C-1461-0A5B-C223-D19030BC7445}"/>
-              </a:ext>
-            </a:extLst>
-          </p:cNvPr>
-          <p:cNvSpPr txBox="1"/>
-          <p:nvPr/>
-        </p:nvSpPr>
-        <p:spPr>
-          <a:xfrm>
-            <a:off x="7731894" y="2565606"/>
-            <a:ext cx="7215213" cy="461665"/>
-          </a:xfrm>
-          <a:prstGeom prst="rect">
-            <a:avLst/>
-          </a:prstGeom>
-          <a:ln/>
-        </p:spPr>
-        <p:style>
-          <a:lnRef idx="1">
-            <a:schemeClr val="accent4"/>
-          </a:lnRef>
-          <a:fillRef idx="2">
-            <a:schemeClr val="accent4"/>
-          </a:fillRef>
-          <a:effectRef idx="1">
-            <a:schemeClr val="accent4"/>
-          </a:effectRef>
-          <a:fontRef idx="minor">
-            <a:schemeClr val="dk1"/>
-          </a:fontRef>
-        </p:style>
-        <p:txBody>
-          <a:bodyPr wrap="square" rtlCol="0">
-            <a:spAutoFit/>
-          </a:bodyPr>
-          <a:lstStyle/>
-          <a:p>
-            <a:pPr algn="ctr"/>
-            <a:r>
-              <a:rPr lang="en-IE" sz="2400" dirty="0">
-                <a:latin typeface="Congenial Black" panose="020F0502020204030204" pitchFamily="2" charset="0"/>
-              </a:rPr>
-              <a:t>PYNQ SoC Builder</a:t>
-            </a:r>
-          </a:p>
-        </p:txBody>
-      </p:sp>
-      <p:sp>
-        <p:nvSpPr>
-          <p:cNvPr id="30" name="Rectangle 29">
-            <a:extLst>
-              <a:ext uri="{FF2B5EF4-FFF2-40B4-BE49-F238E27FC236}">
-                <a16:creationId xmlns:a16="http://schemas.microsoft.com/office/drawing/2014/main" id="{9B60DDE6-9D38-5A81-5C49-84ED0769042D}"/>
-              </a:ext>
-            </a:extLst>
-          </p:cNvPr>
-          <p:cNvSpPr/>
-          <p:nvPr/>
-        </p:nvSpPr>
-        <p:spPr>
-          <a:xfrm>
-            <a:off x="7746170" y="3027271"/>
-            <a:ext cx="7196186" cy="14004099"/>
-          </a:xfrm>
-          <a:prstGeom prst="rect">
-            <a:avLst/>
-          </a:prstGeom>
-          <a:ln>
-            <a:solidFill>
-              <a:schemeClr val="accent4"/>
-            </a:solidFill>
-          </a:ln>
-        </p:spPr>
-        <p:style>
-          <a:lnRef idx="2">
-            <a:schemeClr val="accent1">
-              <a:shade val="15000"/>
-            </a:schemeClr>
-          </a:lnRef>
-          <a:fillRef idx="1003">
-            <a:schemeClr val="lt2"/>
-          </a:fillRef>
-          <a:effectRef idx="0">
-            <a:schemeClr val="accent1"/>
-          </a:effectRef>
-          <a:fontRef idx="minor">
-            <a:schemeClr val="lt1"/>
-          </a:fontRef>
-        </p:style>
-        <p:txBody>
-          <a:bodyPr rtlCol="0" anchor="t"/>
-          <a:lstStyle/>
-          <a:p>
-            <a:r>
-              <a:rPr lang="en-IE" dirty="0">
-                <a:solidFill>
-                  <a:schemeClr val="tx1"/>
-                </a:solidFill>
-                <a:latin typeface="Congenial" panose="02000503040000020004" pitchFamily="2" charset="0"/>
-              </a:rPr>
-              <a:t>PYNQ SoC Builder</a:t>
-            </a:r>
-          </a:p>
-        </p:txBody>
-      </p:sp>
-      <p:sp>
-        <p:nvSpPr>
-          <p:cNvPr id="31" name="TextBox 30">
-            <a:extLst>
-              <a:ext uri="{FF2B5EF4-FFF2-40B4-BE49-F238E27FC236}">
-                <a16:creationId xmlns:a16="http://schemas.microsoft.com/office/drawing/2014/main" id="{246F7E49-A33E-0EF9-8C4B-55C4664C94CF}"/>
-              </a:ext>
-            </a:extLst>
-          </p:cNvPr>
-          <p:cNvSpPr txBox="1"/>
-          <p:nvPr/>
-        </p:nvSpPr>
-        <p:spPr>
-          <a:xfrm>
-            <a:off x="191497" y="7396536"/>
-            <a:ext cx="7215213" cy="461665"/>
-          </a:xfrm>
-          <a:prstGeom prst="rect">
-            <a:avLst/>
-          </a:prstGeom>
-          <a:ln/>
-        </p:spPr>
-        <p:style>
-          <a:lnRef idx="1">
-            <a:schemeClr val="accent4"/>
-          </a:lnRef>
-          <a:fillRef idx="2">
-            <a:schemeClr val="accent4"/>
-          </a:fillRef>
-          <a:effectRef idx="1">
-            <a:schemeClr val="accent4"/>
-          </a:effectRef>
-          <a:fontRef idx="minor">
-            <a:schemeClr val="dk1"/>
-          </a:fontRef>
-        </p:style>
-        <p:txBody>
-          <a:bodyPr wrap="square" rtlCol="0">
-            <a:spAutoFit/>
-          </a:bodyPr>
-          <a:lstStyle/>
-          <a:p>
-            <a:pPr algn="ctr"/>
-            <a:r>
-              <a:rPr lang="en-IE" sz="2400" dirty="0">
-                <a:latin typeface="Congenial Black" panose="020F0502020204030204" pitchFamily="2" charset="0"/>
-              </a:rPr>
-              <a:t>Remote PYNQ FPGA Laboratory</a:t>
-            </a:r>
-          </a:p>
-        </p:txBody>
-      </p:sp>
-      <p:sp>
-        <p:nvSpPr>
-          <p:cNvPr id="32" name="Rectangle 31">
-            <a:extLst>
-              <a:ext uri="{FF2B5EF4-FFF2-40B4-BE49-F238E27FC236}">
-                <a16:creationId xmlns:a16="http://schemas.microsoft.com/office/drawing/2014/main" id="{7197CF35-5B3C-F1BB-0701-3780EBDD8B59}"/>
-              </a:ext>
-            </a:extLst>
-          </p:cNvPr>
-          <p:cNvSpPr/>
-          <p:nvPr/>
-        </p:nvSpPr>
-        <p:spPr>
-          <a:xfrm>
-            <a:off x="205773" y="7858201"/>
-            <a:ext cx="7196186" cy="6341437"/>
-          </a:xfrm>
-          <a:prstGeom prst="rect">
-            <a:avLst/>
-          </a:prstGeom>
-          <a:ln>
-            <a:solidFill>
-              <a:schemeClr val="accent4"/>
-            </a:solidFill>
-          </a:ln>
-        </p:spPr>
-        <p:style>
-          <a:lnRef idx="2">
-            <a:schemeClr val="accent1">
-              <a:shade val="15000"/>
-            </a:schemeClr>
-          </a:lnRef>
-          <a:fillRef idx="1003">
-            <a:schemeClr val="lt2"/>
-          </a:fillRef>
-          <a:effectRef idx="0">
-            <a:schemeClr val="accent1"/>
-          </a:effectRef>
-          <a:fontRef idx="minor">
-            <a:schemeClr val="lt1"/>
-          </a:fontRef>
-        </p:style>
-        <p:txBody>
-          <a:bodyPr rtlCol="0" anchor="t"/>
-          <a:lstStyle/>
-          <a:p>
-            <a:r>
-              <a:rPr lang="en-IE" dirty="0">
-                <a:solidFill>
-                  <a:schemeClr val="tx1"/>
-                </a:solidFill>
-                <a:latin typeface="Congenial" panose="02000503040000020004" pitchFamily="2" charset="0"/>
-              </a:rPr>
-              <a:t>Remote PYNQ FPGA Laboratory</a:t>
-            </a:r>
-          </a:p>
-        </p:txBody>
-      </p:sp>
-      <p:sp>
-        <p:nvSpPr>
-          <p:cNvPr id="33" name="TextBox 32">
-            <a:extLst>
-              <a:ext uri="{FF2B5EF4-FFF2-40B4-BE49-F238E27FC236}">
-                <a16:creationId xmlns:a16="http://schemas.microsoft.com/office/drawing/2014/main" id="{F8696CE3-ABA1-8591-9E11-67162BF0FDF6}"/>
-              </a:ext>
-            </a:extLst>
-          </p:cNvPr>
-          <p:cNvSpPr txBox="1"/>
-          <p:nvPr/>
-        </p:nvSpPr>
-        <p:spPr>
-          <a:xfrm>
-            <a:off x="176995" y="14428598"/>
-            <a:ext cx="7196186" cy="461665"/>
-          </a:xfrm>
-          <a:prstGeom prst="rect">
-            <a:avLst/>
-          </a:prstGeom>
-          <a:ln/>
-        </p:spPr>
-        <p:style>
-          <a:lnRef idx="1">
-            <a:schemeClr val="accent4"/>
-          </a:lnRef>
-          <a:fillRef idx="2">
-            <a:schemeClr val="accent4"/>
-          </a:fillRef>
-          <a:effectRef idx="1">
-            <a:schemeClr val="accent4"/>
-          </a:effectRef>
-          <a:fontRef idx="minor">
-            <a:schemeClr val="dk1"/>
-          </a:fontRef>
-        </p:style>
-        <p:txBody>
-          <a:bodyPr wrap="square" rtlCol="0">
-            <a:spAutoFit/>
-          </a:bodyPr>
-          <a:lstStyle/>
-          <a:p>
-            <a:pPr algn="ctr"/>
-            <a:r>
-              <a:rPr lang="en-IE" sz="2400" dirty="0">
-                <a:latin typeface="Congenial Black" panose="020F0502020204030204" pitchFamily="2" charset="0"/>
-              </a:rPr>
-              <a:t>RISC-V Challenge-Based Learning Platform</a:t>
-            </a:r>
-          </a:p>
-        </p:txBody>
-      </p:sp>
-      <p:sp>
-        <p:nvSpPr>
-          <p:cNvPr id="34" name="Rectangle 33">
-            <a:extLst>
-              <a:ext uri="{FF2B5EF4-FFF2-40B4-BE49-F238E27FC236}">
-                <a16:creationId xmlns:a16="http://schemas.microsoft.com/office/drawing/2014/main" id="{F6B96D29-C6D1-D947-8337-FEFF9A7CA780}"/>
-              </a:ext>
-            </a:extLst>
-          </p:cNvPr>
-          <p:cNvSpPr/>
-          <p:nvPr/>
-        </p:nvSpPr>
-        <p:spPr>
-          <a:xfrm>
-            <a:off x="184944" y="14890264"/>
-            <a:ext cx="7196186" cy="6264402"/>
-          </a:xfrm>
-          <a:prstGeom prst="rect">
-            <a:avLst/>
-          </a:prstGeom>
-          <a:ln>
-            <a:solidFill>
-              <a:schemeClr val="accent4"/>
-            </a:solidFill>
-          </a:ln>
-        </p:spPr>
-        <p:style>
-          <a:lnRef idx="2">
-            <a:schemeClr val="accent1">
-              <a:shade val="15000"/>
-            </a:schemeClr>
-          </a:lnRef>
-          <a:fillRef idx="1003">
-            <a:schemeClr val="lt2"/>
-          </a:fillRef>
-          <a:effectRef idx="0">
-            <a:schemeClr val="accent1"/>
-          </a:effectRef>
-          <a:fontRef idx="minor">
-            <a:schemeClr val="lt1"/>
-          </a:fontRef>
-        </p:style>
-        <p:txBody>
-          <a:bodyPr rtlCol="0" anchor="t"/>
-          <a:lstStyle/>
-          <a:p>
-            <a:r>
-              <a:rPr lang="en-IE" dirty="0">
-                <a:solidFill>
-                  <a:schemeClr val="tx1"/>
-                </a:solidFill>
-                <a:latin typeface="Congenial" panose="02000503040000020004" pitchFamily="2" charset="0"/>
-              </a:rPr>
-              <a:t>This section will either be connected to the objectives section above or added more information :&gt;</a:t>
-            </a:r>
-          </a:p>
-        </p:txBody>
-      </p:sp>
-    </p:spTree>
-    <p:extLst>
-      <p:ext uri="{BB962C8B-B14F-4D97-AF65-F5344CB8AC3E}">
-        <p14:creationId xmlns:p14="http://schemas.microsoft.com/office/powerpoint/2010/main" val="459199170"/>
-      </p:ext>
-    </p:extLst>
-  </p:cSld>
-  <p:clrMapOvr>
-    <a:masterClrMapping/>
-  </p:clrMapOvr>
-</p:sld>
-</file>
-
-<file path=ppt/slides/slide2.xml><?xml version="1.0" encoding="utf-8"?>
-<p:sld xmlns:a="http://schemas.openxmlformats.org/drawingml/2006/main" xmlns:r="http://schemas.openxmlformats.org/officeDocument/2006/relationships" xmlns:p="http://schemas.openxmlformats.org/presentationml/2006/main">
-  <p:cSld>
-    <p:spTree>
-      <p:nvGrpSpPr>
-        <p:cNvPr id="1" name="">
-          <a:extLst>
-            <a:ext uri="{FF2B5EF4-FFF2-40B4-BE49-F238E27FC236}">
-              <a16:creationId xmlns:a16="http://schemas.microsoft.com/office/drawing/2014/main" id="{3DB12DE1-0C34-2A31-BD32-DAAD6A05FB80}"/>
-            </a:ext>
-          </a:extLst>
-        </p:cNvPr>
-        <p:cNvGrpSpPr/>
-        <p:nvPr/>
-      </p:nvGrpSpPr>
-      <p:grpSpPr>
-        <a:xfrm>
-          <a:off x="0" y="0"/>
-          <a:ext cx="0" cy="0"/>
-          <a:chOff x="0" y="0"/>
-          <a:chExt cx="0" cy="0"/>
-        </a:xfrm>
-      </p:grpSpPr>
-      <p:sp>
-        <p:nvSpPr>
-          <p:cNvPr id="9" name="Rectangle 8">
-            <a:extLst>
-              <a:ext uri="{FF2B5EF4-FFF2-40B4-BE49-F238E27FC236}">
-                <a16:creationId xmlns:a16="http://schemas.microsoft.com/office/drawing/2014/main" id="{1ADC4BB6-2222-994D-7B3F-81C8E94B0723}"/>
-              </a:ext>
-            </a:extLst>
-          </p:cNvPr>
-          <p:cNvSpPr/>
-          <p:nvPr/>
-        </p:nvSpPr>
-        <p:spPr>
-          <a:xfrm rot="10800000">
-            <a:off x="0" y="0"/>
-            <a:ext cx="15131367" cy="21383625"/>
-          </a:xfrm>
-          <a:prstGeom prst="rect">
-            <a:avLst/>
-          </a:prstGeom>
-          <a:ln>
-            <a:noFill/>
-          </a:ln>
-        </p:spPr>
-        <p:style>
-          <a:lnRef idx="1">
-            <a:schemeClr val="dk1"/>
-          </a:lnRef>
-          <a:fillRef idx="2">
-            <a:schemeClr val="dk1"/>
-          </a:fillRef>
-          <a:effectRef idx="1">
-            <a:schemeClr val="dk1"/>
-          </a:effectRef>
-          <a:fontRef idx="minor">
-            <a:schemeClr val="dk1"/>
-          </a:fontRef>
-        </p:style>
-        <p:txBody>
-          <a:bodyPr rtlCol="0" anchor="ctr"/>
-          <a:lstStyle/>
-          <a:p>
-            <a:pPr algn="ctr"/>
-            <a:endParaRPr lang="en-IE"/>
-          </a:p>
-        </p:txBody>
-      </p:sp>
-      <p:sp>
-        <p:nvSpPr>
-          <p:cNvPr id="4" name="Rectangle 3">
-            <a:extLst>
-              <a:ext uri="{FF2B5EF4-FFF2-40B4-BE49-F238E27FC236}">
-                <a16:creationId xmlns:a16="http://schemas.microsoft.com/office/drawing/2014/main" id="{C18BBEBE-0598-D3AE-2530-83FF9D810D3E}"/>
-              </a:ext>
-            </a:extLst>
-          </p:cNvPr>
-          <p:cNvSpPr/>
-          <p:nvPr/>
-        </p:nvSpPr>
-        <p:spPr>
-          <a:xfrm>
-            <a:off x="-1" y="1"/>
-            <a:ext cx="15131363" cy="2303998"/>
-          </a:xfrm>
-          <a:prstGeom prst="rect">
-            <a:avLst/>
-          </a:prstGeom>
-        </p:spPr>
-        <p:style>
-          <a:lnRef idx="1">
-            <a:schemeClr val="accent6"/>
-          </a:lnRef>
-          <a:fillRef idx="2">
-            <a:schemeClr val="accent6"/>
-          </a:fillRef>
-          <a:effectRef idx="1">
-            <a:schemeClr val="accent6"/>
-          </a:effectRef>
-          <a:fontRef idx="minor">
-            <a:schemeClr val="dk1"/>
-          </a:fontRef>
-        </p:style>
-        <p:txBody>
-          <a:bodyPr rtlCol="0" anchor="ctr"/>
-          <a:lstStyle/>
-          <a:p>
-            <a:pPr algn="ctr"/>
-            <a:endParaRPr lang="en-IE"/>
-          </a:p>
-        </p:txBody>
-      </p:sp>
-      <p:pic>
-        <p:nvPicPr>
-          <p:cNvPr id="6" name="Picture 5" descr="A purple circle with white text&#10;&#10;Description automatically generated">
-            <a:extLst>
-              <a:ext uri="{FF2B5EF4-FFF2-40B4-BE49-F238E27FC236}">
-                <a16:creationId xmlns:a16="http://schemas.microsoft.com/office/drawing/2014/main" id="{A5E90D64-59DC-5177-18ED-76851B85D597}"/>
-              </a:ext>
-            </a:extLst>
-          </p:cNvPr>
-          <p:cNvPicPr>
-            <a:picLocks noChangeAspect="1"/>
-          </p:cNvPicPr>
-          <p:nvPr/>
-        </p:nvPicPr>
-        <p:blipFill>
-          <a:blip r:embed="rId2">
-            <a:extLst>
-              <a:ext uri="{28A0092B-C50C-407E-A947-70E740481C1C}">
-                <a14:useLocalDpi xmlns:a14="http://schemas.microsoft.com/office/drawing/2010/main" val="0"/>
-              </a:ext>
-            </a:extLst>
-          </a:blip>
-          <a:stretch>
-            <a:fillRect/>
-          </a:stretch>
-        </p:blipFill>
-        <p:spPr>
-          <a:xfrm>
-            <a:off x="278718" y="413621"/>
-            <a:ext cx="3061405" cy="1476756"/>
-          </a:xfrm>
-          <a:prstGeom prst="rect">
-            <a:avLst/>
-          </a:prstGeom>
-        </p:spPr>
-      </p:pic>
-      <p:sp>
-        <p:nvSpPr>
-          <p:cNvPr id="7" name="TextBox 6">
-            <a:extLst>
-              <a:ext uri="{FF2B5EF4-FFF2-40B4-BE49-F238E27FC236}">
-                <a16:creationId xmlns:a16="http://schemas.microsoft.com/office/drawing/2014/main" id="{F311CFC7-B18D-B51B-33AD-206A5B228833}"/>
-              </a:ext>
-            </a:extLst>
-          </p:cNvPr>
-          <p:cNvSpPr txBox="1"/>
-          <p:nvPr/>
-        </p:nvSpPr>
-        <p:spPr>
-          <a:xfrm>
-            <a:off x="3630857" y="1158685"/>
-            <a:ext cx="11500509" cy="1031051"/>
-          </a:xfrm>
-          <a:prstGeom prst="rect">
-            <a:avLst/>
-          </a:prstGeom>
-          <a:noFill/>
-        </p:spPr>
-        <p:txBody>
-          <a:bodyPr wrap="square" rtlCol="0" anchor="ctr">
-            <a:spAutoFit/>
-          </a:bodyPr>
-          <a:lstStyle/>
-          <a:p>
-            <a:r>
-              <a:rPr lang="en-IE" sz="2000" dirty="0">
-                <a:latin typeface="Congenial" panose="020F0502020204030204" pitchFamily="2" charset="0"/>
-              </a:rPr>
-              <a:t>Luke Canny	19339166								Supervisor: Dr. Fearghal Morgan</a:t>
-            </a:r>
-          </a:p>
-          <a:p>
-            <a:r>
-              <a:rPr lang="en-IE" sz="2000" dirty="0">
-                <a:latin typeface="Congenial" panose="020F0502020204030204" pitchFamily="2" charset="0"/>
-              </a:rPr>
-              <a:t>Masters Electronic and Computer Engineering			Co-assessor: Mr Liam Kilmartin</a:t>
-            </a:r>
-          </a:p>
-          <a:p>
-            <a:r>
-              <a:rPr lang="en-IE" sz="2000" dirty="0">
-                <a:latin typeface="Congenial" panose="020F0502020204030204" pitchFamily="2" charset="0"/>
-              </a:rPr>
-              <a:t>GitHub.com/HDLGen-ChatGPT/PYNQ-SoC-Builder</a:t>
-            </a:r>
-          </a:p>
-          <a:p>
-            <a:r>
-              <a:rPr lang="en-IE" sz="100" dirty="0">
-                <a:latin typeface="Congenial" panose="020F0502020204030204" pitchFamily="2" charset="0"/>
-              </a:rPr>
-              <a:t>6</a:t>
-            </a:r>
-          </a:p>
-        </p:txBody>
-      </p:sp>
-      <p:sp>
-        <p:nvSpPr>
-          <p:cNvPr id="8" name="TextBox 7">
-            <a:extLst>
-              <a:ext uri="{FF2B5EF4-FFF2-40B4-BE49-F238E27FC236}">
-                <a16:creationId xmlns:a16="http://schemas.microsoft.com/office/drawing/2014/main" id="{EAA42D45-E091-D90C-ED02-86E079719015}"/>
-              </a:ext>
-            </a:extLst>
-          </p:cNvPr>
-          <p:cNvSpPr txBox="1"/>
-          <p:nvPr/>
-        </p:nvSpPr>
-        <p:spPr>
-          <a:xfrm>
-            <a:off x="3630857" y="444113"/>
-            <a:ext cx="11500509" cy="707886"/>
-          </a:xfrm>
-          <a:prstGeom prst="rect">
-            <a:avLst/>
-          </a:prstGeom>
-          <a:noFill/>
-        </p:spPr>
-        <p:txBody>
-          <a:bodyPr wrap="square" rtlCol="0" anchor="ctr">
-            <a:spAutoFit/>
-          </a:bodyPr>
-          <a:lstStyle/>
-          <a:p>
-            <a:r>
-              <a:rPr lang="en-IE" sz="4000" b="1" dirty="0">
-                <a:latin typeface="Congenial Black" panose="02000503040000020004" pitchFamily="2" charset="0"/>
-              </a:rPr>
-              <a:t>PYNQ Automated System-on-Chip Builder</a:t>
-            </a:r>
-          </a:p>
-        </p:txBody>
-      </p:sp>
-      <p:sp>
-        <p:nvSpPr>
-          <p:cNvPr id="11" name="TextBox 10">
-            <a:extLst>
-              <a:ext uri="{FF2B5EF4-FFF2-40B4-BE49-F238E27FC236}">
-                <a16:creationId xmlns:a16="http://schemas.microsoft.com/office/drawing/2014/main" id="{BC5F3EE1-A50E-6997-5779-9D9F7DE6E740}"/>
-              </a:ext>
-            </a:extLst>
-          </p:cNvPr>
-          <p:cNvSpPr txBox="1"/>
-          <p:nvPr/>
-        </p:nvSpPr>
-        <p:spPr>
-          <a:xfrm>
-            <a:off x="193759" y="2550219"/>
-            <a:ext cx="7184172" cy="461665"/>
-          </a:xfrm>
-          <a:prstGeom prst="rect">
-            <a:avLst/>
-          </a:prstGeom>
-        </p:spPr>
-        <p:style>
-          <a:lnRef idx="1">
-            <a:schemeClr val="accent5"/>
-          </a:lnRef>
-          <a:fillRef idx="2">
-            <a:schemeClr val="accent5"/>
-          </a:fillRef>
-          <a:effectRef idx="1">
-            <a:schemeClr val="accent5"/>
-          </a:effectRef>
-          <a:fontRef idx="minor">
-            <a:schemeClr val="dk1"/>
-          </a:fontRef>
-        </p:style>
-        <p:txBody>
-          <a:bodyPr wrap="square" rtlCol="0">
-            <a:spAutoFit/>
-          </a:bodyPr>
-          <a:lstStyle/>
-          <a:p>
-            <a:pPr algn="ctr"/>
-            <a:r>
-              <a:rPr lang="en-IE" sz="2400" dirty="0">
-                <a:latin typeface="Congenial Black" panose="020F0502020204030204" pitchFamily="2" charset="0"/>
-              </a:rPr>
-              <a:t>Project Objectives </a:t>
-            </a:r>
-          </a:p>
-        </p:txBody>
-      </p:sp>
-      <p:sp>
-        <p:nvSpPr>
-          <p:cNvPr id="12" name="Rectangle 11">
-            <a:extLst>
-              <a:ext uri="{FF2B5EF4-FFF2-40B4-BE49-F238E27FC236}">
-                <a16:creationId xmlns:a16="http://schemas.microsoft.com/office/drawing/2014/main" id="{FA2D94CC-653D-16E2-E12D-DF0442E649E2}"/>
-              </a:ext>
-            </a:extLst>
-          </p:cNvPr>
-          <p:cNvSpPr/>
-          <p:nvPr/>
-        </p:nvSpPr>
-        <p:spPr>
-          <a:xfrm>
-            <a:off x="181745" y="3011885"/>
-            <a:ext cx="7196186" cy="1715272"/>
-          </a:xfrm>
-          <a:prstGeom prst="rect">
-            <a:avLst/>
-          </a:prstGeom>
-          <a:ln>
-            <a:solidFill>
-              <a:schemeClr val="accent5"/>
-            </a:solidFill>
-          </a:ln>
-        </p:spPr>
-        <p:style>
-          <a:lnRef idx="2">
-            <a:schemeClr val="accent1">
-              <a:shade val="15000"/>
-            </a:schemeClr>
-          </a:lnRef>
-          <a:fillRef idx="1003">
-            <a:schemeClr val="lt2"/>
-          </a:fillRef>
-          <a:effectRef idx="0">
-            <a:schemeClr val="accent1"/>
-          </a:effectRef>
-          <a:fontRef idx="minor">
-            <a:schemeClr val="lt1"/>
-          </a:fontRef>
-        </p:style>
-        <p:txBody>
-          <a:bodyPr rtlCol="0" anchor="t"/>
-          <a:lstStyle/>
-          <a:p>
-            <a:r>
-              <a:rPr lang="en-IE" dirty="0">
-                <a:solidFill>
-                  <a:schemeClr val="tx1"/>
-                </a:solidFill>
-                <a:latin typeface="Congenial" panose="02000503040000020004" pitchFamily="2" charset="0"/>
-              </a:rPr>
-              <a:t>The aim of this project is to:</a:t>
-            </a:r>
-          </a:p>
-          <a:p>
-            <a:pPr marL="285750" indent="-285750">
-              <a:buFont typeface="Arial" panose="020B0604020202020204" pitchFamily="34" charset="0"/>
-              <a:buChar char="•"/>
-            </a:pPr>
-            <a:r>
-              <a:rPr lang="en-IE" dirty="0">
-                <a:solidFill>
-                  <a:schemeClr val="tx1"/>
-                </a:solidFill>
-                <a:latin typeface="Congenial" panose="02000503040000020004" pitchFamily="2" charset="0"/>
-              </a:rPr>
-              <a:t>Create a remote PYNQ laboratory for students</a:t>
-            </a:r>
-          </a:p>
-          <a:p>
-            <a:pPr marL="285750" indent="-285750">
-              <a:buFont typeface="Arial" panose="020B0604020202020204" pitchFamily="34" charset="0"/>
-              <a:buChar char="•"/>
-            </a:pPr>
-            <a:r>
-              <a:rPr lang="en-IE" dirty="0">
-                <a:solidFill>
-                  <a:schemeClr val="tx1"/>
-                </a:solidFill>
-                <a:latin typeface="Congenial" panose="02000503040000020004" pitchFamily="2" charset="0"/>
-              </a:rPr>
-              <a:t>Extend the functionality of HDLGen-ChatGPT to automatically deploy projects to PYNQ-Z2 FPGAs</a:t>
-            </a:r>
-          </a:p>
-          <a:p>
-            <a:pPr marL="285750" indent="-285750">
-              <a:buFont typeface="Arial" panose="020B0604020202020204" pitchFamily="34" charset="0"/>
-              <a:buChar char="•"/>
-            </a:pPr>
-            <a:r>
-              <a:rPr lang="en-IE" dirty="0">
-                <a:solidFill>
-                  <a:schemeClr val="tx1"/>
-                </a:solidFill>
-                <a:latin typeface="Congenial" panose="02000503040000020004" pitchFamily="2" charset="0"/>
-              </a:rPr>
-              <a:t>Develop an interactive challenge-based RISC-V learning platform</a:t>
-            </a:r>
-          </a:p>
-        </p:txBody>
-      </p:sp>
-      <p:sp>
-        <p:nvSpPr>
-          <p:cNvPr id="13" name="TextBox 12">
-            <a:extLst>
-              <a:ext uri="{FF2B5EF4-FFF2-40B4-BE49-F238E27FC236}">
-                <a16:creationId xmlns:a16="http://schemas.microsoft.com/office/drawing/2014/main" id="{89D19E42-1C7F-BA1D-A494-08FEFAEC894C}"/>
-              </a:ext>
-            </a:extLst>
-          </p:cNvPr>
-          <p:cNvSpPr txBox="1"/>
-          <p:nvPr/>
-        </p:nvSpPr>
-        <p:spPr>
-          <a:xfrm>
-            <a:off x="7741419" y="19669979"/>
-            <a:ext cx="7192987" cy="461665"/>
-          </a:xfrm>
-          <a:prstGeom prst="rect">
-            <a:avLst/>
-          </a:prstGeom>
-          <a:ln/>
-        </p:spPr>
-        <p:style>
-          <a:lnRef idx="1">
-            <a:schemeClr val="accent2"/>
-          </a:lnRef>
-          <a:fillRef idx="2">
-            <a:schemeClr val="accent2"/>
-          </a:fillRef>
-          <a:effectRef idx="1">
-            <a:schemeClr val="accent2"/>
-          </a:effectRef>
-          <a:fontRef idx="minor">
-            <a:schemeClr val="dk1"/>
-          </a:fontRef>
-        </p:style>
-        <p:txBody>
-          <a:bodyPr wrap="square" rtlCol="0">
-            <a:spAutoFit/>
-          </a:bodyPr>
-          <a:lstStyle/>
-          <a:p>
-            <a:pPr algn="ctr"/>
-            <a:r>
-              <a:rPr lang="en-IE" sz="2400" dirty="0">
-                <a:latin typeface="Congenial Black" panose="020F0502020204030204" pitchFamily="2" charset="0"/>
-              </a:rPr>
-              <a:t>Acknowledgements</a:t>
-            </a:r>
-          </a:p>
-        </p:txBody>
-      </p:sp>
-      <p:sp>
-        <p:nvSpPr>
-          <p:cNvPr id="14" name="Rectangle 13">
-            <a:extLst>
-              <a:ext uri="{FF2B5EF4-FFF2-40B4-BE49-F238E27FC236}">
-                <a16:creationId xmlns:a16="http://schemas.microsoft.com/office/drawing/2014/main" id="{5734E468-277D-1517-4AAD-90CF6699AC51}"/>
-              </a:ext>
-            </a:extLst>
-          </p:cNvPr>
-          <p:cNvSpPr/>
-          <p:nvPr/>
-        </p:nvSpPr>
-        <p:spPr>
-          <a:xfrm>
-            <a:off x="7741419" y="20131645"/>
-            <a:ext cx="7192987" cy="1023020"/>
-          </a:xfrm>
-          <a:prstGeom prst="rect">
-            <a:avLst/>
-          </a:prstGeom>
-          <a:ln>
-            <a:solidFill>
-              <a:schemeClr val="accent2"/>
-            </a:solidFill>
-          </a:ln>
-        </p:spPr>
-        <p:style>
-          <a:lnRef idx="2">
-            <a:schemeClr val="accent1">
-              <a:shade val="15000"/>
-            </a:schemeClr>
-          </a:lnRef>
-          <a:fillRef idx="1003">
-            <a:schemeClr val="lt2"/>
-          </a:fillRef>
-          <a:effectRef idx="0">
-            <a:schemeClr val="accent1"/>
-          </a:effectRef>
-          <a:fontRef idx="minor">
-            <a:schemeClr val="lt1"/>
-          </a:fontRef>
-        </p:style>
-        <p:txBody>
-          <a:bodyPr rtlCol="0" anchor="t"/>
-          <a:lstStyle/>
-          <a:p>
-            <a:r>
-              <a:rPr lang="en-IE" dirty="0">
-                <a:solidFill>
-                  <a:schemeClr val="tx1"/>
-                </a:solidFill>
-                <a:latin typeface="Congenial" panose="02000503040000020004" pitchFamily="2" charset="0"/>
-              </a:rPr>
-              <a:t>I would like to thank Dr. Fearghal Morgan for his support and guidance, and Roshan George, JP Byrne and Abishek Bupathi for their previous work on HDLGen-ChatGPT, PYNQ and RISC-V.</a:t>
-            </a:r>
-          </a:p>
-        </p:txBody>
-      </p:sp>
-      <p:sp>
-        <p:nvSpPr>
-          <p:cNvPr id="15" name="TextBox 14">
-            <a:extLst>
-              <a:ext uri="{FF2B5EF4-FFF2-40B4-BE49-F238E27FC236}">
-                <a16:creationId xmlns:a16="http://schemas.microsoft.com/office/drawing/2014/main" id="{06266CE2-270A-9C6A-3CE1-A12D1063AE24}"/>
-              </a:ext>
-            </a:extLst>
-          </p:cNvPr>
-          <p:cNvSpPr txBox="1"/>
-          <p:nvPr/>
-        </p:nvSpPr>
-        <p:spPr>
-          <a:xfrm>
-            <a:off x="176995" y="19669979"/>
-            <a:ext cx="7196186" cy="461665"/>
-          </a:xfrm>
-          <a:prstGeom prst="rect">
-            <a:avLst/>
-          </a:prstGeom>
-        </p:spPr>
-        <p:style>
-          <a:lnRef idx="1">
-            <a:schemeClr val="accent3"/>
-          </a:lnRef>
-          <a:fillRef idx="2">
-            <a:schemeClr val="accent3"/>
-          </a:fillRef>
-          <a:effectRef idx="1">
-            <a:schemeClr val="accent3"/>
-          </a:effectRef>
-          <a:fontRef idx="minor">
-            <a:schemeClr val="dk1"/>
-          </a:fontRef>
-        </p:style>
-        <p:txBody>
-          <a:bodyPr wrap="square" rtlCol="0">
-            <a:spAutoFit/>
-          </a:bodyPr>
-          <a:lstStyle/>
-          <a:p>
-            <a:pPr algn="ctr"/>
-            <a:r>
-              <a:rPr lang="en-IE" sz="2400" dirty="0">
-                <a:latin typeface="Congenial Black" panose="020F0502020204030204" pitchFamily="2" charset="0"/>
-              </a:rPr>
-              <a:t>Future Work</a:t>
-            </a:r>
-          </a:p>
-        </p:txBody>
-      </p:sp>
-      <p:sp>
-        <p:nvSpPr>
-          <p:cNvPr id="16" name="Rectangle 15">
-            <a:extLst>
-              <a:ext uri="{FF2B5EF4-FFF2-40B4-BE49-F238E27FC236}">
-                <a16:creationId xmlns:a16="http://schemas.microsoft.com/office/drawing/2014/main" id="{F4BC73FF-B49B-87E4-6496-36C69F58B236}"/>
-              </a:ext>
-            </a:extLst>
-          </p:cNvPr>
-          <p:cNvSpPr/>
-          <p:nvPr/>
-        </p:nvSpPr>
-        <p:spPr>
-          <a:xfrm>
-            <a:off x="176995" y="20131644"/>
-            <a:ext cx="7196186" cy="1023021"/>
-          </a:xfrm>
-          <a:prstGeom prst="rect">
-            <a:avLst/>
-          </a:prstGeom>
-          <a:ln>
-            <a:solidFill>
-              <a:schemeClr val="accent3"/>
-            </a:solidFill>
-          </a:ln>
-        </p:spPr>
-        <p:style>
-          <a:lnRef idx="2">
-            <a:schemeClr val="accent1">
-              <a:shade val="15000"/>
-            </a:schemeClr>
-          </a:lnRef>
-          <a:fillRef idx="1003">
-            <a:schemeClr val="lt2"/>
-          </a:fillRef>
-          <a:effectRef idx="0">
-            <a:schemeClr val="accent1"/>
-          </a:effectRef>
-          <a:fontRef idx="minor">
-            <a:schemeClr val="lt1"/>
-          </a:fontRef>
-        </p:style>
-        <p:txBody>
-          <a:bodyPr rtlCol="0" anchor="t"/>
-          <a:lstStyle/>
-          <a:p>
-            <a:pPr marL="285750" indent="-285750">
-              <a:buFont typeface="Arial" panose="020B0604020202020204" pitchFamily="34" charset="0"/>
-              <a:buChar char="•"/>
-            </a:pPr>
-            <a:r>
-              <a:rPr lang="en-IE" dirty="0">
-                <a:solidFill>
-                  <a:schemeClr val="tx1"/>
-                </a:solidFill>
-                <a:latin typeface="Congenial" panose="02000503040000020004" pitchFamily="2" charset="0"/>
-              </a:rPr>
-              <a:t>Automate RISC-V Core Bitstream Creation</a:t>
-            </a:r>
-          </a:p>
-          <a:p>
-            <a:pPr marL="285750" indent="-285750">
-              <a:buFont typeface="Arial" panose="020B0604020202020204" pitchFamily="34" charset="0"/>
-              <a:buChar char="•"/>
-            </a:pPr>
-            <a:r>
-              <a:rPr lang="en-IE" dirty="0">
-                <a:solidFill>
-                  <a:schemeClr val="tx1"/>
-                </a:solidFill>
-                <a:latin typeface="Congenial" panose="02000503040000020004" pitchFamily="2" charset="0"/>
-              </a:rPr>
-              <a:t>Develop a range of RISC-V challenges of varying difficulty</a:t>
-            </a:r>
-          </a:p>
-          <a:p>
-            <a:pPr marL="285750" indent="-285750">
-              <a:buFont typeface="Arial" panose="020B0604020202020204" pitchFamily="34" charset="0"/>
-              <a:buChar char="•"/>
-            </a:pPr>
-            <a:r>
-              <a:rPr lang="en-IE" dirty="0">
-                <a:solidFill>
-                  <a:schemeClr val="tx1"/>
-                </a:solidFill>
-                <a:latin typeface="Congenial" panose="02000503040000020004" pitchFamily="2" charset="0"/>
-              </a:rPr>
-              <a:t>Gather feedback from potential users of RV learning platform</a:t>
-            </a:r>
-          </a:p>
-        </p:txBody>
-      </p:sp>
-      <p:sp>
-        <p:nvSpPr>
-          <p:cNvPr id="27" name="TextBox 26">
-            <a:extLst>
-              <a:ext uri="{FF2B5EF4-FFF2-40B4-BE49-F238E27FC236}">
-                <a16:creationId xmlns:a16="http://schemas.microsoft.com/office/drawing/2014/main" id="{86F488B2-8C74-CDB4-4184-2D71B371D4A5}"/>
-              </a:ext>
-            </a:extLst>
-          </p:cNvPr>
-          <p:cNvSpPr txBox="1"/>
-          <p:nvPr/>
-        </p:nvSpPr>
-        <p:spPr>
-          <a:xfrm>
-            <a:off x="205773" y="4973377"/>
-            <a:ext cx="7184172" cy="461665"/>
-          </a:xfrm>
-          <a:prstGeom prst="rect">
-            <a:avLst/>
-          </a:prstGeom>
-          <a:ln/>
-        </p:spPr>
-        <p:style>
-          <a:lnRef idx="1">
-            <a:schemeClr val="accent5"/>
-          </a:lnRef>
-          <a:fillRef idx="2">
-            <a:schemeClr val="accent5"/>
-          </a:fillRef>
-          <a:effectRef idx="1">
-            <a:schemeClr val="accent5"/>
-          </a:effectRef>
-          <a:fontRef idx="minor">
-            <a:schemeClr val="dk1"/>
-          </a:fontRef>
-        </p:style>
-        <p:txBody>
-          <a:bodyPr wrap="square" rtlCol="0">
-            <a:spAutoFit/>
-          </a:bodyPr>
-          <a:lstStyle/>
-          <a:p>
-            <a:pPr algn="ctr"/>
-            <a:r>
-              <a:rPr lang="en-IE" sz="2400" dirty="0">
-                <a:latin typeface="Congenial Black" panose="020F0502020204030204" pitchFamily="2" charset="0"/>
-              </a:rPr>
-              <a:t>Project Overview</a:t>
-            </a:r>
-          </a:p>
-        </p:txBody>
-      </p:sp>
-      <p:sp>
-        <p:nvSpPr>
-          <p:cNvPr id="28" name="Rectangle 27">
-            <a:extLst>
-              <a:ext uri="{FF2B5EF4-FFF2-40B4-BE49-F238E27FC236}">
-                <a16:creationId xmlns:a16="http://schemas.microsoft.com/office/drawing/2014/main" id="{9A9C6FE6-74ED-D2C5-D64E-00592AA58125}"/>
-              </a:ext>
-            </a:extLst>
-          </p:cNvPr>
-          <p:cNvSpPr/>
-          <p:nvPr/>
-        </p:nvSpPr>
-        <p:spPr>
-          <a:xfrm>
-            <a:off x="193759" y="5435043"/>
-            <a:ext cx="7196186" cy="1715272"/>
-          </a:xfrm>
-          <a:prstGeom prst="rect">
-            <a:avLst/>
-          </a:prstGeom>
-          <a:ln>
-            <a:solidFill>
-              <a:schemeClr val="accent5"/>
-            </a:solidFill>
-          </a:ln>
-        </p:spPr>
-        <p:style>
-          <a:lnRef idx="2">
-            <a:schemeClr val="accent1">
-              <a:shade val="15000"/>
-            </a:schemeClr>
-          </a:lnRef>
-          <a:fillRef idx="1003">
-            <a:schemeClr val="lt2"/>
-          </a:fillRef>
-          <a:effectRef idx="0">
-            <a:schemeClr val="accent1"/>
-          </a:effectRef>
-          <a:fontRef idx="minor">
-            <a:schemeClr val="lt1"/>
-          </a:fontRef>
-        </p:style>
-        <p:txBody>
-          <a:bodyPr rtlCol="0" anchor="t"/>
-          <a:lstStyle/>
-          <a:p>
-            <a:r>
-              <a:rPr lang="en-IE" dirty="0">
-                <a:solidFill>
-                  <a:schemeClr val="tx1"/>
-                </a:solidFill>
-                <a:latin typeface="Congenial" panose="02000503040000020004" pitchFamily="2" charset="0"/>
-              </a:rPr>
-              <a:t>This section will either be connected to the objectives section above or added more information :&gt;</a:t>
-            </a:r>
-          </a:p>
-        </p:txBody>
-      </p:sp>
-      <p:sp>
-        <p:nvSpPr>
-          <p:cNvPr id="29" name="TextBox 28">
-            <a:extLst>
-              <a:ext uri="{FF2B5EF4-FFF2-40B4-BE49-F238E27FC236}">
-                <a16:creationId xmlns:a16="http://schemas.microsoft.com/office/drawing/2014/main" id="{739A5151-8121-BECF-71AF-C417181DE8AF}"/>
-              </a:ext>
-            </a:extLst>
-          </p:cNvPr>
-          <p:cNvSpPr txBox="1"/>
-          <p:nvPr/>
-        </p:nvSpPr>
-        <p:spPr>
-          <a:xfrm>
-            <a:off x="7731894" y="2565606"/>
-            <a:ext cx="7215213" cy="461665"/>
-          </a:xfrm>
-          <a:prstGeom prst="rect">
-            <a:avLst/>
-          </a:prstGeom>
-          <a:ln/>
-        </p:spPr>
-        <p:style>
-          <a:lnRef idx="1">
-            <a:schemeClr val="accent4"/>
-          </a:lnRef>
-          <a:fillRef idx="2">
-            <a:schemeClr val="accent4"/>
-          </a:fillRef>
-          <a:effectRef idx="1">
-            <a:schemeClr val="accent4"/>
-          </a:effectRef>
-          <a:fontRef idx="minor">
-            <a:schemeClr val="dk1"/>
-          </a:fontRef>
-        </p:style>
-        <p:txBody>
-          <a:bodyPr wrap="square" rtlCol="0">
-            <a:spAutoFit/>
-          </a:bodyPr>
-          <a:lstStyle/>
-          <a:p>
-            <a:pPr algn="ctr"/>
-            <a:r>
-              <a:rPr lang="en-IE" sz="2400" dirty="0">
-                <a:latin typeface="Congenial Black" panose="020F0502020204030204" pitchFamily="2" charset="0"/>
-              </a:rPr>
-              <a:t>PYNQ SoC Builder</a:t>
-            </a:r>
-          </a:p>
-        </p:txBody>
-      </p:sp>
-      <p:sp>
-        <p:nvSpPr>
-          <p:cNvPr id="30" name="Rectangle 29">
-            <a:extLst>
-              <a:ext uri="{FF2B5EF4-FFF2-40B4-BE49-F238E27FC236}">
-                <a16:creationId xmlns:a16="http://schemas.microsoft.com/office/drawing/2014/main" id="{1E9D3AB4-C51B-D370-0941-71498EF8246E}"/>
-              </a:ext>
-            </a:extLst>
-          </p:cNvPr>
-          <p:cNvSpPr/>
-          <p:nvPr/>
-        </p:nvSpPr>
-        <p:spPr>
-          <a:xfrm>
-            <a:off x="7746170" y="3027271"/>
-            <a:ext cx="7196186" cy="11172367"/>
-          </a:xfrm>
-          <a:prstGeom prst="rect">
-            <a:avLst/>
-          </a:prstGeom>
-          <a:ln>
-            <a:solidFill>
-              <a:schemeClr val="accent4"/>
-            </a:solidFill>
-          </a:ln>
-        </p:spPr>
-        <p:style>
-          <a:lnRef idx="2">
-            <a:schemeClr val="accent1">
-              <a:shade val="15000"/>
-            </a:schemeClr>
-          </a:lnRef>
-          <a:fillRef idx="1003">
-            <a:schemeClr val="lt2"/>
-          </a:fillRef>
-          <a:effectRef idx="0">
-            <a:schemeClr val="accent1"/>
-          </a:effectRef>
-          <a:fontRef idx="minor">
-            <a:schemeClr val="lt1"/>
-          </a:fontRef>
-        </p:style>
-        <p:txBody>
-          <a:bodyPr rtlCol="0" anchor="t"/>
-          <a:lstStyle/>
-          <a:p>
-            <a:pPr>
-              <a:spcAft>
-                <a:spcPts val="600"/>
-              </a:spcAft>
-            </a:pPr>
-            <a:r>
-              <a:rPr lang="en-IE" dirty="0">
-                <a:solidFill>
-                  <a:schemeClr val="tx1"/>
-                </a:solidFill>
-                <a:latin typeface="Congenial" panose="02000503040000020004" pitchFamily="2" charset="0"/>
-              </a:rPr>
-              <a:t>PYNQ SoC Builder is a standalone Python application which:</a:t>
-            </a:r>
-          </a:p>
-          <a:p>
-            <a:pPr marL="285750" indent="-285750">
-              <a:buFont typeface="Arial" panose="020B0604020202020204" pitchFamily="34" charset="0"/>
-              <a:buChar char="•"/>
-            </a:pPr>
-            <a:r>
-              <a:rPr lang="en-IE" dirty="0">
-                <a:solidFill>
-                  <a:schemeClr val="tx1"/>
-                </a:solidFill>
-                <a:latin typeface="Congenial" panose="02000503040000020004" pitchFamily="2" charset="0"/>
-              </a:rPr>
-              <a:t>Configures Vivado project for PYNQ-Z2 board</a:t>
-            </a:r>
-          </a:p>
-          <a:p>
-            <a:pPr marL="285750" indent="-285750">
-              <a:buFont typeface="Arial" panose="020B0604020202020204" pitchFamily="34" charset="0"/>
-              <a:buChar char="•"/>
-            </a:pPr>
-            <a:r>
-              <a:rPr lang="en-IE" dirty="0">
-                <a:solidFill>
-                  <a:schemeClr val="tx1"/>
-                </a:solidFill>
-                <a:latin typeface="Congenial" panose="02000503040000020004" pitchFamily="2" charset="0"/>
-              </a:rPr>
-              <a:t>Generates and imports PYNQ-Z2 physical constraints</a:t>
-            </a:r>
-          </a:p>
-          <a:p>
-            <a:pPr marL="285750" indent="-285750">
-              <a:buFont typeface="Arial" panose="020B0604020202020204" pitchFamily="34" charset="0"/>
-              <a:buChar char="•"/>
-            </a:pPr>
-            <a:r>
-              <a:rPr lang="en-IE" dirty="0">
-                <a:solidFill>
-                  <a:schemeClr val="tx1"/>
-                </a:solidFill>
-                <a:latin typeface="Congenial" panose="02000503040000020004" pitchFamily="2" charset="0"/>
-              </a:rPr>
-              <a:t>Creates and populates a Vivado Block Design</a:t>
-            </a:r>
-          </a:p>
-          <a:p>
-            <a:pPr marL="285750" indent="-285750">
-              <a:buFont typeface="Arial" panose="020B0604020202020204" pitchFamily="34" charset="0"/>
-              <a:buChar char="•"/>
-            </a:pPr>
-            <a:r>
-              <a:rPr lang="en-IE" dirty="0">
-                <a:solidFill>
-                  <a:schemeClr val="tx1"/>
-                </a:solidFill>
-                <a:latin typeface="Congenial" panose="02000503040000020004" pitchFamily="2" charset="0"/>
-              </a:rPr>
-              <a:t>Configures PYNQ board I/O Connections</a:t>
-            </a:r>
-          </a:p>
-          <a:p>
-            <a:pPr marL="285750" indent="-285750">
-              <a:buFont typeface="Arial" panose="020B0604020202020204" pitchFamily="34" charset="0"/>
-              <a:buChar char="•"/>
-            </a:pPr>
-            <a:r>
-              <a:rPr lang="en-IE" dirty="0">
-                <a:solidFill>
-                  <a:schemeClr val="tx1"/>
-                </a:solidFill>
-                <a:latin typeface="Congenial" panose="02000503040000020004" pitchFamily="2" charset="0"/>
-              </a:rPr>
-              <a:t>Performs synthesis, implementation and bitstream generation</a:t>
-            </a:r>
-          </a:p>
-          <a:p>
-            <a:pPr marL="285750" indent="-285750">
-              <a:buFont typeface="Arial" panose="020B0604020202020204" pitchFamily="34" charset="0"/>
-              <a:buChar char="•"/>
-            </a:pPr>
-            <a:r>
-              <a:rPr lang="en-IE" dirty="0">
-                <a:solidFill>
-                  <a:schemeClr val="tx1"/>
-                </a:solidFill>
-                <a:latin typeface="Congenial" panose="02000503040000020004" pitchFamily="2" charset="0"/>
-              </a:rPr>
-              <a:t>Generates a Jupyter Notebook project based on test plan</a:t>
-            </a:r>
-          </a:p>
-          <a:p>
-            <a:pPr marL="285750" indent="-285750">
-              <a:buFont typeface="Arial" panose="020B0604020202020204" pitchFamily="34" charset="0"/>
-              <a:buChar char="•"/>
-            </a:pPr>
-            <a:endParaRPr lang="en-IE" dirty="0">
-              <a:solidFill>
-                <a:schemeClr val="tx1"/>
-              </a:solidFill>
-              <a:latin typeface="Congenial" panose="02000503040000020004" pitchFamily="2" charset="0"/>
-            </a:endParaRPr>
-          </a:p>
-          <a:p>
-            <a:pPr marL="285750" indent="-285750">
-              <a:buFont typeface="Arial" panose="020B0604020202020204" pitchFamily="34" charset="0"/>
-              <a:buChar char="•"/>
-            </a:pPr>
-            <a:endParaRPr lang="en-IE" dirty="0">
-              <a:solidFill>
-                <a:schemeClr val="tx1"/>
-              </a:solidFill>
-              <a:latin typeface="Congenial" panose="02000503040000020004" pitchFamily="2" charset="0"/>
-            </a:endParaRPr>
-          </a:p>
-          <a:p>
-            <a:pPr marL="285750" indent="-285750">
-              <a:buFont typeface="Arial" panose="020B0604020202020204" pitchFamily="34" charset="0"/>
-              <a:buChar char="•"/>
-            </a:pPr>
-            <a:endParaRPr lang="en-IE" dirty="0">
-              <a:solidFill>
-                <a:schemeClr val="tx1"/>
-              </a:solidFill>
-              <a:latin typeface="Congenial" panose="02000503040000020004" pitchFamily="2" charset="0"/>
-            </a:endParaRPr>
-          </a:p>
-          <a:p>
-            <a:pPr marL="285750" indent="-285750">
-              <a:buFont typeface="Arial" panose="020B0604020202020204" pitchFamily="34" charset="0"/>
-              <a:buChar char="•"/>
-            </a:pPr>
-            <a:endParaRPr lang="en-IE" dirty="0">
-              <a:solidFill>
-                <a:schemeClr val="tx1"/>
-              </a:solidFill>
-              <a:latin typeface="Congenial" panose="02000503040000020004" pitchFamily="2" charset="0"/>
-            </a:endParaRPr>
-          </a:p>
-          <a:p>
-            <a:pPr marL="285750" indent="-285750">
-              <a:buFont typeface="Arial" panose="020B0604020202020204" pitchFamily="34" charset="0"/>
-              <a:buChar char="•"/>
-            </a:pPr>
-            <a:endParaRPr lang="en-IE" dirty="0">
-              <a:solidFill>
-                <a:schemeClr val="tx1"/>
-              </a:solidFill>
-              <a:latin typeface="Congenial" panose="02000503040000020004" pitchFamily="2" charset="0"/>
-            </a:endParaRPr>
-          </a:p>
-          <a:p>
-            <a:pPr marL="285750" indent="-285750">
-              <a:buFont typeface="Arial" panose="020B0604020202020204" pitchFamily="34" charset="0"/>
-              <a:buChar char="•"/>
-            </a:pPr>
-            <a:endParaRPr lang="en-IE" dirty="0">
-              <a:solidFill>
-                <a:schemeClr val="tx1"/>
-              </a:solidFill>
-              <a:latin typeface="Congenial" panose="02000503040000020004" pitchFamily="2" charset="0"/>
-            </a:endParaRPr>
-          </a:p>
-          <a:p>
-            <a:pPr marL="285750" indent="-285750">
-              <a:buFont typeface="Arial" panose="020B0604020202020204" pitchFamily="34" charset="0"/>
-              <a:buChar char="•"/>
-            </a:pPr>
-            <a:endParaRPr lang="en-IE" dirty="0">
-              <a:solidFill>
-                <a:schemeClr val="tx1"/>
-              </a:solidFill>
-              <a:latin typeface="Congenial" panose="02000503040000020004" pitchFamily="2" charset="0"/>
-            </a:endParaRPr>
-          </a:p>
-          <a:p>
-            <a:pPr marL="285750" indent="-285750">
-              <a:buFont typeface="Arial" panose="020B0604020202020204" pitchFamily="34" charset="0"/>
-              <a:buChar char="•"/>
-            </a:pPr>
-            <a:endParaRPr lang="en-IE" dirty="0">
-              <a:solidFill>
-                <a:schemeClr val="tx1"/>
-              </a:solidFill>
-              <a:latin typeface="Congenial" panose="02000503040000020004" pitchFamily="2" charset="0"/>
-            </a:endParaRPr>
-          </a:p>
-          <a:p>
-            <a:pPr marL="285750" indent="-285750">
-              <a:buFont typeface="Arial" panose="020B0604020202020204" pitchFamily="34" charset="0"/>
-              <a:buChar char="•"/>
-            </a:pPr>
-            <a:endParaRPr lang="en-IE" dirty="0">
-              <a:solidFill>
-                <a:schemeClr val="tx1"/>
-              </a:solidFill>
-              <a:latin typeface="Congenial" panose="02000503040000020004" pitchFamily="2" charset="0"/>
-            </a:endParaRPr>
-          </a:p>
-          <a:p>
-            <a:pPr marL="285750" indent="-285750">
-              <a:buFont typeface="Arial" panose="020B0604020202020204" pitchFamily="34" charset="0"/>
-              <a:buChar char="•"/>
-            </a:pPr>
-            <a:endParaRPr lang="en-IE" dirty="0">
-              <a:solidFill>
-                <a:schemeClr val="tx1"/>
-              </a:solidFill>
-              <a:latin typeface="Congenial" panose="02000503040000020004" pitchFamily="2" charset="0"/>
-            </a:endParaRPr>
-          </a:p>
-          <a:p>
-            <a:pPr marL="285750" indent="-285750">
-              <a:buFont typeface="Arial" panose="020B0604020202020204" pitchFamily="34" charset="0"/>
-              <a:buChar char="•"/>
-            </a:pPr>
-            <a:endParaRPr lang="en-IE" dirty="0">
-              <a:solidFill>
-                <a:schemeClr val="tx1"/>
-              </a:solidFill>
-              <a:latin typeface="Congenial" panose="02000503040000020004" pitchFamily="2" charset="0"/>
-            </a:endParaRPr>
-          </a:p>
-          <a:p>
-            <a:pPr marL="285750" indent="-285750">
-              <a:buFont typeface="Arial" panose="020B0604020202020204" pitchFamily="34" charset="0"/>
-              <a:buChar char="•"/>
-            </a:pPr>
-            <a:endParaRPr lang="en-IE" dirty="0">
-              <a:solidFill>
-                <a:schemeClr val="tx1"/>
-              </a:solidFill>
-              <a:latin typeface="Congenial" panose="02000503040000020004" pitchFamily="2" charset="0"/>
-            </a:endParaRPr>
-          </a:p>
-          <a:p>
-            <a:endParaRPr lang="en-IE" dirty="0">
-              <a:solidFill>
-                <a:schemeClr val="tx1"/>
-              </a:solidFill>
-              <a:latin typeface="Congenial" panose="02000503040000020004" pitchFamily="2" charset="0"/>
-            </a:endParaRPr>
-          </a:p>
-          <a:p>
-            <a:endParaRPr lang="en-IE" dirty="0">
-              <a:solidFill>
-                <a:schemeClr val="tx1"/>
-              </a:solidFill>
-              <a:latin typeface="Congenial" panose="02000503040000020004" pitchFamily="2" charset="0"/>
-            </a:endParaRPr>
-          </a:p>
-          <a:p>
-            <a:endParaRPr lang="en-IE" dirty="0">
-              <a:solidFill>
-                <a:schemeClr val="tx1"/>
-              </a:solidFill>
-              <a:latin typeface="Congenial" panose="02000503040000020004" pitchFamily="2" charset="0"/>
-            </a:endParaRPr>
-          </a:p>
-          <a:p>
-            <a:endParaRPr lang="en-IE" dirty="0">
-              <a:solidFill>
-                <a:schemeClr val="tx1"/>
-              </a:solidFill>
-              <a:latin typeface="Congenial" panose="02000503040000020004" pitchFamily="2" charset="0"/>
-            </a:endParaRPr>
-          </a:p>
-        </p:txBody>
-      </p:sp>
-      <p:sp>
-        <p:nvSpPr>
-          <p:cNvPr id="31" name="TextBox 30">
-            <a:extLst>
-              <a:ext uri="{FF2B5EF4-FFF2-40B4-BE49-F238E27FC236}">
-                <a16:creationId xmlns:a16="http://schemas.microsoft.com/office/drawing/2014/main" id="{9021ACA8-00AB-641E-9756-DCBBF1411B5F}"/>
-              </a:ext>
-            </a:extLst>
-          </p:cNvPr>
-          <p:cNvSpPr txBox="1"/>
-          <p:nvPr/>
-        </p:nvSpPr>
-        <p:spPr>
-          <a:xfrm>
-            <a:off x="191497" y="7396536"/>
-            <a:ext cx="7215213" cy="461665"/>
-          </a:xfrm>
-          <a:prstGeom prst="rect">
-            <a:avLst/>
-          </a:prstGeom>
-          <a:ln/>
-        </p:spPr>
-        <p:style>
-          <a:lnRef idx="1">
-            <a:schemeClr val="accent4"/>
-          </a:lnRef>
-          <a:fillRef idx="2">
-            <a:schemeClr val="accent4"/>
-          </a:fillRef>
-          <a:effectRef idx="1">
-            <a:schemeClr val="accent4"/>
-          </a:effectRef>
-          <a:fontRef idx="minor">
-            <a:schemeClr val="dk1"/>
-          </a:fontRef>
-        </p:style>
-        <p:txBody>
-          <a:bodyPr wrap="square" rtlCol="0">
-            <a:spAutoFit/>
-          </a:bodyPr>
-          <a:lstStyle/>
-          <a:p>
-            <a:pPr algn="ctr"/>
-            <a:r>
-              <a:rPr lang="en-IE" sz="2400" dirty="0">
-                <a:latin typeface="Congenial Black" panose="020F0502020204030204" pitchFamily="2" charset="0"/>
-              </a:rPr>
-              <a:t>Remote PYNQ FPGA Laboratory</a:t>
-            </a:r>
-          </a:p>
-        </p:txBody>
-      </p:sp>
-      <p:sp>
-        <p:nvSpPr>
-          <p:cNvPr id="32" name="Rectangle 31">
-            <a:extLst>
-              <a:ext uri="{FF2B5EF4-FFF2-40B4-BE49-F238E27FC236}">
-                <a16:creationId xmlns:a16="http://schemas.microsoft.com/office/drawing/2014/main" id="{941A96DA-2195-0FAD-FACA-07875697BB17}"/>
-              </a:ext>
-            </a:extLst>
-          </p:cNvPr>
-          <p:cNvSpPr/>
-          <p:nvPr/>
-        </p:nvSpPr>
-        <p:spPr>
-          <a:xfrm>
-            <a:off x="205773" y="7858201"/>
-            <a:ext cx="7196186" cy="6341437"/>
-          </a:xfrm>
-          <a:prstGeom prst="rect">
-            <a:avLst/>
-          </a:prstGeom>
-          <a:ln>
-            <a:solidFill>
-              <a:schemeClr val="accent4"/>
-            </a:solidFill>
-          </a:ln>
-        </p:spPr>
-        <p:style>
-          <a:lnRef idx="2">
-            <a:schemeClr val="accent1">
-              <a:shade val="15000"/>
-            </a:schemeClr>
-          </a:lnRef>
-          <a:fillRef idx="1003">
-            <a:schemeClr val="lt2"/>
-          </a:fillRef>
-          <a:effectRef idx="0">
-            <a:schemeClr val="accent1"/>
-          </a:effectRef>
-          <a:fontRef idx="minor">
-            <a:schemeClr val="lt1"/>
-          </a:fontRef>
-        </p:style>
-        <p:txBody>
-          <a:bodyPr rtlCol="0" anchor="t"/>
-          <a:lstStyle/>
-          <a:p>
-            <a:pPr>
-              <a:spcAft>
-                <a:spcPts val="600"/>
-              </a:spcAft>
-            </a:pPr>
-            <a:r>
-              <a:rPr lang="en-IE" dirty="0">
-                <a:solidFill>
-                  <a:schemeClr val="tx1"/>
-                </a:solidFill>
-                <a:latin typeface="Congenial" panose="02000503040000020004" pitchFamily="2" charset="0"/>
-              </a:rPr>
-              <a:t>The purpose of the remote FPGA laboratory is to make real PYNQ Z2 hardware available to students and enthusiasts.</a:t>
-            </a:r>
-          </a:p>
-          <a:p>
-            <a:r>
-              <a:rPr lang="en-IE" dirty="0">
-                <a:solidFill>
-                  <a:schemeClr val="tx1"/>
-                </a:solidFill>
-                <a:latin typeface="Congenial" panose="02000503040000020004" pitchFamily="2" charset="0"/>
-              </a:rPr>
-              <a:t>This is achieved by using a tunnelling service. This service runs as a background daemon on the PYNQ’s ARM processor.</a:t>
-            </a:r>
-          </a:p>
-        </p:txBody>
-      </p:sp>
-      <p:sp>
-        <p:nvSpPr>
-          <p:cNvPr id="33" name="TextBox 32">
-            <a:extLst>
-              <a:ext uri="{FF2B5EF4-FFF2-40B4-BE49-F238E27FC236}">
-                <a16:creationId xmlns:a16="http://schemas.microsoft.com/office/drawing/2014/main" id="{14D5D0E2-84A2-A568-4888-760E42D05194}"/>
-              </a:ext>
-            </a:extLst>
-          </p:cNvPr>
-          <p:cNvSpPr txBox="1"/>
-          <p:nvPr/>
-        </p:nvSpPr>
-        <p:spPr>
-          <a:xfrm>
-            <a:off x="176994" y="14464142"/>
-            <a:ext cx="14757411" cy="461665"/>
-          </a:xfrm>
-          <a:prstGeom prst="rect">
-            <a:avLst/>
-          </a:prstGeom>
-          <a:ln/>
-        </p:spPr>
-        <p:style>
-          <a:lnRef idx="1">
-            <a:schemeClr val="accent4"/>
-          </a:lnRef>
-          <a:fillRef idx="2">
-            <a:schemeClr val="accent4"/>
-          </a:fillRef>
-          <a:effectRef idx="1">
-            <a:schemeClr val="accent4"/>
-          </a:effectRef>
-          <a:fontRef idx="minor">
-            <a:schemeClr val="dk1"/>
-          </a:fontRef>
-        </p:style>
-        <p:txBody>
-          <a:bodyPr wrap="square" rtlCol="0">
-            <a:spAutoFit/>
-          </a:bodyPr>
-          <a:lstStyle/>
-          <a:p>
-            <a:pPr algn="ctr"/>
-            <a:r>
-              <a:rPr lang="en-IE" sz="2400" dirty="0">
-                <a:latin typeface="Congenial Black" panose="020F0502020204030204" pitchFamily="2" charset="0"/>
-              </a:rPr>
-              <a:t>RISC-V Challenge-Based Learning Platform</a:t>
-            </a:r>
-          </a:p>
-        </p:txBody>
-      </p:sp>
-      <p:sp>
-        <p:nvSpPr>
-          <p:cNvPr id="34" name="Rectangle 33">
-            <a:extLst>
-              <a:ext uri="{FF2B5EF4-FFF2-40B4-BE49-F238E27FC236}">
-                <a16:creationId xmlns:a16="http://schemas.microsoft.com/office/drawing/2014/main" id="{A64BF828-3F1D-C7A6-8674-BCA34E6E2D24}"/>
-              </a:ext>
-            </a:extLst>
-          </p:cNvPr>
-          <p:cNvSpPr/>
-          <p:nvPr/>
-        </p:nvSpPr>
-        <p:spPr>
-          <a:xfrm>
-            <a:off x="176994" y="14925807"/>
-            <a:ext cx="14757412" cy="4582628"/>
-          </a:xfrm>
-          <a:prstGeom prst="rect">
-            <a:avLst/>
-          </a:prstGeom>
-          <a:ln>
-            <a:solidFill>
-              <a:schemeClr val="accent4"/>
-            </a:solidFill>
-          </a:ln>
-        </p:spPr>
-        <p:style>
-          <a:lnRef idx="2">
-            <a:schemeClr val="accent1">
-              <a:shade val="15000"/>
-            </a:schemeClr>
-          </a:lnRef>
-          <a:fillRef idx="1003">
-            <a:schemeClr val="lt2"/>
-          </a:fillRef>
-          <a:effectRef idx="0">
-            <a:schemeClr val="accent1"/>
-          </a:effectRef>
-          <a:fontRef idx="minor">
-            <a:schemeClr val="lt1"/>
-          </a:fontRef>
-        </p:style>
-        <p:txBody>
-          <a:bodyPr rtlCol="0" anchor="t"/>
-          <a:lstStyle/>
-          <a:p>
-            <a:r>
-              <a:rPr lang="en-IE" dirty="0">
-                <a:solidFill>
-                  <a:schemeClr val="tx1"/>
-                </a:solidFill>
-                <a:latin typeface="Congenial" panose="02000503040000020004" pitchFamily="2" charset="0"/>
-              </a:rPr>
-              <a:t>This section will either be connected to the objectives section above or added more information :&gt;</a:t>
-            </a:r>
-          </a:p>
-          <a:p>
-            <a:endParaRPr lang="en-IE" dirty="0">
-              <a:solidFill>
-                <a:schemeClr val="tx1"/>
-              </a:solidFill>
-              <a:latin typeface="Congenial" panose="02000503040000020004" pitchFamily="2" charset="0"/>
-            </a:endParaRPr>
-          </a:p>
-          <a:p>
-            <a:r>
-              <a:rPr lang="en-IE" dirty="0">
-                <a:solidFill>
-                  <a:schemeClr val="tx1"/>
-                </a:solidFill>
-                <a:latin typeface="Congenial" panose="02000503040000020004" pitchFamily="2" charset="0"/>
-              </a:rPr>
-              <a:t>This section is going to be difficult to produce. We will try our best B)</a:t>
-            </a:r>
-          </a:p>
-        </p:txBody>
-      </p:sp>
-      <p:pic>
-        <p:nvPicPr>
-          <p:cNvPr id="3" name="Picture 2" descr="A close-up of a red circuit board&#10;&#10;Description automatically generated">
-            <a:extLst>
-              <a:ext uri="{FF2B5EF4-FFF2-40B4-BE49-F238E27FC236}">
-                <a16:creationId xmlns:a16="http://schemas.microsoft.com/office/drawing/2014/main" id="{A41DC131-498C-4C4A-D944-F5EF877375F5}"/>
-              </a:ext>
-            </a:extLst>
-          </p:cNvPr>
-          <p:cNvPicPr>
-            <a:picLocks noChangeAspect="1"/>
-          </p:cNvPicPr>
-          <p:nvPr/>
-        </p:nvPicPr>
-        <p:blipFill>
-          <a:blip r:embed="rId3">
-            <a:extLst>
-              <a:ext uri="{28A0092B-C50C-407E-A947-70E740481C1C}">
-                <a14:useLocalDpi xmlns:a14="http://schemas.microsoft.com/office/drawing/2010/main" val="0"/>
-              </a:ext>
-            </a:extLst>
-          </a:blip>
-          <a:stretch>
-            <a:fillRect/>
-          </a:stretch>
-        </p:blipFill>
-        <p:spPr>
-          <a:xfrm>
-            <a:off x="988219" y="9617825"/>
-            <a:ext cx="1642401" cy="1041860"/>
-          </a:xfrm>
-          <a:prstGeom prst="rect">
-            <a:avLst/>
-          </a:prstGeom>
-        </p:spPr>
-      </p:pic>
-      <p:sp>
-        <p:nvSpPr>
-          <p:cNvPr id="5" name="Rectangle 4">
-            <a:extLst>
-              <a:ext uri="{FF2B5EF4-FFF2-40B4-BE49-F238E27FC236}">
-                <a16:creationId xmlns:a16="http://schemas.microsoft.com/office/drawing/2014/main" id="{05CA4519-E39D-7F85-ECCB-BB50EC126768}"/>
-              </a:ext>
-            </a:extLst>
-          </p:cNvPr>
-          <p:cNvSpPr/>
-          <p:nvPr/>
-        </p:nvSpPr>
-        <p:spPr>
-          <a:xfrm>
-            <a:off x="7939219" y="5169505"/>
-            <a:ext cx="6802829" cy="4482064"/>
-          </a:xfrm>
-          <a:prstGeom prst="rect">
-            <a:avLst/>
-          </a:prstGeom>
-          <a:solidFill>
-            <a:schemeClr val="accent4">
-              <a:alpha val="50000"/>
-            </a:schemeClr>
-          </a:solidFill>
-          <a:ln>
-            <a:noFill/>
-          </a:ln>
-        </p:spPr>
-        <p:style>
-          <a:lnRef idx="0">
-            <a:scrgbClr r="0" g="0" b="0"/>
-          </a:lnRef>
-          <a:fillRef idx="0">
-            <a:scrgbClr r="0" g="0" b="0"/>
-          </a:fillRef>
-          <a:effectRef idx="0">
-            <a:scrgbClr r="0" g="0" b="0"/>
-          </a:effectRef>
-          <a:fontRef idx="minor">
-            <a:schemeClr val="lt1"/>
-          </a:fontRef>
-        </p:style>
-        <p:txBody>
-          <a:bodyPr rtlCol="0" anchor="ctr"/>
-          <a:lstStyle/>
-          <a:p>
-            <a:pPr algn="ctr"/>
-            <a:endParaRPr lang="en-IE" dirty="0"/>
-          </a:p>
-        </p:txBody>
-      </p:sp>
-      <p:pic>
-        <p:nvPicPr>
-          <p:cNvPr id="17" name="Picture 16" descr="A screenshot of a computer program&#10;&#10;Description automatically generated">
-            <a:extLst>
-              <a:ext uri="{FF2B5EF4-FFF2-40B4-BE49-F238E27FC236}">
-                <a16:creationId xmlns:a16="http://schemas.microsoft.com/office/drawing/2014/main" id="{0A2B0D16-0822-08FF-062D-19B4753343EB}"/>
-              </a:ext>
-            </a:extLst>
-          </p:cNvPr>
-          <p:cNvPicPr>
-            <a:picLocks noChangeAspect="1"/>
-          </p:cNvPicPr>
-          <p:nvPr/>
-        </p:nvPicPr>
-        <p:blipFill>
-          <a:blip r:embed="rId4">
-            <a:extLst>
-              <a:ext uri="{28A0092B-C50C-407E-A947-70E740481C1C}">
-                <a14:useLocalDpi xmlns:a14="http://schemas.microsoft.com/office/drawing/2010/main" val="0"/>
-              </a:ext>
-            </a:extLst>
-          </a:blip>
-          <a:stretch>
-            <a:fillRect/>
-          </a:stretch>
-        </p:blipFill>
-        <p:spPr>
-          <a:xfrm>
-            <a:off x="7939206" y="9950285"/>
-            <a:ext cx="3369678" cy="1825802"/>
-          </a:xfrm>
-          <a:prstGeom prst="rect">
-            <a:avLst/>
-          </a:prstGeom>
-        </p:spPr>
-      </p:pic>
-      <p:pic>
-        <p:nvPicPr>
-          <p:cNvPr id="21" name="Picture 20" descr="A screenshot of a computer program&#10;&#10;Description automatically generated">
-            <a:extLst>
-              <a:ext uri="{FF2B5EF4-FFF2-40B4-BE49-F238E27FC236}">
-                <a16:creationId xmlns:a16="http://schemas.microsoft.com/office/drawing/2014/main" id="{8008977C-37C3-5B36-0FE3-00CBDE6A5075}"/>
-              </a:ext>
-            </a:extLst>
-          </p:cNvPr>
-          <p:cNvPicPr>
-            <a:picLocks noChangeAspect="1"/>
-          </p:cNvPicPr>
-          <p:nvPr/>
-        </p:nvPicPr>
-        <p:blipFill>
-          <a:blip r:embed="rId5">
-            <a:extLst>
-              <a:ext uri="{28A0092B-C50C-407E-A947-70E740481C1C}">
-                <a14:useLocalDpi xmlns:a14="http://schemas.microsoft.com/office/drawing/2010/main" val="0"/>
-              </a:ext>
-            </a:extLst>
-          </a:blip>
-          <a:stretch>
-            <a:fillRect/>
-          </a:stretch>
-        </p:blipFill>
-        <p:spPr>
-          <a:xfrm>
-            <a:off x="11372357" y="9950284"/>
-            <a:ext cx="3369678" cy="1825802"/>
-          </a:xfrm>
-          <a:prstGeom prst="rect">
-            <a:avLst/>
-          </a:prstGeom>
-        </p:spPr>
-      </p:pic>
-      <p:pic>
-        <p:nvPicPr>
-          <p:cNvPr id="19" name="Picture 18" descr="A screenshot of a computer&#10;&#10;Description automatically generated">
-            <a:extLst>
-              <a:ext uri="{FF2B5EF4-FFF2-40B4-BE49-F238E27FC236}">
-                <a16:creationId xmlns:a16="http://schemas.microsoft.com/office/drawing/2014/main" id="{2198E336-5B10-4172-16BB-4772FD167BAD}"/>
-              </a:ext>
-            </a:extLst>
-          </p:cNvPr>
-          <p:cNvPicPr>
-            <a:picLocks noChangeAspect="1"/>
-          </p:cNvPicPr>
-          <p:nvPr/>
-        </p:nvPicPr>
-        <p:blipFill>
-          <a:blip r:embed="rId6">
-            <a:extLst>
-              <a:ext uri="{28A0092B-C50C-407E-A947-70E740481C1C}">
-                <a14:useLocalDpi xmlns:a14="http://schemas.microsoft.com/office/drawing/2010/main" val="0"/>
-              </a:ext>
-            </a:extLst>
-          </a:blip>
-          <a:stretch>
-            <a:fillRect/>
-          </a:stretch>
-        </p:blipFill>
-        <p:spPr>
-          <a:xfrm>
-            <a:off x="7945557" y="12049552"/>
-            <a:ext cx="3356977" cy="1825802"/>
-          </a:xfrm>
-          <a:prstGeom prst="rect">
-            <a:avLst/>
-          </a:prstGeom>
-        </p:spPr>
-      </p:pic>
-      <p:pic>
-        <p:nvPicPr>
-          <p:cNvPr id="23" name="Picture 22">
-            <a:extLst>
-              <a:ext uri="{FF2B5EF4-FFF2-40B4-BE49-F238E27FC236}">
-                <a16:creationId xmlns:a16="http://schemas.microsoft.com/office/drawing/2014/main" id="{53212D3A-A479-9EC8-FAA0-51D7A5C3A859}"/>
-              </a:ext>
-            </a:extLst>
-          </p:cNvPr>
-          <p:cNvPicPr>
-            <a:picLocks noChangeAspect="1"/>
-          </p:cNvPicPr>
-          <p:nvPr/>
-        </p:nvPicPr>
-        <p:blipFill>
-          <a:blip r:embed="rId7"/>
-          <a:stretch>
-            <a:fillRect/>
-          </a:stretch>
-        </p:blipFill>
-        <p:spPr>
-          <a:xfrm>
-            <a:off x="11361256" y="12053084"/>
-            <a:ext cx="3376029" cy="1822269"/>
-          </a:xfrm>
-          <a:prstGeom prst="rect">
-            <a:avLst/>
-          </a:prstGeom>
-        </p:spPr>
-      </p:pic>
-      <p:sp>
-        <p:nvSpPr>
-          <p:cNvPr id="24" name="TextBox 23">
-            <a:extLst>
-              <a:ext uri="{FF2B5EF4-FFF2-40B4-BE49-F238E27FC236}">
-                <a16:creationId xmlns:a16="http://schemas.microsoft.com/office/drawing/2014/main" id="{B11CA88F-E5D5-2979-1A19-BFE94B22928A}"/>
-              </a:ext>
-            </a:extLst>
-          </p:cNvPr>
-          <p:cNvSpPr txBox="1"/>
-          <p:nvPr/>
-        </p:nvSpPr>
-        <p:spPr>
-          <a:xfrm>
-            <a:off x="7940806" y="11776086"/>
-            <a:ext cx="3363328" cy="276999"/>
-          </a:xfrm>
-          <a:prstGeom prst="rect">
-            <a:avLst/>
-          </a:prstGeom>
-          <a:noFill/>
-        </p:spPr>
-        <p:txBody>
-          <a:bodyPr wrap="square" rtlCol="0">
-            <a:spAutoFit/>
-          </a:bodyPr>
-          <a:lstStyle/>
-          <a:p>
-            <a:pPr algn="ctr"/>
-            <a:r>
-              <a:rPr lang="en-IE" sz="1200" dirty="0">
-                <a:latin typeface="Congenial" panose="02000503040000020004" pitchFamily="2" charset="0"/>
-              </a:rPr>
-              <a:t>PYNQ SoC Builder Main Menu</a:t>
-            </a:r>
-          </a:p>
-        </p:txBody>
-      </p:sp>
-      <p:sp>
-        <p:nvSpPr>
-          <p:cNvPr id="25" name="TextBox 24">
-            <a:extLst>
-              <a:ext uri="{FF2B5EF4-FFF2-40B4-BE49-F238E27FC236}">
-                <a16:creationId xmlns:a16="http://schemas.microsoft.com/office/drawing/2014/main" id="{10A86835-3D95-76B8-ED7A-AB8CDF2768B6}"/>
-              </a:ext>
-            </a:extLst>
-          </p:cNvPr>
-          <p:cNvSpPr txBox="1"/>
-          <p:nvPr/>
-        </p:nvSpPr>
-        <p:spPr>
-          <a:xfrm>
-            <a:off x="11367607" y="11769839"/>
-            <a:ext cx="3369678" cy="276999"/>
-          </a:xfrm>
-          <a:prstGeom prst="rect">
-            <a:avLst/>
-          </a:prstGeom>
-          <a:noFill/>
-        </p:spPr>
-        <p:txBody>
-          <a:bodyPr wrap="square" rtlCol="0">
-            <a:spAutoFit/>
-          </a:bodyPr>
-          <a:lstStyle/>
-          <a:p>
-            <a:pPr algn="ctr"/>
-            <a:r>
-              <a:rPr lang="en-IE" sz="1200" dirty="0">
-                <a:latin typeface="Congenial" panose="02000503040000020004" pitchFamily="2" charset="0"/>
-              </a:rPr>
-              <a:t>In Progress Screen</a:t>
-            </a:r>
-          </a:p>
-        </p:txBody>
-      </p:sp>
-      <p:sp>
-        <p:nvSpPr>
-          <p:cNvPr id="35" name="TextBox 34">
-            <a:extLst>
-              <a:ext uri="{FF2B5EF4-FFF2-40B4-BE49-F238E27FC236}">
-                <a16:creationId xmlns:a16="http://schemas.microsoft.com/office/drawing/2014/main" id="{7E5EB8F9-624F-5575-9A3E-6480AFA3F82E}"/>
-              </a:ext>
-            </a:extLst>
-          </p:cNvPr>
-          <p:cNvSpPr txBox="1"/>
-          <p:nvPr/>
-        </p:nvSpPr>
-        <p:spPr>
-          <a:xfrm>
-            <a:off x="7939206" y="13885134"/>
-            <a:ext cx="3363328" cy="276999"/>
-          </a:xfrm>
-          <a:prstGeom prst="rect">
-            <a:avLst/>
-          </a:prstGeom>
-          <a:noFill/>
-        </p:spPr>
-        <p:txBody>
-          <a:bodyPr wrap="square" rtlCol="0">
-            <a:spAutoFit/>
-          </a:bodyPr>
-          <a:lstStyle/>
-          <a:p>
-            <a:pPr algn="ctr"/>
-            <a:r>
-              <a:rPr lang="en-IE" sz="1200" dirty="0">
-                <a:latin typeface="Congenial" panose="02000503040000020004" pitchFamily="2" charset="0"/>
-              </a:rPr>
-              <a:t>I/O Connections Menu</a:t>
-            </a:r>
-          </a:p>
-        </p:txBody>
-      </p:sp>
-      <p:sp>
-        <p:nvSpPr>
-          <p:cNvPr id="36" name="TextBox 35">
-            <a:extLst>
-              <a:ext uri="{FF2B5EF4-FFF2-40B4-BE49-F238E27FC236}">
-                <a16:creationId xmlns:a16="http://schemas.microsoft.com/office/drawing/2014/main" id="{6F835EBF-10F9-3A2F-EDA8-FDF484A8FAA8}"/>
-              </a:ext>
-            </a:extLst>
-          </p:cNvPr>
-          <p:cNvSpPr txBox="1"/>
-          <p:nvPr/>
-        </p:nvSpPr>
-        <p:spPr>
-          <a:xfrm>
-            <a:off x="11366007" y="13878887"/>
-            <a:ext cx="3369678" cy="276999"/>
-          </a:xfrm>
-          <a:prstGeom prst="rect">
-            <a:avLst/>
-          </a:prstGeom>
-          <a:noFill/>
-        </p:spPr>
-        <p:txBody>
-          <a:bodyPr wrap="square" rtlCol="0">
-            <a:spAutoFit/>
-          </a:bodyPr>
-          <a:lstStyle/>
-          <a:p>
-            <a:pPr algn="ctr"/>
-            <a:r>
-              <a:rPr lang="en-IE" sz="1200" dirty="0">
-                <a:latin typeface="Congenial" panose="02000503040000020004" pitchFamily="2" charset="0"/>
-              </a:rPr>
-              <a:t>Sample LED Signal Configuration</a:t>
-            </a:r>
-          </a:p>
-        </p:txBody>
-      </p:sp>
-      <p:sp>
-        <p:nvSpPr>
-          <p:cNvPr id="37" name="Rectangle: Rounded Corners 36">
-            <a:extLst>
-              <a:ext uri="{FF2B5EF4-FFF2-40B4-BE49-F238E27FC236}">
-                <a16:creationId xmlns:a16="http://schemas.microsoft.com/office/drawing/2014/main" id="{EF7716DF-0001-78BF-0D54-CDA3FCAE3A30}"/>
-              </a:ext>
-            </a:extLst>
-          </p:cNvPr>
-          <p:cNvSpPr/>
-          <p:nvPr/>
-        </p:nvSpPr>
-        <p:spPr>
-          <a:xfrm>
-            <a:off x="10922826" y="5463312"/>
-            <a:ext cx="1351720" cy="2483565"/>
-          </a:xfrm>
-          <a:prstGeom prst="roundRect">
-            <a:avLst/>
-          </a:prstGeom>
-          <a:solidFill>
-            <a:schemeClr val="accent5">
-              <a:lumMod val="60000"/>
-              <a:lumOff val="40000"/>
-            </a:schemeClr>
-          </a:solidFill>
-        </p:spPr>
-        <p:style>
-          <a:lnRef idx="2">
-            <a:schemeClr val="accent5">
-              <a:shade val="15000"/>
-            </a:schemeClr>
-          </a:lnRef>
-          <a:fillRef idx="1">
-            <a:schemeClr val="accent5"/>
-          </a:fillRef>
-          <a:effectRef idx="0">
-            <a:schemeClr val="accent5"/>
-          </a:effectRef>
-          <a:fontRef idx="minor">
-            <a:schemeClr val="lt1"/>
-          </a:fontRef>
-        </p:style>
-        <p:txBody>
-          <a:bodyPr rtlCol="0" anchor="t"/>
-          <a:lstStyle/>
-          <a:p>
-            <a:pPr algn="ctr"/>
-            <a:r>
-              <a:rPr lang="en-IE" dirty="0">
-                <a:solidFill>
-                  <a:sysClr val="windowText" lastClr="000000"/>
-                </a:solidFill>
-                <a:latin typeface="Congenial Black" panose="02000503040000020004" pitchFamily="2" charset="0"/>
-              </a:rPr>
-              <a:t>PYNQ</a:t>
-            </a:r>
-          </a:p>
-          <a:p>
-            <a:pPr algn="ctr"/>
-            <a:r>
-              <a:rPr lang="en-IE" dirty="0">
-                <a:solidFill>
-                  <a:sysClr val="windowText" lastClr="000000"/>
-                </a:solidFill>
-                <a:latin typeface="Congenial Black" panose="02000503040000020004" pitchFamily="2" charset="0"/>
-              </a:rPr>
-              <a:t>SoC</a:t>
-            </a:r>
-          </a:p>
-          <a:p>
-            <a:pPr algn="ctr"/>
-            <a:r>
-              <a:rPr lang="en-IE" dirty="0">
-                <a:solidFill>
-                  <a:sysClr val="windowText" lastClr="000000"/>
-                </a:solidFill>
-                <a:latin typeface="Congenial Black" panose="02000503040000020004" pitchFamily="2" charset="0"/>
-              </a:rPr>
-              <a:t>Builder</a:t>
-            </a:r>
-          </a:p>
-        </p:txBody>
-      </p:sp>
-      <p:sp>
-        <p:nvSpPr>
-          <p:cNvPr id="38" name="Rectangle 37">
-            <a:extLst>
-              <a:ext uri="{FF2B5EF4-FFF2-40B4-BE49-F238E27FC236}">
-                <a16:creationId xmlns:a16="http://schemas.microsoft.com/office/drawing/2014/main" id="{879B4ED4-2660-6102-5423-1B8A096211DA}"/>
-              </a:ext>
-            </a:extLst>
-          </p:cNvPr>
-          <p:cNvSpPr/>
-          <p:nvPr/>
-        </p:nvSpPr>
-        <p:spPr>
-          <a:xfrm>
-            <a:off x="8115300" y="5491876"/>
-            <a:ext cx="1860748" cy="664601"/>
-          </a:xfrm>
-          <a:prstGeom prst="rect">
-            <a:avLst/>
-          </a:prstGeom>
-          <a:solidFill>
-            <a:schemeClr val="tx2"/>
-          </a:solidFill>
-        </p:spPr>
-        <p:style>
-          <a:lnRef idx="2">
-            <a:schemeClr val="accent1">
-              <a:shade val="15000"/>
-            </a:schemeClr>
-          </a:lnRef>
-          <a:fillRef idx="1">
-            <a:schemeClr val="accent1"/>
-          </a:fillRef>
-          <a:effectRef idx="0">
-            <a:schemeClr val="accent1"/>
-          </a:effectRef>
-          <a:fontRef idx="minor">
-            <a:schemeClr val="lt1"/>
-          </a:fontRef>
-        </p:style>
-        <p:txBody>
-          <a:bodyPr rtlCol="0" anchor="ctr"/>
-          <a:lstStyle/>
-          <a:p>
-            <a:pPr algn="ctr"/>
-            <a:r>
-              <a:rPr lang="en-IE" dirty="0">
-                <a:latin typeface="Congenial" panose="02000503040000020004" pitchFamily="2" charset="0"/>
-              </a:rPr>
-              <a:t>HDLGen Project XML Data</a:t>
-            </a:r>
-          </a:p>
-        </p:txBody>
-      </p:sp>
-      <p:sp>
-        <p:nvSpPr>
-          <p:cNvPr id="39" name="Rectangle 38">
-            <a:extLst>
-              <a:ext uri="{FF2B5EF4-FFF2-40B4-BE49-F238E27FC236}">
-                <a16:creationId xmlns:a16="http://schemas.microsoft.com/office/drawing/2014/main" id="{34C4F8FA-C828-5AB3-1DC5-8DD453564E52}"/>
-              </a:ext>
-            </a:extLst>
-          </p:cNvPr>
-          <p:cNvSpPr/>
-          <p:nvPr/>
-        </p:nvSpPr>
-        <p:spPr>
-          <a:xfrm>
-            <a:off x="8115299" y="6171627"/>
-            <a:ext cx="1859783" cy="1903468"/>
-          </a:xfrm>
-          <a:prstGeom prst="rect">
-            <a:avLst/>
-          </a:prstGeom>
-          <a:solidFill>
-            <a:schemeClr val="dk1">
-              <a:alpha val="50000"/>
-            </a:schemeClr>
-          </a:solidFill>
-          <a:ln>
-            <a:noFill/>
-          </a:ln>
-        </p:spPr>
-        <p:style>
-          <a:lnRef idx="0">
-            <a:scrgbClr r="0" g="0" b="0"/>
-          </a:lnRef>
-          <a:fillRef idx="0">
-            <a:scrgbClr r="0" g="0" b="0"/>
-          </a:fillRef>
-          <a:effectRef idx="0">
-            <a:scrgbClr r="0" g="0" b="0"/>
-          </a:effectRef>
-          <a:fontRef idx="minor">
-            <a:schemeClr val="lt1"/>
-          </a:fontRef>
-        </p:style>
-        <p:txBody>
-          <a:bodyPr rtlCol="0" anchor="t"/>
-          <a:lstStyle/>
-          <a:p>
-            <a:pPr marL="36000" algn="ctr"/>
-            <a:r>
-              <a:rPr lang="en-IE" sz="1200" dirty="0">
-                <a:latin typeface="Congenial" panose="02000503040000020004" pitchFamily="2" charset="0"/>
-              </a:rPr>
-              <a:t>Name, Description,</a:t>
-            </a:r>
-          </a:p>
-          <a:p>
-            <a:pPr marL="36000" algn="ctr"/>
-            <a:r>
-              <a:rPr lang="en-IE" sz="1200" dirty="0">
-                <a:latin typeface="Congenial" panose="02000503040000020004" pitchFamily="2" charset="0"/>
-              </a:rPr>
-              <a:t> Date, Author, Email, Company</a:t>
-            </a:r>
-          </a:p>
-          <a:p>
-            <a:pPr marL="36000" algn="ctr"/>
-            <a:r>
-              <a:rPr lang="en-IE" sz="1200" dirty="0">
-                <a:latin typeface="Congenial" panose="02000503040000020004" pitchFamily="2" charset="0"/>
-              </a:rPr>
-              <a:t>Component</a:t>
-            </a:r>
-          </a:p>
-          <a:p>
-            <a:pPr marL="36000" algn="ctr"/>
-            <a:r>
-              <a:rPr lang="en-IE" sz="1200" dirty="0">
-                <a:latin typeface="Congenial" panose="02000503040000020004" pitchFamily="2" charset="0"/>
-              </a:rPr>
-              <a:t>Signal Type</a:t>
-            </a:r>
-          </a:p>
-          <a:p>
-            <a:pPr marL="36000" algn="ctr"/>
-            <a:r>
-              <a:rPr lang="en-IE" sz="1200" dirty="0">
-                <a:latin typeface="Congenial" panose="02000503040000020004" pitchFamily="2" charset="0"/>
-              </a:rPr>
-              <a:t>Sub-components</a:t>
-            </a:r>
-          </a:p>
-          <a:p>
-            <a:pPr marL="36000" algn="ctr"/>
-            <a:r>
-              <a:rPr lang="en-IE" sz="1200" dirty="0">
-                <a:latin typeface="Congenial" panose="02000503040000020004" pitchFamily="2" charset="0"/>
-              </a:rPr>
-              <a:t>Ports</a:t>
-            </a:r>
-          </a:p>
-          <a:p>
-            <a:pPr marL="36000" algn="ctr"/>
-            <a:r>
-              <a:rPr lang="en-IE" sz="1200" dirty="0">
-                <a:latin typeface="Congenial" panose="02000503040000020004" pitchFamily="2" charset="0"/>
-              </a:rPr>
-              <a:t>Internal Signals</a:t>
-            </a:r>
-          </a:p>
-          <a:p>
-            <a:pPr marL="36000" algn="ctr"/>
-            <a:r>
-              <a:rPr lang="en-IE" sz="1200" dirty="0">
-                <a:latin typeface="Congenial" panose="02000503040000020004" pitchFamily="2" charset="0"/>
-              </a:rPr>
-              <a:t>Architecture</a:t>
-            </a:r>
-          </a:p>
-          <a:p>
-            <a:pPr marL="36000" algn="ctr"/>
-            <a:r>
-              <a:rPr lang="en-IE" sz="1200" dirty="0">
-                <a:latin typeface="Congenial" panose="02000503040000020004" pitchFamily="2" charset="0"/>
-              </a:rPr>
-              <a:t>Test Plan</a:t>
-            </a:r>
-          </a:p>
-        </p:txBody>
-      </p:sp>
-      <p:sp>
-        <p:nvSpPr>
-          <p:cNvPr id="44" name="TextBox 43">
-            <a:extLst>
-              <a:ext uri="{FF2B5EF4-FFF2-40B4-BE49-F238E27FC236}">
-                <a16:creationId xmlns:a16="http://schemas.microsoft.com/office/drawing/2014/main" id="{DDA796BF-78E2-907D-F6A3-F2932450BAA0}"/>
-              </a:ext>
-            </a:extLst>
-          </p:cNvPr>
-          <p:cNvSpPr txBox="1"/>
-          <p:nvPr/>
-        </p:nvSpPr>
-        <p:spPr>
-          <a:xfrm>
-            <a:off x="10107909" y="6096397"/>
-            <a:ext cx="692260" cy="461665"/>
-          </a:xfrm>
-          <a:prstGeom prst="rect">
-            <a:avLst/>
-          </a:prstGeom>
-          <a:noFill/>
-        </p:spPr>
-        <p:txBody>
-          <a:bodyPr wrap="square" rtlCol="0">
-            <a:spAutoFit/>
-          </a:bodyPr>
-          <a:lstStyle/>
-          <a:p>
-            <a:pPr algn="ctr"/>
-            <a:r>
-              <a:rPr lang="en-IE" sz="1200" b="1" dirty="0">
-                <a:latin typeface="Congenial" panose="02000503040000020004" pitchFamily="2" charset="0"/>
-              </a:rPr>
-              <a:t>1</a:t>
-            </a:r>
-            <a:r>
-              <a:rPr lang="en-IE" sz="1200" dirty="0">
-                <a:latin typeface="Congenial" panose="02000503040000020004" pitchFamily="2" charset="0"/>
-              </a:rPr>
-              <a:t>. Read</a:t>
-            </a:r>
-          </a:p>
-          <a:p>
-            <a:pPr algn="ctr"/>
-            <a:r>
-              <a:rPr lang="en-IE" sz="1200" dirty="0">
-                <a:latin typeface="Congenial" panose="02000503040000020004" pitchFamily="2" charset="0"/>
-              </a:rPr>
-              <a:t>Data</a:t>
-            </a:r>
-          </a:p>
-        </p:txBody>
-      </p:sp>
-      <p:sp>
-        <p:nvSpPr>
-          <p:cNvPr id="45" name="TextBox 44">
-            <a:extLst>
-              <a:ext uri="{FF2B5EF4-FFF2-40B4-BE49-F238E27FC236}">
-                <a16:creationId xmlns:a16="http://schemas.microsoft.com/office/drawing/2014/main" id="{30D294A8-6B78-B0B5-B3BC-17B43E8C705A}"/>
-              </a:ext>
-            </a:extLst>
-          </p:cNvPr>
-          <p:cNvSpPr txBox="1"/>
-          <p:nvPr/>
-        </p:nvSpPr>
-        <p:spPr>
-          <a:xfrm>
-            <a:off x="10563639" y="7998541"/>
-            <a:ext cx="993671" cy="646331"/>
-          </a:xfrm>
-          <a:prstGeom prst="rect">
-            <a:avLst/>
-          </a:prstGeom>
-          <a:noFill/>
-        </p:spPr>
-        <p:txBody>
-          <a:bodyPr wrap="square" rtlCol="0">
-            <a:spAutoFit/>
-          </a:bodyPr>
-          <a:lstStyle/>
-          <a:p>
-            <a:pPr algn="ctr"/>
-            <a:r>
-              <a:rPr lang="en-IE" sz="1200" b="1" dirty="0">
-                <a:latin typeface="Congenial" panose="02000503040000020004" pitchFamily="2" charset="0"/>
-              </a:rPr>
-              <a:t>3</a:t>
-            </a:r>
-            <a:r>
-              <a:rPr lang="en-IE" sz="1200" dirty="0">
-                <a:latin typeface="Congenial" panose="02000503040000020004" pitchFamily="2" charset="0"/>
-              </a:rPr>
-              <a:t>. Invoke script in Vivado </a:t>
-            </a:r>
-          </a:p>
-        </p:txBody>
-      </p:sp>
-      <p:cxnSp>
-        <p:nvCxnSpPr>
-          <p:cNvPr id="46" name="Straight Arrow Connector 45">
-            <a:extLst>
-              <a:ext uri="{FF2B5EF4-FFF2-40B4-BE49-F238E27FC236}">
-                <a16:creationId xmlns:a16="http://schemas.microsoft.com/office/drawing/2014/main" id="{98DA1B83-3416-6975-B4D8-AFAD4D6F2E02}"/>
-              </a:ext>
-            </a:extLst>
-          </p:cNvPr>
-          <p:cNvCxnSpPr>
-            <a:cxnSpLocks/>
-          </p:cNvCxnSpPr>
-          <p:nvPr/>
-        </p:nvCxnSpPr>
-        <p:spPr>
-          <a:xfrm flipH="1">
-            <a:off x="11454881" y="7960858"/>
-            <a:ext cx="15790" cy="686450"/>
-          </a:xfrm>
-          <a:prstGeom prst="straightConnector1">
-            <a:avLst/>
-          </a:prstGeom>
-          <a:ln w="76200">
-            <a:solidFill>
-              <a:srgbClr val="C00000"/>
-            </a:solidFill>
-            <a:tailEnd type="triangle"/>
-          </a:ln>
-        </p:spPr>
-        <p:style>
-          <a:lnRef idx="2">
-            <a:schemeClr val="accent1"/>
-          </a:lnRef>
-          <a:fillRef idx="0">
-            <a:schemeClr val="accent1"/>
-          </a:fillRef>
-          <a:effectRef idx="1">
-            <a:schemeClr val="accent1"/>
-          </a:effectRef>
-          <a:fontRef idx="minor">
-            <a:schemeClr val="tx1"/>
-          </a:fontRef>
-        </p:style>
-      </p:cxnSp>
-      <p:cxnSp>
-        <p:nvCxnSpPr>
-          <p:cNvPr id="54" name="Straight Arrow Connector 53">
-            <a:extLst>
-              <a:ext uri="{FF2B5EF4-FFF2-40B4-BE49-F238E27FC236}">
-                <a16:creationId xmlns:a16="http://schemas.microsoft.com/office/drawing/2014/main" id="{39DE577A-5127-F0D6-79CB-0DEC9B3336FA}"/>
-              </a:ext>
-            </a:extLst>
-          </p:cNvPr>
-          <p:cNvCxnSpPr>
-            <a:cxnSpLocks/>
-          </p:cNvCxnSpPr>
-          <p:nvPr/>
-        </p:nvCxnSpPr>
-        <p:spPr>
-          <a:xfrm>
-            <a:off x="9985252" y="6015624"/>
-            <a:ext cx="937574" cy="0"/>
-          </a:xfrm>
-          <a:prstGeom prst="straightConnector1">
-            <a:avLst/>
-          </a:prstGeom>
-          <a:ln w="76200">
-            <a:solidFill>
-              <a:srgbClr val="C00000"/>
-            </a:solidFill>
-            <a:tailEnd type="triangle"/>
-          </a:ln>
-        </p:spPr>
-        <p:style>
-          <a:lnRef idx="2">
-            <a:schemeClr val="accent1"/>
-          </a:lnRef>
-          <a:fillRef idx="0">
-            <a:schemeClr val="accent1"/>
-          </a:fillRef>
-          <a:effectRef idx="1">
-            <a:schemeClr val="accent1"/>
-          </a:effectRef>
-          <a:fontRef idx="minor">
-            <a:schemeClr val="tx1"/>
-          </a:fontRef>
-        </p:style>
-      </p:cxnSp>
-      <p:cxnSp>
-        <p:nvCxnSpPr>
-          <p:cNvPr id="58" name="Straight Arrow Connector 57">
-            <a:extLst>
-              <a:ext uri="{FF2B5EF4-FFF2-40B4-BE49-F238E27FC236}">
-                <a16:creationId xmlns:a16="http://schemas.microsoft.com/office/drawing/2014/main" id="{9E5B057B-0C52-5E91-2C0E-3F12E1881562}"/>
-              </a:ext>
-            </a:extLst>
-          </p:cNvPr>
-          <p:cNvCxnSpPr>
-            <a:cxnSpLocks/>
-          </p:cNvCxnSpPr>
-          <p:nvPr/>
-        </p:nvCxnSpPr>
-        <p:spPr>
-          <a:xfrm flipV="1">
-            <a:off x="11752689" y="7960858"/>
-            <a:ext cx="0" cy="684014"/>
-          </a:xfrm>
-          <a:prstGeom prst="straightConnector1">
-            <a:avLst/>
-          </a:prstGeom>
-          <a:ln w="76200">
-            <a:solidFill>
-              <a:srgbClr val="C00000"/>
-            </a:solidFill>
-            <a:tailEnd type="triangle"/>
-          </a:ln>
-        </p:spPr>
-        <p:style>
-          <a:lnRef idx="2">
-            <a:schemeClr val="accent1"/>
-          </a:lnRef>
-          <a:fillRef idx="0">
-            <a:schemeClr val="accent1"/>
-          </a:fillRef>
-          <a:effectRef idx="1">
-            <a:schemeClr val="accent1"/>
-          </a:effectRef>
-          <a:fontRef idx="minor">
-            <a:schemeClr val="tx1"/>
-          </a:fontRef>
-        </p:style>
-      </p:cxnSp>
-      <p:sp>
-        <p:nvSpPr>
-          <p:cNvPr id="69" name="Rectangle: Rounded Corners 68">
-            <a:extLst>
-              <a:ext uri="{FF2B5EF4-FFF2-40B4-BE49-F238E27FC236}">
-                <a16:creationId xmlns:a16="http://schemas.microsoft.com/office/drawing/2014/main" id="{207B75FB-E85C-298D-0A4C-1D5C95F3F1DF}"/>
-              </a:ext>
-            </a:extLst>
-          </p:cNvPr>
-          <p:cNvSpPr/>
-          <p:nvPr/>
-        </p:nvSpPr>
-        <p:spPr>
-          <a:xfrm>
-            <a:off x="13208822" y="5491877"/>
-            <a:ext cx="1351721" cy="2034855"/>
-          </a:xfrm>
-          <a:prstGeom prst="roundRect">
-            <a:avLst/>
-          </a:prstGeom>
-          <a:solidFill>
-            <a:schemeClr val="accent2">
-              <a:lumMod val="60000"/>
-              <a:lumOff val="40000"/>
-            </a:schemeClr>
-          </a:solidFill>
-        </p:spPr>
-        <p:style>
-          <a:lnRef idx="2">
-            <a:schemeClr val="accent5">
-              <a:shade val="15000"/>
-            </a:schemeClr>
-          </a:lnRef>
-          <a:fillRef idx="1">
-            <a:schemeClr val="accent5"/>
-          </a:fillRef>
-          <a:effectRef idx="0">
-            <a:schemeClr val="accent5"/>
-          </a:effectRef>
-          <a:fontRef idx="minor">
-            <a:schemeClr val="lt1"/>
-          </a:fontRef>
-        </p:style>
-        <p:txBody>
-          <a:bodyPr rtlCol="0" anchor="t"/>
-          <a:lstStyle/>
-          <a:p>
-            <a:pPr algn="ctr"/>
-            <a:r>
-              <a:rPr lang="en-IE" dirty="0">
-                <a:solidFill>
-                  <a:sysClr val="windowText" lastClr="000000"/>
-                </a:solidFill>
-                <a:latin typeface="Congenial Black" panose="02000503040000020004" pitchFamily="2" charset="0"/>
-              </a:rPr>
-              <a:t>Output Binaries</a:t>
-            </a:r>
-          </a:p>
-          <a:p>
-            <a:pPr algn="ctr"/>
-            <a:endParaRPr lang="en-IE" dirty="0">
-              <a:solidFill>
-                <a:sysClr val="windowText" lastClr="000000"/>
-              </a:solidFill>
-              <a:latin typeface="Congenial" panose="02000503040000020004" pitchFamily="2" charset="0"/>
-            </a:endParaRPr>
-          </a:p>
-          <a:p>
-            <a:pPr algn="ctr"/>
-            <a:r>
-              <a:rPr lang="en-IE" dirty="0">
-                <a:solidFill>
-                  <a:sysClr val="windowText" lastClr="000000"/>
-                </a:solidFill>
-                <a:latin typeface="Congenial" panose="02000503040000020004" pitchFamily="2" charset="0"/>
-              </a:rPr>
-              <a:t>.hwh, .tcl, .bit, .ipynb</a:t>
-            </a:r>
-          </a:p>
-        </p:txBody>
-      </p:sp>
-      <p:pic>
-        <p:nvPicPr>
-          <p:cNvPr id="72" name="Picture 71" descr="A close-up of a logo&#10;&#10;Description automatically generated">
-            <a:extLst>
-              <a:ext uri="{FF2B5EF4-FFF2-40B4-BE49-F238E27FC236}">
-                <a16:creationId xmlns:a16="http://schemas.microsoft.com/office/drawing/2014/main" id="{C1BD3A44-B696-6B54-8EFB-E341224DB1AB}"/>
-              </a:ext>
-            </a:extLst>
-          </p:cNvPr>
-          <p:cNvPicPr>
-            <a:picLocks noChangeAspect="1"/>
-          </p:cNvPicPr>
-          <p:nvPr/>
-        </p:nvPicPr>
-        <p:blipFill>
-          <a:blip r:embed="rId8">
-            <a:extLst>
-              <a:ext uri="{28A0092B-C50C-407E-A947-70E740481C1C}">
-                <a14:useLocalDpi xmlns:a14="http://schemas.microsoft.com/office/drawing/2010/main" val="0"/>
-              </a:ext>
-            </a:extLst>
-          </a:blip>
-          <a:stretch>
-            <a:fillRect/>
-          </a:stretch>
-        </p:blipFill>
-        <p:spPr>
-          <a:xfrm>
-            <a:off x="9869154" y="8661212"/>
-            <a:ext cx="2161813" cy="705563"/>
-          </a:xfrm>
-          <a:prstGeom prst="roundRect">
-            <a:avLst/>
-          </a:prstGeom>
-          <a:ln w="19050">
-            <a:solidFill>
-              <a:schemeClr val="tx1"/>
-            </a:solidFill>
-          </a:ln>
-        </p:spPr>
-      </p:pic>
-      <p:sp>
-        <p:nvSpPr>
-          <p:cNvPr id="76" name="TextBox 75">
-            <a:extLst>
-              <a:ext uri="{FF2B5EF4-FFF2-40B4-BE49-F238E27FC236}">
-                <a16:creationId xmlns:a16="http://schemas.microsoft.com/office/drawing/2014/main" id="{EB5A9E15-4160-7EA3-E8E4-148D8E7ADE59}"/>
-              </a:ext>
-            </a:extLst>
-          </p:cNvPr>
-          <p:cNvSpPr txBox="1"/>
-          <p:nvPr/>
-        </p:nvSpPr>
-        <p:spPr>
-          <a:xfrm>
-            <a:off x="10935547" y="6348866"/>
-            <a:ext cx="1326276" cy="830997"/>
-          </a:xfrm>
-          <a:prstGeom prst="rect">
-            <a:avLst/>
-          </a:prstGeom>
-          <a:noFill/>
-        </p:spPr>
-        <p:txBody>
-          <a:bodyPr wrap="square" rtlCol="0">
-            <a:spAutoFit/>
-          </a:bodyPr>
-          <a:lstStyle/>
-          <a:p>
-            <a:pPr algn="ctr"/>
-            <a:r>
-              <a:rPr lang="en-IE" sz="1200" b="1" dirty="0">
-                <a:latin typeface="Congenial" panose="02000503040000020004" pitchFamily="2" charset="0"/>
-              </a:rPr>
-              <a:t>2</a:t>
-            </a:r>
-            <a:r>
-              <a:rPr lang="en-IE" sz="1200" dirty="0">
-                <a:latin typeface="Congenial" panose="02000503040000020004" pitchFamily="2" charset="0"/>
-              </a:rPr>
-              <a:t>. Prepare a Tcl script which applies build steps in Vivado</a:t>
-            </a:r>
-          </a:p>
-        </p:txBody>
-      </p:sp>
-      <p:sp>
-        <p:nvSpPr>
-          <p:cNvPr id="79" name="TextBox 78">
-            <a:extLst>
-              <a:ext uri="{FF2B5EF4-FFF2-40B4-BE49-F238E27FC236}">
-                <a16:creationId xmlns:a16="http://schemas.microsoft.com/office/drawing/2014/main" id="{2AD9A5F7-10AF-239C-AD56-60E7EA99DC32}"/>
-              </a:ext>
-            </a:extLst>
-          </p:cNvPr>
-          <p:cNvSpPr txBox="1"/>
-          <p:nvPr/>
-        </p:nvSpPr>
-        <p:spPr>
-          <a:xfrm>
-            <a:off x="11700665" y="7986980"/>
-            <a:ext cx="993671" cy="646331"/>
-          </a:xfrm>
-          <a:prstGeom prst="rect">
-            <a:avLst/>
-          </a:prstGeom>
-          <a:noFill/>
-        </p:spPr>
-        <p:txBody>
-          <a:bodyPr wrap="square" rtlCol="0">
-            <a:spAutoFit/>
-          </a:bodyPr>
-          <a:lstStyle/>
-          <a:p>
-            <a:pPr algn="ctr"/>
-            <a:r>
-              <a:rPr lang="en-IE" sz="1200" b="1" dirty="0">
-                <a:latin typeface="Congenial" panose="02000503040000020004" pitchFamily="2" charset="0"/>
-              </a:rPr>
-              <a:t>4</a:t>
-            </a:r>
-            <a:r>
-              <a:rPr lang="en-IE" sz="1200" dirty="0">
-                <a:latin typeface="Congenial" panose="02000503040000020004" pitchFamily="2" charset="0"/>
-              </a:rPr>
-              <a:t>. Vivado exports binaries</a:t>
-            </a:r>
-          </a:p>
-        </p:txBody>
-      </p:sp>
-      <p:sp>
-        <p:nvSpPr>
-          <p:cNvPr id="80" name="TextBox 79">
-            <a:extLst>
-              <a:ext uri="{FF2B5EF4-FFF2-40B4-BE49-F238E27FC236}">
-                <a16:creationId xmlns:a16="http://schemas.microsoft.com/office/drawing/2014/main" id="{C8CCB684-A75C-E3CB-C773-8B4E152488A7}"/>
-              </a:ext>
-            </a:extLst>
-          </p:cNvPr>
-          <p:cNvSpPr txBox="1"/>
-          <p:nvPr/>
-        </p:nvSpPr>
-        <p:spPr>
-          <a:xfrm>
-            <a:off x="10938745" y="7111019"/>
-            <a:ext cx="1326276" cy="830997"/>
-          </a:xfrm>
-          <a:prstGeom prst="rect">
-            <a:avLst/>
-          </a:prstGeom>
-          <a:noFill/>
-        </p:spPr>
-        <p:txBody>
-          <a:bodyPr wrap="square" rtlCol="0">
-            <a:spAutoFit/>
-          </a:bodyPr>
-          <a:lstStyle/>
-          <a:p>
-            <a:pPr algn="ctr"/>
-            <a:r>
-              <a:rPr lang="en-IE" sz="1200" b="1" dirty="0">
-                <a:latin typeface="Congenial" panose="02000503040000020004" pitchFamily="2" charset="0"/>
-              </a:rPr>
-              <a:t>5</a:t>
-            </a:r>
-            <a:r>
-              <a:rPr lang="en-IE" sz="1200" dirty="0">
-                <a:latin typeface="Congenial" panose="02000503040000020004" pitchFamily="2" charset="0"/>
-              </a:rPr>
-              <a:t>. Generate Jupyter NB based on Test plan</a:t>
-            </a:r>
-          </a:p>
-        </p:txBody>
-      </p:sp>
-      <p:cxnSp>
-        <p:nvCxnSpPr>
-          <p:cNvPr id="83" name="Straight Arrow Connector 82">
-            <a:extLst>
-              <a:ext uri="{FF2B5EF4-FFF2-40B4-BE49-F238E27FC236}">
-                <a16:creationId xmlns:a16="http://schemas.microsoft.com/office/drawing/2014/main" id="{D0291A89-7D42-E984-0E8A-3972483F9A57}"/>
-              </a:ext>
-            </a:extLst>
-          </p:cNvPr>
-          <p:cNvCxnSpPr>
-            <a:cxnSpLocks/>
-          </p:cNvCxnSpPr>
-          <p:nvPr/>
-        </p:nvCxnSpPr>
-        <p:spPr>
-          <a:xfrm>
-            <a:off x="12274546" y="6015624"/>
-            <a:ext cx="937574" cy="0"/>
-          </a:xfrm>
-          <a:prstGeom prst="straightConnector1">
-            <a:avLst/>
-          </a:prstGeom>
-          <a:ln w="76200">
-            <a:solidFill>
-              <a:srgbClr val="C00000"/>
-            </a:solidFill>
-            <a:tailEnd type="triangle"/>
-          </a:ln>
-        </p:spPr>
-        <p:style>
-          <a:lnRef idx="2">
-            <a:schemeClr val="accent1"/>
-          </a:lnRef>
-          <a:fillRef idx="0">
-            <a:schemeClr val="accent1"/>
-          </a:fillRef>
-          <a:effectRef idx="1">
-            <a:schemeClr val="accent1"/>
-          </a:effectRef>
-          <a:fontRef idx="minor">
-            <a:schemeClr val="tx1"/>
-          </a:fontRef>
-        </p:style>
-      </p:cxnSp>
-      <p:sp>
-        <p:nvSpPr>
-          <p:cNvPr id="84" name="TextBox 83">
-            <a:extLst>
-              <a:ext uri="{FF2B5EF4-FFF2-40B4-BE49-F238E27FC236}">
-                <a16:creationId xmlns:a16="http://schemas.microsoft.com/office/drawing/2014/main" id="{FFB6BD3A-89D0-0489-193D-D77E4857EDB4}"/>
-              </a:ext>
-            </a:extLst>
-          </p:cNvPr>
-          <p:cNvSpPr txBox="1"/>
-          <p:nvPr/>
-        </p:nvSpPr>
-        <p:spPr>
-          <a:xfrm>
-            <a:off x="12246497" y="6069115"/>
-            <a:ext cx="993671" cy="1015663"/>
-          </a:xfrm>
-          <a:prstGeom prst="rect">
-            <a:avLst/>
-          </a:prstGeom>
-          <a:noFill/>
-        </p:spPr>
-        <p:txBody>
-          <a:bodyPr wrap="square" rtlCol="0">
-            <a:spAutoFit/>
-          </a:bodyPr>
-          <a:lstStyle/>
-          <a:p>
-            <a:pPr algn="ctr"/>
-            <a:r>
-              <a:rPr lang="en-IE" sz="1200" b="1" dirty="0">
-                <a:latin typeface="Congenial" panose="02000503040000020004" pitchFamily="2" charset="0"/>
-              </a:rPr>
-              <a:t>6</a:t>
-            </a:r>
-            <a:r>
-              <a:rPr lang="en-IE" sz="1200" dirty="0">
-                <a:latin typeface="Congenial" panose="02000503040000020004" pitchFamily="2" charset="0"/>
-              </a:rPr>
-              <a:t>. Export Binaries and JNB to output folder</a:t>
-            </a:r>
-          </a:p>
-        </p:txBody>
-      </p:sp>
-      <p:pic>
-        <p:nvPicPr>
-          <p:cNvPr id="89" name="Picture 88" descr="A black and grey logo&#10;&#10;Description automatically generated">
-            <a:extLst>
-              <a:ext uri="{FF2B5EF4-FFF2-40B4-BE49-F238E27FC236}">
-                <a16:creationId xmlns:a16="http://schemas.microsoft.com/office/drawing/2014/main" id="{5140692D-0E6E-9CF9-1EEA-E70EA47DFDAD}"/>
-              </a:ext>
-            </a:extLst>
-          </p:cNvPr>
-          <p:cNvPicPr>
-            <a:picLocks noChangeAspect="1"/>
-          </p:cNvPicPr>
-          <p:nvPr/>
-        </p:nvPicPr>
-        <p:blipFill>
-          <a:blip r:embed="rId9">
-            <a:extLst>
-              <a:ext uri="{28A0092B-C50C-407E-A947-70E740481C1C}">
-                <a14:useLocalDpi xmlns:a14="http://schemas.microsoft.com/office/drawing/2010/main" val="0"/>
-              </a:ext>
-            </a:extLst>
-          </a:blip>
-          <a:stretch>
-            <a:fillRect/>
-          </a:stretch>
-        </p:blipFill>
-        <p:spPr>
-          <a:xfrm>
-            <a:off x="12619524" y="8676224"/>
-            <a:ext cx="1941019" cy="693005"/>
-          </a:xfrm>
-          <a:prstGeom prst="roundRect">
-            <a:avLst/>
-          </a:prstGeom>
-          <a:solidFill>
-            <a:schemeClr val="bg1"/>
-          </a:solidFill>
-          <a:ln w="19050">
-            <a:solidFill>
-              <a:schemeClr val="accent5">
-                <a:shade val="15000"/>
-              </a:schemeClr>
-            </a:solidFill>
-          </a:ln>
-        </p:spPr>
-      </p:pic>
-      <p:cxnSp>
-        <p:nvCxnSpPr>
-          <p:cNvPr id="90" name="Straight Arrow Connector 89">
-            <a:extLst>
-              <a:ext uri="{FF2B5EF4-FFF2-40B4-BE49-F238E27FC236}">
-                <a16:creationId xmlns:a16="http://schemas.microsoft.com/office/drawing/2014/main" id="{F6083726-4BCA-9130-E5BE-CFD43774B0C5}"/>
-              </a:ext>
-            </a:extLst>
-          </p:cNvPr>
-          <p:cNvCxnSpPr>
-            <a:cxnSpLocks/>
-            <a:stCxn id="69" idx="2"/>
-          </p:cNvCxnSpPr>
-          <p:nvPr/>
-        </p:nvCxnSpPr>
-        <p:spPr>
-          <a:xfrm>
-            <a:off x="13884683" y="7526732"/>
-            <a:ext cx="0" cy="1118140"/>
-          </a:xfrm>
-          <a:prstGeom prst="straightConnector1">
-            <a:avLst/>
-          </a:prstGeom>
-          <a:ln w="76200">
-            <a:solidFill>
-              <a:srgbClr val="C00000"/>
-            </a:solidFill>
-            <a:tailEnd type="triangle"/>
-          </a:ln>
-        </p:spPr>
-        <p:style>
-          <a:lnRef idx="2">
-            <a:schemeClr val="accent1"/>
-          </a:lnRef>
-          <a:fillRef idx="0">
-            <a:schemeClr val="accent1"/>
-          </a:fillRef>
-          <a:effectRef idx="1">
-            <a:schemeClr val="accent1"/>
-          </a:effectRef>
-          <a:fontRef idx="minor">
-            <a:schemeClr val="tx1"/>
-          </a:fontRef>
-        </p:style>
-      </p:cxnSp>
-      <p:sp>
-        <p:nvSpPr>
-          <p:cNvPr id="93" name="TextBox 92">
-            <a:extLst>
-              <a:ext uri="{FF2B5EF4-FFF2-40B4-BE49-F238E27FC236}">
-                <a16:creationId xmlns:a16="http://schemas.microsoft.com/office/drawing/2014/main" id="{88273B5C-2161-EC8A-4BF9-70E59F782870}"/>
-              </a:ext>
-            </a:extLst>
-          </p:cNvPr>
-          <p:cNvSpPr txBox="1"/>
-          <p:nvPr/>
-        </p:nvSpPr>
-        <p:spPr>
-          <a:xfrm>
-            <a:off x="13776100" y="7581459"/>
-            <a:ext cx="993671" cy="1015663"/>
-          </a:xfrm>
-          <a:prstGeom prst="rect">
-            <a:avLst/>
-          </a:prstGeom>
-          <a:noFill/>
-        </p:spPr>
-        <p:txBody>
-          <a:bodyPr wrap="square" rtlCol="0">
-            <a:spAutoFit/>
-          </a:bodyPr>
-          <a:lstStyle/>
-          <a:p>
-            <a:pPr algn="ctr"/>
-            <a:r>
-              <a:rPr lang="en-IE" sz="1200" b="1" dirty="0">
-                <a:latin typeface="Congenial" panose="02000503040000020004" pitchFamily="2" charset="0"/>
-              </a:rPr>
-              <a:t>7</a:t>
-            </a:r>
-            <a:r>
-              <a:rPr lang="en-IE" sz="1200" dirty="0">
-                <a:latin typeface="Congenial" panose="02000503040000020004" pitchFamily="2" charset="0"/>
-              </a:rPr>
-              <a:t>. User</a:t>
-            </a:r>
-          </a:p>
-          <a:p>
-            <a:pPr algn="ctr"/>
-            <a:r>
-              <a:rPr lang="en-IE" sz="1200" dirty="0">
-                <a:latin typeface="Congenial" panose="02000503040000020004" pitchFamily="2" charset="0"/>
-              </a:rPr>
-              <a:t>uploads</a:t>
-            </a:r>
-          </a:p>
-          <a:p>
-            <a:pPr algn="ctr"/>
-            <a:r>
-              <a:rPr lang="en-IE" sz="1200" dirty="0">
-                <a:latin typeface="Congenial" panose="02000503040000020004" pitchFamily="2" charset="0"/>
-              </a:rPr>
-              <a:t>output to</a:t>
-            </a:r>
-          </a:p>
-          <a:p>
-            <a:pPr algn="ctr"/>
-            <a:r>
-              <a:rPr lang="en-IE" sz="1200" dirty="0">
-                <a:latin typeface="Congenial" panose="02000503040000020004" pitchFamily="2" charset="0"/>
-              </a:rPr>
-              <a:t>PYNQ</a:t>
-            </a:r>
-          </a:p>
-          <a:p>
-            <a:pPr algn="ctr"/>
-            <a:r>
-              <a:rPr lang="en-IE" sz="1200" dirty="0">
-                <a:latin typeface="Congenial" panose="02000503040000020004" pitchFamily="2" charset="0"/>
-              </a:rPr>
-              <a:t>FPGA</a:t>
-            </a:r>
-          </a:p>
-        </p:txBody>
-      </p:sp>
-    </p:spTree>
-    <p:extLst>
-      <p:ext uri="{BB962C8B-B14F-4D97-AF65-F5344CB8AC3E}">
-        <p14:creationId xmlns:p14="http://schemas.microsoft.com/office/powerpoint/2010/main" val="440191457"/>
-      </p:ext>
-    </p:extLst>
-  </p:cSld>
-  <p:clrMapOvr>
-    <a:masterClrMapping/>
-  </p:clrMapOvr>
-</p:sld>
-</file>
-
-<file path=ppt/slides/slide3.xml><?xml version="1.0" encoding="utf-8"?>
-<p:sld xmlns:a="http://schemas.openxmlformats.org/drawingml/2006/main" xmlns:r="http://schemas.openxmlformats.org/officeDocument/2006/relationships" xmlns:p="http://schemas.openxmlformats.org/presentationml/2006/main">
-  <p:cSld>
-    <p:spTree>
-      <p:nvGrpSpPr>
         <p:cNvPr id="1" name="">
           <a:extLst>
             <a:ext uri="{FF2B5EF4-FFF2-40B4-BE49-F238E27FC236}">
@@ -6993,7 +3115,7 @@
         </p:nvSpPr>
         <p:spPr>
           <a:xfrm>
-            <a:off x="3630857" y="1158685"/>
+            <a:off x="3630857" y="1276673"/>
             <a:ext cx="11500509" cy="1031051"/>
           </a:xfrm>
           <a:prstGeom prst="rect">
@@ -7011,7 +3133,7 @@
               <a:rPr lang="en-IE" sz="2000" dirty="0">
                 <a:latin typeface="Congenial" panose="020F0502020204030204" pitchFamily="2" charset="0"/>
               </a:rPr>
-              <a:t>Luke Canny	19339166								Supervisor: Dr. Fearghal Morgan</a:t>
+              <a:t>Luke Canny	19339166								Supervisor: Dr Fearghal Morgan</a:t>
             </a:r>
           </a:p>
           <a:p>
@@ -7054,8 +3176,8 @@
         </p:nvSpPr>
         <p:spPr>
           <a:xfrm>
-            <a:off x="3630857" y="444113"/>
-            <a:ext cx="11500509" cy="707886"/>
+            <a:off x="3630857" y="-11148"/>
+            <a:ext cx="11500509" cy="1323439"/>
           </a:xfrm>
           <a:prstGeom prst="rect">
             <a:avLst/>
@@ -7073,6 +3195,14 @@
                 <a:latin typeface="Congenial Black" panose="02000503040000020004" pitchFamily="2" charset="0"/>
               </a:rPr>
               <a:t>PYNQ Automated System-on-Chip Builder</a:t>
+            </a:r>
+          </a:p>
+          <a:p>
+            <a:r>
+              <a:rPr lang="en-IE" sz="4000" b="1" dirty="0">
+                <a:latin typeface="Congenial Black" panose="02000503040000020004" pitchFamily="2" charset="0"/>
+              </a:rPr>
+              <a:t>&amp; Remote RISC-V Learning Platform</a:t>
             </a:r>
           </a:p>
         </p:txBody>

--- a/docs/project_poster.pptx
+++ b/docs/project_poster.pptx
@@ -6,6 +6,7 @@
   </p:sldMasterIdLst>
   <p:sldIdLst>
     <p:sldId id="258" r:id="rId2"/>
+    <p:sldId id="259" r:id="rId3"/>
   </p:sldIdLst>
   <p:sldSz cx="15119350" cy="21383625"/>
   <p:notesSz cx="6858000" cy="9144000"/>
@@ -104,6 +105,11 @@
       </a:defRPr>
     </a:lvl9pPr>
   </p:defaultTextStyle>
+  <p:extLst>
+    <p:ext uri="{EFAFB233-063F-42B5-8137-9DF3F51BA10A}">
+      <p15:sldGuideLst xmlns:p15="http://schemas.microsoft.com/office/powerpoint/2012/main"/>
+    </p:ext>
+  </p:extLst>
 </p:presentation>
 </file>
 
@@ -238,7 +244,7 @@
           <a:p>
             <a:fld id="{69EF5CD4-1930-465C-A4D8-ECFE7D2A99BE}" type="datetimeFigureOut">
               <a:rPr lang="en-IE" smtClean="0"/>
-              <a:t>18/02/2024</a:t>
+              <a:t>20/02/2024</a:t>
             </a:fld>
             <a:endParaRPr lang="en-IE"/>
           </a:p>
@@ -408,7 +414,7 @@
           <a:p>
             <a:fld id="{69EF5CD4-1930-465C-A4D8-ECFE7D2A99BE}" type="datetimeFigureOut">
               <a:rPr lang="en-IE" smtClean="0"/>
-              <a:t>18/02/2024</a:t>
+              <a:t>20/02/2024</a:t>
             </a:fld>
             <a:endParaRPr lang="en-IE"/>
           </a:p>
@@ -588,7 +594,7 @@
           <a:p>
             <a:fld id="{69EF5CD4-1930-465C-A4D8-ECFE7D2A99BE}" type="datetimeFigureOut">
               <a:rPr lang="en-IE" smtClean="0"/>
-              <a:t>18/02/2024</a:t>
+              <a:t>20/02/2024</a:t>
             </a:fld>
             <a:endParaRPr lang="en-IE"/>
           </a:p>
@@ -758,7 +764,7 @@
           <a:p>
             <a:fld id="{69EF5CD4-1930-465C-A4D8-ECFE7D2A99BE}" type="datetimeFigureOut">
               <a:rPr lang="en-IE" smtClean="0"/>
-              <a:t>18/02/2024</a:t>
+              <a:t>20/02/2024</a:t>
             </a:fld>
             <a:endParaRPr lang="en-IE"/>
           </a:p>
@@ -1004,7 +1010,7 @@
           <a:p>
             <a:fld id="{69EF5CD4-1930-465C-A4D8-ECFE7D2A99BE}" type="datetimeFigureOut">
               <a:rPr lang="en-IE" smtClean="0"/>
-              <a:t>18/02/2024</a:t>
+              <a:t>20/02/2024</a:t>
             </a:fld>
             <a:endParaRPr lang="en-IE"/>
           </a:p>
@@ -1236,7 +1242,7 @@
           <a:p>
             <a:fld id="{69EF5CD4-1930-465C-A4D8-ECFE7D2A99BE}" type="datetimeFigureOut">
               <a:rPr lang="en-IE" smtClean="0"/>
-              <a:t>18/02/2024</a:t>
+              <a:t>20/02/2024</a:t>
             </a:fld>
             <a:endParaRPr lang="en-IE"/>
           </a:p>
@@ -1603,7 +1609,7 @@
           <a:p>
             <a:fld id="{69EF5CD4-1930-465C-A4D8-ECFE7D2A99BE}" type="datetimeFigureOut">
               <a:rPr lang="en-IE" smtClean="0"/>
-              <a:t>18/02/2024</a:t>
+              <a:t>20/02/2024</a:t>
             </a:fld>
             <a:endParaRPr lang="en-IE"/>
           </a:p>
@@ -1721,7 +1727,7 @@
           <a:p>
             <a:fld id="{69EF5CD4-1930-465C-A4D8-ECFE7D2A99BE}" type="datetimeFigureOut">
               <a:rPr lang="en-IE" smtClean="0"/>
-              <a:t>18/02/2024</a:t>
+              <a:t>20/02/2024</a:t>
             </a:fld>
             <a:endParaRPr lang="en-IE"/>
           </a:p>
@@ -1816,7 +1822,7 @@
           <a:p>
             <a:fld id="{69EF5CD4-1930-465C-A4D8-ECFE7D2A99BE}" type="datetimeFigureOut">
               <a:rPr lang="en-IE" smtClean="0"/>
-              <a:t>18/02/2024</a:t>
+              <a:t>20/02/2024</a:t>
             </a:fld>
             <a:endParaRPr lang="en-IE"/>
           </a:p>
@@ -2093,7 +2099,7 @@
           <a:p>
             <a:fld id="{69EF5CD4-1930-465C-A4D8-ECFE7D2A99BE}" type="datetimeFigureOut">
               <a:rPr lang="en-IE" smtClean="0"/>
-              <a:t>18/02/2024</a:t>
+              <a:t>20/02/2024</a:t>
             </a:fld>
             <a:endParaRPr lang="en-IE"/>
           </a:p>
@@ -2350,7 +2356,7 @@
           <a:p>
             <a:fld id="{69EF5CD4-1930-465C-A4D8-ECFE7D2A99BE}" type="datetimeFigureOut">
               <a:rPr lang="en-IE" smtClean="0"/>
-              <a:t>18/02/2024</a:t>
+              <a:t>20/02/2024</a:t>
             </a:fld>
             <a:endParaRPr lang="en-IE"/>
           </a:p>
@@ -2563,7 +2569,7 @@
           <a:p>
             <a:fld id="{69EF5CD4-1930-465C-A4D8-ECFE7D2A99BE}" type="datetimeFigureOut">
               <a:rPr lang="en-IE" smtClean="0"/>
-              <a:t>18/02/2024</a:t>
+              <a:t>20/02/2024</a:t>
             </a:fld>
             <a:endParaRPr lang="en-IE"/>
           </a:p>
@@ -3207,179 +3213,182 @@
           </a:p>
         </p:txBody>
       </p:sp>
-      <p:sp>
-        <p:nvSpPr>
-          <p:cNvPr id="11" name="TextBox 10">
+      <p:grpSp>
+        <p:nvGrpSpPr>
+          <p:cNvPr id="51" name="Group 50">
             <a:extLst>
               <a:ext uri="{FF2B5EF4-FFF2-40B4-BE49-F238E27FC236}">
-                <a16:creationId xmlns:a16="http://schemas.microsoft.com/office/drawing/2014/main" id="{D8EB19CF-2555-B5D4-12CA-4664573807BF}"/>
+                <a16:creationId xmlns:a16="http://schemas.microsoft.com/office/drawing/2014/main" id="{6A7B07F9-0186-EDCC-606F-B1AA05EF9301}"/>
               </a:ext>
             </a:extLst>
           </p:cNvPr>
-          <p:cNvSpPr txBox="1"/>
+          <p:cNvGrpSpPr/>
           <p:nvPr/>
-        </p:nvSpPr>
-        <p:spPr>
+        </p:nvGrpSpPr>
+        <p:grpSpPr>
           <a:xfrm>
-            <a:off x="193759" y="2550219"/>
-            <a:ext cx="7184172" cy="461665"/>
+            <a:off x="216730" y="5182221"/>
+            <a:ext cx="7196186" cy="1975874"/>
+            <a:chOff x="215893" y="4798988"/>
+            <a:chExt cx="7186066" cy="1975874"/>
           </a:xfrm>
-          <a:prstGeom prst="rect">
-            <a:avLst/>
-          </a:prstGeom>
-        </p:spPr>
-        <p:style>
-          <a:lnRef idx="1">
-            <a:schemeClr val="accent5"/>
-          </a:lnRef>
-          <a:fillRef idx="2">
-            <a:schemeClr val="accent5"/>
-          </a:fillRef>
-          <a:effectRef idx="1">
-            <a:schemeClr val="accent5"/>
-          </a:effectRef>
-          <a:fontRef idx="minor">
-            <a:schemeClr val="dk1"/>
-          </a:fontRef>
-        </p:style>
-        <p:txBody>
-          <a:bodyPr wrap="square" rtlCol="0">
-            <a:spAutoFit/>
-          </a:bodyPr>
-          <a:lstStyle/>
-          <a:p>
-            <a:pPr algn="ctr"/>
-            <a:r>
-              <a:rPr lang="en-IE" sz="2400" dirty="0">
-                <a:latin typeface="Congenial Black" panose="020F0502020204030204" pitchFamily="2" charset="0"/>
-              </a:rPr>
-              <a:t>Project Overview and Objectives </a:t>
-            </a:r>
-          </a:p>
-        </p:txBody>
-      </p:sp>
-      <p:sp>
-        <p:nvSpPr>
-          <p:cNvPr id="12" name="Rectangle 11">
-            <a:extLst>
-              <a:ext uri="{FF2B5EF4-FFF2-40B4-BE49-F238E27FC236}">
-                <a16:creationId xmlns:a16="http://schemas.microsoft.com/office/drawing/2014/main" id="{34ADFAB5-14C8-7203-23D6-466F494FEC0D}"/>
-              </a:ext>
-            </a:extLst>
-          </p:cNvPr>
-          <p:cNvSpPr/>
-          <p:nvPr/>
-        </p:nvSpPr>
-        <p:spPr>
-          <a:xfrm>
-            <a:off x="181745" y="3011884"/>
-            <a:ext cx="7196186" cy="3194211"/>
-          </a:xfrm>
-          <a:prstGeom prst="rect">
-            <a:avLst/>
-          </a:prstGeom>
-          <a:ln>
-            <a:solidFill>
+        </p:grpSpPr>
+        <p:sp>
+          <p:nvSpPr>
+            <p:cNvPr id="11" name="TextBox 10">
+              <a:extLst>
+                <a:ext uri="{FF2B5EF4-FFF2-40B4-BE49-F238E27FC236}">
+                  <a16:creationId xmlns:a16="http://schemas.microsoft.com/office/drawing/2014/main" id="{D8EB19CF-2555-B5D4-12CA-4664573807BF}"/>
+                </a:ext>
+              </a:extLst>
+            </p:cNvPr>
+            <p:cNvSpPr txBox="1"/>
+            <p:nvPr/>
+          </p:nvSpPr>
+          <p:spPr>
+            <a:xfrm>
+              <a:off x="217787" y="4798988"/>
+              <a:ext cx="7184172" cy="461665"/>
+            </a:xfrm>
+            <a:prstGeom prst="rect">
+              <a:avLst/>
+            </a:prstGeom>
+          </p:spPr>
+          <p:style>
+            <a:lnRef idx="1">
               <a:schemeClr val="accent5"/>
-            </a:solidFill>
-          </a:ln>
-        </p:spPr>
-        <p:style>
-          <a:lnRef idx="2">
-            <a:schemeClr val="accent1">
-              <a:shade val="15000"/>
-            </a:schemeClr>
-          </a:lnRef>
-          <a:fillRef idx="1003">
-            <a:schemeClr val="lt2"/>
-          </a:fillRef>
-          <a:effectRef idx="0">
-            <a:schemeClr val="accent1"/>
-          </a:effectRef>
-          <a:fontRef idx="minor">
-            <a:schemeClr val="lt1"/>
-          </a:fontRef>
-        </p:style>
-        <p:txBody>
-          <a:bodyPr rtlCol="0" anchor="t"/>
-          <a:lstStyle/>
-          <a:p>
-            <a:r>
-              <a:rPr lang="en-IE" dirty="0">
-                <a:solidFill>
-                  <a:schemeClr val="tx1"/>
-                </a:solidFill>
-                <a:latin typeface="Congenial" panose="02000503040000020004" pitchFamily="2" charset="0"/>
-              </a:rPr>
-              <a:t>This project is an implementation of three key components required to enable faster SoC project deployment and increase accessibility and interaction between PYNQ FPGA hardware, RISC-V Core implementations and students, enthusiasts and educators.</a:t>
-            </a:r>
-          </a:p>
-          <a:p>
-            <a:endParaRPr lang="en-IE" dirty="0">
+            </a:lnRef>
+            <a:fillRef idx="2">
+              <a:schemeClr val="accent5"/>
+            </a:fillRef>
+            <a:effectRef idx="1">
+              <a:schemeClr val="accent5"/>
+            </a:effectRef>
+            <a:fontRef idx="minor">
+              <a:schemeClr val="dk1"/>
+            </a:fontRef>
+          </p:style>
+          <p:txBody>
+            <a:bodyPr wrap="square" rtlCol="0">
+              <a:spAutoFit/>
+            </a:bodyPr>
+            <a:lstStyle/>
+            <a:p>
+              <a:pPr algn="ctr"/>
+              <a:r>
+                <a:rPr lang="en-IE" sz="2400" dirty="0">
+                  <a:latin typeface="Congenial Black" panose="020F0502020204030204" pitchFamily="2" charset="0"/>
+                </a:rPr>
+                <a:t>Project Overview and Objectives </a:t>
+              </a:r>
+            </a:p>
+          </p:txBody>
+        </p:sp>
+        <p:sp>
+          <p:nvSpPr>
+            <p:cNvPr id="12" name="Rectangle 11">
+              <a:extLst>
+                <a:ext uri="{FF2B5EF4-FFF2-40B4-BE49-F238E27FC236}">
+                  <a16:creationId xmlns:a16="http://schemas.microsoft.com/office/drawing/2014/main" id="{34ADFAB5-14C8-7203-23D6-466F494FEC0D}"/>
+                </a:ext>
+              </a:extLst>
+            </p:cNvPr>
+            <p:cNvSpPr/>
+            <p:nvPr/>
+          </p:nvSpPr>
+          <p:spPr>
+            <a:xfrm>
+              <a:off x="215893" y="5260654"/>
+              <a:ext cx="7186065" cy="1514208"/>
+            </a:xfrm>
+            <a:prstGeom prst="rect">
+              <a:avLst/>
+            </a:prstGeom>
+            <a:ln>
               <a:solidFill>
-                <a:schemeClr val="tx1"/>
+                <a:schemeClr val="accent5"/>
               </a:solidFill>
-              <a:latin typeface="Congenial" panose="02000503040000020004" pitchFamily="2" charset="0"/>
-            </a:endParaRPr>
-          </a:p>
-          <a:p>
-            <a:r>
-              <a:rPr lang="en-IE" dirty="0">
-                <a:solidFill>
-                  <a:schemeClr val="tx1"/>
-                </a:solidFill>
-                <a:latin typeface="Congenial" panose="02000503040000020004" pitchFamily="2" charset="0"/>
-              </a:rPr>
-              <a:t>The aim of this project is to:</a:t>
-            </a:r>
-          </a:p>
-          <a:p>
-            <a:pPr marL="285750" indent="-285750">
-              <a:buFont typeface="Arial" panose="020B0604020202020204" pitchFamily="34" charset="0"/>
-              <a:buChar char="•"/>
-            </a:pPr>
-            <a:r>
-              <a:rPr lang="en-IE" dirty="0">
-                <a:solidFill>
-                  <a:schemeClr val="tx1"/>
-                </a:solidFill>
-                <a:latin typeface="Congenial" panose="02000503040000020004" pitchFamily="2" charset="0"/>
-              </a:rPr>
-              <a:t>Create a remote PYNQ laboratory for students</a:t>
-            </a:r>
-          </a:p>
-          <a:p>
-            <a:pPr marL="285750" indent="-285750">
-              <a:buFont typeface="Arial" panose="020B0604020202020204" pitchFamily="34" charset="0"/>
-              <a:buChar char="•"/>
-            </a:pPr>
-            <a:r>
-              <a:rPr lang="en-IE" dirty="0">
-                <a:solidFill>
-                  <a:schemeClr val="tx1"/>
-                </a:solidFill>
-                <a:latin typeface="Congenial" panose="02000503040000020004" pitchFamily="2" charset="0"/>
-              </a:rPr>
-              <a:t>Extend the functionality of HDLGen-ChatGPT to automatically deploy projects to PYNQ-Z2 FPGAs</a:t>
-            </a:r>
-          </a:p>
-          <a:p>
-            <a:pPr marL="285750" indent="-285750">
-              <a:buFont typeface="Arial" panose="020B0604020202020204" pitchFamily="34" charset="0"/>
-              <a:buChar char="•"/>
-            </a:pPr>
-            <a:r>
-              <a:rPr lang="en-IE" dirty="0">
-                <a:solidFill>
-                  <a:schemeClr val="tx1"/>
-                </a:solidFill>
-                <a:latin typeface="Congenial" panose="02000503040000020004" pitchFamily="2" charset="0"/>
-              </a:rPr>
-              <a:t>Develop an interactive challenge-based RISC-V learning platform</a:t>
-            </a:r>
-          </a:p>
-        </p:txBody>
-      </p:sp>
+            </a:ln>
+          </p:spPr>
+          <p:style>
+            <a:lnRef idx="2">
+              <a:schemeClr val="accent1">
+                <a:shade val="15000"/>
+              </a:schemeClr>
+            </a:lnRef>
+            <a:fillRef idx="1003">
+              <a:schemeClr val="lt2"/>
+            </a:fillRef>
+            <a:effectRef idx="0">
+              <a:schemeClr val="accent1"/>
+            </a:effectRef>
+            <a:fontRef idx="minor">
+              <a:schemeClr val="lt1"/>
+            </a:fontRef>
+          </p:style>
+          <p:txBody>
+            <a:bodyPr rtlCol="0" anchor="t"/>
+            <a:lstStyle/>
+            <a:p>
+              <a:pPr algn="just"/>
+              <a:r>
+                <a:rPr lang="en-IE" dirty="0">
+                  <a:solidFill>
+                    <a:schemeClr val="tx1"/>
+                  </a:solidFill>
+                  <a:latin typeface="Congenial" panose="02000503040000020004" pitchFamily="2" charset="0"/>
+                </a:rPr>
+                <a:t>The aim of this project is to:</a:t>
+              </a:r>
+            </a:p>
+            <a:p>
+              <a:pPr marL="285750" indent="-285750" algn="just">
+                <a:buFont typeface="Arial" panose="020B0604020202020204" pitchFamily="34" charset="0"/>
+                <a:buChar char="•"/>
+              </a:pPr>
+              <a:r>
+                <a:rPr lang="en-IE" dirty="0">
+                  <a:solidFill>
+                    <a:schemeClr val="tx1"/>
+                  </a:solidFill>
+                  <a:latin typeface="Congenial" panose="02000503040000020004" pitchFamily="2" charset="0"/>
+                </a:rPr>
+                <a:t>Create a remote PYNQ laboratory for students</a:t>
+              </a:r>
+            </a:p>
+            <a:p>
+              <a:pPr marL="285750" indent="-285750" algn="just">
+                <a:buFont typeface="Arial" panose="020B0604020202020204" pitchFamily="34" charset="0"/>
+                <a:buChar char="•"/>
+              </a:pPr>
+              <a:r>
+                <a:rPr lang="en-IE" dirty="0">
+                  <a:solidFill>
+                    <a:schemeClr val="tx1"/>
+                  </a:solidFill>
+                  <a:latin typeface="Congenial" panose="02000503040000020004" pitchFamily="2" charset="0"/>
+                </a:rPr>
+                <a:t>Extend the functionality of HDLGen-ChatGPT to automatically deploy projects to PYNQ-Z2 FPGAs</a:t>
+              </a:r>
+            </a:p>
+            <a:p>
+              <a:pPr marL="285750" indent="-285750" algn="just">
+                <a:buFont typeface="Arial" panose="020B0604020202020204" pitchFamily="34" charset="0"/>
+                <a:buChar char="•"/>
+              </a:pPr>
+              <a:r>
+                <a:rPr lang="en-IE" dirty="0">
+                  <a:solidFill>
+                    <a:schemeClr val="tx1"/>
+                  </a:solidFill>
+                  <a:latin typeface="Congenial" panose="02000503040000020004" pitchFamily="2" charset="0"/>
+                </a:rPr>
+                <a:t>Develop an interactive challenge-based RISC-V learning tool</a:t>
+              </a:r>
+            </a:p>
+          </p:txBody>
+        </p:sp>
+      </p:grpSp>
       <p:sp>
         <p:nvSpPr>
           <p:cNvPr id="13" name="TextBox 12">
@@ -3647,8 +3656,8 @@
         </p:nvSpPr>
         <p:spPr>
           <a:xfrm>
-            <a:off x="7731894" y="2565606"/>
-            <a:ext cx="7215213" cy="461665"/>
+            <a:off x="7717394" y="5178826"/>
+            <a:ext cx="7205700" cy="461665"/>
           </a:xfrm>
           <a:prstGeom prst="rect">
             <a:avLst/>
@@ -3699,8 +3708,8 @@
         </p:nvSpPr>
         <p:spPr>
           <a:xfrm>
-            <a:off x="7746170" y="3027270"/>
-            <a:ext cx="7196186" cy="12532071"/>
+            <a:off x="7726907" y="5625344"/>
+            <a:ext cx="7196186" cy="9992499"/>
           </a:xfrm>
           <a:prstGeom prst="rect">
             <a:avLst/>
@@ -3731,11 +3740,20 @@
           <a:bodyPr rtlCol="0" anchor="t"/>
           <a:lstStyle/>
           <a:p>
-            <a:pPr>
+            <a:pPr algn="just">
               <a:spcAft>
                 <a:spcPts val="600"/>
               </a:spcAft>
             </a:pPr>
+            <a:r>
+              <a:rPr lang="en-IE" b="1" dirty="0" err="1">
+                <a:solidFill>
+                  <a:schemeClr val="tx1"/>
+                </a:solidFill>
+                <a:latin typeface="Congenial" panose="02000503040000020004" pitchFamily="2" charset="0"/>
+              </a:rPr>
+              <a:t>HDLGen</a:t>
+            </a:r>
             <a:r>
               <a:rPr lang="en-IE" b="1" dirty="0">
                 <a:solidFill>
@@ -3743,32 +3761,7 @@
                 </a:solidFill>
                 <a:latin typeface="Congenial" panose="02000503040000020004" pitchFamily="2" charset="0"/>
               </a:rPr>
-              <a:t>PYNQ SoC Builder </a:t>
-            </a:r>
-            <a:r>
-              <a:rPr lang="en-IE" dirty="0">
-                <a:solidFill>
-                  <a:schemeClr val="tx1"/>
-                </a:solidFill>
-                <a:latin typeface="Congenial" panose="02000503040000020004" pitchFamily="2" charset="0"/>
-              </a:rPr>
-              <a:t>is a standalone Python application which builds HDLGen-ChatGPT projects. </a:t>
-            </a:r>
-          </a:p>
-          <a:p>
-            <a:pPr>
-              <a:spcAft>
-                <a:spcPts val="600"/>
-              </a:spcAft>
-            </a:pPr>
-            <a:r>
-              <a:rPr lang="en-IE" b="1" dirty="0">
-                <a:solidFill>
-                  <a:schemeClr val="tx1"/>
-                </a:solidFill>
-                <a:latin typeface="Congenial" panose="02000503040000020004" pitchFamily="2" charset="0"/>
-              </a:rPr>
-              <a:t>HDLGen-ChatGPT</a:t>
+              <a:t>-ChatGPT</a:t>
             </a:r>
             <a:r>
               <a:rPr lang="en-IE" dirty="0">
@@ -3779,6 +3772,33 @@
               </a:rPr>
               <a:t> is an open-source Python tool developed in the University of Galway to enable fast capture of HDL-based SoC capture and implementation, by automated VHDL/Verilog, testbench and waveform generation.</a:t>
             </a:r>
+            <a:r>
+              <a:rPr lang="en-GB" dirty="0">
+                <a:solidFill>
+                  <a:schemeClr val="tx1"/>
+                </a:solidFill>
+                <a:latin typeface="Congenial" panose="02000503040000020004" pitchFamily="2" charset="0"/>
+              </a:rPr>
+              <a:t> </a:t>
+            </a:r>
+            <a:r>
+              <a:rPr lang="en-GB" b="1" dirty="0">
+                <a:solidFill>
+                  <a:schemeClr val="tx1"/>
+                </a:solidFill>
+                <a:latin typeface="Congenial" panose="02000503040000020004" pitchFamily="2" charset="0"/>
+              </a:rPr>
+              <a:t>PYNQ SoC Builder</a:t>
+            </a:r>
+            <a:r>
+              <a:rPr lang="en-GB" dirty="0">
+                <a:solidFill>
+                  <a:schemeClr val="tx1"/>
+                </a:solidFill>
+                <a:latin typeface="Congenial" panose="02000503040000020004" pitchFamily="2" charset="0"/>
+              </a:rPr>
+              <a:t> is a Python application which builds HDLGen-ChatGPT projects. </a:t>
+            </a:r>
             <a:endParaRPr lang="en-IE" sz="1100" b="1" dirty="0">
               <a:solidFill>
                 <a:schemeClr val="tx1"/>
@@ -3787,7 +3807,7 @@
             </a:endParaRPr>
           </a:p>
           <a:p>
-            <a:pPr>
+            <a:pPr algn="just">
               <a:spcAft>
                 <a:spcPts val="600"/>
               </a:spcAft>
@@ -3803,7 +3823,7 @@
             </a:r>
           </a:p>
           <a:p>
-            <a:pPr marL="285750" indent="-285750">
+            <a:pPr marL="285750" indent="-285750" algn="just">
               <a:buFont typeface="Arial" panose="020B0604020202020204" pitchFamily="34" charset="0"/>
               <a:buChar char="•"/>
             </a:pPr>
@@ -3814,26 +3834,11 @@
                 </a:solidFill>
                 <a:latin typeface="Congenial" panose="02000503040000020004" pitchFamily="2" charset="0"/>
               </a:rPr>
-              <a:t>Configures Vivado project for PYNQ-Z2 board</a:t>
-            </a:r>
-          </a:p>
-          <a:p>
-            <a:pPr marL="285750" indent="-285750">
-              <a:buFont typeface="Arial" panose="020B0604020202020204" pitchFamily="34" charset="0"/>
-              <a:buChar char="•"/>
-            </a:pPr>
-            <a:r>
-              <a:rPr lang="en-IE" dirty="0">
-                <a:solidFill>
-                  <a:schemeClr val="tx1"/>
-                </a:solidFill>
-                <a:latin typeface="Congenial" panose="02000503040000020004" pitchFamily="2" charset="0"/>
-              </a:rPr>
-              <a:t>Generates and imports PYNQ-Z2 physical constraints</a:t>
-            </a:r>
-          </a:p>
-          <a:p>
-            <a:pPr marL="285750" indent="-285750">
+              <a:t>Generates and imports PYNQ-Z2 constraints and configuration</a:t>
+            </a:r>
+          </a:p>
+          <a:p>
+            <a:pPr marL="285750" indent="-285750" algn="just">
               <a:buFont typeface="Arial" panose="020B0604020202020204" pitchFamily="34" charset="0"/>
               <a:buChar char="•"/>
             </a:pPr>
@@ -3848,7 +3853,7 @@
             </a:r>
           </a:p>
           <a:p>
-            <a:pPr marL="285750" indent="-285750">
+            <a:pPr marL="285750" indent="-285750" algn="just">
               <a:buFont typeface="Arial" panose="020B0604020202020204" pitchFamily="34" charset="0"/>
               <a:buChar char="•"/>
             </a:pPr>
@@ -3863,7 +3868,7 @@
             </a:r>
           </a:p>
           <a:p>
-            <a:pPr marL="285750" indent="-285750">
+            <a:pPr marL="285750" indent="-285750" algn="just">
               <a:buFont typeface="Arial" panose="020B0604020202020204" pitchFamily="34" charset="0"/>
               <a:buChar char="•"/>
             </a:pPr>
@@ -3878,7 +3883,7 @@
             </a:r>
           </a:p>
           <a:p>
-            <a:pPr marL="285750" indent="-285750">
+            <a:pPr marL="285750" indent="-285750" algn="just">
               <a:buFont typeface="Arial" panose="020B0604020202020204" pitchFamily="34" charset="0"/>
               <a:buChar char="•"/>
             </a:pPr>
@@ -3893,7 +3898,7 @@
             </a:r>
           </a:p>
           <a:p>
-            <a:pPr>
+            <a:pPr algn="just">
               <a:spcBef>
                 <a:spcPts val="600"/>
               </a:spcBef>
@@ -3906,7 +3911,7 @@
             </a:endParaRPr>
           </a:p>
           <a:p>
-            <a:pPr marL="285750" indent="-285750">
+            <a:pPr marL="285750" indent="-285750" algn="just">
               <a:buFont typeface="Arial" panose="020B0604020202020204" pitchFamily="34" charset="0"/>
               <a:buChar char="•"/>
             </a:pPr>
@@ -3918,7 +3923,7 @@
             </a:endParaRPr>
           </a:p>
           <a:p>
-            <a:pPr marL="285750" indent="-285750">
+            <a:pPr marL="285750" indent="-285750" algn="just">
               <a:buFont typeface="Arial" panose="020B0604020202020204" pitchFamily="34" charset="0"/>
               <a:buChar char="•"/>
             </a:pPr>
@@ -3930,7 +3935,7 @@
             </a:endParaRPr>
           </a:p>
           <a:p>
-            <a:pPr marL="285750" indent="-285750">
+            <a:pPr marL="285750" indent="-285750" algn="just">
               <a:buFont typeface="Arial" panose="020B0604020202020204" pitchFamily="34" charset="0"/>
               <a:buChar char="•"/>
             </a:pPr>
@@ -3942,7 +3947,7 @@
             </a:endParaRPr>
           </a:p>
           <a:p>
-            <a:pPr marL="285750" indent="-285750">
+            <a:pPr marL="285750" indent="-285750" algn="just">
               <a:buFont typeface="Arial" panose="020B0604020202020204" pitchFamily="34" charset="0"/>
               <a:buChar char="•"/>
             </a:pPr>
@@ -3954,7 +3959,7 @@
             </a:endParaRPr>
           </a:p>
           <a:p>
-            <a:pPr marL="285750" indent="-285750">
+            <a:pPr marL="285750" indent="-285750" algn="just">
               <a:buFont typeface="Arial" panose="020B0604020202020204" pitchFamily="34" charset="0"/>
               <a:buChar char="•"/>
             </a:pPr>
@@ -3966,7 +3971,7 @@
             </a:endParaRPr>
           </a:p>
           <a:p>
-            <a:pPr marL="285750" indent="-285750">
+            <a:pPr marL="285750" indent="-285750" algn="just">
               <a:buFont typeface="Arial" panose="020B0604020202020204" pitchFamily="34" charset="0"/>
               <a:buChar char="•"/>
             </a:pPr>
@@ -3978,7 +3983,7 @@
             </a:endParaRPr>
           </a:p>
           <a:p>
-            <a:pPr marL="285750" indent="-285750">
+            <a:pPr marL="285750" indent="-285750" algn="just">
               <a:buFont typeface="Arial" panose="020B0604020202020204" pitchFamily="34" charset="0"/>
               <a:buChar char="•"/>
             </a:pPr>
@@ -3990,7 +3995,7 @@
             </a:endParaRPr>
           </a:p>
           <a:p>
-            <a:pPr marL="285750" indent="-285750">
+            <a:pPr marL="285750" indent="-285750" algn="just">
               <a:buFont typeface="Arial" panose="020B0604020202020204" pitchFamily="34" charset="0"/>
               <a:buChar char="•"/>
             </a:pPr>
@@ -4002,7 +4007,7 @@
             </a:endParaRPr>
           </a:p>
           <a:p>
-            <a:pPr marL="285750" indent="-285750">
+            <a:pPr marL="285750" indent="-285750" algn="just">
               <a:buFont typeface="Arial" panose="020B0604020202020204" pitchFamily="34" charset="0"/>
               <a:buChar char="•"/>
             </a:pPr>
@@ -4014,7 +4019,7 @@
             </a:endParaRPr>
           </a:p>
           <a:p>
-            <a:pPr marL="285750" indent="-285750">
+            <a:pPr marL="285750" indent="-285750" algn="just">
               <a:buFont typeface="Arial" panose="020B0604020202020204" pitchFamily="34" charset="0"/>
               <a:buChar char="•"/>
             </a:pPr>
@@ -4026,7 +4031,7 @@
             </a:endParaRPr>
           </a:p>
           <a:p>
-            <a:pPr marL="285750" indent="-285750">
+            <a:pPr marL="285750" indent="-285750" algn="just">
               <a:buFont typeface="Arial" panose="020B0604020202020204" pitchFamily="34" charset="0"/>
               <a:buChar char="•"/>
             </a:pPr>
@@ -4038,6 +4043,7 @@
             </a:endParaRPr>
           </a:p>
           <a:p>
+            <a:pPr algn="just"/>
             <a:endParaRPr lang="en-IE" dirty="0">
               <a:solidFill>
                 <a:schemeClr val="tx1"/>
@@ -4046,6 +4052,7 @@
             </a:endParaRPr>
           </a:p>
           <a:p>
+            <a:pPr algn="just"/>
             <a:endParaRPr lang="en-IE" dirty="0">
               <a:solidFill>
                 <a:schemeClr val="tx1"/>
@@ -4054,6 +4061,7 @@
             </a:endParaRPr>
           </a:p>
           <a:p>
+            <a:pPr algn="just"/>
             <a:endParaRPr lang="en-IE" dirty="0">
               <a:solidFill>
                 <a:schemeClr val="tx1"/>
@@ -4062,6 +4070,7 @@
             </a:endParaRPr>
           </a:p>
           <a:p>
+            <a:pPr algn="just"/>
             <a:endParaRPr lang="en-IE" dirty="0">
               <a:solidFill>
                 <a:schemeClr val="tx1"/>
@@ -4071,330 +4080,12 @@
           </a:p>
         </p:txBody>
       </p:sp>
-      <p:sp>
-        <p:nvSpPr>
-          <p:cNvPr id="31" name="TextBox 30">
+      <p:grpSp>
+        <p:nvGrpSpPr>
+          <p:cNvPr id="53" name="Group 52">
             <a:extLst>
               <a:ext uri="{FF2B5EF4-FFF2-40B4-BE49-F238E27FC236}">
-                <a16:creationId xmlns:a16="http://schemas.microsoft.com/office/drawing/2014/main" id="{AE1C9BBF-0A51-9DA6-B96D-A3EE170DEBE7}"/>
-              </a:ext>
-            </a:extLst>
-          </p:cNvPr>
-          <p:cNvSpPr txBox="1"/>
-          <p:nvPr/>
-        </p:nvSpPr>
-        <p:spPr>
-          <a:xfrm>
-            <a:off x="186746" y="6509876"/>
-            <a:ext cx="7215213" cy="461665"/>
-          </a:xfrm>
-          <a:prstGeom prst="rect">
-            <a:avLst/>
-          </a:prstGeom>
-          <a:ln/>
-        </p:spPr>
-        <p:style>
-          <a:lnRef idx="1">
-            <a:schemeClr val="accent4"/>
-          </a:lnRef>
-          <a:fillRef idx="2">
-            <a:schemeClr val="accent4"/>
-          </a:fillRef>
-          <a:effectRef idx="1">
-            <a:schemeClr val="accent4"/>
-          </a:effectRef>
-          <a:fontRef idx="minor">
-            <a:schemeClr val="dk1"/>
-          </a:fontRef>
-        </p:style>
-        <p:txBody>
-          <a:bodyPr wrap="square" rtlCol="0">
-            <a:spAutoFit/>
-          </a:bodyPr>
-          <a:lstStyle/>
-          <a:p>
-            <a:pPr algn="ctr"/>
-            <a:r>
-              <a:rPr lang="en-IE" sz="2400" dirty="0">
-                <a:latin typeface="Congenial Black" panose="020F0502020204030204" pitchFamily="2" charset="0"/>
-              </a:rPr>
-              <a:t>Remote PYNQ FPGA Laboratory</a:t>
-            </a:r>
-          </a:p>
-        </p:txBody>
-      </p:sp>
-      <p:sp>
-        <p:nvSpPr>
-          <p:cNvPr id="32" name="Rectangle 31">
-            <a:extLst>
-              <a:ext uri="{FF2B5EF4-FFF2-40B4-BE49-F238E27FC236}">
-                <a16:creationId xmlns:a16="http://schemas.microsoft.com/office/drawing/2014/main" id="{2D90431A-C538-E780-943E-250161A2C4A0}"/>
-              </a:ext>
-            </a:extLst>
-          </p:cNvPr>
-          <p:cNvSpPr/>
-          <p:nvPr/>
-        </p:nvSpPr>
-        <p:spPr>
-          <a:xfrm>
-            <a:off x="205773" y="6971541"/>
-            <a:ext cx="7196186" cy="8587800"/>
-          </a:xfrm>
-          <a:prstGeom prst="rect">
-            <a:avLst/>
-          </a:prstGeom>
-          <a:ln>
-            <a:solidFill>
-              <a:schemeClr val="accent4"/>
-            </a:solidFill>
-          </a:ln>
-        </p:spPr>
-        <p:style>
-          <a:lnRef idx="2">
-            <a:schemeClr val="accent1">
-              <a:shade val="15000"/>
-            </a:schemeClr>
-          </a:lnRef>
-          <a:fillRef idx="1003">
-            <a:schemeClr val="lt2"/>
-          </a:fillRef>
-          <a:effectRef idx="0">
-            <a:schemeClr val="accent1"/>
-          </a:effectRef>
-          <a:fontRef idx="minor">
-            <a:schemeClr val="lt1"/>
-          </a:fontRef>
-        </p:style>
-        <p:txBody>
-          <a:bodyPr rtlCol="0" anchor="t"/>
-          <a:lstStyle/>
-          <a:p>
-            <a:pPr>
-              <a:spcAft>
-                <a:spcPts val="600"/>
-              </a:spcAft>
-            </a:pPr>
-            <a:r>
-              <a:rPr lang="en-IE" dirty="0">
-                <a:solidFill>
-                  <a:schemeClr val="tx1"/>
-                </a:solidFill>
-                <a:latin typeface="Congenial" panose="02000503040000020004" pitchFamily="2" charset="0"/>
-              </a:rPr>
-              <a:t>The purpose of the remote FPGA laboratory is to make real PYNQ Z2 hardware available to students and enthusiasts.</a:t>
-            </a:r>
-          </a:p>
-          <a:p>
-            <a:r>
-              <a:rPr lang="en-IE" dirty="0">
-                <a:solidFill>
-                  <a:schemeClr val="tx1"/>
-                </a:solidFill>
-                <a:latin typeface="Congenial" panose="02000503040000020004" pitchFamily="2" charset="0"/>
-              </a:rPr>
-              <a:t>This is achieved by using a tunnelling service called </a:t>
-            </a:r>
-            <a:r>
-              <a:rPr lang="en-IE" b="1" dirty="0">
-                <a:solidFill>
-                  <a:schemeClr val="tx1"/>
-                </a:solidFill>
-                <a:latin typeface="Congenial" panose="02000503040000020004" pitchFamily="2" charset="0"/>
-              </a:rPr>
-              <a:t>ngrok</a:t>
-            </a:r>
-            <a:r>
-              <a:rPr lang="en-IE" dirty="0">
-                <a:solidFill>
-                  <a:schemeClr val="tx1"/>
-                </a:solidFill>
-                <a:latin typeface="Congenial" panose="02000503040000020004" pitchFamily="2" charset="0"/>
-              </a:rPr>
-              <a:t>. This service runs as a background daemon on the PYNQ’s ARM processor.</a:t>
-            </a:r>
-          </a:p>
-          <a:p>
-            <a:endParaRPr lang="en-IE" dirty="0">
-              <a:solidFill>
-                <a:schemeClr val="tx1"/>
-              </a:solidFill>
-              <a:latin typeface="Congenial" panose="02000503040000020004" pitchFamily="2" charset="0"/>
-            </a:endParaRPr>
-          </a:p>
-          <a:p>
-            <a:endParaRPr lang="en-IE" dirty="0">
-              <a:solidFill>
-                <a:schemeClr val="tx1"/>
-              </a:solidFill>
-              <a:latin typeface="Congenial" panose="02000503040000020004" pitchFamily="2" charset="0"/>
-            </a:endParaRPr>
-          </a:p>
-          <a:p>
-            <a:endParaRPr lang="en-IE" dirty="0">
-              <a:solidFill>
-                <a:schemeClr val="tx1"/>
-              </a:solidFill>
-              <a:latin typeface="Congenial" panose="02000503040000020004" pitchFamily="2" charset="0"/>
-            </a:endParaRPr>
-          </a:p>
-          <a:p>
-            <a:endParaRPr lang="en-IE" dirty="0">
-              <a:solidFill>
-                <a:schemeClr val="tx1"/>
-              </a:solidFill>
-              <a:latin typeface="Congenial" panose="02000503040000020004" pitchFamily="2" charset="0"/>
-            </a:endParaRPr>
-          </a:p>
-          <a:p>
-            <a:endParaRPr lang="en-IE" dirty="0">
-              <a:solidFill>
-                <a:schemeClr val="tx1"/>
-              </a:solidFill>
-              <a:latin typeface="Congenial" panose="02000503040000020004" pitchFamily="2" charset="0"/>
-            </a:endParaRPr>
-          </a:p>
-          <a:p>
-            <a:endParaRPr lang="en-IE" dirty="0">
-              <a:solidFill>
-                <a:schemeClr val="tx1"/>
-              </a:solidFill>
-              <a:latin typeface="Congenial" panose="02000503040000020004" pitchFamily="2" charset="0"/>
-            </a:endParaRPr>
-          </a:p>
-          <a:p>
-            <a:endParaRPr lang="en-IE" dirty="0">
-              <a:solidFill>
-                <a:schemeClr val="tx1"/>
-              </a:solidFill>
-              <a:latin typeface="Congenial" panose="02000503040000020004" pitchFamily="2" charset="0"/>
-            </a:endParaRPr>
-          </a:p>
-          <a:p>
-            <a:r>
-              <a:rPr lang="en-IE" dirty="0">
-                <a:solidFill>
-                  <a:schemeClr val="tx1"/>
-                </a:solidFill>
-                <a:latin typeface="Congenial" panose="02000503040000020004" pitchFamily="2" charset="0"/>
-              </a:rPr>
-              <a:t>Ngrok secures tunnels over HTTPS by default, encrypting all data transferred over the network. For authentication, ngrok supports OAuth 2.0, which allows users to login using third party platforms. For the duration of this project, users are authenticated by logging in using their @universityofgalway.ie Microsoft accounts.</a:t>
-            </a:r>
-          </a:p>
-        </p:txBody>
-      </p:sp>
-      <p:sp>
-        <p:nvSpPr>
-          <p:cNvPr id="33" name="TextBox 32">
-            <a:extLst>
-              <a:ext uri="{FF2B5EF4-FFF2-40B4-BE49-F238E27FC236}">
-                <a16:creationId xmlns:a16="http://schemas.microsoft.com/office/drawing/2014/main" id="{F3D4F1F2-EB13-2061-ADD6-6BF700222D0A}"/>
-              </a:ext>
-            </a:extLst>
-          </p:cNvPr>
-          <p:cNvSpPr txBox="1"/>
-          <p:nvPr/>
-        </p:nvSpPr>
-        <p:spPr>
-          <a:xfrm>
-            <a:off x="176994" y="15720888"/>
-            <a:ext cx="14757411" cy="461665"/>
-          </a:xfrm>
-          <a:prstGeom prst="rect">
-            <a:avLst/>
-          </a:prstGeom>
-          <a:ln/>
-        </p:spPr>
-        <p:style>
-          <a:lnRef idx="1">
-            <a:schemeClr val="accent4"/>
-          </a:lnRef>
-          <a:fillRef idx="2">
-            <a:schemeClr val="accent4"/>
-          </a:fillRef>
-          <a:effectRef idx="1">
-            <a:schemeClr val="accent4"/>
-          </a:effectRef>
-          <a:fontRef idx="minor">
-            <a:schemeClr val="dk1"/>
-          </a:fontRef>
-        </p:style>
-        <p:txBody>
-          <a:bodyPr wrap="square" rtlCol="0">
-            <a:spAutoFit/>
-          </a:bodyPr>
-          <a:lstStyle/>
-          <a:p>
-            <a:pPr algn="ctr"/>
-            <a:r>
-              <a:rPr lang="en-IE" sz="2400" dirty="0">
-                <a:latin typeface="Congenial Black" panose="020F0502020204030204" pitchFamily="2" charset="0"/>
-              </a:rPr>
-              <a:t>RISC-V Challenge-Based Learning Platform</a:t>
-            </a:r>
-          </a:p>
-        </p:txBody>
-      </p:sp>
-      <p:sp>
-        <p:nvSpPr>
-          <p:cNvPr id="34" name="Rectangle 33">
-            <a:extLst>
-              <a:ext uri="{FF2B5EF4-FFF2-40B4-BE49-F238E27FC236}">
-                <a16:creationId xmlns:a16="http://schemas.microsoft.com/office/drawing/2014/main" id="{408438C2-B553-FC62-E6A8-398BC1BD373F}"/>
-              </a:ext>
-            </a:extLst>
-          </p:cNvPr>
-          <p:cNvSpPr/>
-          <p:nvPr/>
-        </p:nvSpPr>
-        <p:spPr>
-          <a:xfrm>
-            <a:off x="176994" y="16182553"/>
-            <a:ext cx="14757412" cy="3325881"/>
-          </a:xfrm>
-          <a:prstGeom prst="rect">
-            <a:avLst/>
-          </a:prstGeom>
-          <a:ln>
-            <a:solidFill>
-              <a:schemeClr val="accent4"/>
-            </a:solidFill>
-          </a:ln>
-        </p:spPr>
-        <p:style>
-          <a:lnRef idx="2">
-            <a:schemeClr val="accent1">
-              <a:shade val="15000"/>
-            </a:schemeClr>
-          </a:lnRef>
-          <a:fillRef idx="1003">
-            <a:schemeClr val="lt2"/>
-          </a:fillRef>
-          <a:effectRef idx="0">
-            <a:schemeClr val="accent1"/>
-          </a:effectRef>
-          <a:fontRef idx="minor">
-            <a:schemeClr val="lt1"/>
-          </a:fontRef>
-        </p:style>
-        <p:txBody>
-          <a:bodyPr rtlCol="0" anchor="t"/>
-          <a:lstStyle/>
-          <a:p>
-            <a:endParaRPr lang="en-IE" dirty="0">
-              <a:solidFill>
-                <a:schemeClr val="tx1"/>
-              </a:solidFill>
-              <a:latin typeface="Congenial" panose="02000503040000020004" pitchFamily="2" charset="0"/>
-            </a:endParaRPr>
-          </a:p>
-        </p:txBody>
-      </p:sp>
-      <p:grpSp>
-        <p:nvGrpSpPr>
-          <p:cNvPr id="10" name="Group 9">
-            <a:extLst>
-              <a:ext uri="{FF2B5EF4-FFF2-40B4-BE49-F238E27FC236}">
-                <a16:creationId xmlns:a16="http://schemas.microsoft.com/office/drawing/2014/main" id="{556DD27D-40D4-5D9C-8BCE-B83349B351A5}"/>
+                <a16:creationId xmlns:a16="http://schemas.microsoft.com/office/drawing/2014/main" id="{E33D3A7A-42BE-7EEE-2083-E3276775A422}"/>
               </a:ext>
             </a:extLst>
           </p:cNvPr>
@@ -4403,156 +4094,18 @@
         </p:nvGrpSpPr>
         <p:grpSpPr>
           <a:xfrm>
-            <a:off x="7939206" y="11314623"/>
-            <a:ext cx="6802829" cy="4211849"/>
-            <a:chOff x="7939206" y="10966282"/>
-            <a:chExt cx="6802829" cy="4211849"/>
+            <a:off x="205773" y="7307615"/>
+            <a:ext cx="7196185" cy="8294312"/>
+            <a:chOff x="205773" y="7307615"/>
+            <a:chExt cx="7196185" cy="8294312"/>
           </a:xfrm>
         </p:grpSpPr>
-        <p:pic>
-          <p:nvPicPr>
-            <p:cNvPr id="17" name="Picture 16" descr="A screenshot of a computer program&#10;&#10;Description automatically generated">
+        <p:sp>
+          <p:nvSpPr>
+            <p:cNvPr id="31" name="TextBox 30">
               <a:extLst>
                 <a:ext uri="{FF2B5EF4-FFF2-40B4-BE49-F238E27FC236}">
-                  <a16:creationId xmlns:a16="http://schemas.microsoft.com/office/drawing/2014/main" id="{83D2BD84-2323-D56F-5EB4-983A296FABAE}"/>
-                </a:ext>
-              </a:extLst>
-            </p:cNvPr>
-            <p:cNvPicPr>
-              <a:picLocks noChangeAspect="1"/>
-            </p:cNvPicPr>
-            <p:nvPr/>
-          </p:nvPicPr>
-          <p:blipFill>
-            <a:blip r:embed="rId3">
-              <a:extLst>
-                <a:ext uri="{28A0092B-C50C-407E-A947-70E740481C1C}">
-                  <a14:useLocalDpi xmlns:a14="http://schemas.microsoft.com/office/drawing/2010/main" val="0"/>
-                </a:ext>
-              </a:extLst>
-            </a:blip>
-            <a:stretch>
-              <a:fillRect/>
-            </a:stretch>
-          </p:blipFill>
-          <p:spPr>
-            <a:xfrm>
-              <a:off x="7939206" y="10966283"/>
-              <a:ext cx="3369678" cy="1825802"/>
-            </a:xfrm>
-            <a:prstGeom prst="rect">
-              <a:avLst/>
-            </a:prstGeom>
-          </p:spPr>
-        </p:pic>
-        <p:pic>
-          <p:nvPicPr>
-            <p:cNvPr id="21" name="Picture 20" descr="A screenshot of a computer program&#10;&#10;Description automatically generated">
-              <a:extLst>
-                <a:ext uri="{FF2B5EF4-FFF2-40B4-BE49-F238E27FC236}">
-                  <a16:creationId xmlns:a16="http://schemas.microsoft.com/office/drawing/2014/main" id="{53A1C88E-832D-046F-C2F9-219381444CD0}"/>
-                </a:ext>
-              </a:extLst>
-            </p:cNvPr>
-            <p:cNvPicPr>
-              <a:picLocks noChangeAspect="1"/>
-            </p:cNvPicPr>
-            <p:nvPr/>
-          </p:nvPicPr>
-          <p:blipFill>
-            <a:blip r:embed="rId4">
-              <a:extLst>
-                <a:ext uri="{28A0092B-C50C-407E-A947-70E740481C1C}">
-                  <a14:useLocalDpi xmlns:a14="http://schemas.microsoft.com/office/drawing/2010/main" val="0"/>
-                </a:ext>
-              </a:extLst>
-            </a:blip>
-            <a:stretch>
-              <a:fillRect/>
-            </a:stretch>
-          </p:blipFill>
-          <p:spPr>
-            <a:xfrm>
-              <a:off x="11372357" y="10966282"/>
-              <a:ext cx="3369678" cy="1825802"/>
-            </a:xfrm>
-            <a:prstGeom prst="rect">
-              <a:avLst/>
-            </a:prstGeom>
-          </p:spPr>
-        </p:pic>
-        <p:pic>
-          <p:nvPicPr>
-            <p:cNvPr id="19" name="Picture 18" descr="A screenshot of a computer&#10;&#10;Description automatically generated">
-              <a:extLst>
-                <a:ext uri="{FF2B5EF4-FFF2-40B4-BE49-F238E27FC236}">
-                  <a16:creationId xmlns:a16="http://schemas.microsoft.com/office/drawing/2014/main" id="{BAA7806B-99C5-262D-6FB3-3576C62EA744}"/>
-                </a:ext>
-              </a:extLst>
-            </p:cNvPr>
-            <p:cNvPicPr>
-              <a:picLocks noChangeAspect="1"/>
-            </p:cNvPicPr>
-            <p:nvPr/>
-          </p:nvPicPr>
-          <p:blipFill>
-            <a:blip r:embed="rId5">
-              <a:extLst>
-                <a:ext uri="{28A0092B-C50C-407E-A947-70E740481C1C}">
-                  <a14:useLocalDpi xmlns:a14="http://schemas.microsoft.com/office/drawing/2010/main" val="0"/>
-                </a:ext>
-              </a:extLst>
-            </a:blip>
-            <a:stretch>
-              <a:fillRect/>
-            </a:stretch>
-          </p:blipFill>
-          <p:spPr>
-            <a:xfrm>
-              <a:off x="7945557" y="13065550"/>
-              <a:ext cx="3356977" cy="1825802"/>
-            </a:xfrm>
-            <a:prstGeom prst="rect">
-              <a:avLst/>
-            </a:prstGeom>
-          </p:spPr>
-        </p:pic>
-        <p:pic>
-          <p:nvPicPr>
-            <p:cNvPr id="23" name="Picture 22">
-              <a:extLst>
-                <a:ext uri="{FF2B5EF4-FFF2-40B4-BE49-F238E27FC236}">
-                  <a16:creationId xmlns:a16="http://schemas.microsoft.com/office/drawing/2014/main" id="{AF45975D-2457-4B05-11E0-C782E8592FE0}"/>
-                </a:ext>
-              </a:extLst>
-            </p:cNvPr>
-            <p:cNvPicPr>
-              <a:picLocks noChangeAspect="1"/>
-            </p:cNvPicPr>
-            <p:nvPr/>
-          </p:nvPicPr>
-          <p:blipFill>
-            <a:blip r:embed="rId6"/>
-            <a:stretch>
-              <a:fillRect/>
-            </a:stretch>
-          </p:blipFill>
-          <p:spPr>
-            <a:xfrm>
-              <a:off x="11361256" y="13069082"/>
-              <a:ext cx="3376029" cy="1822269"/>
-            </a:xfrm>
-            <a:prstGeom prst="rect">
-              <a:avLst/>
-            </a:prstGeom>
-          </p:spPr>
-        </p:pic>
-        <p:sp>
-          <p:nvSpPr>
-            <p:cNvPr id="24" name="TextBox 23">
-              <a:extLst>
-                <a:ext uri="{FF2B5EF4-FFF2-40B4-BE49-F238E27FC236}">
-                  <a16:creationId xmlns:a16="http://schemas.microsoft.com/office/drawing/2014/main" id="{D5F833B6-5C93-605D-58BA-F8C786950974}"/>
+                  <a16:creationId xmlns:a16="http://schemas.microsoft.com/office/drawing/2014/main" id="{AE1C9BBF-0A51-9DA6-B96D-A3EE170DEBE7}"/>
                 </a:ext>
               </a:extLst>
             </p:cNvPr>
@@ -4561,14 +4114,28 @@
           </p:nvSpPr>
           <p:spPr>
             <a:xfrm>
-              <a:off x="7940806" y="12792084"/>
-              <a:ext cx="3363328" cy="276999"/>
+              <a:off x="205773" y="7307615"/>
+              <a:ext cx="7196185" cy="461665"/>
             </a:xfrm>
             <a:prstGeom prst="rect">
               <a:avLst/>
             </a:prstGeom>
-            <a:noFill/>
+            <a:ln/>
           </p:spPr>
+          <p:style>
+            <a:lnRef idx="1">
+              <a:schemeClr val="accent4"/>
+            </a:lnRef>
+            <a:fillRef idx="2">
+              <a:schemeClr val="accent4"/>
+            </a:fillRef>
+            <a:effectRef idx="1">
+              <a:schemeClr val="accent4"/>
+            </a:effectRef>
+            <a:fontRef idx="minor">
+              <a:schemeClr val="dk1"/>
+            </a:fontRef>
+          </p:style>
           <p:txBody>
             <a:bodyPr wrap="square" rtlCol="0">
               <a:spAutoFit/>
@@ -4577,20 +4144,188 @@
             <a:p>
               <a:pPr algn="ctr"/>
               <a:r>
-                <a:rPr lang="en-IE" sz="1200" dirty="0">
-                  <a:latin typeface="Congenial" panose="02000503040000020004" pitchFamily="2" charset="0"/>
+                <a:rPr lang="en-IE" sz="2400" dirty="0">
+                  <a:latin typeface="Congenial Black" panose="020F0502020204030204" pitchFamily="2" charset="0"/>
                 </a:rPr>
-                <a:t>PYNQ SoC Builder Main Menu</a:t>
+                <a:t>Remote PYNQ FPGA Laboratory</a:t>
               </a:r>
             </a:p>
           </p:txBody>
         </p:sp>
         <p:sp>
           <p:nvSpPr>
-            <p:cNvPr id="25" name="TextBox 24">
+            <p:cNvPr id="32" name="Rectangle 31">
               <a:extLst>
                 <a:ext uri="{FF2B5EF4-FFF2-40B4-BE49-F238E27FC236}">
-                  <a16:creationId xmlns:a16="http://schemas.microsoft.com/office/drawing/2014/main" id="{D2DB3D7A-387B-6F05-8907-429371DAC75B}"/>
+                  <a16:creationId xmlns:a16="http://schemas.microsoft.com/office/drawing/2014/main" id="{2D90431A-C538-E780-943E-250161A2C4A0}"/>
+                </a:ext>
+              </a:extLst>
+            </p:cNvPr>
+            <p:cNvSpPr/>
+            <p:nvPr/>
+          </p:nvSpPr>
+          <p:spPr>
+            <a:xfrm>
+              <a:off x="215893" y="7784341"/>
+              <a:ext cx="7186065" cy="7817586"/>
+            </a:xfrm>
+            <a:prstGeom prst="rect">
+              <a:avLst/>
+            </a:prstGeom>
+            <a:ln>
+              <a:solidFill>
+                <a:schemeClr val="accent4"/>
+              </a:solidFill>
+            </a:ln>
+          </p:spPr>
+          <p:style>
+            <a:lnRef idx="2">
+              <a:schemeClr val="accent1">
+                <a:shade val="15000"/>
+              </a:schemeClr>
+            </a:lnRef>
+            <a:fillRef idx="1003">
+              <a:schemeClr val="lt2"/>
+            </a:fillRef>
+            <a:effectRef idx="0">
+              <a:schemeClr val="accent1"/>
+            </a:effectRef>
+            <a:fontRef idx="minor">
+              <a:schemeClr val="lt1"/>
+            </a:fontRef>
+          </p:style>
+          <p:txBody>
+            <a:bodyPr rtlCol="0" anchor="t"/>
+            <a:lstStyle/>
+            <a:p>
+              <a:pPr algn="just">
+                <a:spcAft>
+                  <a:spcPts val="600"/>
+                </a:spcAft>
+              </a:pPr>
+              <a:r>
+                <a:rPr lang="en-IE" dirty="0">
+                  <a:solidFill>
+                    <a:schemeClr val="tx1"/>
+                  </a:solidFill>
+                  <a:latin typeface="Congenial" panose="02000503040000020004" pitchFamily="2" charset="0"/>
+                </a:rPr>
+                <a:t>The purpose of the remote FPGA laboratory is to make real PYNQ Z2 hardware available to students and enthusiasts.</a:t>
+              </a:r>
+            </a:p>
+            <a:p>
+              <a:pPr algn="just"/>
+              <a:r>
+                <a:rPr lang="en-IE" dirty="0">
+                  <a:solidFill>
+                    <a:schemeClr val="tx1"/>
+                  </a:solidFill>
+                  <a:latin typeface="Congenial" panose="02000503040000020004" pitchFamily="2" charset="0"/>
+                </a:rPr>
+                <a:t>This is achieved by using a tunnelling service called </a:t>
+              </a:r>
+              <a:r>
+                <a:rPr lang="en-IE" b="1" dirty="0">
+                  <a:solidFill>
+                    <a:schemeClr val="tx1"/>
+                  </a:solidFill>
+                  <a:latin typeface="Congenial" panose="02000503040000020004" pitchFamily="2" charset="0"/>
+                </a:rPr>
+                <a:t>ngrok</a:t>
+              </a:r>
+              <a:r>
+                <a:rPr lang="en-IE" dirty="0">
+                  <a:solidFill>
+                    <a:schemeClr val="tx1"/>
+                  </a:solidFill>
+                  <a:latin typeface="Congenial" panose="02000503040000020004" pitchFamily="2" charset="0"/>
+                </a:rPr>
+                <a:t>. This service runs as a background daemon on the PYNQ’s ARM processor. Ngrok encrypts all data using HTTPS and authenticates users using OAuth 2.0. OAuth allows users to authenticate using their @universityofgalway.ie Microsoft accounts.</a:t>
+              </a:r>
+            </a:p>
+            <a:p>
+              <a:pPr algn="just"/>
+              <a:endParaRPr lang="en-IE" dirty="0">
+                <a:solidFill>
+                  <a:schemeClr val="tx1"/>
+                </a:solidFill>
+                <a:latin typeface="Congenial" panose="02000503040000020004" pitchFamily="2" charset="0"/>
+              </a:endParaRPr>
+            </a:p>
+            <a:p>
+              <a:pPr algn="just"/>
+              <a:endParaRPr lang="en-IE" dirty="0">
+                <a:solidFill>
+                  <a:schemeClr val="tx1"/>
+                </a:solidFill>
+                <a:latin typeface="Congenial" panose="02000503040000020004" pitchFamily="2" charset="0"/>
+              </a:endParaRPr>
+            </a:p>
+            <a:p>
+              <a:pPr algn="just"/>
+              <a:endParaRPr lang="en-IE" dirty="0">
+                <a:solidFill>
+                  <a:schemeClr val="tx1"/>
+                </a:solidFill>
+                <a:latin typeface="Congenial" panose="02000503040000020004" pitchFamily="2" charset="0"/>
+              </a:endParaRPr>
+            </a:p>
+            <a:p>
+              <a:pPr algn="just"/>
+              <a:endParaRPr lang="en-IE" dirty="0">
+                <a:solidFill>
+                  <a:schemeClr val="tx1"/>
+                </a:solidFill>
+                <a:latin typeface="Congenial" panose="02000503040000020004" pitchFamily="2" charset="0"/>
+              </a:endParaRPr>
+            </a:p>
+            <a:p>
+              <a:pPr algn="just"/>
+              <a:endParaRPr lang="en-IE" dirty="0">
+                <a:solidFill>
+                  <a:schemeClr val="tx1"/>
+                </a:solidFill>
+                <a:latin typeface="Congenial" panose="02000503040000020004" pitchFamily="2" charset="0"/>
+              </a:endParaRPr>
+            </a:p>
+            <a:p>
+              <a:pPr algn="just"/>
+              <a:endParaRPr lang="en-IE" dirty="0">
+                <a:solidFill>
+                  <a:schemeClr val="tx1"/>
+                </a:solidFill>
+                <a:latin typeface="Congenial" panose="02000503040000020004" pitchFamily="2" charset="0"/>
+              </a:endParaRPr>
+            </a:p>
+          </p:txBody>
+        </p:sp>
+      </p:grpSp>
+      <p:grpSp>
+        <p:nvGrpSpPr>
+          <p:cNvPr id="56" name="Group 55">
+            <a:extLst>
+              <a:ext uri="{FF2B5EF4-FFF2-40B4-BE49-F238E27FC236}">
+                <a16:creationId xmlns:a16="http://schemas.microsoft.com/office/drawing/2014/main" id="{FD153139-1764-0D0C-410A-6BF72D0031D4}"/>
+              </a:ext>
+            </a:extLst>
+          </p:cNvPr>
+          <p:cNvGrpSpPr/>
+          <p:nvPr/>
+        </p:nvGrpSpPr>
+        <p:grpSpPr>
+          <a:xfrm>
+            <a:off x="176995" y="15720888"/>
+            <a:ext cx="14757410" cy="3787546"/>
+            <a:chOff x="176994" y="15720888"/>
+            <a:chExt cx="14757411" cy="3787546"/>
+          </a:xfrm>
+        </p:grpSpPr>
+        <p:sp>
+          <p:nvSpPr>
+            <p:cNvPr id="33" name="TextBox 32">
+              <a:extLst>
+                <a:ext uri="{FF2B5EF4-FFF2-40B4-BE49-F238E27FC236}">
+                  <a16:creationId xmlns:a16="http://schemas.microsoft.com/office/drawing/2014/main" id="{F3D4F1F2-EB13-2061-ADD6-6BF700222D0A}"/>
                 </a:ext>
               </a:extLst>
             </p:cNvPr>
@@ -4599,14 +4334,28 @@
           </p:nvSpPr>
           <p:spPr>
             <a:xfrm>
-              <a:off x="11367607" y="12785837"/>
-              <a:ext cx="3369678" cy="276999"/>
+              <a:off x="176994" y="15720888"/>
+              <a:ext cx="14757411" cy="461665"/>
             </a:xfrm>
             <a:prstGeom prst="rect">
               <a:avLst/>
             </a:prstGeom>
-            <a:noFill/>
+            <a:ln/>
           </p:spPr>
+          <p:style>
+            <a:lnRef idx="1">
+              <a:schemeClr val="accent4"/>
+            </a:lnRef>
+            <a:fillRef idx="2">
+              <a:schemeClr val="accent4"/>
+            </a:fillRef>
+            <a:effectRef idx="1">
+              <a:schemeClr val="accent4"/>
+            </a:effectRef>
+            <a:fontRef idx="minor">
+              <a:schemeClr val="dk1"/>
+            </a:fontRef>
+          </p:style>
           <p:txBody>
             <a:bodyPr wrap="square" rtlCol="0">
               <a:spAutoFit/>
@@ -4615,91 +4364,108 @@
             <a:p>
               <a:pPr algn="ctr"/>
               <a:r>
-                <a:rPr lang="en-IE" sz="1200" dirty="0">
-                  <a:latin typeface="Congenial" panose="02000503040000020004" pitchFamily="2" charset="0"/>
+                <a:rPr lang="en-IE" sz="2400" dirty="0">
+                  <a:latin typeface="Congenial Black" panose="020F0502020204030204" pitchFamily="2" charset="0"/>
                 </a:rPr>
-                <a:t>In Progress Screen</a:t>
+                <a:t>RISC-V Assembly/C Challenge-Based Learning Platform</a:t>
               </a:r>
             </a:p>
           </p:txBody>
         </p:sp>
         <p:sp>
           <p:nvSpPr>
-            <p:cNvPr id="35" name="TextBox 34">
+            <p:cNvPr id="34" name="Rectangle 33">
               <a:extLst>
                 <a:ext uri="{FF2B5EF4-FFF2-40B4-BE49-F238E27FC236}">
-                  <a16:creationId xmlns:a16="http://schemas.microsoft.com/office/drawing/2014/main" id="{1FE8FDE3-94BC-A772-52CA-44632768D53E}"/>
+                  <a16:creationId xmlns:a16="http://schemas.microsoft.com/office/drawing/2014/main" id="{408438C2-B553-FC62-E6A8-398BC1BD373F}"/>
                 </a:ext>
               </a:extLst>
             </p:cNvPr>
-            <p:cNvSpPr txBox="1"/>
+            <p:cNvSpPr/>
             <p:nvPr/>
           </p:nvSpPr>
           <p:spPr>
             <a:xfrm>
-              <a:off x="7939206" y="14901132"/>
-              <a:ext cx="3363328" cy="276999"/>
+              <a:off x="184944" y="16182553"/>
+              <a:ext cx="14749461" cy="3325881"/>
             </a:xfrm>
             <a:prstGeom prst="rect">
               <a:avLst/>
             </a:prstGeom>
-            <a:noFill/>
+            <a:ln>
+              <a:solidFill>
+                <a:schemeClr val="accent4"/>
+              </a:solidFill>
+            </a:ln>
           </p:spPr>
+          <p:style>
+            <a:lnRef idx="2">
+              <a:schemeClr val="accent1">
+                <a:shade val="15000"/>
+              </a:schemeClr>
+            </a:lnRef>
+            <a:fillRef idx="1003">
+              <a:schemeClr val="lt2"/>
+            </a:fillRef>
+            <a:effectRef idx="0">
+              <a:schemeClr val="accent1"/>
+            </a:effectRef>
+            <a:fontRef idx="minor">
+              <a:schemeClr val="lt1"/>
+            </a:fontRef>
+          </p:style>
           <p:txBody>
-            <a:bodyPr wrap="square" rtlCol="0">
-              <a:spAutoFit/>
-            </a:bodyPr>
+            <a:bodyPr rtlCol="0" anchor="t"/>
             <a:lstStyle/>
             <a:p>
-              <a:pPr algn="ctr"/>
-              <a:r>
-                <a:rPr lang="en-IE" sz="1200" dirty="0">
-                  <a:latin typeface="Congenial" panose="02000503040000020004" pitchFamily="2" charset="0"/>
-                </a:rPr>
-                <a:t>I/O Connections Menu</a:t>
-              </a:r>
-            </a:p>
-          </p:txBody>
-        </p:sp>
-        <p:sp>
-          <p:nvSpPr>
-            <p:cNvPr id="36" name="TextBox 35">
-              <a:extLst>
-                <a:ext uri="{FF2B5EF4-FFF2-40B4-BE49-F238E27FC236}">
-                  <a16:creationId xmlns:a16="http://schemas.microsoft.com/office/drawing/2014/main" id="{9962113A-4CF9-70BC-0097-758E5F40384B}"/>
-                </a:ext>
-              </a:extLst>
-            </p:cNvPr>
-            <p:cNvSpPr txBox="1"/>
-            <p:nvPr/>
-          </p:nvSpPr>
-          <p:spPr>
-            <a:xfrm>
-              <a:off x="11366007" y="14894885"/>
-              <a:ext cx="3369678" cy="276999"/>
-            </a:xfrm>
-            <a:prstGeom prst="rect">
-              <a:avLst/>
-            </a:prstGeom>
-            <a:noFill/>
-          </p:spPr>
-          <p:txBody>
-            <a:bodyPr wrap="square" rtlCol="0">
-              <a:spAutoFit/>
-            </a:bodyPr>
-            <a:lstStyle/>
-            <a:p>
-              <a:pPr algn="ctr"/>
-              <a:r>
-                <a:rPr lang="en-IE" sz="1200" dirty="0">
-                  <a:latin typeface="Congenial" panose="02000503040000020004" pitchFamily="2" charset="0"/>
-                </a:rPr>
-                <a:t>Sample LED Signal Configuration</a:t>
-              </a:r>
+              <a:endParaRPr lang="en-IE" dirty="0">
+                <a:solidFill>
+                  <a:schemeClr val="tx1"/>
+                </a:solidFill>
+                <a:latin typeface="Congenial" panose="02000503040000020004" pitchFamily="2" charset="0"/>
+              </a:endParaRPr>
             </a:p>
           </p:txBody>
         </p:sp>
       </p:grpSp>
+      <p:sp>
+        <p:nvSpPr>
+          <p:cNvPr id="25" name="TextBox 24">
+            <a:extLst>
+              <a:ext uri="{FF2B5EF4-FFF2-40B4-BE49-F238E27FC236}">
+                <a16:creationId xmlns:a16="http://schemas.microsoft.com/office/drawing/2014/main" id="{D2DB3D7A-387B-6F05-8907-429371DAC75B}"/>
+              </a:ext>
+            </a:extLst>
+          </p:cNvPr>
+          <p:cNvSpPr txBox="1"/>
+          <p:nvPr/>
+        </p:nvSpPr>
+        <p:spPr>
+          <a:xfrm>
+            <a:off x="7792313" y="15248511"/>
+            <a:ext cx="7121467" cy="369332"/>
+          </a:xfrm>
+          <a:prstGeom prst="rect">
+            <a:avLst/>
+          </a:prstGeom>
+          <a:noFill/>
+        </p:spPr>
+        <p:txBody>
+          <a:bodyPr wrap="square" rtlCol="0">
+            <a:spAutoFit/>
+          </a:bodyPr>
+          <a:lstStyle/>
+          <a:p>
+            <a:pPr algn="ctr"/>
+            <a:r>
+              <a:rPr lang="en-IE" dirty="0">
+                <a:latin typeface="Congenial" panose="02000503040000020004" pitchFamily="2" charset="0"/>
+              </a:rPr>
+              <a:t>Block Diagram generated by SoC Builder for a 4-bit Counter</a:t>
+            </a:r>
+          </a:p>
+        </p:txBody>
+      </p:sp>
       <p:grpSp>
         <p:nvGrpSpPr>
           <p:cNvPr id="2" name="Group 1">
@@ -4714,7 +4480,7 @@
         </p:nvGrpSpPr>
         <p:grpSpPr>
           <a:xfrm>
-            <a:off x="7939219" y="6961464"/>
+            <a:off x="7939219" y="8828364"/>
             <a:ext cx="6830552" cy="4177194"/>
             <a:chOff x="7939219" y="5292322"/>
             <a:chExt cx="6830552" cy="4177194"/>
@@ -5063,7 +4829,7 @@
           </p:nvSpPr>
           <p:spPr>
             <a:xfrm>
-              <a:off x="10563639" y="7998541"/>
+              <a:off x="10486081" y="7991817"/>
               <a:ext cx="993671" cy="646331"/>
             </a:xfrm>
             <a:prstGeom prst="rect">
@@ -5088,7 +4854,7 @@
                 <a:rPr lang="en-IE" sz="1200" dirty="0">
                   <a:latin typeface="Congenial" panose="02000503040000020004" pitchFamily="2" charset="0"/>
                 </a:rPr>
-                <a:t>. Invoke script in Vivado </a:t>
+                <a:t>. Invoke script in Vivado IDE</a:t>
               </a:r>
             </a:p>
           </p:txBody>
@@ -5321,7 +5087,7 @@
             <p:nvPr/>
           </p:nvPicPr>
           <p:blipFill>
-            <a:blip r:embed="rId7">
+            <a:blip r:embed="rId3">
               <a:extLst>
                 <a:ext uri="{28A0092B-C50C-407E-A947-70E740481C1C}">
                   <a14:useLocalDpi xmlns:a14="http://schemas.microsoft.com/office/drawing/2010/main" val="0"/>
@@ -5567,52 +5333,6 @@
             </a:p>
           </p:txBody>
         </p:sp>
-        <p:pic>
-          <p:nvPicPr>
-            <p:cNvPr id="89" name="Picture 88" descr="A black and grey logo&#10;&#10;Description automatically generated">
-              <a:extLst>
-                <a:ext uri="{FF2B5EF4-FFF2-40B4-BE49-F238E27FC236}">
-                  <a16:creationId xmlns:a16="http://schemas.microsoft.com/office/drawing/2014/main" id="{98FF07A6-AB67-A918-FD04-1A5B7E14FB86}"/>
-                </a:ext>
-              </a:extLst>
-            </p:cNvPr>
-            <p:cNvPicPr>
-              <a:picLocks noChangeAspect="1"/>
-            </p:cNvPicPr>
-            <p:nvPr/>
-          </p:nvPicPr>
-          <p:blipFill>
-            <a:blip r:embed="rId8">
-              <a:extLst>
-                <a:ext uri="{28A0092B-C50C-407E-A947-70E740481C1C}">
-                  <a14:useLocalDpi xmlns:a14="http://schemas.microsoft.com/office/drawing/2010/main" val="0"/>
-                </a:ext>
-              </a:extLst>
-            </a:blip>
-            <a:stretch>
-              <a:fillRect/>
-            </a:stretch>
-          </p:blipFill>
-          <p:spPr>
-            <a:xfrm>
-              <a:off x="12619524" y="8676224"/>
-              <a:ext cx="1941019" cy="693005"/>
-            </a:xfrm>
-            <a:prstGeom prst="roundRect">
-              <a:avLst/>
-            </a:prstGeom>
-            <a:solidFill>
-              <a:schemeClr val="bg1"/>
-            </a:solidFill>
-            <a:ln w="19050">
-              <a:solidFill>
-                <a:schemeClr val="accent5">
-                  <a:shade val="15000"/>
-                </a:schemeClr>
-              </a:solidFill>
-            </a:ln>
-          </p:spPr>
-        </p:pic>
         <p:cxnSp>
           <p:nvCxnSpPr>
             <p:cNvPr id="90" name="Straight Arrow Connector 89">
@@ -5795,283 +5515,6 @@
       </p:grpSp>
       <p:sp>
         <p:nvSpPr>
-          <p:cNvPr id="60" name="Rectangle 59">
-            <a:extLst>
-              <a:ext uri="{FF2B5EF4-FFF2-40B4-BE49-F238E27FC236}">
-                <a16:creationId xmlns:a16="http://schemas.microsoft.com/office/drawing/2014/main" id="{F59B4EBD-0390-5255-B4D5-F1ECD8DDA2D8}"/>
-              </a:ext>
-            </a:extLst>
-          </p:cNvPr>
-          <p:cNvSpPr/>
-          <p:nvPr/>
-        </p:nvSpPr>
-        <p:spPr>
-          <a:xfrm>
-            <a:off x="359898" y="8427996"/>
-            <a:ext cx="6848979" cy="1886018"/>
-          </a:xfrm>
-          <a:prstGeom prst="rect">
-            <a:avLst/>
-          </a:prstGeom>
-          <a:solidFill>
-            <a:schemeClr val="accent1">
-              <a:lumMod val="40000"/>
-              <a:lumOff val="60000"/>
-              <a:alpha val="50000"/>
-            </a:schemeClr>
-          </a:solidFill>
-          <a:ln>
-            <a:noFill/>
-          </a:ln>
-        </p:spPr>
-        <p:style>
-          <a:lnRef idx="0">
-            <a:scrgbClr r="0" g="0" b="0"/>
-          </a:lnRef>
-          <a:fillRef idx="0">
-            <a:scrgbClr r="0" g="0" b="0"/>
-          </a:fillRef>
-          <a:effectRef idx="0">
-            <a:scrgbClr r="0" g="0" b="0"/>
-          </a:effectRef>
-          <a:fontRef idx="minor">
-            <a:schemeClr val="lt1"/>
-          </a:fontRef>
-        </p:style>
-        <p:txBody>
-          <a:bodyPr rtlCol="0" anchor="ctr"/>
-          <a:lstStyle/>
-          <a:p>
-            <a:pPr algn="ctr"/>
-            <a:endParaRPr lang="en-IE" dirty="0"/>
-          </a:p>
-        </p:txBody>
-      </p:sp>
-      <p:pic>
-        <p:nvPicPr>
-          <p:cNvPr id="20" name="Picture 19" descr="A blue and black logo&#10;&#10;Description automatically generated">
-            <a:extLst>
-              <a:ext uri="{FF2B5EF4-FFF2-40B4-BE49-F238E27FC236}">
-                <a16:creationId xmlns:a16="http://schemas.microsoft.com/office/drawing/2014/main" id="{0352DE73-1B56-05B8-2FA6-692CB1394681}"/>
-              </a:ext>
-            </a:extLst>
-          </p:cNvPr>
-          <p:cNvPicPr>
-            <a:picLocks noChangeAspect="1"/>
-          </p:cNvPicPr>
-          <p:nvPr/>
-        </p:nvPicPr>
-        <p:blipFill>
-          <a:blip r:embed="rId9">
-            <a:extLst>
-              <a:ext uri="{28A0092B-C50C-407E-A947-70E740481C1C}">
-                <a14:useLocalDpi xmlns:a14="http://schemas.microsoft.com/office/drawing/2010/main" val="0"/>
-              </a:ext>
-            </a:extLst>
-          </a:blip>
-          <a:stretch>
-            <a:fillRect/>
-          </a:stretch>
-        </p:blipFill>
-        <p:spPr>
-          <a:xfrm>
-            <a:off x="3171670" y="8366315"/>
-            <a:ext cx="1640199" cy="757166"/>
-          </a:xfrm>
-          <a:prstGeom prst="rect">
-            <a:avLst/>
-          </a:prstGeom>
-        </p:spPr>
-      </p:pic>
-      <p:pic>
-        <p:nvPicPr>
-          <p:cNvPr id="26" name="Picture 25" descr="A logo of a google chrome&#10;&#10;Description automatically generated">
-            <a:extLst>
-              <a:ext uri="{FF2B5EF4-FFF2-40B4-BE49-F238E27FC236}">
-                <a16:creationId xmlns:a16="http://schemas.microsoft.com/office/drawing/2014/main" id="{6BD39CDE-FB5E-07D4-34A3-4B81EC571B34}"/>
-              </a:ext>
-            </a:extLst>
-          </p:cNvPr>
-          <p:cNvPicPr>
-            <a:picLocks noChangeAspect="1"/>
-          </p:cNvPicPr>
-          <p:nvPr/>
-        </p:nvPicPr>
-        <p:blipFill>
-          <a:blip r:embed="rId10">
-            <a:extLst>
-              <a:ext uri="{28A0092B-C50C-407E-A947-70E740481C1C}">
-                <a14:useLocalDpi xmlns:a14="http://schemas.microsoft.com/office/drawing/2010/main" val="0"/>
-              </a:ext>
-            </a:extLst>
-          </a:blip>
-          <a:stretch>
-            <a:fillRect/>
-          </a:stretch>
-        </p:blipFill>
-        <p:spPr>
-          <a:xfrm>
-            <a:off x="5443017" y="8814487"/>
-            <a:ext cx="1361507" cy="1361507"/>
-          </a:xfrm>
-          <a:prstGeom prst="rect">
-            <a:avLst/>
-          </a:prstGeom>
-        </p:spPr>
-      </p:pic>
-      <p:sp>
-        <p:nvSpPr>
-          <p:cNvPr id="49" name="Arc 48">
-            <a:extLst>
-              <a:ext uri="{FF2B5EF4-FFF2-40B4-BE49-F238E27FC236}">
-                <a16:creationId xmlns:a16="http://schemas.microsoft.com/office/drawing/2014/main" id="{14AC649F-0818-2316-EA8A-E4F53DB925C9}"/>
-              </a:ext>
-            </a:extLst>
-          </p:cNvPr>
-          <p:cNvSpPr/>
-          <p:nvPr/>
-        </p:nvSpPr>
-        <p:spPr>
-          <a:xfrm rot="19123379">
-            <a:off x="2395022" y="9073382"/>
-            <a:ext cx="3114155" cy="3073348"/>
-          </a:xfrm>
-          <a:prstGeom prst="arc">
-            <a:avLst>
-              <a:gd name="adj1" fmla="val 16040921"/>
-              <a:gd name="adj2" fmla="val 110593"/>
-            </a:avLst>
-          </a:prstGeom>
-          <a:ln w="76200">
-            <a:headEnd type="none"/>
-            <a:tailEnd type="triangle"/>
-          </a:ln>
-        </p:spPr>
-        <p:style>
-          <a:lnRef idx="2">
-            <a:schemeClr val="accent1"/>
-          </a:lnRef>
-          <a:fillRef idx="0">
-            <a:schemeClr val="accent1"/>
-          </a:fillRef>
-          <a:effectRef idx="1">
-            <a:schemeClr val="accent1"/>
-          </a:effectRef>
-          <a:fontRef idx="minor">
-            <a:schemeClr val="tx1"/>
-          </a:fontRef>
-        </p:style>
-        <p:txBody>
-          <a:bodyPr rtlCol="0" anchor="ctr"/>
-          <a:lstStyle/>
-          <a:p>
-            <a:pPr algn="ctr"/>
-            <a:endParaRPr lang="en-IE"/>
-          </a:p>
-        </p:txBody>
-      </p:sp>
-      <p:sp>
-        <p:nvSpPr>
-          <p:cNvPr id="50" name="TextBox 49">
-            <a:extLst>
-              <a:ext uri="{FF2B5EF4-FFF2-40B4-BE49-F238E27FC236}">
-                <a16:creationId xmlns:a16="http://schemas.microsoft.com/office/drawing/2014/main" id="{C346CEA4-F9CB-E238-FD11-061DD870F97D}"/>
-              </a:ext>
-            </a:extLst>
-          </p:cNvPr>
-          <p:cNvSpPr txBox="1"/>
-          <p:nvPr/>
-        </p:nvSpPr>
-        <p:spPr>
-          <a:xfrm>
-            <a:off x="2637186" y="9673989"/>
-            <a:ext cx="2624326" cy="584775"/>
-          </a:xfrm>
-          <a:prstGeom prst="rect">
-            <a:avLst/>
-          </a:prstGeom>
-          <a:noFill/>
-        </p:spPr>
-        <p:txBody>
-          <a:bodyPr wrap="square" rtlCol="0">
-            <a:spAutoFit/>
-          </a:bodyPr>
-          <a:lstStyle/>
-          <a:p>
-            <a:pPr algn="ctr"/>
-            <a:r>
-              <a:rPr lang="en-IE" sz="1600" b="1" dirty="0">
-                <a:latin typeface="Congenial" panose="02000503040000020004" pitchFamily="2" charset="0"/>
-              </a:rPr>
-              <a:t>Connection is tunnelled through ngrok servers</a:t>
-            </a:r>
-            <a:endParaRPr lang="en-IE" sz="1600" dirty="0">
-              <a:latin typeface="Congenial" panose="02000503040000020004" pitchFamily="2" charset="0"/>
-            </a:endParaRPr>
-          </a:p>
-        </p:txBody>
-      </p:sp>
-      <p:pic>
-        <p:nvPicPr>
-          <p:cNvPr id="52" name="Picture 51">
-            <a:extLst>
-              <a:ext uri="{FF2B5EF4-FFF2-40B4-BE49-F238E27FC236}">
-                <a16:creationId xmlns:a16="http://schemas.microsoft.com/office/drawing/2014/main" id="{369B9185-298D-3EB3-77C5-E0286BF734DC}"/>
-              </a:ext>
-            </a:extLst>
-          </p:cNvPr>
-          <p:cNvPicPr>
-            <a:picLocks noChangeAspect="1"/>
-          </p:cNvPicPr>
-          <p:nvPr/>
-        </p:nvPicPr>
-        <p:blipFill rotWithShape="1">
-          <a:blip r:embed="rId11"/>
-          <a:srcRect l="5768" t="2893" r="2238"/>
-          <a:stretch/>
-        </p:blipFill>
-        <p:spPr>
-          <a:xfrm>
-            <a:off x="995637" y="11791497"/>
-            <a:ext cx="2953278" cy="3173907"/>
-          </a:xfrm>
-          <a:prstGeom prst="rect">
-            <a:avLst/>
-          </a:prstGeom>
-        </p:spPr>
-      </p:pic>
-      <p:pic>
-        <p:nvPicPr>
-          <p:cNvPr id="55" name="Picture 54">
-            <a:extLst>
-              <a:ext uri="{FF2B5EF4-FFF2-40B4-BE49-F238E27FC236}">
-                <a16:creationId xmlns:a16="http://schemas.microsoft.com/office/drawing/2014/main" id="{8232C213-E203-4F68-F84C-EF98DD648AA6}"/>
-              </a:ext>
-            </a:extLst>
-          </p:cNvPr>
-          <p:cNvPicPr>
-            <a:picLocks noChangeAspect="1"/>
-          </p:cNvPicPr>
-          <p:nvPr/>
-        </p:nvPicPr>
-        <p:blipFill>
-          <a:blip r:embed="rId12"/>
-          <a:stretch>
-            <a:fillRect/>
-          </a:stretch>
-        </p:blipFill>
-        <p:spPr>
-          <a:xfrm>
-            <a:off x="4024288" y="11797825"/>
-            <a:ext cx="2742136" cy="3167578"/>
-          </a:xfrm>
-          <a:prstGeom prst="rect">
-            <a:avLst/>
-          </a:prstGeom>
-        </p:spPr>
-      </p:pic>
-      <p:sp>
-        <p:nvSpPr>
           <p:cNvPr id="59" name="TextBox 58">
             <a:extLst>
               <a:ext uri="{FF2B5EF4-FFF2-40B4-BE49-F238E27FC236}">
@@ -6084,8 +5527,8 @@
         </p:nvSpPr>
         <p:spPr>
           <a:xfrm>
-            <a:off x="186746" y="14960294"/>
-            <a:ext cx="7172159" cy="646331"/>
+            <a:off x="186746" y="15248511"/>
+            <a:ext cx="7172159" cy="369332"/>
           </a:xfrm>
           <a:prstGeom prst="rect">
             <a:avLst/>
@@ -6103,47 +5546,286 @@
               <a:rPr lang="en-IE" dirty="0">
                 <a:latin typeface="Congenial" panose="02000503040000020004" pitchFamily="2" charset="0"/>
               </a:rPr>
-              <a:t>Jupyter Notebook generated by SoC Builder opened on remote PYNQ accessed over Ngrok Tunnel</a:t>
-            </a:r>
-          </a:p>
-        </p:txBody>
-      </p:sp>
-      <p:pic>
-        <p:nvPicPr>
-          <p:cNvPr id="3" name="Picture 2" descr="A close-up of a red circuit board&#10;&#10;Description automatically generated">
+              <a:t>RISC-V Architecture</a:t>
+            </a:r>
+          </a:p>
+        </p:txBody>
+      </p:sp>
+      <p:grpSp>
+        <p:nvGrpSpPr>
+          <p:cNvPr id="28" name="Group 27">
             <a:extLst>
               <a:ext uri="{FF2B5EF4-FFF2-40B4-BE49-F238E27FC236}">
-                <a16:creationId xmlns:a16="http://schemas.microsoft.com/office/drawing/2014/main" id="{14D85344-7C6A-F70D-3983-C9EFB1FEA0FE}"/>
+                <a16:creationId xmlns:a16="http://schemas.microsoft.com/office/drawing/2014/main" id="{AC60DDCF-19C7-F6FD-5BE1-2D81BA1C7DC0}"/>
               </a:ext>
             </a:extLst>
           </p:cNvPr>
-          <p:cNvPicPr>
-            <a:picLocks noChangeAspect="1"/>
-          </p:cNvPicPr>
+          <p:cNvGrpSpPr/>
           <p:nvPr/>
-        </p:nvPicPr>
-        <p:blipFill>
-          <a:blip r:embed="rId13">
-            <a:extLst>
-              <a:ext uri="{28A0092B-C50C-407E-A947-70E740481C1C}">
-                <a14:useLocalDpi xmlns:a14="http://schemas.microsoft.com/office/drawing/2010/main" val="0"/>
-              </a:ext>
-            </a:extLst>
-          </a:blip>
-          <a:stretch>
-            <a:fillRect/>
-          </a:stretch>
-        </p:blipFill>
-        <p:spPr>
+        </p:nvGrpSpPr>
+        <p:grpSpPr>
           <a:xfrm>
-            <a:off x="426016" y="8877522"/>
-            <a:ext cx="2146296" cy="1361507"/>
+            <a:off x="359898" y="9814115"/>
+            <a:ext cx="6848979" cy="3780415"/>
+            <a:chOff x="359898" y="8366315"/>
+            <a:chExt cx="6848979" cy="3780415"/>
           </a:xfrm>
-          <a:prstGeom prst="rect">
-            <a:avLst/>
-          </a:prstGeom>
-        </p:spPr>
-      </p:pic>
+        </p:grpSpPr>
+        <p:sp>
+          <p:nvSpPr>
+            <p:cNvPr id="60" name="Rectangle 59">
+              <a:extLst>
+                <a:ext uri="{FF2B5EF4-FFF2-40B4-BE49-F238E27FC236}">
+                  <a16:creationId xmlns:a16="http://schemas.microsoft.com/office/drawing/2014/main" id="{F59B4EBD-0390-5255-B4D5-F1ECD8DDA2D8}"/>
+                </a:ext>
+              </a:extLst>
+            </p:cNvPr>
+            <p:cNvSpPr/>
+            <p:nvPr/>
+          </p:nvSpPr>
+          <p:spPr>
+            <a:xfrm>
+              <a:off x="359898" y="8427996"/>
+              <a:ext cx="6848979" cy="1886018"/>
+            </a:xfrm>
+            <a:prstGeom prst="rect">
+              <a:avLst/>
+            </a:prstGeom>
+            <a:solidFill>
+              <a:schemeClr val="accent1">
+                <a:lumMod val="40000"/>
+                <a:lumOff val="60000"/>
+                <a:alpha val="50000"/>
+              </a:schemeClr>
+            </a:solidFill>
+            <a:ln>
+              <a:noFill/>
+            </a:ln>
+          </p:spPr>
+          <p:style>
+            <a:lnRef idx="0">
+              <a:scrgbClr r="0" g="0" b="0"/>
+            </a:lnRef>
+            <a:fillRef idx="0">
+              <a:scrgbClr r="0" g="0" b="0"/>
+            </a:fillRef>
+            <a:effectRef idx="0">
+              <a:scrgbClr r="0" g="0" b="0"/>
+            </a:effectRef>
+            <a:fontRef idx="minor">
+              <a:schemeClr val="lt1"/>
+            </a:fontRef>
+          </p:style>
+          <p:txBody>
+            <a:bodyPr rtlCol="0" anchor="ctr"/>
+            <a:lstStyle/>
+            <a:p>
+              <a:pPr algn="ctr"/>
+              <a:endParaRPr lang="en-IE" dirty="0"/>
+            </a:p>
+          </p:txBody>
+        </p:sp>
+        <p:pic>
+          <p:nvPicPr>
+            <p:cNvPr id="20" name="Picture 19" descr="A blue and black logo&#10;&#10;Description automatically generated">
+              <a:extLst>
+                <a:ext uri="{FF2B5EF4-FFF2-40B4-BE49-F238E27FC236}">
+                  <a16:creationId xmlns:a16="http://schemas.microsoft.com/office/drawing/2014/main" id="{0352DE73-1B56-05B8-2FA6-692CB1394681}"/>
+                </a:ext>
+              </a:extLst>
+            </p:cNvPr>
+            <p:cNvPicPr>
+              <a:picLocks noChangeAspect="1"/>
+            </p:cNvPicPr>
+            <p:nvPr/>
+          </p:nvPicPr>
+          <p:blipFill>
+            <a:blip r:embed="rId4">
+              <a:extLst>
+                <a:ext uri="{28A0092B-C50C-407E-A947-70E740481C1C}">
+                  <a14:useLocalDpi xmlns:a14="http://schemas.microsoft.com/office/drawing/2010/main" val="0"/>
+                </a:ext>
+              </a:extLst>
+            </a:blip>
+            <a:stretch>
+              <a:fillRect/>
+            </a:stretch>
+          </p:blipFill>
+          <p:spPr>
+            <a:xfrm>
+              <a:off x="3171670" y="8366315"/>
+              <a:ext cx="1640199" cy="757166"/>
+            </a:xfrm>
+            <a:prstGeom prst="rect">
+              <a:avLst/>
+            </a:prstGeom>
+          </p:spPr>
+        </p:pic>
+        <p:pic>
+          <p:nvPicPr>
+            <p:cNvPr id="26" name="Picture 25" descr="A logo of a google chrome&#10;&#10;Description automatically generated">
+              <a:extLst>
+                <a:ext uri="{FF2B5EF4-FFF2-40B4-BE49-F238E27FC236}">
+                  <a16:creationId xmlns:a16="http://schemas.microsoft.com/office/drawing/2014/main" id="{6BD39CDE-FB5E-07D4-34A3-4B81EC571B34}"/>
+                </a:ext>
+              </a:extLst>
+            </p:cNvPr>
+            <p:cNvPicPr>
+              <a:picLocks noChangeAspect="1"/>
+            </p:cNvPicPr>
+            <p:nvPr/>
+          </p:nvPicPr>
+          <p:blipFill>
+            <a:blip r:embed="rId5">
+              <a:extLst>
+                <a:ext uri="{28A0092B-C50C-407E-A947-70E740481C1C}">
+                  <a14:useLocalDpi xmlns:a14="http://schemas.microsoft.com/office/drawing/2010/main" val="0"/>
+                </a:ext>
+              </a:extLst>
+            </a:blip>
+            <a:stretch>
+              <a:fillRect/>
+            </a:stretch>
+          </p:blipFill>
+          <p:spPr>
+            <a:xfrm>
+              <a:off x="5443017" y="8814487"/>
+              <a:ext cx="1361507" cy="1361507"/>
+            </a:xfrm>
+            <a:prstGeom prst="rect">
+              <a:avLst/>
+            </a:prstGeom>
+          </p:spPr>
+        </p:pic>
+        <p:sp>
+          <p:nvSpPr>
+            <p:cNvPr id="49" name="Arc 48">
+              <a:extLst>
+                <a:ext uri="{FF2B5EF4-FFF2-40B4-BE49-F238E27FC236}">
+                  <a16:creationId xmlns:a16="http://schemas.microsoft.com/office/drawing/2014/main" id="{14AC649F-0818-2316-EA8A-E4F53DB925C9}"/>
+                </a:ext>
+              </a:extLst>
+            </p:cNvPr>
+            <p:cNvSpPr/>
+            <p:nvPr/>
+          </p:nvSpPr>
+          <p:spPr>
+            <a:xfrm rot="19123379">
+              <a:off x="2395022" y="9073382"/>
+              <a:ext cx="3114155" cy="3073348"/>
+            </a:xfrm>
+            <a:prstGeom prst="arc">
+              <a:avLst>
+                <a:gd name="adj1" fmla="val 16040921"/>
+                <a:gd name="adj2" fmla="val 110593"/>
+              </a:avLst>
+            </a:prstGeom>
+            <a:ln w="76200">
+              <a:headEnd type="none"/>
+              <a:tailEnd type="triangle"/>
+            </a:ln>
+          </p:spPr>
+          <p:style>
+            <a:lnRef idx="2">
+              <a:schemeClr val="accent1"/>
+            </a:lnRef>
+            <a:fillRef idx="0">
+              <a:schemeClr val="accent1"/>
+            </a:fillRef>
+            <a:effectRef idx="1">
+              <a:schemeClr val="accent1"/>
+            </a:effectRef>
+            <a:fontRef idx="minor">
+              <a:schemeClr val="tx1"/>
+            </a:fontRef>
+          </p:style>
+          <p:txBody>
+            <a:bodyPr rtlCol="0" anchor="ctr"/>
+            <a:lstStyle/>
+            <a:p>
+              <a:pPr algn="ctr"/>
+              <a:endParaRPr lang="en-IE"/>
+            </a:p>
+          </p:txBody>
+        </p:sp>
+        <p:sp>
+          <p:nvSpPr>
+            <p:cNvPr id="50" name="TextBox 49">
+              <a:extLst>
+                <a:ext uri="{FF2B5EF4-FFF2-40B4-BE49-F238E27FC236}">
+                  <a16:creationId xmlns:a16="http://schemas.microsoft.com/office/drawing/2014/main" id="{C346CEA4-F9CB-E238-FD11-061DD870F97D}"/>
+                </a:ext>
+              </a:extLst>
+            </p:cNvPr>
+            <p:cNvSpPr txBox="1"/>
+            <p:nvPr/>
+          </p:nvSpPr>
+          <p:spPr>
+            <a:xfrm>
+              <a:off x="2637186" y="9673989"/>
+              <a:ext cx="2624326" cy="584775"/>
+            </a:xfrm>
+            <a:prstGeom prst="rect">
+              <a:avLst/>
+            </a:prstGeom>
+            <a:noFill/>
+          </p:spPr>
+          <p:txBody>
+            <a:bodyPr wrap="square" rtlCol="0">
+              <a:spAutoFit/>
+            </a:bodyPr>
+            <a:lstStyle/>
+            <a:p>
+              <a:pPr algn="ctr"/>
+              <a:r>
+                <a:rPr lang="en-IE" sz="1600" b="1" dirty="0">
+                  <a:latin typeface="Congenial" panose="02000503040000020004" pitchFamily="2" charset="0"/>
+                </a:rPr>
+                <a:t>Connection is tunnelled through ngrok servers</a:t>
+              </a:r>
+              <a:endParaRPr lang="en-IE" sz="1600" dirty="0">
+                <a:latin typeface="Congenial" panose="02000503040000020004" pitchFamily="2" charset="0"/>
+              </a:endParaRPr>
+            </a:p>
+          </p:txBody>
+        </p:sp>
+        <p:pic>
+          <p:nvPicPr>
+            <p:cNvPr id="3" name="Picture 2" descr="A close-up of a red circuit board&#10;&#10;Description automatically generated">
+              <a:extLst>
+                <a:ext uri="{FF2B5EF4-FFF2-40B4-BE49-F238E27FC236}">
+                  <a16:creationId xmlns:a16="http://schemas.microsoft.com/office/drawing/2014/main" id="{14D85344-7C6A-F70D-3983-C9EFB1FEA0FE}"/>
+                </a:ext>
+              </a:extLst>
+            </p:cNvPr>
+            <p:cNvPicPr>
+              <a:picLocks noChangeAspect="1"/>
+            </p:cNvPicPr>
+            <p:nvPr/>
+          </p:nvPicPr>
+          <p:blipFill>
+            <a:blip r:embed="rId6">
+              <a:extLst>
+                <a:ext uri="{28A0092B-C50C-407E-A947-70E740481C1C}">
+                  <a14:useLocalDpi xmlns:a14="http://schemas.microsoft.com/office/drawing/2010/main" val="0"/>
+                </a:ext>
+              </a:extLst>
+            </a:blip>
+            <a:stretch>
+              <a:fillRect/>
+            </a:stretch>
+          </p:blipFill>
+          <p:spPr>
+            <a:xfrm>
+              <a:off x="426016" y="8877522"/>
+              <a:ext cx="2146296" cy="1361507"/>
+            </a:xfrm>
+            <a:prstGeom prst="rect">
+              <a:avLst/>
+            </a:prstGeom>
+          </p:spPr>
+        </p:pic>
+      </p:grpSp>
       <p:sp>
         <p:nvSpPr>
           <p:cNvPr id="61" name="Rectangle 60">
@@ -6213,7 +5895,7 @@
         <p:spPr>
           <a:xfrm>
             <a:off x="256466" y="16319465"/>
-            <a:ext cx="7535644" cy="3016210"/>
+            <a:ext cx="7116715" cy="3016210"/>
           </a:xfrm>
           <a:prstGeom prst="rect">
             <a:avLst/>
@@ -6226,7 +5908,7 @@
           </a:bodyPr>
           <a:lstStyle/>
           <a:p>
-            <a:pPr marL="285750" indent="-285750">
+            <a:pPr marL="285750" indent="-285750" algn="just">
               <a:spcBef>
                 <a:spcPts val="600"/>
               </a:spcBef>
@@ -6247,7 +5929,7 @@
             </a:endParaRPr>
           </a:p>
           <a:p>
-            <a:pPr marL="285750" indent="-285750">
+            <a:pPr marL="285750" indent="-285750" algn="just">
               <a:spcBef>
                 <a:spcPts val="600"/>
               </a:spcBef>
@@ -6261,7 +5943,7 @@
                 </a:solidFill>
                 <a:latin typeface="Congenial" panose="02000503040000020004" pitchFamily="2" charset="0"/>
               </a:rPr>
-              <a:t>The learning platform will consist of two RISC-V cores. One of which the user will program using RISC-V assembly, </a:t>
+              <a:t>The learning platform will consist of two RISC-V cores. One of which the user will program using assembly or C, </a:t>
             </a:r>
             <a:r>
               <a:rPr lang="en-IE" dirty="0">
@@ -6280,7 +5962,7 @@
             </a:r>
           </a:p>
           <a:p>
-            <a:pPr marL="285750" indent="-285750">
+            <a:pPr marL="285750" indent="-285750" algn="just">
               <a:spcBef>
                 <a:spcPts val="600"/>
               </a:spcBef>
@@ -6392,7 +6074,7 @@
           <p:nvPr/>
         </p:nvPicPr>
         <p:blipFill>
-          <a:blip r:embed="rId8">
+          <a:blip r:embed="rId7">
             <a:extLst>
               <a:ext uri="{28A0092B-C50C-407E-A947-70E740481C1C}">
                 <a14:useLocalDpi xmlns:a14="http://schemas.microsoft.com/office/drawing/2010/main" val="0"/>
@@ -6440,7 +6122,7 @@
           <p:nvPr/>
         </p:nvPicPr>
         <p:blipFill>
-          <a:blip r:embed="rId14">
+          <a:blip r:embed="rId8">
             <a:extLst>
               <a:ext uri="{28A0092B-C50C-407E-A947-70E740481C1C}">
                 <a14:useLocalDpi xmlns:a14="http://schemas.microsoft.com/office/drawing/2010/main" val="0"/>
@@ -6533,13 +6215,13 @@
           <p:nvPr/>
         </p:nvPicPr>
         <p:blipFill rotWithShape="1">
-          <a:blip r:embed="rId15">
+          <a:blip r:embed="rId9">
             <a:extLst>
               <a:ext uri="{28A0092B-C50C-407E-A947-70E740481C1C}">
                 <a14:useLocalDpi xmlns:a14="http://schemas.microsoft.com/office/drawing/2010/main" val="0"/>
               </a:ext>
               <a:ext uri="{96DAC541-7B7A-43D3-8B79-37D633B846F1}">
-                <asvg:svgBlip xmlns:asvg="http://schemas.microsoft.com/office/drawing/2016/SVG/main" r:embed="rId16"/>
+                <asvg:svgBlip xmlns:asvg="http://schemas.microsoft.com/office/drawing/2016/SVG/main" r:embed="rId10"/>
               </a:ext>
             </a:extLst>
           </a:blip>
@@ -6667,13 +6349,13 @@
           <p:nvPr/>
         </p:nvPicPr>
         <p:blipFill rotWithShape="1">
-          <a:blip r:embed="rId15">
+          <a:blip r:embed="rId9">
             <a:extLst>
               <a:ext uri="{28A0092B-C50C-407E-A947-70E740481C1C}">
                 <a14:useLocalDpi xmlns:a14="http://schemas.microsoft.com/office/drawing/2010/main" val="0"/>
               </a:ext>
               <a:ext uri="{96DAC541-7B7A-43D3-8B79-37D633B846F1}">
-                <asvg:svgBlip xmlns:asvg="http://schemas.microsoft.com/office/drawing/2016/SVG/main" r:embed="rId16"/>
+                <asvg:svgBlip xmlns:asvg="http://schemas.microsoft.com/office/drawing/2016/SVG/main" r:embed="rId10"/>
               </a:ext>
             </a:extLst>
           </a:blip>
@@ -6936,10 +6618,4210 @@
           </a:p>
         </p:txBody>
       </p:sp>
+      <p:pic>
+        <p:nvPicPr>
+          <p:cNvPr id="18" name="Picture 17" descr="A close-up of a red circuit board&#10;&#10;Description automatically generated">
+            <a:extLst>
+              <a:ext uri="{FF2B5EF4-FFF2-40B4-BE49-F238E27FC236}">
+                <a16:creationId xmlns:a16="http://schemas.microsoft.com/office/drawing/2014/main" id="{8C3FC84E-CF0F-C5A3-48F6-AAD2BA398A91}"/>
+              </a:ext>
+            </a:extLst>
+          </p:cNvPr>
+          <p:cNvPicPr>
+            <a:picLocks noChangeAspect="1"/>
+          </p:cNvPicPr>
+          <p:nvPr/>
+        </p:nvPicPr>
+        <p:blipFill>
+          <a:blip r:embed="rId6">
+            <a:extLst>
+              <a:ext uri="{28A0092B-C50C-407E-A947-70E740481C1C}">
+                <a14:useLocalDpi xmlns:a14="http://schemas.microsoft.com/office/drawing/2010/main" val="0"/>
+              </a:ext>
+            </a:extLst>
+          </a:blip>
+          <a:stretch>
+            <a:fillRect/>
+          </a:stretch>
+        </p:blipFill>
+        <p:spPr>
+          <a:xfrm>
+            <a:off x="13275168" y="12194495"/>
+            <a:ext cx="1211080" cy="768251"/>
+          </a:xfrm>
+          <a:prstGeom prst="rect">
+            <a:avLst/>
+          </a:prstGeom>
+        </p:spPr>
+      </p:pic>
+      <p:pic>
+        <p:nvPicPr>
+          <p:cNvPr id="27" name="Picture 26" descr="A computer screen shot of a computer&#10;&#10;Description automatically generated">
+            <a:extLst>
+              <a:ext uri="{FF2B5EF4-FFF2-40B4-BE49-F238E27FC236}">
+                <a16:creationId xmlns:a16="http://schemas.microsoft.com/office/drawing/2014/main" id="{3D8E503C-C20E-E4E0-D173-0F4E25FBDE91}"/>
+              </a:ext>
+            </a:extLst>
+          </p:cNvPr>
+          <p:cNvPicPr>
+            <a:picLocks noChangeAspect="1"/>
+          </p:cNvPicPr>
+          <p:nvPr/>
+        </p:nvPicPr>
+        <p:blipFill>
+          <a:blip r:embed="rId11">
+            <a:extLst>
+              <a:ext uri="{28A0092B-C50C-407E-A947-70E740481C1C}">
+                <a14:useLocalDpi xmlns:a14="http://schemas.microsoft.com/office/drawing/2010/main" val="0"/>
+              </a:ext>
+            </a:extLst>
+          </a:blip>
+          <a:stretch>
+            <a:fillRect/>
+          </a:stretch>
+        </p:blipFill>
+        <p:spPr>
+          <a:xfrm>
+            <a:off x="1662870" y="11922630"/>
+            <a:ext cx="4667675" cy="3380911"/>
+          </a:xfrm>
+          <a:prstGeom prst="rect">
+            <a:avLst/>
+          </a:prstGeom>
+        </p:spPr>
+      </p:pic>
+      <p:pic>
+        <p:nvPicPr>
+          <p:cNvPr id="41" name="Picture 40">
+            <a:extLst>
+              <a:ext uri="{FF2B5EF4-FFF2-40B4-BE49-F238E27FC236}">
+                <a16:creationId xmlns:a16="http://schemas.microsoft.com/office/drawing/2014/main" id="{2096A1A5-FA0C-CB17-5178-130165CB2AD9}"/>
+              </a:ext>
+            </a:extLst>
+          </p:cNvPr>
+          <p:cNvPicPr>
+            <a:picLocks noChangeAspect="1"/>
+          </p:cNvPicPr>
+          <p:nvPr/>
+        </p:nvPicPr>
+        <p:blipFill rotWithShape="1">
+          <a:blip r:embed="rId12"/>
+          <a:srcRect l="22761" t="18473" r="3546" b="26265"/>
+          <a:stretch/>
+        </p:blipFill>
+        <p:spPr>
+          <a:xfrm>
+            <a:off x="8641681" y="13014659"/>
+            <a:ext cx="5676141" cy="2288882"/>
+          </a:xfrm>
+          <a:prstGeom prst="rect">
+            <a:avLst/>
+          </a:prstGeom>
+        </p:spPr>
+      </p:pic>
+      <p:grpSp>
+        <p:nvGrpSpPr>
+          <p:cNvPr id="48" name="Group 47">
+            <a:extLst>
+              <a:ext uri="{FF2B5EF4-FFF2-40B4-BE49-F238E27FC236}">
+                <a16:creationId xmlns:a16="http://schemas.microsoft.com/office/drawing/2014/main" id="{D0036A7E-5AF9-B236-8BB8-E13541F0B2F7}"/>
+              </a:ext>
+            </a:extLst>
+          </p:cNvPr>
+          <p:cNvGrpSpPr/>
+          <p:nvPr/>
+        </p:nvGrpSpPr>
+        <p:grpSpPr>
+          <a:xfrm>
+            <a:off x="215894" y="2405182"/>
+            <a:ext cx="14718511" cy="2635623"/>
+            <a:chOff x="215894" y="2405183"/>
+            <a:chExt cx="14732774" cy="2279294"/>
+          </a:xfrm>
+        </p:grpSpPr>
+        <p:sp>
+          <p:nvSpPr>
+            <p:cNvPr id="42" name="TextBox 41">
+              <a:extLst>
+                <a:ext uri="{FF2B5EF4-FFF2-40B4-BE49-F238E27FC236}">
+                  <a16:creationId xmlns:a16="http://schemas.microsoft.com/office/drawing/2014/main" id="{CFF4D4C4-D378-29CF-8685-1B6D98CE46B8}"/>
+                </a:ext>
+              </a:extLst>
+            </p:cNvPr>
+            <p:cNvSpPr txBox="1"/>
+            <p:nvPr/>
+          </p:nvSpPr>
+          <p:spPr>
+            <a:xfrm>
+              <a:off x="215894" y="2405183"/>
+              <a:ext cx="14732773" cy="461665"/>
+            </a:xfrm>
+            <a:prstGeom prst="rect">
+              <a:avLst/>
+            </a:prstGeom>
+          </p:spPr>
+          <p:style>
+            <a:lnRef idx="1">
+              <a:schemeClr val="accent5"/>
+            </a:lnRef>
+            <a:fillRef idx="2">
+              <a:schemeClr val="accent5"/>
+            </a:fillRef>
+            <a:effectRef idx="1">
+              <a:schemeClr val="accent5"/>
+            </a:effectRef>
+            <a:fontRef idx="minor">
+              <a:schemeClr val="dk1"/>
+            </a:fontRef>
+          </p:style>
+          <p:txBody>
+            <a:bodyPr wrap="square" rtlCol="0">
+              <a:spAutoFit/>
+            </a:bodyPr>
+            <a:lstStyle/>
+            <a:p>
+              <a:pPr algn="ctr"/>
+              <a:r>
+                <a:rPr lang="en-IE" sz="2400" dirty="0">
+                  <a:latin typeface="Congenial Black" panose="020F0502020204030204" pitchFamily="2" charset="0"/>
+                </a:rPr>
+                <a:t>Project Workflow</a:t>
+              </a:r>
+            </a:p>
+          </p:txBody>
+        </p:sp>
+        <p:sp>
+          <p:nvSpPr>
+            <p:cNvPr id="43" name="Rectangle 42">
+              <a:extLst>
+                <a:ext uri="{FF2B5EF4-FFF2-40B4-BE49-F238E27FC236}">
+                  <a16:creationId xmlns:a16="http://schemas.microsoft.com/office/drawing/2014/main" id="{92280549-F189-B442-6463-9449EB7B0D43}"/>
+                </a:ext>
+              </a:extLst>
+            </p:cNvPr>
+            <p:cNvSpPr/>
+            <p:nvPr/>
+          </p:nvSpPr>
+          <p:spPr>
+            <a:xfrm>
+              <a:off x="215895" y="2866848"/>
+              <a:ext cx="14732773" cy="1817629"/>
+            </a:xfrm>
+            <a:prstGeom prst="rect">
+              <a:avLst/>
+            </a:prstGeom>
+            <a:ln>
+              <a:solidFill>
+                <a:schemeClr val="accent5"/>
+              </a:solidFill>
+            </a:ln>
+          </p:spPr>
+          <p:style>
+            <a:lnRef idx="2">
+              <a:schemeClr val="accent1">
+                <a:shade val="15000"/>
+              </a:schemeClr>
+            </a:lnRef>
+            <a:fillRef idx="1003">
+              <a:schemeClr val="lt2"/>
+            </a:fillRef>
+            <a:effectRef idx="0">
+              <a:schemeClr val="accent1"/>
+            </a:effectRef>
+            <a:fontRef idx="minor">
+              <a:schemeClr val="lt1"/>
+            </a:fontRef>
+          </p:style>
+          <p:txBody>
+            <a:bodyPr rtlCol="0" anchor="t"/>
+            <a:lstStyle/>
+            <a:p>
+              <a:endParaRPr lang="en-IE" dirty="0">
+                <a:solidFill>
+                  <a:schemeClr val="tx1"/>
+                </a:solidFill>
+                <a:latin typeface="Congenial" panose="02000503040000020004" pitchFamily="2" charset="0"/>
+              </a:endParaRPr>
+            </a:p>
+          </p:txBody>
+        </p:sp>
+      </p:grpSp>
+      <p:sp>
+        <p:nvSpPr>
+          <p:cNvPr id="57" name="Rectangle 56">
+            <a:extLst>
+              <a:ext uri="{FF2B5EF4-FFF2-40B4-BE49-F238E27FC236}">
+                <a16:creationId xmlns:a16="http://schemas.microsoft.com/office/drawing/2014/main" id="{DCD16C46-C420-DC2D-11EC-DC4335683895}"/>
+              </a:ext>
+            </a:extLst>
+          </p:cNvPr>
+          <p:cNvSpPr/>
+          <p:nvPr/>
+        </p:nvSpPr>
+        <p:spPr>
+          <a:xfrm>
+            <a:off x="455104" y="3084692"/>
+            <a:ext cx="2626124" cy="1373768"/>
+          </a:xfrm>
+          <a:prstGeom prst="rect">
+            <a:avLst/>
+          </a:prstGeom>
+          <a:solidFill>
+            <a:schemeClr val="dk1">
+              <a:alpha val="50000"/>
+            </a:schemeClr>
+          </a:solidFill>
+          <a:ln>
+            <a:noFill/>
+          </a:ln>
+        </p:spPr>
+        <p:style>
+          <a:lnRef idx="0">
+            <a:scrgbClr r="0" g="0" b="0"/>
+          </a:lnRef>
+          <a:fillRef idx="0">
+            <a:scrgbClr r="0" g="0" b="0"/>
+          </a:fillRef>
+          <a:effectRef idx="0">
+            <a:scrgbClr r="0" g="0" b="0"/>
+          </a:effectRef>
+          <a:fontRef idx="minor">
+            <a:schemeClr val="lt1"/>
+          </a:fontRef>
+        </p:style>
+        <p:txBody>
+          <a:bodyPr rtlCol="0" anchor="t"/>
+          <a:lstStyle/>
+          <a:p>
+            <a:pPr marL="36000" algn="ctr"/>
+            <a:r>
+              <a:rPr lang="en-IE" dirty="0">
+                <a:latin typeface="Congenial" panose="02000503040000020004" pitchFamily="2" charset="0"/>
+              </a:rPr>
+              <a:t>Design Specification</a:t>
+            </a:r>
+          </a:p>
+          <a:p>
+            <a:pPr marL="36000" algn="ctr"/>
+            <a:endParaRPr lang="en-IE" dirty="0">
+              <a:latin typeface="Congenial" panose="02000503040000020004" pitchFamily="2" charset="0"/>
+            </a:endParaRPr>
+          </a:p>
+        </p:txBody>
+      </p:sp>
     </p:spTree>
     <p:extLst>
       <p:ext uri="{BB962C8B-B14F-4D97-AF65-F5344CB8AC3E}">
         <p14:creationId xmlns:p14="http://schemas.microsoft.com/office/powerpoint/2010/main" val="2169741476"/>
+      </p:ext>
+    </p:extLst>
+  </p:cSld>
+  <p:clrMapOvr>
+    <a:masterClrMapping/>
+  </p:clrMapOvr>
+</p:sld>
+</file>
+
+<file path=ppt/slides/slide2.xml><?xml version="1.0" encoding="utf-8"?>
+<p:sld xmlns:a="http://schemas.openxmlformats.org/drawingml/2006/main" xmlns:r="http://schemas.openxmlformats.org/officeDocument/2006/relationships" xmlns:p="http://schemas.openxmlformats.org/presentationml/2006/main">
+  <p:cSld>
+    <p:spTree>
+      <p:nvGrpSpPr>
+        <p:cNvPr id="1" name="">
+          <a:extLst>
+            <a:ext uri="{FF2B5EF4-FFF2-40B4-BE49-F238E27FC236}">
+              <a16:creationId xmlns:a16="http://schemas.microsoft.com/office/drawing/2014/main" id="{2DA4C14A-A871-9517-31D5-EB8C319A6FEA}"/>
+            </a:ext>
+          </a:extLst>
+        </p:cNvPr>
+        <p:cNvGrpSpPr/>
+        <p:nvPr/>
+      </p:nvGrpSpPr>
+      <p:grpSpPr>
+        <a:xfrm>
+          <a:off x="0" y="0"/>
+          <a:ext cx="0" cy="0"/>
+          <a:chOff x="0" y="0"/>
+          <a:chExt cx="0" cy="0"/>
+        </a:xfrm>
+      </p:grpSpPr>
+      <p:sp>
+        <p:nvSpPr>
+          <p:cNvPr id="9" name="Rectangle 8">
+            <a:extLst>
+              <a:ext uri="{FF2B5EF4-FFF2-40B4-BE49-F238E27FC236}">
+                <a16:creationId xmlns:a16="http://schemas.microsoft.com/office/drawing/2014/main" id="{4BBB403E-5B5B-AAFB-08DF-E43C1EEB4D79}"/>
+              </a:ext>
+            </a:extLst>
+          </p:cNvPr>
+          <p:cNvSpPr/>
+          <p:nvPr/>
+        </p:nvSpPr>
+        <p:spPr>
+          <a:xfrm rot="10800000">
+            <a:off x="0" y="0"/>
+            <a:ext cx="15131367" cy="21383625"/>
+          </a:xfrm>
+          <a:prstGeom prst="rect">
+            <a:avLst/>
+          </a:prstGeom>
+          <a:ln>
+            <a:noFill/>
+          </a:ln>
+        </p:spPr>
+        <p:style>
+          <a:lnRef idx="1">
+            <a:schemeClr val="dk1"/>
+          </a:lnRef>
+          <a:fillRef idx="2">
+            <a:schemeClr val="dk1"/>
+          </a:fillRef>
+          <a:effectRef idx="1">
+            <a:schemeClr val="dk1"/>
+          </a:effectRef>
+          <a:fontRef idx="minor">
+            <a:schemeClr val="dk1"/>
+          </a:fontRef>
+        </p:style>
+        <p:txBody>
+          <a:bodyPr rtlCol="0" anchor="ctr"/>
+          <a:lstStyle/>
+          <a:p>
+            <a:pPr algn="ctr"/>
+            <a:endParaRPr lang="en-IE"/>
+          </a:p>
+        </p:txBody>
+      </p:sp>
+      <p:sp>
+        <p:nvSpPr>
+          <p:cNvPr id="4" name="Rectangle 3">
+            <a:extLst>
+              <a:ext uri="{FF2B5EF4-FFF2-40B4-BE49-F238E27FC236}">
+                <a16:creationId xmlns:a16="http://schemas.microsoft.com/office/drawing/2014/main" id="{C9A77E86-0FEF-C66A-12A9-4DF7A0A21AF1}"/>
+              </a:ext>
+            </a:extLst>
+          </p:cNvPr>
+          <p:cNvSpPr/>
+          <p:nvPr/>
+        </p:nvSpPr>
+        <p:spPr>
+          <a:xfrm>
+            <a:off x="-1" y="1"/>
+            <a:ext cx="15131363" cy="2303998"/>
+          </a:xfrm>
+          <a:prstGeom prst="rect">
+            <a:avLst/>
+          </a:prstGeom>
+        </p:spPr>
+        <p:style>
+          <a:lnRef idx="1">
+            <a:schemeClr val="accent6"/>
+          </a:lnRef>
+          <a:fillRef idx="2">
+            <a:schemeClr val="accent6"/>
+          </a:fillRef>
+          <a:effectRef idx="1">
+            <a:schemeClr val="accent6"/>
+          </a:effectRef>
+          <a:fontRef idx="minor">
+            <a:schemeClr val="dk1"/>
+          </a:fontRef>
+        </p:style>
+        <p:txBody>
+          <a:bodyPr rtlCol="0" anchor="ctr"/>
+          <a:lstStyle/>
+          <a:p>
+            <a:pPr algn="ctr"/>
+            <a:endParaRPr lang="en-IE"/>
+          </a:p>
+        </p:txBody>
+      </p:sp>
+      <p:pic>
+        <p:nvPicPr>
+          <p:cNvPr id="6" name="Picture 5" descr="A purple circle with white text&#10;&#10;Description automatically generated">
+            <a:extLst>
+              <a:ext uri="{FF2B5EF4-FFF2-40B4-BE49-F238E27FC236}">
+                <a16:creationId xmlns:a16="http://schemas.microsoft.com/office/drawing/2014/main" id="{E588FEFD-1227-483A-A113-EEDB9557EF6C}"/>
+              </a:ext>
+            </a:extLst>
+          </p:cNvPr>
+          <p:cNvPicPr>
+            <a:picLocks noChangeAspect="1"/>
+          </p:cNvPicPr>
+          <p:nvPr/>
+        </p:nvPicPr>
+        <p:blipFill>
+          <a:blip r:embed="rId2">
+            <a:extLst>
+              <a:ext uri="{28A0092B-C50C-407E-A947-70E740481C1C}">
+                <a14:useLocalDpi xmlns:a14="http://schemas.microsoft.com/office/drawing/2010/main" val="0"/>
+              </a:ext>
+            </a:extLst>
+          </a:blip>
+          <a:stretch>
+            <a:fillRect/>
+          </a:stretch>
+        </p:blipFill>
+        <p:spPr>
+          <a:xfrm>
+            <a:off x="278718" y="413621"/>
+            <a:ext cx="3061405" cy="1476756"/>
+          </a:xfrm>
+          <a:prstGeom prst="rect">
+            <a:avLst/>
+          </a:prstGeom>
+        </p:spPr>
+      </p:pic>
+      <p:sp>
+        <p:nvSpPr>
+          <p:cNvPr id="7" name="TextBox 6">
+            <a:extLst>
+              <a:ext uri="{FF2B5EF4-FFF2-40B4-BE49-F238E27FC236}">
+                <a16:creationId xmlns:a16="http://schemas.microsoft.com/office/drawing/2014/main" id="{4CC883D7-FF5D-837A-D068-B8943C915EFE}"/>
+              </a:ext>
+            </a:extLst>
+          </p:cNvPr>
+          <p:cNvSpPr txBox="1"/>
+          <p:nvPr/>
+        </p:nvSpPr>
+        <p:spPr>
+          <a:xfrm>
+            <a:off x="3630857" y="1276673"/>
+            <a:ext cx="11500509" cy="1031051"/>
+          </a:xfrm>
+          <a:prstGeom prst="rect">
+            <a:avLst/>
+          </a:prstGeom>
+          <a:noFill/>
+        </p:spPr>
+        <p:txBody>
+          <a:bodyPr wrap="square" rtlCol="0" anchor="ctr">
+            <a:spAutoFit/>
+          </a:bodyPr>
+          <a:lstStyle/>
+          <a:p>
+            <a:r>
+              <a:rPr lang="en-IE" sz="2000" dirty="0">
+                <a:latin typeface="Congenial" panose="020F0502020204030204" pitchFamily="2" charset="0"/>
+              </a:rPr>
+              <a:t>Luke Canny	19339166								Supervisor: Dr Fearghal Morgan</a:t>
+            </a:r>
+          </a:p>
+          <a:p>
+            <a:r>
+              <a:rPr lang="en-IE" sz="2000" dirty="0">
+                <a:latin typeface="Congenial" panose="020F0502020204030204" pitchFamily="2" charset="0"/>
+              </a:rPr>
+              <a:t>Masters Electronic and Computer Engineering			Co-assessor: Mr Liam Kilmartin</a:t>
+            </a:r>
+          </a:p>
+          <a:p>
+            <a:r>
+              <a:rPr lang="en-IE" sz="2000" dirty="0">
+                <a:latin typeface="Congenial" panose="020F0502020204030204" pitchFamily="2" charset="0"/>
+              </a:rPr>
+              <a:t>GitHub.com/HDLGen-ChatGPT/PYNQ-SoC-Builder</a:t>
+            </a:r>
+          </a:p>
+          <a:p>
+            <a:r>
+              <a:rPr lang="en-IE" sz="100" dirty="0">
+                <a:latin typeface="Congenial" panose="020F0502020204030204" pitchFamily="2" charset="0"/>
+              </a:rPr>
+              <a:t>6</a:t>
+            </a:r>
+          </a:p>
+        </p:txBody>
+      </p:sp>
+      <p:sp>
+        <p:nvSpPr>
+          <p:cNvPr id="8" name="TextBox 7">
+            <a:extLst>
+              <a:ext uri="{FF2B5EF4-FFF2-40B4-BE49-F238E27FC236}">
+                <a16:creationId xmlns:a16="http://schemas.microsoft.com/office/drawing/2014/main" id="{094E4640-2706-A232-65FC-4D6D76D2F702}"/>
+              </a:ext>
+            </a:extLst>
+          </p:cNvPr>
+          <p:cNvSpPr txBox="1"/>
+          <p:nvPr/>
+        </p:nvSpPr>
+        <p:spPr>
+          <a:xfrm>
+            <a:off x="3630857" y="-11148"/>
+            <a:ext cx="11500509" cy="1323439"/>
+          </a:xfrm>
+          <a:prstGeom prst="rect">
+            <a:avLst/>
+          </a:prstGeom>
+          <a:noFill/>
+        </p:spPr>
+        <p:txBody>
+          <a:bodyPr wrap="square" rtlCol="0" anchor="ctr">
+            <a:spAutoFit/>
+          </a:bodyPr>
+          <a:lstStyle/>
+          <a:p>
+            <a:r>
+              <a:rPr lang="en-IE" sz="4000" b="1" dirty="0">
+                <a:latin typeface="Congenial Black" panose="02000503040000020004" pitchFamily="2" charset="0"/>
+              </a:rPr>
+              <a:t>PYNQ Automated System-on-Chip Builder</a:t>
+            </a:r>
+          </a:p>
+          <a:p>
+            <a:r>
+              <a:rPr lang="en-IE" sz="4000" b="1" dirty="0">
+                <a:latin typeface="Congenial Black" panose="02000503040000020004" pitchFamily="2" charset="0"/>
+              </a:rPr>
+              <a:t>&amp; Remote RISC-V Learning Platform</a:t>
+            </a:r>
+          </a:p>
+        </p:txBody>
+      </p:sp>
+      <p:sp>
+        <p:nvSpPr>
+          <p:cNvPr id="11" name="TextBox 10">
+            <a:extLst>
+              <a:ext uri="{FF2B5EF4-FFF2-40B4-BE49-F238E27FC236}">
+                <a16:creationId xmlns:a16="http://schemas.microsoft.com/office/drawing/2014/main" id="{01C4D517-FFD5-BBF3-DA06-E0627F24A53A}"/>
+              </a:ext>
+            </a:extLst>
+          </p:cNvPr>
+          <p:cNvSpPr txBox="1"/>
+          <p:nvPr/>
+        </p:nvSpPr>
+        <p:spPr>
+          <a:xfrm>
+            <a:off x="196135" y="4131586"/>
+            <a:ext cx="7184172" cy="461665"/>
+          </a:xfrm>
+          <a:prstGeom prst="rect">
+            <a:avLst/>
+          </a:prstGeom>
+        </p:spPr>
+        <p:style>
+          <a:lnRef idx="1">
+            <a:schemeClr val="accent5"/>
+          </a:lnRef>
+          <a:fillRef idx="2">
+            <a:schemeClr val="accent5"/>
+          </a:fillRef>
+          <a:effectRef idx="1">
+            <a:schemeClr val="accent5"/>
+          </a:effectRef>
+          <a:fontRef idx="minor">
+            <a:schemeClr val="dk1"/>
+          </a:fontRef>
+        </p:style>
+        <p:txBody>
+          <a:bodyPr wrap="square" rtlCol="0">
+            <a:spAutoFit/>
+          </a:bodyPr>
+          <a:lstStyle/>
+          <a:p>
+            <a:pPr algn="ctr"/>
+            <a:r>
+              <a:rPr lang="en-IE" sz="2400" dirty="0">
+                <a:latin typeface="Congenial Black" panose="020F0502020204030204" pitchFamily="2" charset="0"/>
+              </a:rPr>
+              <a:t>Project Overview and Objectives </a:t>
+            </a:r>
+          </a:p>
+        </p:txBody>
+      </p:sp>
+      <p:sp>
+        <p:nvSpPr>
+          <p:cNvPr id="12" name="Rectangle 11">
+            <a:extLst>
+              <a:ext uri="{FF2B5EF4-FFF2-40B4-BE49-F238E27FC236}">
+                <a16:creationId xmlns:a16="http://schemas.microsoft.com/office/drawing/2014/main" id="{333E0A62-0722-9BD1-44E7-1FCC3D98312A}"/>
+              </a:ext>
+            </a:extLst>
+          </p:cNvPr>
+          <p:cNvSpPr/>
+          <p:nvPr/>
+        </p:nvSpPr>
+        <p:spPr>
+          <a:xfrm>
+            <a:off x="181745" y="4634685"/>
+            <a:ext cx="7196186" cy="1571410"/>
+          </a:xfrm>
+          <a:prstGeom prst="rect">
+            <a:avLst/>
+          </a:prstGeom>
+          <a:ln>
+            <a:solidFill>
+              <a:schemeClr val="accent5"/>
+            </a:solidFill>
+          </a:ln>
+        </p:spPr>
+        <p:style>
+          <a:lnRef idx="2">
+            <a:schemeClr val="accent1">
+              <a:shade val="15000"/>
+            </a:schemeClr>
+          </a:lnRef>
+          <a:fillRef idx="1003">
+            <a:schemeClr val="lt2"/>
+          </a:fillRef>
+          <a:effectRef idx="0">
+            <a:schemeClr val="accent1"/>
+          </a:effectRef>
+          <a:fontRef idx="minor">
+            <a:schemeClr val="lt1"/>
+          </a:fontRef>
+        </p:style>
+        <p:txBody>
+          <a:bodyPr rtlCol="0" anchor="t"/>
+          <a:lstStyle/>
+          <a:p>
+            <a:endParaRPr lang="en-IE" dirty="0">
+              <a:solidFill>
+                <a:schemeClr val="tx1"/>
+              </a:solidFill>
+              <a:latin typeface="Congenial" panose="02000503040000020004" pitchFamily="2" charset="0"/>
+            </a:endParaRPr>
+          </a:p>
+          <a:p>
+            <a:endParaRPr lang="en-IE" dirty="0">
+              <a:solidFill>
+                <a:schemeClr val="tx1"/>
+              </a:solidFill>
+              <a:latin typeface="Congenial" panose="02000503040000020004" pitchFamily="2" charset="0"/>
+            </a:endParaRPr>
+          </a:p>
+          <a:p>
+            <a:endParaRPr lang="en-IE" dirty="0">
+              <a:solidFill>
+                <a:schemeClr val="tx1"/>
+              </a:solidFill>
+              <a:latin typeface="Congenial" panose="02000503040000020004" pitchFamily="2" charset="0"/>
+            </a:endParaRPr>
+          </a:p>
+          <a:p>
+            <a:endParaRPr lang="en-IE" dirty="0">
+              <a:solidFill>
+                <a:schemeClr val="tx1"/>
+              </a:solidFill>
+              <a:latin typeface="Congenial" panose="02000503040000020004" pitchFamily="2" charset="0"/>
+            </a:endParaRPr>
+          </a:p>
+          <a:p>
+            <a:r>
+              <a:rPr lang="en-IE" dirty="0">
+                <a:solidFill>
+                  <a:schemeClr val="tx1"/>
+                </a:solidFill>
+                <a:latin typeface="Congenial" panose="02000503040000020004" pitchFamily="2" charset="0"/>
+              </a:rPr>
+              <a:t>The aim of this project is to:</a:t>
+            </a:r>
+          </a:p>
+          <a:p>
+            <a:pPr marL="285750" indent="-285750">
+              <a:buFont typeface="Arial" panose="020B0604020202020204" pitchFamily="34" charset="0"/>
+              <a:buChar char="•"/>
+            </a:pPr>
+            <a:r>
+              <a:rPr lang="en-IE" dirty="0">
+                <a:solidFill>
+                  <a:schemeClr val="tx1"/>
+                </a:solidFill>
+                <a:latin typeface="Congenial" panose="02000503040000020004" pitchFamily="2" charset="0"/>
+              </a:rPr>
+              <a:t>Create a remote PYNQ laboratory for students</a:t>
+            </a:r>
+          </a:p>
+          <a:p>
+            <a:pPr marL="285750" indent="-285750">
+              <a:buFont typeface="Arial" panose="020B0604020202020204" pitchFamily="34" charset="0"/>
+              <a:buChar char="•"/>
+            </a:pPr>
+            <a:r>
+              <a:rPr lang="en-IE" dirty="0">
+                <a:solidFill>
+                  <a:schemeClr val="tx1"/>
+                </a:solidFill>
+                <a:latin typeface="Congenial" panose="02000503040000020004" pitchFamily="2" charset="0"/>
+              </a:rPr>
+              <a:t>Extend the functionality of HDLGen-ChatGPT to automatically deploy projects to PYNQ-Z2 FPGAs</a:t>
+            </a:r>
+          </a:p>
+          <a:p>
+            <a:pPr marL="285750" indent="-285750">
+              <a:buFont typeface="Arial" panose="020B0604020202020204" pitchFamily="34" charset="0"/>
+              <a:buChar char="•"/>
+            </a:pPr>
+            <a:r>
+              <a:rPr lang="en-IE" dirty="0">
+                <a:solidFill>
+                  <a:schemeClr val="tx1"/>
+                </a:solidFill>
+                <a:latin typeface="Congenial" panose="02000503040000020004" pitchFamily="2" charset="0"/>
+              </a:rPr>
+              <a:t>Develop an interactive challenge-based RISC-V learning platform</a:t>
+            </a:r>
+          </a:p>
+        </p:txBody>
+      </p:sp>
+      <p:sp>
+        <p:nvSpPr>
+          <p:cNvPr id="13" name="TextBox 12">
+            <a:extLst>
+              <a:ext uri="{FF2B5EF4-FFF2-40B4-BE49-F238E27FC236}">
+                <a16:creationId xmlns:a16="http://schemas.microsoft.com/office/drawing/2014/main" id="{5EC46B05-FC5B-BB65-6DAC-52BB5D841B51}"/>
+              </a:ext>
+            </a:extLst>
+          </p:cNvPr>
+          <p:cNvSpPr txBox="1"/>
+          <p:nvPr/>
+        </p:nvSpPr>
+        <p:spPr>
+          <a:xfrm>
+            <a:off x="7741419" y="19669979"/>
+            <a:ext cx="7192987" cy="461665"/>
+          </a:xfrm>
+          <a:prstGeom prst="rect">
+            <a:avLst/>
+          </a:prstGeom>
+          <a:ln/>
+        </p:spPr>
+        <p:style>
+          <a:lnRef idx="1">
+            <a:schemeClr val="accent2"/>
+          </a:lnRef>
+          <a:fillRef idx="2">
+            <a:schemeClr val="accent2"/>
+          </a:fillRef>
+          <a:effectRef idx="1">
+            <a:schemeClr val="accent2"/>
+          </a:effectRef>
+          <a:fontRef idx="minor">
+            <a:schemeClr val="dk1"/>
+          </a:fontRef>
+        </p:style>
+        <p:txBody>
+          <a:bodyPr wrap="square" rtlCol="0">
+            <a:spAutoFit/>
+          </a:bodyPr>
+          <a:lstStyle/>
+          <a:p>
+            <a:pPr algn="ctr"/>
+            <a:r>
+              <a:rPr lang="en-IE" sz="2400" dirty="0">
+                <a:latin typeface="Congenial Black" panose="020F0502020204030204" pitchFamily="2" charset="0"/>
+              </a:rPr>
+              <a:t>Acknowledgements</a:t>
+            </a:r>
+          </a:p>
+        </p:txBody>
+      </p:sp>
+      <p:sp>
+        <p:nvSpPr>
+          <p:cNvPr id="14" name="Rectangle 13">
+            <a:extLst>
+              <a:ext uri="{FF2B5EF4-FFF2-40B4-BE49-F238E27FC236}">
+                <a16:creationId xmlns:a16="http://schemas.microsoft.com/office/drawing/2014/main" id="{F99084F0-D132-9697-DABA-698A4BE4C258}"/>
+              </a:ext>
+            </a:extLst>
+          </p:cNvPr>
+          <p:cNvSpPr/>
+          <p:nvPr/>
+        </p:nvSpPr>
+        <p:spPr>
+          <a:xfrm>
+            <a:off x="7741419" y="20131645"/>
+            <a:ext cx="7192987" cy="1023020"/>
+          </a:xfrm>
+          <a:prstGeom prst="rect">
+            <a:avLst/>
+          </a:prstGeom>
+          <a:ln>
+            <a:solidFill>
+              <a:schemeClr val="accent2"/>
+            </a:solidFill>
+          </a:ln>
+        </p:spPr>
+        <p:style>
+          <a:lnRef idx="2">
+            <a:schemeClr val="accent1">
+              <a:shade val="15000"/>
+            </a:schemeClr>
+          </a:lnRef>
+          <a:fillRef idx="1003">
+            <a:schemeClr val="lt2"/>
+          </a:fillRef>
+          <a:effectRef idx="0">
+            <a:schemeClr val="accent1"/>
+          </a:effectRef>
+          <a:fontRef idx="minor">
+            <a:schemeClr val="lt1"/>
+          </a:fontRef>
+        </p:style>
+        <p:txBody>
+          <a:bodyPr rtlCol="0" anchor="t"/>
+          <a:lstStyle/>
+          <a:p>
+            <a:r>
+              <a:rPr lang="en-IE" dirty="0">
+                <a:solidFill>
+                  <a:schemeClr val="tx1"/>
+                </a:solidFill>
+                <a:latin typeface="Congenial" panose="02000503040000020004" pitchFamily="2" charset="0"/>
+              </a:rPr>
+              <a:t>I would like to thank Dr. Fearghal Morgan for his support and guidance, and Roshan George, JP Byrne and Abishek Bupathi for their previous work on HDLGen-ChatGPT, PYNQ and RISC-V.</a:t>
+            </a:r>
+          </a:p>
+        </p:txBody>
+      </p:sp>
+      <p:sp>
+        <p:nvSpPr>
+          <p:cNvPr id="15" name="TextBox 14">
+            <a:extLst>
+              <a:ext uri="{FF2B5EF4-FFF2-40B4-BE49-F238E27FC236}">
+                <a16:creationId xmlns:a16="http://schemas.microsoft.com/office/drawing/2014/main" id="{6A80B51A-2D61-4554-8AA8-810E5098341F}"/>
+              </a:ext>
+            </a:extLst>
+          </p:cNvPr>
+          <p:cNvSpPr txBox="1"/>
+          <p:nvPr/>
+        </p:nvSpPr>
+        <p:spPr>
+          <a:xfrm>
+            <a:off x="176995" y="19669979"/>
+            <a:ext cx="7196186" cy="461665"/>
+          </a:xfrm>
+          <a:prstGeom prst="rect">
+            <a:avLst/>
+          </a:prstGeom>
+        </p:spPr>
+        <p:style>
+          <a:lnRef idx="1">
+            <a:schemeClr val="accent3"/>
+          </a:lnRef>
+          <a:fillRef idx="2">
+            <a:schemeClr val="accent3"/>
+          </a:fillRef>
+          <a:effectRef idx="1">
+            <a:schemeClr val="accent3"/>
+          </a:effectRef>
+          <a:fontRef idx="minor">
+            <a:schemeClr val="dk1"/>
+          </a:fontRef>
+        </p:style>
+        <p:txBody>
+          <a:bodyPr wrap="square" rtlCol="0">
+            <a:spAutoFit/>
+          </a:bodyPr>
+          <a:lstStyle/>
+          <a:p>
+            <a:pPr algn="ctr"/>
+            <a:r>
+              <a:rPr lang="en-IE" sz="2400" dirty="0">
+                <a:latin typeface="Congenial Black" panose="020F0502020204030204" pitchFamily="2" charset="0"/>
+              </a:rPr>
+              <a:t>Future Work</a:t>
+            </a:r>
+          </a:p>
+        </p:txBody>
+      </p:sp>
+      <p:sp>
+        <p:nvSpPr>
+          <p:cNvPr id="16" name="Rectangle 15">
+            <a:extLst>
+              <a:ext uri="{FF2B5EF4-FFF2-40B4-BE49-F238E27FC236}">
+                <a16:creationId xmlns:a16="http://schemas.microsoft.com/office/drawing/2014/main" id="{36205244-07CB-FC7A-B691-1744AD15A6DF}"/>
+              </a:ext>
+            </a:extLst>
+          </p:cNvPr>
+          <p:cNvSpPr/>
+          <p:nvPr/>
+        </p:nvSpPr>
+        <p:spPr>
+          <a:xfrm>
+            <a:off x="176995" y="20131644"/>
+            <a:ext cx="7196186" cy="1023021"/>
+          </a:xfrm>
+          <a:prstGeom prst="rect">
+            <a:avLst/>
+          </a:prstGeom>
+          <a:ln>
+            <a:solidFill>
+              <a:schemeClr val="accent3"/>
+            </a:solidFill>
+          </a:ln>
+        </p:spPr>
+        <p:style>
+          <a:lnRef idx="2">
+            <a:schemeClr val="accent1">
+              <a:shade val="15000"/>
+            </a:schemeClr>
+          </a:lnRef>
+          <a:fillRef idx="1003">
+            <a:schemeClr val="lt2"/>
+          </a:fillRef>
+          <a:effectRef idx="0">
+            <a:schemeClr val="accent1"/>
+          </a:effectRef>
+          <a:fontRef idx="minor">
+            <a:schemeClr val="lt1"/>
+          </a:fontRef>
+        </p:style>
+        <p:txBody>
+          <a:bodyPr rtlCol="0" anchor="t"/>
+          <a:lstStyle/>
+          <a:p>
+            <a:pPr marL="285750" indent="-285750">
+              <a:buFont typeface="Arial" panose="020B0604020202020204" pitchFamily="34" charset="0"/>
+              <a:buChar char="•"/>
+            </a:pPr>
+            <a:r>
+              <a:rPr lang="en-IE" dirty="0">
+                <a:solidFill>
+                  <a:schemeClr val="tx1"/>
+                </a:solidFill>
+                <a:latin typeface="Congenial" panose="02000503040000020004" pitchFamily="2" charset="0"/>
+              </a:rPr>
+              <a:t>Automate RISC-V Core Bitstream Creation</a:t>
+            </a:r>
+          </a:p>
+          <a:p>
+            <a:pPr marL="285750" indent="-285750">
+              <a:buFont typeface="Arial" panose="020B0604020202020204" pitchFamily="34" charset="0"/>
+              <a:buChar char="•"/>
+            </a:pPr>
+            <a:r>
+              <a:rPr lang="en-IE" dirty="0">
+                <a:solidFill>
+                  <a:schemeClr val="tx1"/>
+                </a:solidFill>
+                <a:latin typeface="Congenial" panose="02000503040000020004" pitchFamily="2" charset="0"/>
+              </a:rPr>
+              <a:t>Develop a range of RISC-V challenges of varying difficulty</a:t>
+            </a:r>
+          </a:p>
+          <a:p>
+            <a:pPr marL="285750" indent="-285750">
+              <a:buFont typeface="Arial" panose="020B0604020202020204" pitchFamily="34" charset="0"/>
+              <a:buChar char="•"/>
+            </a:pPr>
+            <a:r>
+              <a:rPr lang="en-IE" dirty="0">
+                <a:solidFill>
+                  <a:schemeClr val="tx1"/>
+                </a:solidFill>
+                <a:latin typeface="Congenial" panose="02000503040000020004" pitchFamily="2" charset="0"/>
+              </a:rPr>
+              <a:t>Gather feedback from potential users of RV learning platform</a:t>
+            </a:r>
+          </a:p>
+        </p:txBody>
+      </p:sp>
+      <p:sp>
+        <p:nvSpPr>
+          <p:cNvPr id="29" name="TextBox 28">
+            <a:extLst>
+              <a:ext uri="{FF2B5EF4-FFF2-40B4-BE49-F238E27FC236}">
+                <a16:creationId xmlns:a16="http://schemas.microsoft.com/office/drawing/2014/main" id="{29FE87D2-F3B0-99A0-8A27-85C468CA399F}"/>
+              </a:ext>
+            </a:extLst>
+          </p:cNvPr>
+          <p:cNvSpPr txBox="1"/>
+          <p:nvPr/>
+        </p:nvSpPr>
+        <p:spPr>
+          <a:xfrm>
+            <a:off x="7731894" y="2565606"/>
+            <a:ext cx="7215213" cy="461665"/>
+          </a:xfrm>
+          <a:prstGeom prst="rect">
+            <a:avLst/>
+          </a:prstGeom>
+          <a:ln/>
+        </p:spPr>
+        <p:style>
+          <a:lnRef idx="1">
+            <a:schemeClr val="accent4"/>
+          </a:lnRef>
+          <a:fillRef idx="2">
+            <a:schemeClr val="accent4"/>
+          </a:fillRef>
+          <a:effectRef idx="1">
+            <a:schemeClr val="accent4"/>
+          </a:effectRef>
+          <a:fontRef idx="minor">
+            <a:schemeClr val="dk1"/>
+          </a:fontRef>
+        </p:style>
+        <p:txBody>
+          <a:bodyPr wrap="square" rtlCol="0">
+            <a:spAutoFit/>
+          </a:bodyPr>
+          <a:lstStyle/>
+          <a:p>
+            <a:pPr algn="ctr"/>
+            <a:r>
+              <a:rPr lang="en-IE" sz="2400" dirty="0">
+                <a:latin typeface="Congenial Black" panose="020F0502020204030204" pitchFamily="2" charset="0"/>
+              </a:rPr>
+              <a:t>PYNQ SoC Builder</a:t>
+            </a:r>
+          </a:p>
+        </p:txBody>
+      </p:sp>
+      <p:sp>
+        <p:nvSpPr>
+          <p:cNvPr id="30" name="Rectangle 29">
+            <a:extLst>
+              <a:ext uri="{FF2B5EF4-FFF2-40B4-BE49-F238E27FC236}">
+                <a16:creationId xmlns:a16="http://schemas.microsoft.com/office/drawing/2014/main" id="{1C920CBC-D5D6-2FCC-D13A-6C3AFDC6A45F}"/>
+              </a:ext>
+            </a:extLst>
+          </p:cNvPr>
+          <p:cNvSpPr/>
+          <p:nvPr/>
+        </p:nvSpPr>
+        <p:spPr>
+          <a:xfrm>
+            <a:off x="7746170" y="3027270"/>
+            <a:ext cx="7196186" cy="12532071"/>
+          </a:xfrm>
+          <a:prstGeom prst="rect">
+            <a:avLst/>
+          </a:prstGeom>
+          <a:ln>
+            <a:solidFill>
+              <a:schemeClr val="accent4"/>
+            </a:solidFill>
+          </a:ln>
+        </p:spPr>
+        <p:style>
+          <a:lnRef idx="2">
+            <a:schemeClr val="accent1">
+              <a:shade val="15000"/>
+            </a:schemeClr>
+          </a:lnRef>
+          <a:fillRef idx="1003">
+            <a:schemeClr val="lt2"/>
+          </a:fillRef>
+          <a:effectRef idx="0">
+            <a:schemeClr val="accent1"/>
+          </a:effectRef>
+          <a:fontRef idx="minor">
+            <a:schemeClr val="lt1"/>
+          </a:fontRef>
+        </p:style>
+        <p:txBody>
+          <a:bodyPr rtlCol="0" anchor="t"/>
+          <a:lstStyle/>
+          <a:p>
+            <a:pPr>
+              <a:spcAft>
+                <a:spcPts val="600"/>
+              </a:spcAft>
+            </a:pPr>
+            <a:r>
+              <a:rPr lang="en-IE" b="1" dirty="0">
+                <a:solidFill>
+                  <a:schemeClr val="tx1"/>
+                </a:solidFill>
+                <a:latin typeface="Congenial" panose="02000503040000020004" pitchFamily="2" charset="0"/>
+              </a:rPr>
+              <a:t>PYNQ SoC Builder </a:t>
+            </a:r>
+            <a:r>
+              <a:rPr lang="en-IE" dirty="0">
+                <a:solidFill>
+                  <a:schemeClr val="tx1"/>
+                </a:solidFill>
+                <a:latin typeface="Congenial" panose="02000503040000020004" pitchFamily="2" charset="0"/>
+              </a:rPr>
+              <a:t>is a standalone Python application which builds HDLGen-ChatGPT projects. </a:t>
+            </a:r>
+          </a:p>
+          <a:p>
+            <a:pPr>
+              <a:spcAft>
+                <a:spcPts val="600"/>
+              </a:spcAft>
+            </a:pPr>
+            <a:r>
+              <a:rPr lang="en-IE" b="1" dirty="0">
+                <a:solidFill>
+                  <a:schemeClr val="tx1"/>
+                </a:solidFill>
+                <a:latin typeface="Congenial" panose="02000503040000020004" pitchFamily="2" charset="0"/>
+              </a:rPr>
+              <a:t>HDLGen-ChatGPT</a:t>
+            </a:r>
+            <a:r>
+              <a:rPr lang="en-IE" dirty="0">
+                <a:solidFill>
+                  <a:schemeClr val="tx1"/>
+                </a:solidFill>
+                <a:latin typeface="Congenial" panose="02000503040000020004" pitchFamily="2" charset="0"/>
+              </a:rPr>
+              <a:t> is an open-source Python tool developed in the University of Galway to enable fast capture of HDL-based SoC capture and implementation, by automated VHDL/Verilog, testbench and waveform generation.</a:t>
+            </a:r>
+            <a:endParaRPr lang="en-IE" sz="1100" b="1" dirty="0">
+              <a:solidFill>
+                <a:schemeClr val="tx1"/>
+              </a:solidFill>
+              <a:latin typeface="Congenial" panose="02000503040000020004" pitchFamily="2" charset="0"/>
+            </a:endParaRPr>
+          </a:p>
+          <a:p>
+            <a:pPr>
+              <a:spcAft>
+                <a:spcPts val="600"/>
+              </a:spcAft>
+            </a:pPr>
+            <a:r>
+              <a:rPr lang="en-IE" dirty="0">
+                <a:solidFill>
+                  <a:schemeClr val="tx1"/>
+                </a:solidFill>
+                <a:latin typeface="Congenial" panose="02000503040000020004" pitchFamily="2" charset="0"/>
+              </a:rPr>
+              <a:t>PYNQ SoC Builder completes the following:</a:t>
+            </a:r>
+          </a:p>
+          <a:p>
+            <a:pPr marL="285750" indent="-285750">
+              <a:buFont typeface="Arial" panose="020B0604020202020204" pitchFamily="34" charset="0"/>
+              <a:buChar char="•"/>
+            </a:pPr>
+            <a:r>
+              <a:rPr lang="en-IE" dirty="0">
+                <a:solidFill>
+                  <a:schemeClr val="tx1"/>
+                </a:solidFill>
+                <a:latin typeface="Congenial" panose="02000503040000020004" pitchFamily="2" charset="0"/>
+              </a:rPr>
+              <a:t>Configures Vivado project for PYNQ-Z2 board</a:t>
+            </a:r>
+          </a:p>
+          <a:p>
+            <a:pPr marL="285750" indent="-285750">
+              <a:buFont typeface="Arial" panose="020B0604020202020204" pitchFamily="34" charset="0"/>
+              <a:buChar char="•"/>
+            </a:pPr>
+            <a:r>
+              <a:rPr lang="en-IE" dirty="0">
+                <a:solidFill>
+                  <a:schemeClr val="tx1"/>
+                </a:solidFill>
+                <a:latin typeface="Congenial" panose="02000503040000020004" pitchFamily="2" charset="0"/>
+              </a:rPr>
+              <a:t>Generates and imports PYNQ-Z2 physical constraints</a:t>
+            </a:r>
+          </a:p>
+          <a:p>
+            <a:pPr marL="285750" indent="-285750">
+              <a:buFont typeface="Arial" panose="020B0604020202020204" pitchFamily="34" charset="0"/>
+              <a:buChar char="•"/>
+            </a:pPr>
+            <a:r>
+              <a:rPr lang="en-IE" dirty="0">
+                <a:solidFill>
+                  <a:schemeClr val="tx1"/>
+                </a:solidFill>
+                <a:latin typeface="Congenial" panose="02000503040000020004" pitchFamily="2" charset="0"/>
+              </a:rPr>
+              <a:t>Creates and populates a Vivado Block Design</a:t>
+            </a:r>
+          </a:p>
+          <a:p>
+            <a:pPr marL="285750" indent="-285750">
+              <a:buFont typeface="Arial" panose="020B0604020202020204" pitchFamily="34" charset="0"/>
+              <a:buChar char="•"/>
+            </a:pPr>
+            <a:r>
+              <a:rPr lang="en-IE" dirty="0">
+                <a:solidFill>
+                  <a:schemeClr val="tx1"/>
+                </a:solidFill>
+                <a:latin typeface="Congenial" panose="02000503040000020004" pitchFamily="2" charset="0"/>
+              </a:rPr>
+              <a:t>Configures PYNQ board I/O Connections</a:t>
+            </a:r>
+          </a:p>
+          <a:p>
+            <a:pPr marL="285750" indent="-285750">
+              <a:buFont typeface="Arial" panose="020B0604020202020204" pitchFamily="34" charset="0"/>
+              <a:buChar char="•"/>
+            </a:pPr>
+            <a:r>
+              <a:rPr lang="en-IE" dirty="0">
+                <a:solidFill>
+                  <a:schemeClr val="tx1"/>
+                </a:solidFill>
+                <a:latin typeface="Congenial" panose="02000503040000020004" pitchFamily="2" charset="0"/>
+              </a:rPr>
+              <a:t>Performs synthesis, implementation and bitstream generation</a:t>
+            </a:r>
+          </a:p>
+          <a:p>
+            <a:pPr marL="285750" indent="-285750">
+              <a:buFont typeface="Arial" panose="020B0604020202020204" pitchFamily="34" charset="0"/>
+              <a:buChar char="•"/>
+            </a:pPr>
+            <a:r>
+              <a:rPr lang="en-IE" dirty="0">
+                <a:solidFill>
+                  <a:schemeClr val="tx1"/>
+                </a:solidFill>
+                <a:latin typeface="Congenial" panose="02000503040000020004" pitchFamily="2" charset="0"/>
+              </a:rPr>
+              <a:t>Generates a Jupyter Notebook project based on test plan</a:t>
+            </a:r>
+          </a:p>
+          <a:p>
+            <a:pPr>
+              <a:spcBef>
+                <a:spcPts val="600"/>
+              </a:spcBef>
+            </a:pPr>
+            <a:endParaRPr lang="en-IE" dirty="0">
+              <a:solidFill>
+                <a:schemeClr val="tx1"/>
+              </a:solidFill>
+              <a:latin typeface="Congenial" panose="02000503040000020004" pitchFamily="2" charset="0"/>
+            </a:endParaRPr>
+          </a:p>
+          <a:p>
+            <a:pPr marL="285750" indent="-285750">
+              <a:buFont typeface="Arial" panose="020B0604020202020204" pitchFamily="34" charset="0"/>
+              <a:buChar char="•"/>
+            </a:pPr>
+            <a:endParaRPr lang="en-IE" dirty="0">
+              <a:solidFill>
+                <a:schemeClr val="tx1"/>
+              </a:solidFill>
+              <a:latin typeface="Congenial" panose="02000503040000020004" pitchFamily="2" charset="0"/>
+            </a:endParaRPr>
+          </a:p>
+          <a:p>
+            <a:pPr marL="285750" indent="-285750">
+              <a:buFont typeface="Arial" panose="020B0604020202020204" pitchFamily="34" charset="0"/>
+              <a:buChar char="•"/>
+            </a:pPr>
+            <a:endParaRPr lang="en-IE" dirty="0">
+              <a:solidFill>
+                <a:schemeClr val="tx1"/>
+              </a:solidFill>
+              <a:latin typeface="Congenial" panose="02000503040000020004" pitchFamily="2" charset="0"/>
+            </a:endParaRPr>
+          </a:p>
+          <a:p>
+            <a:pPr marL="285750" indent="-285750">
+              <a:buFont typeface="Arial" panose="020B0604020202020204" pitchFamily="34" charset="0"/>
+              <a:buChar char="•"/>
+            </a:pPr>
+            <a:endParaRPr lang="en-IE" dirty="0">
+              <a:solidFill>
+                <a:schemeClr val="tx1"/>
+              </a:solidFill>
+              <a:latin typeface="Congenial" panose="02000503040000020004" pitchFamily="2" charset="0"/>
+            </a:endParaRPr>
+          </a:p>
+          <a:p>
+            <a:pPr marL="285750" indent="-285750">
+              <a:buFont typeface="Arial" panose="020B0604020202020204" pitchFamily="34" charset="0"/>
+              <a:buChar char="•"/>
+            </a:pPr>
+            <a:endParaRPr lang="en-IE" dirty="0">
+              <a:solidFill>
+                <a:schemeClr val="tx1"/>
+              </a:solidFill>
+              <a:latin typeface="Congenial" panose="02000503040000020004" pitchFamily="2" charset="0"/>
+            </a:endParaRPr>
+          </a:p>
+          <a:p>
+            <a:pPr marL="285750" indent="-285750">
+              <a:buFont typeface="Arial" panose="020B0604020202020204" pitchFamily="34" charset="0"/>
+              <a:buChar char="•"/>
+            </a:pPr>
+            <a:endParaRPr lang="en-IE" dirty="0">
+              <a:solidFill>
+                <a:schemeClr val="tx1"/>
+              </a:solidFill>
+              <a:latin typeface="Congenial" panose="02000503040000020004" pitchFamily="2" charset="0"/>
+            </a:endParaRPr>
+          </a:p>
+          <a:p>
+            <a:pPr marL="285750" indent="-285750">
+              <a:buFont typeface="Arial" panose="020B0604020202020204" pitchFamily="34" charset="0"/>
+              <a:buChar char="•"/>
+            </a:pPr>
+            <a:endParaRPr lang="en-IE" dirty="0">
+              <a:solidFill>
+                <a:schemeClr val="tx1"/>
+              </a:solidFill>
+              <a:latin typeface="Congenial" panose="02000503040000020004" pitchFamily="2" charset="0"/>
+            </a:endParaRPr>
+          </a:p>
+          <a:p>
+            <a:pPr marL="285750" indent="-285750">
+              <a:buFont typeface="Arial" panose="020B0604020202020204" pitchFamily="34" charset="0"/>
+              <a:buChar char="•"/>
+            </a:pPr>
+            <a:endParaRPr lang="en-IE" dirty="0">
+              <a:solidFill>
+                <a:schemeClr val="tx1"/>
+              </a:solidFill>
+              <a:latin typeface="Congenial" panose="02000503040000020004" pitchFamily="2" charset="0"/>
+            </a:endParaRPr>
+          </a:p>
+          <a:p>
+            <a:pPr marL="285750" indent="-285750">
+              <a:buFont typeface="Arial" panose="020B0604020202020204" pitchFamily="34" charset="0"/>
+              <a:buChar char="•"/>
+            </a:pPr>
+            <a:endParaRPr lang="en-IE" dirty="0">
+              <a:solidFill>
+                <a:schemeClr val="tx1"/>
+              </a:solidFill>
+              <a:latin typeface="Congenial" panose="02000503040000020004" pitchFamily="2" charset="0"/>
+            </a:endParaRPr>
+          </a:p>
+          <a:p>
+            <a:pPr marL="285750" indent="-285750">
+              <a:buFont typeface="Arial" panose="020B0604020202020204" pitchFamily="34" charset="0"/>
+              <a:buChar char="•"/>
+            </a:pPr>
+            <a:endParaRPr lang="en-IE" dirty="0">
+              <a:solidFill>
+                <a:schemeClr val="tx1"/>
+              </a:solidFill>
+              <a:latin typeface="Congenial" panose="02000503040000020004" pitchFamily="2" charset="0"/>
+            </a:endParaRPr>
+          </a:p>
+          <a:p>
+            <a:pPr marL="285750" indent="-285750">
+              <a:buFont typeface="Arial" panose="020B0604020202020204" pitchFamily="34" charset="0"/>
+              <a:buChar char="•"/>
+            </a:pPr>
+            <a:endParaRPr lang="en-IE" dirty="0">
+              <a:solidFill>
+                <a:schemeClr val="tx1"/>
+              </a:solidFill>
+              <a:latin typeface="Congenial" panose="02000503040000020004" pitchFamily="2" charset="0"/>
+            </a:endParaRPr>
+          </a:p>
+          <a:p>
+            <a:pPr marL="285750" indent="-285750">
+              <a:buFont typeface="Arial" panose="020B0604020202020204" pitchFamily="34" charset="0"/>
+              <a:buChar char="•"/>
+            </a:pPr>
+            <a:endParaRPr lang="en-IE" dirty="0">
+              <a:solidFill>
+                <a:schemeClr val="tx1"/>
+              </a:solidFill>
+              <a:latin typeface="Congenial" panose="02000503040000020004" pitchFamily="2" charset="0"/>
+            </a:endParaRPr>
+          </a:p>
+          <a:p>
+            <a:endParaRPr lang="en-IE" dirty="0">
+              <a:solidFill>
+                <a:schemeClr val="tx1"/>
+              </a:solidFill>
+              <a:latin typeface="Congenial" panose="02000503040000020004" pitchFamily="2" charset="0"/>
+            </a:endParaRPr>
+          </a:p>
+          <a:p>
+            <a:endParaRPr lang="en-IE" dirty="0">
+              <a:solidFill>
+                <a:schemeClr val="tx1"/>
+              </a:solidFill>
+              <a:latin typeface="Congenial" panose="02000503040000020004" pitchFamily="2" charset="0"/>
+            </a:endParaRPr>
+          </a:p>
+          <a:p>
+            <a:endParaRPr lang="en-IE" dirty="0">
+              <a:solidFill>
+                <a:schemeClr val="tx1"/>
+              </a:solidFill>
+              <a:latin typeface="Congenial" panose="02000503040000020004" pitchFamily="2" charset="0"/>
+            </a:endParaRPr>
+          </a:p>
+          <a:p>
+            <a:endParaRPr lang="en-IE" dirty="0">
+              <a:solidFill>
+                <a:schemeClr val="tx1"/>
+              </a:solidFill>
+              <a:latin typeface="Congenial" panose="02000503040000020004" pitchFamily="2" charset="0"/>
+            </a:endParaRPr>
+          </a:p>
+        </p:txBody>
+      </p:sp>
+      <p:sp>
+        <p:nvSpPr>
+          <p:cNvPr id="31" name="TextBox 30">
+            <a:extLst>
+              <a:ext uri="{FF2B5EF4-FFF2-40B4-BE49-F238E27FC236}">
+                <a16:creationId xmlns:a16="http://schemas.microsoft.com/office/drawing/2014/main" id="{5F72458A-11E7-DA6E-45F4-076AE80140B0}"/>
+              </a:ext>
+            </a:extLst>
+          </p:cNvPr>
+          <p:cNvSpPr txBox="1"/>
+          <p:nvPr/>
+        </p:nvSpPr>
+        <p:spPr>
+          <a:xfrm>
+            <a:off x="186746" y="6509876"/>
+            <a:ext cx="7215213" cy="461665"/>
+          </a:xfrm>
+          <a:prstGeom prst="rect">
+            <a:avLst/>
+          </a:prstGeom>
+          <a:ln/>
+        </p:spPr>
+        <p:style>
+          <a:lnRef idx="1">
+            <a:schemeClr val="accent4"/>
+          </a:lnRef>
+          <a:fillRef idx="2">
+            <a:schemeClr val="accent4"/>
+          </a:fillRef>
+          <a:effectRef idx="1">
+            <a:schemeClr val="accent4"/>
+          </a:effectRef>
+          <a:fontRef idx="minor">
+            <a:schemeClr val="dk1"/>
+          </a:fontRef>
+        </p:style>
+        <p:txBody>
+          <a:bodyPr wrap="square" rtlCol="0">
+            <a:spAutoFit/>
+          </a:bodyPr>
+          <a:lstStyle/>
+          <a:p>
+            <a:pPr algn="ctr"/>
+            <a:r>
+              <a:rPr lang="en-IE" sz="2400" dirty="0">
+                <a:latin typeface="Congenial Black" panose="020F0502020204030204" pitchFamily="2" charset="0"/>
+              </a:rPr>
+              <a:t>Remote PYNQ FPGA Laboratory</a:t>
+            </a:r>
+          </a:p>
+        </p:txBody>
+      </p:sp>
+      <p:sp>
+        <p:nvSpPr>
+          <p:cNvPr id="32" name="Rectangle 31">
+            <a:extLst>
+              <a:ext uri="{FF2B5EF4-FFF2-40B4-BE49-F238E27FC236}">
+                <a16:creationId xmlns:a16="http://schemas.microsoft.com/office/drawing/2014/main" id="{435D11E2-E608-33B5-D367-18071E839E14}"/>
+              </a:ext>
+            </a:extLst>
+          </p:cNvPr>
+          <p:cNvSpPr/>
+          <p:nvPr/>
+        </p:nvSpPr>
+        <p:spPr>
+          <a:xfrm>
+            <a:off x="205773" y="6971541"/>
+            <a:ext cx="7196186" cy="8587800"/>
+          </a:xfrm>
+          <a:prstGeom prst="rect">
+            <a:avLst/>
+          </a:prstGeom>
+          <a:ln>
+            <a:solidFill>
+              <a:schemeClr val="accent4"/>
+            </a:solidFill>
+          </a:ln>
+        </p:spPr>
+        <p:style>
+          <a:lnRef idx="2">
+            <a:schemeClr val="accent1">
+              <a:shade val="15000"/>
+            </a:schemeClr>
+          </a:lnRef>
+          <a:fillRef idx="1003">
+            <a:schemeClr val="lt2"/>
+          </a:fillRef>
+          <a:effectRef idx="0">
+            <a:schemeClr val="accent1"/>
+          </a:effectRef>
+          <a:fontRef idx="minor">
+            <a:schemeClr val="lt1"/>
+          </a:fontRef>
+        </p:style>
+        <p:txBody>
+          <a:bodyPr rtlCol="0" anchor="t"/>
+          <a:lstStyle/>
+          <a:p>
+            <a:pPr>
+              <a:spcAft>
+                <a:spcPts val="600"/>
+              </a:spcAft>
+            </a:pPr>
+            <a:r>
+              <a:rPr lang="en-IE" dirty="0">
+                <a:solidFill>
+                  <a:schemeClr val="tx1"/>
+                </a:solidFill>
+                <a:latin typeface="Congenial" panose="02000503040000020004" pitchFamily="2" charset="0"/>
+              </a:rPr>
+              <a:t>The purpose of the remote FPGA laboratory is to make real PYNQ Z2 hardware available to students and enthusiasts.</a:t>
+            </a:r>
+          </a:p>
+          <a:p>
+            <a:r>
+              <a:rPr lang="en-IE" dirty="0">
+                <a:solidFill>
+                  <a:schemeClr val="tx1"/>
+                </a:solidFill>
+                <a:latin typeface="Congenial" panose="02000503040000020004" pitchFamily="2" charset="0"/>
+              </a:rPr>
+              <a:t>This is achieved by using a tunnelling service called </a:t>
+            </a:r>
+            <a:r>
+              <a:rPr lang="en-IE" b="1" dirty="0">
+                <a:solidFill>
+                  <a:schemeClr val="tx1"/>
+                </a:solidFill>
+                <a:latin typeface="Congenial" panose="02000503040000020004" pitchFamily="2" charset="0"/>
+              </a:rPr>
+              <a:t>ngrok</a:t>
+            </a:r>
+            <a:r>
+              <a:rPr lang="en-IE" dirty="0">
+                <a:solidFill>
+                  <a:schemeClr val="tx1"/>
+                </a:solidFill>
+                <a:latin typeface="Congenial" panose="02000503040000020004" pitchFamily="2" charset="0"/>
+              </a:rPr>
+              <a:t>. This service runs as a background daemon on the PYNQ’s ARM processor.</a:t>
+            </a:r>
+          </a:p>
+          <a:p>
+            <a:endParaRPr lang="en-IE" dirty="0">
+              <a:solidFill>
+                <a:schemeClr val="tx1"/>
+              </a:solidFill>
+              <a:latin typeface="Congenial" panose="02000503040000020004" pitchFamily="2" charset="0"/>
+            </a:endParaRPr>
+          </a:p>
+          <a:p>
+            <a:endParaRPr lang="en-IE" dirty="0">
+              <a:solidFill>
+                <a:schemeClr val="tx1"/>
+              </a:solidFill>
+              <a:latin typeface="Congenial" panose="02000503040000020004" pitchFamily="2" charset="0"/>
+            </a:endParaRPr>
+          </a:p>
+          <a:p>
+            <a:endParaRPr lang="en-IE" dirty="0">
+              <a:solidFill>
+                <a:schemeClr val="tx1"/>
+              </a:solidFill>
+              <a:latin typeface="Congenial" panose="02000503040000020004" pitchFamily="2" charset="0"/>
+            </a:endParaRPr>
+          </a:p>
+          <a:p>
+            <a:endParaRPr lang="en-IE" dirty="0">
+              <a:solidFill>
+                <a:schemeClr val="tx1"/>
+              </a:solidFill>
+              <a:latin typeface="Congenial" panose="02000503040000020004" pitchFamily="2" charset="0"/>
+            </a:endParaRPr>
+          </a:p>
+          <a:p>
+            <a:endParaRPr lang="en-IE" dirty="0">
+              <a:solidFill>
+                <a:schemeClr val="tx1"/>
+              </a:solidFill>
+              <a:latin typeface="Congenial" panose="02000503040000020004" pitchFamily="2" charset="0"/>
+            </a:endParaRPr>
+          </a:p>
+          <a:p>
+            <a:endParaRPr lang="en-IE" dirty="0">
+              <a:solidFill>
+                <a:schemeClr val="tx1"/>
+              </a:solidFill>
+              <a:latin typeface="Congenial" panose="02000503040000020004" pitchFamily="2" charset="0"/>
+            </a:endParaRPr>
+          </a:p>
+          <a:p>
+            <a:endParaRPr lang="en-IE" dirty="0">
+              <a:solidFill>
+                <a:schemeClr val="tx1"/>
+              </a:solidFill>
+              <a:latin typeface="Congenial" panose="02000503040000020004" pitchFamily="2" charset="0"/>
+            </a:endParaRPr>
+          </a:p>
+          <a:p>
+            <a:r>
+              <a:rPr lang="en-IE" dirty="0">
+                <a:solidFill>
+                  <a:schemeClr val="tx1"/>
+                </a:solidFill>
+                <a:latin typeface="Congenial" panose="02000503040000020004" pitchFamily="2" charset="0"/>
+              </a:rPr>
+              <a:t>Ngrok secures tunnels over HTTPS by default, encrypting all data transferred over the network. For authentication, ngrok supports OAuth 2.0, which allows users to login using third party platforms. For the duration of this project, users are authenticated by logging in using their @universityofgalway.ie Microsoft accounts.</a:t>
+            </a:r>
+          </a:p>
+        </p:txBody>
+      </p:sp>
+      <p:sp>
+        <p:nvSpPr>
+          <p:cNvPr id="33" name="TextBox 32">
+            <a:extLst>
+              <a:ext uri="{FF2B5EF4-FFF2-40B4-BE49-F238E27FC236}">
+                <a16:creationId xmlns:a16="http://schemas.microsoft.com/office/drawing/2014/main" id="{EB03F569-85EB-DF8F-D63C-8C95A89D656A}"/>
+              </a:ext>
+            </a:extLst>
+          </p:cNvPr>
+          <p:cNvSpPr txBox="1"/>
+          <p:nvPr/>
+        </p:nvSpPr>
+        <p:spPr>
+          <a:xfrm>
+            <a:off x="176994" y="15720888"/>
+            <a:ext cx="14757411" cy="461665"/>
+          </a:xfrm>
+          <a:prstGeom prst="rect">
+            <a:avLst/>
+          </a:prstGeom>
+          <a:ln/>
+        </p:spPr>
+        <p:style>
+          <a:lnRef idx="1">
+            <a:schemeClr val="accent4"/>
+          </a:lnRef>
+          <a:fillRef idx="2">
+            <a:schemeClr val="accent4"/>
+          </a:fillRef>
+          <a:effectRef idx="1">
+            <a:schemeClr val="accent4"/>
+          </a:effectRef>
+          <a:fontRef idx="minor">
+            <a:schemeClr val="dk1"/>
+          </a:fontRef>
+        </p:style>
+        <p:txBody>
+          <a:bodyPr wrap="square" rtlCol="0">
+            <a:spAutoFit/>
+          </a:bodyPr>
+          <a:lstStyle/>
+          <a:p>
+            <a:pPr algn="ctr"/>
+            <a:r>
+              <a:rPr lang="en-IE" sz="2400" dirty="0">
+                <a:latin typeface="Congenial Black" panose="020F0502020204030204" pitchFamily="2" charset="0"/>
+              </a:rPr>
+              <a:t>RISC-V Challenge-Based Learning Platform</a:t>
+            </a:r>
+          </a:p>
+        </p:txBody>
+      </p:sp>
+      <p:sp>
+        <p:nvSpPr>
+          <p:cNvPr id="34" name="Rectangle 33">
+            <a:extLst>
+              <a:ext uri="{FF2B5EF4-FFF2-40B4-BE49-F238E27FC236}">
+                <a16:creationId xmlns:a16="http://schemas.microsoft.com/office/drawing/2014/main" id="{F7110498-830C-74B4-B149-37D8B56B13EF}"/>
+              </a:ext>
+            </a:extLst>
+          </p:cNvPr>
+          <p:cNvSpPr/>
+          <p:nvPr/>
+        </p:nvSpPr>
+        <p:spPr>
+          <a:xfrm>
+            <a:off x="176994" y="16182553"/>
+            <a:ext cx="14757412" cy="3325881"/>
+          </a:xfrm>
+          <a:prstGeom prst="rect">
+            <a:avLst/>
+          </a:prstGeom>
+          <a:ln>
+            <a:solidFill>
+              <a:schemeClr val="accent4"/>
+            </a:solidFill>
+          </a:ln>
+        </p:spPr>
+        <p:style>
+          <a:lnRef idx="2">
+            <a:schemeClr val="accent1">
+              <a:shade val="15000"/>
+            </a:schemeClr>
+          </a:lnRef>
+          <a:fillRef idx="1003">
+            <a:schemeClr val="lt2"/>
+          </a:fillRef>
+          <a:effectRef idx="0">
+            <a:schemeClr val="accent1"/>
+          </a:effectRef>
+          <a:fontRef idx="minor">
+            <a:schemeClr val="lt1"/>
+          </a:fontRef>
+        </p:style>
+        <p:txBody>
+          <a:bodyPr rtlCol="0" anchor="t"/>
+          <a:lstStyle/>
+          <a:p>
+            <a:endParaRPr lang="en-IE" dirty="0">
+              <a:solidFill>
+                <a:schemeClr val="tx1"/>
+              </a:solidFill>
+              <a:latin typeface="Congenial" panose="02000503040000020004" pitchFamily="2" charset="0"/>
+            </a:endParaRPr>
+          </a:p>
+        </p:txBody>
+      </p:sp>
+      <p:grpSp>
+        <p:nvGrpSpPr>
+          <p:cNvPr id="10" name="Group 9">
+            <a:extLst>
+              <a:ext uri="{FF2B5EF4-FFF2-40B4-BE49-F238E27FC236}">
+                <a16:creationId xmlns:a16="http://schemas.microsoft.com/office/drawing/2014/main" id="{820429FB-F0D2-61DE-31BE-C85E3BC56E19}"/>
+              </a:ext>
+            </a:extLst>
+          </p:cNvPr>
+          <p:cNvGrpSpPr/>
+          <p:nvPr/>
+        </p:nvGrpSpPr>
+        <p:grpSpPr>
+          <a:xfrm>
+            <a:off x="7939206" y="11314624"/>
+            <a:ext cx="6798079" cy="4211848"/>
+            <a:chOff x="7939206" y="10966283"/>
+            <a:chExt cx="6798079" cy="4211848"/>
+          </a:xfrm>
+        </p:grpSpPr>
+        <p:pic>
+          <p:nvPicPr>
+            <p:cNvPr id="17" name="Picture 16" descr="A screenshot of a computer program&#10;&#10;Description automatically generated">
+              <a:extLst>
+                <a:ext uri="{FF2B5EF4-FFF2-40B4-BE49-F238E27FC236}">
+                  <a16:creationId xmlns:a16="http://schemas.microsoft.com/office/drawing/2014/main" id="{BB31574D-E927-283B-0F55-43FC3803222D}"/>
+                </a:ext>
+              </a:extLst>
+            </p:cNvPr>
+            <p:cNvPicPr>
+              <a:picLocks noChangeAspect="1"/>
+            </p:cNvPicPr>
+            <p:nvPr/>
+          </p:nvPicPr>
+          <p:blipFill>
+            <a:blip r:embed="rId3">
+              <a:extLst>
+                <a:ext uri="{28A0092B-C50C-407E-A947-70E740481C1C}">
+                  <a14:useLocalDpi xmlns:a14="http://schemas.microsoft.com/office/drawing/2010/main" val="0"/>
+                </a:ext>
+              </a:extLst>
+            </a:blip>
+            <a:stretch>
+              <a:fillRect/>
+            </a:stretch>
+          </p:blipFill>
+          <p:spPr>
+            <a:xfrm>
+              <a:off x="7939206" y="10966283"/>
+              <a:ext cx="3369678" cy="1825802"/>
+            </a:xfrm>
+            <a:prstGeom prst="rect">
+              <a:avLst/>
+            </a:prstGeom>
+          </p:spPr>
+        </p:pic>
+        <p:sp>
+          <p:nvSpPr>
+            <p:cNvPr id="24" name="TextBox 23">
+              <a:extLst>
+                <a:ext uri="{FF2B5EF4-FFF2-40B4-BE49-F238E27FC236}">
+                  <a16:creationId xmlns:a16="http://schemas.microsoft.com/office/drawing/2014/main" id="{A7938173-C495-7D1A-DD35-BD3B7B0890DA}"/>
+                </a:ext>
+              </a:extLst>
+            </p:cNvPr>
+            <p:cNvSpPr txBox="1"/>
+            <p:nvPr/>
+          </p:nvSpPr>
+          <p:spPr>
+            <a:xfrm>
+              <a:off x="7940806" y="12792084"/>
+              <a:ext cx="3363328" cy="276999"/>
+            </a:xfrm>
+            <a:prstGeom prst="rect">
+              <a:avLst/>
+            </a:prstGeom>
+            <a:noFill/>
+          </p:spPr>
+          <p:txBody>
+            <a:bodyPr wrap="square" rtlCol="0">
+              <a:spAutoFit/>
+            </a:bodyPr>
+            <a:lstStyle/>
+            <a:p>
+              <a:pPr algn="ctr"/>
+              <a:r>
+                <a:rPr lang="en-IE" sz="1200" dirty="0">
+                  <a:latin typeface="Congenial" panose="02000503040000020004" pitchFamily="2" charset="0"/>
+                </a:rPr>
+                <a:t>PYNQ SoC Builder Main UI</a:t>
+              </a:r>
+            </a:p>
+          </p:txBody>
+        </p:sp>
+        <p:sp>
+          <p:nvSpPr>
+            <p:cNvPr id="25" name="TextBox 24">
+              <a:extLst>
+                <a:ext uri="{FF2B5EF4-FFF2-40B4-BE49-F238E27FC236}">
+                  <a16:creationId xmlns:a16="http://schemas.microsoft.com/office/drawing/2014/main" id="{8EF5D835-D187-DAA5-5445-FF8F9EDD8FA7}"/>
+                </a:ext>
+              </a:extLst>
+            </p:cNvPr>
+            <p:cNvSpPr txBox="1"/>
+            <p:nvPr/>
+          </p:nvSpPr>
+          <p:spPr>
+            <a:xfrm>
+              <a:off x="11367607" y="12785837"/>
+              <a:ext cx="3369678" cy="276999"/>
+            </a:xfrm>
+            <a:prstGeom prst="rect">
+              <a:avLst/>
+            </a:prstGeom>
+            <a:noFill/>
+          </p:spPr>
+          <p:txBody>
+            <a:bodyPr wrap="square" rtlCol="0">
+              <a:spAutoFit/>
+            </a:bodyPr>
+            <a:lstStyle/>
+            <a:p>
+              <a:pPr algn="ctr"/>
+              <a:r>
+                <a:rPr lang="en-IE" sz="1200" dirty="0">
+                  <a:latin typeface="Congenial" panose="02000503040000020004" pitchFamily="2" charset="0"/>
+                </a:rPr>
+                <a:t>Vivado Block Diagram</a:t>
+              </a:r>
+            </a:p>
+          </p:txBody>
+        </p:sp>
+        <p:sp>
+          <p:nvSpPr>
+            <p:cNvPr id="35" name="TextBox 34">
+              <a:extLst>
+                <a:ext uri="{FF2B5EF4-FFF2-40B4-BE49-F238E27FC236}">
+                  <a16:creationId xmlns:a16="http://schemas.microsoft.com/office/drawing/2014/main" id="{AFF99B4A-035C-8ADE-6AA5-25A093971D2C}"/>
+                </a:ext>
+              </a:extLst>
+            </p:cNvPr>
+            <p:cNvSpPr txBox="1"/>
+            <p:nvPr/>
+          </p:nvSpPr>
+          <p:spPr>
+            <a:xfrm>
+              <a:off x="7939206" y="14901132"/>
+              <a:ext cx="3363328" cy="276999"/>
+            </a:xfrm>
+            <a:prstGeom prst="rect">
+              <a:avLst/>
+            </a:prstGeom>
+            <a:noFill/>
+          </p:spPr>
+          <p:txBody>
+            <a:bodyPr wrap="square" rtlCol="0">
+              <a:spAutoFit/>
+            </a:bodyPr>
+            <a:lstStyle/>
+            <a:p>
+              <a:pPr algn="ctr"/>
+              <a:r>
+                <a:rPr lang="en-IE" sz="1200" dirty="0">
+                  <a:latin typeface="Congenial" panose="02000503040000020004" pitchFamily="2" charset="0"/>
+                </a:rPr>
+                <a:t>I/O Connections Menu</a:t>
+              </a:r>
+            </a:p>
+          </p:txBody>
+        </p:sp>
+        <p:sp>
+          <p:nvSpPr>
+            <p:cNvPr id="36" name="TextBox 35">
+              <a:extLst>
+                <a:ext uri="{FF2B5EF4-FFF2-40B4-BE49-F238E27FC236}">
+                  <a16:creationId xmlns:a16="http://schemas.microsoft.com/office/drawing/2014/main" id="{2CF2E24E-5795-E477-93D8-C9C580397172}"/>
+                </a:ext>
+              </a:extLst>
+            </p:cNvPr>
+            <p:cNvSpPr txBox="1"/>
+            <p:nvPr/>
+          </p:nvSpPr>
+          <p:spPr>
+            <a:xfrm>
+              <a:off x="11366007" y="14894885"/>
+              <a:ext cx="3369678" cy="276999"/>
+            </a:xfrm>
+            <a:prstGeom prst="rect">
+              <a:avLst/>
+            </a:prstGeom>
+            <a:noFill/>
+          </p:spPr>
+          <p:txBody>
+            <a:bodyPr wrap="square" rtlCol="0">
+              <a:spAutoFit/>
+            </a:bodyPr>
+            <a:lstStyle/>
+            <a:p>
+              <a:pPr algn="ctr"/>
+              <a:r>
+                <a:rPr lang="en-IE" sz="1200" dirty="0">
+                  <a:latin typeface="Congenial" panose="02000503040000020004" pitchFamily="2" charset="0"/>
+                </a:rPr>
+                <a:t>Sample LED Signal Configuration</a:t>
+              </a:r>
+            </a:p>
+          </p:txBody>
+        </p:sp>
+      </p:grpSp>
+      <p:grpSp>
+        <p:nvGrpSpPr>
+          <p:cNvPr id="2" name="Group 1">
+            <a:extLst>
+              <a:ext uri="{FF2B5EF4-FFF2-40B4-BE49-F238E27FC236}">
+                <a16:creationId xmlns:a16="http://schemas.microsoft.com/office/drawing/2014/main" id="{AC41D9D0-E614-7E3C-E8EF-E760AAF550E0}"/>
+              </a:ext>
+            </a:extLst>
+          </p:cNvPr>
+          <p:cNvGrpSpPr/>
+          <p:nvPr/>
+        </p:nvGrpSpPr>
+        <p:grpSpPr>
+          <a:xfrm>
+            <a:off x="7939219" y="6961464"/>
+            <a:ext cx="6830552" cy="4177194"/>
+            <a:chOff x="7939219" y="5292322"/>
+            <a:chExt cx="6830552" cy="4177194"/>
+          </a:xfrm>
+        </p:grpSpPr>
+        <p:sp>
+          <p:nvSpPr>
+            <p:cNvPr id="5" name="Rectangle 4">
+              <a:extLst>
+                <a:ext uri="{FF2B5EF4-FFF2-40B4-BE49-F238E27FC236}">
+                  <a16:creationId xmlns:a16="http://schemas.microsoft.com/office/drawing/2014/main" id="{6AED69D0-AEBA-8FF3-7DD0-2170002A896F}"/>
+                </a:ext>
+              </a:extLst>
+            </p:cNvPr>
+            <p:cNvSpPr/>
+            <p:nvPr/>
+          </p:nvSpPr>
+          <p:spPr>
+            <a:xfrm>
+              <a:off x="7939219" y="5292322"/>
+              <a:ext cx="6802829" cy="4177194"/>
+            </a:xfrm>
+            <a:prstGeom prst="rect">
+              <a:avLst/>
+            </a:prstGeom>
+            <a:solidFill>
+              <a:schemeClr val="accent1">
+                <a:lumMod val="40000"/>
+                <a:lumOff val="60000"/>
+                <a:alpha val="50000"/>
+              </a:schemeClr>
+            </a:solidFill>
+            <a:ln>
+              <a:noFill/>
+            </a:ln>
+          </p:spPr>
+          <p:style>
+            <a:lnRef idx="0">
+              <a:scrgbClr r="0" g="0" b="0"/>
+            </a:lnRef>
+            <a:fillRef idx="0">
+              <a:scrgbClr r="0" g="0" b="0"/>
+            </a:fillRef>
+            <a:effectRef idx="0">
+              <a:scrgbClr r="0" g="0" b="0"/>
+            </a:effectRef>
+            <a:fontRef idx="minor">
+              <a:schemeClr val="lt1"/>
+            </a:fontRef>
+          </p:style>
+          <p:txBody>
+            <a:bodyPr rtlCol="0" anchor="ctr"/>
+            <a:lstStyle/>
+            <a:p>
+              <a:pPr algn="ctr"/>
+              <a:endParaRPr lang="en-IE" dirty="0"/>
+            </a:p>
+          </p:txBody>
+        </p:sp>
+        <p:sp>
+          <p:nvSpPr>
+            <p:cNvPr id="37" name="Rectangle: Rounded Corners 36">
+              <a:extLst>
+                <a:ext uri="{FF2B5EF4-FFF2-40B4-BE49-F238E27FC236}">
+                  <a16:creationId xmlns:a16="http://schemas.microsoft.com/office/drawing/2014/main" id="{2BC0D01C-DB93-ECAB-48F8-42FF659895A6}"/>
+                </a:ext>
+              </a:extLst>
+            </p:cNvPr>
+            <p:cNvSpPr/>
+            <p:nvPr/>
+          </p:nvSpPr>
+          <p:spPr>
+            <a:xfrm>
+              <a:off x="10922826" y="5463312"/>
+              <a:ext cx="1351720" cy="2483565"/>
+            </a:xfrm>
+            <a:prstGeom prst="roundRect">
+              <a:avLst/>
+            </a:prstGeom>
+            <a:solidFill>
+              <a:schemeClr val="accent5">
+                <a:lumMod val="60000"/>
+                <a:lumOff val="40000"/>
+              </a:schemeClr>
+            </a:solidFill>
+          </p:spPr>
+          <p:style>
+            <a:lnRef idx="2">
+              <a:schemeClr val="accent5">
+                <a:shade val="15000"/>
+              </a:schemeClr>
+            </a:lnRef>
+            <a:fillRef idx="1">
+              <a:schemeClr val="accent5"/>
+            </a:fillRef>
+            <a:effectRef idx="0">
+              <a:schemeClr val="accent5"/>
+            </a:effectRef>
+            <a:fontRef idx="minor">
+              <a:schemeClr val="lt1"/>
+            </a:fontRef>
+          </p:style>
+          <p:txBody>
+            <a:bodyPr rtlCol="0" anchor="t"/>
+            <a:lstStyle/>
+            <a:p>
+              <a:pPr algn="ctr"/>
+              <a:r>
+                <a:rPr lang="en-IE" dirty="0">
+                  <a:solidFill>
+                    <a:sysClr val="windowText" lastClr="000000"/>
+                  </a:solidFill>
+                  <a:latin typeface="Congenial Black" panose="02000503040000020004" pitchFamily="2" charset="0"/>
+                </a:rPr>
+                <a:t>PYNQ</a:t>
+              </a:r>
+            </a:p>
+            <a:p>
+              <a:pPr algn="ctr"/>
+              <a:r>
+                <a:rPr lang="en-IE" dirty="0">
+                  <a:solidFill>
+                    <a:sysClr val="windowText" lastClr="000000"/>
+                  </a:solidFill>
+                  <a:latin typeface="Congenial Black" panose="02000503040000020004" pitchFamily="2" charset="0"/>
+                </a:rPr>
+                <a:t>SoC</a:t>
+              </a:r>
+            </a:p>
+            <a:p>
+              <a:pPr algn="ctr"/>
+              <a:r>
+                <a:rPr lang="en-IE" dirty="0">
+                  <a:solidFill>
+                    <a:sysClr val="windowText" lastClr="000000"/>
+                  </a:solidFill>
+                  <a:latin typeface="Congenial Black" panose="02000503040000020004" pitchFamily="2" charset="0"/>
+                </a:rPr>
+                <a:t>Builder</a:t>
+              </a:r>
+            </a:p>
+          </p:txBody>
+        </p:sp>
+        <p:sp>
+          <p:nvSpPr>
+            <p:cNvPr id="39" name="Rectangle 38">
+              <a:extLst>
+                <a:ext uri="{FF2B5EF4-FFF2-40B4-BE49-F238E27FC236}">
+                  <a16:creationId xmlns:a16="http://schemas.microsoft.com/office/drawing/2014/main" id="{8E21B73D-3762-A235-F0FB-B511ABDC78BE}"/>
+                </a:ext>
+              </a:extLst>
+            </p:cNvPr>
+            <p:cNvSpPr/>
+            <p:nvPr/>
+          </p:nvSpPr>
+          <p:spPr>
+            <a:xfrm>
+              <a:off x="8115299" y="6171627"/>
+              <a:ext cx="1859783" cy="2088000"/>
+            </a:xfrm>
+            <a:prstGeom prst="rect">
+              <a:avLst/>
+            </a:prstGeom>
+            <a:solidFill>
+              <a:schemeClr val="dk1">
+                <a:alpha val="50000"/>
+              </a:schemeClr>
+            </a:solidFill>
+            <a:ln>
+              <a:noFill/>
+            </a:ln>
+          </p:spPr>
+          <p:style>
+            <a:lnRef idx="0">
+              <a:scrgbClr r="0" g="0" b="0"/>
+            </a:lnRef>
+            <a:fillRef idx="0">
+              <a:scrgbClr r="0" g="0" b="0"/>
+            </a:fillRef>
+            <a:effectRef idx="0">
+              <a:scrgbClr r="0" g="0" b="0"/>
+            </a:effectRef>
+            <a:fontRef idx="minor">
+              <a:schemeClr val="lt1"/>
+            </a:fontRef>
+          </p:style>
+          <p:txBody>
+            <a:bodyPr rtlCol="0" anchor="t"/>
+            <a:lstStyle/>
+            <a:p>
+              <a:pPr marL="36000" algn="ctr"/>
+              <a:r>
+                <a:rPr lang="en-IE" sz="1200" dirty="0">
+                  <a:latin typeface="Congenial" panose="02000503040000020004" pitchFamily="2" charset="0"/>
+                </a:rPr>
+                <a:t>Component Name, Description,</a:t>
+              </a:r>
+            </a:p>
+            <a:p>
+              <a:pPr marL="36000" algn="ctr"/>
+              <a:r>
+                <a:rPr lang="en-IE" sz="1200" dirty="0">
+                  <a:latin typeface="Congenial" panose="02000503040000020004" pitchFamily="2" charset="0"/>
+                </a:rPr>
+                <a:t> Date, Author, </a:t>
+              </a:r>
+            </a:p>
+            <a:p>
+              <a:pPr marL="36000" algn="ctr"/>
+              <a:r>
+                <a:rPr lang="en-IE" sz="1200" dirty="0">
+                  <a:latin typeface="Congenial" panose="02000503040000020004" pitchFamily="2" charset="0"/>
+                </a:rPr>
+                <a:t>Email, Company</a:t>
+              </a:r>
+            </a:p>
+            <a:p>
+              <a:pPr marL="36000" algn="ctr"/>
+              <a:r>
+                <a:rPr lang="en-IE" sz="1200" dirty="0">
+                  <a:latin typeface="Congenial" panose="02000503040000020004" pitchFamily="2" charset="0"/>
+                </a:rPr>
+                <a:t>Sub-Components</a:t>
+              </a:r>
+            </a:p>
+            <a:p>
+              <a:pPr marL="36000" algn="ctr"/>
+              <a:r>
+                <a:rPr lang="en-IE" sz="1200" dirty="0">
+                  <a:latin typeface="Congenial" panose="02000503040000020004" pitchFamily="2" charset="0"/>
+                </a:rPr>
+                <a:t>Signal Type</a:t>
+              </a:r>
+            </a:p>
+            <a:p>
+              <a:pPr marL="36000" algn="ctr"/>
+              <a:r>
+                <a:rPr lang="en-IE" sz="1200" dirty="0">
+                  <a:latin typeface="Congenial" panose="02000503040000020004" pitchFamily="2" charset="0"/>
+                </a:rPr>
+                <a:t>Sub-components</a:t>
+              </a:r>
+            </a:p>
+            <a:p>
+              <a:pPr marL="36000" algn="ctr"/>
+              <a:r>
+                <a:rPr lang="en-IE" sz="1200" dirty="0">
+                  <a:latin typeface="Congenial" panose="02000503040000020004" pitchFamily="2" charset="0"/>
+                </a:rPr>
+                <a:t>Ports</a:t>
+              </a:r>
+            </a:p>
+            <a:p>
+              <a:pPr marL="36000" algn="ctr"/>
+              <a:r>
+                <a:rPr lang="en-IE" sz="1200" dirty="0">
+                  <a:latin typeface="Congenial" panose="02000503040000020004" pitchFamily="2" charset="0"/>
+                </a:rPr>
+                <a:t>Internal Signals</a:t>
+              </a:r>
+            </a:p>
+            <a:p>
+              <a:pPr marL="36000" algn="ctr"/>
+              <a:r>
+                <a:rPr lang="en-IE" sz="1200" dirty="0">
+                  <a:latin typeface="Congenial" panose="02000503040000020004" pitchFamily="2" charset="0"/>
+                </a:rPr>
+                <a:t>Architecture</a:t>
+              </a:r>
+            </a:p>
+            <a:p>
+              <a:pPr marL="36000" algn="ctr"/>
+              <a:r>
+                <a:rPr lang="en-IE" sz="1200" dirty="0">
+                  <a:latin typeface="Congenial" panose="02000503040000020004" pitchFamily="2" charset="0"/>
+                </a:rPr>
+                <a:t>Test Plan</a:t>
+              </a:r>
+            </a:p>
+          </p:txBody>
+        </p:sp>
+        <p:sp>
+          <p:nvSpPr>
+            <p:cNvPr id="44" name="TextBox 43">
+              <a:extLst>
+                <a:ext uri="{FF2B5EF4-FFF2-40B4-BE49-F238E27FC236}">
+                  <a16:creationId xmlns:a16="http://schemas.microsoft.com/office/drawing/2014/main" id="{C5A7F42E-C837-A7CB-1F7D-4D8560907EB9}"/>
+                </a:ext>
+              </a:extLst>
+            </p:cNvPr>
+            <p:cNvSpPr txBox="1"/>
+            <p:nvPr/>
+          </p:nvSpPr>
+          <p:spPr>
+            <a:xfrm>
+              <a:off x="10107909" y="6096397"/>
+              <a:ext cx="692260" cy="461665"/>
+            </a:xfrm>
+            <a:prstGeom prst="rect">
+              <a:avLst/>
+            </a:prstGeom>
+            <a:noFill/>
+          </p:spPr>
+          <p:txBody>
+            <a:bodyPr wrap="square" rtlCol="0">
+              <a:spAutoFit/>
+            </a:bodyPr>
+            <a:lstStyle/>
+            <a:p>
+              <a:pPr algn="ctr"/>
+              <a:r>
+                <a:rPr lang="en-IE" sz="1200" b="1" dirty="0">
+                  <a:latin typeface="Congenial" panose="02000503040000020004" pitchFamily="2" charset="0"/>
+                </a:rPr>
+                <a:t>1</a:t>
+              </a:r>
+              <a:r>
+                <a:rPr lang="en-IE" sz="1200" dirty="0">
+                  <a:latin typeface="Congenial" panose="02000503040000020004" pitchFamily="2" charset="0"/>
+                </a:rPr>
+                <a:t>. Read</a:t>
+              </a:r>
+            </a:p>
+            <a:p>
+              <a:pPr algn="ctr"/>
+              <a:r>
+                <a:rPr lang="en-IE" sz="1200" dirty="0">
+                  <a:latin typeface="Congenial" panose="02000503040000020004" pitchFamily="2" charset="0"/>
+                </a:rPr>
+                <a:t>Data</a:t>
+              </a:r>
+            </a:p>
+          </p:txBody>
+        </p:sp>
+        <p:sp>
+          <p:nvSpPr>
+            <p:cNvPr id="45" name="TextBox 44">
+              <a:extLst>
+                <a:ext uri="{FF2B5EF4-FFF2-40B4-BE49-F238E27FC236}">
+                  <a16:creationId xmlns:a16="http://schemas.microsoft.com/office/drawing/2014/main" id="{04EC6A20-D33D-66DD-B119-BE7CA8170962}"/>
+                </a:ext>
+              </a:extLst>
+            </p:cNvPr>
+            <p:cNvSpPr txBox="1"/>
+            <p:nvPr/>
+          </p:nvSpPr>
+          <p:spPr>
+            <a:xfrm>
+              <a:off x="10563639" y="7998541"/>
+              <a:ext cx="993671" cy="646331"/>
+            </a:xfrm>
+            <a:prstGeom prst="rect">
+              <a:avLst/>
+            </a:prstGeom>
+            <a:noFill/>
+          </p:spPr>
+          <p:txBody>
+            <a:bodyPr wrap="square" rtlCol="0">
+              <a:spAutoFit/>
+            </a:bodyPr>
+            <a:lstStyle/>
+            <a:p>
+              <a:pPr algn="ctr"/>
+              <a:r>
+                <a:rPr lang="en-IE" sz="1200" b="1" dirty="0">
+                  <a:latin typeface="Congenial" panose="02000503040000020004" pitchFamily="2" charset="0"/>
+                </a:rPr>
+                <a:t>3</a:t>
+              </a:r>
+              <a:r>
+                <a:rPr lang="en-IE" sz="1200" dirty="0">
+                  <a:latin typeface="Congenial" panose="02000503040000020004" pitchFamily="2" charset="0"/>
+                </a:rPr>
+                <a:t>. Invoke script in Vivado </a:t>
+              </a:r>
+            </a:p>
+          </p:txBody>
+        </p:sp>
+        <p:cxnSp>
+          <p:nvCxnSpPr>
+            <p:cNvPr id="54" name="Straight Arrow Connector 53">
+              <a:extLst>
+                <a:ext uri="{FF2B5EF4-FFF2-40B4-BE49-F238E27FC236}">
+                  <a16:creationId xmlns:a16="http://schemas.microsoft.com/office/drawing/2014/main" id="{D02A322D-61EC-2A8F-CB2F-46918B9D85D8}"/>
+                </a:ext>
+              </a:extLst>
+            </p:cNvPr>
+            <p:cNvCxnSpPr>
+              <a:cxnSpLocks/>
+            </p:cNvCxnSpPr>
+            <p:nvPr/>
+          </p:nvCxnSpPr>
+          <p:spPr>
+            <a:xfrm>
+              <a:off x="9985252" y="6015624"/>
+              <a:ext cx="937574" cy="0"/>
+            </a:xfrm>
+            <a:prstGeom prst="straightConnector1">
+              <a:avLst/>
+            </a:prstGeom>
+            <a:ln w="76200">
+              <a:solidFill>
+                <a:srgbClr val="C00000"/>
+              </a:solidFill>
+              <a:tailEnd type="triangle"/>
+            </a:ln>
+          </p:spPr>
+          <p:style>
+            <a:lnRef idx="2">
+              <a:schemeClr val="accent1"/>
+            </a:lnRef>
+            <a:fillRef idx="0">
+              <a:schemeClr val="accent1"/>
+            </a:fillRef>
+            <a:effectRef idx="1">
+              <a:schemeClr val="accent1"/>
+            </a:effectRef>
+            <a:fontRef idx="minor">
+              <a:schemeClr val="tx1"/>
+            </a:fontRef>
+          </p:style>
+        </p:cxnSp>
+        <p:cxnSp>
+          <p:nvCxnSpPr>
+            <p:cNvPr id="46" name="Straight Arrow Connector 45">
+              <a:extLst>
+                <a:ext uri="{FF2B5EF4-FFF2-40B4-BE49-F238E27FC236}">
+                  <a16:creationId xmlns:a16="http://schemas.microsoft.com/office/drawing/2014/main" id="{817C94B7-A277-0369-6DB9-3F62DEAEFC9B}"/>
+                </a:ext>
+              </a:extLst>
+            </p:cNvPr>
+            <p:cNvCxnSpPr>
+              <a:cxnSpLocks/>
+            </p:cNvCxnSpPr>
+            <p:nvPr/>
+          </p:nvCxnSpPr>
+          <p:spPr>
+            <a:xfrm flipH="1">
+              <a:off x="11454881" y="7960858"/>
+              <a:ext cx="15790" cy="686450"/>
+            </a:xfrm>
+            <a:prstGeom prst="straightConnector1">
+              <a:avLst/>
+            </a:prstGeom>
+            <a:ln w="76200">
+              <a:solidFill>
+                <a:srgbClr val="C00000"/>
+              </a:solidFill>
+              <a:tailEnd type="triangle"/>
+            </a:ln>
+          </p:spPr>
+          <p:style>
+            <a:lnRef idx="2">
+              <a:schemeClr val="accent1"/>
+            </a:lnRef>
+            <a:fillRef idx="0">
+              <a:schemeClr val="accent1"/>
+            </a:fillRef>
+            <a:effectRef idx="1">
+              <a:schemeClr val="accent1"/>
+            </a:effectRef>
+            <a:fontRef idx="minor">
+              <a:schemeClr val="tx1"/>
+            </a:fontRef>
+          </p:style>
+        </p:cxnSp>
+        <p:cxnSp>
+          <p:nvCxnSpPr>
+            <p:cNvPr id="58" name="Straight Arrow Connector 57">
+              <a:extLst>
+                <a:ext uri="{FF2B5EF4-FFF2-40B4-BE49-F238E27FC236}">
+                  <a16:creationId xmlns:a16="http://schemas.microsoft.com/office/drawing/2014/main" id="{4C807303-B7F3-4911-33CD-E07ED76A93E3}"/>
+                </a:ext>
+              </a:extLst>
+            </p:cNvPr>
+            <p:cNvCxnSpPr>
+              <a:cxnSpLocks/>
+            </p:cNvCxnSpPr>
+            <p:nvPr/>
+          </p:nvCxnSpPr>
+          <p:spPr>
+            <a:xfrm flipV="1">
+              <a:off x="11752689" y="7960858"/>
+              <a:ext cx="0" cy="684014"/>
+            </a:xfrm>
+            <a:prstGeom prst="straightConnector1">
+              <a:avLst/>
+            </a:prstGeom>
+            <a:ln w="76200">
+              <a:solidFill>
+                <a:srgbClr val="C00000"/>
+              </a:solidFill>
+              <a:tailEnd type="triangle"/>
+            </a:ln>
+          </p:spPr>
+          <p:style>
+            <a:lnRef idx="2">
+              <a:schemeClr val="accent1"/>
+            </a:lnRef>
+            <a:fillRef idx="0">
+              <a:schemeClr val="accent1"/>
+            </a:fillRef>
+            <a:effectRef idx="1">
+              <a:schemeClr val="accent1"/>
+            </a:effectRef>
+            <a:fontRef idx="minor">
+              <a:schemeClr val="tx1"/>
+            </a:fontRef>
+          </p:style>
+        </p:cxnSp>
+        <p:sp>
+          <p:nvSpPr>
+            <p:cNvPr id="69" name="Rectangle: Rounded Corners 68">
+              <a:extLst>
+                <a:ext uri="{FF2B5EF4-FFF2-40B4-BE49-F238E27FC236}">
+                  <a16:creationId xmlns:a16="http://schemas.microsoft.com/office/drawing/2014/main" id="{60E3B120-E1EA-9209-1DB4-EF0C861EB1D3}"/>
+                </a:ext>
+              </a:extLst>
+            </p:cNvPr>
+            <p:cNvSpPr/>
+            <p:nvPr/>
+          </p:nvSpPr>
+          <p:spPr>
+            <a:xfrm>
+              <a:off x="13208822" y="5491877"/>
+              <a:ext cx="1351721" cy="2034855"/>
+            </a:xfrm>
+            <a:prstGeom prst="roundRect">
+              <a:avLst/>
+            </a:prstGeom>
+            <a:solidFill>
+              <a:schemeClr val="accent2">
+                <a:lumMod val="60000"/>
+                <a:lumOff val="40000"/>
+              </a:schemeClr>
+            </a:solidFill>
+          </p:spPr>
+          <p:style>
+            <a:lnRef idx="2">
+              <a:schemeClr val="accent5">
+                <a:shade val="15000"/>
+              </a:schemeClr>
+            </a:lnRef>
+            <a:fillRef idx="1">
+              <a:schemeClr val="accent5"/>
+            </a:fillRef>
+            <a:effectRef idx="0">
+              <a:schemeClr val="accent5"/>
+            </a:effectRef>
+            <a:fontRef idx="minor">
+              <a:schemeClr val="lt1"/>
+            </a:fontRef>
+          </p:style>
+          <p:txBody>
+            <a:bodyPr rtlCol="0" anchor="t"/>
+            <a:lstStyle/>
+            <a:p>
+              <a:pPr algn="ctr"/>
+              <a:r>
+                <a:rPr lang="en-IE" dirty="0">
+                  <a:solidFill>
+                    <a:sysClr val="windowText" lastClr="000000"/>
+                  </a:solidFill>
+                  <a:latin typeface="Congenial Black" panose="02000503040000020004" pitchFamily="2" charset="0"/>
+                </a:rPr>
+                <a:t>Output Binaries</a:t>
+              </a:r>
+            </a:p>
+            <a:p>
+              <a:pPr algn="ctr"/>
+              <a:endParaRPr lang="en-IE" dirty="0">
+                <a:solidFill>
+                  <a:sysClr val="windowText" lastClr="000000"/>
+                </a:solidFill>
+                <a:latin typeface="Congenial" panose="02000503040000020004" pitchFamily="2" charset="0"/>
+              </a:endParaRPr>
+            </a:p>
+            <a:p>
+              <a:pPr algn="ctr"/>
+              <a:r>
+                <a:rPr lang="en-IE" dirty="0">
+                  <a:solidFill>
+                    <a:sysClr val="windowText" lastClr="000000"/>
+                  </a:solidFill>
+                  <a:latin typeface="Congenial" panose="02000503040000020004" pitchFamily="2" charset="0"/>
+                </a:rPr>
+                <a:t>.hwh, .tcl, .bit, .ipynb</a:t>
+              </a:r>
+            </a:p>
+          </p:txBody>
+        </p:sp>
+        <p:pic>
+          <p:nvPicPr>
+            <p:cNvPr id="72" name="Picture 71" descr="A close-up of a logo&#10;&#10;Description automatically generated">
+              <a:extLst>
+                <a:ext uri="{FF2B5EF4-FFF2-40B4-BE49-F238E27FC236}">
+                  <a16:creationId xmlns:a16="http://schemas.microsoft.com/office/drawing/2014/main" id="{5E8CDC01-393B-E935-F582-CA0546C3CAC3}"/>
+                </a:ext>
+              </a:extLst>
+            </p:cNvPr>
+            <p:cNvPicPr>
+              <a:picLocks noChangeAspect="1"/>
+            </p:cNvPicPr>
+            <p:nvPr/>
+          </p:nvPicPr>
+          <p:blipFill>
+            <a:blip r:embed="rId4">
+              <a:extLst>
+                <a:ext uri="{28A0092B-C50C-407E-A947-70E740481C1C}">
+                  <a14:useLocalDpi xmlns:a14="http://schemas.microsoft.com/office/drawing/2010/main" val="0"/>
+                </a:ext>
+              </a:extLst>
+            </a:blip>
+            <a:stretch>
+              <a:fillRect/>
+            </a:stretch>
+          </p:blipFill>
+          <p:spPr>
+            <a:xfrm>
+              <a:off x="9869154" y="8661212"/>
+              <a:ext cx="2161813" cy="705563"/>
+            </a:xfrm>
+            <a:prstGeom prst="roundRect">
+              <a:avLst/>
+            </a:prstGeom>
+            <a:ln w="19050">
+              <a:solidFill>
+                <a:schemeClr val="tx1"/>
+              </a:solidFill>
+            </a:ln>
+          </p:spPr>
+        </p:pic>
+        <p:sp>
+          <p:nvSpPr>
+            <p:cNvPr id="76" name="TextBox 75">
+              <a:extLst>
+                <a:ext uri="{FF2B5EF4-FFF2-40B4-BE49-F238E27FC236}">
+                  <a16:creationId xmlns:a16="http://schemas.microsoft.com/office/drawing/2014/main" id="{9C7BBEF5-F0F6-C6BB-2D69-00BF62610FC7}"/>
+                </a:ext>
+              </a:extLst>
+            </p:cNvPr>
+            <p:cNvSpPr txBox="1"/>
+            <p:nvPr/>
+          </p:nvSpPr>
+          <p:spPr>
+            <a:xfrm>
+              <a:off x="10935547" y="6348866"/>
+              <a:ext cx="1326276" cy="830997"/>
+            </a:xfrm>
+            <a:prstGeom prst="rect">
+              <a:avLst/>
+            </a:prstGeom>
+            <a:noFill/>
+          </p:spPr>
+          <p:txBody>
+            <a:bodyPr wrap="square" rtlCol="0">
+              <a:spAutoFit/>
+            </a:bodyPr>
+            <a:lstStyle/>
+            <a:p>
+              <a:pPr algn="ctr"/>
+              <a:r>
+                <a:rPr lang="en-IE" sz="1200" b="1" dirty="0">
+                  <a:latin typeface="Congenial" panose="02000503040000020004" pitchFamily="2" charset="0"/>
+                </a:rPr>
+                <a:t>2</a:t>
+              </a:r>
+              <a:r>
+                <a:rPr lang="en-IE" sz="1200" dirty="0">
+                  <a:latin typeface="Congenial" panose="02000503040000020004" pitchFamily="2" charset="0"/>
+                </a:rPr>
+                <a:t>. Prepare a Tcl script which applies build steps in Vivado</a:t>
+              </a:r>
+            </a:p>
+          </p:txBody>
+        </p:sp>
+        <p:sp>
+          <p:nvSpPr>
+            <p:cNvPr id="79" name="TextBox 78">
+              <a:extLst>
+                <a:ext uri="{FF2B5EF4-FFF2-40B4-BE49-F238E27FC236}">
+                  <a16:creationId xmlns:a16="http://schemas.microsoft.com/office/drawing/2014/main" id="{DEA19F18-7ADF-BD86-7453-AA52F3B1A852}"/>
+                </a:ext>
+              </a:extLst>
+            </p:cNvPr>
+            <p:cNvSpPr txBox="1"/>
+            <p:nvPr/>
+          </p:nvSpPr>
+          <p:spPr>
+            <a:xfrm>
+              <a:off x="11700665" y="7986980"/>
+              <a:ext cx="993671" cy="646331"/>
+            </a:xfrm>
+            <a:prstGeom prst="rect">
+              <a:avLst/>
+            </a:prstGeom>
+            <a:noFill/>
+          </p:spPr>
+          <p:txBody>
+            <a:bodyPr wrap="square" rtlCol="0">
+              <a:spAutoFit/>
+            </a:bodyPr>
+            <a:lstStyle/>
+            <a:p>
+              <a:pPr algn="ctr"/>
+              <a:r>
+                <a:rPr lang="en-IE" sz="1200" b="1" dirty="0">
+                  <a:latin typeface="Congenial" panose="02000503040000020004" pitchFamily="2" charset="0"/>
+                </a:rPr>
+                <a:t>4</a:t>
+              </a:r>
+              <a:r>
+                <a:rPr lang="en-IE" sz="1200" dirty="0">
+                  <a:latin typeface="Congenial" panose="02000503040000020004" pitchFamily="2" charset="0"/>
+                </a:rPr>
+                <a:t>. Vivado exports binaries</a:t>
+              </a:r>
+            </a:p>
+          </p:txBody>
+        </p:sp>
+        <p:sp>
+          <p:nvSpPr>
+            <p:cNvPr id="80" name="TextBox 79">
+              <a:extLst>
+                <a:ext uri="{FF2B5EF4-FFF2-40B4-BE49-F238E27FC236}">
+                  <a16:creationId xmlns:a16="http://schemas.microsoft.com/office/drawing/2014/main" id="{86A6C317-103E-E094-4300-CD41342965AA}"/>
+                </a:ext>
+              </a:extLst>
+            </p:cNvPr>
+            <p:cNvSpPr txBox="1"/>
+            <p:nvPr/>
+          </p:nvSpPr>
+          <p:spPr>
+            <a:xfrm>
+              <a:off x="10938745" y="7111019"/>
+              <a:ext cx="1326276" cy="830997"/>
+            </a:xfrm>
+            <a:prstGeom prst="rect">
+              <a:avLst/>
+            </a:prstGeom>
+            <a:noFill/>
+          </p:spPr>
+          <p:txBody>
+            <a:bodyPr wrap="square" rtlCol="0">
+              <a:spAutoFit/>
+            </a:bodyPr>
+            <a:lstStyle/>
+            <a:p>
+              <a:pPr algn="ctr"/>
+              <a:r>
+                <a:rPr lang="en-IE" sz="1200" b="1" dirty="0">
+                  <a:latin typeface="Congenial" panose="02000503040000020004" pitchFamily="2" charset="0"/>
+                </a:rPr>
+                <a:t>5</a:t>
+              </a:r>
+              <a:r>
+                <a:rPr lang="en-IE" sz="1200" dirty="0">
+                  <a:latin typeface="Congenial" panose="02000503040000020004" pitchFamily="2" charset="0"/>
+                </a:rPr>
+                <a:t>. Generate Jupyter NB based on Test plan</a:t>
+              </a:r>
+            </a:p>
+          </p:txBody>
+        </p:sp>
+        <p:cxnSp>
+          <p:nvCxnSpPr>
+            <p:cNvPr id="83" name="Straight Arrow Connector 82">
+              <a:extLst>
+                <a:ext uri="{FF2B5EF4-FFF2-40B4-BE49-F238E27FC236}">
+                  <a16:creationId xmlns:a16="http://schemas.microsoft.com/office/drawing/2014/main" id="{6E4F93B4-9535-1F2B-E84D-14536E6290CB}"/>
+                </a:ext>
+              </a:extLst>
+            </p:cNvPr>
+            <p:cNvCxnSpPr>
+              <a:cxnSpLocks/>
+            </p:cNvCxnSpPr>
+            <p:nvPr/>
+          </p:nvCxnSpPr>
+          <p:spPr>
+            <a:xfrm>
+              <a:off x="12274546" y="6015624"/>
+              <a:ext cx="937574" cy="0"/>
+            </a:xfrm>
+            <a:prstGeom prst="straightConnector1">
+              <a:avLst/>
+            </a:prstGeom>
+            <a:ln w="76200">
+              <a:solidFill>
+                <a:srgbClr val="C00000"/>
+              </a:solidFill>
+              <a:tailEnd type="triangle"/>
+            </a:ln>
+          </p:spPr>
+          <p:style>
+            <a:lnRef idx="2">
+              <a:schemeClr val="accent1"/>
+            </a:lnRef>
+            <a:fillRef idx="0">
+              <a:schemeClr val="accent1"/>
+            </a:fillRef>
+            <a:effectRef idx="1">
+              <a:schemeClr val="accent1"/>
+            </a:effectRef>
+            <a:fontRef idx="minor">
+              <a:schemeClr val="tx1"/>
+            </a:fontRef>
+          </p:style>
+        </p:cxnSp>
+        <p:sp>
+          <p:nvSpPr>
+            <p:cNvPr id="84" name="TextBox 83">
+              <a:extLst>
+                <a:ext uri="{FF2B5EF4-FFF2-40B4-BE49-F238E27FC236}">
+                  <a16:creationId xmlns:a16="http://schemas.microsoft.com/office/drawing/2014/main" id="{D6735A7F-91CA-372E-64A0-747021298411}"/>
+                </a:ext>
+              </a:extLst>
+            </p:cNvPr>
+            <p:cNvSpPr txBox="1"/>
+            <p:nvPr/>
+          </p:nvSpPr>
+          <p:spPr>
+            <a:xfrm>
+              <a:off x="12246497" y="6069115"/>
+              <a:ext cx="993671" cy="1015663"/>
+            </a:xfrm>
+            <a:prstGeom prst="rect">
+              <a:avLst/>
+            </a:prstGeom>
+            <a:noFill/>
+          </p:spPr>
+          <p:txBody>
+            <a:bodyPr wrap="square" rtlCol="0">
+              <a:spAutoFit/>
+            </a:bodyPr>
+            <a:lstStyle/>
+            <a:p>
+              <a:pPr algn="ctr"/>
+              <a:r>
+                <a:rPr lang="en-IE" sz="1200" b="1" dirty="0">
+                  <a:latin typeface="Congenial" panose="02000503040000020004" pitchFamily="2" charset="0"/>
+                </a:rPr>
+                <a:t>6</a:t>
+              </a:r>
+              <a:r>
+                <a:rPr lang="en-IE" sz="1200" dirty="0">
+                  <a:latin typeface="Congenial" panose="02000503040000020004" pitchFamily="2" charset="0"/>
+                </a:rPr>
+                <a:t>. Export Binaries and JNB to output folder</a:t>
+              </a:r>
+            </a:p>
+          </p:txBody>
+        </p:sp>
+        <p:pic>
+          <p:nvPicPr>
+            <p:cNvPr id="89" name="Picture 88" descr="A black and grey logo&#10;&#10;Description automatically generated">
+              <a:extLst>
+                <a:ext uri="{FF2B5EF4-FFF2-40B4-BE49-F238E27FC236}">
+                  <a16:creationId xmlns:a16="http://schemas.microsoft.com/office/drawing/2014/main" id="{BEC669D8-3F25-447D-CCEF-FD8176707E4C}"/>
+                </a:ext>
+              </a:extLst>
+            </p:cNvPr>
+            <p:cNvPicPr>
+              <a:picLocks noChangeAspect="1"/>
+            </p:cNvPicPr>
+            <p:nvPr/>
+          </p:nvPicPr>
+          <p:blipFill>
+            <a:blip r:embed="rId5">
+              <a:extLst>
+                <a:ext uri="{28A0092B-C50C-407E-A947-70E740481C1C}">
+                  <a14:useLocalDpi xmlns:a14="http://schemas.microsoft.com/office/drawing/2010/main" val="0"/>
+                </a:ext>
+              </a:extLst>
+            </a:blip>
+            <a:stretch>
+              <a:fillRect/>
+            </a:stretch>
+          </p:blipFill>
+          <p:spPr>
+            <a:xfrm>
+              <a:off x="12619524" y="8676224"/>
+              <a:ext cx="1941019" cy="693005"/>
+            </a:xfrm>
+            <a:prstGeom prst="roundRect">
+              <a:avLst/>
+            </a:prstGeom>
+            <a:solidFill>
+              <a:schemeClr val="bg1"/>
+            </a:solidFill>
+            <a:ln w="19050">
+              <a:solidFill>
+                <a:schemeClr val="accent5">
+                  <a:shade val="15000"/>
+                </a:schemeClr>
+              </a:solidFill>
+            </a:ln>
+          </p:spPr>
+        </p:pic>
+        <p:cxnSp>
+          <p:nvCxnSpPr>
+            <p:cNvPr id="90" name="Straight Arrow Connector 89">
+              <a:extLst>
+                <a:ext uri="{FF2B5EF4-FFF2-40B4-BE49-F238E27FC236}">
+                  <a16:creationId xmlns:a16="http://schemas.microsoft.com/office/drawing/2014/main" id="{E7D36C9F-651D-A7E1-2A1F-8DC445FBCF2C}"/>
+                </a:ext>
+              </a:extLst>
+            </p:cNvPr>
+            <p:cNvCxnSpPr>
+              <a:cxnSpLocks/>
+              <a:stCxn id="69" idx="2"/>
+            </p:cNvCxnSpPr>
+            <p:nvPr/>
+          </p:nvCxnSpPr>
+          <p:spPr>
+            <a:xfrm>
+              <a:off x="13884683" y="7526732"/>
+              <a:ext cx="0" cy="1118140"/>
+            </a:xfrm>
+            <a:prstGeom prst="straightConnector1">
+              <a:avLst/>
+            </a:prstGeom>
+            <a:ln w="76200">
+              <a:solidFill>
+                <a:srgbClr val="C00000"/>
+              </a:solidFill>
+              <a:tailEnd type="triangle"/>
+            </a:ln>
+          </p:spPr>
+          <p:style>
+            <a:lnRef idx="2">
+              <a:schemeClr val="accent1"/>
+            </a:lnRef>
+            <a:fillRef idx="0">
+              <a:schemeClr val="accent1"/>
+            </a:fillRef>
+            <a:effectRef idx="1">
+              <a:schemeClr val="accent1"/>
+            </a:effectRef>
+            <a:fontRef idx="minor">
+              <a:schemeClr val="tx1"/>
+            </a:fontRef>
+          </p:style>
+        </p:cxnSp>
+        <p:sp>
+          <p:nvSpPr>
+            <p:cNvPr id="93" name="TextBox 92">
+              <a:extLst>
+                <a:ext uri="{FF2B5EF4-FFF2-40B4-BE49-F238E27FC236}">
+                  <a16:creationId xmlns:a16="http://schemas.microsoft.com/office/drawing/2014/main" id="{9698D548-1F81-ED61-3BAD-C7D1C445A542}"/>
+                </a:ext>
+              </a:extLst>
+            </p:cNvPr>
+            <p:cNvSpPr txBox="1"/>
+            <p:nvPr/>
+          </p:nvSpPr>
+          <p:spPr>
+            <a:xfrm>
+              <a:off x="13776100" y="7581459"/>
+              <a:ext cx="993671" cy="1015663"/>
+            </a:xfrm>
+            <a:prstGeom prst="rect">
+              <a:avLst/>
+            </a:prstGeom>
+            <a:noFill/>
+          </p:spPr>
+          <p:txBody>
+            <a:bodyPr wrap="square" rtlCol="0">
+              <a:spAutoFit/>
+            </a:bodyPr>
+            <a:lstStyle/>
+            <a:p>
+              <a:pPr algn="ctr"/>
+              <a:r>
+                <a:rPr lang="en-IE" sz="1200" b="1" dirty="0">
+                  <a:latin typeface="Congenial" panose="02000503040000020004" pitchFamily="2" charset="0"/>
+                </a:rPr>
+                <a:t>7</a:t>
+              </a:r>
+              <a:r>
+                <a:rPr lang="en-IE" sz="1200" dirty="0">
+                  <a:latin typeface="Congenial" panose="02000503040000020004" pitchFamily="2" charset="0"/>
+                </a:rPr>
+                <a:t>. User</a:t>
+              </a:r>
+            </a:p>
+            <a:p>
+              <a:pPr algn="ctr"/>
+              <a:r>
+                <a:rPr lang="en-IE" sz="1200" dirty="0">
+                  <a:latin typeface="Congenial" panose="02000503040000020004" pitchFamily="2" charset="0"/>
+                </a:rPr>
+                <a:t>uploads</a:t>
+              </a:r>
+            </a:p>
+            <a:p>
+              <a:pPr algn="ctr"/>
+              <a:r>
+                <a:rPr lang="en-IE" sz="1200" dirty="0">
+                  <a:latin typeface="Congenial" panose="02000503040000020004" pitchFamily="2" charset="0"/>
+                </a:rPr>
+                <a:t>output to</a:t>
+              </a:r>
+            </a:p>
+            <a:p>
+              <a:pPr algn="ctr"/>
+              <a:r>
+                <a:rPr lang="en-IE" sz="1200" dirty="0">
+                  <a:latin typeface="Congenial" panose="02000503040000020004" pitchFamily="2" charset="0"/>
+                </a:rPr>
+                <a:t>PYNQ</a:t>
+              </a:r>
+            </a:p>
+            <a:p>
+              <a:pPr algn="ctr"/>
+              <a:r>
+                <a:rPr lang="en-IE" sz="1200" dirty="0">
+                  <a:latin typeface="Congenial" panose="02000503040000020004" pitchFamily="2" charset="0"/>
+                </a:rPr>
+                <a:t>FPGA</a:t>
+              </a:r>
+            </a:p>
+          </p:txBody>
+        </p:sp>
+        <p:sp>
+          <p:nvSpPr>
+            <p:cNvPr id="38" name="Rectangle 37">
+              <a:extLst>
+                <a:ext uri="{FF2B5EF4-FFF2-40B4-BE49-F238E27FC236}">
+                  <a16:creationId xmlns:a16="http://schemas.microsoft.com/office/drawing/2014/main" id="{C59695CE-2172-753A-BD16-B15EBEC0EE33}"/>
+                </a:ext>
+              </a:extLst>
+            </p:cNvPr>
+            <p:cNvSpPr/>
+            <p:nvPr/>
+          </p:nvSpPr>
+          <p:spPr>
+            <a:xfrm>
+              <a:off x="8115300" y="5491876"/>
+              <a:ext cx="1859782" cy="664601"/>
+            </a:xfrm>
+            <a:prstGeom prst="rect">
+              <a:avLst/>
+            </a:prstGeom>
+            <a:solidFill>
+              <a:schemeClr val="tx2"/>
+            </a:solidFill>
+          </p:spPr>
+          <p:style>
+            <a:lnRef idx="2">
+              <a:schemeClr val="accent1">
+                <a:shade val="15000"/>
+              </a:schemeClr>
+            </a:lnRef>
+            <a:fillRef idx="1">
+              <a:schemeClr val="accent1"/>
+            </a:fillRef>
+            <a:effectRef idx="0">
+              <a:schemeClr val="accent1"/>
+            </a:effectRef>
+            <a:fontRef idx="minor">
+              <a:schemeClr val="lt1"/>
+            </a:fontRef>
+          </p:style>
+          <p:txBody>
+            <a:bodyPr rtlCol="0" anchor="ctr"/>
+            <a:lstStyle/>
+            <a:p>
+              <a:pPr algn="ctr"/>
+              <a:r>
+                <a:rPr lang="en-IE" dirty="0">
+                  <a:latin typeface="Congenial" panose="02000503040000020004" pitchFamily="2" charset="0"/>
+                </a:rPr>
+                <a:t>HDLGen Project XML Data</a:t>
+              </a:r>
+            </a:p>
+          </p:txBody>
+        </p:sp>
+      </p:grpSp>
+      <p:sp>
+        <p:nvSpPr>
+          <p:cNvPr id="60" name="Rectangle 59">
+            <a:extLst>
+              <a:ext uri="{FF2B5EF4-FFF2-40B4-BE49-F238E27FC236}">
+                <a16:creationId xmlns:a16="http://schemas.microsoft.com/office/drawing/2014/main" id="{83DA9B65-931F-CD2A-5D44-C191D55311DD}"/>
+              </a:ext>
+            </a:extLst>
+          </p:cNvPr>
+          <p:cNvSpPr/>
+          <p:nvPr/>
+        </p:nvSpPr>
+        <p:spPr>
+          <a:xfrm>
+            <a:off x="359898" y="8427996"/>
+            <a:ext cx="6848979" cy="1886018"/>
+          </a:xfrm>
+          <a:prstGeom prst="rect">
+            <a:avLst/>
+          </a:prstGeom>
+          <a:solidFill>
+            <a:schemeClr val="accent1">
+              <a:lumMod val="40000"/>
+              <a:lumOff val="60000"/>
+              <a:alpha val="50000"/>
+            </a:schemeClr>
+          </a:solidFill>
+          <a:ln>
+            <a:noFill/>
+          </a:ln>
+        </p:spPr>
+        <p:style>
+          <a:lnRef idx="0">
+            <a:scrgbClr r="0" g="0" b="0"/>
+          </a:lnRef>
+          <a:fillRef idx="0">
+            <a:scrgbClr r="0" g="0" b="0"/>
+          </a:fillRef>
+          <a:effectRef idx="0">
+            <a:scrgbClr r="0" g="0" b="0"/>
+          </a:effectRef>
+          <a:fontRef idx="minor">
+            <a:schemeClr val="lt1"/>
+          </a:fontRef>
+        </p:style>
+        <p:txBody>
+          <a:bodyPr rtlCol="0" anchor="ctr"/>
+          <a:lstStyle/>
+          <a:p>
+            <a:pPr algn="ctr"/>
+            <a:endParaRPr lang="en-IE" dirty="0"/>
+          </a:p>
+        </p:txBody>
+      </p:sp>
+      <p:pic>
+        <p:nvPicPr>
+          <p:cNvPr id="20" name="Picture 19" descr="A blue and black logo&#10;&#10;Description automatically generated">
+            <a:extLst>
+              <a:ext uri="{FF2B5EF4-FFF2-40B4-BE49-F238E27FC236}">
+                <a16:creationId xmlns:a16="http://schemas.microsoft.com/office/drawing/2014/main" id="{BDAAFB20-E9A1-8312-044C-814173D1CF2D}"/>
+              </a:ext>
+            </a:extLst>
+          </p:cNvPr>
+          <p:cNvPicPr>
+            <a:picLocks noChangeAspect="1"/>
+          </p:cNvPicPr>
+          <p:nvPr/>
+        </p:nvPicPr>
+        <p:blipFill>
+          <a:blip r:embed="rId6">
+            <a:extLst>
+              <a:ext uri="{28A0092B-C50C-407E-A947-70E740481C1C}">
+                <a14:useLocalDpi xmlns:a14="http://schemas.microsoft.com/office/drawing/2010/main" val="0"/>
+              </a:ext>
+            </a:extLst>
+          </a:blip>
+          <a:stretch>
+            <a:fillRect/>
+          </a:stretch>
+        </p:blipFill>
+        <p:spPr>
+          <a:xfrm>
+            <a:off x="3171670" y="8366315"/>
+            <a:ext cx="1640199" cy="757166"/>
+          </a:xfrm>
+          <a:prstGeom prst="rect">
+            <a:avLst/>
+          </a:prstGeom>
+        </p:spPr>
+      </p:pic>
+      <p:pic>
+        <p:nvPicPr>
+          <p:cNvPr id="26" name="Picture 25" descr="A logo of a google chrome&#10;&#10;Description automatically generated">
+            <a:extLst>
+              <a:ext uri="{FF2B5EF4-FFF2-40B4-BE49-F238E27FC236}">
+                <a16:creationId xmlns:a16="http://schemas.microsoft.com/office/drawing/2014/main" id="{2D087EFD-86FA-1737-8C34-2533BD04528F}"/>
+              </a:ext>
+            </a:extLst>
+          </p:cNvPr>
+          <p:cNvPicPr>
+            <a:picLocks noChangeAspect="1"/>
+          </p:cNvPicPr>
+          <p:nvPr/>
+        </p:nvPicPr>
+        <p:blipFill>
+          <a:blip r:embed="rId7">
+            <a:extLst>
+              <a:ext uri="{28A0092B-C50C-407E-A947-70E740481C1C}">
+                <a14:useLocalDpi xmlns:a14="http://schemas.microsoft.com/office/drawing/2010/main" val="0"/>
+              </a:ext>
+            </a:extLst>
+          </a:blip>
+          <a:stretch>
+            <a:fillRect/>
+          </a:stretch>
+        </p:blipFill>
+        <p:spPr>
+          <a:xfrm>
+            <a:off x="5443017" y="8814487"/>
+            <a:ext cx="1361507" cy="1361507"/>
+          </a:xfrm>
+          <a:prstGeom prst="rect">
+            <a:avLst/>
+          </a:prstGeom>
+        </p:spPr>
+      </p:pic>
+      <p:sp>
+        <p:nvSpPr>
+          <p:cNvPr id="49" name="Arc 48">
+            <a:extLst>
+              <a:ext uri="{FF2B5EF4-FFF2-40B4-BE49-F238E27FC236}">
+                <a16:creationId xmlns:a16="http://schemas.microsoft.com/office/drawing/2014/main" id="{79A53F3E-6F74-8FD6-FEC9-C7CE57AA4C5B}"/>
+              </a:ext>
+            </a:extLst>
+          </p:cNvPr>
+          <p:cNvSpPr/>
+          <p:nvPr/>
+        </p:nvSpPr>
+        <p:spPr>
+          <a:xfrm rot="19123379">
+            <a:off x="2395022" y="9073382"/>
+            <a:ext cx="3114155" cy="3073348"/>
+          </a:xfrm>
+          <a:prstGeom prst="arc">
+            <a:avLst>
+              <a:gd name="adj1" fmla="val 16040921"/>
+              <a:gd name="adj2" fmla="val 110593"/>
+            </a:avLst>
+          </a:prstGeom>
+          <a:ln w="76200">
+            <a:headEnd type="none"/>
+            <a:tailEnd type="triangle"/>
+          </a:ln>
+        </p:spPr>
+        <p:style>
+          <a:lnRef idx="2">
+            <a:schemeClr val="accent1"/>
+          </a:lnRef>
+          <a:fillRef idx="0">
+            <a:schemeClr val="accent1"/>
+          </a:fillRef>
+          <a:effectRef idx="1">
+            <a:schemeClr val="accent1"/>
+          </a:effectRef>
+          <a:fontRef idx="minor">
+            <a:schemeClr val="tx1"/>
+          </a:fontRef>
+        </p:style>
+        <p:txBody>
+          <a:bodyPr rtlCol="0" anchor="ctr"/>
+          <a:lstStyle/>
+          <a:p>
+            <a:pPr algn="ctr"/>
+            <a:endParaRPr lang="en-IE"/>
+          </a:p>
+        </p:txBody>
+      </p:sp>
+      <p:sp>
+        <p:nvSpPr>
+          <p:cNvPr id="50" name="TextBox 49">
+            <a:extLst>
+              <a:ext uri="{FF2B5EF4-FFF2-40B4-BE49-F238E27FC236}">
+                <a16:creationId xmlns:a16="http://schemas.microsoft.com/office/drawing/2014/main" id="{10E6BCDB-E97C-F292-0664-2B4A90CBF8B1}"/>
+              </a:ext>
+            </a:extLst>
+          </p:cNvPr>
+          <p:cNvSpPr txBox="1"/>
+          <p:nvPr/>
+        </p:nvSpPr>
+        <p:spPr>
+          <a:xfrm>
+            <a:off x="2637186" y="9673989"/>
+            <a:ext cx="2624326" cy="584775"/>
+          </a:xfrm>
+          <a:prstGeom prst="rect">
+            <a:avLst/>
+          </a:prstGeom>
+          <a:noFill/>
+        </p:spPr>
+        <p:txBody>
+          <a:bodyPr wrap="square" rtlCol="0">
+            <a:spAutoFit/>
+          </a:bodyPr>
+          <a:lstStyle/>
+          <a:p>
+            <a:pPr algn="ctr"/>
+            <a:r>
+              <a:rPr lang="en-IE" sz="1600" b="1" dirty="0">
+                <a:latin typeface="Congenial" panose="02000503040000020004" pitchFamily="2" charset="0"/>
+              </a:rPr>
+              <a:t>Connection is tunnelled through ngrok servers</a:t>
+            </a:r>
+            <a:endParaRPr lang="en-IE" sz="1600" dirty="0">
+              <a:latin typeface="Congenial" panose="02000503040000020004" pitchFamily="2" charset="0"/>
+            </a:endParaRPr>
+          </a:p>
+        </p:txBody>
+      </p:sp>
+      <p:pic>
+        <p:nvPicPr>
+          <p:cNvPr id="52" name="Picture 51">
+            <a:extLst>
+              <a:ext uri="{FF2B5EF4-FFF2-40B4-BE49-F238E27FC236}">
+                <a16:creationId xmlns:a16="http://schemas.microsoft.com/office/drawing/2014/main" id="{FC934FEF-FD2E-13E8-34FE-820667C51C40}"/>
+              </a:ext>
+            </a:extLst>
+          </p:cNvPr>
+          <p:cNvPicPr>
+            <a:picLocks noChangeAspect="1"/>
+          </p:cNvPicPr>
+          <p:nvPr/>
+        </p:nvPicPr>
+        <p:blipFill rotWithShape="1">
+          <a:blip r:embed="rId8"/>
+          <a:srcRect l="5768" t="2893" r="2238"/>
+          <a:stretch/>
+        </p:blipFill>
+        <p:spPr>
+          <a:xfrm>
+            <a:off x="995637" y="11791497"/>
+            <a:ext cx="2953278" cy="3173907"/>
+          </a:xfrm>
+          <a:prstGeom prst="rect">
+            <a:avLst/>
+          </a:prstGeom>
+        </p:spPr>
+      </p:pic>
+      <p:pic>
+        <p:nvPicPr>
+          <p:cNvPr id="55" name="Picture 54">
+            <a:extLst>
+              <a:ext uri="{FF2B5EF4-FFF2-40B4-BE49-F238E27FC236}">
+                <a16:creationId xmlns:a16="http://schemas.microsoft.com/office/drawing/2014/main" id="{DE453586-1246-5857-9809-BB693EF3A9B7}"/>
+              </a:ext>
+            </a:extLst>
+          </p:cNvPr>
+          <p:cNvPicPr>
+            <a:picLocks noChangeAspect="1"/>
+          </p:cNvPicPr>
+          <p:nvPr/>
+        </p:nvPicPr>
+        <p:blipFill>
+          <a:blip r:embed="rId9"/>
+          <a:stretch>
+            <a:fillRect/>
+          </a:stretch>
+        </p:blipFill>
+        <p:spPr>
+          <a:xfrm>
+            <a:off x="4024288" y="11797825"/>
+            <a:ext cx="2742136" cy="3167578"/>
+          </a:xfrm>
+          <a:prstGeom prst="rect">
+            <a:avLst/>
+          </a:prstGeom>
+        </p:spPr>
+      </p:pic>
+      <p:sp>
+        <p:nvSpPr>
+          <p:cNvPr id="59" name="TextBox 58">
+            <a:extLst>
+              <a:ext uri="{FF2B5EF4-FFF2-40B4-BE49-F238E27FC236}">
+                <a16:creationId xmlns:a16="http://schemas.microsoft.com/office/drawing/2014/main" id="{7784655F-1B33-DDDF-0C59-A6B37951AE9D}"/>
+              </a:ext>
+            </a:extLst>
+          </p:cNvPr>
+          <p:cNvSpPr txBox="1"/>
+          <p:nvPr/>
+        </p:nvSpPr>
+        <p:spPr>
+          <a:xfrm>
+            <a:off x="186746" y="14960294"/>
+            <a:ext cx="7172159" cy="369332"/>
+          </a:xfrm>
+          <a:prstGeom prst="rect">
+            <a:avLst/>
+          </a:prstGeom>
+          <a:noFill/>
+        </p:spPr>
+        <p:txBody>
+          <a:bodyPr wrap="square" rtlCol="0">
+            <a:spAutoFit/>
+          </a:bodyPr>
+          <a:lstStyle/>
+          <a:p>
+            <a:pPr algn="ctr"/>
+            <a:r>
+              <a:rPr lang="en-IE" dirty="0">
+                <a:latin typeface="Congenial" panose="02000503040000020004" pitchFamily="2" charset="0"/>
+              </a:rPr>
+              <a:t>Could be replaced with R-V architecture</a:t>
+            </a:r>
+          </a:p>
+        </p:txBody>
+      </p:sp>
+      <p:pic>
+        <p:nvPicPr>
+          <p:cNvPr id="3" name="Picture 2" descr="A close-up of a red circuit board&#10;&#10;Description automatically generated">
+            <a:extLst>
+              <a:ext uri="{FF2B5EF4-FFF2-40B4-BE49-F238E27FC236}">
+                <a16:creationId xmlns:a16="http://schemas.microsoft.com/office/drawing/2014/main" id="{E497B304-85CC-C44E-E49D-7F1A28661EAF}"/>
+              </a:ext>
+            </a:extLst>
+          </p:cNvPr>
+          <p:cNvPicPr>
+            <a:picLocks noChangeAspect="1"/>
+          </p:cNvPicPr>
+          <p:nvPr/>
+        </p:nvPicPr>
+        <p:blipFill>
+          <a:blip r:embed="rId10">
+            <a:extLst>
+              <a:ext uri="{28A0092B-C50C-407E-A947-70E740481C1C}">
+                <a14:useLocalDpi xmlns:a14="http://schemas.microsoft.com/office/drawing/2010/main" val="0"/>
+              </a:ext>
+            </a:extLst>
+          </a:blip>
+          <a:stretch>
+            <a:fillRect/>
+          </a:stretch>
+        </p:blipFill>
+        <p:spPr>
+          <a:xfrm>
+            <a:off x="426016" y="8877522"/>
+            <a:ext cx="2146296" cy="1361507"/>
+          </a:xfrm>
+          <a:prstGeom prst="rect">
+            <a:avLst/>
+          </a:prstGeom>
+        </p:spPr>
+      </p:pic>
+      <p:sp>
+        <p:nvSpPr>
+          <p:cNvPr id="61" name="Rectangle 60">
+            <a:extLst>
+              <a:ext uri="{FF2B5EF4-FFF2-40B4-BE49-F238E27FC236}">
+                <a16:creationId xmlns:a16="http://schemas.microsoft.com/office/drawing/2014/main" id="{5F66F5D1-07D1-A28C-9BD2-AD38C0F90F74}"/>
+              </a:ext>
+            </a:extLst>
+          </p:cNvPr>
+          <p:cNvSpPr/>
+          <p:nvPr/>
+        </p:nvSpPr>
+        <p:spPr>
+          <a:xfrm>
+            <a:off x="7913422" y="16323499"/>
+            <a:ext cx="6848979" cy="3102511"/>
+          </a:xfrm>
+          <a:prstGeom prst="rect">
+            <a:avLst/>
+          </a:prstGeom>
+          <a:solidFill>
+            <a:schemeClr val="accent1">
+              <a:lumMod val="40000"/>
+              <a:lumOff val="60000"/>
+              <a:alpha val="50000"/>
+            </a:schemeClr>
+          </a:solidFill>
+          <a:ln>
+            <a:noFill/>
+          </a:ln>
+        </p:spPr>
+        <p:style>
+          <a:lnRef idx="0">
+            <a:scrgbClr r="0" g="0" b="0"/>
+          </a:lnRef>
+          <a:fillRef idx="0">
+            <a:scrgbClr r="0" g="0" b="0"/>
+          </a:fillRef>
+          <a:effectRef idx="0">
+            <a:scrgbClr r="0" g="0" b="0"/>
+          </a:effectRef>
+          <a:fontRef idx="minor">
+            <a:schemeClr val="lt1"/>
+          </a:fontRef>
+        </p:style>
+        <p:txBody>
+          <a:bodyPr rtlCol="0" anchor="ctr"/>
+          <a:lstStyle/>
+          <a:p>
+            <a:pPr algn="ctr"/>
+            <a:endParaRPr lang="en-IE" dirty="0"/>
+          </a:p>
+        </p:txBody>
+      </p:sp>
+      <p:sp>
+        <p:nvSpPr>
+          <p:cNvPr id="62" name="TextBox 61">
+            <a:extLst>
+              <a:ext uri="{FF2B5EF4-FFF2-40B4-BE49-F238E27FC236}">
+                <a16:creationId xmlns:a16="http://schemas.microsoft.com/office/drawing/2014/main" id="{6562CB87-609E-39F0-3089-A0D070716BD4}"/>
+              </a:ext>
+            </a:extLst>
+          </p:cNvPr>
+          <p:cNvSpPr txBox="1"/>
+          <p:nvPr/>
+        </p:nvSpPr>
+        <p:spPr>
+          <a:xfrm>
+            <a:off x="256466" y="16319465"/>
+            <a:ext cx="7535644" cy="3016210"/>
+          </a:xfrm>
+          <a:prstGeom prst="rect">
+            <a:avLst/>
+          </a:prstGeom>
+          <a:noFill/>
+        </p:spPr>
+        <p:txBody>
+          <a:bodyPr wrap="square" rtlCol="0">
+            <a:spAutoFit/>
+          </a:bodyPr>
+          <a:lstStyle/>
+          <a:p>
+            <a:pPr marL="285750" indent="-285750">
+              <a:spcBef>
+                <a:spcPts val="600"/>
+              </a:spcBef>
+              <a:buFont typeface="Arial" panose="020B0604020202020204" pitchFamily="34" charset="0"/>
+              <a:buChar char="•"/>
+            </a:pPr>
+            <a:r>
+              <a:rPr lang="en-IE" dirty="0">
+                <a:solidFill>
+                  <a:schemeClr val="tx1"/>
+                </a:solidFill>
+                <a:latin typeface="Congenial" panose="02000503040000020004" pitchFamily="2" charset="0"/>
+              </a:rPr>
+              <a:t>The purpose of the RISC-V learning platform through the remote laboratory is to encourage interaction and exploration of RISC-V ISA on real hardware, rather than simulation</a:t>
+            </a:r>
+            <a:endParaRPr lang="en-IE" dirty="0">
+              <a:latin typeface="Congenial" panose="02000503040000020004" pitchFamily="2" charset="0"/>
+            </a:endParaRPr>
+          </a:p>
+          <a:p>
+            <a:pPr marL="285750" indent="-285750">
+              <a:spcBef>
+                <a:spcPts val="600"/>
+              </a:spcBef>
+              <a:buFont typeface="Arial" panose="020B0604020202020204" pitchFamily="34" charset="0"/>
+              <a:buChar char="•"/>
+            </a:pPr>
+            <a:r>
+              <a:rPr lang="en-IE" dirty="0">
+                <a:solidFill>
+                  <a:schemeClr val="tx1"/>
+                </a:solidFill>
+                <a:latin typeface="Congenial" panose="02000503040000020004" pitchFamily="2" charset="0"/>
+              </a:rPr>
+              <a:t>The learning platform will consist of two RISC-V cores. One of which the user will program using RISC-V assembly, </a:t>
+            </a:r>
+            <a:r>
+              <a:rPr lang="en-IE" dirty="0">
+                <a:latin typeface="Congenial" panose="02000503040000020004" pitchFamily="2" charset="0"/>
+              </a:rPr>
+              <a:t>T</a:t>
+            </a:r>
+            <a:r>
+              <a:rPr lang="en-IE" dirty="0">
+                <a:solidFill>
+                  <a:schemeClr val="tx1"/>
+                </a:solidFill>
+                <a:latin typeface="Congenial" panose="02000503040000020004" pitchFamily="2" charset="0"/>
+              </a:rPr>
+              <a:t>he other will remain hidden, only visible to the core #1 by I/O ports. Core #2 will imitate a peripheral device.</a:t>
+            </a:r>
+          </a:p>
+          <a:p>
+            <a:pPr marL="285750" indent="-285750">
+              <a:spcBef>
+                <a:spcPts val="600"/>
+              </a:spcBef>
+              <a:buFont typeface="Arial" panose="020B0604020202020204" pitchFamily="34" charset="0"/>
+              <a:buChar char="•"/>
+            </a:pPr>
+            <a:r>
+              <a:rPr lang="en-IE" dirty="0">
+                <a:solidFill>
+                  <a:schemeClr val="tx1"/>
+                </a:solidFill>
+                <a:latin typeface="Congenial" panose="02000503040000020004" pitchFamily="2" charset="0"/>
+              </a:rPr>
+              <a:t>The goal of the user is to interface with the hidden peripheral. The hidden peripheral changes depending on the difficulty level. For example, an interrupt controller or I</a:t>
+            </a:r>
+            <a:r>
+              <a:rPr lang="en-IE" baseline="30000" dirty="0">
+                <a:solidFill>
+                  <a:schemeClr val="tx1"/>
+                </a:solidFill>
+                <a:latin typeface="Congenial" panose="02000503040000020004" pitchFamily="2" charset="0"/>
+              </a:rPr>
+              <a:t>2</a:t>
+            </a:r>
+            <a:r>
+              <a:rPr lang="en-IE" dirty="0">
+                <a:solidFill>
+                  <a:schemeClr val="tx1"/>
+                </a:solidFill>
+                <a:latin typeface="Congenial" panose="02000503040000020004" pitchFamily="2" charset="0"/>
+              </a:rPr>
+              <a:t>C device.</a:t>
+            </a:r>
+          </a:p>
+        </p:txBody>
+      </p:sp>
+      <p:sp>
+        <p:nvSpPr>
+          <p:cNvPr id="63" name="Rectangle: Rounded Corners 62">
+            <a:extLst>
+              <a:ext uri="{FF2B5EF4-FFF2-40B4-BE49-F238E27FC236}">
+                <a16:creationId xmlns:a16="http://schemas.microsoft.com/office/drawing/2014/main" id="{0A5986F0-3261-9EC0-C463-0E8ECE00B6F0}"/>
+              </a:ext>
+            </a:extLst>
+          </p:cNvPr>
+          <p:cNvSpPr/>
+          <p:nvPr/>
+        </p:nvSpPr>
+        <p:spPr>
+          <a:xfrm>
+            <a:off x="8029390" y="16452482"/>
+            <a:ext cx="1437339" cy="2883193"/>
+          </a:xfrm>
+          <a:prstGeom prst="roundRect">
+            <a:avLst/>
+          </a:prstGeom>
+          <a:solidFill>
+            <a:schemeClr val="accent5">
+              <a:lumMod val="60000"/>
+              <a:lumOff val="40000"/>
+            </a:schemeClr>
+          </a:solidFill>
+        </p:spPr>
+        <p:style>
+          <a:lnRef idx="2">
+            <a:schemeClr val="accent5">
+              <a:shade val="15000"/>
+            </a:schemeClr>
+          </a:lnRef>
+          <a:fillRef idx="1">
+            <a:schemeClr val="accent5"/>
+          </a:fillRef>
+          <a:effectRef idx="0">
+            <a:schemeClr val="accent5"/>
+          </a:effectRef>
+          <a:fontRef idx="minor">
+            <a:schemeClr val="lt1"/>
+          </a:fontRef>
+        </p:style>
+        <p:txBody>
+          <a:bodyPr rtlCol="0" anchor="t"/>
+          <a:lstStyle/>
+          <a:p>
+            <a:pPr algn="ctr"/>
+            <a:r>
+              <a:rPr lang="en-IE" dirty="0">
+                <a:solidFill>
+                  <a:sysClr val="windowText" lastClr="000000"/>
+                </a:solidFill>
+                <a:latin typeface="Congenial Black" panose="02000503040000020004" pitchFamily="2" charset="0"/>
+              </a:rPr>
+              <a:t>PYNQ Jupyter Notebook Interface</a:t>
+            </a:r>
+          </a:p>
+        </p:txBody>
+      </p:sp>
+      <p:pic>
+        <p:nvPicPr>
+          <p:cNvPr id="64" name="Picture 63" descr="A black and grey logo&#10;&#10;Description automatically generated">
+            <a:extLst>
+              <a:ext uri="{FF2B5EF4-FFF2-40B4-BE49-F238E27FC236}">
+                <a16:creationId xmlns:a16="http://schemas.microsoft.com/office/drawing/2014/main" id="{5A677E2A-F13D-3EC2-2409-EB0CF7ACC9B6}"/>
+              </a:ext>
+            </a:extLst>
+          </p:cNvPr>
+          <p:cNvPicPr>
+            <a:picLocks noChangeAspect="1"/>
+          </p:cNvPicPr>
+          <p:nvPr/>
+        </p:nvPicPr>
+        <p:blipFill>
+          <a:blip r:embed="rId5">
+            <a:extLst>
+              <a:ext uri="{28A0092B-C50C-407E-A947-70E740481C1C}">
+                <a14:useLocalDpi xmlns:a14="http://schemas.microsoft.com/office/drawing/2010/main" val="0"/>
+              </a:ext>
+            </a:extLst>
+          </a:blip>
+          <a:stretch>
+            <a:fillRect/>
+          </a:stretch>
+        </p:blipFill>
+        <p:spPr>
+          <a:xfrm>
+            <a:off x="8115299" y="18785781"/>
+            <a:ext cx="1272420" cy="454294"/>
+          </a:xfrm>
+          <a:prstGeom prst="roundRect">
+            <a:avLst>
+              <a:gd name="adj" fmla="val 25053"/>
+            </a:avLst>
+          </a:prstGeom>
+          <a:solidFill>
+            <a:schemeClr val="bg1"/>
+          </a:solidFill>
+          <a:ln w="19050">
+            <a:solidFill>
+              <a:schemeClr val="accent5">
+                <a:shade val="15000"/>
+              </a:schemeClr>
+            </a:solidFill>
+          </a:ln>
+        </p:spPr>
+      </p:pic>
+      <p:pic>
+        <p:nvPicPr>
+          <p:cNvPr id="66" name="Picture 65" descr="A logo with orange and grey circles&#10;&#10;Description automatically generated">
+            <a:extLst>
+              <a:ext uri="{FF2B5EF4-FFF2-40B4-BE49-F238E27FC236}">
+                <a16:creationId xmlns:a16="http://schemas.microsoft.com/office/drawing/2014/main" id="{3C6A3EFF-2198-96ED-0C6B-987BFE4C07D4}"/>
+              </a:ext>
+            </a:extLst>
+          </p:cNvPr>
+          <p:cNvPicPr>
+            <a:picLocks noChangeAspect="1"/>
+          </p:cNvPicPr>
+          <p:nvPr/>
+        </p:nvPicPr>
+        <p:blipFill>
+          <a:blip r:embed="rId11">
+            <a:extLst>
+              <a:ext uri="{28A0092B-C50C-407E-A947-70E740481C1C}">
+                <a14:useLocalDpi xmlns:a14="http://schemas.microsoft.com/office/drawing/2010/main" val="0"/>
+              </a:ext>
+            </a:extLst>
+          </a:blip>
+          <a:stretch>
+            <a:fillRect/>
+          </a:stretch>
+        </p:blipFill>
+        <p:spPr>
+          <a:xfrm>
+            <a:off x="8374085" y="17806944"/>
+            <a:ext cx="747947" cy="866995"/>
+          </a:xfrm>
+          <a:prstGeom prst="roundRect">
+            <a:avLst/>
+          </a:prstGeom>
+          <a:solidFill>
+            <a:schemeClr val="bg1"/>
+          </a:solidFill>
+          <a:ln w="19050">
+            <a:solidFill>
+              <a:schemeClr val="tx1"/>
+            </a:solidFill>
+          </a:ln>
+        </p:spPr>
+      </p:pic>
+      <p:sp>
+        <p:nvSpPr>
+          <p:cNvPr id="70" name="Rectangle: Rounded Corners 69">
+            <a:extLst>
+              <a:ext uri="{FF2B5EF4-FFF2-40B4-BE49-F238E27FC236}">
+                <a16:creationId xmlns:a16="http://schemas.microsoft.com/office/drawing/2014/main" id="{2AE8F6B6-CFF7-23A4-C96A-55FF491D2E8B}"/>
+              </a:ext>
+            </a:extLst>
+          </p:cNvPr>
+          <p:cNvSpPr/>
+          <p:nvPr/>
+        </p:nvSpPr>
+        <p:spPr>
+          <a:xfrm>
+            <a:off x="10415029" y="16990539"/>
+            <a:ext cx="1775009" cy="1802356"/>
+          </a:xfrm>
+          <a:prstGeom prst="roundRect">
+            <a:avLst/>
+          </a:prstGeom>
+          <a:solidFill>
+            <a:schemeClr val="bg1"/>
+          </a:solidFill>
+        </p:spPr>
+        <p:style>
+          <a:lnRef idx="2">
+            <a:schemeClr val="accent1">
+              <a:shade val="15000"/>
+            </a:schemeClr>
+          </a:lnRef>
+          <a:fillRef idx="1">
+            <a:schemeClr val="accent1"/>
+          </a:fillRef>
+          <a:effectRef idx="0">
+            <a:schemeClr val="accent1"/>
+          </a:effectRef>
+          <a:fontRef idx="minor">
+            <a:schemeClr val="lt1"/>
+          </a:fontRef>
+        </p:style>
+        <p:txBody>
+          <a:bodyPr rtlCol="0" anchor="ctr"/>
+          <a:lstStyle/>
+          <a:p>
+            <a:pPr algn="ctr"/>
+            <a:endParaRPr lang="en-IE"/>
+          </a:p>
+        </p:txBody>
+      </p:sp>
+      <p:pic>
+        <p:nvPicPr>
+          <p:cNvPr id="68" name="Graphic 67">
+            <a:extLst>
+              <a:ext uri="{FF2B5EF4-FFF2-40B4-BE49-F238E27FC236}">
+                <a16:creationId xmlns:a16="http://schemas.microsoft.com/office/drawing/2014/main" id="{16FD1E2A-EEA5-67C8-DB98-44B9BA82669B}"/>
+              </a:ext>
+            </a:extLst>
+          </p:cNvPr>
+          <p:cNvPicPr>
+            <a:picLocks noChangeAspect="1"/>
+          </p:cNvPicPr>
+          <p:nvPr/>
+        </p:nvPicPr>
+        <p:blipFill rotWithShape="1">
+          <a:blip r:embed="rId12">
+            <a:extLst>
+              <a:ext uri="{28A0092B-C50C-407E-A947-70E740481C1C}">
+                <a14:useLocalDpi xmlns:a14="http://schemas.microsoft.com/office/drawing/2010/main" val="0"/>
+              </a:ext>
+              <a:ext uri="{96DAC541-7B7A-43D3-8B79-37D633B846F1}">
+                <asvg:svgBlip xmlns:asvg="http://schemas.microsoft.com/office/drawing/2016/SVG/main" r:embed="rId13"/>
+              </a:ext>
+            </a:extLst>
+          </a:blip>
+          <a:srcRect r="4697"/>
+          <a:stretch/>
+        </p:blipFill>
+        <p:spPr>
+          <a:xfrm>
+            <a:off x="10530525" y="16915996"/>
+            <a:ext cx="1534466" cy="1911974"/>
+          </a:xfrm>
+          <a:prstGeom prst="rect">
+            <a:avLst/>
+          </a:prstGeom>
+        </p:spPr>
+      </p:pic>
+      <p:cxnSp>
+        <p:nvCxnSpPr>
+          <p:cNvPr id="71" name="Straight Arrow Connector 70">
+            <a:extLst>
+              <a:ext uri="{FF2B5EF4-FFF2-40B4-BE49-F238E27FC236}">
+                <a16:creationId xmlns:a16="http://schemas.microsoft.com/office/drawing/2014/main" id="{C44C77ED-74B6-4CC4-ED95-D880C9B7286C}"/>
+              </a:ext>
+            </a:extLst>
+          </p:cNvPr>
+          <p:cNvCxnSpPr>
+            <a:cxnSpLocks/>
+            <a:stCxn id="70" idx="1"/>
+            <a:endCxn id="63" idx="3"/>
+          </p:cNvCxnSpPr>
+          <p:nvPr/>
+        </p:nvCxnSpPr>
+        <p:spPr>
+          <a:xfrm flipH="1">
+            <a:off x="9466729" y="17891717"/>
+            <a:ext cx="948300" cy="2362"/>
+          </a:xfrm>
+          <a:prstGeom prst="straightConnector1">
+            <a:avLst/>
+          </a:prstGeom>
+          <a:ln w="76200">
+            <a:solidFill>
+              <a:srgbClr val="C00000"/>
+            </a:solidFill>
+            <a:headEnd type="triangle"/>
+            <a:tailEnd type="triangle"/>
+          </a:ln>
+        </p:spPr>
+        <p:style>
+          <a:lnRef idx="2">
+            <a:schemeClr val="accent1"/>
+          </a:lnRef>
+          <a:fillRef idx="0">
+            <a:schemeClr val="accent1"/>
+          </a:fillRef>
+          <a:effectRef idx="1">
+            <a:schemeClr val="accent1"/>
+          </a:effectRef>
+          <a:fontRef idx="minor">
+            <a:schemeClr val="tx1"/>
+          </a:fontRef>
+        </p:style>
+      </p:cxnSp>
+      <p:sp>
+        <p:nvSpPr>
+          <p:cNvPr id="78" name="Rectangle: Rounded Corners 77">
+            <a:extLst>
+              <a:ext uri="{FF2B5EF4-FFF2-40B4-BE49-F238E27FC236}">
+                <a16:creationId xmlns:a16="http://schemas.microsoft.com/office/drawing/2014/main" id="{87DD5A1F-0BB8-84C8-FA59-11397DA1DCB2}"/>
+              </a:ext>
+            </a:extLst>
+          </p:cNvPr>
+          <p:cNvSpPr/>
+          <p:nvPr/>
+        </p:nvSpPr>
+        <p:spPr>
+          <a:xfrm>
+            <a:off x="12888595" y="16979272"/>
+            <a:ext cx="1775009" cy="1802356"/>
+          </a:xfrm>
+          <a:prstGeom prst="roundRect">
+            <a:avLst/>
+          </a:prstGeom>
+          <a:solidFill>
+            <a:schemeClr val="bg1"/>
+          </a:solidFill>
+        </p:spPr>
+        <p:style>
+          <a:lnRef idx="2">
+            <a:schemeClr val="accent1">
+              <a:shade val="15000"/>
+            </a:schemeClr>
+          </a:lnRef>
+          <a:fillRef idx="1">
+            <a:schemeClr val="accent1"/>
+          </a:fillRef>
+          <a:effectRef idx="0">
+            <a:schemeClr val="accent1"/>
+          </a:effectRef>
+          <a:fontRef idx="minor">
+            <a:schemeClr val="lt1"/>
+          </a:fontRef>
+        </p:style>
+        <p:txBody>
+          <a:bodyPr rtlCol="0" anchor="ctr"/>
+          <a:lstStyle/>
+          <a:p>
+            <a:pPr algn="ctr"/>
+            <a:endParaRPr lang="en-IE"/>
+          </a:p>
+        </p:txBody>
+      </p:sp>
+      <p:pic>
+        <p:nvPicPr>
+          <p:cNvPr id="81" name="Graphic 80">
+            <a:extLst>
+              <a:ext uri="{FF2B5EF4-FFF2-40B4-BE49-F238E27FC236}">
+                <a16:creationId xmlns:a16="http://schemas.microsoft.com/office/drawing/2014/main" id="{FB41E8A3-5479-5CD1-8C61-C542FE878CA7}"/>
+              </a:ext>
+            </a:extLst>
+          </p:cNvPr>
+          <p:cNvPicPr>
+            <a:picLocks noChangeAspect="1"/>
+          </p:cNvPicPr>
+          <p:nvPr/>
+        </p:nvPicPr>
+        <p:blipFill rotWithShape="1">
+          <a:blip r:embed="rId12">
+            <a:extLst>
+              <a:ext uri="{28A0092B-C50C-407E-A947-70E740481C1C}">
+                <a14:useLocalDpi xmlns:a14="http://schemas.microsoft.com/office/drawing/2010/main" val="0"/>
+              </a:ext>
+              <a:ext uri="{96DAC541-7B7A-43D3-8B79-37D633B846F1}">
+                <asvg:svgBlip xmlns:asvg="http://schemas.microsoft.com/office/drawing/2016/SVG/main" r:embed="rId13"/>
+              </a:ext>
+            </a:extLst>
+          </a:blip>
+          <a:srcRect r="4697"/>
+          <a:stretch/>
+        </p:blipFill>
+        <p:spPr>
+          <a:xfrm>
+            <a:off x="13008866" y="16916656"/>
+            <a:ext cx="1534466" cy="1911974"/>
+          </a:xfrm>
+          <a:prstGeom prst="rect">
+            <a:avLst/>
+          </a:prstGeom>
+        </p:spPr>
+      </p:pic>
+      <p:cxnSp>
+        <p:nvCxnSpPr>
+          <p:cNvPr id="86" name="Straight Arrow Connector 85">
+            <a:extLst>
+              <a:ext uri="{FF2B5EF4-FFF2-40B4-BE49-F238E27FC236}">
+                <a16:creationId xmlns:a16="http://schemas.microsoft.com/office/drawing/2014/main" id="{0DDD94A8-DF0E-30BD-879A-9E3557810EA6}"/>
+              </a:ext>
+            </a:extLst>
+          </p:cNvPr>
+          <p:cNvCxnSpPr>
+            <a:cxnSpLocks/>
+            <a:stCxn id="78" idx="1"/>
+            <a:endCxn id="70" idx="3"/>
+          </p:cNvCxnSpPr>
+          <p:nvPr/>
+        </p:nvCxnSpPr>
+        <p:spPr>
+          <a:xfrm flipH="1">
+            <a:off x="12190038" y="17880450"/>
+            <a:ext cx="698557" cy="11267"/>
+          </a:xfrm>
+          <a:prstGeom prst="straightConnector1">
+            <a:avLst/>
+          </a:prstGeom>
+          <a:ln w="76200">
+            <a:solidFill>
+              <a:srgbClr val="C00000"/>
+            </a:solidFill>
+            <a:headEnd type="triangle"/>
+            <a:tailEnd type="triangle"/>
+          </a:ln>
+        </p:spPr>
+        <p:style>
+          <a:lnRef idx="2">
+            <a:schemeClr val="accent1"/>
+          </a:lnRef>
+          <a:fillRef idx="0">
+            <a:schemeClr val="accent1"/>
+          </a:fillRef>
+          <a:effectRef idx="1">
+            <a:schemeClr val="accent1"/>
+          </a:effectRef>
+          <a:fontRef idx="minor">
+            <a:schemeClr val="tx1"/>
+          </a:fontRef>
+        </p:style>
+      </p:cxnSp>
+      <p:sp>
+        <p:nvSpPr>
+          <p:cNvPr id="95" name="TextBox 94">
+            <a:extLst>
+              <a:ext uri="{FF2B5EF4-FFF2-40B4-BE49-F238E27FC236}">
+                <a16:creationId xmlns:a16="http://schemas.microsoft.com/office/drawing/2014/main" id="{64BB6FFE-2DEA-05EA-3104-14BDD126EB93}"/>
+              </a:ext>
+            </a:extLst>
+          </p:cNvPr>
+          <p:cNvSpPr txBox="1"/>
+          <p:nvPr/>
+        </p:nvSpPr>
+        <p:spPr>
+          <a:xfrm>
+            <a:off x="9501198" y="16990538"/>
+            <a:ext cx="938748" cy="830997"/>
+          </a:xfrm>
+          <a:prstGeom prst="rect">
+            <a:avLst/>
+          </a:prstGeom>
+          <a:noFill/>
+        </p:spPr>
+        <p:txBody>
+          <a:bodyPr wrap="square" rtlCol="0">
+            <a:spAutoFit/>
+          </a:bodyPr>
+          <a:lstStyle/>
+          <a:p>
+            <a:pPr algn="ctr"/>
+            <a:r>
+              <a:rPr lang="en-IE" sz="1200" b="1" dirty="0">
+                <a:latin typeface="Congenial" panose="02000503040000020004" pitchFamily="2" charset="0"/>
+              </a:rPr>
+              <a:t>User uploads assembly to Core #1</a:t>
+            </a:r>
+            <a:endParaRPr lang="en-IE" sz="1200" dirty="0">
+              <a:latin typeface="Congenial" panose="02000503040000020004" pitchFamily="2" charset="0"/>
+            </a:endParaRPr>
+          </a:p>
+        </p:txBody>
+      </p:sp>
+      <p:sp>
+        <p:nvSpPr>
+          <p:cNvPr id="96" name="TextBox 95">
+            <a:extLst>
+              <a:ext uri="{FF2B5EF4-FFF2-40B4-BE49-F238E27FC236}">
+                <a16:creationId xmlns:a16="http://schemas.microsoft.com/office/drawing/2014/main" id="{4B66B251-B17B-34A5-78A3-8F15781FEB59}"/>
+              </a:ext>
+            </a:extLst>
+          </p:cNvPr>
+          <p:cNvSpPr txBox="1"/>
+          <p:nvPr/>
+        </p:nvSpPr>
+        <p:spPr>
+          <a:xfrm>
+            <a:off x="10807298" y="18499147"/>
+            <a:ext cx="993671" cy="276999"/>
+          </a:xfrm>
+          <a:prstGeom prst="rect">
+            <a:avLst/>
+          </a:prstGeom>
+          <a:noFill/>
+        </p:spPr>
+        <p:txBody>
+          <a:bodyPr wrap="square" rtlCol="0">
+            <a:spAutoFit/>
+          </a:bodyPr>
+          <a:lstStyle/>
+          <a:p>
+            <a:pPr algn="ctr"/>
+            <a:r>
+              <a:rPr lang="en-IE" sz="1200" dirty="0">
+                <a:latin typeface="Congenial Black" panose="02000503040000020004" pitchFamily="2" charset="0"/>
+              </a:rPr>
+              <a:t>Core #1</a:t>
+            </a:r>
+          </a:p>
+        </p:txBody>
+      </p:sp>
+      <p:sp>
+        <p:nvSpPr>
+          <p:cNvPr id="98" name="TextBox 97">
+            <a:extLst>
+              <a:ext uri="{FF2B5EF4-FFF2-40B4-BE49-F238E27FC236}">
+                <a16:creationId xmlns:a16="http://schemas.microsoft.com/office/drawing/2014/main" id="{8B9F5756-4AF7-2294-E74C-75B2D94943FA}"/>
+              </a:ext>
+            </a:extLst>
+          </p:cNvPr>
+          <p:cNvSpPr txBox="1"/>
+          <p:nvPr/>
+        </p:nvSpPr>
+        <p:spPr>
+          <a:xfrm>
+            <a:off x="13285981" y="18499147"/>
+            <a:ext cx="993671" cy="276999"/>
+          </a:xfrm>
+          <a:prstGeom prst="rect">
+            <a:avLst/>
+          </a:prstGeom>
+          <a:noFill/>
+        </p:spPr>
+        <p:txBody>
+          <a:bodyPr wrap="square" rtlCol="0">
+            <a:spAutoFit/>
+          </a:bodyPr>
+          <a:lstStyle/>
+          <a:p>
+            <a:pPr algn="ctr"/>
+            <a:r>
+              <a:rPr lang="en-IE" sz="1200" dirty="0">
+                <a:latin typeface="Congenial Black" panose="02000503040000020004" pitchFamily="2" charset="0"/>
+              </a:rPr>
+              <a:t>Core #2</a:t>
+            </a:r>
+          </a:p>
+        </p:txBody>
+      </p:sp>
+      <p:sp>
+        <p:nvSpPr>
+          <p:cNvPr id="99" name="TextBox 98">
+            <a:extLst>
+              <a:ext uri="{FF2B5EF4-FFF2-40B4-BE49-F238E27FC236}">
+                <a16:creationId xmlns:a16="http://schemas.microsoft.com/office/drawing/2014/main" id="{A50F57D7-CD33-3BF8-66BD-E0AA21E953B2}"/>
+              </a:ext>
+            </a:extLst>
+          </p:cNvPr>
+          <p:cNvSpPr txBox="1"/>
+          <p:nvPr/>
+        </p:nvSpPr>
+        <p:spPr>
+          <a:xfrm>
+            <a:off x="12982354" y="18792895"/>
+            <a:ext cx="1600924" cy="461665"/>
+          </a:xfrm>
+          <a:prstGeom prst="rect">
+            <a:avLst/>
+          </a:prstGeom>
+          <a:noFill/>
+        </p:spPr>
+        <p:txBody>
+          <a:bodyPr wrap="square" rtlCol="0">
+            <a:spAutoFit/>
+          </a:bodyPr>
+          <a:lstStyle/>
+          <a:p>
+            <a:pPr algn="ctr"/>
+            <a:r>
+              <a:rPr lang="en-IE" sz="1200" b="1" dirty="0">
+                <a:latin typeface="Congenial" panose="02000503040000020004" pitchFamily="2" charset="0"/>
+              </a:rPr>
+              <a:t>Core #2 runs hidden program</a:t>
+            </a:r>
+            <a:endParaRPr lang="en-IE" sz="1200" dirty="0">
+              <a:latin typeface="Congenial" panose="02000503040000020004" pitchFamily="2" charset="0"/>
+            </a:endParaRPr>
+          </a:p>
+        </p:txBody>
+      </p:sp>
+      <p:sp>
+        <p:nvSpPr>
+          <p:cNvPr id="102" name="TextBox 101">
+            <a:extLst>
+              <a:ext uri="{FF2B5EF4-FFF2-40B4-BE49-F238E27FC236}">
+                <a16:creationId xmlns:a16="http://schemas.microsoft.com/office/drawing/2014/main" id="{5611000C-133E-F561-6DD5-67C1D5DD7DBD}"/>
+              </a:ext>
+            </a:extLst>
+          </p:cNvPr>
+          <p:cNvSpPr txBox="1"/>
+          <p:nvPr/>
+        </p:nvSpPr>
+        <p:spPr>
+          <a:xfrm>
+            <a:off x="9483549" y="17979435"/>
+            <a:ext cx="938748" cy="1015663"/>
+          </a:xfrm>
+          <a:prstGeom prst="rect">
+            <a:avLst/>
+          </a:prstGeom>
+          <a:noFill/>
+        </p:spPr>
+        <p:txBody>
+          <a:bodyPr wrap="square" rtlCol="0">
+            <a:spAutoFit/>
+          </a:bodyPr>
+          <a:lstStyle/>
+          <a:p>
+            <a:pPr algn="ctr"/>
+            <a:r>
+              <a:rPr lang="en-IE" sz="1200" b="1" dirty="0">
+                <a:latin typeface="Congenial" panose="02000503040000020004" pitchFamily="2" charset="0"/>
+              </a:rPr>
+              <a:t>User may read memory to view results</a:t>
+            </a:r>
+            <a:endParaRPr lang="en-IE" sz="1200" dirty="0">
+              <a:latin typeface="Congenial" panose="02000503040000020004" pitchFamily="2" charset="0"/>
+            </a:endParaRPr>
+          </a:p>
+        </p:txBody>
+      </p:sp>
+    </p:spTree>
+    <p:extLst>
+      <p:ext uri="{BB962C8B-B14F-4D97-AF65-F5344CB8AC3E}">
+        <p14:creationId xmlns:p14="http://schemas.microsoft.com/office/powerpoint/2010/main" val="417522300"/>
       </p:ext>
     </p:extLst>
   </p:cSld>

--- a/docs/project_poster.pptx
+++ b/docs/project_poster.pptx
@@ -4,9 +4,11 @@
   <p:sldMasterIdLst>
     <p:sldMasterId id="2147483660" r:id="rId1"/>
   </p:sldMasterIdLst>
+  <p:notesMasterIdLst>
+    <p:notesMasterId r:id="rId3"/>
+  </p:notesMasterIdLst>
   <p:sldIdLst>
     <p:sldId id="258" r:id="rId2"/>
-    <p:sldId id="259" r:id="rId3"/>
   </p:sldIdLst>
   <p:sldSz cx="15119350" cy="21383625"/>
   <p:notesSz cx="6858000" cy="9144000"/>
@@ -14,7 +16,7 @@
     <a:defPPr>
       <a:defRPr lang="en-US"/>
     </a:defPPr>
-    <a:lvl1pPr marL="0" algn="l" defTabSz="457200" rtl="0" eaLnBrk="1" latinLnBrk="0" hangingPunct="1">
+    <a:lvl1pPr marL="0" algn="l" defTabSz="457159" rtl="0" eaLnBrk="1" latinLnBrk="0" hangingPunct="1">
       <a:defRPr sz="1800" kern="1200">
         <a:solidFill>
           <a:schemeClr val="tx1"/>
@@ -24,7 +26,7 @@
         <a:cs typeface="+mn-cs"/>
       </a:defRPr>
     </a:lvl1pPr>
-    <a:lvl2pPr marL="457200" algn="l" defTabSz="457200" rtl="0" eaLnBrk="1" latinLnBrk="0" hangingPunct="1">
+    <a:lvl2pPr marL="457159" algn="l" defTabSz="457159" rtl="0" eaLnBrk="1" latinLnBrk="0" hangingPunct="1">
       <a:defRPr sz="1800" kern="1200">
         <a:solidFill>
           <a:schemeClr val="tx1"/>
@@ -34,7 +36,7 @@
         <a:cs typeface="+mn-cs"/>
       </a:defRPr>
     </a:lvl2pPr>
-    <a:lvl3pPr marL="914400" algn="l" defTabSz="457200" rtl="0" eaLnBrk="1" latinLnBrk="0" hangingPunct="1">
+    <a:lvl3pPr marL="914317" algn="l" defTabSz="457159" rtl="0" eaLnBrk="1" latinLnBrk="0" hangingPunct="1">
       <a:defRPr sz="1800" kern="1200">
         <a:solidFill>
           <a:schemeClr val="tx1"/>
@@ -44,7 +46,7 @@
         <a:cs typeface="+mn-cs"/>
       </a:defRPr>
     </a:lvl3pPr>
-    <a:lvl4pPr marL="1371600" algn="l" defTabSz="457200" rtl="0" eaLnBrk="1" latinLnBrk="0" hangingPunct="1">
+    <a:lvl4pPr marL="1371476" algn="l" defTabSz="457159" rtl="0" eaLnBrk="1" latinLnBrk="0" hangingPunct="1">
       <a:defRPr sz="1800" kern="1200">
         <a:solidFill>
           <a:schemeClr val="tx1"/>
@@ -54,7 +56,7 @@
         <a:cs typeface="+mn-cs"/>
       </a:defRPr>
     </a:lvl4pPr>
-    <a:lvl5pPr marL="1828800" algn="l" defTabSz="457200" rtl="0" eaLnBrk="1" latinLnBrk="0" hangingPunct="1">
+    <a:lvl5pPr marL="1828635" algn="l" defTabSz="457159" rtl="0" eaLnBrk="1" latinLnBrk="0" hangingPunct="1">
       <a:defRPr sz="1800" kern="1200">
         <a:solidFill>
           <a:schemeClr val="tx1"/>
@@ -64,7 +66,7 @@
         <a:cs typeface="+mn-cs"/>
       </a:defRPr>
     </a:lvl5pPr>
-    <a:lvl6pPr marL="2286000" algn="l" defTabSz="457200" rtl="0" eaLnBrk="1" latinLnBrk="0" hangingPunct="1">
+    <a:lvl6pPr marL="2285794" algn="l" defTabSz="457159" rtl="0" eaLnBrk="1" latinLnBrk="0" hangingPunct="1">
       <a:defRPr sz="1800" kern="1200">
         <a:solidFill>
           <a:schemeClr val="tx1"/>
@@ -74,7 +76,7 @@
         <a:cs typeface="+mn-cs"/>
       </a:defRPr>
     </a:lvl6pPr>
-    <a:lvl7pPr marL="2743200" algn="l" defTabSz="457200" rtl="0" eaLnBrk="1" latinLnBrk="0" hangingPunct="1">
+    <a:lvl7pPr marL="2742952" algn="l" defTabSz="457159" rtl="0" eaLnBrk="1" latinLnBrk="0" hangingPunct="1">
       <a:defRPr sz="1800" kern="1200">
         <a:solidFill>
           <a:schemeClr val="tx1"/>
@@ -84,7 +86,7 @@
         <a:cs typeface="+mn-cs"/>
       </a:defRPr>
     </a:lvl7pPr>
-    <a:lvl8pPr marL="3200400" algn="l" defTabSz="457200" rtl="0" eaLnBrk="1" latinLnBrk="0" hangingPunct="1">
+    <a:lvl8pPr marL="3200111" algn="l" defTabSz="457159" rtl="0" eaLnBrk="1" latinLnBrk="0" hangingPunct="1">
       <a:defRPr sz="1800" kern="1200">
         <a:solidFill>
           <a:schemeClr val="tx1"/>
@@ -94,7 +96,7 @@
         <a:cs typeface="+mn-cs"/>
       </a:defRPr>
     </a:lvl8pPr>
-    <a:lvl9pPr marL="3657600" algn="l" defTabSz="457200" rtl="0" eaLnBrk="1" latinLnBrk="0" hangingPunct="1">
+    <a:lvl9pPr marL="3657270" algn="l" defTabSz="457159" rtl="0" eaLnBrk="1" latinLnBrk="0" hangingPunct="1">
       <a:defRPr sz="1800" kern="1200">
         <a:solidFill>
           <a:schemeClr val="tx1"/>
@@ -111,6 +113,440 @@
     </p:ext>
   </p:extLst>
 </p:presentation>
+</file>
+
+<file path=ppt/notesMasters/notesMaster1.xml><?xml version="1.0" encoding="utf-8"?>
+<p:notesMaster xmlns:a="http://schemas.openxmlformats.org/drawingml/2006/main" xmlns:r="http://schemas.openxmlformats.org/officeDocument/2006/relationships" xmlns:p="http://schemas.openxmlformats.org/presentationml/2006/main">
+  <p:cSld>
+    <p:bg>
+      <p:bgRef idx="1001">
+        <a:schemeClr val="bg1"/>
+      </p:bgRef>
+    </p:bg>
+    <p:spTree>
+      <p:nvGrpSpPr>
+        <p:cNvPr id="1" name=""/>
+        <p:cNvGrpSpPr/>
+        <p:nvPr/>
+      </p:nvGrpSpPr>
+      <p:grpSpPr>
+        <a:xfrm>
+          <a:off x="0" y="0"/>
+          <a:ext cx="0" cy="0"/>
+          <a:chOff x="0" y="0"/>
+          <a:chExt cx="0" cy="0"/>
+        </a:xfrm>
+      </p:grpSpPr>
+      <p:sp>
+        <p:nvSpPr>
+          <p:cNvPr id="2" name="Header Placeholder 1"/>
+          <p:cNvSpPr>
+            <a:spLocks noGrp="1"/>
+          </p:cNvSpPr>
+          <p:nvPr>
+            <p:ph type="hdr" sz="quarter"/>
+          </p:nvPr>
+        </p:nvSpPr>
+        <p:spPr>
+          <a:xfrm>
+            <a:off x="0" y="0"/>
+            <a:ext cx="2971800" cy="458788"/>
+          </a:xfrm>
+          <a:prstGeom prst="rect">
+            <a:avLst/>
+          </a:prstGeom>
+        </p:spPr>
+        <p:txBody>
+          <a:bodyPr vert="horz" lIns="91440" tIns="45720" rIns="91440" bIns="45720" rtlCol="0"/>
+          <a:lstStyle>
+            <a:lvl1pPr algn="l">
+              <a:defRPr sz="1200"/>
+            </a:lvl1pPr>
+          </a:lstStyle>
+          <a:p>
+            <a:endParaRPr lang="en-IE"/>
+          </a:p>
+        </p:txBody>
+      </p:sp>
+      <p:sp>
+        <p:nvSpPr>
+          <p:cNvPr id="3" name="Date Placeholder 2"/>
+          <p:cNvSpPr>
+            <a:spLocks noGrp="1"/>
+          </p:cNvSpPr>
+          <p:nvPr>
+            <p:ph type="dt" idx="1"/>
+          </p:nvPr>
+        </p:nvSpPr>
+        <p:spPr>
+          <a:xfrm>
+            <a:off x="3884613" y="0"/>
+            <a:ext cx="2971800" cy="458788"/>
+          </a:xfrm>
+          <a:prstGeom prst="rect">
+            <a:avLst/>
+          </a:prstGeom>
+        </p:spPr>
+        <p:txBody>
+          <a:bodyPr vert="horz" lIns="91440" tIns="45720" rIns="91440" bIns="45720" rtlCol="0"/>
+          <a:lstStyle>
+            <a:lvl1pPr algn="r">
+              <a:defRPr sz="1200"/>
+            </a:lvl1pPr>
+          </a:lstStyle>
+          <a:p>
+            <a:fld id="{BAC92802-75BE-47CF-9681-DBE1EAC93A98}" type="datetimeFigureOut">
+              <a:rPr lang="en-IE" smtClean="0"/>
+              <a:t>20/02/2024</a:t>
+            </a:fld>
+            <a:endParaRPr lang="en-IE"/>
+          </a:p>
+        </p:txBody>
+      </p:sp>
+      <p:sp>
+        <p:nvSpPr>
+          <p:cNvPr id="4" name="Slide Image Placeholder 3"/>
+          <p:cNvSpPr>
+            <a:spLocks noGrp="1" noRot="1" noChangeAspect="1"/>
+          </p:cNvSpPr>
+          <p:nvPr>
+            <p:ph type="sldImg" idx="2"/>
+          </p:nvPr>
+        </p:nvSpPr>
+        <p:spPr>
+          <a:xfrm>
+            <a:off x="2338388" y="1143000"/>
+            <a:ext cx="2181225" cy="3086100"/>
+          </a:xfrm>
+          <a:prstGeom prst="rect">
+            <a:avLst/>
+          </a:prstGeom>
+          <a:noFill/>
+          <a:ln w="12700">
+            <a:solidFill>
+              <a:prstClr val="black"/>
+            </a:solidFill>
+          </a:ln>
+        </p:spPr>
+        <p:txBody>
+          <a:bodyPr vert="horz" lIns="91440" tIns="45720" rIns="91440" bIns="45720" rtlCol="0" anchor="ctr"/>
+          <a:lstStyle/>
+          <a:p>
+            <a:endParaRPr lang="en-IE"/>
+          </a:p>
+        </p:txBody>
+      </p:sp>
+      <p:sp>
+        <p:nvSpPr>
+          <p:cNvPr id="5" name="Notes Placeholder 4"/>
+          <p:cNvSpPr>
+            <a:spLocks noGrp="1"/>
+          </p:cNvSpPr>
+          <p:nvPr>
+            <p:ph type="body" sz="quarter" idx="3"/>
+          </p:nvPr>
+        </p:nvSpPr>
+        <p:spPr>
+          <a:xfrm>
+            <a:off x="685800" y="4400550"/>
+            <a:ext cx="5486400" cy="3600450"/>
+          </a:xfrm>
+          <a:prstGeom prst="rect">
+            <a:avLst/>
+          </a:prstGeom>
+        </p:spPr>
+        <p:txBody>
+          <a:bodyPr vert="horz" lIns="91440" tIns="45720" rIns="91440" bIns="45720" rtlCol="0"/>
+          <a:lstStyle/>
+          <a:p>
+            <a:pPr lvl="0"/>
+            <a:r>
+              <a:rPr lang="en-US"/>
+              <a:t>Click to edit Master text styles</a:t>
+            </a:r>
+          </a:p>
+          <a:p>
+            <a:pPr lvl="1"/>
+            <a:r>
+              <a:rPr lang="en-US"/>
+              <a:t>Second level</a:t>
+            </a:r>
+          </a:p>
+          <a:p>
+            <a:pPr lvl="2"/>
+            <a:r>
+              <a:rPr lang="en-US"/>
+              <a:t>Third level</a:t>
+            </a:r>
+          </a:p>
+          <a:p>
+            <a:pPr lvl="3"/>
+            <a:r>
+              <a:rPr lang="en-US"/>
+              <a:t>Fourth level</a:t>
+            </a:r>
+          </a:p>
+          <a:p>
+            <a:pPr lvl="4"/>
+            <a:r>
+              <a:rPr lang="en-US"/>
+              <a:t>Fifth level</a:t>
+            </a:r>
+            <a:endParaRPr lang="en-IE"/>
+          </a:p>
+        </p:txBody>
+      </p:sp>
+      <p:sp>
+        <p:nvSpPr>
+          <p:cNvPr id="6" name="Footer Placeholder 5"/>
+          <p:cNvSpPr>
+            <a:spLocks noGrp="1"/>
+          </p:cNvSpPr>
+          <p:nvPr>
+            <p:ph type="ftr" sz="quarter" idx="4"/>
+          </p:nvPr>
+        </p:nvSpPr>
+        <p:spPr>
+          <a:xfrm>
+            <a:off x="0" y="8685213"/>
+            <a:ext cx="2971800" cy="458787"/>
+          </a:xfrm>
+          <a:prstGeom prst="rect">
+            <a:avLst/>
+          </a:prstGeom>
+        </p:spPr>
+        <p:txBody>
+          <a:bodyPr vert="horz" lIns="91440" tIns="45720" rIns="91440" bIns="45720" rtlCol="0" anchor="b"/>
+          <a:lstStyle>
+            <a:lvl1pPr algn="l">
+              <a:defRPr sz="1200"/>
+            </a:lvl1pPr>
+          </a:lstStyle>
+          <a:p>
+            <a:endParaRPr lang="en-IE"/>
+          </a:p>
+        </p:txBody>
+      </p:sp>
+      <p:sp>
+        <p:nvSpPr>
+          <p:cNvPr id="7" name="Slide Number Placeholder 6"/>
+          <p:cNvSpPr>
+            <a:spLocks noGrp="1"/>
+          </p:cNvSpPr>
+          <p:nvPr>
+            <p:ph type="sldNum" sz="quarter" idx="5"/>
+          </p:nvPr>
+        </p:nvSpPr>
+        <p:spPr>
+          <a:xfrm>
+            <a:off x="3884613" y="8685213"/>
+            <a:ext cx="2971800" cy="458787"/>
+          </a:xfrm>
+          <a:prstGeom prst="rect">
+            <a:avLst/>
+          </a:prstGeom>
+        </p:spPr>
+        <p:txBody>
+          <a:bodyPr vert="horz" lIns="91440" tIns="45720" rIns="91440" bIns="45720" rtlCol="0" anchor="b"/>
+          <a:lstStyle>
+            <a:lvl1pPr algn="r">
+              <a:defRPr sz="1200"/>
+            </a:lvl1pPr>
+          </a:lstStyle>
+          <a:p>
+            <a:fld id="{F861F7DF-0468-4967-98D5-FCA60906C483}" type="slidenum">
+              <a:rPr lang="en-IE" smtClean="0"/>
+              <a:t>‹#›</a:t>
+            </a:fld>
+            <a:endParaRPr lang="en-IE"/>
+          </a:p>
+        </p:txBody>
+      </p:sp>
+    </p:spTree>
+    <p:extLst>
+      <p:ext uri="{BB962C8B-B14F-4D97-AF65-F5344CB8AC3E}">
+        <p14:creationId xmlns:p14="http://schemas.microsoft.com/office/powerpoint/2010/main" val="1847033842"/>
+      </p:ext>
+    </p:extLst>
+  </p:cSld>
+  <p:clrMap bg1="lt1" tx1="dk1" bg2="lt2" tx2="dk2" accent1="accent1" accent2="accent2" accent3="accent3" accent4="accent4" accent5="accent5" accent6="accent6" hlink="hlink" folHlink="folHlink"/>
+  <p:notesStyle>
+    <a:lvl1pPr marL="0" algn="l" defTabSz="914317" rtl="0" eaLnBrk="1" latinLnBrk="0" hangingPunct="1">
+      <a:defRPr sz="1200" kern="1200">
+        <a:solidFill>
+          <a:schemeClr val="tx1"/>
+        </a:solidFill>
+        <a:latin typeface="+mn-lt"/>
+        <a:ea typeface="+mn-ea"/>
+        <a:cs typeface="+mn-cs"/>
+      </a:defRPr>
+    </a:lvl1pPr>
+    <a:lvl2pPr marL="457159" algn="l" defTabSz="914317" rtl="0" eaLnBrk="1" latinLnBrk="0" hangingPunct="1">
+      <a:defRPr sz="1200" kern="1200">
+        <a:solidFill>
+          <a:schemeClr val="tx1"/>
+        </a:solidFill>
+        <a:latin typeface="+mn-lt"/>
+        <a:ea typeface="+mn-ea"/>
+        <a:cs typeface="+mn-cs"/>
+      </a:defRPr>
+    </a:lvl2pPr>
+    <a:lvl3pPr marL="914317" algn="l" defTabSz="914317" rtl="0" eaLnBrk="1" latinLnBrk="0" hangingPunct="1">
+      <a:defRPr sz="1200" kern="1200">
+        <a:solidFill>
+          <a:schemeClr val="tx1"/>
+        </a:solidFill>
+        <a:latin typeface="+mn-lt"/>
+        <a:ea typeface="+mn-ea"/>
+        <a:cs typeface="+mn-cs"/>
+      </a:defRPr>
+    </a:lvl3pPr>
+    <a:lvl4pPr marL="1371476" algn="l" defTabSz="914317" rtl="0" eaLnBrk="1" latinLnBrk="0" hangingPunct="1">
+      <a:defRPr sz="1200" kern="1200">
+        <a:solidFill>
+          <a:schemeClr val="tx1"/>
+        </a:solidFill>
+        <a:latin typeface="+mn-lt"/>
+        <a:ea typeface="+mn-ea"/>
+        <a:cs typeface="+mn-cs"/>
+      </a:defRPr>
+    </a:lvl4pPr>
+    <a:lvl5pPr marL="1828635" algn="l" defTabSz="914317" rtl="0" eaLnBrk="1" latinLnBrk="0" hangingPunct="1">
+      <a:defRPr sz="1200" kern="1200">
+        <a:solidFill>
+          <a:schemeClr val="tx1"/>
+        </a:solidFill>
+        <a:latin typeface="+mn-lt"/>
+        <a:ea typeface="+mn-ea"/>
+        <a:cs typeface="+mn-cs"/>
+      </a:defRPr>
+    </a:lvl5pPr>
+    <a:lvl6pPr marL="2285794" algn="l" defTabSz="914317" rtl="0" eaLnBrk="1" latinLnBrk="0" hangingPunct="1">
+      <a:defRPr sz="1200" kern="1200">
+        <a:solidFill>
+          <a:schemeClr val="tx1"/>
+        </a:solidFill>
+        <a:latin typeface="+mn-lt"/>
+        <a:ea typeface="+mn-ea"/>
+        <a:cs typeface="+mn-cs"/>
+      </a:defRPr>
+    </a:lvl6pPr>
+    <a:lvl7pPr marL="2742952" algn="l" defTabSz="914317" rtl="0" eaLnBrk="1" latinLnBrk="0" hangingPunct="1">
+      <a:defRPr sz="1200" kern="1200">
+        <a:solidFill>
+          <a:schemeClr val="tx1"/>
+        </a:solidFill>
+        <a:latin typeface="+mn-lt"/>
+        <a:ea typeface="+mn-ea"/>
+        <a:cs typeface="+mn-cs"/>
+      </a:defRPr>
+    </a:lvl7pPr>
+    <a:lvl8pPr marL="3200111" algn="l" defTabSz="914317" rtl="0" eaLnBrk="1" latinLnBrk="0" hangingPunct="1">
+      <a:defRPr sz="1200" kern="1200">
+        <a:solidFill>
+          <a:schemeClr val="tx1"/>
+        </a:solidFill>
+        <a:latin typeface="+mn-lt"/>
+        <a:ea typeface="+mn-ea"/>
+        <a:cs typeface="+mn-cs"/>
+      </a:defRPr>
+    </a:lvl8pPr>
+    <a:lvl9pPr marL="3657270" algn="l" defTabSz="914317" rtl="0" eaLnBrk="1" latinLnBrk="0" hangingPunct="1">
+      <a:defRPr sz="1200" kern="1200">
+        <a:solidFill>
+          <a:schemeClr val="tx1"/>
+        </a:solidFill>
+        <a:latin typeface="+mn-lt"/>
+        <a:ea typeface="+mn-ea"/>
+        <a:cs typeface="+mn-cs"/>
+      </a:defRPr>
+    </a:lvl9pPr>
+  </p:notesStyle>
+</p:notesMaster>
+</file>
+
+<file path=ppt/notesSlides/notesSlide1.xml><?xml version="1.0" encoding="utf-8"?>
+<p:notes xmlns:a="http://schemas.openxmlformats.org/drawingml/2006/main" xmlns:r="http://schemas.openxmlformats.org/officeDocument/2006/relationships" xmlns:p="http://schemas.openxmlformats.org/presentationml/2006/main">
+  <p:cSld>
+    <p:spTree>
+      <p:nvGrpSpPr>
+        <p:cNvPr id="1" name=""/>
+        <p:cNvGrpSpPr/>
+        <p:nvPr/>
+      </p:nvGrpSpPr>
+      <p:grpSpPr>
+        <a:xfrm>
+          <a:off x="0" y="0"/>
+          <a:ext cx="0" cy="0"/>
+          <a:chOff x="0" y="0"/>
+          <a:chExt cx="0" cy="0"/>
+        </a:xfrm>
+      </p:grpSpPr>
+      <p:sp>
+        <p:nvSpPr>
+          <p:cNvPr id="2" name="Slide Image Placeholder 1"/>
+          <p:cNvSpPr>
+            <a:spLocks noGrp="1" noRot="1" noChangeAspect="1"/>
+          </p:cNvSpPr>
+          <p:nvPr>
+            <p:ph type="sldImg"/>
+          </p:nvPr>
+        </p:nvSpPr>
+        <p:spPr/>
+      </p:sp>
+      <p:sp>
+        <p:nvSpPr>
+          <p:cNvPr id="3" name="Notes Placeholder 2"/>
+          <p:cNvSpPr>
+            <a:spLocks noGrp="1"/>
+          </p:cNvSpPr>
+          <p:nvPr>
+            <p:ph type="body" idx="1"/>
+          </p:nvPr>
+        </p:nvSpPr>
+        <p:spPr/>
+        <p:txBody>
+          <a:bodyPr/>
+          <a:lstStyle/>
+          <a:p>
+            <a:endParaRPr lang="en-IE" dirty="0"/>
+          </a:p>
+        </p:txBody>
+      </p:sp>
+      <p:sp>
+        <p:nvSpPr>
+          <p:cNvPr id="4" name="Slide Number Placeholder 3"/>
+          <p:cNvSpPr>
+            <a:spLocks noGrp="1"/>
+          </p:cNvSpPr>
+          <p:nvPr>
+            <p:ph type="sldNum" sz="quarter" idx="5"/>
+          </p:nvPr>
+        </p:nvSpPr>
+        <p:spPr/>
+        <p:txBody>
+          <a:bodyPr/>
+          <a:lstStyle/>
+          <a:p>
+            <a:fld id="{F861F7DF-0468-4967-98D5-FCA60906C483}" type="slidenum">
+              <a:rPr lang="en-IE" smtClean="0"/>
+              <a:t>1</a:t>
+            </a:fld>
+            <a:endParaRPr lang="en-IE"/>
+          </a:p>
+        </p:txBody>
+      </p:sp>
+    </p:spTree>
+    <p:extLst>
+      <p:ext uri="{BB962C8B-B14F-4D97-AF65-F5344CB8AC3E}">
+        <p14:creationId xmlns:p14="http://schemas.microsoft.com/office/powerpoint/2010/main" val="3072667543"/>
+      </p:ext>
+    </p:extLst>
+  </p:cSld>
+  <p:clrMapOvr>
+    <a:masterClrMapping/>
+  </p:clrMapOvr>
+</p:notes>
 </file>
 
 <file path=ppt/slideLayouts/slideLayout1.xml><?xml version="1.0" encoding="utf-8"?>
@@ -142,7 +578,7 @@
         </p:nvSpPr>
         <p:spPr>
           <a:xfrm>
-            <a:off x="1133951" y="3499590"/>
+            <a:off x="1133951" y="3499591"/>
             <a:ext cx="12851448" cy="7444669"/>
           </a:xfrm>
         </p:spPr>
@@ -174,7 +610,7 @@
         </p:nvSpPr>
         <p:spPr>
           <a:xfrm>
-            <a:off x="1889919" y="11231355"/>
+            <a:off x="1889920" y="11231355"/>
             <a:ext cx="11339513" cy="5162758"/>
           </a:xfrm>
         </p:spPr>
@@ -854,7 +1290,7 @@
         </p:nvSpPr>
         <p:spPr>
           <a:xfrm>
-            <a:off x="1031582" y="5331063"/>
+            <a:off x="1031583" y="5331063"/>
             <a:ext cx="13040439" cy="8894992"/>
           </a:xfrm>
         </p:spPr>
@@ -886,7 +1322,7 @@
         </p:nvSpPr>
         <p:spPr>
           <a:xfrm>
-            <a:off x="1031582" y="14310205"/>
+            <a:off x="1031583" y="14310205"/>
             <a:ext cx="13040439" cy="4677666"/>
           </a:xfrm>
         </p:spPr>
@@ -1123,7 +1559,7 @@
         </p:nvSpPr>
         <p:spPr>
           <a:xfrm>
-            <a:off x="1039455" y="5692400"/>
+            <a:off x="1039456" y="5692401"/>
             <a:ext cx="6425724" cy="13567714"/>
           </a:xfrm>
         </p:spPr>
@@ -1180,7 +1616,7 @@
         </p:nvSpPr>
         <p:spPr>
           <a:xfrm>
-            <a:off x="7654171" y="5692400"/>
+            <a:off x="7654171" y="5692401"/>
             <a:ext cx="6425724" cy="13567714"/>
           </a:xfrm>
         </p:spPr>
@@ -1332,7 +1768,7 @@
         </p:nvSpPr>
         <p:spPr>
           <a:xfrm>
-            <a:off x="1041425" y="1138485"/>
+            <a:off x="1041426" y="1138486"/>
             <a:ext cx="13040439" cy="4133179"/>
           </a:xfrm>
         </p:spPr>
@@ -1360,7 +1796,7 @@
         </p:nvSpPr>
         <p:spPr>
           <a:xfrm>
-            <a:off x="1041426" y="5241960"/>
+            <a:off x="1041427" y="5241960"/>
             <a:ext cx="6396193" cy="2569003"/>
           </a:xfrm>
         </p:spPr>
@@ -1425,7 +1861,7 @@
         </p:nvSpPr>
         <p:spPr>
           <a:xfrm>
-            <a:off x="1041426" y="7810963"/>
+            <a:off x="1041427" y="7810963"/>
             <a:ext cx="6396193" cy="11488750"/>
           </a:xfrm>
         </p:spPr>
@@ -1912,7 +2348,7 @@
         </p:nvSpPr>
         <p:spPr>
           <a:xfrm>
-            <a:off x="1041425" y="1425575"/>
+            <a:off x="1041425" y="1425576"/>
             <a:ext cx="4876384" cy="4989513"/>
           </a:xfrm>
         </p:spPr>
@@ -1944,7 +2380,7 @@
         </p:nvSpPr>
         <p:spPr>
           <a:xfrm>
-            <a:off x="6427693" y="3078850"/>
+            <a:off x="6427694" y="3078851"/>
             <a:ext cx="7654171" cy="15196234"/>
           </a:xfrm>
         </p:spPr>
@@ -2029,7 +2465,7 @@
         </p:nvSpPr>
         <p:spPr>
           <a:xfrm>
-            <a:off x="1041425" y="6415088"/>
+            <a:off x="1041425" y="6415089"/>
             <a:ext cx="4876384" cy="11884743"/>
           </a:xfrm>
         </p:spPr>
@@ -2189,7 +2625,7 @@
         </p:nvSpPr>
         <p:spPr>
           <a:xfrm>
-            <a:off x="1041425" y="1425575"/>
+            <a:off x="1041425" y="1425576"/>
             <a:ext cx="4876384" cy="4989513"/>
           </a:xfrm>
         </p:spPr>
@@ -2221,7 +2657,7 @@
         </p:nvSpPr>
         <p:spPr>
           <a:xfrm>
-            <a:off x="6427693" y="3078850"/>
+            <a:off x="6427694" y="3078851"/>
             <a:ext cx="7654171" cy="15196234"/>
           </a:xfrm>
         </p:spPr>
@@ -2286,7 +2722,7 @@
         </p:nvSpPr>
         <p:spPr>
           <a:xfrm>
-            <a:off x="1041425" y="6415088"/>
+            <a:off x="1041425" y="6415089"/>
             <a:ext cx="4876384" cy="11884743"/>
           </a:xfrm>
         </p:spPr>
@@ -2451,7 +2887,7 @@
         </p:nvSpPr>
         <p:spPr>
           <a:xfrm>
-            <a:off x="1039456" y="1138485"/>
+            <a:off x="1039457" y="1138486"/>
             <a:ext cx="13040439" cy="4133179"/>
           </a:xfrm>
           <a:prstGeom prst="rect">
@@ -2484,7 +2920,7 @@
         </p:nvSpPr>
         <p:spPr>
           <a:xfrm>
-            <a:off x="1039456" y="5692400"/>
+            <a:off x="1039457" y="5692401"/>
             <a:ext cx="13040439" cy="13567714"/>
           </a:xfrm>
           <a:prstGeom prst="rect">
@@ -2546,7 +2982,7 @@
         </p:nvSpPr>
         <p:spPr>
           <a:xfrm>
-            <a:off x="1039455" y="19819457"/>
+            <a:off x="1039455" y="19819458"/>
             <a:ext cx="3401854" cy="1138480"/>
           </a:xfrm>
           <a:prstGeom prst="rect">
@@ -2587,7 +3023,7 @@
         </p:nvSpPr>
         <p:spPr>
           <a:xfrm>
-            <a:off x="5008285" y="19819457"/>
+            <a:off x="5008286" y="19819458"/>
             <a:ext cx="5102781" cy="1138480"/>
           </a:xfrm>
           <a:prstGeom prst="rect">
@@ -2624,7 +3060,7 @@
         </p:nvSpPr>
         <p:spPr>
           <a:xfrm>
-            <a:off x="10678041" y="19819457"/>
+            <a:off x="10678041" y="19819458"/>
             <a:ext cx="3401854" cy="1138480"/>
           </a:xfrm>
           <a:prstGeom prst="rect">
@@ -2994,8 +3430,8 @@
         </p:nvSpPr>
         <p:spPr>
           <a:xfrm rot="10800000">
-            <a:off x="0" y="0"/>
-            <a:ext cx="15131367" cy="21383625"/>
+            <a:off x="-4" y="-5"/>
+            <a:ext cx="15131366" cy="21383629"/>
           </a:xfrm>
           <a:prstGeom prst="rect">
             <a:avLst/>
@@ -3041,7 +3477,7 @@
         </p:nvSpPr>
         <p:spPr>
           <a:xfrm>
-            <a:off x="-1" y="1"/>
+            <a:off x="1" y="1"/>
             <a:ext cx="15131363" cy="2303998"/>
           </a:xfrm>
           <a:prstGeom prst="rect">
@@ -3086,7 +3522,7 @@
           <p:nvPr/>
         </p:nvPicPr>
         <p:blipFill>
-          <a:blip r:embed="rId2">
+          <a:blip r:embed="rId3">
             <a:extLst>
               <a:ext uri="{28A0092B-C50C-407E-A947-70E740481C1C}">
                 <a14:useLocalDpi xmlns:a14="http://schemas.microsoft.com/office/drawing/2010/main" val="0"/>
@@ -3099,7 +3535,7 @@
         </p:blipFill>
         <p:spPr>
           <a:xfrm>
-            <a:off x="278718" y="413621"/>
+            <a:off x="278720" y="413621"/>
             <a:ext cx="3061405" cy="1476756"/>
           </a:xfrm>
           <a:prstGeom prst="rect">
@@ -3121,7 +3557,7 @@
         </p:nvSpPr>
         <p:spPr>
           <a:xfrm>
-            <a:off x="3630857" y="1276673"/>
+            <a:off x="3630859" y="1276674"/>
             <a:ext cx="11500509" cy="1031051"/>
           </a:xfrm>
           <a:prstGeom prst="rect">
@@ -3182,7 +3618,7 @@
         </p:nvSpPr>
         <p:spPr>
           <a:xfrm>
-            <a:off x="3630857" y="-11148"/>
+            <a:off x="3630859" y="-11147"/>
             <a:ext cx="11500509" cy="1323439"/>
           </a:xfrm>
           <a:prstGeom prst="rect">
@@ -3403,7 +3839,7 @@
         </p:nvSpPr>
         <p:spPr>
           <a:xfrm>
-            <a:off x="7741419" y="19669979"/>
+            <a:off x="7741421" y="19669981"/>
             <a:ext cx="7192987" cy="461665"/>
           </a:xfrm>
           <a:prstGeom prst="rect">
@@ -3455,7 +3891,7 @@
         </p:nvSpPr>
         <p:spPr>
           <a:xfrm>
-            <a:off x="7741419" y="20131645"/>
+            <a:off x="7741421" y="20131645"/>
             <a:ext cx="7192987" cy="1023020"/>
           </a:xfrm>
           <a:prstGeom prst="rect">
@@ -3513,8 +3949,8 @@
         </p:nvSpPr>
         <p:spPr>
           <a:xfrm>
-            <a:off x="176995" y="19669979"/>
-            <a:ext cx="7196186" cy="461665"/>
+            <a:off x="184943" y="19669981"/>
+            <a:ext cx="7188238" cy="461665"/>
           </a:xfrm>
           <a:prstGeom prst="rect">
             <a:avLst/>
@@ -3564,8 +4000,8 @@
         </p:nvSpPr>
         <p:spPr>
           <a:xfrm>
-            <a:off x="176995" y="20131644"/>
-            <a:ext cx="7196186" cy="1023021"/>
+            <a:off x="186747" y="20131646"/>
+            <a:ext cx="7186433" cy="1023021"/>
           </a:xfrm>
           <a:prstGeom prst="rect">
             <a:avLst/>
@@ -3656,7 +4092,7 @@
         </p:nvSpPr>
         <p:spPr>
           <a:xfrm>
-            <a:off x="7717394" y="5178826"/>
+            <a:off x="7717394" y="5178828"/>
             <a:ext cx="7205700" cy="461665"/>
           </a:xfrm>
           <a:prstGeom prst="rect">
@@ -3708,7 +4144,7 @@
         </p:nvSpPr>
         <p:spPr>
           <a:xfrm>
-            <a:off x="7726907" y="5625344"/>
+            <a:off x="7726907" y="5625346"/>
             <a:ext cx="7196186" cy="9992499"/>
           </a:xfrm>
           <a:prstGeom prst="rect">
@@ -4094,10 +4530,10 @@
         </p:nvGrpSpPr>
         <p:grpSpPr>
           <a:xfrm>
-            <a:off x="205773" y="7307615"/>
-            <a:ext cx="7196185" cy="8294312"/>
-            <a:chOff x="205773" y="7307615"/>
-            <a:chExt cx="7196185" cy="8294312"/>
+            <a:off x="215895" y="7307615"/>
+            <a:ext cx="7186065" cy="8294312"/>
+            <a:chOff x="215893" y="7307615"/>
+            <a:chExt cx="7186065" cy="8294312"/>
           </a:xfrm>
         </p:grpSpPr>
         <p:sp>
@@ -4114,8 +4550,8 @@
           </p:nvSpPr>
           <p:spPr>
             <a:xfrm>
-              <a:off x="205773" y="7307615"/>
-              <a:ext cx="7196185" cy="461665"/>
+              <a:off x="215893" y="7307615"/>
+              <a:ext cx="7186065" cy="461665"/>
             </a:xfrm>
             <a:prstGeom prst="rect">
               <a:avLst/>
@@ -4314,10 +4750,10 @@
         </p:nvGrpSpPr>
         <p:grpSpPr>
           <a:xfrm>
-            <a:off x="176995" y="15720888"/>
-            <a:ext cx="14757410" cy="3787546"/>
-            <a:chOff x="176994" y="15720888"/>
-            <a:chExt cx="14757411" cy="3787546"/>
+            <a:off x="215889" y="15720888"/>
+            <a:ext cx="14718516" cy="3787546"/>
+            <a:chOff x="215888" y="15720888"/>
+            <a:chExt cx="14718517" cy="3787546"/>
           </a:xfrm>
         </p:grpSpPr>
         <p:sp>
@@ -4334,8 +4770,8 @@
           </p:nvSpPr>
           <p:spPr>
             <a:xfrm>
-              <a:off x="176994" y="15720888"/>
-              <a:ext cx="14757411" cy="461665"/>
+              <a:off x="215894" y="15720888"/>
+              <a:ext cx="14718511" cy="461665"/>
             </a:xfrm>
             <a:prstGeom prst="rect">
               <a:avLst/>
@@ -4386,8 +4822,8 @@
           </p:nvSpPr>
           <p:spPr>
             <a:xfrm>
-              <a:off x="184944" y="16182553"/>
-              <a:ext cx="14749461" cy="3325881"/>
+              <a:off x="215888" y="16182553"/>
+              <a:ext cx="14718517" cy="3325881"/>
             </a:xfrm>
             <a:prstGeom prst="rect">
               <a:avLst/>
@@ -4442,7 +4878,7 @@
         </p:nvSpPr>
         <p:spPr>
           <a:xfrm>
-            <a:off x="7792313" y="15248511"/>
+            <a:off x="7792315" y="15248511"/>
             <a:ext cx="7121467" cy="369332"/>
           </a:xfrm>
           <a:prstGeom prst="rect">
@@ -4481,9 +4917,9 @@
         <p:grpSpPr>
           <a:xfrm>
             <a:off x="7939219" y="8828364"/>
-            <a:ext cx="6830552" cy="4177194"/>
+            <a:ext cx="6802829" cy="4177194"/>
             <a:chOff x="7939219" y="5292322"/>
-            <a:chExt cx="6830552" cy="4177194"/>
+            <a:chExt cx="6802829" cy="4177194"/>
           </a:xfrm>
         </p:grpSpPr>
         <p:sp>
@@ -4638,8 +5074,8 @@
           </p:nvSpPr>
           <p:spPr>
             <a:xfrm>
-              <a:off x="8115299" y="6171627"/>
-              <a:ext cx="1859783" cy="2088000"/>
+              <a:off x="8115299" y="6165578"/>
+              <a:ext cx="1859783" cy="2094049"/>
             </a:xfrm>
             <a:prstGeom prst="rect">
               <a:avLst/>
@@ -5067,7 +5503,25 @@
                   </a:solidFill>
                   <a:latin typeface="Congenial" panose="02000503040000020004" pitchFamily="2" charset="0"/>
                 </a:rPr>
-                <a:t>.hwh, .tcl, .bit, .ipynb</a:t>
+                <a:t>.hwh, .</a:t>
+              </a:r>
+              <a:r>
+                <a:rPr lang="en-IE" dirty="0" err="1">
+                  <a:solidFill>
+                    <a:sysClr val="windowText" lastClr="000000"/>
+                  </a:solidFill>
+                  <a:latin typeface="Congenial" panose="02000503040000020004" pitchFamily="2" charset="0"/>
+                </a:rPr>
+                <a:t>tcl</a:t>
+              </a:r>
+              <a:r>
+                <a:rPr lang="en-IE" dirty="0">
+                  <a:solidFill>
+                    <a:sysClr val="windowText" lastClr="000000"/>
+                  </a:solidFill>
+                  <a:latin typeface="Congenial" panose="02000503040000020004" pitchFamily="2" charset="0"/>
+                </a:rPr>
+                <a:t>, .bit, .ipynb</a:t>
               </a:r>
             </a:p>
           </p:txBody>
@@ -5087,7 +5541,7 @@
             <p:nvPr/>
           </p:nvPicPr>
           <p:blipFill>
-            <a:blip r:embed="rId3">
+            <a:blip r:embed="rId4">
               <a:extLst>
                 <a:ext uri="{28A0092B-C50C-407E-A947-70E740481C1C}">
                   <a14:useLocalDpi xmlns:a14="http://schemas.microsoft.com/office/drawing/2010/main" val="0"/>
@@ -5351,7 +5805,7 @@
           <p:spPr>
             <a:xfrm>
               <a:off x="13884683" y="7526732"/>
-              <a:ext cx="0" cy="1118140"/>
+              <a:ext cx="0" cy="669208"/>
             </a:xfrm>
             <a:prstGeom prst="straightConnector1">
               <a:avLst/>
@@ -5392,8 +5846,8 @@
           </p:nvSpPr>
           <p:spPr>
             <a:xfrm>
-              <a:off x="13776100" y="7581459"/>
-              <a:ext cx="993671" cy="1015663"/>
+              <a:off x="11752658" y="7597898"/>
+              <a:ext cx="2906229" cy="461665"/>
             </a:xfrm>
             <a:prstGeom prst="rect">
               <a:avLst/>
@@ -5417,7 +5871,7 @@
                 <a:rPr lang="en-IE" sz="1200" dirty="0">
                   <a:latin typeface="Congenial" panose="02000503040000020004" pitchFamily="2" charset="0"/>
                 </a:rPr>
-                <a:t>. User</a:t>
+                <a:t>. User uploads</a:t>
               </a:r>
             </a:p>
             <a:p>
@@ -5426,34 +5880,7 @@
                 <a:rPr lang="en-IE" sz="1200" dirty="0">
                   <a:latin typeface="Congenial" panose="02000503040000020004" pitchFamily="2" charset="0"/>
                 </a:rPr>
-                <a:t>uploads</a:t>
-              </a:r>
-            </a:p>
-            <a:p>
-              <a:pPr algn="ctr"/>
-              <a:r>
-                <a:rPr lang="en-IE" sz="1200" dirty="0">
-                  <a:latin typeface="Congenial" panose="02000503040000020004" pitchFamily="2" charset="0"/>
-                </a:rPr>
-                <a:t>output to</a:t>
-              </a:r>
-            </a:p>
-            <a:p>
-              <a:pPr algn="ctr"/>
-              <a:r>
-                <a:rPr lang="en-IE" sz="1200" dirty="0">
-                  <a:latin typeface="Congenial" panose="02000503040000020004" pitchFamily="2" charset="0"/>
-                </a:rPr>
-                <a:t>PYNQ</a:t>
-              </a:r>
-            </a:p>
-            <a:p>
-              <a:pPr algn="ctr"/>
-              <a:r>
-                <a:rPr lang="en-IE" sz="1200" dirty="0">
-                  <a:latin typeface="Congenial" panose="02000503040000020004" pitchFamily="2" charset="0"/>
-                </a:rPr>
-                <a:t>FPGA</a:t>
+                <a:t>output to FPGA</a:t>
               </a:r>
             </a:p>
           </p:txBody>
@@ -5473,7 +5900,7 @@
           <p:spPr>
             <a:xfrm>
               <a:off x="8115300" y="5491876"/>
-              <a:ext cx="1859782" cy="664601"/>
+              <a:ext cx="1859782" cy="673699"/>
             </a:xfrm>
             <a:prstGeom prst="rect">
               <a:avLst/>
@@ -5481,6 +5908,9 @@
             <a:solidFill>
               <a:schemeClr val="tx2"/>
             </a:solidFill>
+            <a:ln>
+              <a:noFill/>
+            </a:ln>
           </p:spPr>
           <p:style>
             <a:lnRef idx="2">
@@ -5527,7 +5957,7 @@
         </p:nvSpPr>
         <p:spPr>
           <a:xfrm>
-            <a:off x="186746" y="15248511"/>
+            <a:off x="186748" y="15248511"/>
             <a:ext cx="7172159" cy="369332"/>
           </a:xfrm>
           <a:prstGeom prst="rect">
@@ -5565,7 +5995,7 @@
         </p:nvGrpSpPr>
         <p:grpSpPr>
           <a:xfrm>
-            <a:off x="359898" y="9814115"/>
+            <a:off x="359900" y="9814117"/>
             <a:ext cx="6848979" cy="3780415"/>
             <a:chOff x="359898" y="8366315"/>
             <a:chExt cx="6848979" cy="3780415"/>
@@ -5640,7 +6070,7 @@
             <p:nvPr/>
           </p:nvPicPr>
           <p:blipFill>
-            <a:blip r:embed="rId4">
+            <a:blip r:embed="rId5">
               <a:extLst>
                 <a:ext uri="{28A0092B-C50C-407E-A947-70E740481C1C}">
                   <a14:useLocalDpi xmlns:a14="http://schemas.microsoft.com/office/drawing/2010/main" val="0"/>
@@ -5676,7 +6106,7 @@
             <p:nvPr/>
           </p:nvPicPr>
           <p:blipFill>
-            <a:blip r:embed="rId5">
+            <a:blip r:embed="rId6">
               <a:extLst>
                 <a:ext uri="{28A0092B-C50C-407E-A947-70E740481C1C}">
                   <a14:useLocalDpi xmlns:a14="http://schemas.microsoft.com/office/drawing/2010/main" val="0"/>
@@ -5804,7 +6234,7 @@
             <p:nvPr/>
           </p:nvPicPr>
           <p:blipFill>
-            <a:blip r:embed="rId6">
+            <a:blip r:embed="rId7">
               <a:extLst>
                 <a:ext uri="{28A0092B-C50C-407E-A947-70E740481C1C}">
                   <a14:useLocalDpi xmlns:a14="http://schemas.microsoft.com/office/drawing/2010/main" val="0"/>
@@ -5840,7 +6270,7 @@
         </p:nvSpPr>
         <p:spPr>
           <a:xfrm>
-            <a:off x="7913422" y="16323499"/>
+            <a:off x="7913424" y="16323501"/>
             <a:ext cx="6848979" cy="3102511"/>
           </a:xfrm>
           <a:prstGeom prst="rect">
@@ -5894,7 +6324,7 @@
         </p:nvSpPr>
         <p:spPr>
           <a:xfrm>
-            <a:off x="256466" y="16319465"/>
+            <a:off x="256468" y="16319465"/>
             <a:ext cx="7116715" cy="3016210"/>
           </a:xfrm>
           <a:prstGeom prst="rect">
@@ -5917,16 +6347,10 @@
             </a:pPr>
             <a:r>
               <a:rPr lang="en-IE" dirty="0">
-                <a:solidFill>
-                  <a:schemeClr val="tx1"/>
-                </a:solidFill>
                 <a:latin typeface="Congenial" panose="02000503040000020004" pitchFamily="2" charset="0"/>
               </a:rPr>
               <a:t>The purpose of the RISC-V learning platform through the remote laboratory is to encourage interaction and exploration of RISC-V ISA on real hardware, rather than simulation</a:t>
             </a:r>
-            <a:endParaRPr lang="en-IE" dirty="0">
-              <a:latin typeface="Congenial" panose="02000503040000020004" pitchFamily="2" charset="0"/>
-            </a:endParaRPr>
           </a:p>
           <a:p>
             <a:pPr marL="285750" indent="-285750" algn="just">
@@ -5938,27 +6362,9 @@
             </a:pPr>
             <a:r>
               <a:rPr lang="en-IE" dirty="0">
-                <a:solidFill>
-                  <a:schemeClr val="tx1"/>
-                </a:solidFill>
                 <a:latin typeface="Congenial" panose="02000503040000020004" pitchFamily="2" charset="0"/>
               </a:rPr>
-              <a:t>The learning platform will consist of two RISC-V cores. One of which the user will program using assembly or C, </a:t>
-            </a:r>
-            <a:r>
-              <a:rPr lang="en-IE" dirty="0">
-                <a:latin typeface="Congenial" panose="02000503040000020004" pitchFamily="2" charset="0"/>
-              </a:rPr>
-              <a:t>T</a:t>
-            </a:r>
-            <a:r>
-              <a:rPr lang="en-IE" dirty="0">
-                <a:solidFill>
-                  <a:schemeClr val="tx1"/>
-                </a:solidFill>
-                <a:latin typeface="Congenial" panose="02000503040000020004" pitchFamily="2" charset="0"/>
-              </a:rPr>
-              <a:t>he other will remain hidden, only visible to the core #1 by I/O ports. Core #2 will imitate a peripheral device.</a:t>
+              <a:t>The learning platform will consist of two RISC-V cores. One of which the user will program using assembly or C, The other will remain hidden, only visible to the core #1 by I/O ports. Core #2 will imitate a peripheral device.</a:t>
             </a:r>
           </a:p>
           <a:p>
@@ -5971,27 +6377,18 @@
             </a:pPr>
             <a:r>
               <a:rPr lang="en-IE" dirty="0">
-                <a:solidFill>
-                  <a:schemeClr val="tx1"/>
-                </a:solidFill>
                 <a:latin typeface="Congenial" panose="02000503040000020004" pitchFamily="2" charset="0"/>
               </a:rPr>
               <a:t>The goal of the user is to interface with the hidden peripheral. The hidden peripheral changes depending on the difficulty level. For example, an interrupt controller or I</a:t>
             </a:r>
             <a:r>
               <a:rPr lang="en-IE" baseline="30000" dirty="0">
-                <a:solidFill>
-                  <a:schemeClr val="tx1"/>
-                </a:solidFill>
                 <a:latin typeface="Congenial" panose="02000503040000020004" pitchFamily="2" charset="0"/>
               </a:rPr>
               <a:t>2</a:t>
             </a:r>
             <a:r>
               <a:rPr lang="en-IE" dirty="0">
-                <a:solidFill>
-                  <a:schemeClr val="tx1"/>
-                </a:solidFill>
                 <a:latin typeface="Congenial" panose="02000503040000020004" pitchFamily="2" charset="0"/>
               </a:rPr>
               <a:t>C device.</a:t>
@@ -6013,7 +6410,7 @@
         </p:nvSpPr>
         <p:spPr>
           <a:xfrm>
-            <a:off x="8029390" y="16452482"/>
+            <a:off x="8029392" y="16452484"/>
             <a:ext cx="1437339" cy="2883193"/>
           </a:xfrm>
           <a:prstGeom prst="roundRect">
@@ -6074,7 +6471,7 @@
           <p:nvPr/>
         </p:nvPicPr>
         <p:blipFill>
-          <a:blip r:embed="rId7">
+          <a:blip r:embed="rId8">
             <a:extLst>
               <a:ext uri="{28A0092B-C50C-407E-A947-70E740481C1C}">
                 <a14:useLocalDpi xmlns:a14="http://schemas.microsoft.com/office/drawing/2010/main" val="0"/>
@@ -6122,7 +6519,7 @@
           <p:nvPr/>
         </p:nvPicPr>
         <p:blipFill>
-          <a:blip r:embed="rId8">
+          <a:blip r:embed="rId9">
             <a:extLst>
               <a:ext uri="{28A0092B-C50C-407E-A947-70E740481C1C}">
                 <a14:useLocalDpi xmlns:a14="http://schemas.microsoft.com/office/drawing/2010/main" val="0"/>
@@ -6135,7 +6532,7 @@
         </p:blipFill>
         <p:spPr>
           <a:xfrm>
-            <a:off x="8374085" y="17806944"/>
+            <a:off x="8374087" y="17806946"/>
             <a:ext cx="747947" cy="866995"/>
           </a:xfrm>
           <a:prstGeom prst="roundRect">
@@ -6165,7 +6562,7 @@
         </p:nvSpPr>
         <p:spPr>
           <a:xfrm>
-            <a:off x="10415029" y="16990539"/>
+            <a:off x="10415031" y="16990539"/>
             <a:ext cx="1775009" cy="1802356"/>
           </a:xfrm>
           <a:prstGeom prst="roundRect">
@@ -6215,13 +6612,13 @@
           <p:nvPr/>
         </p:nvPicPr>
         <p:blipFill rotWithShape="1">
-          <a:blip r:embed="rId9">
+          <a:blip r:embed="rId10">
             <a:extLst>
               <a:ext uri="{28A0092B-C50C-407E-A947-70E740481C1C}">
                 <a14:useLocalDpi xmlns:a14="http://schemas.microsoft.com/office/drawing/2010/main" val="0"/>
               </a:ext>
               <a:ext uri="{96DAC541-7B7A-43D3-8B79-37D633B846F1}">
-                <asvg:svgBlip xmlns:asvg="http://schemas.microsoft.com/office/drawing/2016/SVG/main" r:embed="rId10"/>
+                <asvg:svgBlip xmlns:asvg="http://schemas.microsoft.com/office/drawing/2016/SVG/main" r:embed="rId11"/>
               </a:ext>
             </a:extLst>
           </a:blip>
@@ -6299,7 +6696,7 @@
         </p:nvSpPr>
         <p:spPr>
           <a:xfrm>
-            <a:off x="12888595" y="16979272"/>
+            <a:off x="12888597" y="16979272"/>
             <a:ext cx="1775009" cy="1802356"/>
           </a:xfrm>
           <a:prstGeom prst="roundRect">
@@ -6349,13 +6746,13 @@
           <p:nvPr/>
         </p:nvPicPr>
         <p:blipFill rotWithShape="1">
-          <a:blip r:embed="rId9">
+          <a:blip r:embed="rId10">
             <a:extLst>
               <a:ext uri="{28A0092B-C50C-407E-A947-70E740481C1C}">
                 <a14:useLocalDpi xmlns:a14="http://schemas.microsoft.com/office/drawing/2010/main" val="0"/>
               </a:ext>
               <a:ext uri="{96DAC541-7B7A-43D3-8B79-37D633B846F1}">
-                <asvg:svgBlip xmlns:asvg="http://schemas.microsoft.com/office/drawing/2016/SVG/main" r:embed="rId10"/>
+                <asvg:svgBlip xmlns:asvg="http://schemas.microsoft.com/office/drawing/2016/SVG/main" r:embed="rId11"/>
               </a:ext>
             </a:extLst>
           </a:blip>
@@ -6390,7 +6787,7 @@
         </p:nvCxnSpPr>
         <p:spPr>
           <a:xfrm flipH="1">
-            <a:off x="12190038" y="17880450"/>
+            <a:off x="12190040" y="17880452"/>
             <a:ext cx="698557" cy="11267"/>
           </a:xfrm>
           <a:prstGeom prst="straightConnector1">
@@ -6433,7 +6830,7 @@
         </p:nvSpPr>
         <p:spPr>
           <a:xfrm>
-            <a:off x="9501198" y="16990538"/>
+            <a:off x="9501198" y="16990540"/>
             <a:ext cx="938748" cy="830997"/>
           </a:xfrm>
           <a:prstGeom prst="rect">
@@ -6474,7 +6871,7 @@
         </p:nvSpPr>
         <p:spPr>
           <a:xfrm>
-            <a:off x="10807298" y="18499147"/>
+            <a:off x="10807300" y="18499149"/>
             <a:ext cx="993671" cy="276999"/>
           </a:xfrm>
           <a:prstGeom prst="rect">
@@ -6512,7 +6909,7 @@
         </p:nvSpPr>
         <p:spPr>
           <a:xfrm>
-            <a:off x="13285981" y="18499147"/>
+            <a:off x="13285983" y="18499149"/>
             <a:ext cx="993671" cy="276999"/>
           </a:xfrm>
           <a:prstGeom prst="rect">
@@ -6550,7 +6947,7 @@
         </p:nvSpPr>
         <p:spPr>
           <a:xfrm>
-            <a:off x="12982354" y="18792895"/>
+            <a:off x="12982354" y="18792897"/>
             <a:ext cx="1600924" cy="461665"/>
           </a:xfrm>
           <a:prstGeom prst="rect">
@@ -6591,7 +6988,7 @@
         </p:nvSpPr>
         <p:spPr>
           <a:xfrm>
-            <a:off x="9483549" y="17979435"/>
+            <a:off x="9483549" y="17979437"/>
             <a:ext cx="938748" cy="1015663"/>
           </a:xfrm>
           <a:prstGeom prst="rect">
@@ -6633,7 +7030,7 @@
           <p:nvPr/>
         </p:nvPicPr>
         <p:blipFill>
-          <a:blip r:embed="rId6">
+          <a:blip r:embed="rId7">
             <a:extLst>
               <a:ext uri="{28A0092B-C50C-407E-A947-70E740481C1C}">
                 <a14:useLocalDpi xmlns:a14="http://schemas.microsoft.com/office/drawing/2010/main" val="0"/>
@@ -6646,8 +7043,8 @@
         </p:blipFill>
         <p:spPr>
           <a:xfrm>
-            <a:off x="13275168" y="12194495"/>
-            <a:ext cx="1211080" cy="768251"/>
+            <a:off x="12738874" y="11731982"/>
+            <a:ext cx="1924732" cy="1220958"/>
           </a:xfrm>
           <a:prstGeom prst="rect">
             <a:avLst/>
@@ -6669,7 +7066,7 @@
           <p:nvPr/>
         </p:nvPicPr>
         <p:blipFill>
-          <a:blip r:embed="rId11">
+          <a:blip r:embed="rId12">
             <a:extLst>
               <a:ext uri="{28A0092B-C50C-407E-A947-70E740481C1C}">
                 <a14:useLocalDpi xmlns:a14="http://schemas.microsoft.com/office/drawing/2010/main" val="0"/>
@@ -6682,7 +7079,7 @@
         </p:blipFill>
         <p:spPr>
           <a:xfrm>
-            <a:off x="1662870" y="11922630"/>
+            <a:off x="1662872" y="11922632"/>
             <a:ext cx="4667675" cy="3380911"/>
           </a:xfrm>
           <a:prstGeom prst="rect">
@@ -6705,13 +7102,13 @@
           <p:nvPr/>
         </p:nvPicPr>
         <p:blipFill rotWithShape="1">
-          <a:blip r:embed="rId12"/>
+          <a:blip r:embed="rId13"/>
           <a:srcRect l="22761" t="18473" r="3546" b="26265"/>
           <a:stretch/>
         </p:blipFill>
         <p:spPr>
           <a:xfrm>
-            <a:off x="8641681" y="13014659"/>
+            <a:off x="8466064" y="13014657"/>
             <a:ext cx="5676141" cy="2288882"/>
           </a:xfrm>
           <a:prstGeom prst="rect">
@@ -6733,10 +7130,10 @@
         </p:nvGrpSpPr>
         <p:grpSpPr>
           <a:xfrm>
-            <a:off x="215894" y="2405182"/>
-            <a:ext cx="14718511" cy="2635623"/>
+            <a:off x="242284" y="2405185"/>
+            <a:ext cx="14692121" cy="2635622"/>
             <a:chOff x="215894" y="2405183"/>
-            <a:chExt cx="14732774" cy="2279294"/>
+            <a:chExt cx="14732774" cy="2279293"/>
           </a:xfrm>
         </p:grpSpPr>
         <p:sp>
@@ -6754,11 +7151,29 @@
           <p:spPr>
             <a:xfrm>
               <a:off x="215894" y="2405183"/>
-              <a:ext cx="14732773" cy="461665"/>
+              <a:ext cx="14732773" cy="399249"/>
             </a:xfrm>
             <a:prstGeom prst="rect">
               <a:avLst/>
             </a:prstGeom>
+            <a:gradFill>
+              <a:gsLst>
+                <a:gs pos="0">
+                  <a:srgbClr val="FF9797"/>
+                </a:gs>
+                <a:gs pos="93000">
+                  <a:srgbClr val="FF6161"/>
+                </a:gs>
+                <a:gs pos="100000">
+                  <a:srgbClr val="FF4B4B"/>
+                </a:gs>
+              </a:gsLst>
+            </a:gradFill>
+            <a:ln>
+              <a:solidFill>
+                <a:srgbClr val="FF6161"/>
+              </a:solidFill>
+            </a:ln>
           </p:spPr>
           <p:style>
             <a:lnRef idx="1">
@@ -6804,15 +7219,15 @@
           </p:nvSpPr>
           <p:spPr>
             <a:xfrm>
-              <a:off x="215895" y="2866848"/>
-              <a:ext cx="14732773" cy="1817629"/>
+              <a:off x="215895" y="2812300"/>
+              <a:ext cx="14732773" cy="1872176"/>
             </a:xfrm>
             <a:prstGeom prst="rect">
               <a:avLst/>
             </a:prstGeom>
             <a:ln>
               <a:solidFill>
-                <a:schemeClr val="accent5"/>
+                <a:srgbClr val="FF6161"/>
               </a:solidFill>
             </a:ln>
           </p:spPr>
@@ -6848,6 +7263,1045 @@
       </p:grpSp>
       <p:sp>
         <p:nvSpPr>
+          <p:cNvPr id="10" name="Rectangle 9">
+            <a:extLst>
+              <a:ext uri="{FF2B5EF4-FFF2-40B4-BE49-F238E27FC236}">
+                <a16:creationId xmlns:a16="http://schemas.microsoft.com/office/drawing/2014/main" id="{CB1E51FB-110E-BCD7-4471-1EA5A09F32B6}"/>
+              </a:ext>
+            </a:extLst>
+          </p:cNvPr>
+          <p:cNvSpPr/>
+          <p:nvPr/>
+        </p:nvSpPr>
+        <p:spPr>
+          <a:xfrm>
+            <a:off x="370963" y="3067243"/>
+            <a:ext cx="2470142" cy="458786"/>
+          </a:xfrm>
+          <a:prstGeom prst="rect">
+            <a:avLst/>
+          </a:prstGeom>
+          <a:solidFill>
+            <a:schemeClr val="tx2"/>
+          </a:solidFill>
+          <a:ln>
+            <a:noFill/>
+          </a:ln>
+        </p:spPr>
+        <p:style>
+          <a:lnRef idx="2">
+            <a:schemeClr val="accent1">
+              <a:shade val="15000"/>
+            </a:schemeClr>
+          </a:lnRef>
+          <a:fillRef idx="1">
+            <a:schemeClr val="accent1"/>
+          </a:fillRef>
+          <a:effectRef idx="0">
+            <a:schemeClr val="accent1"/>
+          </a:effectRef>
+          <a:fontRef idx="minor">
+            <a:schemeClr val="lt1"/>
+          </a:fontRef>
+        </p:style>
+        <p:txBody>
+          <a:bodyPr rtlCol="0" anchor="ctr"/>
+          <a:lstStyle/>
+          <a:p>
+            <a:pPr algn="ctr"/>
+            <a:r>
+              <a:rPr lang="en-IE" dirty="0">
+                <a:latin typeface="Congenial Black" panose="02000503040000020004" pitchFamily="2" charset="0"/>
+              </a:rPr>
+              <a:t>Design</a:t>
+            </a:r>
+            <a:r>
+              <a:rPr lang="en-IE" dirty="0">
+                <a:latin typeface="Congenial" panose="02000503040000020004" pitchFamily="2" charset="0"/>
+              </a:rPr>
+              <a:t> </a:t>
+            </a:r>
+            <a:r>
+              <a:rPr lang="en-IE" dirty="0">
+                <a:latin typeface="Congenial Black" panose="02000503040000020004" pitchFamily="2" charset="0"/>
+              </a:rPr>
+              <a:t>Specification</a:t>
+            </a:r>
+          </a:p>
+        </p:txBody>
+      </p:sp>
+      <p:cxnSp>
+        <p:nvCxnSpPr>
+          <p:cNvPr id="101" name="Straight Arrow Connector 100">
+            <a:extLst>
+              <a:ext uri="{FF2B5EF4-FFF2-40B4-BE49-F238E27FC236}">
+                <a16:creationId xmlns:a16="http://schemas.microsoft.com/office/drawing/2014/main" id="{C1B732D6-C6D5-080F-1431-8F6AD2C6E9D2}"/>
+              </a:ext>
+            </a:extLst>
+          </p:cNvPr>
+          <p:cNvCxnSpPr>
+            <a:cxnSpLocks/>
+            <a:endCxn id="91" idx="1"/>
+          </p:cNvCxnSpPr>
+          <p:nvPr/>
+        </p:nvCxnSpPr>
+        <p:spPr>
+          <a:xfrm flipV="1">
+            <a:off x="2795070" y="3985512"/>
+            <a:ext cx="980018" cy="8072"/>
+          </a:xfrm>
+          <a:prstGeom prst="straightConnector1">
+            <a:avLst/>
+          </a:prstGeom>
+          <a:ln w="76200">
+            <a:solidFill>
+              <a:srgbClr val="C00000"/>
+            </a:solidFill>
+            <a:tailEnd type="triangle"/>
+          </a:ln>
+        </p:spPr>
+        <p:style>
+          <a:lnRef idx="2">
+            <a:schemeClr val="accent1"/>
+          </a:lnRef>
+          <a:fillRef idx="0">
+            <a:schemeClr val="accent1"/>
+          </a:fillRef>
+          <a:effectRef idx="1">
+            <a:schemeClr val="accent1"/>
+          </a:effectRef>
+          <a:fontRef idx="minor">
+            <a:schemeClr val="tx1"/>
+          </a:fontRef>
+        </p:style>
+      </p:cxnSp>
+      <p:sp>
+        <p:nvSpPr>
+          <p:cNvPr id="103" name="TextBox 102">
+            <a:extLst>
+              <a:ext uri="{FF2B5EF4-FFF2-40B4-BE49-F238E27FC236}">
+                <a16:creationId xmlns:a16="http://schemas.microsoft.com/office/drawing/2014/main" id="{02C51CFA-A602-5B3A-B0E9-0E537897843E}"/>
+              </a:ext>
+            </a:extLst>
+          </p:cNvPr>
+          <p:cNvSpPr txBox="1"/>
+          <p:nvPr/>
+        </p:nvSpPr>
+        <p:spPr>
+          <a:xfrm>
+            <a:off x="2665326" y="3537408"/>
+            <a:ext cx="1239506" cy="461665"/>
+          </a:xfrm>
+          <a:prstGeom prst="rect">
+            <a:avLst/>
+          </a:prstGeom>
+          <a:noFill/>
+        </p:spPr>
+        <p:txBody>
+          <a:bodyPr wrap="square" rtlCol="0">
+            <a:spAutoFit/>
+          </a:bodyPr>
+          <a:lstStyle/>
+          <a:p>
+            <a:pPr algn="ctr"/>
+            <a:r>
+              <a:rPr lang="en-IE" sz="1200" dirty="0">
+                <a:latin typeface="Congenial" panose="02000503040000020004" pitchFamily="2" charset="0"/>
+              </a:rPr>
+              <a:t>User enters details</a:t>
+            </a:r>
+          </a:p>
+        </p:txBody>
+      </p:sp>
+      <p:cxnSp>
+        <p:nvCxnSpPr>
+          <p:cNvPr id="107" name="Straight Arrow Connector 106">
+            <a:extLst>
+              <a:ext uri="{FF2B5EF4-FFF2-40B4-BE49-F238E27FC236}">
+                <a16:creationId xmlns:a16="http://schemas.microsoft.com/office/drawing/2014/main" id="{A3E194C2-CB5D-B9B2-4038-4DABA263BF56}"/>
+              </a:ext>
+            </a:extLst>
+          </p:cNvPr>
+          <p:cNvCxnSpPr>
+            <a:cxnSpLocks/>
+          </p:cNvCxnSpPr>
+          <p:nvPr/>
+        </p:nvCxnSpPr>
+        <p:spPr>
+          <a:xfrm>
+            <a:off x="4926806" y="4018201"/>
+            <a:ext cx="1644863" cy="0"/>
+          </a:xfrm>
+          <a:prstGeom prst="straightConnector1">
+            <a:avLst/>
+          </a:prstGeom>
+          <a:ln w="76200">
+            <a:solidFill>
+              <a:srgbClr val="C00000"/>
+            </a:solidFill>
+            <a:tailEnd type="triangle"/>
+          </a:ln>
+        </p:spPr>
+        <p:style>
+          <a:lnRef idx="2">
+            <a:schemeClr val="accent1"/>
+          </a:lnRef>
+          <a:fillRef idx="0">
+            <a:schemeClr val="accent1"/>
+          </a:fillRef>
+          <a:effectRef idx="1">
+            <a:schemeClr val="accent1"/>
+          </a:effectRef>
+          <a:fontRef idx="minor">
+            <a:schemeClr val="tx1"/>
+          </a:fontRef>
+        </p:style>
+      </p:cxnSp>
+      <p:sp>
+        <p:nvSpPr>
+          <p:cNvPr id="109" name="Rectangle: Rounded Corners 108">
+            <a:extLst>
+              <a:ext uri="{FF2B5EF4-FFF2-40B4-BE49-F238E27FC236}">
+                <a16:creationId xmlns:a16="http://schemas.microsoft.com/office/drawing/2014/main" id="{27ABF979-9A48-E5E7-6B50-89E5C47276EA}"/>
+              </a:ext>
+            </a:extLst>
+          </p:cNvPr>
+          <p:cNvSpPr/>
+          <p:nvPr/>
+        </p:nvSpPr>
+        <p:spPr>
+          <a:xfrm>
+            <a:off x="6542088" y="3058353"/>
+            <a:ext cx="1928790" cy="1858736"/>
+          </a:xfrm>
+          <a:prstGeom prst="roundRect">
+            <a:avLst/>
+          </a:prstGeom>
+          <a:solidFill>
+            <a:schemeClr val="accent5">
+              <a:lumMod val="75000"/>
+            </a:schemeClr>
+          </a:solidFill>
+        </p:spPr>
+        <p:style>
+          <a:lnRef idx="2">
+            <a:schemeClr val="accent5">
+              <a:shade val="15000"/>
+            </a:schemeClr>
+          </a:lnRef>
+          <a:fillRef idx="1">
+            <a:schemeClr val="accent5"/>
+          </a:fillRef>
+          <a:effectRef idx="0">
+            <a:schemeClr val="accent5"/>
+          </a:effectRef>
+          <a:fontRef idx="minor">
+            <a:schemeClr val="lt1"/>
+          </a:fontRef>
+        </p:style>
+        <p:txBody>
+          <a:bodyPr rtlCol="0" anchor="t"/>
+          <a:lstStyle/>
+          <a:p>
+            <a:pPr algn="ctr"/>
+            <a:r>
+              <a:rPr lang="en-IE" dirty="0">
+                <a:solidFill>
+                  <a:schemeClr val="bg1"/>
+                </a:solidFill>
+                <a:latin typeface="Congenial Black" panose="02000503040000020004" pitchFamily="2" charset="0"/>
+              </a:rPr>
+              <a:t>PYNQ SoC</a:t>
+            </a:r>
+          </a:p>
+          <a:p>
+            <a:pPr algn="ctr"/>
+            <a:r>
+              <a:rPr lang="en-IE" dirty="0">
+                <a:solidFill>
+                  <a:schemeClr val="bg1"/>
+                </a:solidFill>
+                <a:latin typeface="Congenial Black" panose="02000503040000020004" pitchFamily="2" charset="0"/>
+              </a:rPr>
+              <a:t>Builder</a:t>
+            </a:r>
+          </a:p>
+          <a:p>
+            <a:pPr algn="ctr"/>
+            <a:endParaRPr lang="en-IE" sz="600" dirty="0">
+              <a:solidFill>
+                <a:schemeClr val="bg1"/>
+              </a:solidFill>
+              <a:latin typeface="Congenial Black" panose="02000503040000020004" pitchFamily="2" charset="0"/>
+            </a:endParaRPr>
+          </a:p>
+          <a:p>
+            <a:pPr algn="ctr"/>
+            <a:endParaRPr lang="en-IE" sz="100" dirty="0">
+              <a:solidFill>
+                <a:schemeClr val="bg1"/>
+              </a:solidFill>
+              <a:latin typeface="Congenial Black" panose="02000503040000020004" pitchFamily="2" charset="0"/>
+            </a:endParaRPr>
+          </a:p>
+          <a:p>
+            <a:pPr algn="ctr"/>
+            <a:r>
+              <a:rPr lang="en-IE" sz="1200" dirty="0">
+                <a:solidFill>
+                  <a:schemeClr val="bg1"/>
+                </a:solidFill>
+                <a:latin typeface="Congenial" panose="02000503040000020004" pitchFamily="2" charset="0"/>
+              </a:rPr>
+              <a:t>Creates Vivado Tcl script with build steps, generates JNB file from HDLGen XML</a:t>
+            </a:r>
+          </a:p>
+        </p:txBody>
+      </p:sp>
+      <p:sp>
+        <p:nvSpPr>
+          <p:cNvPr id="120" name="TextBox 119">
+            <a:extLst>
+              <a:ext uri="{FF2B5EF4-FFF2-40B4-BE49-F238E27FC236}">
+                <a16:creationId xmlns:a16="http://schemas.microsoft.com/office/drawing/2014/main" id="{7EC8D6A3-95B6-4523-FE68-71E23701E2AF}"/>
+              </a:ext>
+            </a:extLst>
+          </p:cNvPr>
+          <p:cNvSpPr txBox="1"/>
+          <p:nvPr/>
+        </p:nvSpPr>
+        <p:spPr>
+          <a:xfrm>
+            <a:off x="5195727" y="3621960"/>
+            <a:ext cx="1424604" cy="276999"/>
+          </a:xfrm>
+          <a:prstGeom prst="rect">
+            <a:avLst/>
+          </a:prstGeom>
+          <a:noFill/>
+        </p:spPr>
+        <p:txBody>
+          <a:bodyPr wrap="square" rtlCol="0">
+            <a:spAutoFit/>
+          </a:bodyPr>
+          <a:lstStyle/>
+          <a:p>
+            <a:pPr algn="ctr"/>
+            <a:r>
+              <a:rPr lang="en-IE" sz="1200" dirty="0">
+                <a:latin typeface="Congenial" panose="02000503040000020004" pitchFamily="2" charset="0"/>
+              </a:rPr>
+              <a:t>HDLGen XML</a:t>
+            </a:r>
+          </a:p>
+        </p:txBody>
+      </p:sp>
+      <p:sp>
+        <p:nvSpPr>
+          <p:cNvPr id="122" name="Rectangle: Rounded Corners 121">
+            <a:extLst>
+              <a:ext uri="{FF2B5EF4-FFF2-40B4-BE49-F238E27FC236}">
+                <a16:creationId xmlns:a16="http://schemas.microsoft.com/office/drawing/2014/main" id="{B5896185-A633-CB81-CE12-096C41FBB74B}"/>
+              </a:ext>
+            </a:extLst>
+          </p:cNvPr>
+          <p:cNvSpPr/>
+          <p:nvPr/>
+        </p:nvSpPr>
+        <p:spPr>
+          <a:xfrm>
+            <a:off x="13233337" y="3055969"/>
+            <a:ext cx="1582928" cy="1859297"/>
+          </a:xfrm>
+          <a:prstGeom prst="roundRect">
+            <a:avLst/>
+          </a:prstGeom>
+          <a:solidFill>
+            <a:schemeClr val="accent5">
+              <a:lumMod val="40000"/>
+              <a:lumOff val="60000"/>
+            </a:schemeClr>
+          </a:solidFill>
+        </p:spPr>
+        <p:style>
+          <a:lnRef idx="2">
+            <a:schemeClr val="accent5">
+              <a:shade val="15000"/>
+            </a:schemeClr>
+          </a:lnRef>
+          <a:fillRef idx="1">
+            <a:schemeClr val="accent5"/>
+          </a:fillRef>
+          <a:effectRef idx="0">
+            <a:schemeClr val="accent5"/>
+          </a:effectRef>
+          <a:fontRef idx="minor">
+            <a:schemeClr val="lt1"/>
+          </a:fontRef>
+        </p:style>
+        <p:txBody>
+          <a:bodyPr rtlCol="0" anchor="t"/>
+          <a:lstStyle/>
+          <a:p>
+            <a:pPr algn="ctr"/>
+            <a:endParaRPr lang="en-IE" sz="1200" dirty="0">
+              <a:solidFill>
+                <a:sysClr val="windowText" lastClr="000000"/>
+              </a:solidFill>
+              <a:latin typeface="Congenial" panose="02000503040000020004" pitchFamily="2" charset="0"/>
+            </a:endParaRPr>
+          </a:p>
+        </p:txBody>
+      </p:sp>
+      <p:pic>
+        <p:nvPicPr>
+          <p:cNvPr id="123" name="Picture 122" descr="A close-up of a red circuit board&#10;&#10;Description automatically generated">
+            <a:extLst>
+              <a:ext uri="{FF2B5EF4-FFF2-40B4-BE49-F238E27FC236}">
+                <a16:creationId xmlns:a16="http://schemas.microsoft.com/office/drawing/2014/main" id="{615455FB-8A62-8AD6-D709-9280DD3F619D}"/>
+              </a:ext>
+            </a:extLst>
+          </p:cNvPr>
+          <p:cNvPicPr>
+            <a:picLocks noChangeAspect="1"/>
+          </p:cNvPicPr>
+          <p:nvPr/>
+        </p:nvPicPr>
+        <p:blipFill rotWithShape="1">
+          <a:blip r:embed="rId7">
+            <a:extLst>
+              <a:ext uri="{28A0092B-C50C-407E-A947-70E740481C1C}">
+                <a14:useLocalDpi xmlns:a14="http://schemas.microsoft.com/office/drawing/2010/main" val="0"/>
+              </a:ext>
+            </a:extLst>
+          </a:blip>
+          <a:srcRect l="1133" r="-1"/>
+          <a:stretch/>
+        </p:blipFill>
+        <p:spPr>
+          <a:xfrm>
+            <a:off x="13328076" y="3933066"/>
+            <a:ext cx="1413972" cy="907322"/>
+          </a:xfrm>
+          <a:prstGeom prst="rect">
+            <a:avLst/>
+          </a:prstGeom>
+        </p:spPr>
+      </p:pic>
+      <p:cxnSp>
+        <p:nvCxnSpPr>
+          <p:cNvPr id="125" name="Straight Arrow Connector 124">
+            <a:extLst>
+              <a:ext uri="{FF2B5EF4-FFF2-40B4-BE49-F238E27FC236}">
+                <a16:creationId xmlns:a16="http://schemas.microsoft.com/office/drawing/2014/main" id="{A4F43A03-5674-60F0-6742-95FDA2613386}"/>
+              </a:ext>
+            </a:extLst>
+          </p:cNvPr>
+          <p:cNvCxnSpPr>
+            <a:cxnSpLocks/>
+          </p:cNvCxnSpPr>
+          <p:nvPr/>
+        </p:nvCxnSpPr>
+        <p:spPr>
+          <a:xfrm flipV="1">
+            <a:off x="10422297" y="4052186"/>
+            <a:ext cx="2793312" cy="4778"/>
+          </a:xfrm>
+          <a:prstGeom prst="straightConnector1">
+            <a:avLst/>
+          </a:prstGeom>
+          <a:ln w="76200">
+            <a:solidFill>
+              <a:srgbClr val="C00000"/>
+            </a:solidFill>
+            <a:tailEnd type="triangle"/>
+          </a:ln>
+        </p:spPr>
+        <p:style>
+          <a:lnRef idx="2">
+            <a:schemeClr val="accent1"/>
+          </a:lnRef>
+          <a:fillRef idx="0">
+            <a:schemeClr val="accent1"/>
+          </a:fillRef>
+          <a:effectRef idx="1">
+            <a:schemeClr val="accent1"/>
+          </a:effectRef>
+          <a:fontRef idx="minor">
+            <a:schemeClr val="tx1"/>
+          </a:fontRef>
+        </p:style>
+      </p:cxnSp>
+      <p:sp>
+        <p:nvSpPr>
+          <p:cNvPr id="126" name="TextBox 125">
+            <a:extLst>
+              <a:ext uri="{FF2B5EF4-FFF2-40B4-BE49-F238E27FC236}">
+                <a16:creationId xmlns:a16="http://schemas.microsoft.com/office/drawing/2014/main" id="{E4AF9C00-89B2-DF1F-B854-F2B290DB934E}"/>
+              </a:ext>
+            </a:extLst>
+          </p:cNvPr>
+          <p:cNvSpPr txBox="1"/>
+          <p:nvPr/>
+        </p:nvSpPr>
+        <p:spPr>
+          <a:xfrm>
+            <a:off x="11469915" y="3559991"/>
+            <a:ext cx="1735857" cy="1200329"/>
+          </a:xfrm>
+          <a:prstGeom prst="rect">
+            <a:avLst/>
+          </a:prstGeom>
+          <a:noFill/>
+        </p:spPr>
+        <p:txBody>
+          <a:bodyPr wrap="square" rtlCol="0">
+            <a:spAutoFit/>
+          </a:bodyPr>
+          <a:lstStyle/>
+          <a:p>
+            <a:pPr algn="ctr"/>
+            <a:r>
+              <a:rPr lang="en-IE" sz="1200" dirty="0">
+                <a:latin typeface="Congenial" panose="02000503040000020004" pitchFamily="2" charset="0"/>
+              </a:rPr>
+              <a:t>Upload Binaries to remote/local FPGA</a:t>
+            </a:r>
+          </a:p>
+          <a:p>
+            <a:pPr algn="ctr"/>
+            <a:endParaRPr lang="en-IE" sz="1200" dirty="0">
+              <a:latin typeface="Congenial" panose="02000503040000020004" pitchFamily="2" charset="0"/>
+            </a:endParaRPr>
+          </a:p>
+          <a:p>
+            <a:pPr algn="ctr"/>
+            <a:r>
+              <a:rPr lang="en-IE" sz="1200" dirty="0">
+                <a:latin typeface="Congenial" panose="02000503040000020004" pitchFamily="2" charset="0"/>
+              </a:rPr>
+              <a:t>Run Overlay using Python in Jupyter Web Interface</a:t>
+            </a:r>
+          </a:p>
+        </p:txBody>
+      </p:sp>
+      <p:cxnSp>
+        <p:nvCxnSpPr>
+          <p:cNvPr id="127" name="Straight Arrow Connector 126">
+            <a:extLst>
+              <a:ext uri="{FF2B5EF4-FFF2-40B4-BE49-F238E27FC236}">
+                <a16:creationId xmlns:a16="http://schemas.microsoft.com/office/drawing/2014/main" id="{09B79392-4918-4CBA-5E0E-51757077B225}"/>
+              </a:ext>
+            </a:extLst>
+          </p:cNvPr>
+          <p:cNvCxnSpPr>
+            <a:cxnSpLocks/>
+          </p:cNvCxnSpPr>
+          <p:nvPr/>
+        </p:nvCxnSpPr>
+        <p:spPr>
+          <a:xfrm>
+            <a:off x="8479090" y="4056964"/>
+            <a:ext cx="1366296" cy="0"/>
+          </a:xfrm>
+          <a:prstGeom prst="straightConnector1">
+            <a:avLst/>
+          </a:prstGeom>
+          <a:ln w="76200">
+            <a:solidFill>
+              <a:srgbClr val="C00000"/>
+            </a:solidFill>
+            <a:tailEnd type="triangle"/>
+          </a:ln>
+        </p:spPr>
+        <p:style>
+          <a:lnRef idx="2">
+            <a:schemeClr val="accent1"/>
+          </a:lnRef>
+          <a:fillRef idx="0">
+            <a:schemeClr val="accent1"/>
+          </a:fillRef>
+          <a:effectRef idx="1">
+            <a:schemeClr val="accent1"/>
+          </a:effectRef>
+          <a:fontRef idx="minor">
+            <a:schemeClr val="tx1"/>
+          </a:fontRef>
+        </p:style>
+      </p:cxnSp>
+      <p:sp>
+        <p:nvSpPr>
+          <p:cNvPr id="128" name="TextBox 127">
+            <a:extLst>
+              <a:ext uri="{FF2B5EF4-FFF2-40B4-BE49-F238E27FC236}">
+                <a16:creationId xmlns:a16="http://schemas.microsoft.com/office/drawing/2014/main" id="{AD9F85D9-5794-A03F-A37C-2EB4A6DE2FDA}"/>
+              </a:ext>
+            </a:extLst>
+          </p:cNvPr>
+          <p:cNvSpPr txBox="1"/>
+          <p:nvPr/>
+        </p:nvSpPr>
+        <p:spPr>
+          <a:xfrm>
+            <a:off x="8370774" y="3630934"/>
+            <a:ext cx="1582928" cy="276999"/>
+          </a:xfrm>
+          <a:prstGeom prst="rect">
+            <a:avLst/>
+          </a:prstGeom>
+          <a:noFill/>
+        </p:spPr>
+        <p:txBody>
+          <a:bodyPr wrap="square" rtlCol="0">
+            <a:spAutoFit/>
+          </a:bodyPr>
+          <a:lstStyle/>
+          <a:p>
+            <a:pPr algn="ctr"/>
+            <a:r>
+              <a:rPr lang="en-IE" sz="1200" dirty="0">
+                <a:latin typeface="Congenial" panose="02000503040000020004" pitchFamily="2" charset="0"/>
+              </a:rPr>
+              <a:t>Export Tcl and JNB</a:t>
+            </a:r>
+          </a:p>
+        </p:txBody>
+      </p:sp>
+      <p:sp>
+        <p:nvSpPr>
+          <p:cNvPr id="121" name="Rectangle: Rounded Corners 120">
+            <a:extLst>
+              <a:ext uri="{FF2B5EF4-FFF2-40B4-BE49-F238E27FC236}">
+                <a16:creationId xmlns:a16="http://schemas.microsoft.com/office/drawing/2014/main" id="{F971B9AC-1B8E-F64B-0EF0-BBBA963C7A9A}"/>
+              </a:ext>
+            </a:extLst>
+          </p:cNvPr>
+          <p:cNvSpPr/>
+          <p:nvPr/>
+        </p:nvSpPr>
+        <p:spPr>
+          <a:xfrm>
+            <a:off x="9869154" y="3063936"/>
+            <a:ext cx="1582928" cy="1859297"/>
+          </a:xfrm>
+          <a:prstGeom prst="roundRect">
+            <a:avLst/>
+          </a:prstGeom>
+          <a:solidFill>
+            <a:schemeClr val="accent3">
+              <a:lumMod val="60000"/>
+              <a:lumOff val="40000"/>
+            </a:schemeClr>
+          </a:solidFill>
+        </p:spPr>
+        <p:style>
+          <a:lnRef idx="2">
+            <a:schemeClr val="accent5">
+              <a:shade val="15000"/>
+            </a:schemeClr>
+          </a:lnRef>
+          <a:fillRef idx="1">
+            <a:schemeClr val="accent5"/>
+          </a:fillRef>
+          <a:effectRef idx="0">
+            <a:schemeClr val="accent5"/>
+          </a:effectRef>
+          <a:fontRef idx="minor">
+            <a:schemeClr val="lt1"/>
+          </a:fontRef>
+        </p:style>
+        <p:txBody>
+          <a:bodyPr rtlCol="0" anchor="t"/>
+          <a:lstStyle/>
+          <a:p>
+            <a:pPr algn="ctr"/>
+            <a:endParaRPr lang="en-IE" sz="1200" dirty="0">
+              <a:solidFill>
+                <a:sysClr val="windowText" lastClr="000000"/>
+              </a:solidFill>
+              <a:latin typeface="Congenial" panose="02000503040000020004" pitchFamily="2" charset="0"/>
+            </a:endParaRPr>
+          </a:p>
+          <a:p>
+            <a:pPr algn="ctr"/>
+            <a:endParaRPr lang="en-IE" sz="1200" dirty="0">
+              <a:solidFill>
+                <a:sysClr val="windowText" lastClr="000000"/>
+              </a:solidFill>
+              <a:latin typeface="Congenial" panose="02000503040000020004" pitchFamily="2" charset="0"/>
+            </a:endParaRPr>
+          </a:p>
+          <a:p>
+            <a:pPr algn="ctr"/>
+            <a:endParaRPr lang="en-IE" sz="1200" dirty="0">
+              <a:solidFill>
+                <a:sysClr val="windowText" lastClr="000000"/>
+              </a:solidFill>
+              <a:latin typeface="Congenial" panose="02000503040000020004" pitchFamily="2" charset="0"/>
+            </a:endParaRPr>
+          </a:p>
+          <a:p>
+            <a:pPr algn="ctr"/>
+            <a:endParaRPr lang="en-IE" sz="1200" dirty="0">
+              <a:solidFill>
+                <a:sysClr val="windowText" lastClr="000000"/>
+              </a:solidFill>
+              <a:latin typeface="Congenial" panose="02000503040000020004" pitchFamily="2" charset="0"/>
+            </a:endParaRPr>
+          </a:p>
+          <a:p>
+            <a:pPr algn="ctr"/>
+            <a:r>
+              <a:rPr lang="en-IE" sz="1200" dirty="0">
+                <a:solidFill>
+                  <a:sysClr val="windowText" lastClr="000000"/>
+                </a:solidFill>
+                <a:latin typeface="Congenial" panose="02000503040000020004" pitchFamily="2" charset="0"/>
+              </a:rPr>
+              <a:t>Generates FPGA Overlay from Tcl Build Steps</a:t>
+            </a:r>
+          </a:p>
+        </p:txBody>
+      </p:sp>
+      <p:pic>
+        <p:nvPicPr>
+          <p:cNvPr id="114" name="Picture 113" descr="A close-up of a logo&#10;&#10;Description automatically generated">
+            <a:extLst>
+              <a:ext uri="{FF2B5EF4-FFF2-40B4-BE49-F238E27FC236}">
+                <a16:creationId xmlns:a16="http://schemas.microsoft.com/office/drawing/2014/main" id="{5108D6F2-72BF-1243-DF63-586B65D17E23}"/>
+              </a:ext>
+            </a:extLst>
+          </p:cNvPr>
+          <p:cNvPicPr>
+            <a:picLocks noChangeAspect="1"/>
+          </p:cNvPicPr>
+          <p:nvPr/>
+        </p:nvPicPr>
+        <p:blipFill>
+          <a:blip r:embed="rId4">
+            <a:extLst>
+              <a:ext uri="{28A0092B-C50C-407E-A947-70E740481C1C}">
+                <a14:useLocalDpi xmlns:a14="http://schemas.microsoft.com/office/drawing/2010/main" val="0"/>
+              </a:ext>
+            </a:extLst>
+          </a:blip>
+          <a:stretch>
+            <a:fillRect/>
+          </a:stretch>
+        </p:blipFill>
+        <p:spPr>
+          <a:xfrm>
+            <a:off x="9930428" y="3133998"/>
+            <a:ext cx="1460379" cy="473573"/>
+          </a:xfrm>
+          <a:prstGeom prst="roundRect">
+            <a:avLst>
+              <a:gd name="adj" fmla="val 33297"/>
+            </a:avLst>
+          </a:prstGeom>
+          <a:ln w="19050">
+            <a:solidFill>
+              <a:schemeClr val="tx1"/>
+            </a:solidFill>
+          </a:ln>
+        </p:spPr>
+      </p:pic>
+      <p:pic>
+        <p:nvPicPr>
+          <p:cNvPr id="137" name="Picture 136" descr="A logo with a yellow and blue square&#10;&#10;Description automatically generated">
+            <a:extLst>
+              <a:ext uri="{FF2B5EF4-FFF2-40B4-BE49-F238E27FC236}">
+                <a16:creationId xmlns:a16="http://schemas.microsoft.com/office/drawing/2014/main" id="{F9589628-A5B0-3C4A-177E-7E3FB4A1A623}"/>
+              </a:ext>
+            </a:extLst>
+          </p:cNvPr>
+          <p:cNvPicPr>
+            <a:picLocks noChangeAspect="1"/>
+          </p:cNvPicPr>
+          <p:nvPr/>
+        </p:nvPicPr>
+        <p:blipFill>
+          <a:blip r:embed="rId14">
+            <a:extLst>
+              <a:ext uri="{28A0092B-C50C-407E-A947-70E740481C1C}">
+                <a14:useLocalDpi xmlns:a14="http://schemas.microsoft.com/office/drawing/2010/main" val="0"/>
+              </a:ext>
+            </a:extLst>
+          </a:blip>
+          <a:stretch>
+            <a:fillRect/>
+          </a:stretch>
+        </p:blipFill>
+        <p:spPr>
+          <a:xfrm>
+            <a:off x="13326300" y="3127608"/>
+            <a:ext cx="979443" cy="765189"/>
+          </a:xfrm>
+          <a:prstGeom prst="rect">
+            <a:avLst/>
+          </a:prstGeom>
+        </p:spPr>
+      </p:pic>
+      <p:pic>
+        <p:nvPicPr>
+          <p:cNvPr id="140" name="Picture 139" descr="A white paper with orange text and a black background&#10;&#10;Description automatically generated">
+            <a:extLst>
+              <a:ext uri="{FF2B5EF4-FFF2-40B4-BE49-F238E27FC236}">
+                <a16:creationId xmlns:a16="http://schemas.microsoft.com/office/drawing/2014/main" id="{D817412D-2784-AC20-E9E0-FAA31F01F095}"/>
+              </a:ext>
+            </a:extLst>
+          </p:cNvPr>
+          <p:cNvPicPr>
+            <a:picLocks noChangeAspect="1"/>
+          </p:cNvPicPr>
+          <p:nvPr/>
+        </p:nvPicPr>
+        <p:blipFill>
+          <a:blip r:embed="rId15">
+            <a:extLst>
+              <a:ext uri="{28A0092B-C50C-407E-A947-70E740481C1C}">
+                <a14:useLocalDpi xmlns:a14="http://schemas.microsoft.com/office/drawing/2010/main" val="0"/>
+              </a:ext>
+            </a:extLst>
+          </a:blip>
+          <a:stretch>
+            <a:fillRect/>
+          </a:stretch>
+        </p:blipFill>
+        <p:spPr>
+          <a:xfrm>
+            <a:off x="5588000" y="4056964"/>
+            <a:ext cx="660643" cy="660643"/>
+          </a:xfrm>
+          <a:prstGeom prst="rect">
+            <a:avLst/>
+          </a:prstGeom>
+        </p:spPr>
+      </p:pic>
+      <p:pic>
+        <p:nvPicPr>
+          <p:cNvPr id="142" name="Picture 141" descr="A blue and orange feather with white text&#10;&#10;Description automatically generated">
+            <a:extLst>
+              <a:ext uri="{FF2B5EF4-FFF2-40B4-BE49-F238E27FC236}">
+                <a16:creationId xmlns:a16="http://schemas.microsoft.com/office/drawing/2014/main" id="{AA401E7B-0695-892D-1518-CF695A4F8832}"/>
+              </a:ext>
+            </a:extLst>
+          </p:cNvPr>
+          <p:cNvPicPr>
+            <a:picLocks noChangeAspect="1"/>
+          </p:cNvPicPr>
+          <p:nvPr/>
+        </p:nvPicPr>
+        <p:blipFill>
+          <a:blip r:embed="rId16">
+            <a:extLst>
+              <a:ext uri="{28A0092B-C50C-407E-A947-70E740481C1C}">
+                <a14:useLocalDpi xmlns:a14="http://schemas.microsoft.com/office/drawing/2010/main" val="0"/>
+              </a:ext>
+            </a:extLst>
+          </a:blip>
+          <a:stretch>
+            <a:fillRect/>
+          </a:stretch>
+        </p:blipFill>
+        <p:spPr>
+          <a:xfrm>
+            <a:off x="8625976" y="4175264"/>
+            <a:ext cx="417168" cy="652520"/>
+          </a:xfrm>
+          <a:prstGeom prst="rect">
+            <a:avLst/>
+          </a:prstGeom>
+        </p:spPr>
+      </p:pic>
+      <p:pic>
+        <p:nvPicPr>
+          <p:cNvPr id="146" name="Picture 145" descr="A logo with orange and grey circles&#10;&#10;Description automatically generated">
+            <a:extLst>
+              <a:ext uri="{FF2B5EF4-FFF2-40B4-BE49-F238E27FC236}">
+                <a16:creationId xmlns:a16="http://schemas.microsoft.com/office/drawing/2014/main" id="{8A905353-B0BB-BBAA-8819-044B93251035}"/>
+              </a:ext>
+            </a:extLst>
+          </p:cNvPr>
+          <p:cNvPicPr>
+            <a:picLocks noChangeAspect="1"/>
+          </p:cNvPicPr>
+          <p:nvPr/>
+        </p:nvPicPr>
+        <p:blipFill>
+          <a:blip r:embed="rId17">
+            <a:extLst>
+              <a:ext uri="{28A0092B-C50C-407E-A947-70E740481C1C}">
+                <a14:useLocalDpi xmlns:a14="http://schemas.microsoft.com/office/drawing/2010/main" val="0"/>
+              </a:ext>
+            </a:extLst>
+          </a:blip>
+          <a:stretch>
+            <a:fillRect/>
+          </a:stretch>
+        </p:blipFill>
+        <p:spPr>
+          <a:xfrm>
+            <a:off x="9135455" y="4171019"/>
+            <a:ext cx="621603" cy="720454"/>
+          </a:xfrm>
+          <a:prstGeom prst="rect">
+            <a:avLst/>
+          </a:prstGeom>
+        </p:spPr>
+      </p:pic>
+      <p:pic>
+        <p:nvPicPr>
+          <p:cNvPr id="147" name="Picture 146" descr="A logo with orange and grey circles&#10;&#10;Description automatically generated">
+            <a:extLst>
+              <a:ext uri="{FF2B5EF4-FFF2-40B4-BE49-F238E27FC236}">
+                <a16:creationId xmlns:a16="http://schemas.microsoft.com/office/drawing/2014/main" id="{8D79F6A0-8384-4599-1189-499F52EB59F3}"/>
+              </a:ext>
+            </a:extLst>
+          </p:cNvPr>
+          <p:cNvPicPr>
+            <a:picLocks noChangeAspect="1"/>
+          </p:cNvPicPr>
+          <p:nvPr/>
+        </p:nvPicPr>
+        <p:blipFill>
+          <a:blip r:embed="rId17">
+            <a:extLst>
+              <a:ext uri="{28A0092B-C50C-407E-A947-70E740481C1C}">
+                <a14:useLocalDpi xmlns:a14="http://schemas.microsoft.com/office/drawing/2010/main" val="0"/>
+              </a:ext>
+            </a:extLst>
+          </a:blip>
+          <a:stretch>
+            <a:fillRect/>
+          </a:stretch>
+        </p:blipFill>
+        <p:spPr>
+          <a:xfrm>
+            <a:off x="14311404" y="3115002"/>
+            <a:ext cx="390723" cy="452858"/>
+          </a:xfrm>
+          <a:prstGeom prst="rect">
+            <a:avLst/>
+          </a:prstGeom>
+        </p:spPr>
+      </p:pic>
+      <p:pic>
+        <p:nvPicPr>
+          <p:cNvPr id="149" name="Picture 148" descr="A blue and yellow snake logo&#10;&#10;Description automatically generated">
+            <a:extLst>
+              <a:ext uri="{FF2B5EF4-FFF2-40B4-BE49-F238E27FC236}">
+                <a16:creationId xmlns:a16="http://schemas.microsoft.com/office/drawing/2014/main" id="{B093B0AC-13A2-435D-14A5-A2EB2AA6B64C}"/>
+              </a:ext>
+            </a:extLst>
+          </p:cNvPr>
+          <p:cNvPicPr>
+            <a:picLocks noChangeAspect="1"/>
+          </p:cNvPicPr>
+          <p:nvPr/>
+        </p:nvPicPr>
+        <p:blipFill>
+          <a:blip r:embed="rId18">
+            <a:extLst>
+              <a:ext uri="{28A0092B-C50C-407E-A947-70E740481C1C}">
+                <a14:useLocalDpi xmlns:a14="http://schemas.microsoft.com/office/drawing/2010/main" val="0"/>
+              </a:ext>
+            </a:extLst>
+          </a:blip>
+          <a:stretch>
+            <a:fillRect/>
+          </a:stretch>
+        </p:blipFill>
+        <p:spPr>
+          <a:xfrm>
+            <a:off x="14319577" y="3561659"/>
+            <a:ext cx="376889" cy="413165"/>
+          </a:xfrm>
+          <a:prstGeom prst="rect">
+            <a:avLst/>
+          </a:prstGeom>
+        </p:spPr>
+      </p:pic>
+      <p:sp>
+        <p:nvSpPr>
+          <p:cNvPr id="91" name="Rectangle: Rounded Corners 90">
+            <a:extLst>
+              <a:ext uri="{FF2B5EF4-FFF2-40B4-BE49-F238E27FC236}">
+                <a16:creationId xmlns:a16="http://schemas.microsoft.com/office/drawing/2014/main" id="{46F319DE-42DB-90A4-2FFF-F197FDAFDF1E}"/>
+              </a:ext>
+            </a:extLst>
+          </p:cNvPr>
+          <p:cNvSpPr/>
+          <p:nvPr/>
+        </p:nvSpPr>
+        <p:spPr>
+          <a:xfrm>
+            <a:off x="3775088" y="3055863"/>
+            <a:ext cx="1582928" cy="1859297"/>
+          </a:xfrm>
+          <a:prstGeom prst="roundRect">
+            <a:avLst/>
+          </a:prstGeom>
+          <a:solidFill>
+            <a:srgbClr val="00B0F0"/>
+          </a:solidFill>
+        </p:spPr>
+        <p:style>
+          <a:lnRef idx="2">
+            <a:schemeClr val="accent5">
+              <a:shade val="15000"/>
+            </a:schemeClr>
+          </a:lnRef>
+          <a:fillRef idx="1">
+            <a:schemeClr val="accent5"/>
+          </a:fillRef>
+          <a:effectRef idx="0">
+            <a:schemeClr val="accent5"/>
+          </a:effectRef>
+          <a:fontRef idx="minor">
+            <a:schemeClr val="lt1"/>
+          </a:fontRef>
+        </p:style>
+        <p:txBody>
+          <a:bodyPr rtlCol="0" anchor="t"/>
+          <a:lstStyle/>
+          <a:p>
+            <a:pPr algn="ctr"/>
+            <a:r>
+              <a:rPr lang="en-IE" dirty="0">
+                <a:solidFill>
+                  <a:sysClr val="windowText" lastClr="000000"/>
+                </a:solidFill>
+                <a:latin typeface="Congenial Black" panose="02000503040000020004" pitchFamily="2" charset="0"/>
+              </a:rPr>
+              <a:t>HDLGen-ChatGPT</a:t>
+            </a:r>
+          </a:p>
+          <a:p>
+            <a:pPr algn="ctr"/>
+            <a:endParaRPr lang="en-IE" sz="600" dirty="0">
+              <a:solidFill>
+                <a:sysClr val="windowText" lastClr="000000"/>
+              </a:solidFill>
+              <a:latin typeface="Congenial Black" panose="02000503040000020004" pitchFamily="2" charset="0"/>
+            </a:endParaRPr>
+          </a:p>
+          <a:p>
+            <a:pPr algn="ctr"/>
+            <a:r>
+              <a:rPr lang="en-IE" sz="1200" dirty="0">
+                <a:solidFill>
+                  <a:sysClr val="windowText" lastClr="000000"/>
+                </a:solidFill>
+                <a:latin typeface="Congenial" panose="02000503040000020004" pitchFamily="2" charset="0"/>
+              </a:rPr>
+              <a:t>Generates Vivado Project, Captures VHDL/Verilog, Generates Testbench</a:t>
+            </a:r>
+          </a:p>
+        </p:txBody>
+      </p:sp>
+      <p:sp>
+        <p:nvSpPr>
           <p:cNvPr id="57" name="Rectangle 56">
             <a:extLst>
               <a:ext uri="{FF2B5EF4-FFF2-40B4-BE49-F238E27FC236}">
@@ -6860,8 +8314,8 @@
         </p:nvSpPr>
         <p:spPr>
           <a:xfrm>
-            <a:off x="455104" y="3084692"/>
-            <a:ext cx="2626124" cy="1373768"/>
+            <a:off x="370962" y="3510361"/>
+            <a:ext cx="2470142" cy="1403269"/>
           </a:xfrm>
           <a:prstGeom prst="rect">
             <a:avLst/>
@@ -6898,14 +8352,44 @@
               <a:rPr lang="en-IE" dirty="0">
                 <a:latin typeface="Congenial" panose="02000503040000020004" pitchFamily="2" charset="0"/>
               </a:rPr>
-              <a:t>Design Specification</a:t>
+              <a:t>Context Diagram</a:t>
             </a:r>
           </a:p>
           <a:p>
             <a:pPr marL="36000" algn="ctr"/>
-            <a:endParaRPr lang="en-IE" dirty="0">
-              <a:latin typeface="Congenial" panose="02000503040000020004" pitchFamily="2" charset="0"/>
-            </a:endParaRPr>
+            <a:r>
+              <a:rPr lang="en-IE" dirty="0">
+                <a:latin typeface="Congenial" panose="02000503040000020004" pitchFamily="2" charset="0"/>
+              </a:rPr>
+              <a:t>Signal Dictionary</a:t>
+            </a:r>
+          </a:p>
+          <a:p>
+            <a:pPr marL="36000" algn="ctr"/>
+            <a:r>
+              <a:rPr lang="en-IE" dirty="0">
+                <a:latin typeface="Congenial" panose="02000503040000020004" pitchFamily="2" charset="0"/>
+              </a:rPr>
+              <a:t>Process Descriptions</a:t>
+            </a:r>
+          </a:p>
+          <a:p>
+            <a:pPr marL="36000" algn="ctr"/>
+            <a:r>
+              <a:rPr lang="en-IE" dirty="0">
+                <a:latin typeface="Congenial" panose="02000503040000020004" pitchFamily="2" charset="0"/>
+              </a:rPr>
+              <a:t>Data Flow Diagram</a:t>
+            </a:r>
+          </a:p>
+          <a:p>
+            <a:pPr marL="36000" algn="ctr"/>
+            <a:r>
+              <a:rPr lang="en-IE" dirty="0">
+                <a:latin typeface="Congenial" panose="02000503040000020004" pitchFamily="2" charset="0"/>
+              </a:rPr>
+              <a:t>Truth Table etc.</a:t>
+            </a:r>
           </a:p>
         </p:txBody>
       </p:sp>
@@ -6913,3915 +8397,6 @@
     <p:extLst>
       <p:ext uri="{BB962C8B-B14F-4D97-AF65-F5344CB8AC3E}">
         <p14:creationId xmlns:p14="http://schemas.microsoft.com/office/powerpoint/2010/main" val="2169741476"/>
-      </p:ext>
-    </p:extLst>
-  </p:cSld>
-  <p:clrMapOvr>
-    <a:masterClrMapping/>
-  </p:clrMapOvr>
-</p:sld>
-</file>
-
-<file path=ppt/slides/slide2.xml><?xml version="1.0" encoding="utf-8"?>
-<p:sld xmlns:a="http://schemas.openxmlformats.org/drawingml/2006/main" xmlns:r="http://schemas.openxmlformats.org/officeDocument/2006/relationships" xmlns:p="http://schemas.openxmlformats.org/presentationml/2006/main">
-  <p:cSld>
-    <p:spTree>
-      <p:nvGrpSpPr>
-        <p:cNvPr id="1" name="">
-          <a:extLst>
-            <a:ext uri="{FF2B5EF4-FFF2-40B4-BE49-F238E27FC236}">
-              <a16:creationId xmlns:a16="http://schemas.microsoft.com/office/drawing/2014/main" id="{2DA4C14A-A871-9517-31D5-EB8C319A6FEA}"/>
-            </a:ext>
-          </a:extLst>
-        </p:cNvPr>
-        <p:cNvGrpSpPr/>
-        <p:nvPr/>
-      </p:nvGrpSpPr>
-      <p:grpSpPr>
-        <a:xfrm>
-          <a:off x="0" y="0"/>
-          <a:ext cx="0" cy="0"/>
-          <a:chOff x="0" y="0"/>
-          <a:chExt cx="0" cy="0"/>
-        </a:xfrm>
-      </p:grpSpPr>
-      <p:sp>
-        <p:nvSpPr>
-          <p:cNvPr id="9" name="Rectangle 8">
-            <a:extLst>
-              <a:ext uri="{FF2B5EF4-FFF2-40B4-BE49-F238E27FC236}">
-                <a16:creationId xmlns:a16="http://schemas.microsoft.com/office/drawing/2014/main" id="{4BBB403E-5B5B-AAFB-08DF-E43C1EEB4D79}"/>
-              </a:ext>
-            </a:extLst>
-          </p:cNvPr>
-          <p:cNvSpPr/>
-          <p:nvPr/>
-        </p:nvSpPr>
-        <p:spPr>
-          <a:xfrm rot="10800000">
-            <a:off x="0" y="0"/>
-            <a:ext cx="15131367" cy="21383625"/>
-          </a:xfrm>
-          <a:prstGeom prst="rect">
-            <a:avLst/>
-          </a:prstGeom>
-          <a:ln>
-            <a:noFill/>
-          </a:ln>
-        </p:spPr>
-        <p:style>
-          <a:lnRef idx="1">
-            <a:schemeClr val="dk1"/>
-          </a:lnRef>
-          <a:fillRef idx="2">
-            <a:schemeClr val="dk1"/>
-          </a:fillRef>
-          <a:effectRef idx="1">
-            <a:schemeClr val="dk1"/>
-          </a:effectRef>
-          <a:fontRef idx="minor">
-            <a:schemeClr val="dk1"/>
-          </a:fontRef>
-        </p:style>
-        <p:txBody>
-          <a:bodyPr rtlCol="0" anchor="ctr"/>
-          <a:lstStyle/>
-          <a:p>
-            <a:pPr algn="ctr"/>
-            <a:endParaRPr lang="en-IE"/>
-          </a:p>
-        </p:txBody>
-      </p:sp>
-      <p:sp>
-        <p:nvSpPr>
-          <p:cNvPr id="4" name="Rectangle 3">
-            <a:extLst>
-              <a:ext uri="{FF2B5EF4-FFF2-40B4-BE49-F238E27FC236}">
-                <a16:creationId xmlns:a16="http://schemas.microsoft.com/office/drawing/2014/main" id="{C9A77E86-0FEF-C66A-12A9-4DF7A0A21AF1}"/>
-              </a:ext>
-            </a:extLst>
-          </p:cNvPr>
-          <p:cNvSpPr/>
-          <p:nvPr/>
-        </p:nvSpPr>
-        <p:spPr>
-          <a:xfrm>
-            <a:off x="-1" y="1"/>
-            <a:ext cx="15131363" cy="2303998"/>
-          </a:xfrm>
-          <a:prstGeom prst="rect">
-            <a:avLst/>
-          </a:prstGeom>
-        </p:spPr>
-        <p:style>
-          <a:lnRef idx="1">
-            <a:schemeClr val="accent6"/>
-          </a:lnRef>
-          <a:fillRef idx="2">
-            <a:schemeClr val="accent6"/>
-          </a:fillRef>
-          <a:effectRef idx="1">
-            <a:schemeClr val="accent6"/>
-          </a:effectRef>
-          <a:fontRef idx="minor">
-            <a:schemeClr val="dk1"/>
-          </a:fontRef>
-        </p:style>
-        <p:txBody>
-          <a:bodyPr rtlCol="0" anchor="ctr"/>
-          <a:lstStyle/>
-          <a:p>
-            <a:pPr algn="ctr"/>
-            <a:endParaRPr lang="en-IE"/>
-          </a:p>
-        </p:txBody>
-      </p:sp>
-      <p:pic>
-        <p:nvPicPr>
-          <p:cNvPr id="6" name="Picture 5" descr="A purple circle with white text&#10;&#10;Description automatically generated">
-            <a:extLst>
-              <a:ext uri="{FF2B5EF4-FFF2-40B4-BE49-F238E27FC236}">
-                <a16:creationId xmlns:a16="http://schemas.microsoft.com/office/drawing/2014/main" id="{E588FEFD-1227-483A-A113-EEDB9557EF6C}"/>
-              </a:ext>
-            </a:extLst>
-          </p:cNvPr>
-          <p:cNvPicPr>
-            <a:picLocks noChangeAspect="1"/>
-          </p:cNvPicPr>
-          <p:nvPr/>
-        </p:nvPicPr>
-        <p:blipFill>
-          <a:blip r:embed="rId2">
-            <a:extLst>
-              <a:ext uri="{28A0092B-C50C-407E-A947-70E740481C1C}">
-                <a14:useLocalDpi xmlns:a14="http://schemas.microsoft.com/office/drawing/2010/main" val="0"/>
-              </a:ext>
-            </a:extLst>
-          </a:blip>
-          <a:stretch>
-            <a:fillRect/>
-          </a:stretch>
-        </p:blipFill>
-        <p:spPr>
-          <a:xfrm>
-            <a:off x="278718" y="413621"/>
-            <a:ext cx="3061405" cy="1476756"/>
-          </a:xfrm>
-          <a:prstGeom prst="rect">
-            <a:avLst/>
-          </a:prstGeom>
-        </p:spPr>
-      </p:pic>
-      <p:sp>
-        <p:nvSpPr>
-          <p:cNvPr id="7" name="TextBox 6">
-            <a:extLst>
-              <a:ext uri="{FF2B5EF4-FFF2-40B4-BE49-F238E27FC236}">
-                <a16:creationId xmlns:a16="http://schemas.microsoft.com/office/drawing/2014/main" id="{4CC883D7-FF5D-837A-D068-B8943C915EFE}"/>
-              </a:ext>
-            </a:extLst>
-          </p:cNvPr>
-          <p:cNvSpPr txBox="1"/>
-          <p:nvPr/>
-        </p:nvSpPr>
-        <p:spPr>
-          <a:xfrm>
-            <a:off x="3630857" y="1276673"/>
-            <a:ext cx="11500509" cy="1031051"/>
-          </a:xfrm>
-          <a:prstGeom prst="rect">
-            <a:avLst/>
-          </a:prstGeom>
-          <a:noFill/>
-        </p:spPr>
-        <p:txBody>
-          <a:bodyPr wrap="square" rtlCol="0" anchor="ctr">
-            <a:spAutoFit/>
-          </a:bodyPr>
-          <a:lstStyle/>
-          <a:p>
-            <a:r>
-              <a:rPr lang="en-IE" sz="2000" dirty="0">
-                <a:latin typeface="Congenial" panose="020F0502020204030204" pitchFamily="2" charset="0"/>
-              </a:rPr>
-              <a:t>Luke Canny	19339166								Supervisor: Dr Fearghal Morgan</a:t>
-            </a:r>
-          </a:p>
-          <a:p>
-            <a:r>
-              <a:rPr lang="en-IE" sz="2000" dirty="0">
-                <a:latin typeface="Congenial" panose="020F0502020204030204" pitchFamily="2" charset="0"/>
-              </a:rPr>
-              <a:t>Masters Electronic and Computer Engineering			Co-assessor: Mr Liam Kilmartin</a:t>
-            </a:r>
-          </a:p>
-          <a:p>
-            <a:r>
-              <a:rPr lang="en-IE" sz="2000" dirty="0">
-                <a:latin typeface="Congenial" panose="020F0502020204030204" pitchFamily="2" charset="0"/>
-              </a:rPr>
-              <a:t>GitHub.com/HDLGen-ChatGPT/PYNQ-SoC-Builder</a:t>
-            </a:r>
-          </a:p>
-          <a:p>
-            <a:r>
-              <a:rPr lang="en-IE" sz="100" dirty="0">
-                <a:latin typeface="Congenial" panose="020F0502020204030204" pitchFamily="2" charset="0"/>
-              </a:rPr>
-              <a:t>6</a:t>
-            </a:r>
-          </a:p>
-        </p:txBody>
-      </p:sp>
-      <p:sp>
-        <p:nvSpPr>
-          <p:cNvPr id="8" name="TextBox 7">
-            <a:extLst>
-              <a:ext uri="{FF2B5EF4-FFF2-40B4-BE49-F238E27FC236}">
-                <a16:creationId xmlns:a16="http://schemas.microsoft.com/office/drawing/2014/main" id="{094E4640-2706-A232-65FC-4D6D76D2F702}"/>
-              </a:ext>
-            </a:extLst>
-          </p:cNvPr>
-          <p:cNvSpPr txBox="1"/>
-          <p:nvPr/>
-        </p:nvSpPr>
-        <p:spPr>
-          <a:xfrm>
-            <a:off x="3630857" y="-11148"/>
-            <a:ext cx="11500509" cy="1323439"/>
-          </a:xfrm>
-          <a:prstGeom prst="rect">
-            <a:avLst/>
-          </a:prstGeom>
-          <a:noFill/>
-        </p:spPr>
-        <p:txBody>
-          <a:bodyPr wrap="square" rtlCol="0" anchor="ctr">
-            <a:spAutoFit/>
-          </a:bodyPr>
-          <a:lstStyle/>
-          <a:p>
-            <a:r>
-              <a:rPr lang="en-IE" sz="4000" b="1" dirty="0">
-                <a:latin typeface="Congenial Black" panose="02000503040000020004" pitchFamily="2" charset="0"/>
-              </a:rPr>
-              <a:t>PYNQ Automated System-on-Chip Builder</a:t>
-            </a:r>
-          </a:p>
-          <a:p>
-            <a:r>
-              <a:rPr lang="en-IE" sz="4000" b="1" dirty="0">
-                <a:latin typeface="Congenial Black" panose="02000503040000020004" pitchFamily="2" charset="0"/>
-              </a:rPr>
-              <a:t>&amp; Remote RISC-V Learning Platform</a:t>
-            </a:r>
-          </a:p>
-        </p:txBody>
-      </p:sp>
-      <p:sp>
-        <p:nvSpPr>
-          <p:cNvPr id="11" name="TextBox 10">
-            <a:extLst>
-              <a:ext uri="{FF2B5EF4-FFF2-40B4-BE49-F238E27FC236}">
-                <a16:creationId xmlns:a16="http://schemas.microsoft.com/office/drawing/2014/main" id="{01C4D517-FFD5-BBF3-DA06-E0627F24A53A}"/>
-              </a:ext>
-            </a:extLst>
-          </p:cNvPr>
-          <p:cNvSpPr txBox="1"/>
-          <p:nvPr/>
-        </p:nvSpPr>
-        <p:spPr>
-          <a:xfrm>
-            <a:off x="196135" y="4131586"/>
-            <a:ext cx="7184172" cy="461665"/>
-          </a:xfrm>
-          <a:prstGeom prst="rect">
-            <a:avLst/>
-          </a:prstGeom>
-        </p:spPr>
-        <p:style>
-          <a:lnRef idx="1">
-            <a:schemeClr val="accent5"/>
-          </a:lnRef>
-          <a:fillRef idx="2">
-            <a:schemeClr val="accent5"/>
-          </a:fillRef>
-          <a:effectRef idx="1">
-            <a:schemeClr val="accent5"/>
-          </a:effectRef>
-          <a:fontRef idx="minor">
-            <a:schemeClr val="dk1"/>
-          </a:fontRef>
-        </p:style>
-        <p:txBody>
-          <a:bodyPr wrap="square" rtlCol="0">
-            <a:spAutoFit/>
-          </a:bodyPr>
-          <a:lstStyle/>
-          <a:p>
-            <a:pPr algn="ctr"/>
-            <a:r>
-              <a:rPr lang="en-IE" sz="2400" dirty="0">
-                <a:latin typeface="Congenial Black" panose="020F0502020204030204" pitchFamily="2" charset="0"/>
-              </a:rPr>
-              <a:t>Project Overview and Objectives </a:t>
-            </a:r>
-          </a:p>
-        </p:txBody>
-      </p:sp>
-      <p:sp>
-        <p:nvSpPr>
-          <p:cNvPr id="12" name="Rectangle 11">
-            <a:extLst>
-              <a:ext uri="{FF2B5EF4-FFF2-40B4-BE49-F238E27FC236}">
-                <a16:creationId xmlns:a16="http://schemas.microsoft.com/office/drawing/2014/main" id="{333E0A62-0722-9BD1-44E7-1FCC3D98312A}"/>
-              </a:ext>
-            </a:extLst>
-          </p:cNvPr>
-          <p:cNvSpPr/>
-          <p:nvPr/>
-        </p:nvSpPr>
-        <p:spPr>
-          <a:xfrm>
-            <a:off x="181745" y="4634685"/>
-            <a:ext cx="7196186" cy="1571410"/>
-          </a:xfrm>
-          <a:prstGeom prst="rect">
-            <a:avLst/>
-          </a:prstGeom>
-          <a:ln>
-            <a:solidFill>
-              <a:schemeClr val="accent5"/>
-            </a:solidFill>
-          </a:ln>
-        </p:spPr>
-        <p:style>
-          <a:lnRef idx="2">
-            <a:schemeClr val="accent1">
-              <a:shade val="15000"/>
-            </a:schemeClr>
-          </a:lnRef>
-          <a:fillRef idx="1003">
-            <a:schemeClr val="lt2"/>
-          </a:fillRef>
-          <a:effectRef idx="0">
-            <a:schemeClr val="accent1"/>
-          </a:effectRef>
-          <a:fontRef idx="minor">
-            <a:schemeClr val="lt1"/>
-          </a:fontRef>
-        </p:style>
-        <p:txBody>
-          <a:bodyPr rtlCol="0" anchor="t"/>
-          <a:lstStyle/>
-          <a:p>
-            <a:endParaRPr lang="en-IE" dirty="0">
-              <a:solidFill>
-                <a:schemeClr val="tx1"/>
-              </a:solidFill>
-              <a:latin typeface="Congenial" panose="02000503040000020004" pitchFamily="2" charset="0"/>
-            </a:endParaRPr>
-          </a:p>
-          <a:p>
-            <a:endParaRPr lang="en-IE" dirty="0">
-              <a:solidFill>
-                <a:schemeClr val="tx1"/>
-              </a:solidFill>
-              <a:latin typeface="Congenial" panose="02000503040000020004" pitchFamily="2" charset="0"/>
-            </a:endParaRPr>
-          </a:p>
-          <a:p>
-            <a:endParaRPr lang="en-IE" dirty="0">
-              <a:solidFill>
-                <a:schemeClr val="tx1"/>
-              </a:solidFill>
-              <a:latin typeface="Congenial" panose="02000503040000020004" pitchFamily="2" charset="0"/>
-            </a:endParaRPr>
-          </a:p>
-          <a:p>
-            <a:endParaRPr lang="en-IE" dirty="0">
-              <a:solidFill>
-                <a:schemeClr val="tx1"/>
-              </a:solidFill>
-              <a:latin typeface="Congenial" panose="02000503040000020004" pitchFamily="2" charset="0"/>
-            </a:endParaRPr>
-          </a:p>
-          <a:p>
-            <a:r>
-              <a:rPr lang="en-IE" dirty="0">
-                <a:solidFill>
-                  <a:schemeClr val="tx1"/>
-                </a:solidFill>
-                <a:latin typeface="Congenial" panose="02000503040000020004" pitchFamily="2" charset="0"/>
-              </a:rPr>
-              <a:t>The aim of this project is to:</a:t>
-            </a:r>
-          </a:p>
-          <a:p>
-            <a:pPr marL="285750" indent="-285750">
-              <a:buFont typeface="Arial" panose="020B0604020202020204" pitchFamily="34" charset="0"/>
-              <a:buChar char="•"/>
-            </a:pPr>
-            <a:r>
-              <a:rPr lang="en-IE" dirty="0">
-                <a:solidFill>
-                  <a:schemeClr val="tx1"/>
-                </a:solidFill>
-                <a:latin typeface="Congenial" panose="02000503040000020004" pitchFamily="2" charset="0"/>
-              </a:rPr>
-              <a:t>Create a remote PYNQ laboratory for students</a:t>
-            </a:r>
-          </a:p>
-          <a:p>
-            <a:pPr marL="285750" indent="-285750">
-              <a:buFont typeface="Arial" panose="020B0604020202020204" pitchFamily="34" charset="0"/>
-              <a:buChar char="•"/>
-            </a:pPr>
-            <a:r>
-              <a:rPr lang="en-IE" dirty="0">
-                <a:solidFill>
-                  <a:schemeClr val="tx1"/>
-                </a:solidFill>
-                <a:latin typeface="Congenial" panose="02000503040000020004" pitchFamily="2" charset="0"/>
-              </a:rPr>
-              <a:t>Extend the functionality of HDLGen-ChatGPT to automatically deploy projects to PYNQ-Z2 FPGAs</a:t>
-            </a:r>
-          </a:p>
-          <a:p>
-            <a:pPr marL="285750" indent="-285750">
-              <a:buFont typeface="Arial" panose="020B0604020202020204" pitchFamily="34" charset="0"/>
-              <a:buChar char="•"/>
-            </a:pPr>
-            <a:r>
-              <a:rPr lang="en-IE" dirty="0">
-                <a:solidFill>
-                  <a:schemeClr val="tx1"/>
-                </a:solidFill>
-                <a:latin typeface="Congenial" panose="02000503040000020004" pitchFamily="2" charset="0"/>
-              </a:rPr>
-              <a:t>Develop an interactive challenge-based RISC-V learning platform</a:t>
-            </a:r>
-          </a:p>
-        </p:txBody>
-      </p:sp>
-      <p:sp>
-        <p:nvSpPr>
-          <p:cNvPr id="13" name="TextBox 12">
-            <a:extLst>
-              <a:ext uri="{FF2B5EF4-FFF2-40B4-BE49-F238E27FC236}">
-                <a16:creationId xmlns:a16="http://schemas.microsoft.com/office/drawing/2014/main" id="{5EC46B05-FC5B-BB65-6DAC-52BB5D841B51}"/>
-              </a:ext>
-            </a:extLst>
-          </p:cNvPr>
-          <p:cNvSpPr txBox="1"/>
-          <p:nvPr/>
-        </p:nvSpPr>
-        <p:spPr>
-          <a:xfrm>
-            <a:off x="7741419" y="19669979"/>
-            <a:ext cx="7192987" cy="461665"/>
-          </a:xfrm>
-          <a:prstGeom prst="rect">
-            <a:avLst/>
-          </a:prstGeom>
-          <a:ln/>
-        </p:spPr>
-        <p:style>
-          <a:lnRef idx="1">
-            <a:schemeClr val="accent2"/>
-          </a:lnRef>
-          <a:fillRef idx="2">
-            <a:schemeClr val="accent2"/>
-          </a:fillRef>
-          <a:effectRef idx="1">
-            <a:schemeClr val="accent2"/>
-          </a:effectRef>
-          <a:fontRef idx="minor">
-            <a:schemeClr val="dk1"/>
-          </a:fontRef>
-        </p:style>
-        <p:txBody>
-          <a:bodyPr wrap="square" rtlCol="0">
-            <a:spAutoFit/>
-          </a:bodyPr>
-          <a:lstStyle/>
-          <a:p>
-            <a:pPr algn="ctr"/>
-            <a:r>
-              <a:rPr lang="en-IE" sz="2400" dirty="0">
-                <a:latin typeface="Congenial Black" panose="020F0502020204030204" pitchFamily="2" charset="0"/>
-              </a:rPr>
-              <a:t>Acknowledgements</a:t>
-            </a:r>
-          </a:p>
-        </p:txBody>
-      </p:sp>
-      <p:sp>
-        <p:nvSpPr>
-          <p:cNvPr id="14" name="Rectangle 13">
-            <a:extLst>
-              <a:ext uri="{FF2B5EF4-FFF2-40B4-BE49-F238E27FC236}">
-                <a16:creationId xmlns:a16="http://schemas.microsoft.com/office/drawing/2014/main" id="{F99084F0-D132-9697-DABA-698A4BE4C258}"/>
-              </a:ext>
-            </a:extLst>
-          </p:cNvPr>
-          <p:cNvSpPr/>
-          <p:nvPr/>
-        </p:nvSpPr>
-        <p:spPr>
-          <a:xfrm>
-            <a:off x="7741419" y="20131645"/>
-            <a:ext cx="7192987" cy="1023020"/>
-          </a:xfrm>
-          <a:prstGeom prst="rect">
-            <a:avLst/>
-          </a:prstGeom>
-          <a:ln>
-            <a:solidFill>
-              <a:schemeClr val="accent2"/>
-            </a:solidFill>
-          </a:ln>
-        </p:spPr>
-        <p:style>
-          <a:lnRef idx="2">
-            <a:schemeClr val="accent1">
-              <a:shade val="15000"/>
-            </a:schemeClr>
-          </a:lnRef>
-          <a:fillRef idx="1003">
-            <a:schemeClr val="lt2"/>
-          </a:fillRef>
-          <a:effectRef idx="0">
-            <a:schemeClr val="accent1"/>
-          </a:effectRef>
-          <a:fontRef idx="minor">
-            <a:schemeClr val="lt1"/>
-          </a:fontRef>
-        </p:style>
-        <p:txBody>
-          <a:bodyPr rtlCol="0" anchor="t"/>
-          <a:lstStyle/>
-          <a:p>
-            <a:r>
-              <a:rPr lang="en-IE" dirty="0">
-                <a:solidFill>
-                  <a:schemeClr val="tx1"/>
-                </a:solidFill>
-                <a:latin typeface="Congenial" panose="02000503040000020004" pitchFamily="2" charset="0"/>
-              </a:rPr>
-              <a:t>I would like to thank Dr. Fearghal Morgan for his support and guidance, and Roshan George, JP Byrne and Abishek Bupathi for their previous work on HDLGen-ChatGPT, PYNQ and RISC-V.</a:t>
-            </a:r>
-          </a:p>
-        </p:txBody>
-      </p:sp>
-      <p:sp>
-        <p:nvSpPr>
-          <p:cNvPr id="15" name="TextBox 14">
-            <a:extLst>
-              <a:ext uri="{FF2B5EF4-FFF2-40B4-BE49-F238E27FC236}">
-                <a16:creationId xmlns:a16="http://schemas.microsoft.com/office/drawing/2014/main" id="{6A80B51A-2D61-4554-8AA8-810E5098341F}"/>
-              </a:ext>
-            </a:extLst>
-          </p:cNvPr>
-          <p:cNvSpPr txBox="1"/>
-          <p:nvPr/>
-        </p:nvSpPr>
-        <p:spPr>
-          <a:xfrm>
-            <a:off x="176995" y="19669979"/>
-            <a:ext cx="7196186" cy="461665"/>
-          </a:xfrm>
-          <a:prstGeom prst="rect">
-            <a:avLst/>
-          </a:prstGeom>
-        </p:spPr>
-        <p:style>
-          <a:lnRef idx="1">
-            <a:schemeClr val="accent3"/>
-          </a:lnRef>
-          <a:fillRef idx="2">
-            <a:schemeClr val="accent3"/>
-          </a:fillRef>
-          <a:effectRef idx="1">
-            <a:schemeClr val="accent3"/>
-          </a:effectRef>
-          <a:fontRef idx="minor">
-            <a:schemeClr val="dk1"/>
-          </a:fontRef>
-        </p:style>
-        <p:txBody>
-          <a:bodyPr wrap="square" rtlCol="0">
-            <a:spAutoFit/>
-          </a:bodyPr>
-          <a:lstStyle/>
-          <a:p>
-            <a:pPr algn="ctr"/>
-            <a:r>
-              <a:rPr lang="en-IE" sz="2400" dirty="0">
-                <a:latin typeface="Congenial Black" panose="020F0502020204030204" pitchFamily="2" charset="0"/>
-              </a:rPr>
-              <a:t>Future Work</a:t>
-            </a:r>
-          </a:p>
-        </p:txBody>
-      </p:sp>
-      <p:sp>
-        <p:nvSpPr>
-          <p:cNvPr id="16" name="Rectangle 15">
-            <a:extLst>
-              <a:ext uri="{FF2B5EF4-FFF2-40B4-BE49-F238E27FC236}">
-                <a16:creationId xmlns:a16="http://schemas.microsoft.com/office/drawing/2014/main" id="{36205244-07CB-FC7A-B691-1744AD15A6DF}"/>
-              </a:ext>
-            </a:extLst>
-          </p:cNvPr>
-          <p:cNvSpPr/>
-          <p:nvPr/>
-        </p:nvSpPr>
-        <p:spPr>
-          <a:xfrm>
-            <a:off x="176995" y="20131644"/>
-            <a:ext cx="7196186" cy="1023021"/>
-          </a:xfrm>
-          <a:prstGeom prst="rect">
-            <a:avLst/>
-          </a:prstGeom>
-          <a:ln>
-            <a:solidFill>
-              <a:schemeClr val="accent3"/>
-            </a:solidFill>
-          </a:ln>
-        </p:spPr>
-        <p:style>
-          <a:lnRef idx="2">
-            <a:schemeClr val="accent1">
-              <a:shade val="15000"/>
-            </a:schemeClr>
-          </a:lnRef>
-          <a:fillRef idx="1003">
-            <a:schemeClr val="lt2"/>
-          </a:fillRef>
-          <a:effectRef idx="0">
-            <a:schemeClr val="accent1"/>
-          </a:effectRef>
-          <a:fontRef idx="minor">
-            <a:schemeClr val="lt1"/>
-          </a:fontRef>
-        </p:style>
-        <p:txBody>
-          <a:bodyPr rtlCol="0" anchor="t"/>
-          <a:lstStyle/>
-          <a:p>
-            <a:pPr marL="285750" indent="-285750">
-              <a:buFont typeface="Arial" panose="020B0604020202020204" pitchFamily="34" charset="0"/>
-              <a:buChar char="•"/>
-            </a:pPr>
-            <a:r>
-              <a:rPr lang="en-IE" dirty="0">
-                <a:solidFill>
-                  <a:schemeClr val="tx1"/>
-                </a:solidFill>
-                <a:latin typeface="Congenial" panose="02000503040000020004" pitchFamily="2" charset="0"/>
-              </a:rPr>
-              <a:t>Automate RISC-V Core Bitstream Creation</a:t>
-            </a:r>
-          </a:p>
-          <a:p>
-            <a:pPr marL="285750" indent="-285750">
-              <a:buFont typeface="Arial" panose="020B0604020202020204" pitchFamily="34" charset="0"/>
-              <a:buChar char="•"/>
-            </a:pPr>
-            <a:r>
-              <a:rPr lang="en-IE" dirty="0">
-                <a:solidFill>
-                  <a:schemeClr val="tx1"/>
-                </a:solidFill>
-                <a:latin typeface="Congenial" panose="02000503040000020004" pitchFamily="2" charset="0"/>
-              </a:rPr>
-              <a:t>Develop a range of RISC-V challenges of varying difficulty</a:t>
-            </a:r>
-          </a:p>
-          <a:p>
-            <a:pPr marL="285750" indent="-285750">
-              <a:buFont typeface="Arial" panose="020B0604020202020204" pitchFamily="34" charset="0"/>
-              <a:buChar char="•"/>
-            </a:pPr>
-            <a:r>
-              <a:rPr lang="en-IE" dirty="0">
-                <a:solidFill>
-                  <a:schemeClr val="tx1"/>
-                </a:solidFill>
-                <a:latin typeface="Congenial" panose="02000503040000020004" pitchFamily="2" charset="0"/>
-              </a:rPr>
-              <a:t>Gather feedback from potential users of RV learning platform</a:t>
-            </a:r>
-          </a:p>
-        </p:txBody>
-      </p:sp>
-      <p:sp>
-        <p:nvSpPr>
-          <p:cNvPr id="29" name="TextBox 28">
-            <a:extLst>
-              <a:ext uri="{FF2B5EF4-FFF2-40B4-BE49-F238E27FC236}">
-                <a16:creationId xmlns:a16="http://schemas.microsoft.com/office/drawing/2014/main" id="{29FE87D2-F3B0-99A0-8A27-85C468CA399F}"/>
-              </a:ext>
-            </a:extLst>
-          </p:cNvPr>
-          <p:cNvSpPr txBox="1"/>
-          <p:nvPr/>
-        </p:nvSpPr>
-        <p:spPr>
-          <a:xfrm>
-            <a:off x="7731894" y="2565606"/>
-            <a:ext cx="7215213" cy="461665"/>
-          </a:xfrm>
-          <a:prstGeom prst="rect">
-            <a:avLst/>
-          </a:prstGeom>
-          <a:ln/>
-        </p:spPr>
-        <p:style>
-          <a:lnRef idx="1">
-            <a:schemeClr val="accent4"/>
-          </a:lnRef>
-          <a:fillRef idx="2">
-            <a:schemeClr val="accent4"/>
-          </a:fillRef>
-          <a:effectRef idx="1">
-            <a:schemeClr val="accent4"/>
-          </a:effectRef>
-          <a:fontRef idx="minor">
-            <a:schemeClr val="dk1"/>
-          </a:fontRef>
-        </p:style>
-        <p:txBody>
-          <a:bodyPr wrap="square" rtlCol="0">
-            <a:spAutoFit/>
-          </a:bodyPr>
-          <a:lstStyle/>
-          <a:p>
-            <a:pPr algn="ctr"/>
-            <a:r>
-              <a:rPr lang="en-IE" sz="2400" dirty="0">
-                <a:latin typeface="Congenial Black" panose="020F0502020204030204" pitchFamily="2" charset="0"/>
-              </a:rPr>
-              <a:t>PYNQ SoC Builder</a:t>
-            </a:r>
-          </a:p>
-        </p:txBody>
-      </p:sp>
-      <p:sp>
-        <p:nvSpPr>
-          <p:cNvPr id="30" name="Rectangle 29">
-            <a:extLst>
-              <a:ext uri="{FF2B5EF4-FFF2-40B4-BE49-F238E27FC236}">
-                <a16:creationId xmlns:a16="http://schemas.microsoft.com/office/drawing/2014/main" id="{1C920CBC-D5D6-2FCC-D13A-6C3AFDC6A45F}"/>
-              </a:ext>
-            </a:extLst>
-          </p:cNvPr>
-          <p:cNvSpPr/>
-          <p:nvPr/>
-        </p:nvSpPr>
-        <p:spPr>
-          <a:xfrm>
-            <a:off x="7746170" y="3027270"/>
-            <a:ext cx="7196186" cy="12532071"/>
-          </a:xfrm>
-          <a:prstGeom prst="rect">
-            <a:avLst/>
-          </a:prstGeom>
-          <a:ln>
-            <a:solidFill>
-              <a:schemeClr val="accent4"/>
-            </a:solidFill>
-          </a:ln>
-        </p:spPr>
-        <p:style>
-          <a:lnRef idx="2">
-            <a:schemeClr val="accent1">
-              <a:shade val="15000"/>
-            </a:schemeClr>
-          </a:lnRef>
-          <a:fillRef idx="1003">
-            <a:schemeClr val="lt2"/>
-          </a:fillRef>
-          <a:effectRef idx="0">
-            <a:schemeClr val="accent1"/>
-          </a:effectRef>
-          <a:fontRef idx="minor">
-            <a:schemeClr val="lt1"/>
-          </a:fontRef>
-        </p:style>
-        <p:txBody>
-          <a:bodyPr rtlCol="0" anchor="t"/>
-          <a:lstStyle/>
-          <a:p>
-            <a:pPr>
-              <a:spcAft>
-                <a:spcPts val="600"/>
-              </a:spcAft>
-            </a:pPr>
-            <a:r>
-              <a:rPr lang="en-IE" b="1" dirty="0">
-                <a:solidFill>
-                  <a:schemeClr val="tx1"/>
-                </a:solidFill>
-                <a:latin typeface="Congenial" panose="02000503040000020004" pitchFamily="2" charset="0"/>
-              </a:rPr>
-              <a:t>PYNQ SoC Builder </a:t>
-            </a:r>
-            <a:r>
-              <a:rPr lang="en-IE" dirty="0">
-                <a:solidFill>
-                  <a:schemeClr val="tx1"/>
-                </a:solidFill>
-                <a:latin typeface="Congenial" panose="02000503040000020004" pitchFamily="2" charset="0"/>
-              </a:rPr>
-              <a:t>is a standalone Python application which builds HDLGen-ChatGPT projects. </a:t>
-            </a:r>
-          </a:p>
-          <a:p>
-            <a:pPr>
-              <a:spcAft>
-                <a:spcPts val="600"/>
-              </a:spcAft>
-            </a:pPr>
-            <a:r>
-              <a:rPr lang="en-IE" b="1" dirty="0">
-                <a:solidFill>
-                  <a:schemeClr val="tx1"/>
-                </a:solidFill>
-                <a:latin typeface="Congenial" panose="02000503040000020004" pitchFamily="2" charset="0"/>
-              </a:rPr>
-              <a:t>HDLGen-ChatGPT</a:t>
-            </a:r>
-            <a:r>
-              <a:rPr lang="en-IE" dirty="0">
-                <a:solidFill>
-                  <a:schemeClr val="tx1"/>
-                </a:solidFill>
-                <a:latin typeface="Congenial" panose="02000503040000020004" pitchFamily="2" charset="0"/>
-              </a:rPr>
-              <a:t> is an open-source Python tool developed in the University of Galway to enable fast capture of HDL-based SoC capture and implementation, by automated VHDL/Verilog, testbench and waveform generation.</a:t>
-            </a:r>
-            <a:endParaRPr lang="en-IE" sz="1100" b="1" dirty="0">
-              <a:solidFill>
-                <a:schemeClr val="tx1"/>
-              </a:solidFill>
-              <a:latin typeface="Congenial" panose="02000503040000020004" pitchFamily="2" charset="0"/>
-            </a:endParaRPr>
-          </a:p>
-          <a:p>
-            <a:pPr>
-              <a:spcAft>
-                <a:spcPts val="600"/>
-              </a:spcAft>
-            </a:pPr>
-            <a:r>
-              <a:rPr lang="en-IE" dirty="0">
-                <a:solidFill>
-                  <a:schemeClr val="tx1"/>
-                </a:solidFill>
-                <a:latin typeface="Congenial" panose="02000503040000020004" pitchFamily="2" charset="0"/>
-              </a:rPr>
-              <a:t>PYNQ SoC Builder completes the following:</a:t>
-            </a:r>
-          </a:p>
-          <a:p>
-            <a:pPr marL="285750" indent="-285750">
-              <a:buFont typeface="Arial" panose="020B0604020202020204" pitchFamily="34" charset="0"/>
-              <a:buChar char="•"/>
-            </a:pPr>
-            <a:r>
-              <a:rPr lang="en-IE" dirty="0">
-                <a:solidFill>
-                  <a:schemeClr val="tx1"/>
-                </a:solidFill>
-                <a:latin typeface="Congenial" panose="02000503040000020004" pitchFamily="2" charset="0"/>
-              </a:rPr>
-              <a:t>Configures Vivado project for PYNQ-Z2 board</a:t>
-            </a:r>
-          </a:p>
-          <a:p>
-            <a:pPr marL="285750" indent="-285750">
-              <a:buFont typeface="Arial" panose="020B0604020202020204" pitchFamily="34" charset="0"/>
-              <a:buChar char="•"/>
-            </a:pPr>
-            <a:r>
-              <a:rPr lang="en-IE" dirty="0">
-                <a:solidFill>
-                  <a:schemeClr val="tx1"/>
-                </a:solidFill>
-                <a:latin typeface="Congenial" panose="02000503040000020004" pitchFamily="2" charset="0"/>
-              </a:rPr>
-              <a:t>Generates and imports PYNQ-Z2 physical constraints</a:t>
-            </a:r>
-          </a:p>
-          <a:p>
-            <a:pPr marL="285750" indent="-285750">
-              <a:buFont typeface="Arial" panose="020B0604020202020204" pitchFamily="34" charset="0"/>
-              <a:buChar char="•"/>
-            </a:pPr>
-            <a:r>
-              <a:rPr lang="en-IE" dirty="0">
-                <a:solidFill>
-                  <a:schemeClr val="tx1"/>
-                </a:solidFill>
-                <a:latin typeface="Congenial" panose="02000503040000020004" pitchFamily="2" charset="0"/>
-              </a:rPr>
-              <a:t>Creates and populates a Vivado Block Design</a:t>
-            </a:r>
-          </a:p>
-          <a:p>
-            <a:pPr marL="285750" indent="-285750">
-              <a:buFont typeface="Arial" panose="020B0604020202020204" pitchFamily="34" charset="0"/>
-              <a:buChar char="•"/>
-            </a:pPr>
-            <a:r>
-              <a:rPr lang="en-IE" dirty="0">
-                <a:solidFill>
-                  <a:schemeClr val="tx1"/>
-                </a:solidFill>
-                <a:latin typeface="Congenial" panose="02000503040000020004" pitchFamily="2" charset="0"/>
-              </a:rPr>
-              <a:t>Configures PYNQ board I/O Connections</a:t>
-            </a:r>
-          </a:p>
-          <a:p>
-            <a:pPr marL="285750" indent="-285750">
-              <a:buFont typeface="Arial" panose="020B0604020202020204" pitchFamily="34" charset="0"/>
-              <a:buChar char="•"/>
-            </a:pPr>
-            <a:r>
-              <a:rPr lang="en-IE" dirty="0">
-                <a:solidFill>
-                  <a:schemeClr val="tx1"/>
-                </a:solidFill>
-                <a:latin typeface="Congenial" panose="02000503040000020004" pitchFamily="2" charset="0"/>
-              </a:rPr>
-              <a:t>Performs synthesis, implementation and bitstream generation</a:t>
-            </a:r>
-          </a:p>
-          <a:p>
-            <a:pPr marL="285750" indent="-285750">
-              <a:buFont typeface="Arial" panose="020B0604020202020204" pitchFamily="34" charset="0"/>
-              <a:buChar char="•"/>
-            </a:pPr>
-            <a:r>
-              <a:rPr lang="en-IE" dirty="0">
-                <a:solidFill>
-                  <a:schemeClr val="tx1"/>
-                </a:solidFill>
-                <a:latin typeface="Congenial" panose="02000503040000020004" pitchFamily="2" charset="0"/>
-              </a:rPr>
-              <a:t>Generates a Jupyter Notebook project based on test plan</a:t>
-            </a:r>
-          </a:p>
-          <a:p>
-            <a:pPr>
-              <a:spcBef>
-                <a:spcPts val="600"/>
-              </a:spcBef>
-            </a:pPr>
-            <a:endParaRPr lang="en-IE" dirty="0">
-              <a:solidFill>
-                <a:schemeClr val="tx1"/>
-              </a:solidFill>
-              <a:latin typeface="Congenial" panose="02000503040000020004" pitchFamily="2" charset="0"/>
-            </a:endParaRPr>
-          </a:p>
-          <a:p>
-            <a:pPr marL="285750" indent="-285750">
-              <a:buFont typeface="Arial" panose="020B0604020202020204" pitchFamily="34" charset="0"/>
-              <a:buChar char="•"/>
-            </a:pPr>
-            <a:endParaRPr lang="en-IE" dirty="0">
-              <a:solidFill>
-                <a:schemeClr val="tx1"/>
-              </a:solidFill>
-              <a:latin typeface="Congenial" panose="02000503040000020004" pitchFamily="2" charset="0"/>
-            </a:endParaRPr>
-          </a:p>
-          <a:p>
-            <a:pPr marL="285750" indent="-285750">
-              <a:buFont typeface="Arial" panose="020B0604020202020204" pitchFamily="34" charset="0"/>
-              <a:buChar char="•"/>
-            </a:pPr>
-            <a:endParaRPr lang="en-IE" dirty="0">
-              <a:solidFill>
-                <a:schemeClr val="tx1"/>
-              </a:solidFill>
-              <a:latin typeface="Congenial" panose="02000503040000020004" pitchFamily="2" charset="0"/>
-            </a:endParaRPr>
-          </a:p>
-          <a:p>
-            <a:pPr marL="285750" indent="-285750">
-              <a:buFont typeface="Arial" panose="020B0604020202020204" pitchFamily="34" charset="0"/>
-              <a:buChar char="•"/>
-            </a:pPr>
-            <a:endParaRPr lang="en-IE" dirty="0">
-              <a:solidFill>
-                <a:schemeClr val="tx1"/>
-              </a:solidFill>
-              <a:latin typeface="Congenial" panose="02000503040000020004" pitchFamily="2" charset="0"/>
-            </a:endParaRPr>
-          </a:p>
-          <a:p>
-            <a:pPr marL="285750" indent="-285750">
-              <a:buFont typeface="Arial" panose="020B0604020202020204" pitchFamily="34" charset="0"/>
-              <a:buChar char="•"/>
-            </a:pPr>
-            <a:endParaRPr lang="en-IE" dirty="0">
-              <a:solidFill>
-                <a:schemeClr val="tx1"/>
-              </a:solidFill>
-              <a:latin typeface="Congenial" panose="02000503040000020004" pitchFamily="2" charset="0"/>
-            </a:endParaRPr>
-          </a:p>
-          <a:p>
-            <a:pPr marL="285750" indent="-285750">
-              <a:buFont typeface="Arial" panose="020B0604020202020204" pitchFamily="34" charset="0"/>
-              <a:buChar char="•"/>
-            </a:pPr>
-            <a:endParaRPr lang="en-IE" dirty="0">
-              <a:solidFill>
-                <a:schemeClr val="tx1"/>
-              </a:solidFill>
-              <a:latin typeface="Congenial" panose="02000503040000020004" pitchFamily="2" charset="0"/>
-            </a:endParaRPr>
-          </a:p>
-          <a:p>
-            <a:pPr marL="285750" indent="-285750">
-              <a:buFont typeface="Arial" panose="020B0604020202020204" pitchFamily="34" charset="0"/>
-              <a:buChar char="•"/>
-            </a:pPr>
-            <a:endParaRPr lang="en-IE" dirty="0">
-              <a:solidFill>
-                <a:schemeClr val="tx1"/>
-              </a:solidFill>
-              <a:latin typeface="Congenial" panose="02000503040000020004" pitchFamily="2" charset="0"/>
-            </a:endParaRPr>
-          </a:p>
-          <a:p>
-            <a:pPr marL="285750" indent="-285750">
-              <a:buFont typeface="Arial" panose="020B0604020202020204" pitchFamily="34" charset="0"/>
-              <a:buChar char="•"/>
-            </a:pPr>
-            <a:endParaRPr lang="en-IE" dirty="0">
-              <a:solidFill>
-                <a:schemeClr val="tx1"/>
-              </a:solidFill>
-              <a:latin typeface="Congenial" panose="02000503040000020004" pitchFamily="2" charset="0"/>
-            </a:endParaRPr>
-          </a:p>
-          <a:p>
-            <a:pPr marL="285750" indent="-285750">
-              <a:buFont typeface="Arial" panose="020B0604020202020204" pitchFamily="34" charset="0"/>
-              <a:buChar char="•"/>
-            </a:pPr>
-            <a:endParaRPr lang="en-IE" dirty="0">
-              <a:solidFill>
-                <a:schemeClr val="tx1"/>
-              </a:solidFill>
-              <a:latin typeface="Congenial" panose="02000503040000020004" pitchFamily="2" charset="0"/>
-            </a:endParaRPr>
-          </a:p>
-          <a:p>
-            <a:pPr marL="285750" indent="-285750">
-              <a:buFont typeface="Arial" panose="020B0604020202020204" pitchFamily="34" charset="0"/>
-              <a:buChar char="•"/>
-            </a:pPr>
-            <a:endParaRPr lang="en-IE" dirty="0">
-              <a:solidFill>
-                <a:schemeClr val="tx1"/>
-              </a:solidFill>
-              <a:latin typeface="Congenial" panose="02000503040000020004" pitchFamily="2" charset="0"/>
-            </a:endParaRPr>
-          </a:p>
-          <a:p>
-            <a:pPr marL="285750" indent="-285750">
-              <a:buFont typeface="Arial" panose="020B0604020202020204" pitchFamily="34" charset="0"/>
-              <a:buChar char="•"/>
-            </a:pPr>
-            <a:endParaRPr lang="en-IE" dirty="0">
-              <a:solidFill>
-                <a:schemeClr val="tx1"/>
-              </a:solidFill>
-              <a:latin typeface="Congenial" panose="02000503040000020004" pitchFamily="2" charset="0"/>
-            </a:endParaRPr>
-          </a:p>
-          <a:p>
-            <a:pPr marL="285750" indent="-285750">
-              <a:buFont typeface="Arial" panose="020B0604020202020204" pitchFamily="34" charset="0"/>
-              <a:buChar char="•"/>
-            </a:pPr>
-            <a:endParaRPr lang="en-IE" dirty="0">
-              <a:solidFill>
-                <a:schemeClr val="tx1"/>
-              </a:solidFill>
-              <a:latin typeface="Congenial" panose="02000503040000020004" pitchFamily="2" charset="0"/>
-            </a:endParaRPr>
-          </a:p>
-          <a:p>
-            <a:endParaRPr lang="en-IE" dirty="0">
-              <a:solidFill>
-                <a:schemeClr val="tx1"/>
-              </a:solidFill>
-              <a:latin typeface="Congenial" panose="02000503040000020004" pitchFamily="2" charset="0"/>
-            </a:endParaRPr>
-          </a:p>
-          <a:p>
-            <a:endParaRPr lang="en-IE" dirty="0">
-              <a:solidFill>
-                <a:schemeClr val="tx1"/>
-              </a:solidFill>
-              <a:latin typeface="Congenial" panose="02000503040000020004" pitchFamily="2" charset="0"/>
-            </a:endParaRPr>
-          </a:p>
-          <a:p>
-            <a:endParaRPr lang="en-IE" dirty="0">
-              <a:solidFill>
-                <a:schemeClr val="tx1"/>
-              </a:solidFill>
-              <a:latin typeface="Congenial" panose="02000503040000020004" pitchFamily="2" charset="0"/>
-            </a:endParaRPr>
-          </a:p>
-          <a:p>
-            <a:endParaRPr lang="en-IE" dirty="0">
-              <a:solidFill>
-                <a:schemeClr val="tx1"/>
-              </a:solidFill>
-              <a:latin typeface="Congenial" panose="02000503040000020004" pitchFamily="2" charset="0"/>
-            </a:endParaRPr>
-          </a:p>
-        </p:txBody>
-      </p:sp>
-      <p:sp>
-        <p:nvSpPr>
-          <p:cNvPr id="31" name="TextBox 30">
-            <a:extLst>
-              <a:ext uri="{FF2B5EF4-FFF2-40B4-BE49-F238E27FC236}">
-                <a16:creationId xmlns:a16="http://schemas.microsoft.com/office/drawing/2014/main" id="{5F72458A-11E7-DA6E-45F4-076AE80140B0}"/>
-              </a:ext>
-            </a:extLst>
-          </p:cNvPr>
-          <p:cNvSpPr txBox="1"/>
-          <p:nvPr/>
-        </p:nvSpPr>
-        <p:spPr>
-          <a:xfrm>
-            <a:off x="186746" y="6509876"/>
-            <a:ext cx="7215213" cy="461665"/>
-          </a:xfrm>
-          <a:prstGeom prst="rect">
-            <a:avLst/>
-          </a:prstGeom>
-          <a:ln/>
-        </p:spPr>
-        <p:style>
-          <a:lnRef idx="1">
-            <a:schemeClr val="accent4"/>
-          </a:lnRef>
-          <a:fillRef idx="2">
-            <a:schemeClr val="accent4"/>
-          </a:fillRef>
-          <a:effectRef idx="1">
-            <a:schemeClr val="accent4"/>
-          </a:effectRef>
-          <a:fontRef idx="minor">
-            <a:schemeClr val="dk1"/>
-          </a:fontRef>
-        </p:style>
-        <p:txBody>
-          <a:bodyPr wrap="square" rtlCol="0">
-            <a:spAutoFit/>
-          </a:bodyPr>
-          <a:lstStyle/>
-          <a:p>
-            <a:pPr algn="ctr"/>
-            <a:r>
-              <a:rPr lang="en-IE" sz="2400" dirty="0">
-                <a:latin typeface="Congenial Black" panose="020F0502020204030204" pitchFamily="2" charset="0"/>
-              </a:rPr>
-              <a:t>Remote PYNQ FPGA Laboratory</a:t>
-            </a:r>
-          </a:p>
-        </p:txBody>
-      </p:sp>
-      <p:sp>
-        <p:nvSpPr>
-          <p:cNvPr id="32" name="Rectangle 31">
-            <a:extLst>
-              <a:ext uri="{FF2B5EF4-FFF2-40B4-BE49-F238E27FC236}">
-                <a16:creationId xmlns:a16="http://schemas.microsoft.com/office/drawing/2014/main" id="{435D11E2-E608-33B5-D367-18071E839E14}"/>
-              </a:ext>
-            </a:extLst>
-          </p:cNvPr>
-          <p:cNvSpPr/>
-          <p:nvPr/>
-        </p:nvSpPr>
-        <p:spPr>
-          <a:xfrm>
-            <a:off x="205773" y="6971541"/>
-            <a:ext cx="7196186" cy="8587800"/>
-          </a:xfrm>
-          <a:prstGeom prst="rect">
-            <a:avLst/>
-          </a:prstGeom>
-          <a:ln>
-            <a:solidFill>
-              <a:schemeClr val="accent4"/>
-            </a:solidFill>
-          </a:ln>
-        </p:spPr>
-        <p:style>
-          <a:lnRef idx="2">
-            <a:schemeClr val="accent1">
-              <a:shade val="15000"/>
-            </a:schemeClr>
-          </a:lnRef>
-          <a:fillRef idx="1003">
-            <a:schemeClr val="lt2"/>
-          </a:fillRef>
-          <a:effectRef idx="0">
-            <a:schemeClr val="accent1"/>
-          </a:effectRef>
-          <a:fontRef idx="minor">
-            <a:schemeClr val="lt1"/>
-          </a:fontRef>
-        </p:style>
-        <p:txBody>
-          <a:bodyPr rtlCol="0" anchor="t"/>
-          <a:lstStyle/>
-          <a:p>
-            <a:pPr>
-              <a:spcAft>
-                <a:spcPts val="600"/>
-              </a:spcAft>
-            </a:pPr>
-            <a:r>
-              <a:rPr lang="en-IE" dirty="0">
-                <a:solidFill>
-                  <a:schemeClr val="tx1"/>
-                </a:solidFill>
-                <a:latin typeface="Congenial" panose="02000503040000020004" pitchFamily="2" charset="0"/>
-              </a:rPr>
-              <a:t>The purpose of the remote FPGA laboratory is to make real PYNQ Z2 hardware available to students and enthusiasts.</a:t>
-            </a:r>
-          </a:p>
-          <a:p>
-            <a:r>
-              <a:rPr lang="en-IE" dirty="0">
-                <a:solidFill>
-                  <a:schemeClr val="tx1"/>
-                </a:solidFill>
-                <a:latin typeface="Congenial" panose="02000503040000020004" pitchFamily="2" charset="0"/>
-              </a:rPr>
-              <a:t>This is achieved by using a tunnelling service called </a:t>
-            </a:r>
-            <a:r>
-              <a:rPr lang="en-IE" b="1" dirty="0">
-                <a:solidFill>
-                  <a:schemeClr val="tx1"/>
-                </a:solidFill>
-                <a:latin typeface="Congenial" panose="02000503040000020004" pitchFamily="2" charset="0"/>
-              </a:rPr>
-              <a:t>ngrok</a:t>
-            </a:r>
-            <a:r>
-              <a:rPr lang="en-IE" dirty="0">
-                <a:solidFill>
-                  <a:schemeClr val="tx1"/>
-                </a:solidFill>
-                <a:latin typeface="Congenial" panose="02000503040000020004" pitchFamily="2" charset="0"/>
-              </a:rPr>
-              <a:t>. This service runs as a background daemon on the PYNQ’s ARM processor.</a:t>
-            </a:r>
-          </a:p>
-          <a:p>
-            <a:endParaRPr lang="en-IE" dirty="0">
-              <a:solidFill>
-                <a:schemeClr val="tx1"/>
-              </a:solidFill>
-              <a:latin typeface="Congenial" panose="02000503040000020004" pitchFamily="2" charset="0"/>
-            </a:endParaRPr>
-          </a:p>
-          <a:p>
-            <a:endParaRPr lang="en-IE" dirty="0">
-              <a:solidFill>
-                <a:schemeClr val="tx1"/>
-              </a:solidFill>
-              <a:latin typeface="Congenial" panose="02000503040000020004" pitchFamily="2" charset="0"/>
-            </a:endParaRPr>
-          </a:p>
-          <a:p>
-            <a:endParaRPr lang="en-IE" dirty="0">
-              <a:solidFill>
-                <a:schemeClr val="tx1"/>
-              </a:solidFill>
-              <a:latin typeface="Congenial" panose="02000503040000020004" pitchFamily="2" charset="0"/>
-            </a:endParaRPr>
-          </a:p>
-          <a:p>
-            <a:endParaRPr lang="en-IE" dirty="0">
-              <a:solidFill>
-                <a:schemeClr val="tx1"/>
-              </a:solidFill>
-              <a:latin typeface="Congenial" panose="02000503040000020004" pitchFamily="2" charset="0"/>
-            </a:endParaRPr>
-          </a:p>
-          <a:p>
-            <a:endParaRPr lang="en-IE" dirty="0">
-              <a:solidFill>
-                <a:schemeClr val="tx1"/>
-              </a:solidFill>
-              <a:latin typeface="Congenial" panose="02000503040000020004" pitchFamily="2" charset="0"/>
-            </a:endParaRPr>
-          </a:p>
-          <a:p>
-            <a:endParaRPr lang="en-IE" dirty="0">
-              <a:solidFill>
-                <a:schemeClr val="tx1"/>
-              </a:solidFill>
-              <a:latin typeface="Congenial" panose="02000503040000020004" pitchFamily="2" charset="0"/>
-            </a:endParaRPr>
-          </a:p>
-          <a:p>
-            <a:endParaRPr lang="en-IE" dirty="0">
-              <a:solidFill>
-                <a:schemeClr val="tx1"/>
-              </a:solidFill>
-              <a:latin typeface="Congenial" panose="02000503040000020004" pitchFamily="2" charset="0"/>
-            </a:endParaRPr>
-          </a:p>
-          <a:p>
-            <a:r>
-              <a:rPr lang="en-IE" dirty="0">
-                <a:solidFill>
-                  <a:schemeClr val="tx1"/>
-                </a:solidFill>
-                <a:latin typeface="Congenial" panose="02000503040000020004" pitchFamily="2" charset="0"/>
-              </a:rPr>
-              <a:t>Ngrok secures tunnels over HTTPS by default, encrypting all data transferred over the network. For authentication, ngrok supports OAuth 2.0, which allows users to login using third party platforms. For the duration of this project, users are authenticated by logging in using their @universityofgalway.ie Microsoft accounts.</a:t>
-            </a:r>
-          </a:p>
-        </p:txBody>
-      </p:sp>
-      <p:sp>
-        <p:nvSpPr>
-          <p:cNvPr id="33" name="TextBox 32">
-            <a:extLst>
-              <a:ext uri="{FF2B5EF4-FFF2-40B4-BE49-F238E27FC236}">
-                <a16:creationId xmlns:a16="http://schemas.microsoft.com/office/drawing/2014/main" id="{EB03F569-85EB-DF8F-D63C-8C95A89D656A}"/>
-              </a:ext>
-            </a:extLst>
-          </p:cNvPr>
-          <p:cNvSpPr txBox="1"/>
-          <p:nvPr/>
-        </p:nvSpPr>
-        <p:spPr>
-          <a:xfrm>
-            <a:off x="176994" y="15720888"/>
-            <a:ext cx="14757411" cy="461665"/>
-          </a:xfrm>
-          <a:prstGeom prst="rect">
-            <a:avLst/>
-          </a:prstGeom>
-          <a:ln/>
-        </p:spPr>
-        <p:style>
-          <a:lnRef idx="1">
-            <a:schemeClr val="accent4"/>
-          </a:lnRef>
-          <a:fillRef idx="2">
-            <a:schemeClr val="accent4"/>
-          </a:fillRef>
-          <a:effectRef idx="1">
-            <a:schemeClr val="accent4"/>
-          </a:effectRef>
-          <a:fontRef idx="minor">
-            <a:schemeClr val="dk1"/>
-          </a:fontRef>
-        </p:style>
-        <p:txBody>
-          <a:bodyPr wrap="square" rtlCol="0">
-            <a:spAutoFit/>
-          </a:bodyPr>
-          <a:lstStyle/>
-          <a:p>
-            <a:pPr algn="ctr"/>
-            <a:r>
-              <a:rPr lang="en-IE" sz="2400" dirty="0">
-                <a:latin typeface="Congenial Black" panose="020F0502020204030204" pitchFamily="2" charset="0"/>
-              </a:rPr>
-              <a:t>RISC-V Challenge-Based Learning Platform</a:t>
-            </a:r>
-          </a:p>
-        </p:txBody>
-      </p:sp>
-      <p:sp>
-        <p:nvSpPr>
-          <p:cNvPr id="34" name="Rectangle 33">
-            <a:extLst>
-              <a:ext uri="{FF2B5EF4-FFF2-40B4-BE49-F238E27FC236}">
-                <a16:creationId xmlns:a16="http://schemas.microsoft.com/office/drawing/2014/main" id="{F7110498-830C-74B4-B149-37D8B56B13EF}"/>
-              </a:ext>
-            </a:extLst>
-          </p:cNvPr>
-          <p:cNvSpPr/>
-          <p:nvPr/>
-        </p:nvSpPr>
-        <p:spPr>
-          <a:xfrm>
-            <a:off x="176994" y="16182553"/>
-            <a:ext cx="14757412" cy="3325881"/>
-          </a:xfrm>
-          <a:prstGeom prst="rect">
-            <a:avLst/>
-          </a:prstGeom>
-          <a:ln>
-            <a:solidFill>
-              <a:schemeClr val="accent4"/>
-            </a:solidFill>
-          </a:ln>
-        </p:spPr>
-        <p:style>
-          <a:lnRef idx="2">
-            <a:schemeClr val="accent1">
-              <a:shade val="15000"/>
-            </a:schemeClr>
-          </a:lnRef>
-          <a:fillRef idx="1003">
-            <a:schemeClr val="lt2"/>
-          </a:fillRef>
-          <a:effectRef idx="0">
-            <a:schemeClr val="accent1"/>
-          </a:effectRef>
-          <a:fontRef idx="minor">
-            <a:schemeClr val="lt1"/>
-          </a:fontRef>
-        </p:style>
-        <p:txBody>
-          <a:bodyPr rtlCol="0" anchor="t"/>
-          <a:lstStyle/>
-          <a:p>
-            <a:endParaRPr lang="en-IE" dirty="0">
-              <a:solidFill>
-                <a:schemeClr val="tx1"/>
-              </a:solidFill>
-              <a:latin typeface="Congenial" panose="02000503040000020004" pitchFamily="2" charset="0"/>
-            </a:endParaRPr>
-          </a:p>
-        </p:txBody>
-      </p:sp>
-      <p:grpSp>
-        <p:nvGrpSpPr>
-          <p:cNvPr id="10" name="Group 9">
-            <a:extLst>
-              <a:ext uri="{FF2B5EF4-FFF2-40B4-BE49-F238E27FC236}">
-                <a16:creationId xmlns:a16="http://schemas.microsoft.com/office/drawing/2014/main" id="{820429FB-F0D2-61DE-31BE-C85E3BC56E19}"/>
-              </a:ext>
-            </a:extLst>
-          </p:cNvPr>
-          <p:cNvGrpSpPr/>
-          <p:nvPr/>
-        </p:nvGrpSpPr>
-        <p:grpSpPr>
-          <a:xfrm>
-            <a:off x="7939206" y="11314624"/>
-            <a:ext cx="6798079" cy="4211848"/>
-            <a:chOff x="7939206" y="10966283"/>
-            <a:chExt cx="6798079" cy="4211848"/>
-          </a:xfrm>
-        </p:grpSpPr>
-        <p:pic>
-          <p:nvPicPr>
-            <p:cNvPr id="17" name="Picture 16" descr="A screenshot of a computer program&#10;&#10;Description automatically generated">
-              <a:extLst>
-                <a:ext uri="{FF2B5EF4-FFF2-40B4-BE49-F238E27FC236}">
-                  <a16:creationId xmlns:a16="http://schemas.microsoft.com/office/drawing/2014/main" id="{BB31574D-E927-283B-0F55-43FC3803222D}"/>
-                </a:ext>
-              </a:extLst>
-            </p:cNvPr>
-            <p:cNvPicPr>
-              <a:picLocks noChangeAspect="1"/>
-            </p:cNvPicPr>
-            <p:nvPr/>
-          </p:nvPicPr>
-          <p:blipFill>
-            <a:blip r:embed="rId3">
-              <a:extLst>
-                <a:ext uri="{28A0092B-C50C-407E-A947-70E740481C1C}">
-                  <a14:useLocalDpi xmlns:a14="http://schemas.microsoft.com/office/drawing/2010/main" val="0"/>
-                </a:ext>
-              </a:extLst>
-            </a:blip>
-            <a:stretch>
-              <a:fillRect/>
-            </a:stretch>
-          </p:blipFill>
-          <p:spPr>
-            <a:xfrm>
-              <a:off x="7939206" y="10966283"/>
-              <a:ext cx="3369678" cy="1825802"/>
-            </a:xfrm>
-            <a:prstGeom prst="rect">
-              <a:avLst/>
-            </a:prstGeom>
-          </p:spPr>
-        </p:pic>
-        <p:sp>
-          <p:nvSpPr>
-            <p:cNvPr id="24" name="TextBox 23">
-              <a:extLst>
-                <a:ext uri="{FF2B5EF4-FFF2-40B4-BE49-F238E27FC236}">
-                  <a16:creationId xmlns:a16="http://schemas.microsoft.com/office/drawing/2014/main" id="{A7938173-C495-7D1A-DD35-BD3B7B0890DA}"/>
-                </a:ext>
-              </a:extLst>
-            </p:cNvPr>
-            <p:cNvSpPr txBox="1"/>
-            <p:nvPr/>
-          </p:nvSpPr>
-          <p:spPr>
-            <a:xfrm>
-              <a:off x="7940806" y="12792084"/>
-              <a:ext cx="3363328" cy="276999"/>
-            </a:xfrm>
-            <a:prstGeom prst="rect">
-              <a:avLst/>
-            </a:prstGeom>
-            <a:noFill/>
-          </p:spPr>
-          <p:txBody>
-            <a:bodyPr wrap="square" rtlCol="0">
-              <a:spAutoFit/>
-            </a:bodyPr>
-            <a:lstStyle/>
-            <a:p>
-              <a:pPr algn="ctr"/>
-              <a:r>
-                <a:rPr lang="en-IE" sz="1200" dirty="0">
-                  <a:latin typeface="Congenial" panose="02000503040000020004" pitchFamily="2" charset="0"/>
-                </a:rPr>
-                <a:t>PYNQ SoC Builder Main UI</a:t>
-              </a:r>
-            </a:p>
-          </p:txBody>
-        </p:sp>
-        <p:sp>
-          <p:nvSpPr>
-            <p:cNvPr id="25" name="TextBox 24">
-              <a:extLst>
-                <a:ext uri="{FF2B5EF4-FFF2-40B4-BE49-F238E27FC236}">
-                  <a16:creationId xmlns:a16="http://schemas.microsoft.com/office/drawing/2014/main" id="{8EF5D835-D187-DAA5-5445-FF8F9EDD8FA7}"/>
-                </a:ext>
-              </a:extLst>
-            </p:cNvPr>
-            <p:cNvSpPr txBox="1"/>
-            <p:nvPr/>
-          </p:nvSpPr>
-          <p:spPr>
-            <a:xfrm>
-              <a:off x="11367607" y="12785837"/>
-              <a:ext cx="3369678" cy="276999"/>
-            </a:xfrm>
-            <a:prstGeom prst="rect">
-              <a:avLst/>
-            </a:prstGeom>
-            <a:noFill/>
-          </p:spPr>
-          <p:txBody>
-            <a:bodyPr wrap="square" rtlCol="0">
-              <a:spAutoFit/>
-            </a:bodyPr>
-            <a:lstStyle/>
-            <a:p>
-              <a:pPr algn="ctr"/>
-              <a:r>
-                <a:rPr lang="en-IE" sz="1200" dirty="0">
-                  <a:latin typeface="Congenial" panose="02000503040000020004" pitchFamily="2" charset="0"/>
-                </a:rPr>
-                <a:t>Vivado Block Diagram</a:t>
-              </a:r>
-            </a:p>
-          </p:txBody>
-        </p:sp>
-        <p:sp>
-          <p:nvSpPr>
-            <p:cNvPr id="35" name="TextBox 34">
-              <a:extLst>
-                <a:ext uri="{FF2B5EF4-FFF2-40B4-BE49-F238E27FC236}">
-                  <a16:creationId xmlns:a16="http://schemas.microsoft.com/office/drawing/2014/main" id="{AFF99B4A-035C-8ADE-6AA5-25A093971D2C}"/>
-                </a:ext>
-              </a:extLst>
-            </p:cNvPr>
-            <p:cNvSpPr txBox="1"/>
-            <p:nvPr/>
-          </p:nvSpPr>
-          <p:spPr>
-            <a:xfrm>
-              <a:off x="7939206" y="14901132"/>
-              <a:ext cx="3363328" cy="276999"/>
-            </a:xfrm>
-            <a:prstGeom prst="rect">
-              <a:avLst/>
-            </a:prstGeom>
-            <a:noFill/>
-          </p:spPr>
-          <p:txBody>
-            <a:bodyPr wrap="square" rtlCol="0">
-              <a:spAutoFit/>
-            </a:bodyPr>
-            <a:lstStyle/>
-            <a:p>
-              <a:pPr algn="ctr"/>
-              <a:r>
-                <a:rPr lang="en-IE" sz="1200" dirty="0">
-                  <a:latin typeface="Congenial" panose="02000503040000020004" pitchFamily="2" charset="0"/>
-                </a:rPr>
-                <a:t>I/O Connections Menu</a:t>
-              </a:r>
-            </a:p>
-          </p:txBody>
-        </p:sp>
-        <p:sp>
-          <p:nvSpPr>
-            <p:cNvPr id="36" name="TextBox 35">
-              <a:extLst>
-                <a:ext uri="{FF2B5EF4-FFF2-40B4-BE49-F238E27FC236}">
-                  <a16:creationId xmlns:a16="http://schemas.microsoft.com/office/drawing/2014/main" id="{2CF2E24E-5795-E477-93D8-C9C580397172}"/>
-                </a:ext>
-              </a:extLst>
-            </p:cNvPr>
-            <p:cNvSpPr txBox="1"/>
-            <p:nvPr/>
-          </p:nvSpPr>
-          <p:spPr>
-            <a:xfrm>
-              <a:off x="11366007" y="14894885"/>
-              <a:ext cx="3369678" cy="276999"/>
-            </a:xfrm>
-            <a:prstGeom prst="rect">
-              <a:avLst/>
-            </a:prstGeom>
-            <a:noFill/>
-          </p:spPr>
-          <p:txBody>
-            <a:bodyPr wrap="square" rtlCol="0">
-              <a:spAutoFit/>
-            </a:bodyPr>
-            <a:lstStyle/>
-            <a:p>
-              <a:pPr algn="ctr"/>
-              <a:r>
-                <a:rPr lang="en-IE" sz="1200" dirty="0">
-                  <a:latin typeface="Congenial" panose="02000503040000020004" pitchFamily="2" charset="0"/>
-                </a:rPr>
-                <a:t>Sample LED Signal Configuration</a:t>
-              </a:r>
-            </a:p>
-          </p:txBody>
-        </p:sp>
-      </p:grpSp>
-      <p:grpSp>
-        <p:nvGrpSpPr>
-          <p:cNvPr id="2" name="Group 1">
-            <a:extLst>
-              <a:ext uri="{FF2B5EF4-FFF2-40B4-BE49-F238E27FC236}">
-                <a16:creationId xmlns:a16="http://schemas.microsoft.com/office/drawing/2014/main" id="{AC41D9D0-E614-7E3C-E8EF-E760AAF550E0}"/>
-              </a:ext>
-            </a:extLst>
-          </p:cNvPr>
-          <p:cNvGrpSpPr/>
-          <p:nvPr/>
-        </p:nvGrpSpPr>
-        <p:grpSpPr>
-          <a:xfrm>
-            <a:off x="7939219" y="6961464"/>
-            <a:ext cx="6830552" cy="4177194"/>
-            <a:chOff x="7939219" y="5292322"/>
-            <a:chExt cx="6830552" cy="4177194"/>
-          </a:xfrm>
-        </p:grpSpPr>
-        <p:sp>
-          <p:nvSpPr>
-            <p:cNvPr id="5" name="Rectangle 4">
-              <a:extLst>
-                <a:ext uri="{FF2B5EF4-FFF2-40B4-BE49-F238E27FC236}">
-                  <a16:creationId xmlns:a16="http://schemas.microsoft.com/office/drawing/2014/main" id="{6AED69D0-AEBA-8FF3-7DD0-2170002A896F}"/>
-                </a:ext>
-              </a:extLst>
-            </p:cNvPr>
-            <p:cNvSpPr/>
-            <p:nvPr/>
-          </p:nvSpPr>
-          <p:spPr>
-            <a:xfrm>
-              <a:off x="7939219" y="5292322"/>
-              <a:ext cx="6802829" cy="4177194"/>
-            </a:xfrm>
-            <a:prstGeom prst="rect">
-              <a:avLst/>
-            </a:prstGeom>
-            <a:solidFill>
-              <a:schemeClr val="accent1">
-                <a:lumMod val="40000"/>
-                <a:lumOff val="60000"/>
-                <a:alpha val="50000"/>
-              </a:schemeClr>
-            </a:solidFill>
-            <a:ln>
-              <a:noFill/>
-            </a:ln>
-          </p:spPr>
-          <p:style>
-            <a:lnRef idx="0">
-              <a:scrgbClr r="0" g="0" b="0"/>
-            </a:lnRef>
-            <a:fillRef idx="0">
-              <a:scrgbClr r="0" g="0" b="0"/>
-            </a:fillRef>
-            <a:effectRef idx="0">
-              <a:scrgbClr r="0" g="0" b="0"/>
-            </a:effectRef>
-            <a:fontRef idx="minor">
-              <a:schemeClr val="lt1"/>
-            </a:fontRef>
-          </p:style>
-          <p:txBody>
-            <a:bodyPr rtlCol="0" anchor="ctr"/>
-            <a:lstStyle/>
-            <a:p>
-              <a:pPr algn="ctr"/>
-              <a:endParaRPr lang="en-IE" dirty="0"/>
-            </a:p>
-          </p:txBody>
-        </p:sp>
-        <p:sp>
-          <p:nvSpPr>
-            <p:cNvPr id="37" name="Rectangle: Rounded Corners 36">
-              <a:extLst>
-                <a:ext uri="{FF2B5EF4-FFF2-40B4-BE49-F238E27FC236}">
-                  <a16:creationId xmlns:a16="http://schemas.microsoft.com/office/drawing/2014/main" id="{2BC0D01C-DB93-ECAB-48F8-42FF659895A6}"/>
-                </a:ext>
-              </a:extLst>
-            </p:cNvPr>
-            <p:cNvSpPr/>
-            <p:nvPr/>
-          </p:nvSpPr>
-          <p:spPr>
-            <a:xfrm>
-              <a:off x="10922826" y="5463312"/>
-              <a:ext cx="1351720" cy="2483565"/>
-            </a:xfrm>
-            <a:prstGeom prst="roundRect">
-              <a:avLst/>
-            </a:prstGeom>
-            <a:solidFill>
-              <a:schemeClr val="accent5">
-                <a:lumMod val="60000"/>
-                <a:lumOff val="40000"/>
-              </a:schemeClr>
-            </a:solidFill>
-          </p:spPr>
-          <p:style>
-            <a:lnRef idx="2">
-              <a:schemeClr val="accent5">
-                <a:shade val="15000"/>
-              </a:schemeClr>
-            </a:lnRef>
-            <a:fillRef idx="1">
-              <a:schemeClr val="accent5"/>
-            </a:fillRef>
-            <a:effectRef idx="0">
-              <a:schemeClr val="accent5"/>
-            </a:effectRef>
-            <a:fontRef idx="minor">
-              <a:schemeClr val="lt1"/>
-            </a:fontRef>
-          </p:style>
-          <p:txBody>
-            <a:bodyPr rtlCol="0" anchor="t"/>
-            <a:lstStyle/>
-            <a:p>
-              <a:pPr algn="ctr"/>
-              <a:r>
-                <a:rPr lang="en-IE" dirty="0">
-                  <a:solidFill>
-                    <a:sysClr val="windowText" lastClr="000000"/>
-                  </a:solidFill>
-                  <a:latin typeface="Congenial Black" panose="02000503040000020004" pitchFamily="2" charset="0"/>
-                </a:rPr>
-                <a:t>PYNQ</a:t>
-              </a:r>
-            </a:p>
-            <a:p>
-              <a:pPr algn="ctr"/>
-              <a:r>
-                <a:rPr lang="en-IE" dirty="0">
-                  <a:solidFill>
-                    <a:sysClr val="windowText" lastClr="000000"/>
-                  </a:solidFill>
-                  <a:latin typeface="Congenial Black" panose="02000503040000020004" pitchFamily="2" charset="0"/>
-                </a:rPr>
-                <a:t>SoC</a:t>
-              </a:r>
-            </a:p>
-            <a:p>
-              <a:pPr algn="ctr"/>
-              <a:r>
-                <a:rPr lang="en-IE" dirty="0">
-                  <a:solidFill>
-                    <a:sysClr val="windowText" lastClr="000000"/>
-                  </a:solidFill>
-                  <a:latin typeface="Congenial Black" panose="02000503040000020004" pitchFamily="2" charset="0"/>
-                </a:rPr>
-                <a:t>Builder</a:t>
-              </a:r>
-            </a:p>
-          </p:txBody>
-        </p:sp>
-        <p:sp>
-          <p:nvSpPr>
-            <p:cNvPr id="39" name="Rectangle 38">
-              <a:extLst>
-                <a:ext uri="{FF2B5EF4-FFF2-40B4-BE49-F238E27FC236}">
-                  <a16:creationId xmlns:a16="http://schemas.microsoft.com/office/drawing/2014/main" id="{8E21B73D-3762-A235-F0FB-B511ABDC78BE}"/>
-                </a:ext>
-              </a:extLst>
-            </p:cNvPr>
-            <p:cNvSpPr/>
-            <p:nvPr/>
-          </p:nvSpPr>
-          <p:spPr>
-            <a:xfrm>
-              <a:off x="8115299" y="6171627"/>
-              <a:ext cx="1859783" cy="2088000"/>
-            </a:xfrm>
-            <a:prstGeom prst="rect">
-              <a:avLst/>
-            </a:prstGeom>
-            <a:solidFill>
-              <a:schemeClr val="dk1">
-                <a:alpha val="50000"/>
-              </a:schemeClr>
-            </a:solidFill>
-            <a:ln>
-              <a:noFill/>
-            </a:ln>
-          </p:spPr>
-          <p:style>
-            <a:lnRef idx="0">
-              <a:scrgbClr r="0" g="0" b="0"/>
-            </a:lnRef>
-            <a:fillRef idx="0">
-              <a:scrgbClr r="0" g="0" b="0"/>
-            </a:fillRef>
-            <a:effectRef idx="0">
-              <a:scrgbClr r="0" g="0" b="0"/>
-            </a:effectRef>
-            <a:fontRef idx="minor">
-              <a:schemeClr val="lt1"/>
-            </a:fontRef>
-          </p:style>
-          <p:txBody>
-            <a:bodyPr rtlCol="0" anchor="t"/>
-            <a:lstStyle/>
-            <a:p>
-              <a:pPr marL="36000" algn="ctr"/>
-              <a:r>
-                <a:rPr lang="en-IE" sz="1200" dirty="0">
-                  <a:latin typeface="Congenial" panose="02000503040000020004" pitchFamily="2" charset="0"/>
-                </a:rPr>
-                <a:t>Component Name, Description,</a:t>
-              </a:r>
-            </a:p>
-            <a:p>
-              <a:pPr marL="36000" algn="ctr"/>
-              <a:r>
-                <a:rPr lang="en-IE" sz="1200" dirty="0">
-                  <a:latin typeface="Congenial" panose="02000503040000020004" pitchFamily="2" charset="0"/>
-                </a:rPr>
-                <a:t> Date, Author, </a:t>
-              </a:r>
-            </a:p>
-            <a:p>
-              <a:pPr marL="36000" algn="ctr"/>
-              <a:r>
-                <a:rPr lang="en-IE" sz="1200" dirty="0">
-                  <a:latin typeface="Congenial" panose="02000503040000020004" pitchFamily="2" charset="0"/>
-                </a:rPr>
-                <a:t>Email, Company</a:t>
-              </a:r>
-            </a:p>
-            <a:p>
-              <a:pPr marL="36000" algn="ctr"/>
-              <a:r>
-                <a:rPr lang="en-IE" sz="1200" dirty="0">
-                  <a:latin typeface="Congenial" panose="02000503040000020004" pitchFamily="2" charset="0"/>
-                </a:rPr>
-                <a:t>Sub-Components</a:t>
-              </a:r>
-            </a:p>
-            <a:p>
-              <a:pPr marL="36000" algn="ctr"/>
-              <a:r>
-                <a:rPr lang="en-IE" sz="1200" dirty="0">
-                  <a:latin typeface="Congenial" panose="02000503040000020004" pitchFamily="2" charset="0"/>
-                </a:rPr>
-                <a:t>Signal Type</a:t>
-              </a:r>
-            </a:p>
-            <a:p>
-              <a:pPr marL="36000" algn="ctr"/>
-              <a:r>
-                <a:rPr lang="en-IE" sz="1200" dirty="0">
-                  <a:latin typeface="Congenial" panose="02000503040000020004" pitchFamily="2" charset="0"/>
-                </a:rPr>
-                <a:t>Sub-components</a:t>
-              </a:r>
-            </a:p>
-            <a:p>
-              <a:pPr marL="36000" algn="ctr"/>
-              <a:r>
-                <a:rPr lang="en-IE" sz="1200" dirty="0">
-                  <a:latin typeface="Congenial" panose="02000503040000020004" pitchFamily="2" charset="0"/>
-                </a:rPr>
-                <a:t>Ports</a:t>
-              </a:r>
-            </a:p>
-            <a:p>
-              <a:pPr marL="36000" algn="ctr"/>
-              <a:r>
-                <a:rPr lang="en-IE" sz="1200" dirty="0">
-                  <a:latin typeface="Congenial" panose="02000503040000020004" pitchFamily="2" charset="0"/>
-                </a:rPr>
-                <a:t>Internal Signals</a:t>
-              </a:r>
-            </a:p>
-            <a:p>
-              <a:pPr marL="36000" algn="ctr"/>
-              <a:r>
-                <a:rPr lang="en-IE" sz="1200" dirty="0">
-                  <a:latin typeface="Congenial" panose="02000503040000020004" pitchFamily="2" charset="0"/>
-                </a:rPr>
-                <a:t>Architecture</a:t>
-              </a:r>
-            </a:p>
-            <a:p>
-              <a:pPr marL="36000" algn="ctr"/>
-              <a:r>
-                <a:rPr lang="en-IE" sz="1200" dirty="0">
-                  <a:latin typeface="Congenial" panose="02000503040000020004" pitchFamily="2" charset="0"/>
-                </a:rPr>
-                <a:t>Test Plan</a:t>
-              </a:r>
-            </a:p>
-          </p:txBody>
-        </p:sp>
-        <p:sp>
-          <p:nvSpPr>
-            <p:cNvPr id="44" name="TextBox 43">
-              <a:extLst>
-                <a:ext uri="{FF2B5EF4-FFF2-40B4-BE49-F238E27FC236}">
-                  <a16:creationId xmlns:a16="http://schemas.microsoft.com/office/drawing/2014/main" id="{C5A7F42E-C837-A7CB-1F7D-4D8560907EB9}"/>
-                </a:ext>
-              </a:extLst>
-            </p:cNvPr>
-            <p:cNvSpPr txBox="1"/>
-            <p:nvPr/>
-          </p:nvSpPr>
-          <p:spPr>
-            <a:xfrm>
-              <a:off x="10107909" y="6096397"/>
-              <a:ext cx="692260" cy="461665"/>
-            </a:xfrm>
-            <a:prstGeom prst="rect">
-              <a:avLst/>
-            </a:prstGeom>
-            <a:noFill/>
-          </p:spPr>
-          <p:txBody>
-            <a:bodyPr wrap="square" rtlCol="0">
-              <a:spAutoFit/>
-            </a:bodyPr>
-            <a:lstStyle/>
-            <a:p>
-              <a:pPr algn="ctr"/>
-              <a:r>
-                <a:rPr lang="en-IE" sz="1200" b="1" dirty="0">
-                  <a:latin typeface="Congenial" panose="02000503040000020004" pitchFamily="2" charset="0"/>
-                </a:rPr>
-                <a:t>1</a:t>
-              </a:r>
-              <a:r>
-                <a:rPr lang="en-IE" sz="1200" dirty="0">
-                  <a:latin typeface="Congenial" panose="02000503040000020004" pitchFamily="2" charset="0"/>
-                </a:rPr>
-                <a:t>. Read</a:t>
-              </a:r>
-            </a:p>
-            <a:p>
-              <a:pPr algn="ctr"/>
-              <a:r>
-                <a:rPr lang="en-IE" sz="1200" dirty="0">
-                  <a:latin typeface="Congenial" panose="02000503040000020004" pitchFamily="2" charset="0"/>
-                </a:rPr>
-                <a:t>Data</a:t>
-              </a:r>
-            </a:p>
-          </p:txBody>
-        </p:sp>
-        <p:sp>
-          <p:nvSpPr>
-            <p:cNvPr id="45" name="TextBox 44">
-              <a:extLst>
-                <a:ext uri="{FF2B5EF4-FFF2-40B4-BE49-F238E27FC236}">
-                  <a16:creationId xmlns:a16="http://schemas.microsoft.com/office/drawing/2014/main" id="{04EC6A20-D33D-66DD-B119-BE7CA8170962}"/>
-                </a:ext>
-              </a:extLst>
-            </p:cNvPr>
-            <p:cNvSpPr txBox="1"/>
-            <p:nvPr/>
-          </p:nvSpPr>
-          <p:spPr>
-            <a:xfrm>
-              <a:off x="10563639" y="7998541"/>
-              <a:ext cx="993671" cy="646331"/>
-            </a:xfrm>
-            <a:prstGeom prst="rect">
-              <a:avLst/>
-            </a:prstGeom>
-            <a:noFill/>
-          </p:spPr>
-          <p:txBody>
-            <a:bodyPr wrap="square" rtlCol="0">
-              <a:spAutoFit/>
-            </a:bodyPr>
-            <a:lstStyle/>
-            <a:p>
-              <a:pPr algn="ctr"/>
-              <a:r>
-                <a:rPr lang="en-IE" sz="1200" b="1" dirty="0">
-                  <a:latin typeface="Congenial" panose="02000503040000020004" pitchFamily="2" charset="0"/>
-                </a:rPr>
-                <a:t>3</a:t>
-              </a:r>
-              <a:r>
-                <a:rPr lang="en-IE" sz="1200" dirty="0">
-                  <a:latin typeface="Congenial" panose="02000503040000020004" pitchFamily="2" charset="0"/>
-                </a:rPr>
-                <a:t>. Invoke script in Vivado </a:t>
-              </a:r>
-            </a:p>
-          </p:txBody>
-        </p:sp>
-        <p:cxnSp>
-          <p:nvCxnSpPr>
-            <p:cNvPr id="54" name="Straight Arrow Connector 53">
-              <a:extLst>
-                <a:ext uri="{FF2B5EF4-FFF2-40B4-BE49-F238E27FC236}">
-                  <a16:creationId xmlns:a16="http://schemas.microsoft.com/office/drawing/2014/main" id="{D02A322D-61EC-2A8F-CB2F-46918B9D85D8}"/>
-                </a:ext>
-              </a:extLst>
-            </p:cNvPr>
-            <p:cNvCxnSpPr>
-              <a:cxnSpLocks/>
-            </p:cNvCxnSpPr>
-            <p:nvPr/>
-          </p:nvCxnSpPr>
-          <p:spPr>
-            <a:xfrm>
-              <a:off x="9985252" y="6015624"/>
-              <a:ext cx="937574" cy="0"/>
-            </a:xfrm>
-            <a:prstGeom prst="straightConnector1">
-              <a:avLst/>
-            </a:prstGeom>
-            <a:ln w="76200">
-              <a:solidFill>
-                <a:srgbClr val="C00000"/>
-              </a:solidFill>
-              <a:tailEnd type="triangle"/>
-            </a:ln>
-          </p:spPr>
-          <p:style>
-            <a:lnRef idx="2">
-              <a:schemeClr val="accent1"/>
-            </a:lnRef>
-            <a:fillRef idx="0">
-              <a:schemeClr val="accent1"/>
-            </a:fillRef>
-            <a:effectRef idx="1">
-              <a:schemeClr val="accent1"/>
-            </a:effectRef>
-            <a:fontRef idx="minor">
-              <a:schemeClr val="tx1"/>
-            </a:fontRef>
-          </p:style>
-        </p:cxnSp>
-        <p:cxnSp>
-          <p:nvCxnSpPr>
-            <p:cNvPr id="46" name="Straight Arrow Connector 45">
-              <a:extLst>
-                <a:ext uri="{FF2B5EF4-FFF2-40B4-BE49-F238E27FC236}">
-                  <a16:creationId xmlns:a16="http://schemas.microsoft.com/office/drawing/2014/main" id="{817C94B7-A277-0369-6DB9-3F62DEAEFC9B}"/>
-                </a:ext>
-              </a:extLst>
-            </p:cNvPr>
-            <p:cNvCxnSpPr>
-              <a:cxnSpLocks/>
-            </p:cNvCxnSpPr>
-            <p:nvPr/>
-          </p:nvCxnSpPr>
-          <p:spPr>
-            <a:xfrm flipH="1">
-              <a:off x="11454881" y="7960858"/>
-              <a:ext cx="15790" cy="686450"/>
-            </a:xfrm>
-            <a:prstGeom prst="straightConnector1">
-              <a:avLst/>
-            </a:prstGeom>
-            <a:ln w="76200">
-              <a:solidFill>
-                <a:srgbClr val="C00000"/>
-              </a:solidFill>
-              <a:tailEnd type="triangle"/>
-            </a:ln>
-          </p:spPr>
-          <p:style>
-            <a:lnRef idx="2">
-              <a:schemeClr val="accent1"/>
-            </a:lnRef>
-            <a:fillRef idx="0">
-              <a:schemeClr val="accent1"/>
-            </a:fillRef>
-            <a:effectRef idx="1">
-              <a:schemeClr val="accent1"/>
-            </a:effectRef>
-            <a:fontRef idx="minor">
-              <a:schemeClr val="tx1"/>
-            </a:fontRef>
-          </p:style>
-        </p:cxnSp>
-        <p:cxnSp>
-          <p:nvCxnSpPr>
-            <p:cNvPr id="58" name="Straight Arrow Connector 57">
-              <a:extLst>
-                <a:ext uri="{FF2B5EF4-FFF2-40B4-BE49-F238E27FC236}">
-                  <a16:creationId xmlns:a16="http://schemas.microsoft.com/office/drawing/2014/main" id="{4C807303-B7F3-4911-33CD-E07ED76A93E3}"/>
-                </a:ext>
-              </a:extLst>
-            </p:cNvPr>
-            <p:cNvCxnSpPr>
-              <a:cxnSpLocks/>
-            </p:cNvCxnSpPr>
-            <p:nvPr/>
-          </p:nvCxnSpPr>
-          <p:spPr>
-            <a:xfrm flipV="1">
-              <a:off x="11752689" y="7960858"/>
-              <a:ext cx="0" cy="684014"/>
-            </a:xfrm>
-            <a:prstGeom prst="straightConnector1">
-              <a:avLst/>
-            </a:prstGeom>
-            <a:ln w="76200">
-              <a:solidFill>
-                <a:srgbClr val="C00000"/>
-              </a:solidFill>
-              <a:tailEnd type="triangle"/>
-            </a:ln>
-          </p:spPr>
-          <p:style>
-            <a:lnRef idx="2">
-              <a:schemeClr val="accent1"/>
-            </a:lnRef>
-            <a:fillRef idx="0">
-              <a:schemeClr val="accent1"/>
-            </a:fillRef>
-            <a:effectRef idx="1">
-              <a:schemeClr val="accent1"/>
-            </a:effectRef>
-            <a:fontRef idx="minor">
-              <a:schemeClr val="tx1"/>
-            </a:fontRef>
-          </p:style>
-        </p:cxnSp>
-        <p:sp>
-          <p:nvSpPr>
-            <p:cNvPr id="69" name="Rectangle: Rounded Corners 68">
-              <a:extLst>
-                <a:ext uri="{FF2B5EF4-FFF2-40B4-BE49-F238E27FC236}">
-                  <a16:creationId xmlns:a16="http://schemas.microsoft.com/office/drawing/2014/main" id="{60E3B120-E1EA-9209-1DB4-EF0C861EB1D3}"/>
-                </a:ext>
-              </a:extLst>
-            </p:cNvPr>
-            <p:cNvSpPr/>
-            <p:nvPr/>
-          </p:nvSpPr>
-          <p:spPr>
-            <a:xfrm>
-              <a:off x="13208822" y="5491877"/>
-              <a:ext cx="1351721" cy="2034855"/>
-            </a:xfrm>
-            <a:prstGeom prst="roundRect">
-              <a:avLst/>
-            </a:prstGeom>
-            <a:solidFill>
-              <a:schemeClr val="accent2">
-                <a:lumMod val="60000"/>
-                <a:lumOff val="40000"/>
-              </a:schemeClr>
-            </a:solidFill>
-          </p:spPr>
-          <p:style>
-            <a:lnRef idx="2">
-              <a:schemeClr val="accent5">
-                <a:shade val="15000"/>
-              </a:schemeClr>
-            </a:lnRef>
-            <a:fillRef idx="1">
-              <a:schemeClr val="accent5"/>
-            </a:fillRef>
-            <a:effectRef idx="0">
-              <a:schemeClr val="accent5"/>
-            </a:effectRef>
-            <a:fontRef idx="minor">
-              <a:schemeClr val="lt1"/>
-            </a:fontRef>
-          </p:style>
-          <p:txBody>
-            <a:bodyPr rtlCol="0" anchor="t"/>
-            <a:lstStyle/>
-            <a:p>
-              <a:pPr algn="ctr"/>
-              <a:r>
-                <a:rPr lang="en-IE" dirty="0">
-                  <a:solidFill>
-                    <a:sysClr val="windowText" lastClr="000000"/>
-                  </a:solidFill>
-                  <a:latin typeface="Congenial Black" panose="02000503040000020004" pitchFamily="2" charset="0"/>
-                </a:rPr>
-                <a:t>Output Binaries</a:t>
-              </a:r>
-            </a:p>
-            <a:p>
-              <a:pPr algn="ctr"/>
-              <a:endParaRPr lang="en-IE" dirty="0">
-                <a:solidFill>
-                  <a:sysClr val="windowText" lastClr="000000"/>
-                </a:solidFill>
-                <a:latin typeface="Congenial" panose="02000503040000020004" pitchFamily="2" charset="0"/>
-              </a:endParaRPr>
-            </a:p>
-            <a:p>
-              <a:pPr algn="ctr"/>
-              <a:r>
-                <a:rPr lang="en-IE" dirty="0">
-                  <a:solidFill>
-                    <a:sysClr val="windowText" lastClr="000000"/>
-                  </a:solidFill>
-                  <a:latin typeface="Congenial" panose="02000503040000020004" pitchFamily="2" charset="0"/>
-                </a:rPr>
-                <a:t>.hwh, .tcl, .bit, .ipynb</a:t>
-              </a:r>
-            </a:p>
-          </p:txBody>
-        </p:sp>
-        <p:pic>
-          <p:nvPicPr>
-            <p:cNvPr id="72" name="Picture 71" descr="A close-up of a logo&#10;&#10;Description automatically generated">
-              <a:extLst>
-                <a:ext uri="{FF2B5EF4-FFF2-40B4-BE49-F238E27FC236}">
-                  <a16:creationId xmlns:a16="http://schemas.microsoft.com/office/drawing/2014/main" id="{5E8CDC01-393B-E935-F582-CA0546C3CAC3}"/>
-                </a:ext>
-              </a:extLst>
-            </p:cNvPr>
-            <p:cNvPicPr>
-              <a:picLocks noChangeAspect="1"/>
-            </p:cNvPicPr>
-            <p:nvPr/>
-          </p:nvPicPr>
-          <p:blipFill>
-            <a:blip r:embed="rId4">
-              <a:extLst>
-                <a:ext uri="{28A0092B-C50C-407E-A947-70E740481C1C}">
-                  <a14:useLocalDpi xmlns:a14="http://schemas.microsoft.com/office/drawing/2010/main" val="0"/>
-                </a:ext>
-              </a:extLst>
-            </a:blip>
-            <a:stretch>
-              <a:fillRect/>
-            </a:stretch>
-          </p:blipFill>
-          <p:spPr>
-            <a:xfrm>
-              <a:off x="9869154" y="8661212"/>
-              <a:ext cx="2161813" cy="705563"/>
-            </a:xfrm>
-            <a:prstGeom prst="roundRect">
-              <a:avLst/>
-            </a:prstGeom>
-            <a:ln w="19050">
-              <a:solidFill>
-                <a:schemeClr val="tx1"/>
-              </a:solidFill>
-            </a:ln>
-          </p:spPr>
-        </p:pic>
-        <p:sp>
-          <p:nvSpPr>
-            <p:cNvPr id="76" name="TextBox 75">
-              <a:extLst>
-                <a:ext uri="{FF2B5EF4-FFF2-40B4-BE49-F238E27FC236}">
-                  <a16:creationId xmlns:a16="http://schemas.microsoft.com/office/drawing/2014/main" id="{9C7BBEF5-F0F6-C6BB-2D69-00BF62610FC7}"/>
-                </a:ext>
-              </a:extLst>
-            </p:cNvPr>
-            <p:cNvSpPr txBox="1"/>
-            <p:nvPr/>
-          </p:nvSpPr>
-          <p:spPr>
-            <a:xfrm>
-              <a:off x="10935547" y="6348866"/>
-              <a:ext cx="1326276" cy="830997"/>
-            </a:xfrm>
-            <a:prstGeom prst="rect">
-              <a:avLst/>
-            </a:prstGeom>
-            <a:noFill/>
-          </p:spPr>
-          <p:txBody>
-            <a:bodyPr wrap="square" rtlCol="0">
-              <a:spAutoFit/>
-            </a:bodyPr>
-            <a:lstStyle/>
-            <a:p>
-              <a:pPr algn="ctr"/>
-              <a:r>
-                <a:rPr lang="en-IE" sz="1200" b="1" dirty="0">
-                  <a:latin typeface="Congenial" panose="02000503040000020004" pitchFamily="2" charset="0"/>
-                </a:rPr>
-                <a:t>2</a:t>
-              </a:r>
-              <a:r>
-                <a:rPr lang="en-IE" sz="1200" dirty="0">
-                  <a:latin typeface="Congenial" panose="02000503040000020004" pitchFamily="2" charset="0"/>
-                </a:rPr>
-                <a:t>. Prepare a Tcl script which applies build steps in Vivado</a:t>
-              </a:r>
-            </a:p>
-          </p:txBody>
-        </p:sp>
-        <p:sp>
-          <p:nvSpPr>
-            <p:cNvPr id="79" name="TextBox 78">
-              <a:extLst>
-                <a:ext uri="{FF2B5EF4-FFF2-40B4-BE49-F238E27FC236}">
-                  <a16:creationId xmlns:a16="http://schemas.microsoft.com/office/drawing/2014/main" id="{DEA19F18-7ADF-BD86-7453-AA52F3B1A852}"/>
-                </a:ext>
-              </a:extLst>
-            </p:cNvPr>
-            <p:cNvSpPr txBox="1"/>
-            <p:nvPr/>
-          </p:nvSpPr>
-          <p:spPr>
-            <a:xfrm>
-              <a:off x="11700665" y="7986980"/>
-              <a:ext cx="993671" cy="646331"/>
-            </a:xfrm>
-            <a:prstGeom prst="rect">
-              <a:avLst/>
-            </a:prstGeom>
-            <a:noFill/>
-          </p:spPr>
-          <p:txBody>
-            <a:bodyPr wrap="square" rtlCol="0">
-              <a:spAutoFit/>
-            </a:bodyPr>
-            <a:lstStyle/>
-            <a:p>
-              <a:pPr algn="ctr"/>
-              <a:r>
-                <a:rPr lang="en-IE" sz="1200" b="1" dirty="0">
-                  <a:latin typeface="Congenial" panose="02000503040000020004" pitchFamily="2" charset="0"/>
-                </a:rPr>
-                <a:t>4</a:t>
-              </a:r>
-              <a:r>
-                <a:rPr lang="en-IE" sz="1200" dirty="0">
-                  <a:latin typeface="Congenial" panose="02000503040000020004" pitchFamily="2" charset="0"/>
-                </a:rPr>
-                <a:t>. Vivado exports binaries</a:t>
-              </a:r>
-            </a:p>
-          </p:txBody>
-        </p:sp>
-        <p:sp>
-          <p:nvSpPr>
-            <p:cNvPr id="80" name="TextBox 79">
-              <a:extLst>
-                <a:ext uri="{FF2B5EF4-FFF2-40B4-BE49-F238E27FC236}">
-                  <a16:creationId xmlns:a16="http://schemas.microsoft.com/office/drawing/2014/main" id="{86A6C317-103E-E094-4300-CD41342965AA}"/>
-                </a:ext>
-              </a:extLst>
-            </p:cNvPr>
-            <p:cNvSpPr txBox="1"/>
-            <p:nvPr/>
-          </p:nvSpPr>
-          <p:spPr>
-            <a:xfrm>
-              <a:off x="10938745" y="7111019"/>
-              <a:ext cx="1326276" cy="830997"/>
-            </a:xfrm>
-            <a:prstGeom prst="rect">
-              <a:avLst/>
-            </a:prstGeom>
-            <a:noFill/>
-          </p:spPr>
-          <p:txBody>
-            <a:bodyPr wrap="square" rtlCol="0">
-              <a:spAutoFit/>
-            </a:bodyPr>
-            <a:lstStyle/>
-            <a:p>
-              <a:pPr algn="ctr"/>
-              <a:r>
-                <a:rPr lang="en-IE" sz="1200" b="1" dirty="0">
-                  <a:latin typeface="Congenial" panose="02000503040000020004" pitchFamily="2" charset="0"/>
-                </a:rPr>
-                <a:t>5</a:t>
-              </a:r>
-              <a:r>
-                <a:rPr lang="en-IE" sz="1200" dirty="0">
-                  <a:latin typeface="Congenial" panose="02000503040000020004" pitchFamily="2" charset="0"/>
-                </a:rPr>
-                <a:t>. Generate Jupyter NB based on Test plan</a:t>
-              </a:r>
-            </a:p>
-          </p:txBody>
-        </p:sp>
-        <p:cxnSp>
-          <p:nvCxnSpPr>
-            <p:cNvPr id="83" name="Straight Arrow Connector 82">
-              <a:extLst>
-                <a:ext uri="{FF2B5EF4-FFF2-40B4-BE49-F238E27FC236}">
-                  <a16:creationId xmlns:a16="http://schemas.microsoft.com/office/drawing/2014/main" id="{6E4F93B4-9535-1F2B-E84D-14536E6290CB}"/>
-                </a:ext>
-              </a:extLst>
-            </p:cNvPr>
-            <p:cNvCxnSpPr>
-              <a:cxnSpLocks/>
-            </p:cNvCxnSpPr>
-            <p:nvPr/>
-          </p:nvCxnSpPr>
-          <p:spPr>
-            <a:xfrm>
-              <a:off x="12274546" y="6015624"/>
-              <a:ext cx="937574" cy="0"/>
-            </a:xfrm>
-            <a:prstGeom prst="straightConnector1">
-              <a:avLst/>
-            </a:prstGeom>
-            <a:ln w="76200">
-              <a:solidFill>
-                <a:srgbClr val="C00000"/>
-              </a:solidFill>
-              <a:tailEnd type="triangle"/>
-            </a:ln>
-          </p:spPr>
-          <p:style>
-            <a:lnRef idx="2">
-              <a:schemeClr val="accent1"/>
-            </a:lnRef>
-            <a:fillRef idx="0">
-              <a:schemeClr val="accent1"/>
-            </a:fillRef>
-            <a:effectRef idx="1">
-              <a:schemeClr val="accent1"/>
-            </a:effectRef>
-            <a:fontRef idx="minor">
-              <a:schemeClr val="tx1"/>
-            </a:fontRef>
-          </p:style>
-        </p:cxnSp>
-        <p:sp>
-          <p:nvSpPr>
-            <p:cNvPr id="84" name="TextBox 83">
-              <a:extLst>
-                <a:ext uri="{FF2B5EF4-FFF2-40B4-BE49-F238E27FC236}">
-                  <a16:creationId xmlns:a16="http://schemas.microsoft.com/office/drawing/2014/main" id="{D6735A7F-91CA-372E-64A0-747021298411}"/>
-                </a:ext>
-              </a:extLst>
-            </p:cNvPr>
-            <p:cNvSpPr txBox="1"/>
-            <p:nvPr/>
-          </p:nvSpPr>
-          <p:spPr>
-            <a:xfrm>
-              <a:off x="12246497" y="6069115"/>
-              <a:ext cx="993671" cy="1015663"/>
-            </a:xfrm>
-            <a:prstGeom prst="rect">
-              <a:avLst/>
-            </a:prstGeom>
-            <a:noFill/>
-          </p:spPr>
-          <p:txBody>
-            <a:bodyPr wrap="square" rtlCol="0">
-              <a:spAutoFit/>
-            </a:bodyPr>
-            <a:lstStyle/>
-            <a:p>
-              <a:pPr algn="ctr"/>
-              <a:r>
-                <a:rPr lang="en-IE" sz="1200" b="1" dirty="0">
-                  <a:latin typeface="Congenial" panose="02000503040000020004" pitchFamily="2" charset="0"/>
-                </a:rPr>
-                <a:t>6</a:t>
-              </a:r>
-              <a:r>
-                <a:rPr lang="en-IE" sz="1200" dirty="0">
-                  <a:latin typeface="Congenial" panose="02000503040000020004" pitchFamily="2" charset="0"/>
-                </a:rPr>
-                <a:t>. Export Binaries and JNB to output folder</a:t>
-              </a:r>
-            </a:p>
-          </p:txBody>
-        </p:sp>
-        <p:pic>
-          <p:nvPicPr>
-            <p:cNvPr id="89" name="Picture 88" descr="A black and grey logo&#10;&#10;Description automatically generated">
-              <a:extLst>
-                <a:ext uri="{FF2B5EF4-FFF2-40B4-BE49-F238E27FC236}">
-                  <a16:creationId xmlns:a16="http://schemas.microsoft.com/office/drawing/2014/main" id="{BEC669D8-3F25-447D-CCEF-FD8176707E4C}"/>
-                </a:ext>
-              </a:extLst>
-            </p:cNvPr>
-            <p:cNvPicPr>
-              <a:picLocks noChangeAspect="1"/>
-            </p:cNvPicPr>
-            <p:nvPr/>
-          </p:nvPicPr>
-          <p:blipFill>
-            <a:blip r:embed="rId5">
-              <a:extLst>
-                <a:ext uri="{28A0092B-C50C-407E-A947-70E740481C1C}">
-                  <a14:useLocalDpi xmlns:a14="http://schemas.microsoft.com/office/drawing/2010/main" val="0"/>
-                </a:ext>
-              </a:extLst>
-            </a:blip>
-            <a:stretch>
-              <a:fillRect/>
-            </a:stretch>
-          </p:blipFill>
-          <p:spPr>
-            <a:xfrm>
-              <a:off x="12619524" y="8676224"/>
-              <a:ext cx="1941019" cy="693005"/>
-            </a:xfrm>
-            <a:prstGeom prst="roundRect">
-              <a:avLst/>
-            </a:prstGeom>
-            <a:solidFill>
-              <a:schemeClr val="bg1"/>
-            </a:solidFill>
-            <a:ln w="19050">
-              <a:solidFill>
-                <a:schemeClr val="accent5">
-                  <a:shade val="15000"/>
-                </a:schemeClr>
-              </a:solidFill>
-            </a:ln>
-          </p:spPr>
-        </p:pic>
-        <p:cxnSp>
-          <p:nvCxnSpPr>
-            <p:cNvPr id="90" name="Straight Arrow Connector 89">
-              <a:extLst>
-                <a:ext uri="{FF2B5EF4-FFF2-40B4-BE49-F238E27FC236}">
-                  <a16:creationId xmlns:a16="http://schemas.microsoft.com/office/drawing/2014/main" id="{E7D36C9F-651D-A7E1-2A1F-8DC445FBCF2C}"/>
-                </a:ext>
-              </a:extLst>
-            </p:cNvPr>
-            <p:cNvCxnSpPr>
-              <a:cxnSpLocks/>
-              <a:stCxn id="69" idx="2"/>
-            </p:cNvCxnSpPr>
-            <p:nvPr/>
-          </p:nvCxnSpPr>
-          <p:spPr>
-            <a:xfrm>
-              <a:off x="13884683" y="7526732"/>
-              <a:ext cx="0" cy="1118140"/>
-            </a:xfrm>
-            <a:prstGeom prst="straightConnector1">
-              <a:avLst/>
-            </a:prstGeom>
-            <a:ln w="76200">
-              <a:solidFill>
-                <a:srgbClr val="C00000"/>
-              </a:solidFill>
-              <a:tailEnd type="triangle"/>
-            </a:ln>
-          </p:spPr>
-          <p:style>
-            <a:lnRef idx="2">
-              <a:schemeClr val="accent1"/>
-            </a:lnRef>
-            <a:fillRef idx="0">
-              <a:schemeClr val="accent1"/>
-            </a:fillRef>
-            <a:effectRef idx="1">
-              <a:schemeClr val="accent1"/>
-            </a:effectRef>
-            <a:fontRef idx="minor">
-              <a:schemeClr val="tx1"/>
-            </a:fontRef>
-          </p:style>
-        </p:cxnSp>
-        <p:sp>
-          <p:nvSpPr>
-            <p:cNvPr id="93" name="TextBox 92">
-              <a:extLst>
-                <a:ext uri="{FF2B5EF4-FFF2-40B4-BE49-F238E27FC236}">
-                  <a16:creationId xmlns:a16="http://schemas.microsoft.com/office/drawing/2014/main" id="{9698D548-1F81-ED61-3BAD-C7D1C445A542}"/>
-                </a:ext>
-              </a:extLst>
-            </p:cNvPr>
-            <p:cNvSpPr txBox="1"/>
-            <p:nvPr/>
-          </p:nvSpPr>
-          <p:spPr>
-            <a:xfrm>
-              <a:off x="13776100" y="7581459"/>
-              <a:ext cx="993671" cy="1015663"/>
-            </a:xfrm>
-            <a:prstGeom prst="rect">
-              <a:avLst/>
-            </a:prstGeom>
-            <a:noFill/>
-          </p:spPr>
-          <p:txBody>
-            <a:bodyPr wrap="square" rtlCol="0">
-              <a:spAutoFit/>
-            </a:bodyPr>
-            <a:lstStyle/>
-            <a:p>
-              <a:pPr algn="ctr"/>
-              <a:r>
-                <a:rPr lang="en-IE" sz="1200" b="1" dirty="0">
-                  <a:latin typeface="Congenial" panose="02000503040000020004" pitchFamily="2" charset="0"/>
-                </a:rPr>
-                <a:t>7</a:t>
-              </a:r>
-              <a:r>
-                <a:rPr lang="en-IE" sz="1200" dirty="0">
-                  <a:latin typeface="Congenial" panose="02000503040000020004" pitchFamily="2" charset="0"/>
-                </a:rPr>
-                <a:t>. User</a:t>
-              </a:r>
-            </a:p>
-            <a:p>
-              <a:pPr algn="ctr"/>
-              <a:r>
-                <a:rPr lang="en-IE" sz="1200" dirty="0">
-                  <a:latin typeface="Congenial" panose="02000503040000020004" pitchFamily="2" charset="0"/>
-                </a:rPr>
-                <a:t>uploads</a:t>
-              </a:r>
-            </a:p>
-            <a:p>
-              <a:pPr algn="ctr"/>
-              <a:r>
-                <a:rPr lang="en-IE" sz="1200" dirty="0">
-                  <a:latin typeface="Congenial" panose="02000503040000020004" pitchFamily="2" charset="0"/>
-                </a:rPr>
-                <a:t>output to</a:t>
-              </a:r>
-            </a:p>
-            <a:p>
-              <a:pPr algn="ctr"/>
-              <a:r>
-                <a:rPr lang="en-IE" sz="1200" dirty="0">
-                  <a:latin typeface="Congenial" panose="02000503040000020004" pitchFamily="2" charset="0"/>
-                </a:rPr>
-                <a:t>PYNQ</a:t>
-              </a:r>
-            </a:p>
-            <a:p>
-              <a:pPr algn="ctr"/>
-              <a:r>
-                <a:rPr lang="en-IE" sz="1200" dirty="0">
-                  <a:latin typeface="Congenial" panose="02000503040000020004" pitchFamily="2" charset="0"/>
-                </a:rPr>
-                <a:t>FPGA</a:t>
-              </a:r>
-            </a:p>
-          </p:txBody>
-        </p:sp>
-        <p:sp>
-          <p:nvSpPr>
-            <p:cNvPr id="38" name="Rectangle 37">
-              <a:extLst>
-                <a:ext uri="{FF2B5EF4-FFF2-40B4-BE49-F238E27FC236}">
-                  <a16:creationId xmlns:a16="http://schemas.microsoft.com/office/drawing/2014/main" id="{C59695CE-2172-753A-BD16-B15EBEC0EE33}"/>
-                </a:ext>
-              </a:extLst>
-            </p:cNvPr>
-            <p:cNvSpPr/>
-            <p:nvPr/>
-          </p:nvSpPr>
-          <p:spPr>
-            <a:xfrm>
-              <a:off x="8115300" y="5491876"/>
-              <a:ext cx="1859782" cy="664601"/>
-            </a:xfrm>
-            <a:prstGeom prst="rect">
-              <a:avLst/>
-            </a:prstGeom>
-            <a:solidFill>
-              <a:schemeClr val="tx2"/>
-            </a:solidFill>
-          </p:spPr>
-          <p:style>
-            <a:lnRef idx="2">
-              <a:schemeClr val="accent1">
-                <a:shade val="15000"/>
-              </a:schemeClr>
-            </a:lnRef>
-            <a:fillRef idx="1">
-              <a:schemeClr val="accent1"/>
-            </a:fillRef>
-            <a:effectRef idx="0">
-              <a:schemeClr val="accent1"/>
-            </a:effectRef>
-            <a:fontRef idx="minor">
-              <a:schemeClr val="lt1"/>
-            </a:fontRef>
-          </p:style>
-          <p:txBody>
-            <a:bodyPr rtlCol="0" anchor="ctr"/>
-            <a:lstStyle/>
-            <a:p>
-              <a:pPr algn="ctr"/>
-              <a:r>
-                <a:rPr lang="en-IE" dirty="0">
-                  <a:latin typeface="Congenial" panose="02000503040000020004" pitchFamily="2" charset="0"/>
-                </a:rPr>
-                <a:t>HDLGen Project XML Data</a:t>
-              </a:r>
-            </a:p>
-          </p:txBody>
-        </p:sp>
-      </p:grpSp>
-      <p:sp>
-        <p:nvSpPr>
-          <p:cNvPr id="60" name="Rectangle 59">
-            <a:extLst>
-              <a:ext uri="{FF2B5EF4-FFF2-40B4-BE49-F238E27FC236}">
-                <a16:creationId xmlns:a16="http://schemas.microsoft.com/office/drawing/2014/main" id="{83DA9B65-931F-CD2A-5D44-C191D55311DD}"/>
-              </a:ext>
-            </a:extLst>
-          </p:cNvPr>
-          <p:cNvSpPr/>
-          <p:nvPr/>
-        </p:nvSpPr>
-        <p:spPr>
-          <a:xfrm>
-            <a:off x="359898" y="8427996"/>
-            <a:ext cx="6848979" cy="1886018"/>
-          </a:xfrm>
-          <a:prstGeom prst="rect">
-            <a:avLst/>
-          </a:prstGeom>
-          <a:solidFill>
-            <a:schemeClr val="accent1">
-              <a:lumMod val="40000"/>
-              <a:lumOff val="60000"/>
-              <a:alpha val="50000"/>
-            </a:schemeClr>
-          </a:solidFill>
-          <a:ln>
-            <a:noFill/>
-          </a:ln>
-        </p:spPr>
-        <p:style>
-          <a:lnRef idx="0">
-            <a:scrgbClr r="0" g="0" b="0"/>
-          </a:lnRef>
-          <a:fillRef idx="0">
-            <a:scrgbClr r="0" g="0" b="0"/>
-          </a:fillRef>
-          <a:effectRef idx="0">
-            <a:scrgbClr r="0" g="0" b="0"/>
-          </a:effectRef>
-          <a:fontRef idx="minor">
-            <a:schemeClr val="lt1"/>
-          </a:fontRef>
-        </p:style>
-        <p:txBody>
-          <a:bodyPr rtlCol="0" anchor="ctr"/>
-          <a:lstStyle/>
-          <a:p>
-            <a:pPr algn="ctr"/>
-            <a:endParaRPr lang="en-IE" dirty="0"/>
-          </a:p>
-        </p:txBody>
-      </p:sp>
-      <p:pic>
-        <p:nvPicPr>
-          <p:cNvPr id="20" name="Picture 19" descr="A blue and black logo&#10;&#10;Description automatically generated">
-            <a:extLst>
-              <a:ext uri="{FF2B5EF4-FFF2-40B4-BE49-F238E27FC236}">
-                <a16:creationId xmlns:a16="http://schemas.microsoft.com/office/drawing/2014/main" id="{BDAAFB20-E9A1-8312-044C-814173D1CF2D}"/>
-              </a:ext>
-            </a:extLst>
-          </p:cNvPr>
-          <p:cNvPicPr>
-            <a:picLocks noChangeAspect="1"/>
-          </p:cNvPicPr>
-          <p:nvPr/>
-        </p:nvPicPr>
-        <p:blipFill>
-          <a:blip r:embed="rId6">
-            <a:extLst>
-              <a:ext uri="{28A0092B-C50C-407E-A947-70E740481C1C}">
-                <a14:useLocalDpi xmlns:a14="http://schemas.microsoft.com/office/drawing/2010/main" val="0"/>
-              </a:ext>
-            </a:extLst>
-          </a:blip>
-          <a:stretch>
-            <a:fillRect/>
-          </a:stretch>
-        </p:blipFill>
-        <p:spPr>
-          <a:xfrm>
-            <a:off x="3171670" y="8366315"/>
-            <a:ext cx="1640199" cy="757166"/>
-          </a:xfrm>
-          <a:prstGeom prst="rect">
-            <a:avLst/>
-          </a:prstGeom>
-        </p:spPr>
-      </p:pic>
-      <p:pic>
-        <p:nvPicPr>
-          <p:cNvPr id="26" name="Picture 25" descr="A logo of a google chrome&#10;&#10;Description automatically generated">
-            <a:extLst>
-              <a:ext uri="{FF2B5EF4-FFF2-40B4-BE49-F238E27FC236}">
-                <a16:creationId xmlns:a16="http://schemas.microsoft.com/office/drawing/2014/main" id="{2D087EFD-86FA-1737-8C34-2533BD04528F}"/>
-              </a:ext>
-            </a:extLst>
-          </p:cNvPr>
-          <p:cNvPicPr>
-            <a:picLocks noChangeAspect="1"/>
-          </p:cNvPicPr>
-          <p:nvPr/>
-        </p:nvPicPr>
-        <p:blipFill>
-          <a:blip r:embed="rId7">
-            <a:extLst>
-              <a:ext uri="{28A0092B-C50C-407E-A947-70E740481C1C}">
-                <a14:useLocalDpi xmlns:a14="http://schemas.microsoft.com/office/drawing/2010/main" val="0"/>
-              </a:ext>
-            </a:extLst>
-          </a:blip>
-          <a:stretch>
-            <a:fillRect/>
-          </a:stretch>
-        </p:blipFill>
-        <p:spPr>
-          <a:xfrm>
-            <a:off x="5443017" y="8814487"/>
-            <a:ext cx="1361507" cy="1361507"/>
-          </a:xfrm>
-          <a:prstGeom prst="rect">
-            <a:avLst/>
-          </a:prstGeom>
-        </p:spPr>
-      </p:pic>
-      <p:sp>
-        <p:nvSpPr>
-          <p:cNvPr id="49" name="Arc 48">
-            <a:extLst>
-              <a:ext uri="{FF2B5EF4-FFF2-40B4-BE49-F238E27FC236}">
-                <a16:creationId xmlns:a16="http://schemas.microsoft.com/office/drawing/2014/main" id="{79A53F3E-6F74-8FD6-FEC9-C7CE57AA4C5B}"/>
-              </a:ext>
-            </a:extLst>
-          </p:cNvPr>
-          <p:cNvSpPr/>
-          <p:nvPr/>
-        </p:nvSpPr>
-        <p:spPr>
-          <a:xfrm rot="19123379">
-            <a:off x="2395022" y="9073382"/>
-            <a:ext cx="3114155" cy="3073348"/>
-          </a:xfrm>
-          <a:prstGeom prst="arc">
-            <a:avLst>
-              <a:gd name="adj1" fmla="val 16040921"/>
-              <a:gd name="adj2" fmla="val 110593"/>
-            </a:avLst>
-          </a:prstGeom>
-          <a:ln w="76200">
-            <a:headEnd type="none"/>
-            <a:tailEnd type="triangle"/>
-          </a:ln>
-        </p:spPr>
-        <p:style>
-          <a:lnRef idx="2">
-            <a:schemeClr val="accent1"/>
-          </a:lnRef>
-          <a:fillRef idx="0">
-            <a:schemeClr val="accent1"/>
-          </a:fillRef>
-          <a:effectRef idx="1">
-            <a:schemeClr val="accent1"/>
-          </a:effectRef>
-          <a:fontRef idx="minor">
-            <a:schemeClr val="tx1"/>
-          </a:fontRef>
-        </p:style>
-        <p:txBody>
-          <a:bodyPr rtlCol="0" anchor="ctr"/>
-          <a:lstStyle/>
-          <a:p>
-            <a:pPr algn="ctr"/>
-            <a:endParaRPr lang="en-IE"/>
-          </a:p>
-        </p:txBody>
-      </p:sp>
-      <p:sp>
-        <p:nvSpPr>
-          <p:cNvPr id="50" name="TextBox 49">
-            <a:extLst>
-              <a:ext uri="{FF2B5EF4-FFF2-40B4-BE49-F238E27FC236}">
-                <a16:creationId xmlns:a16="http://schemas.microsoft.com/office/drawing/2014/main" id="{10E6BCDB-E97C-F292-0664-2B4A90CBF8B1}"/>
-              </a:ext>
-            </a:extLst>
-          </p:cNvPr>
-          <p:cNvSpPr txBox="1"/>
-          <p:nvPr/>
-        </p:nvSpPr>
-        <p:spPr>
-          <a:xfrm>
-            <a:off x="2637186" y="9673989"/>
-            <a:ext cx="2624326" cy="584775"/>
-          </a:xfrm>
-          <a:prstGeom prst="rect">
-            <a:avLst/>
-          </a:prstGeom>
-          <a:noFill/>
-        </p:spPr>
-        <p:txBody>
-          <a:bodyPr wrap="square" rtlCol="0">
-            <a:spAutoFit/>
-          </a:bodyPr>
-          <a:lstStyle/>
-          <a:p>
-            <a:pPr algn="ctr"/>
-            <a:r>
-              <a:rPr lang="en-IE" sz="1600" b="1" dirty="0">
-                <a:latin typeface="Congenial" panose="02000503040000020004" pitchFamily="2" charset="0"/>
-              </a:rPr>
-              <a:t>Connection is tunnelled through ngrok servers</a:t>
-            </a:r>
-            <a:endParaRPr lang="en-IE" sz="1600" dirty="0">
-              <a:latin typeface="Congenial" panose="02000503040000020004" pitchFamily="2" charset="0"/>
-            </a:endParaRPr>
-          </a:p>
-        </p:txBody>
-      </p:sp>
-      <p:pic>
-        <p:nvPicPr>
-          <p:cNvPr id="52" name="Picture 51">
-            <a:extLst>
-              <a:ext uri="{FF2B5EF4-FFF2-40B4-BE49-F238E27FC236}">
-                <a16:creationId xmlns:a16="http://schemas.microsoft.com/office/drawing/2014/main" id="{FC934FEF-FD2E-13E8-34FE-820667C51C40}"/>
-              </a:ext>
-            </a:extLst>
-          </p:cNvPr>
-          <p:cNvPicPr>
-            <a:picLocks noChangeAspect="1"/>
-          </p:cNvPicPr>
-          <p:nvPr/>
-        </p:nvPicPr>
-        <p:blipFill rotWithShape="1">
-          <a:blip r:embed="rId8"/>
-          <a:srcRect l="5768" t="2893" r="2238"/>
-          <a:stretch/>
-        </p:blipFill>
-        <p:spPr>
-          <a:xfrm>
-            <a:off x="995637" y="11791497"/>
-            <a:ext cx="2953278" cy="3173907"/>
-          </a:xfrm>
-          <a:prstGeom prst="rect">
-            <a:avLst/>
-          </a:prstGeom>
-        </p:spPr>
-      </p:pic>
-      <p:pic>
-        <p:nvPicPr>
-          <p:cNvPr id="55" name="Picture 54">
-            <a:extLst>
-              <a:ext uri="{FF2B5EF4-FFF2-40B4-BE49-F238E27FC236}">
-                <a16:creationId xmlns:a16="http://schemas.microsoft.com/office/drawing/2014/main" id="{DE453586-1246-5857-9809-BB693EF3A9B7}"/>
-              </a:ext>
-            </a:extLst>
-          </p:cNvPr>
-          <p:cNvPicPr>
-            <a:picLocks noChangeAspect="1"/>
-          </p:cNvPicPr>
-          <p:nvPr/>
-        </p:nvPicPr>
-        <p:blipFill>
-          <a:blip r:embed="rId9"/>
-          <a:stretch>
-            <a:fillRect/>
-          </a:stretch>
-        </p:blipFill>
-        <p:spPr>
-          <a:xfrm>
-            <a:off x="4024288" y="11797825"/>
-            <a:ext cx="2742136" cy="3167578"/>
-          </a:xfrm>
-          <a:prstGeom prst="rect">
-            <a:avLst/>
-          </a:prstGeom>
-        </p:spPr>
-      </p:pic>
-      <p:sp>
-        <p:nvSpPr>
-          <p:cNvPr id="59" name="TextBox 58">
-            <a:extLst>
-              <a:ext uri="{FF2B5EF4-FFF2-40B4-BE49-F238E27FC236}">
-                <a16:creationId xmlns:a16="http://schemas.microsoft.com/office/drawing/2014/main" id="{7784655F-1B33-DDDF-0C59-A6B37951AE9D}"/>
-              </a:ext>
-            </a:extLst>
-          </p:cNvPr>
-          <p:cNvSpPr txBox="1"/>
-          <p:nvPr/>
-        </p:nvSpPr>
-        <p:spPr>
-          <a:xfrm>
-            <a:off x="186746" y="14960294"/>
-            <a:ext cx="7172159" cy="369332"/>
-          </a:xfrm>
-          <a:prstGeom prst="rect">
-            <a:avLst/>
-          </a:prstGeom>
-          <a:noFill/>
-        </p:spPr>
-        <p:txBody>
-          <a:bodyPr wrap="square" rtlCol="0">
-            <a:spAutoFit/>
-          </a:bodyPr>
-          <a:lstStyle/>
-          <a:p>
-            <a:pPr algn="ctr"/>
-            <a:r>
-              <a:rPr lang="en-IE" dirty="0">
-                <a:latin typeface="Congenial" panose="02000503040000020004" pitchFamily="2" charset="0"/>
-              </a:rPr>
-              <a:t>Could be replaced with R-V architecture</a:t>
-            </a:r>
-          </a:p>
-        </p:txBody>
-      </p:sp>
-      <p:pic>
-        <p:nvPicPr>
-          <p:cNvPr id="3" name="Picture 2" descr="A close-up of a red circuit board&#10;&#10;Description automatically generated">
-            <a:extLst>
-              <a:ext uri="{FF2B5EF4-FFF2-40B4-BE49-F238E27FC236}">
-                <a16:creationId xmlns:a16="http://schemas.microsoft.com/office/drawing/2014/main" id="{E497B304-85CC-C44E-E49D-7F1A28661EAF}"/>
-              </a:ext>
-            </a:extLst>
-          </p:cNvPr>
-          <p:cNvPicPr>
-            <a:picLocks noChangeAspect="1"/>
-          </p:cNvPicPr>
-          <p:nvPr/>
-        </p:nvPicPr>
-        <p:blipFill>
-          <a:blip r:embed="rId10">
-            <a:extLst>
-              <a:ext uri="{28A0092B-C50C-407E-A947-70E740481C1C}">
-                <a14:useLocalDpi xmlns:a14="http://schemas.microsoft.com/office/drawing/2010/main" val="0"/>
-              </a:ext>
-            </a:extLst>
-          </a:blip>
-          <a:stretch>
-            <a:fillRect/>
-          </a:stretch>
-        </p:blipFill>
-        <p:spPr>
-          <a:xfrm>
-            <a:off x="426016" y="8877522"/>
-            <a:ext cx="2146296" cy="1361507"/>
-          </a:xfrm>
-          <a:prstGeom prst="rect">
-            <a:avLst/>
-          </a:prstGeom>
-        </p:spPr>
-      </p:pic>
-      <p:sp>
-        <p:nvSpPr>
-          <p:cNvPr id="61" name="Rectangle 60">
-            <a:extLst>
-              <a:ext uri="{FF2B5EF4-FFF2-40B4-BE49-F238E27FC236}">
-                <a16:creationId xmlns:a16="http://schemas.microsoft.com/office/drawing/2014/main" id="{5F66F5D1-07D1-A28C-9BD2-AD38C0F90F74}"/>
-              </a:ext>
-            </a:extLst>
-          </p:cNvPr>
-          <p:cNvSpPr/>
-          <p:nvPr/>
-        </p:nvSpPr>
-        <p:spPr>
-          <a:xfrm>
-            <a:off x="7913422" y="16323499"/>
-            <a:ext cx="6848979" cy="3102511"/>
-          </a:xfrm>
-          <a:prstGeom prst="rect">
-            <a:avLst/>
-          </a:prstGeom>
-          <a:solidFill>
-            <a:schemeClr val="accent1">
-              <a:lumMod val="40000"/>
-              <a:lumOff val="60000"/>
-              <a:alpha val="50000"/>
-            </a:schemeClr>
-          </a:solidFill>
-          <a:ln>
-            <a:noFill/>
-          </a:ln>
-        </p:spPr>
-        <p:style>
-          <a:lnRef idx="0">
-            <a:scrgbClr r="0" g="0" b="0"/>
-          </a:lnRef>
-          <a:fillRef idx="0">
-            <a:scrgbClr r="0" g="0" b="0"/>
-          </a:fillRef>
-          <a:effectRef idx="0">
-            <a:scrgbClr r="0" g="0" b="0"/>
-          </a:effectRef>
-          <a:fontRef idx="minor">
-            <a:schemeClr val="lt1"/>
-          </a:fontRef>
-        </p:style>
-        <p:txBody>
-          <a:bodyPr rtlCol="0" anchor="ctr"/>
-          <a:lstStyle/>
-          <a:p>
-            <a:pPr algn="ctr"/>
-            <a:endParaRPr lang="en-IE" dirty="0"/>
-          </a:p>
-        </p:txBody>
-      </p:sp>
-      <p:sp>
-        <p:nvSpPr>
-          <p:cNvPr id="62" name="TextBox 61">
-            <a:extLst>
-              <a:ext uri="{FF2B5EF4-FFF2-40B4-BE49-F238E27FC236}">
-                <a16:creationId xmlns:a16="http://schemas.microsoft.com/office/drawing/2014/main" id="{6562CB87-609E-39F0-3089-A0D070716BD4}"/>
-              </a:ext>
-            </a:extLst>
-          </p:cNvPr>
-          <p:cNvSpPr txBox="1"/>
-          <p:nvPr/>
-        </p:nvSpPr>
-        <p:spPr>
-          <a:xfrm>
-            <a:off x="256466" y="16319465"/>
-            <a:ext cx="7535644" cy="3016210"/>
-          </a:xfrm>
-          <a:prstGeom prst="rect">
-            <a:avLst/>
-          </a:prstGeom>
-          <a:noFill/>
-        </p:spPr>
-        <p:txBody>
-          <a:bodyPr wrap="square" rtlCol="0">
-            <a:spAutoFit/>
-          </a:bodyPr>
-          <a:lstStyle/>
-          <a:p>
-            <a:pPr marL="285750" indent="-285750">
-              <a:spcBef>
-                <a:spcPts val="600"/>
-              </a:spcBef>
-              <a:buFont typeface="Arial" panose="020B0604020202020204" pitchFamily="34" charset="0"/>
-              <a:buChar char="•"/>
-            </a:pPr>
-            <a:r>
-              <a:rPr lang="en-IE" dirty="0">
-                <a:solidFill>
-                  <a:schemeClr val="tx1"/>
-                </a:solidFill>
-                <a:latin typeface="Congenial" panose="02000503040000020004" pitchFamily="2" charset="0"/>
-              </a:rPr>
-              <a:t>The purpose of the RISC-V learning platform through the remote laboratory is to encourage interaction and exploration of RISC-V ISA on real hardware, rather than simulation</a:t>
-            </a:r>
-            <a:endParaRPr lang="en-IE" dirty="0">
-              <a:latin typeface="Congenial" panose="02000503040000020004" pitchFamily="2" charset="0"/>
-            </a:endParaRPr>
-          </a:p>
-          <a:p>
-            <a:pPr marL="285750" indent="-285750">
-              <a:spcBef>
-                <a:spcPts val="600"/>
-              </a:spcBef>
-              <a:buFont typeface="Arial" panose="020B0604020202020204" pitchFamily="34" charset="0"/>
-              <a:buChar char="•"/>
-            </a:pPr>
-            <a:r>
-              <a:rPr lang="en-IE" dirty="0">
-                <a:solidFill>
-                  <a:schemeClr val="tx1"/>
-                </a:solidFill>
-                <a:latin typeface="Congenial" panose="02000503040000020004" pitchFamily="2" charset="0"/>
-              </a:rPr>
-              <a:t>The learning platform will consist of two RISC-V cores. One of which the user will program using RISC-V assembly, </a:t>
-            </a:r>
-            <a:r>
-              <a:rPr lang="en-IE" dirty="0">
-                <a:latin typeface="Congenial" panose="02000503040000020004" pitchFamily="2" charset="0"/>
-              </a:rPr>
-              <a:t>T</a:t>
-            </a:r>
-            <a:r>
-              <a:rPr lang="en-IE" dirty="0">
-                <a:solidFill>
-                  <a:schemeClr val="tx1"/>
-                </a:solidFill>
-                <a:latin typeface="Congenial" panose="02000503040000020004" pitchFamily="2" charset="0"/>
-              </a:rPr>
-              <a:t>he other will remain hidden, only visible to the core #1 by I/O ports. Core #2 will imitate a peripheral device.</a:t>
-            </a:r>
-          </a:p>
-          <a:p>
-            <a:pPr marL="285750" indent="-285750">
-              <a:spcBef>
-                <a:spcPts val="600"/>
-              </a:spcBef>
-              <a:buFont typeface="Arial" panose="020B0604020202020204" pitchFamily="34" charset="0"/>
-              <a:buChar char="•"/>
-            </a:pPr>
-            <a:r>
-              <a:rPr lang="en-IE" dirty="0">
-                <a:solidFill>
-                  <a:schemeClr val="tx1"/>
-                </a:solidFill>
-                <a:latin typeface="Congenial" panose="02000503040000020004" pitchFamily="2" charset="0"/>
-              </a:rPr>
-              <a:t>The goal of the user is to interface with the hidden peripheral. The hidden peripheral changes depending on the difficulty level. For example, an interrupt controller or I</a:t>
-            </a:r>
-            <a:r>
-              <a:rPr lang="en-IE" baseline="30000" dirty="0">
-                <a:solidFill>
-                  <a:schemeClr val="tx1"/>
-                </a:solidFill>
-                <a:latin typeface="Congenial" panose="02000503040000020004" pitchFamily="2" charset="0"/>
-              </a:rPr>
-              <a:t>2</a:t>
-            </a:r>
-            <a:r>
-              <a:rPr lang="en-IE" dirty="0">
-                <a:solidFill>
-                  <a:schemeClr val="tx1"/>
-                </a:solidFill>
-                <a:latin typeface="Congenial" panose="02000503040000020004" pitchFamily="2" charset="0"/>
-              </a:rPr>
-              <a:t>C device.</a:t>
-            </a:r>
-          </a:p>
-        </p:txBody>
-      </p:sp>
-      <p:sp>
-        <p:nvSpPr>
-          <p:cNvPr id="63" name="Rectangle: Rounded Corners 62">
-            <a:extLst>
-              <a:ext uri="{FF2B5EF4-FFF2-40B4-BE49-F238E27FC236}">
-                <a16:creationId xmlns:a16="http://schemas.microsoft.com/office/drawing/2014/main" id="{0A5986F0-3261-9EC0-C463-0E8ECE00B6F0}"/>
-              </a:ext>
-            </a:extLst>
-          </p:cNvPr>
-          <p:cNvSpPr/>
-          <p:nvPr/>
-        </p:nvSpPr>
-        <p:spPr>
-          <a:xfrm>
-            <a:off x="8029390" y="16452482"/>
-            <a:ext cx="1437339" cy="2883193"/>
-          </a:xfrm>
-          <a:prstGeom prst="roundRect">
-            <a:avLst/>
-          </a:prstGeom>
-          <a:solidFill>
-            <a:schemeClr val="accent5">
-              <a:lumMod val="60000"/>
-              <a:lumOff val="40000"/>
-            </a:schemeClr>
-          </a:solidFill>
-        </p:spPr>
-        <p:style>
-          <a:lnRef idx="2">
-            <a:schemeClr val="accent5">
-              <a:shade val="15000"/>
-            </a:schemeClr>
-          </a:lnRef>
-          <a:fillRef idx="1">
-            <a:schemeClr val="accent5"/>
-          </a:fillRef>
-          <a:effectRef idx="0">
-            <a:schemeClr val="accent5"/>
-          </a:effectRef>
-          <a:fontRef idx="minor">
-            <a:schemeClr val="lt1"/>
-          </a:fontRef>
-        </p:style>
-        <p:txBody>
-          <a:bodyPr rtlCol="0" anchor="t"/>
-          <a:lstStyle/>
-          <a:p>
-            <a:pPr algn="ctr"/>
-            <a:r>
-              <a:rPr lang="en-IE" dirty="0">
-                <a:solidFill>
-                  <a:sysClr val="windowText" lastClr="000000"/>
-                </a:solidFill>
-                <a:latin typeface="Congenial Black" panose="02000503040000020004" pitchFamily="2" charset="0"/>
-              </a:rPr>
-              <a:t>PYNQ Jupyter Notebook Interface</a:t>
-            </a:r>
-          </a:p>
-        </p:txBody>
-      </p:sp>
-      <p:pic>
-        <p:nvPicPr>
-          <p:cNvPr id="64" name="Picture 63" descr="A black and grey logo&#10;&#10;Description automatically generated">
-            <a:extLst>
-              <a:ext uri="{FF2B5EF4-FFF2-40B4-BE49-F238E27FC236}">
-                <a16:creationId xmlns:a16="http://schemas.microsoft.com/office/drawing/2014/main" id="{5A677E2A-F13D-3EC2-2409-EB0CF7ACC9B6}"/>
-              </a:ext>
-            </a:extLst>
-          </p:cNvPr>
-          <p:cNvPicPr>
-            <a:picLocks noChangeAspect="1"/>
-          </p:cNvPicPr>
-          <p:nvPr/>
-        </p:nvPicPr>
-        <p:blipFill>
-          <a:blip r:embed="rId5">
-            <a:extLst>
-              <a:ext uri="{28A0092B-C50C-407E-A947-70E740481C1C}">
-                <a14:useLocalDpi xmlns:a14="http://schemas.microsoft.com/office/drawing/2010/main" val="0"/>
-              </a:ext>
-            </a:extLst>
-          </a:blip>
-          <a:stretch>
-            <a:fillRect/>
-          </a:stretch>
-        </p:blipFill>
-        <p:spPr>
-          <a:xfrm>
-            <a:off x="8115299" y="18785781"/>
-            <a:ext cx="1272420" cy="454294"/>
-          </a:xfrm>
-          <a:prstGeom prst="roundRect">
-            <a:avLst>
-              <a:gd name="adj" fmla="val 25053"/>
-            </a:avLst>
-          </a:prstGeom>
-          <a:solidFill>
-            <a:schemeClr val="bg1"/>
-          </a:solidFill>
-          <a:ln w="19050">
-            <a:solidFill>
-              <a:schemeClr val="accent5">
-                <a:shade val="15000"/>
-              </a:schemeClr>
-            </a:solidFill>
-          </a:ln>
-        </p:spPr>
-      </p:pic>
-      <p:pic>
-        <p:nvPicPr>
-          <p:cNvPr id="66" name="Picture 65" descr="A logo with orange and grey circles&#10;&#10;Description automatically generated">
-            <a:extLst>
-              <a:ext uri="{FF2B5EF4-FFF2-40B4-BE49-F238E27FC236}">
-                <a16:creationId xmlns:a16="http://schemas.microsoft.com/office/drawing/2014/main" id="{3C6A3EFF-2198-96ED-0C6B-987BFE4C07D4}"/>
-              </a:ext>
-            </a:extLst>
-          </p:cNvPr>
-          <p:cNvPicPr>
-            <a:picLocks noChangeAspect="1"/>
-          </p:cNvPicPr>
-          <p:nvPr/>
-        </p:nvPicPr>
-        <p:blipFill>
-          <a:blip r:embed="rId11">
-            <a:extLst>
-              <a:ext uri="{28A0092B-C50C-407E-A947-70E740481C1C}">
-                <a14:useLocalDpi xmlns:a14="http://schemas.microsoft.com/office/drawing/2010/main" val="0"/>
-              </a:ext>
-            </a:extLst>
-          </a:blip>
-          <a:stretch>
-            <a:fillRect/>
-          </a:stretch>
-        </p:blipFill>
-        <p:spPr>
-          <a:xfrm>
-            <a:off x="8374085" y="17806944"/>
-            <a:ext cx="747947" cy="866995"/>
-          </a:xfrm>
-          <a:prstGeom prst="roundRect">
-            <a:avLst/>
-          </a:prstGeom>
-          <a:solidFill>
-            <a:schemeClr val="bg1"/>
-          </a:solidFill>
-          <a:ln w="19050">
-            <a:solidFill>
-              <a:schemeClr val="tx1"/>
-            </a:solidFill>
-          </a:ln>
-        </p:spPr>
-      </p:pic>
-      <p:sp>
-        <p:nvSpPr>
-          <p:cNvPr id="70" name="Rectangle: Rounded Corners 69">
-            <a:extLst>
-              <a:ext uri="{FF2B5EF4-FFF2-40B4-BE49-F238E27FC236}">
-                <a16:creationId xmlns:a16="http://schemas.microsoft.com/office/drawing/2014/main" id="{2AE8F6B6-CFF7-23A4-C96A-55FF491D2E8B}"/>
-              </a:ext>
-            </a:extLst>
-          </p:cNvPr>
-          <p:cNvSpPr/>
-          <p:nvPr/>
-        </p:nvSpPr>
-        <p:spPr>
-          <a:xfrm>
-            <a:off x="10415029" y="16990539"/>
-            <a:ext cx="1775009" cy="1802356"/>
-          </a:xfrm>
-          <a:prstGeom prst="roundRect">
-            <a:avLst/>
-          </a:prstGeom>
-          <a:solidFill>
-            <a:schemeClr val="bg1"/>
-          </a:solidFill>
-        </p:spPr>
-        <p:style>
-          <a:lnRef idx="2">
-            <a:schemeClr val="accent1">
-              <a:shade val="15000"/>
-            </a:schemeClr>
-          </a:lnRef>
-          <a:fillRef idx="1">
-            <a:schemeClr val="accent1"/>
-          </a:fillRef>
-          <a:effectRef idx="0">
-            <a:schemeClr val="accent1"/>
-          </a:effectRef>
-          <a:fontRef idx="minor">
-            <a:schemeClr val="lt1"/>
-          </a:fontRef>
-        </p:style>
-        <p:txBody>
-          <a:bodyPr rtlCol="0" anchor="ctr"/>
-          <a:lstStyle/>
-          <a:p>
-            <a:pPr algn="ctr"/>
-            <a:endParaRPr lang="en-IE"/>
-          </a:p>
-        </p:txBody>
-      </p:sp>
-      <p:pic>
-        <p:nvPicPr>
-          <p:cNvPr id="68" name="Graphic 67">
-            <a:extLst>
-              <a:ext uri="{FF2B5EF4-FFF2-40B4-BE49-F238E27FC236}">
-                <a16:creationId xmlns:a16="http://schemas.microsoft.com/office/drawing/2014/main" id="{16FD1E2A-EEA5-67C8-DB98-44B9BA82669B}"/>
-              </a:ext>
-            </a:extLst>
-          </p:cNvPr>
-          <p:cNvPicPr>
-            <a:picLocks noChangeAspect="1"/>
-          </p:cNvPicPr>
-          <p:nvPr/>
-        </p:nvPicPr>
-        <p:blipFill rotWithShape="1">
-          <a:blip r:embed="rId12">
-            <a:extLst>
-              <a:ext uri="{28A0092B-C50C-407E-A947-70E740481C1C}">
-                <a14:useLocalDpi xmlns:a14="http://schemas.microsoft.com/office/drawing/2010/main" val="0"/>
-              </a:ext>
-              <a:ext uri="{96DAC541-7B7A-43D3-8B79-37D633B846F1}">
-                <asvg:svgBlip xmlns:asvg="http://schemas.microsoft.com/office/drawing/2016/SVG/main" r:embed="rId13"/>
-              </a:ext>
-            </a:extLst>
-          </a:blip>
-          <a:srcRect r="4697"/>
-          <a:stretch/>
-        </p:blipFill>
-        <p:spPr>
-          <a:xfrm>
-            <a:off x="10530525" y="16915996"/>
-            <a:ext cx="1534466" cy="1911974"/>
-          </a:xfrm>
-          <a:prstGeom prst="rect">
-            <a:avLst/>
-          </a:prstGeom>
-        </p:spPr>
-      </p:pic>
-      <p:cxnSp>
-        <p:nvCxnSpPr>
-          <p:cNvPr id="71" name="Straight Arrow Connector 70">
-            <a:extLst>
-              <a:ext uri="{FF2B5EF4-FFF2-40B4-BE49-F238E27FC236}">
-                <a16:creationId xmlns:a16="http://schemas.microsoft.com/office/drawing/2014/main" id="{C44C77ED-74B6-4CC4-ED95-D880C9B7286C}"/>
-              </a:ext>
-            </a:extLst>
-          </p:cNvPr>
-          <p:cNvCxnSpPr>
-            <a:cxnSpLocks/>
-            <a:stCxn id="70" idx="1"/>
-            <a:endCxn id="63" idx="3"/>
-          </p:cNvCxnSpPr>
-          <p:nvPr/>
-        </p:nvCxnSpPr>
-        <p:spPr>
-          <a:xfrm flipH="1">
-            <a:off x="9466729" y="17891717"/>
-            <a:ext cx="948300" cy="2362"/>
-          </a:xfrm>
-          <a:prstGeom prst="straightConnector1">
-            <a:avLst/>
-          </a:prstGeom>
-          <a:ln w="76200">
-            <a:solidFill>
-              <a:srgbClr val="C00000"/>
-            </a:solidFill>
-            <a:headEnd type="triangle"/>
-            <a:tailEnd type="triangle"/>
-          </a:ln>
-        </p:spPr>
-        <p:style>
-          <a:lnRef idx="2">
-            <a:schemeClr val="accent1"/>
-          </a:lnRef>
-          <a:fillRef idx="0">
-            <a:schemeClr val="accent1"/>
-          </a:fillRef>
-          <a:effectRef idx="1">
-            <a:schemeClr val="accent1"/>
-          </a:effectRef>
-          <a:fontRef idx="minor">
-            <a:schemeClr val="tx1"/>
-          </a:fontRef>
-        </p:style>
-      </p:cxnSp>
-      <p:sp>
-        <p:nvSpPr>
-          <p:cNvPr id="78" name="Rectangle: Rounded Corners 77">
-            <a:extLst>
-              <a:ext uri="{FF2B5EF4-FFF2-40B4-BE49-F238E27FC236}">
-                <a16:creationId xmlns:a16="http://schemas.microsoft.com/office/drawing/2014/main" id="{87DD5A1F-0BB8-84C8-FA59-11397DA1DCB2}"/>
-              </a:ext>
-            </a:extLst>
-          </p:cNvPr>
-          <p:cNvSpPr/>
-          <p:nvPr/>
-        </p:nvSpPr>
-        <p:spPr>
-          <a:xfrm>
-            <a:off x="12888595" y="16979272"/>
-            <a:ext cx="1775009" cy="1802356"/>
-          </a:xfrm>
-          <a:prstGeom prst="roundRect">
-            <a:avLst/>
-          </a:prstGeom>
-          <a:solidFill>
-            <a:schemeClr val="bg1"/>
-          </a:solidFill>
-        </p:spPr>
-        <p:style>
-          <a:lnRef idx="2">
-            <a:schemeClr val="accent1">
-              <a:shade val="15000"/>
-            </a:schemeClr>
-          </a:lnRef>
-          <a:fillRef idx="1">
-            <a:schemeClr val="accent1"/>
-          </a:fillRef>
-          <a:effectRef idx="0">
-            <a:schemeClr val="accent1"/>
-          </a:effectRef>
-          <a:fontRef idx="minor">
-            <a:schemeClr val="lt1"/>
-          </a:fontRef>
-        </p:style>
-        <p:txBody>
-          <a:bodyPr rtlCol="0" anchor="ctr"/>
-          <a:lstStyle/>
-          <a:p>
-            <a:pPr algn="ctr"/>
-            <a:endParaRPr lang="en-IE"/>
-          </a:p>
-        </p:txBody>
-      </p:sp>
-      <p:pic>
-        <p:nvPicPr>
-          <p:cNvPr id="81" name="Graphic 80">
-            <a:extLst>
-              <a:ext uri="{FF2B5EF4-FFF2-40B4-BE49-F238E27FC236}">
-                <a16:creationId xmlns:a16="http://schemas.microsoft.com/office/drawing/2014/main" id="{FB41E8A3-5479-5CD1-8C61-C542FE878CA7}"/>
-              </a:ext>
-            </a:extLst>
-          </p:cNvPr>
-          <p:cNvPicPr>
-            <a:picLocks noChangeAspect="1"/>
-          </p:cNvPicPr>
-          <p:nvPr/>
-        </p:nvPicPr>
-        <p:blipFill rotWithShape="1">
-          <a:blip r:embed="rId12">
-            <a:extLst>
-              <a:ext uri="{28A0092B-C50C-407E-A947-70E740481C1C}">
-                <a14:useLocalDpi xmlns:a14="http://schemas.microsoft.com/office/drawing/2010/main" val="0"/>
-              </a:ext>
-              <a:ext uri="{96DAC541-7B7A-43D3-8B79-37D633B846F1}">
-                <asvg:svgBlip xmlns:asvg="http://schemas.microsoft.com/office/drawing/2016/SVG/main" r:embed="rId13"/>
-              </a:ext>
-            </a:extLst>
-          </a:blip>
-          <a:srcRect r="4697"/>
-          <a:stretch/>
-        </p:blipFill>
-        <p:spPr>
-          <a:xfrm>
-            <a:off x="13008866" y="16916656"/>
-            <a:ext cx="1534466" cy="1911974"/>
-          </a:xfrm>
-          <a:prstGeom prst="rect">
-            <a:avLst/>
-          </a:prstGeom>
-        </p:spPr>
-      </p:pic>
-      <p:cxnSp>
-        <p:nvCxnSpPr>
-          <p:cNvPr id="86" name="Straight Arrow Connector 85">
-            <a:extLst>
-              <a:ext uri="{FF2B5EF4-FFF2-40B4-BE49-F238E27FC236}">
-                <a16:creationId xmlns:a16="http://schemas.microsoft.com/office/drawing/2014/main" id="{0DDD94A8-DF0E-30BD-879A-9E3557810EA6}"/>
-              </a:ext>
-            </a:extLst>
-          </p:cNvPr>
-          <p:cNvCxnSpPr>
-            <a:cxnSpLocks/>
-            <a:stCxn id="78" idx="1"/>
-            <a:endCxn id="70" idx="3"/>
-          </p:cNvCxnSpPr>
-          <p:nvPr/>
-        </p:nvCxnSpPr>
-        <p:spPr>
-          <a:xfrm flipH="1">
-            <a:off x="12190038" y="17880450"/>
-            <a:ext cx="698557" cy="11267"/>
-          </a:xfrm>
-          <a:prstGeom prst="straightConnector1">
-            <a:avLst/>
-          </a:prstGeom>
-          <a:ln w="76200">
-            <a:solidFill>
-              <a:srgbClr val="C00000"/>
-            </a:solidFill>
-            <a:headEnd type="triangle"/>
-            <a:tailEnd type="triangle"/>
-          </a:ln>
-        </p:spPr>
-        <p:style>
-          <a:lnRef idx="2">
-            <a:schemeClr val="accent1"/>
-          </a:lnRef>
-          <a:fillRef idx="0">
-            <a:schemeClr val="accent1"/>
-          </a:fillRef>
-          <a:effectRef idx="1">
-            <a:schemeClr val="accent1"/>
-          </a:effectRef>
-          <a:fontRef idx="minor">
-            <a:schemeClr val="tx1"/>
-          </a:fontRef>
-        </p:style>
-      </p:cxnSp>
-      <p:sp>
-        <p:nvSpPr>
-          <p:cNvPr id="95" name="TextBox 94">
-            <a:extLst>
-              <a:ext uri="{FF2B5EF4-FFF2-40B4-BE49-F238E27FC236}">
-                <a16:creationId xmlns:a16="http://schemas.microsoft.com/office/drawing/2014/main" id="{64BB6FFE-2DEA-05EA-3104-14BDD126EB93}"/>
-              </a:ext>
-            </a:extLst>
-          </p:cNvPr>
-          <p:cNvSpPr txBox="1"/>
-          <p:nvPr/>
-        </p:nvSpPr>
-        <p:spPr>
-          <a:xfrm>
-            <a:off x="9501198" y="16990538"/>
-            <a:ext cx="938748" cy="830997"/>
-          </a:xfrm>
-          <a:prstGeom prst="rect">
-            <a:avLst/>
-          </a:prstGeom>
-          <a:noFill/>
-        </p:spPr>
-        <p:txBody>
-          <a:bodyPr wrap="square" rtlCol="0">
-            <a:spAutoFit/>
-          </a:bodyPr>
-          <a:lstStyle/>
-          <a:p>
-            <a:pPr algn="ctr"/>
-            <a:r>
-              <a:rPr lang="en-IE" sz="1200" b="1" dirty="0">
-                <a:latin typeface="Congenial" panose="02000503040000020004" pitchFamily="2" charset="0"/>
-              </a:rPr>
-              <a:t>User uploads assembly to Core #1</a:t>
-            </a:r>
-            <a:endParaRPr lang="en-IE" sz="1200" dirty="0">
-              <a:latin typeface="Congenial" panose="02000503040000020004" pitchFamily="2" charset="0"/>
-            </a:endParaRPr>
-          </a:p>
-        </p:txBody>
-      </p:sp>
-      <p:sp>
-        <p:nvSpPr>
-          <p:cNvPr id="96" name="TextBox 95">
-            <a:extLst>
-              <a:ext uri="{FF2B5EF4-FFF2-40B4-BE49-F238E27FC236}">
-                <a16:creationId xmlns:a16="http://schemas.microsoft.com/office/drawing/2014/main" id="{4B66B251-B17B-34A5-78A3-8F15781FEB59}"/>
-              </a:ext>
-            </a:extLst>
-          </p:cNvPr>
-          <p:cNvSpPr txBox="1"/>
-          <p:nvPr/>
-        </p:nvSpPr>
-        <p:spPr>
-          <a:xfrm>
-            <a:off x="10807298" y="18499147"/>
-            <a:ext cx="993671" cy="276999"/>
-          </a:xfrm>
-          <a:prstGeom prst="rect">
-            <a:avLst/>
-          </a:prstGeom>
-          <a:noFill/>
-        </p:spPr>
-        <p:txBody>
-          <a:bodyPr wrap="square" rtlCol="0">
-            <a:spAutoFit/>
-          </a:bodyPr>
-          <a:lstStyle/>
-          <a:p>
-            <a:pPr algn="ctr"/>
-            <a:r>
-              <a:rPr lang="en-IE" sz="1200" dirty="0">
-                <a:latin typeface="Congenial Black" panose="02000503040000020004" pitchFamily="2" charset="0"/>
-              </a:rPr>
-              <a:t>Core #1</a:t>
-            </a:r>
-          </a:p>
-        </p:txBody>
-      </p:sp>
-      <p:sp>
-        <p:nvSpPr>
-          <p:cNvPr id="98" name="TextBox 97">
-            <a:extLst>
-              <a:ext uri="{FF2B5EF4-FFF2-40B4-BE49-F238E27FC236}">
-                <a16:creationId xmlns:a16="http://schemas.microsoft.com/office/drawing/2014/main" id="{8B9F5756-4AF7-2294-E74C-75B2D94943FA}"/>
-              </a:ext>
-            </a:extLst>
-          </p:cNvPr>
-          <p:cNvSpPr txBox="1"/>
-          <p:nvPr/>
-        </p:nvSpPr>
-        <p:spPr>
-          <a:xfrm>
-            <a:off x="13285981" y="18499147"/>
-            <a:ext cx="993671" cy="276999"/>
-          </a:xfrm>
-          <a:prstGeom prst="rect">
-            <a:avLst/>
-          </a:prstGeom>
-          <a:noFill/>
-        </p:spPr>
-        <p:txBody>
-          <a:bodyPr wrap="square" rtlCol="0">
-            <a:spAutoFit/>
-          </a:bodyPr>
-          <a:lstStyle/>
-          <a:p>
-            <a:pPr algn="ctr"/>
-            <a:r>
-              <a:rPr lang="en-IE" sz="1200" dirty="0">
-                <a:latin typeface="Congenial Black" panose="02000503040000020004" pitchFamily="2" charset="0"/>
-              </a:rPr>
-              <a:t>Core #2</a:t>
-            </a:r>
-          </a:p>
-        </p:txBody>
-      </p:sp>
-      <p:sp>
-        <p:nvSpPr>
-          <p:cNvPr id="99" name="TextBox 98">
-            <a:extLst>
-              <a:ext uri="{FF2B5EF4-FFF2-40B4-BE49-F238E27FC236}">
-                <a16:creationId xmlns:a16="http://schemas.microsoft.com/office/drawing/2014/main" id="{A50F57D7-CD33-3BF8-66BD-E0AA21E953B2}"/>
-              </a:ext>
-            </a:extLst>
-          </p:cNvPr>
-          <p:cNvSpPr txBox="1"/>
-          <p:nvPr/>
-        </p:nvSpPr>
-        <p:spPr>
-          <a:xfrm>
-            <a:off x="12982354" y="18792895"/>
-            <a:ext cx="1600924" cy="461665"/>
-          </a:xfrm>
-          <a:prstGeom prst="rect">
-            <a:avLst/>
-          </a:prstGeom>
-          <a:noFill/>
-        </p:spPr>
-        <p:txBody>
-          <a:bodyPr wrap="square" rtlCol="0">
-            <a:spAutoFit/>
-          </a:bodyPr>
-          <a:lstStyle/>
-          <a:p>
-            <a:pPr algn="ctr"/>
-            <a:r>
-              <a:rPr lang="en-IE" sz="1200" b="1" dirty="0">
-                <a:latin typeface="Congenial" panose="02000503040000020004" pitchFamily="2" charset="0"/>
-              </a:rPr>
-              <a:t>Core #2 runs hidden program</a:t>
-            </a:r>
-            <a:endParaRPr lang="en-IE" sz="1200" dirty="0">
-              <a:latin typeface="Congenial" panose="02000503040000020004" pitchFamily="2" charset="0"/>
-            </a:endParaRPr>
-          </a:p>
-        </p:txBody>
-      </p:sp>
-      <p:sp>
-        <p:nvSpPr>
-          <p:cNvPr id="102" name="TextBox 101">
-            <a:extLst>
-              <a:ext uri="{FF2B5EF4-FFF2-40B4-BE49-F238E27FC236}">
-                <a16:creationId xmlns:a16="http://schemas.microsoft.com/office/drawing/2014/main" id="{5611000C-133E-F561-6DD5-67C1D5DD7DBD}"/>
-              </a:ext>
-            </a:extLst>
-          </p:cNvPr>
-          <p:cNvSpPr txBox="1"/>
-          <p:nvPr/>
-        </p:nvSpPr>
-        <p:spPr>
-          <a:xfrm>
-            <a:off x="9483549" y="17979435"/>
-            <a:ext cx="938748" cy="1015663"/>
-          </a:xfrm>
-          <a:prstGeom prst="rect">
-            <a:avLst/>
-          </a:prstGeom>
-          <a:noFill/>
-        </p:spPr>
-        <p:txBody>
-          <a:bodyPr wrap="square" rtlCol="0">
-            <a:spAutoFit/>
-          </a:bodyPr>
-          <a:lstStyle/>
-          <a:p>
-            <a:pPr algn="ctr"/>
-            <a:r>
-              <a:rPr lang="en-IE" sz="1200" b="1" dirty="0">
-                <a:latin typeface="Congenial" panose="02000503040000020004" pitchFamily="2" charset="0"/>
-              </a:rPr>
-              <a:t>User may read memory to view results</a:t>
-            </a:r>
-            <a:endParaRPr lang="en-IE" sz="1200" dirty="0">
-              <a:latin typeface="Congenial" panose="02000503040000020004" pitchFamily="2" charset="0"/>
-            </a:endParaRPr>
-          </a:p>
-        </p:txBody>
-      </p:sp>
-    </p:spTree>
-    <p:extLst>
-      <p:ext uri="{BB962C8B-B14F-4D97-AF65-F5344CB8AC3E}">
-        <p14:creationId xmlns:p14="http://schemas.microsoft.com/office/powerpoint/2010/main" val="417522300"/>
       </p:ext>
     </p:extLst>
   </p:cSld>
@@ -11144,4 +8719,319 @@
     </a:ext>
   </a:extLst>
 </a:theme>
+</file>
+
+<file path=ppt/theme/theme2.xml><?xml version="1.0" encoding="utf-8"?>
+<a:theme xmlns:a="http://schemas.openxmlformats.org/drawingml/2006/main" name="Office Theme">
+  <a:themeElements>
+    <a:clrScheme name="Office">
+      <a:dk1>
+        <a:sysClr val="windowText" lastClr="000000"/>
+      </a:dk1>
+      <a:lt1>
+        <a:sysClr val="window" lastClr="FFFFFF"/>
+      </a:lt1>
+      <a:dk2>
+        <a:srgbClr val="0E2841"/>
+      </a:dk2>
+      <a:lt2>
+        <a:srgbClr val="E8E8E8"/>
+      </a:lt2>
+      <a:accent1>
+        <a:srgbClr val="156082"/>
+      </a:accent1>
+      <a:accent2>
+        <a:srgbClr val="E97132"/>
+      </a:accent2>
+      <a:accent3>
+        <a:srgbClr val="196B24"/>
+      </a:accent3>
+      <a:accent4>
+        <a:srgbClr val="0F9ED5"/>
+      </a:accent4>
+      <a:accent5>
+        <a:srgbClr val="A02B93"/>
+      </a:accent5>
+      <a:accent6>
+        <a:srgbClr val="4EA72E"/>
+      </a:accent6>
+      <a:hlink>
+        <a:srgbClr val="467886"/>
+      </a:hlink>
+      <a:folHlink>
+        <a:srgbClr val="96607D"/>
+      </a:folHlink>
+    </a:clrScheme>
+    <a:fontScheme name="Office">
+      <a:majorFont>
+        <a:latin typeface="Aptos Display" panose="02110004020202020204"/>
+        <a:ea typeface=""/>
+        <a:cs typeface=""/>
+        <a:font script="Jpan" typeface="游ゴシック Light"/>
+        <a:font script="Hang" typeface="맑은 고딕"/>
+        <a:font script="Hans" typeface="等线 Light"/>
+        <a:font script="Hant" typeface="新細明體"/>
+        <a:font script="Arab" typeface="Times New Roman"/>
+        <a:font script="Hebr" typeface="Times New Roman"/>
+        <a:font script="Thai" typeface="Angsana New"/>
+        <a:font script="Ethi" typeface="Nyala"/>
+        <a:font script="Beng" typeface="Vrinda"/>
+        <a:font script="Gujr" typeface="Shruti"/>
+        <a:font script="Khmr" typeface="MoolBoran"/>
+        <a:font script="Knda" typeface="Tunga"/>
+        <a:font script="Guru" typeface="Raavi"/>
+        <a:font script="Cans" typeface="Euphemia"/>
+        <a:font script="Cher" typeface="Plantagenet Cherokee"/>
+        <a:font script="Yiii" typeface="Microsoft Yi Baiti"/>
+        <a:font script="Tibt" typeface="Microsoft Himalaya"/>
+        <a:font script="Thaa" typeface="MV Boli"/>
+        <a:font script="Deva" typeface="Mangal"/>
+        <a:font script="Telu" typeface="Gautami"/>
+        <a:font script="Taml" typeface="Latha"/>
+        <a:font script="Syrc" typeface="Estrangelo Edessa"/>
+        <a:font script="Orya" typeface="Kalinga"/>
+        <a:font script="Mlym" typeface="Kartika"/>
+        <a:font script="Laoo" typeface="DokChampa"/>
+        <a:font script="Sinh" typeface="Iskoola Pota"/>
+        <a:font script="Mong" typeface="Mongolian Baiti"/>
+        <a:font script="Viet" typeface="Times New Roman"/>
+        <a:font script="Uigh" typeface="Microsoft Uighur"/>
+        <a:font script="Geor" typeface="Sylfaen"/>
+        <a:font script="Armn" typeface="Arial"/>
+        <a:font script="Bugi" typeface="Leelawadee UI"/>
+        <a:font script="Bopo" typeface="Microsoft JhengHei"/>
+        <a:font script="Java" typeface="Javanese Text"/>
+        <a:font script="Lisu" typeface="Segoe UI"/>
+        <a:font script="Mymr" typeface="Myanmar Text"/>
+        <a:font script="Nkoo" typeface="Ebrima"/>
+        <a:font script="Olck" typeface="Nirmala UI"/>
+        <a:font script="Osma" typeface="Ebrima"/>
+        <a:font script="Phag" typeface="Phagspa"/>
+        <a:font script="Syrn" typeface="Estrangelo Edessa"/>
+        <a:font script="Syrj" typeface="Estrangelo Edessa"/>
+        <a:font script="Syre" typeface="Estrangelo Edessa"/>
+        <a:font script="Sora" typeface="Nirmala UI"/>
+        <a:font script="Tale" typeface="Microsoft Tai Le"/>
+        <a:font script="Talu" typeface="Microsoft New Tai Lue"/>
+        <a:font script="Tfng" typeface="Ebrima"/>
+      </a:majorFont>
+      <a:minorFont>
+        <a:latin typeface="Aptos" panose="02110004020202020204"/>
+        <a:ea typeface=""/>
+        <a:cs typeface=""/>
+        <a:font script="Jpan" typeface="游ゴシック"/>
+        <a:font script="Hang" typeface="맑은 고딕"/>
+        <a:font script="Hans" typeface="等线"/>
+        <a:font script="Hant" typeface="新細明體"/>
+        <a:font script="Arab" typeface="Arial"/>
+        <a:font script="Hebr" typeface="Arial"/>
+        <a:font script="Thai" typeface="Cordia New"/>
+        <a:font script="Ethi" typeface="Nyala"/>
+        <a:font script="Beng" typeface="Vrinda"/>
+        <a:font script="Gujr" typeface="Shruti"/>
+        <a:font script="Khmr" typeface="DaunPenh"/>
+        <a:font script="Knda" typeface="Tunga"/>
+        <a:font script="Guru" typeface="Raavi"/>
+        <a:font script="Cans" typeface="Euphemia"/>
+        <a:font script="Cher" typeface="Plantagenet Cherokee"/>
+        <a:font script="Yiii" typeface="Microsoft Yi Baiti"/>
+        <a:font script="Tibt" typeface="Microsoft Himalaya"/>
+        <a:font script="Thaa" typeface="MV Boli"/>
+        <a:font script="Deva" typeface="Mangal"/>
+        <a:font script="Telu" typeface="Gautami"/>
+        <a:font script="Taml" typeface="Latha"/>
+        <a:font script="Syrc" typeface="Estrangelo Edessa"/>
+        <a:font script="Orya" typeface="Kalinga"/>
+        <a:font script="Mlym" typeface="Kartika"/>
+        <a:font script="Laoo" typeface="DokChampa"/>
+        <a:font script="Sinh" typeface="Iskoola Pota"/>
+        <a:font script="Mong" typeface="Mongolian Baiti"/>
+        <a:font script="Viet" typeface="Arial"/>
+        <a:font script="Uigh" typeface="Microsoft Uighur"/>
+        <a:font script="Geor" typeface="Sylfaen"/>
+        <a:font script="Armn" typeface="Arial"/>
+        <a:font script="Bugi" typeface="Leelawadee UI"/>
+        <a:font script="Bopo" typeface="Microsoft JhengHei"/>
+        <a:font script="Java" typeface="Javanese Text"/>
+        <a:font script="Lisu" typeface="Segoe UI"/>
+        <a:font script="Mymr" typeface="Myanmar Text"/>
+        <a:font script="Nkoo" typeface="Ebrima"/>
+        <a:font script="Olck" typeface="Nirmala UI"/>
+        <a:font script="Osma" typeface="Ebrima"/>
+        <a:font script="Phag" typeface="Phagspa"/>
+        <a:font script="Syrn" typeface="Estrangelo Edessa"/>
+        <a:font script="Syrj" typeface="Estrangelo Edessa"/>
+        <a:font script="Syre" typeface="Estrangelo Edessa"/>
+        <a:font script="Sora" typeface="Nirmala UI"/>
+        <a:font script="Tale" typeface="Microsoft Tai Le"/>
+        <a:font script="Talu" typeface="Microsoft New Tai Lue"/>
+        <a:font script="Tfng" typeface="Ebrima"/>
+      </a:minorFont>
+    </a:fontScheme>
+    <a:fmtScheme name="Office">
+      <a:fillStyleLst>
+        <a:solidFill>
+          <a:schemeClr val="phClr"/>
+        </a:solidFill>
+        <a:gradFill rotWithShape="1">
+          <a:gsLst>
+            <a:gs pos="0">
+              <a:schemeClr val="phClr">
+                <a:lumMod val="110000"/>
+                <a:satMod val="105000"/>
+                <a:tint val="67000"/>
+              </a:schemeClr>
+            </a:gs>
+            <a:gs pos="50000">
+              <a:schemeClr val="phClr">
+                <a:lumMod val="105000"/>
+                <a:satMod val="103000"/>
+                <a:tint val="73000"/>
+              </a:schemeClr>
+            </a:gs>
+            <a:gs pos="100000">
+              <a:schemeClr val="phClr">
+                <a:lumMod val="105000"/>
+                <a:satMod val="109000"/>
+                <a:tint val="81000"/>
+              </a:schemeClr>
+            </a:gs>
+          </a:gsLst>
+          <a:lin ang="5400000" scaled="0"/>
+        </a:gradFill>
+        <a:gradFill rotWithShape="1">
+          <a:gsLst>
+            <a:gs pos="0">
+              <a:schemeClr val="phClr">
+                <a:satMod val="103000"/>
+                <a:lumMod val="102000"/>
+                <a:tint val="94000"/>
+              </a:schemeClr>
+            </a:gs>
+            <a:gs pos="50000">
+              <a:schemeClr val="phClr">
+                <a:satMod val="110000"/>
+                <a:lumMod val="100000"/>
+                <a:shade val="100000"/>
+              </a:schemeClr>
+            </a:gs>
+            <a:gs pos="100000">
+              <a:schemeClr val="phClr">
+                <a:lumMod val="99000"/>
+                <a:satMod val="120000"/>
+                <a:shade val="78000"/>
+              </a:schemeClr>
+            </a:gs>
+          </a:gsLst>
+          <a:lin ang="5400000" scaled="0"/>
+        </a:gradFill>
+      </a:fillStyleLst>
+      <a:lnStyleLst>
+        <a:ln w="12700" cap="flat" cmpd="sng" algn="ctr">
+          <a:solidFill>
+            <a:schemeClr val="phClr"/>
+          </a:solidFill>
+          <a:prstDash val="solid"/>
+          <a:miter lim="800000"/>
+        </a:ln>
+        <a:ln w="19050" cap="flat" cmpd="sng" algn="ctr">
+          <a:solidFill>
+            <a:schemeClr val="phClr"/>
+          </a:solidFill>
+          <a:prstDash val="solid"/>
+          <a:miter lim="800000"/>
+        </a:ln>
+        <a:ln w="25400" cap="flat" cmpd="sng" algn="ctr">
+          <a:solidFill>
+            <a:schemeClr val="phClr"/>
+          </a:solidFill>
+          <a:prstDash val="solid"/>
+          <a:miter lim="800000"/>
+        </a:ln>
+      </a:lnStyleLst>
+      <a:effectStyleLst>
+        <a:effectStyle>
+          <a:effectLst/>
+        </a:effectStyle>
+        <a:effectStyle>
+          <a:effectLst/>
+        </a:effectStyle>
+        <a:effectStyle>
+          <a:effectLst>
+            <a:outerShdw blurRad="57150" dist="19050" dir="5400000" algn="ctr" rotWithShape="0">
+              <a:srgbClr val="000000">
+                <a:alpha val="63000"/>
+              </a:srgbClr>
+            </a:outerShdw>
+          </a:effectLst>
+        </a:effectStyle>
+      </a:effectStyleLst>
+      <a:bgFillStyleLst>
+        <a:solidFill>
+          <a:schemeClr val="phClr"/>
+        </a:solidFill>
+        <a:solidFill>
+          <a:schemeClr val="phClr">
+            <a:tint val="95000"/>
+            <a:satMod val="170000"/>
+          </a:schemeClr>
+        </a:solidFill>
+        <a:gradFill rotWithShape="1">
+          <a:gsLst>
+            <a:gs pos="0">
+              <a:schemeClr val="phClr">
+                <a:tint val="93000"/>
+                <a:satMod val="150000"/>
+                <a:shade val="98000"/>
+                <a:lumMod val="102000"/>
+              </a:schemeClr>
+            </a:gs>
+            <a:gs pos="50000">
+              <a:schemeClr val="phClr">
+                <a:tint val="98000"/>
+                <a:satMod val="130000"/>
+                <a:shade val="90000"/>
+                <a:lumMod val="103000"/>
+              </a:schemeClr>
+            </a:gs>
+            <a:gs pos="100000">
+              <a:schemeClr val="phClr">
+                <a:shade val="63000"/>
+                <a:satMod val="120000"/>
+              </a:schemeClr>
+            </a:gs>
+          </a:gsLst>
+          <a:lin ang="5400000" scaled="0"/>
+        </a:gradFill>
+      </a:bgFillStyleLst>
+    </a:fmtScheme>
+  </a:themeElements>
+  <a:objectDefaults>
+    <a:lnDef>
+      <a:spPr/>
+      <a:bodyPr/>
+      <a:lstStyle/>
+      <a:style>
+        <a:lnRef idx="2">
+          <a:schemeClr val="accent1"/>
+        </a:lnRef>
+        <a:fillRef idx="0">
+          <a:schemeClr val="accent1"/>
+        </a:fillRef>
+        <a:effectRef idx="1">
+          <a:schemeClr val="accent1"/>
+        </a:effectRef>
+        <a:fontRef idx="minor">
+          <a:schemeClr val="tx1"/>
+        </a:fontRef>
+      </a:style>
+    </a:lnDef>
+  </a:objectDefaults>
+  <a:extraClrSchemeLst/>
+  <a:extLst>
+    <a:ext uri="{05A4C25C-085E-4340-85A3-A5531E510DB2}">
+      <thm15:themeFamily xmlns:thm15="http://schemas.microsoft.com/office/thememl/2012/main" name="Office Theme" id="{2E142A2C-CD16-42D6-873A-C26D2A0506FA}" vid="{1BDDFF52-6CD6-40A5-AB3C-68EB2F1E4D0A}"/>
+    </a:ext>
+  </a:extLst>
+</a:theme>
 </file>